--- a/PPTX/Cards-November2023.pptx
+++ b/PPTX/Cards-November2023.pptx
@@ -5,12 +5,13 @@
     <p:sldMasterId id="2147483648" r:id="rId1"/>
   </p:sldMasterIdLst>
   <p:notesMasterIdLst>
-    <p:notesMasterId r:id="rId5"/>
+    <p:notesMasterId r:id="rId6"/>
   </p:notesMasterIdLst>
   <p:sldIdLst>
     <p:sldId id="256" r:id="rId2"/>
     <p:sldId id="258" r:id="rId3"/>
     <p:sldId id="257" r:id="rId4"/>
+    <p:sldId id="259" r:id="rId5"/>
   </p:sldIdLst>
   <p:sldSz cx="12192000" cy="6858000"/>
   <p:notesSz cx="6858000" cy="9144000"/>
@@ -199,7 +200,7 @@
           <a:p>
             <a:fld id="{D18D4C2D-CE11-4A36-9412-76A548B99578}" type="datetimeFigureOut">
               <a:rPr kumimoji="1" lang="ja-JP" altLang="en-US" smtClean="0"/>
-              <a:t>2023/11/7</a:t>
+              <a:t>2023/11/22</a:t>
             </a:fld>
             <a:endParaRPr kumimoji="1" lang="ja-JP" altLang="en-US"/>
           </a:p>
@@ -857,6 +858,153 @@
 </p:notes>
 </file>
 
+<file path=ppt/notesSlides/notesSlide3.xml><?xml version="1.0" encoding="utf-8"?>
+<p:notes xmlns:a="http://schemas.openxmlformats.org/drawingml/2006/main" xmlns:r="http://schemas.openxmlformats.org/officeDocument/2006/relationships" xmlns:p="http://schemas.openxmlformats.org/presentationml/2006/main">
+  <p:cSld>
+    <p:spTree>
+      <p:nvGrpSpPr>
+        <p:cNvPr id="1" name=""/>
+        <p:cNvGrpSpPr/>
+        <p:nvPr/>
+      </p:nvGrpSpPr>
+      <p:grpSpPr>
+        <a:xfrm>
+          <a:off x="0" y="0"/>
+          <a:ext cx="0" cy="0"/>
+          <a:chOff x="0" y="0"/>
+          <a:chExt cx="0" cy="0"/>
+        </a:xfrm>
+      </p:grpSpPr>
+      <p:sp>
+        <p:nvSpPr>
+          <p:cNvPr id="2" name="Slide Image Placeholder 1"/>
+          <p:cNvSpPr>
+            <a:spLocks noGrp="1" noRot="1" noChangeAspect="1"/>
+          </p:cNvSpPr>
+          <p:nvPr>
+            <p:ph type="sldImg"/>
+          </p:nvPr>
+        </p:nvSpPr>
+        <p:spPr/>
+      </p:sp>
+      <p:sp>
+        <p:nvSpPr>
+          <p:cNvPr id="3" name="Notes Placeholder 2"/>
+          <p:cNvSpPr>
+            <a:spLocks noGrp="1"/>
+          </p:cNvSpPr>
+          <p:nvPr>
+            <p:ph type="body" idx="1"/>
+          </p:nvPr>
+        </p:nvSpPr>
+        <p:spPr/>
+        <p:txBody>
+          <a:bodyPr/>
+          <a:lstStyle/>
+          <a:p>
+            <a:r>
+              <a:rPr kumimoji="1" lang="en-US" altLang="ja-JP" dirty="0"/>
+              <a:t>Simple iterative algorithm to compute the geometric matrix mean of n SPD matrices.</a:t>
+            </a:r>
+          </a:p>
+          <a:p>
+            <a:r>
+              <a:rPr kumimoji="1" lang="en-US" altLang="ja-JP" dirty="0"/>
+              <a:t>Extend to approximate the </a:t>
+            </a:r>
+            <a:r>
+              <a:rPr kumimoji="1" lang="en-US" altLang="ja-JP" b="1" dirty="0">
+                <a:solidFill>
+                  <a:srgbClr val="FF0000"/>
+                </a:solidFill>
+                <a:latin typeface="Arial Narrow" panose="020B0606020202030204" pitchFamily="34" charset="0"/>
+              </a:rPr>
+              <a:t>expectations</a:t>
+            </a:r>
+            <a:r>
+              <a:rPr kumimoji="1" lang="en-US" altLang="ja-JP" dirty="0">
+                <a:latin typeface="Arial Narrow" panose="020B0606020202030204" pitchFamily="34" charset="0"/>
+              </a:rPr>
+              <a:t> of </a:t>
+            </a:r>
+            <a:r>
+              <a:rPr kumimoji="1" lang="en-US" altLang="ja-JP" b="1" dirty="0">
+                <a:solidFill>
+                  <a:srgbClr val="FF0000"/>
+                </a:solidFill>
+                <a:latin typeface="Arial Narrow" panose="020B0606020202030204" pitchFamily="34" charset="0"/>
+              </a:rPr>
+              <a:t>SPD random variables </a:t>
+            </a:r>
+            <a:r>
+              <a:rPr kumimoji="1" lang="en-US" altLang="ja-JP" dirty="0">
+                <a:latin typeface="Arial Narrow" panose="020B0606020202030204" pitchFamily="34" charset="0"/>
+              </a:rPr>
+              <a:t>with </a:t>
+            </a:r>
+            <a:r>
+              <a:rPr kumimoji="1" lang="en-US" altLang="ja-JP" dirty="0">
+                <a:solidFill>
+                  <a:schemeClr val="accent4"/>
+                </a:solidFill>
+                <a:latin typeface="Arial Narrow" panose="020B0606020202030204" pitchFamily="34" charset="0"/>
+              </a:rPr>
+              <a:t>compact supports from variates:</a:t>
+            </a:r>
+          </a:p>
+          <a:p>
+            <a:endParaRPr kumimoji="1" lang="en-US" altLang="ja-JP" dirty="0">
+              <a:solidFill>
+                <a:schemeClr val="accent4"/>
+              </a:solidFill>
+              <a:latin typeface="Arial Narrow" panose="020B0606020202030204" pitchFamily="34" charset="0"/>
+            </a:endParaRPr>
+          </a:p>
+          <a:p>
+            <a:r>
+              <a:rPr kumimoji="1" lang="en-US" altLang="ja-JP" dirty="0"/>
+              <a:t>https://franknielsen.github.io/MatrixGeometricMean/WhatIsInductiveMean-notformatted.pdf</a:t>
+            </a:r>
+            <a:endParaRPr kumimoji="1" lang="ja-JP" altLang="en-US" dirty="0"/>
+          </a:p>
+        </p:txBody>
+      </p:sp>
+      <p:sp>
+        <p:nvSpPr>
+          <p:cNvPr id="4" name="Slide Number Placeholder 3"/>
+          <p:cNvSpPr>
+            <a:spLocks noGrp="1"/>
+          </p:cNvSpPr>
+          <p:nvPr>
+            <p:ph type="sldNum" sz="quarter" idx="5"/>
+          </p:nvPr>
+        </p:nvSpPr>
+        <p:spPr/>
+        <p:txBody>
+          <a:bodyPr/>
+          <a:lstStyle/>
+          <a:p>
+            <a:fld id="{897A3250-0369-4FF2-8A87-F471EFBE05A0}" type="slidenum">
+              <a:rPr kumimoji="1" lang="ja-JP" altLang="en-US" smtClean="0"/>
+              <a:t>4</a:t>
+            </a:fld>
+            <a:endParaRPr kumimoji="1" lang="ja-JP" altLang="en-US"/>
+          </a:p>
+        </p:txBody>
+      </p:sp>
+    </p:spTree>
+    <p:extLst>
+      <p:ext uri="{BB962C8B-B14F-4D97-AF65-F5344CB8AC3E}">
+        <p14:creationId xmlns:p14="http://schemas.microsoft.com/office/powerpoint/2010/main" val="3734314859"/>
+      </p:ext>
+    </p:extLst>
+  </p:cSld>
+  <p:clrMapOvr>
+    <a:masterClrMapping/>
+  </p:clrMapOvr>
+</p:notes>
+</file>
+
 <file path=ppt/slideLayouts/slideLayout1.xml><?xml version="1.0" encoding="utf-8"?>
 <p:sldLayout xmlns:a="http://schemas.openxmlformats.org/drawingml/2006/main" xmlns:r="http://schemas.openxmlformats.org/officeDocument/2006/relationships" xmlns:p="http://schemas.openxmlformats.org/presentationml/2006/main" type="title" preserve="1">
   <p:cSld name="Title Slide">
@@ -1006,7 +1154,7 @@
           <a:p>
             <a:fld id="{1FE1D380-D20F-4BF7-A204-3A9DABE281DF}" type="datetimeFigureOut">
               <a:rPr kumimoji="1" lang="ja-JP" altLang="en-US" smtClean="0"/>
-              <a:t>2023/11/7</a:t>
+              <a:t>2023/11/22</a:t>
             </a:fld>
             <a:endParaRPr kumimoji="1" lang="ja-JP" altLang="en-US"/>
           </a:p>
@@ -1206,7 +1354,7 @@
           <a:p>
             <a:fld id="{1FE1D380-D20F-4BF7-A204-3A9DABE281DF}" type="datetimeFigureOut">
               <a:rPr kumimoji="1" lang="ja-JP" altLang="en-US" smtClean="0"/>
-              <a:t>2023/11/7</a:t>
+              <a:t>2023/11/22</a:t>
             </a:fld>
             <a:endParaRPr kumimoji="1" lang="ja-JP" altLang="en-US"/>
           </a:p>
@@ -1416,7 +1564,7 @@
           <a:p>
             <a:fld id="{1FE1D380-D20F-4BF7-A204-3A9DABE281DF}" type="datetimeFigureOut">
               <a:rPr kumimoji="1" lang="ja-JP" altLang="en-US" smtClean="0"/>
-              <a:t>2023/11/7</a:t>
+              <a:t>2023/11/22</a:t>
             </a:fld>
             <a:endParaRPr kumimoji="1" lang="ja-JP" altLang="en-US"/>
           </a:p>
@@ -1616,7 +1764,7 @@
           <a:p>
             <a:fld id="{1FE1D380-D20F-4BF7-A204-3A9DABE281DF}" type="datetimeFigureOut">
               <a:rPr kumimoji="1" lang="ja-JP" altLang="en-US" smtClean="0"/>
-              <a:t>2023/11/7</a:t>
+              <a:t>2023/11/22</a:t>
             </a:fld>
             <a:endParaRPr kumimoji="1" lang="ja-JP" altLang="en-US"/>
           </a:p>
@@ -1892,7 +2040,7 @@
           <a:p>
             <a:fld id="{1FE1D380-D20F-4BF7-A204-3A9DABE281DF}" type="datetimeFigureOut">
               <a:rPr kumimoji="1" lang="ja-JP" altLang="en-US" smtClean="0"/>
-              <a:t>2023/11/7</a:t>
+              <a:t>2023/11/22</a:t>
             </a:fld>
             <a:endParaRPr kumimoji="1" lang="ja-JP" altLang="en-US"/>
           </a:p>
@@ -2160,7 +2308,7 @@
           <a:p>
             <a:fld id="{1FE1D380-D20F-4BF7-A204-3A9DABE281DF}" type="datetimeFigureOut">
               <a:rPr kumimoji="1" lang="ja-JP" altLang="en-US" smtClean="0"/>
-              <a:t>2023/11/7</a:t>
+              <a:t>2023/11/22</a:t>
             </a:fld>
             <a:endParaRPr kumimoji="1" lang="ja-JP" altLang="en-US"/>
           </a:p>
@@ -2575,7 +2723,7 @@
           <a:p>
             <a:fld id="{1FE1D380-D20F-4BF7-A204-3A9DABE281DF}" type="datetimeFigureOut">
               <a:rPr kumimoji="1" lang="ja-JP" altLang="en-US" smtClean="0"/>
-              <a:t>2023/11/7</a:t>
+              <a:t>2023/11/22</a:t>
             </a:fld>
             <a:endParaRPr kumimoji="1" lang="ja-JP" altLang="en-US"/>
           </a:p>
@@ -2717,7 +2865,7 @@
           <a:p>
             <a:fld id="{1FE1D380-D20F-4BF7-A204-3A9DABE281DF}" type="datetimeFigureOut">
               <a:rPr kumimoji="1" lang="ja-JP" altLang="en-US" smtClean="0"/>
-              <a:t>2023/11/7</a:t>
+              <a:t>2023/11/22</a:t>
             </a:fld>
             <a:endParaRPr kumimoji="1" lang="ja-JP" altLang="en-US"/>
           </a:p>
@@ -2830,7 +2978,7 @@
           <a:p>
             <a:fld id="{1FE1D380-D20F-4BF7-A204-3A9DABE281DF}" type="datetimeFigureOut">
               <a:rPr kumimoji="1" lang="ja-JP" altLang="en-US" smtClean="0"/>
-              <a:t>2023/11/7</a:t>
+              <a:t>2023/11/22</a:t>
             </a:fld>
             <a:endParaRPr kumimoji="1" lang="ja-JP" altLang="en-US"/>
           </a:p>
@@ -3143,7 +3291,7 @@
           <a:p>
             <a:fld id="{1FE1D380-D20F-4BF7-A204-3A9DABE281DF}" type="datetimeFigureOut">
               <a:rPr kumimoji="1" lang="ja-JP" altLang="en-US" smtClean="0"/>
-              <a:t>2023/11/7</a:t>
+              <a:t>2023/11/22</a:t>
             </a:fld>
             <a:endParaRPr kumimoji="1" lang="ja-JP" altLang="en-US"/>
           </a:p>
@@ -3432,7 +3580,7 @@
           <a:p>
             <a:fld id="{1FE1D380-D20F-4BF7-A204-3A9DABE281DF}" type="datetimeFigureOut">
               <a:rPr kumimoji="1" lang="ja-JP" altLang="en-US" smtClean="0"/>
-              <a:t>2023/11/7</a:t>
+              <a:t>2023/11/22</a:t>
             </a:fld>
             <a:endParaRPr kumimoji="1" lang="ja-JP" altLang="en-US"/>
           </a:p>
@@ -3675,7 +3823,7 @@
           <a:p>
             <a:fld id="{1FE1D380-D20F-4BF7-A204-3A9DABE281DF}" type="datetimeFigureOut">
               <a:rPr kumimoji="1" lang="ja-JP" altLang="en-US" smtClean="0"/>
-              <a:t>2023/11/7</a:t>
+              <a:t>2023/11/22</a:t>
             </a:fld>
             <a:endParaRPr kumimoji="1" lang="ja-JP" altLang="en-US"/>
           </a:p>
@@ -5582,6 +5730,733 @@
     <p:extLst>
       <p:ext uri="{BB962C8B-B14F-4D97-AF65-F5344CB8AC3E}">
         <p14:creationId xmlns:p14="http://schemas.microsoft.com/office/powerpoint/2010/main" val="454447113"/>
+      </p:ext>
+    </p:extLst>
+  </p:cSld>
+  <p:clrMapOvr>
+    <a:masterClrMapping/>
+  </p:clrMapOvr>
+</p:sld>
+</file>
+
+<file path=ppt/slides/slide4.xml><?xml version="1.0" encoding="utf-8"?>
+<p:sld xmlns:a="http://schemas.openxmlformats.org/drawingml/2006/main" xmlns:r="http://schemas.openxmlformats.org/officeDocument/2006/relationships" xmlns:p="http://schemas.openxmlformats.org/presentationml/2006/main">
+  <p:cSld>
+    <p:spTree>
+      <p:nvGrpSpPr>
+        <p:cNvPr id="1" name=""/>
+        <p:cNvGrpSpPr/>
+        <p:nvPr/>
+      </p:nvGrpSpPr>
+      <p:grpSpPr>
+        <a:xfrm>
+          <a:off x="0" y="0"/>
+          <a:ext cx="0" cy="0"/>
+          <a:chOff x="0" y="0"/>
+          <a:chExt cx="0" cy="0"/>
+        </a:xfrm>
+      </p:grpSpPr>
+      <p:sp>
+        <p:nvSpPr>
+          <p:cNvPr id="2" name="Title 1">
+            <a:extLst>
+              <a:ext uri="{FF2B5EF4-FFF2-40B4-BE49-F238E27FC236}">
+                <a16:creationId xmlns:a16="http://schemas.microsoft.com/office/drawing/2014/main" id="{2DF01ECD-5744-03DF-E2A8-1D624D885B2A}"/>
+              </a:ext>
+            </a:extLst>
+          </p:cNvPr>
+          <p:cNvSpPr>
+            <a:spLocks noGrp="1"/>
+          </p:cNvSpPr>
+          <p:nvPr>
+            <p:ph type="title"/>
+          </p:nvPr>
+        </p:nvSpPr>
+        <p:spPr>
+          <a:xfrm>
+            <a:off x="261768" y="-42880"/>
+            <a:ext cx="12313921" cy="1325563"/>
+          </a:xfrm>
+        </p:spPr>
+        <p:txBody>
+          <a:bodyPr>
+            <a:normAutofit/>
+          </a:bodyPr>
+          <a:lstStyle/>
+          <a:p>
+            <a:r>
+              <a:rPr kumimoji="1" lang="en-US" altLang="ja-JP" sz="4000" b="1" dirty="0">
+                <a:solidFill>
+                  <a:schemeClr val="accent5"/>
+                </a:solidFill>
+                <a:latin typeface="Arial Narrow" panose="020B0606020202030204" pitchFamily="34" charset="0"/>
+              </a:rPr>
+              <a:t>Geometric mean of n symmetric positive-definite matrices</a:t>
+            </a:r>
+            <a:endParaRPr kumimoji="1" lang="ja-JP" altLang="en-US" sz="4000" b="1" dirty="0">
+              <a:solidFill>
+                <a:schemeClr val="accent5"/>
+              </a:solidFill>
+              <a:latin typeface="Arial Narrow" panose="020B0606020202030204" pitchFamily="34" charset="0"/>
+            </a:endParaRPr>
+          </a:p>
+        </p:txBody>
+      </p:sp>
+      <p:sp>
+        <p:nvSpPr>
+          <p:cNvPr id="3" name="Content Placeholder 2">
+            <a:extLst>
+              <a:ext uri="{FF2B5EF4-FFF2-40B4-BE49-F238E27FC236}">
+                <a16:creationId xmlns:a16="http://schemas.microsoft.com/office/drawing/2014/main" id="{EC520483-DF3B-77EC-8978-DAF7DF9190A6}"/>
+              </a:ext>
+            </a:extLst>
+          </p:cNvPr>
+          <p:cNvSpPr>
+            <a:spLocks noGrp="1"/>
+          </p:cNvSpPr>
+          <p:nvPr>
+            <p:ph idx="1"/>
+          </p:nvPr>
+        </p:nvSpPr>
+        <p:spPr>
+          <a:xfrm>
+            <a:off x="261768" y="1169409"/>
+            <a:ext cx="11930231" cy="5575636"/>
+          </a:xfrm>
+        </p:spPr>
+        <p:txBody>
+          <a:bodyPr>
+            <a:normAutofit lnSpcReduction="10000"/>
+          </a:bodyPr>
+          <a:lstStyle/>
+          <a:p>
+            <a:r>
+              <a:rPr kumimoji="1" lang="en-US" altLang="ja-JP" dirty="0">
+                <a:latin typeface="Arial Narrow" panose="020B0606020202030204" pitchFamily="34" charset="0"/>
+              </a:rPr>
+              <a:t>Define the </a:t>
+            </a:r>
+            <a:r>
+              <a:rPr kumimoji="1" lang="en-US" altLang="ja-JP" b="1" dirty="0">
+                <a:solidFill>
+                  <a:srgbClr val="FF0000"/>
+                </a:solidFill>
+                <a:latin typeface="Arial Narrow" panose="020B0606020202030204" pitchFamily="34" charset="0"/>
+              </a:rPr>
+              <a:t>geometric mean </a:t>
+            </a:r>
+            <a:r>
+              <a:rPr kumimoji="1" lang="en-US" altLang="ja-JP" dirty="0">
+                <a:latin typeface="Arial Narrow" panose="020B0606020202030204" pitchFamily="34" charset="0"/>
+              </a:rPr>
+              <a:t>of n SPD matrices as the </a:t>
+            </a:r>
+            <a:r>
+              <a:rPr kumimoji="1" lang="en-US" altLang="ja-JP" b="1" dirty="0">
+                <a:solidFill>
+                  <a:schemeClr val="accent4"/>
+                </a:solidFill>
+                <a:latin typeface="Arial Narrow" panose="020B0606020202030204" pitchFamily="34" charset="0"/>
+              </a:rPr>
+              <a:t>unique minimizer </a:t>
+            </a:r>
+            <a:r>
+              <a:rPr kumimoji="1" lang="en-US" altLang="ja-JP" dirty="0">
+                <a:latin typeface="Arial Narrow" panose="020B0606020202030204" pitchFamily="34" charset="0"/>
+              </a:rPr>
+              <a:t>of</a:t>
+            </a:r>
+          </a:p>
+          <a:p>
+            <a:endParaRPr lang="en-US" altLang="ja-JP" dirty="0">
+              <a:latin typeface="Arial Narrow" panose="020B0606020202030204" pitchFamily="34" charset="0"/>
+            </a:endParaRPr>
+          </a:p>
+          <a:p>
+            <a:endParaRPr kumimoji="1" lang="en-US" altLang="ja-JP" dirty="0">
+              <a:latin typeface="Arial Narrow" panose="020B0606020202030204" pitchFamily="34" charset="0"/>
+            </a:endParaRPr>
+          </a:p>
+          <a:p>
+            <a:r>
+              <a:rPr lang="en-US" altLang="ja-JP" dirty="0">
+                <a:latin typeface="Arial Narrow" panose="020B0606020202030204" pitchFamily="34" charset="0"/>
+              </a:rPr>
+              <a:t>When n=2</a:t>
+            </a:r>
+            <a:r>
+              <a:rPr kumimoji="1" lang="en-US" altLang="ja-JP" dirty="0">
+                <a:latin typeface="Arial Narrow" panose="020B0606020202030204" pitchFamily="34" charset="0"/>
+              </a:rPr>
+              <a:t>: </a:t>
+            </a:r>
+            <a:r>
+              <a:rPr kumimoji="1" lang="en-US" altLang="ja-JP" b="1" dirty="0">
+                <a:solidFill>
+                  <a:srgbClr val="FF0000"/>
+                </a:solidFill>
+                <a:latin typeface="Arial Narrow" panose="020B0606020202030204" pitchFamily="34" charset="0"/>
+              </a:rPr>
+              <a:t>closed-form formula</a:t>
+            </a:r>
+            <a:r>
+              <a:rPr kumimoji="1" lang="en-US" altLang="ja-JP" dirty="0">
+                <a:latin typeface="Arial Narrow" panose="020B0606020202030204" pitchFamily="34" charset="0"/>
+              </a:rPr>
+              <a:t>:</a:t>
+            </a:r>
+          </a:p>
+          <a:p>
+            <a:r>
+              <a:rPr lang="en-US" altLang="ja-JP" dirty="0">
+                <a:latin typeface="Arial Narrow" panose="020B0606020202030204" pitchFamily="34" charset="0"/>
+              </a:rPr>
+              <a:t>Unique solution is characterized by </a:t>
+            </a:r>
+            <a:r>
+              <a:rPr lang="en-US" altLang="ja-JP" b="1" dirty="0" err="1">
+                <a:solidFill>
+                  <a:srgbClr val="FF0000"/>
+                </a:solidFill>
+                <a:latin typeface="Arial Narrow" panose="020B0606020202030204" pitchFamily="34" charset="0"/>
+              </a:rPr>
+              <a:t>Karcher</a:t>
+            </a:r>
+            <a:r>
+              <a:rPr lang="en-US" altLang="ja-JP" b="1" dirty="0">
+                <a:solidFill>
+                  <a:srgbClr val="FF0000"/>
+                </a:solidFill>
+                <a:latin typeface="Arial Narrow" panose="020B0606020202030204" pitchFamily="34" charset="0"/>
+              </a:rPr>
+              <a:t> equation</a:t>
+            </a:r>
+            <a:r>
+              <a:rPr lang="en-US" altLang="ja-JP" dirty="0">
+                <a:latin typeface="Arial Narrow" panose="020B0606020202030204" pitchFamily="34" charset="0"/>
+              </a:rPr>
+              <a:t>:</a:t>
+            </a:r>
+          </a:p>
+          <a:p>
+            <a:endParaRPr lang="en-US" altLang="ja-JP" dirty="0">
+              <a:latin typeface="Arial Narrow" panose="020B0606020202030204" pitchFamily="34" charset="0"/>
+            </a:endParaRPr>
+          </a:p>
+          <a:p>
+            <a:r>
+              <a:rPr lang="en-US" altLang="ja-JP" dirty="0">
+                <a:latin typeface="Arial Narrow" panose="020B0606020202030204" pitchFamily="34" charset="0"/>
+              </a:rPr>
+              <a:t>Simple </a:t>
+            </a:r>
+            <a:r>
+              <a:rPr lang="en-US" altLang="ja-JP" b="1" dirty="0">
+                <a:solidFill>
+                  <a:srgbClr val="FF0000"/>
+                </a:solidFill>
+                <a:latin typeface="Arial Narrow" panose="020B0606020202030204" pitchFamily="34" charset="0"/>
+              </a:rPr>
+              <a:t>inductive geometric mean</a:t>
+            </a:r>
+            <a:r>
+              <a:rPr lang="en-US" altLang="ja-JP" dirty="0">
+                <a:latin typeface="Arial Narrow" panose="020B0606020202030204" pitchFamily="34" charset="0"/>
+              </a:rPr>
+              <a:t>: Let M</a:t>
+            </a:r>
+            <a:r>
+              <a:rPr lang="en-US" altLang="ja-JP" baseline="-25000" dirty="0">
+                <a:latin typeface="Arial Narrow" panose="020B0606020202030204" pitchFamily="34" charset="0"/>
+              </a:rPr>
+              <a:t>1</a:t>
+            </a:r>
+            <a:r>
+              <a:rPr lang="en-US" altLang="ja-JP" dirty="0">
+                <a:latin typeface="Arial Narrow" panose="020B0606020202030204" pitchFamily="34" charset="0"/>
+              </a:rPr>
+              <a:t>=P</a:t>
+            </a:r>
+            <a:r>
+              <a:rPr lang="en-US" altLang="ja-JP" baseline="-25000" dirty="0">
+                <a:latin typeface="Arial Narrow" panose="020B0606020202030204" pitchFamily="34" charset="0"/>
+              </a:rPr>
+              <a:t>1</a:t>
+            </a:r>
+            <a:r>
+              <a:rPr lang="en-US" altLang="ja-JP" dirty="0">
+                <a:latin typeface="Arial Narrow" panose="020B0606020202030204" pitchFamily="34" charset="0"/>
+              </a:rPr>
+              <a:t> . Then </a:t>
+            </a:r>
+            <a:r>
+              <a:rPr lang="en-US" altLang="ja-JP" b="1" dirty="0">
+                <a:solidFill>
+                  <a:schemeClr val="accent4"/>
+                </a:solidFill>
+                <a:latin typeface="Arial Narrow" panose="020B0606020202030204" pitchFamily="34" charset="0"/>
+              </a:rPr>
+              <a:t>iterate</a:t>
+            </a:r>
+          </a:p>
+          <a:p>
+            <a:endParaRPr lang="en-US" altLang="ja-JP" dirty="0">
+              <a:latin typeface="Arial Narrow" panose="020B0606020202030204" pitchFamily="34" charset="0"/>
+            </a:endParaRPr>
+          </a:p>
+          <a:p>
+            <a:endParaRPr lang="en-US" altLang="ja-JP" dirty="0">
+              <a:latin typeface="Arial Narrow" panose="020B0606020202030204" pitchFamily="34" charset="0"/>
+            </a:endParaRPr>
+          </a:p>
+          <a:p>
+            <a:r>
+              <a:rPr kumimoji="1" lang="en-US" altLang="ja-JP" dirty="0">
+                <a:latin typeface="Arial Narrow" panose="020B0606020202030204" pitchFamily="34" charset="0"/>
+              </a:rPr>
+              <a:t>In the limit, it converges to the </a:t>
+            </a:r>
+            <a:r>
+              <a:rPr kumimoji="1" lang="en-US" altLang="ja-JP" b="1" dirty="0">
+                <a:solidFill>
+                  <a:schemeClr val="accent4"/>
+                </a:solidFill>
+                <a:latin typeface="Arial Narrow" panose="020B0606020202030204" pitchFamily="34" charset="0"/>
+              </a:rPr>
+              <a:t>geometric n-variable mean</a:t>
+            </a:r>
+            <a:r>
+              <a:rPr kumimoji="1" lang="en-US" altLang="ja-JP" dirty="0">
+                <a:latin typeface="Arial Narrow" panose="020B0606020202030204" pitchFamily="34" charset="0"/>
+              </a:rPr>
+              <a:t>:</a:t>
+            </a:r>
+          </a:p>
+          <a:p>
+            <a:r>
+              <a:rPr kumimoji="1" lang="en-US" altLang="ja-JP" dirty="0">
+                <a:latin typeface="Arial Narrow" panose="020B0606020202030204" pitchFamily="34" charset="0"/>
+              </a:rPr>
+              <a:t>Extend  to calculate </a:t>
+            </a:r>
+            <a:r>
+              <a:rPr kumimoji="1" lang="en-US" altLang="ja-JP" b="1" dirty="0">
+                <a:solidFill>
+                  <a:srgbClr val="FF0000"/>
+                </a:solidFill>
+                <a:latin typeface="Arial Narrow" panose="020B0606020202030204" pitchFamily="34" charset="0"/>
+              </a:rPr>
+              <a:t>expectations</a:t>
+            </a:r>
+            <a:r>
+              <a:rPr kumimoji="1" lang="en-US" altLang="ja-JP" dirty="0">
+                <a:latin typeface="Arial Narrow" panose="020B0606020202030204" pitchFamily="34" charset="0"/>
+              </a:rPr>
+              <a:t> of </a:t>
+            </a:r>
+            <a:r>
+              <a:rPr kumimoji="1" lang="en-US" altLang="ja-JP" b="1" dirty="0">
+                <a:solidFill>
+                  <a:srgbClr val="FF0000"/>
+                </a:solidFill>
+                <a:latin typeface="Arial Narrow" panose="020B0606020202030204" pitchFamily="34" charset="0"/>
+              </a:rPr>
+              <a:t>SPD random variables </a:t>
+            </a:r>
+            <a:r>
+              <a:rPr kumimoji="1" lang="en-US" altLang="ja-JP" dirty="0">
+                <a:latin typeface="Arial Narrow" panose="020B0606020202030204" pitchFamily="34" charset="0"/>
+              </a:rPr>
+              <a:t>with </a:t>
+            </a:r>
+            <a:r>
+              <a:rPr kumimoji="1" lang="en-US" altLang="ja-JP" dirty="0">
+                <a:solidFill>
+                  <a:schemeClr val="accent4"/>
+                </a:solidFill>
+                <a:latin typeface="Arial Narrow" panose="020B0606020202030204" pitchFamily="34" charset="0"/>
+              </a:rPr>
+              <a:t>compact supports</a:t>
+            </a:r>
+            <a:endParaRPr kumimoji="1" lang="ja-JP" altLang="en-US" dirty="0">
+              <a:solidFill>
+                <a:schemeClr val="accent4"/>
+              </a:solidFill>
+              <a:latin typeface="Arial Narrow" panose="020B0606020202030204" pitchFamily="34" charset="0"/>
+            </a:endParaRPr>
+          </a:p>
+        </p:txBody>
+      </p:sp>
+      <p:pic>
+        <p:nvPicPr>
+          <p:cNvPr id="5" name="Picture 4">
+            <a:extLst>
+              <a:ext uri="{FF2B5EF4-FFF2-40B4-BE49-F238E27FC236}">
+                <a16:creationId xmlns:a16="http://schemas.microsoft.com/office/drawing/2014/main" id="{C6B6792E-98C1-508E-0619-AFA5EDDB8629}"/>
+              </a:ext>
+            </a:extLst>
+          </p:cNvPr>
+          <p:cNvPicPr>
+            <a:picLocks noChangeAspect="1"/>
+          </p:cNvPicPr>
+          <p:nvPr/>
+        </p:nvPicPr>
+        <p:blipFill>
+          <a:blip r:embed="rId3"/>
+          <a:stretch>
+            <a:fillRect/>
+          </a:stretch>
+        </p:blipFill>
+        <p:spPr>
+          <a:xfrm>
+            <a:off x="293490" y="1659432"/>
+            <a:ext cx="4885093" cy="758983"/>
+          </a:xfrm>
+          <a:prstGeom prst="rect">
+            <a:avLst/>
+          </a:prstGeom>
+        </p:spPr>
+      </p:pic>
+      <p:pic>
+        <p:nvPicPr>
+          <p:cNvPr id="7" name="Picture 6">
+            <a:extLst>
+              <a:ext uri="{FF2B5EF4-FFF2-40B4-BE49-F238E27FC236}">
+                <a16:creationId xmlns:a16="http://schemas.microsoft.com/office/drawing/2014/main" id="{6DE7B7CB-1898-733F-0CD9-D4CF9CB06A0F}"/>
+              </a:ext>
+            </a:extLst>
+          </p:cNvPr>
+          <p:cNvPicPr>
+            <a:picLocks noChangeAspect="1"/>
+          </p:cNvPicPr>
+          <p:nvPr/>
+        </p:nvPicPr>
+        <p:blipFill>
+          <a:blip r:embed="rId4"/>
+          <a:stretch>
+            <a:fillRect/>
+          </a:stretch>
+        </p:blipFill>
+        <p:spPr>
+          <a:xfrm>
+            <a:off x="5866506" y="1631833"/>
+            <a:ext cx="6299562" cy="814182"/>
+          </a:xfrm>
+          <a:prstGeom prst="rect">
+            <a:avLst/>
+          </a:prstGeom>
+        </p:spPr>
+      </p:pic>
+      <p:sp>
+        <p:nvSpPr>
+          <p:cNvPr id="8" name="TextBox 7">
+            <a:extLst>
+              <a:ext uri="{FF2B5EF4-FFF2-40B4-BE49-F238E27FC236}">
+                <a16:creationId xmlns:a16="http://schemas.microsoft.com/office/drawing/2014/main" id="{B8CA99C7-8C79-EF16-DC0A-D3C6DE261AA0}"/>
+              </a:ext>
+            </a:extLst>
+          </p:cNvPr>
+          <p:cNvSpPr txBox="1"/>
+          <p:nvPr/>
+        </p:nvSpPr>
+        <p:spPr>
+          <a:xfrm>
+            <a:off x="5264431" y="1824090"/>
+            <a:ext cx="641522" cy="369332"/>
+          </a:xfrm>
+          <a:prstGeom prst="rect">
+            <a:avLst/>
+          </a:prstGeom>
+          <a:noFill/>
+        </p:spPr>
+        <p:txBody>
+          <a:bodyPr wrap="none" rtlCol="0">
+            <a:spAutoFit/>
+          </a:bodyPr>
+          <a:lstStyle/>
+          <a:p>
+            <a:r>
+              <a:rPr kumimoji="1" lang="en-US" altLang="ja-JP" dirty="0"/>
+              <a:t>with</a:t>
+            </a:r>
+            <a:endParaRPr kumimoji="1" lang="ja-JP" altLang="en-US" dirty="0"/>
+          </a:p>
+        </p:txBody>
+      </p:sp>
+      <p:pic>
+        <p:nvPicPr>
+          <p:cNvPr id="10" name="Picture 9">
+            <a:extLst>
+              <a:ext uri="{FF2B5EF4-FFF2-40B4-BE49-F238E27FC236}">
+                <a16:creationId xmlns:a16="http://schemas.microsoft.com/office/drawing/2014/main" id="{607D8C21-CADE-01D7-B6CD-26ADA780AD3C}"/>
+              </a:ext>
+            </a:extLst>
+          </p:cNvPr>
+          <p:cNvPicPr>
+            <a:picLocks noChangeAspect="1"/>
+          </p:cNvPicPr>
+          <p:nvPr/>
+        </p:nvPicPr>
+        <p:blipFill>
+          <a:blip r:embed="rId5"/>
+          <a:stretch>
+            <a:fillRect/>
+          </a:stretch>
+        </p:blipFill>
+        <p:spPr>
+          <a:xfrm>
+            <a:off x="5270181" y="2496704"/>
+            <a:ext cx="4448175" cy="476250"/>
+          </a:xfrm>
+          <a:prstGeom prst="rect">
+            <a:avLst/>
+          </a:prstGeom>
+        </p:spPr>
+      </p:pic>
+      <p:pic>
+        <p:nvPicPr>
+          <p:cNvPr id="12" name="Picture 11">
+            <a:extLst>
+              <a:ext uri="{FF2B5EF4-FFF2-40B4-BE49-F238E27FC236}">
+                <a16:creationId xmlns:a16="http://schemas.microsoft.com/office/drawing/2014/main" id="{B64D8DDD-2362-A0E3-94B9-89EA3CC97B40}"/>
+              </a:ext>
+            </a:extLst>
+          </p:cNvPr>
+          <p:cNvPicPr>
+            <a:picLocks noChangeAspect="1"/>
+          </p:cNvPicPr>
+          <p:nvPr/>
+        </p:nvPicPr>
+        <p:blipFill>
+          <a:blip r:embed="rId6"/>
+          <a:stretch>
+            <a:fillRect/>
+          </a:stretch>
+        </p:blipFill>
+        <p:spPr>
+          <a:xfrm>
+            <a:off x="7916702" y="3019061"/>
+            <a:ext cx="3362325" cy="514350"/>
+          </a:xfrm>
+          <a:prstGeom prst="rect">
+            <a:avLst/>
+          </a:prstGeom>
+        </p:spPr>
+      </p:pic>
+      <p:pic>
+        <p:nvPicPr>
+          <p:cNvPr id="14" name="Picture 13">
+            <a:extLst>
+              <a:ext uri="{FF2B5EF4-FFF2-40B4-BE49-F238E27FC236}">
+                <a16:creationId xmlns:a16="http://schemas.microsoft.com/office/drawing/2014/main" id="{86463FC7-A5BC-3B09-E7FF-01CE013B468F}"/>
+              </a:ext>
+            </a:extLst>
+          </p:cNvPr>
+          <p:cNvPicPr>
+            <a:picLocks noChangeAspect="1"/>
+          </p:cNvPicPr>
+          <p:nvPr/>
+        </p:nvPicPr>
+        <p:blipFill>
+          <a:blip r:embed="rId7"/>
+          <a:stretch>
+            <a:fillRect/>
+          </a:stretch>
+        </p:blipFill>
+        <p:spPr>
+          <a:xfrm>
+            <a:off x="8642031" y="3908168"/>
+            <a:ext cx="3162300" cy="581025"/>
+          </a:xfrm>
+          <a:prstGeom prst="rect">
+            <a:avLst/>
+          </a:prstGeom>
+        </p:spPr>
+      </p:pic>
+      <p:pic>
+        <p:nvPicPr>
+          <p:cNvPr id="16" name="Picture 15">
+            <a:extLst>
+              <a:ext uri="{FF2B5EF4-FFF2-40B4-BE49-F238E27FC236}">
+                <a16:creationId xmlns:a16="http://schemas.microsoft.com/office/drawing/2014/main" id="{C37CB5F2-299A-7BA1-E433-619116B1E733}"/>
+              </a:ext>
+            </a:extLst>
+          </p:cNvPr>
+          <p:cNvPicPr>
+            <a:picLocks noChangeAspect="1"/>
+          </p:cNvPicPr>
+          <p:nvPr/>
+        </p:nvPicPr>
+        <p:blipFill>
+          <a:blip r:embed="rId8"/>
+          <a:stretch>
+            <a:fillRect/>
+          </a:stretch>
+        </p:blipFill>
+        <p:spPr>
+          <a:xfrm>
+            <a:off x="8423740" y="5368027"/>
+            <a:ext cx="1714500" cy="419100"/>
+          </a:xfrm>
+          <a:prstGeom prst="rect">
+            <a:avLst/>
+          </a:prstGeom>
+        </p:spPr>
+      </p:pic>
+      <p:pic>
+        <p:nvPicPr>
+          <p:cNvPr id="18" name="Picture 17">
+            <a:extLst>
+              <a:ext uri="{FF2B5EF4-FFF2-40B4-BE49-F238E27FC236}">
+                <a16:creationId xmlns:a16="http://schemas.microsoft.com/office/drawing/2014/main" id="{E62890CF-6530-8FA3-56A7-A9DBB76C108D}"/>
+              </a:ext>
+            </a:extLst>
+          </p:cNvPr>
+          <p:cNvPicPr>
+            <a:picLocks noChangeAspect="1"/>
+          </p:cNvPicPr>
+          <p:nvPr/>
+        </p:nvPicPr>
+        <p:blipFill>
+          <a:blip r:embed="rId9"/>
+          <a:stretch>
+            <a:fillRect/>
+          </a:stretch>
+        </p:blipFill>
+        <p:spPr>
+          <a:xfrm>
+            <a:off x="10291932" y="5431696"/>
+            <a:ext cx="1638300" cy="304800"/>
+          </a:xfrm>
+          <a:prstGeom prst="rect">
+            <a:avLst/>
+          </a:prstGeom>
+        </p:spPr>
+      </p:pic>
+      <p:pic>
+        <p:nvPicPr>
+          <p:cNvPr id="20" name="Picture 19">
+            <a:extLst>
+              <a:ext uri="{FF2B5EF4-FFF2-40B4-BE49-F238E27FC236}">
+                <a16:creationId xmlns:a16="http://schemas.microsoft.com/office/drawing/2014/main" id="{29A15012-A0DD-C7D0-3842-E413B6F2D49D}"/>
+              </a:ext>
+            </a:extLst>
+          </p:cNvPr>
+          <p:cNvPicPr>
+            <a:picLocks noChangeAspect="1"/>
+          </p:cNvPicPr>
+          <p:nvPr/>
+        </p:nvPicPr>
+        <p:blipFill>
+          <a:blip r:embed="rId10"/>
+          <a:stretch>
+            <a:fillRect/>
+          </a:stretch>
+        </p:blipFill>
+        <p:spPr>
+          <a:xfrm>
+            <a:off x="7632381" y="4505564"/>
+            <a:ext cx="4171950" cy="714375"/>
+          </a:xfrm>
+          <a:prstGeom prst="rect">
+            <a:avLst/>
+          </a:prstGeom>
+        </p:spPr>
+      </p:pic>
+      <p:sp>
+        <p:nvSpPr>
+          <p:cNvPr id="21" name="TextBox 20">
+            <a:extLst>
+              <a:ext uri="{FF2B5EF4-FFF2-40B4-BE49-F238E27FC236}">
+                <a16:creationId xmlns:a16="http://schemas.microsoft.com/office/drawing/2014/main" id="{95417A58-3FD2-050B-5B4F-7769BDF9AF9C}"/>
+              </a:ext>
+            </a:extLst>
+          </p:cNvPr>
+          <p:cNvSpPr txBox="1"/>
+          <p:nvPr/>
+        </p:nvSpPr>
+        <p:spPr>
+          <a:xfrm>
+            <a:off x="492400" y="4664579"/>
+            <a:ext cx="7292381" cy="461665"/>
+          </a:xfrm>
+          <a:prstGeom prst="rect">
+            <a:avLst/>
+          </a:prstGeom>
+          <a:noFill/>
+        </p:spPr>
+        <p:txBody>
+          <a:bodyPr wrap="none" rtlCol="0">
+            <a:spAutoFit/>
+          </a:bodyPr>
+          <a:lstStyle/>
+          <a:p>
+            <a:r>
+              <a:rPr lang="en-US" altLang="ja-JP" sz="2400" dirty="0">
+                <a:latin typeface="Arial Narrow" panose="020B0606020202030204" pitchFamily="34" charset="0"/>
+              </a:rPr>
+              <a:t>w</a:t>
+            </a:r>
+            <a:r>
+              <a:rPr kumimoji="1" lang="en-US" altLang="ja-JP" sz="2400" dirty="0">
+                <a:latin typeface="Arial Narrow" panose="020B0606020202030204" pitchFamily="34" charset="0"/>
+              </a:rPr>
+              <a:t>ith geodesic barycenter (weighted geometric bivariate mean):</a:t>
+            </a:r>
+            <a:endParaRPr kumimoji="1" lang="ja-JP" altLang="en-US" sz="2400" dirty="0">
+              <a:latin typeface="Arial Narrow" panose="020B0606020202030204" pitchFamily="34" charset="0"/>
+            </a:endParaRPr>
+          </a:p>
+        </p:txBody>
+      </p:sp>
+      <p:sp>
+        <p:nvSpPr>
+          <p:cNvPr id="22" name="TextBox 21">
+            <a:extLst>
+              <a:ext uri="{FF2B5EF4-FFF2-40B4-BE49-F238E27FC236}">
+                <a16:creationId xmlns:a16="http://schemas.microsoft.com/office/drawing/2014/main" id="{2DAD6329-71D7-63DA-F973-DBEC583B7706}"/>
+              </a:ext>
+            </a:extLst>
+          </p:cNvPr>
+          <p:cNvSpPr txBox="1"/>
+          <p:nvPr/>
+        </p:nvSpPr>
+        <p:spPr>
+          <a:xfrm>
+            <a:off x="5178583" y="6466452"/>
+            <a:ext cx="6926896" cy="400110"/>
+          </a:xfrm>
+          <a:prstGeom prst="rect">
+            <a:avLst/>
+          </a:prstGeom>
+          <a:noFill/>
+        </p:spPr>
+        <p:txBody>
+          <a:bodyPr wrap="none" rtlCol="0">
+            <a:spAutoFit/>
+          </a:bodyPr>
+          <a:lstStyle/>
+          <a:p>
+            <a:r>
+              <a:rPr lang="en-US" altLang="ja-JP" sz="2000" b="1" dirty="0">
+                <a:solidFill>
+                  <a:schemeClr val="accent6"/>
+                </a:solidFill>
+              </a:rPr>
+              <a:t>What is... An inductive mean? AMS Notices, Dec. 2023</a:t>
+            </a:r>
+            <a:endParaRPr kumimoji="1" lang="ja-JP" altLang="en-US" sz="2000" b="1" dirty="0">
+              <a:solidFill>
+                <a:schemeClr val="accent6"/>
+              </a:solidFill>
+            </a:endParaRPr>
+          </a:p>
+        </p:txBody>
+      </p:sp>
+    </p:spTree>
+    <p:extLst>
+      <p:ext uri="{BB962C8B-B14F-4D97-AF65-F5344CB8AC3E}">
+        <p14:creationId xmlns:p14="http://schemas.microsoft.com/office/powerpoint/2010/main" val="1521232162"/>
       </p:ext>
     </p:extLst>
   </p:cSld>

--- a/PPTX/Cards-November2023.pptx
+++ b/PPTX/Cards-November2023.pptx
@@ -5,13 +5,15 @@
     <p:sldMasterId id="2147483648" r:id="rId1"/>
   </p:sldMasterIdLst>
   <p:notesMasterIdLst>
-    <p:notesMasterId r:id="rId6"/>
+    <p:notesMasterId r:id="rId8"/>
   </p:notesMasterIdLst>
   <p:sldIdLst>
     <p:sldId id="256" r:id="rId2"/>
-    <p:sldId id="258" r:id="rId3"/>
-    <p:sldId id="257" r:id="rId4"/>
-    <p:sldId id="259" r:id="rId5"/>
+    <p:sldId id="261" r:id="rId3"/>
+    <p:sldId id="260" r:id="rId4"/>
+    <p:sldId id="258" r:id="rId5"/>
+    <p:sldId id="257" r:id="rId6"/>
+    <p:sldId id="259" r:id="rId7"/>
   </p:sldIdLst>
   <p:sldSz cx="12192000" cy="6858000"/>
   <p:notesSz cx="6858000" cy="9144000"/>
@@ -200,7 +202,7 @@
           <a:p>
             <a:fld id="{D18D4C2D-CE11-4A36-9412-76A548B99578}" type="datetimeFigureOut">
               <a:rPr kumimoji="1" lang="ja-JP" altLang="en-US" smtClean="0"/>
-              <a:t>2023/11/22</a:t>
+              <a:t>2023/11/23</a:t>
             </a:fld>
             <a:endParaRPr kumimoji="1" lang="ja-JP" altLang="en-US"/>
           </a:p>
@@ -839,7 +841,7 @@
           <a:p>
             <a:fld id="{897A3250-0369-4FF2-8A87-F471EFBE05A0}" type="slidenum">
               <a:rPr kumimoji="1" lang="ja-JP" altLang="en-US" smtClean="0"/>
-              <a:t>2</a:t>
+              <a:t>4</a:t>
             </a:fld>
             <a:endParaRPr kumimoji="1" lang="ja-JP" altLang="en-US"/>
           </a:p>
@@ -986,7 +988,7 @@
           <a:p>
             <a:fld id="{897A3250-0369-4FF2-8A87-F471EFBE05A0}" type="slidenum">
               <a:rPr kumimoji="1" lang="ja-JP" altLang="en-US" smtClean="0"/>
-              <a:t>4</a:t>
+              <a:t>6</a:t>
             </a:fld>
             <a:endParaRPr kumimoji="1" lang="ja-JP" altLang="en-US"/>
           </a:p>
@@ -1154,7 +1156,7 @@
           <a:p>
             <a:fld id="{1FE1D380-D20F-4BF7-A204-3A9DABE281DF}" type="datetimeFigureOut">
               <a:rPr kumimoji="1" lang="ja-JP" altLang="en-US" smtClean="0"/>
-              <a:t>2023/11/22</a:t>
+              <a:t>2023/11/23</a:t>
             </a:fld>
             <a:endParaRPr kumimoji="1" lang="ja-JP" altLang="en-US"/>
           </a:p>
@@ -1354,7 +1356,7 @@
           <a:p>
             <a:fld id="{1FE1D380-D20F-4BF7-A204-3A9DABE281DF}" type="datetimeFigureOut">
               <a:rPr kumimoji="1" lang="ja-JP" altLang="en-US" smtClean="0"/>
-              <a:t>2023/11/22</a:t>
+              <a:t>2023/11/23</a:t>
             </a:fld>
             <a:endParaRPr kumimoji="1" lang="ja-JP" altLang="en-US"/>
           </a:p>
@@ -1564,7 +1566,7 @@
           <a:p>
             <a:fld id="{1FE1D380-D20F-4BF7-A204-3A9DABE281DF}" type="datetimeFigureOut">
               <a:rPr kumimoji="1" lang="ja-JP" altLang="en-US" smtClean="0"/>
-              <a:t>2023/11/22</a:t>
+              <a:t>2023/11/23</a:t>
             </a:fld>
             <a:endParaRPr kumimoji="1" lang="ja-JP" altLang="en-US"/>
           </a:p>
@@ -1764,7 +1766,7 @@
           <a:p>
             <a:fld id="{1FE1D380-D20F-4BF7-A204-3A9DABE281DF}" type="datetimeFigureOut">
               <a:rPr kumimoji="1" lang="ja-JP" altLang="en-US" smtClean="0"/>
-              <a:t>2023/11/22</a:t>
+              <a:t>2023/11/23</a:t>
             </a:fld>
             <a:endParaRPr kumimoji="1" lang="ja-JP" altLang="en-US"/>
           </a:p>
@@ -2040,7 +2042,7 @@
           <a:p>
             <a:fld id="{1FE1D380-D20F-4BF7-A204-3A9DABE281DF}" type="datetimeFigureOut">
               <a:rPr kumimoji="1" lang="ja-JP" altLang="en-US" smtClean="0"/>
-              <a:t>2023/11/22</a:t>
+              <a:t>2023/11/23</a:t>
             </a:fld>
             <a:endParaRPr kumimoji="1" lang="ja-JP" altLang="en-US"/>
           </a:p>
@@ -2308,7 +2310,7 @@
           <a:p>
             <a:fld id="{1FE1D380-D20F-4BF7-A204-3A9DABE281DF}" type="datetimeFigureOut">
               <a:rPr kumimoji="1" lang="ja-JP" altLang="en-US" smtClean="0"/>
-              <a:t>2023/11/22</a:t>
+              <a:t>2023/11/23</a:t>
             </a:fld>
             <a:endParaRPr kumimoji="1" lang="ja-JP" altLang="en-US"/>
           </a:p>
@@ -2723,7 +2725,7 @@
           <a:p>
             <a:fld id="{1FE1D380-D20F-4BF7-A204-3A9DABE281DF}" type="datetimeFigureOut">
               <a:rPr kumimoji="1" lang="ja-JP" altLang="en-US" smtClean="0"/>
-              <a:t>2023/11/22</a:t>
+              <a:t>2023/11/23</a:t>
             </a:fld>
             <a:endParaRPr kumimoji="1" lang="ja-JP" altLang="en-US"/>
           </a:p>
@@ -2865,7 +2867,7 @@
           <a:p>
             <a:fld id="{1FE1D380-D20F-4BF7-A204-3A9DABE281DF}" type="datetimeFigureOut">
               <a:rPr kumimoji="1" lang="ja-JP" altLang="en-US" smtClean="0"/>
-              <a:t>2023/11/22</a:t>
+              <a:t>2023/11/23</a:t>
             </a:fld>
             <a:endParaRPr kumimoji="1" lang="ja-JP" altLang="en-US"/>
           </a:p>
@@ -2978,7 +2980,7 @@
           <a:p>
             <a:fld id="{1FE1D380-D20F-4BF7-A204-3A9DABE281DF}" type="datetimeFigureOut">
               <a:rPr kumimoji="1" lang="ja-JP" altLang="en-US" smtClean="0"/>
-              <a:t>2023/11/22</a:t>
+              <a:t>2023/11/23</a:t>
             </a:fld>
             <a:endParaRPr kumimoji="1" lang="ja-JP" altLang="en-US"/>
           </a:p>
@@ -3291,7 +3293,7 @@
           <a:p>
             <a:fld id="{1FE1D380-D20F-4BF7-A204-3A9DABE281DF}" type="datetimeFigureOut">
               <a:rPr kumimoji="1" lang="ja-JP" altLang="en-US" smtClean="0"/>
-              <a:t>2023/11/22</a:t>
+              <a:t>2023/11/23</a:t>
             </a:fld>
             <a:endParaRPr kumimoji="1" lang="ja-JP" altLang="en-US"/>
           </a:p>
@@ -3580,7 +3582,7 @@
           <a:p>
             <a:fld id="{1FE1D380-D20F-4BF7-A204-3A9DABE281DF}" type="datetimeFigureOut">
               <a:rPr kumimoji="1" lang="ja-JP" altLang="en-US" smtClean="0"/>
-              <a:t>2023/11/22</a:t>
+              <a:t>2023/11/23</a:t>
             </a:fld>
             <a:endParaRPr kumimoji="1" lang="ja-JP" altLang="en-US"/>
           </a:p>
@@ -3823,7 +3825,7 @@
           <a:p>
             <a:fld id="{1FE1D380-D20F-4BF7-A204-3A9DABE281DF}" type="datetimeFigureOut">
               <a:rPr kumimoji="1" lang="ja-JP" altLang="en-US" smtClean="0"/>
-              <a:t>2023/11/22</a:t>
+              <a:t>2023/11/23</a:t>
             </a:fld>
             <a:endParaRPr kumimoji="1" lang="ja-JP" altLang="en-US"/>
           </a:p>
@@ -4947,7 +4949,7 @@
           <p:cNvPr id="2" name="Title 1">
             <a:extLst>
               <a:ext uri="{FF2B5EF4-FFF2-40B4-BE49-F238E27FC236}">
-                <a16:creationId xmlns:a16="http://schemas.microsoft.com/office/drawing/2014/main" id="{1CC3642B-9742-5616-9937-0466314270FA}"/>
+                <a16:creationId xmlns:a16="http://schemas.microsoft.com/office/drawing/2014/main" id="{3FA0BC29-32E6-08AC-1E69-1E050EEA8741}"/>
               </a:ext>
             </a:extLst>
           </p:cNvPr>
@@ -4957,86 +4959,57 @@
           <p:nvPr>
             <p:ph type="title"/>
           </p:nvPr>
+        </p:nvSpPr>
+        <p:spPr/>
+        <p:txBody>
+          <a:bodyPr/>
+          <a:lstStyle/>
+          <a:p>
+            <a:endParaRPr kumimoji="1" lang="ja-JP" altLang="en-US"/>
+          </a:p>
+        </p:txBody>
+      </p:sp>
+      <p:sp>
+        <p:nvSpPr>
+          <p:cNvPr id="3" name="Content Placeholder 2">
+            <a:extLst>
+              <a:ext uri="{FF2B5EF4-FFF2-40B4-BE49-F238E27FC236}">
+                <a16:creationId xmlns:a16="http://schemas.microsoft.com/office/drawing/2014/main" id="{3A577BA7-4F10-A500-C0C6-968D9CEF318D}"/>
+              </a:ext>
+            </a:extLst>
+          </p:cNvPr>
+          <p:cNvSpPr>
+            <a:spLocks noGrp="1"/>
+          </p:cNvSpPr>
+          <p:nvPr>
+            <p:ph idx="1"/>
+          </p:nvPr>
+        </p:nvSpPr>
+        <p:spPr/>
+        <p:txBody>
+          <a:bodyPr/>
+          <a:lstStyle/>
+          <a:p>
+            <a:endParaRPr kumimoji="1" lang="ja-JP" altLang="en-US"/>
+          </a:p>
+        </p:txBody>
+      </p:sp>
+      <p:sp>
+        <p:nvSpPr>
+          <p:cNvPr id="7" name="TextBox 6">
+            <a:extLst>
+              <a:ext uri="{FF2B5EF4-FFF2-40B4-BE49-F238E27FC236}">
+                <a16:creationId xmlns:a16="http://schemas.microsoft.com/office/drawing/2014/main" id="{1A5D3A62-A170-950C-BBB2-831DF26F3A0D}"/>
+              </a:ext>
+            </a:extLst>
+          </p:cNvPr>
+          <p:cNvSpPr txBox="1"/>
+          <p:nvPr/>
         </p:nvSpPr>
         <p:spPr>
           <a:xfrm>
-            <a:off x="219966" y="-273488"/>
-            <a:ext cx="11752068" cy="1325563"/>
-          </a:xfrm>
-        </p:spPr>
-        <p:txBody>
-          <a:bodyPr>
-            <a:normAutofit/>
-          </a:bodyPr>
-          <a:lstStyle/>
-          <a:p>
-            <a:r>
-              <a:rPr kumimoji="1" lang="en-US" altLang="ja-JP" sz="3600" b="1" dirty="0">
-                <a:solidFill>
-                  <a:schemeClr val="accent5"/>
-                </a:solidFill>
-              </a:rPr>
-              <a:t>Hessian manifolds, Hessian geometry, Bregman geometry</a:t>
-            </a:r>
-            <a:endParaRPr kumimoji="1" lang="ja-JP" altLang="en-US" sz="3600" b="1" dirty="0">
-              <a:solidFill>
-                <a:schemeClr val="accent5"/>
-              </a:solidFill>
-            </a:endParaRPr>
-          </a:p>
-        </p:txBody>
-      </p:sp>
-      <p:pic>
-        <p:nvPicPr>
-          <p:cNvPr id="5" name="Content Placeholder 4" descr="A book cover with text&#10;&#10;Description automatically generated">
-            <a:extLst>
-              <a:ext uri="{FF2B5EF4-FFF2-40B4-BE49-F238E27FC236}">
-                <a16:creationId xmlns:a16="http://schemas.microsoft.com/office/drawing/2014/main" id="{D048D31E-7654-8254-FA04-F9748BFF69AF}"/>
-              </a:ext>
-            </a:extLst>
-          </p:cNvPr>
-          <p:cNvPicPr>
-            <a:picLocks noGrp="1" noChangeAspect="1"/>
-          </p:cNvPicPr>
-          <p:nvPr>
-            <p:ph idx="1"/>
-          </p:nvPr>
-        </p:nvPicPr>
-        <p:blipFill>
-          <a:blip r:embed="rId3">
-            <a:extLst>
-              <a:ext uri="{28A0092B-C50C-407E-A947-70E740481C1C}">
-                <a14:useLocalDpi xmlns:a14="http://schemas.microsoft.com/office/drawing/2010/main" val="0"/>
-              </a:ext>
-            </a:extLst>
-          </a:blip>
-          <a:stretch>
-            <a:fillRect/>
-          </a:stretch>
-        </p:blipFill>
-        <p:spPr>
-          <a:xfrm>
-            <a:off x="772098" y="2025615"/>
-            <a:ext cx="2577158" cy="3655544"/>
-          </a:xfrm>
-        </p:spPr>
-      </p:pic>
-      <p:sp>
-        <p:nvSpPr>
-          <p:cNvPr id="6" name="TextBox 5">
-            <a:extLst>
-              <a:ext uri="{FF2B5EF4-FFF2-40B4-BE49-F238E27FC236}">
-                <a16:creationId xmlns:a16="http://schemas.microsoft.com/office/drawing/2014/main" id="{95C7AD0D-A17F-006E-8AC8-E7411C575379}"/>
-              </a:ext>
-            </a:extLst>
-          </p:cNvPr>
-          <p:cNvSpPr txBox="1"/>
-          <p:nvPr/>
-        </p:nvSpPr>
-        <p:spPr>
-          <a:xfrm>
-            <a:off x="219966" y="772497"/>
-            <a:ext cx="12067727" cy="1477328"/>
+            <a:off x="3047104" y="3247023"/>
+            <a:ext cx="6094206" cy="369332"/>
           </a:xfrm>
           <a:prstGeom prst="rect">
             <a:avLst/>
@@ -5044,162 +5017,24 @@
           <a:noFill/>
         </p:spPr>
         <p:txBody>
-          <a:bodyPr wrap="none" rtlCol="0">
+          <a:bodyPr wrap="square">
             <a:spAutoFit/>
           </a:bodyPr>
           <a:lstStyle/>
           <a:p>
             <a:r>
-              <a:rPr kumimoji="1" lang="en-US" altLang="ja-JP" b="1" dirty="0">
-                <a:solidFill>
-                  <a:srgbClr val="FF0000"/>
-                </a:solidFill>
-              </a:rPr>
-              <a:t>Hessian structure </a:t>
-            </a:r>
-            <a:r>
-              <a:rPr kumimoji="1" lang="en-US" altLang="ja-JP" dirty="0"/>
-              <a:t>on a manifold:  </a:t>
-            </a:r>
-            <a:r>
-              <a:rPr kumimoji="1" lang="en-US" altLang="ja-JP" b="1" dirty="0">
-                <a:latin typeface="+mj-lt"/>
-              </a:rPr>
-              <a:t>(g,</a:t>
-            </a:r>
-            <a:r>
-              <a:rPr lang="ja-JP" altLang="en-US" b="1" i="0" dirty="0">
-                <a:effectLst/>
-                <a:latin typeface="+mj-lt"/>
-              </a:rPr>
-              <a:t> ∇</a:t>
-            </a:r>
-            <a:r>
-              <a:rPr kumimoji="1" lang="en-US" altLang="ja-JP" b="1" dirty="0">
-                <a:latin typeface="+mj-lt"/>
-              </a:rPr>
-              <a:t>) </a:t>
-            </a:r>
-            <a:r>
-              <a:rPr kumimoji="1" lang="en-US" altLang="ja-JP" dirty="0"/>
-              <a:t>where g is a Hessian metric tensor and a torsion-free flat connection</a:t>
-            </a:r>
-            <a:r>
-              <a:rPr lang="ja-JP" altLang="en-US" b="1" i="0" dirty="0">
-                <a:effectLst/>
-                <a:latin typeface="+mj-lt"/>
-              </a:rPr>
-              <a:t> ∇</a:t>
-            </a:r>
-            <a:endParaRPr kumimoji="1" lang="en-US" altLang="ja-JP" dirty="0"/>
-          </a:p>
-          <a:p>
-            <a:r>
-              <a:rPr lang="en-US" altLang="ja-JP" dirty="0"/>
-              <a:t>To every chart there is a </a:t>
-            </a:r>
-            <a:r>
-              <a:rPr lang="en-US" altLang="ja-JP" b="1" dirty="0">
-                <a:solidFill>
-                  <a:srgbClr val="FF0000"/>
-                </a:solidFill>
-              </a:rPr>
-              <a:t>potential function </a:t>
-            </a:r>
-            <a:r>
-              <a:rPr lang="en-US" altLang="ja-JP" dirty="0"/>
-              <a:t>defining the Hessian metric in local coordinates of the chart</a:t>
-            </a:r>
-          </a:p>
-          <a:p>
-            <a:r>
-              <a:rPr kumimoji="1" lang="en-US" altLang="ja-JP" dirty="0"/>
-              <a:t>Hessian </a:t>
-            </a:r>
-            <a:r>
-              <a:rPr lang="en-US" altLang="ja-JP" dirty="0"/>
-              <a:t>manifolds are special </a:t>
-            </a:r>
-            <a:r>
-              <a:rPr lang="en-US" altLang="ja-JP" b="1" dirty="0">
-                <a:solidFill>
-                  <a:srgbClr val="FF0000"/>
-                </a:solidFill>
-              </a:rPr>
-              <a:t>affine manifolds </a:t>
-            </a:r>
-            <a:r>
-              <a:rPr lang="en-US" altLang="ja-JP" dirty="0"/>
-              <a:t>(M,</a:t>
-            </a:r>
-            <a:r>
-              <a:rPr lang="ja-JP" altLang="en-US" b="1" i="0" dirty="0">
-                <a:effectLst/>
-                <a:latin typeface="+mj-lt"/>
-              </a:rPr>
-              <a:t> ∇</a:t>
-            </a:r>
-            <a:r>
-              <a:rPr kumimoji="1" lang="en-US" altLang="ja-JP" b="1" dirty="0">
-                <a:latin typeface="+mj-lt"/>
-              </a:rPr>
-              <a:t>) </a:t>
-            </a:r>
-            <a:r>
-              <a:rPr kumimoji="1" lang="en-US" altLang="ja-JP" dirty="0">
-                <a:latin typeface="+mj-lt"/>
-              </a:rPr>
-              <a:t>where </a:t>
-            </a:r>
-            <a:r>
-              <a:rPr lang="ja-JP" altLang="en-US" i="0" dirty="0">
-                <a:effectLst/>
-                <a:latin typeface="+mj-lt"/>
-              </a:rPr>
-              <a:t>∇ </a:t>
-            </a:r>
-            <a:r>
-              <a:rPr lang="en-US" altLang="ja-JP" i="0" dirty="0">
-                <a:effectLst/>
-                <a:latin typeface="+mj-lt"/>
-              </a:rPr>
-              <a:t>is </a:t>
-            </a:r>
-            <a:r>
-              <a:rPr kumimoji="1" lang="en-US" altLang="ja-JP" dirty="0"/>
-              <a:t>a torsion-free flat connection</a:t>
-            </a:r>
-          </a:p>
-          <a:p>
-            <a:r>
-              <a:rPr lang="en-US" altLang="ja-JP" dirty="0"/>
-              <a:t>A Bregman divergence induces a Hessian manifold with a global chart, a </a:t>
-            </a:r>
-            <a:r>
-              <a:rPr lang="en-US" altLang="ja-JP" b="1" dirty="0">
-                <a:solidFill>
-                  <a:srgbClr val="FF0000"/>
-                </a:solidFill>
-              </a:rPr>
-              <a:t>Bregman manifold</a:t>
-            </a:r>
-            <a:endParaRPr kumimoji="1" lang="en-US" altLang="ja-JP" b="1" dirty="0">
-              <a:solidFill>
-                <a:srgbClr val="FF0000"/>
-              </a:solidFill>
-            </a:endParaRPr>
-          </a:p>
-          <a:p>
-            <a:endParaRPr kumimoji="1" lang="ja-JP" altLang="en-US" dirty="0"/>
+              <a:rPr lang="ja-JP" altLang="en-US" dirty="0"/>
+              <a:t>Andrej Karpathy</a:t>
+            </a:r>
           </a:p>
         </p:txBody>
       </p:sp>
       <p:pic>
         <p:nvPicPr>
-          <p:cNvPr id="1026" name="Picture 2" descr="The Geometry of Hessian Structures: Shima, Hirohiko: 9789812700315:  Amazon.com: Books">
-            <a:extLst>
-              <a:ext uri="{FF2B5EF4-FFF2-40B4-BE49-F238E27FC236}">
-                <a16:creationId xmlns:a16="http://schemas.microsoft.com/office/drawing/2014/main" id="{4270141D-62DE-8996-E8BA-9560EC07568B}"/>
+          <p:cNvPr id="1026" name="Picture 2" descr="Mathematical Foundations of Nonextensive Statistical Mechanics : Umarov,  Sabir, Constantino, Tsallis: Foreign Language Books - Amazon.co.jp">
+            <a:extLst>
+              <a:ext uri="{FF2B5EF4-FFF2-40B4-BE49-F238E27FC236}">
+                <a16:creationId xmlns:a16="http://schemas.microsoft.com/office/drawing/2014/main" id="{544E1C15-82BC-011B-E712-A5C07A4B677D}"/>
               </a:ext>
             </a:extLst>
           </p:cNvPr>
@@ -5209,7 +5044,7 @@
           <p:nvPr/>
         </p:nvPicPr>
         <p:blipFill>
-          <a:blip r:embed="rId4">
+          <a:blip r:embed="rId2">
             <a:extLst>
               <a:ext uri="{28A0092B-C50C-407E-A947-70E740481C1C}">
                 <a14:useLocalDpi xmlns:a14="http://schemas.microsoft.com/office/drawing/2010/main" val="0"/>
@@ -5223,8 +5058,8 @@
         </p:blipFill>
         <p:spPr bwMode="auto">
           <a:xfrm>
-            <a:off x="4869651" y="1990611"/>
-            <a:ext cx="2504871" cy="3716018"/>
+            <a:off x="3938588" y="0"/>
+            <a:ext cx="4313237" cy="6858000"/>
           </a:xfrm>
           <a:prstGeom prst="rect">
             <a:avLst/>
@@ -5241,320 +5076,10 @@
           </a:extLst>
         </p:spPr>
       </p:pic>
-      <p:sp>
-        <p:nvSpPr>
-          <p:cNvPr id="8" name="TextBox 7">
-            <a:extLst>
-              <a:ext uri="{FF2B5EF4-FFF2-40B4-BE49-F238E27FC236}">
-                <a16:creationId xmlns:a16="http://schemas.microsoft.com/office/drawing/2014/main" id="{9896DFD9-206F-9197-815E-92946154232B}"/>
-              </a:ext>
-            </a:extLst>
-          </p:cNvPr>
-          <p:cNvSpPr txBox="1"/>
-          <p:nvPr/>
-        </p:nvSpPr>
-        <p:spPr>
-          <a:xfrm>
-            <a:off x="0" y="5716171"/>
-            <a:ext cx="6182832" cy="369332"/>
-          </a:xfrm>
-          <a:prstGeom prst="rect">
-            <a:avLst/>
-          </a:prstGeom>
-          <a:noFill/>
-        </p:spPr>
-        <p:txBody>
-          <a:bodyPr wrap="square">
-            <a:spAutoFit/>
-          </a:bodyPr>
-          <a:lstStyle/>
-          <a:p>
-            <a:r>
-              <a:rPr lang="ja-JP" altLang="en-US" dirty="0"/>
-              <a:t>志摩裕彦, へッセ幾何学， 裳華房， 2001</a:t>
-            </a:r>
-          </a:p>
-        </p:txBody>
-      </p:sp>
-      <p:sp>
-        <p:nvSpPr>
-          <p:cNvPr id="10" name="TextBox 9">
-            <a:extLst>
-              <a:ext uri="{FF2B5EF4-FFF2-40B4-BE49-F238E27FC236}">
-                <a16:creationId xmlns:a16="http://schemas.microsoft.com/office/drawing/2014/main" id="{A35B527E-ECB8-8DAB-CB88-FAE7BC8F0082}"/>
-              </a:ext>
-            </a:extLst>
-          </p:cNvPr>
-          <p:cNvSpPr txBox="1"/>
-          <p:nvPr/>
-        </p:nvSpPr>
-        <p:spPr>
-          <a:xfrm>
-            <a:off x="4656286" y="5751243"/>
-            <a:ext cx="7860119" cy="369332"/>
-          </a:xfrm>
-          <a:prstGeom prst="rect">
-            <a:avLst/>
-          </a:prstGeom>
-          <a:noFill/>
-        </p:spPr>
-        <p:txBody>
-          <a:bodyPr wrap="square">
-            <a:spAutoFit/>
-          </a:bodyPr>
-          <a:lstStyle/>
-          <a:p>
-            <a:r>
-              <a:rPr lang="en-US" altLang="ja-JP" b="0" i="0" dirty="0">
-                <a:solidFill>
-                  <a:srgbClr val="222222"/>
-                </a:solidFill>
-                <a:effectLst/>
-                <a:latin typeface="+mj-lt"/>
-              </a:rPr>
-              <a:t>Shima, </a:t>
-            </a:r>
-            <a:r>
-              <a:rPr lang="en-US" altLang="ja-JP" b="0" i="0" dirty="0" err="1">
-                <a:solidFill>
-                  <a:srgbClr val="222222"/>
-                </a:solidFill>
-                <a:effectLst/>
-                <a:latin typeface="+mj-lt"/>
-              </a:rPr>
-              <a:t>Hirohiko</a:t>
-            </a:r>
-            <a:r>
-              <a:rPr lang="en-US" altLang="ja-JP" b="0" i="0" dirty="0">
-                <a:solidFill>
-                  <a:srgbClr val="222222"/>
-                </a:solidFill>
-                <a:effectLst/>
-                <a:latin typeface="+mj-lt"/>
-              </a:rPr>
-              <a:t>. </a:t>
-            </a:r>
-            <a:r>
-              <a:rPr lang="en-US" altLang="ja-JP" b="0" i="1" dirty="0">
-                <a:solidFill>
-                  <a:srgbClr val="222222"/>
-                </a:solidFill>
-                <a:effectLst/>
-                <a:latin typeface="+mj-lt"/>
-              </a:rPr>
-              <a:t>The geometry of Hessian structures</a:t>
-            </a:r>
-            <a:r>
-              <a:rPr lang="en-US" altLang="ja-JP" b="0" i="0" dirty="0">
-                <a:solidFill>
-                  <a:srgbClr val="222222"/>
-                </a:solidFill>
-                <a:effectLst/>
-                <a:latin typeface="+mj-lt"/>
-              </a:rPr>
-              <a:t>. World Scientific, 2007.</a:t>
-            </a:r>
-            <a:endParaRPr lang="ja-JP" altLang="en-US" dirty="0">
-              <a:latin typeface="+mj-lt"/>
-            </a:endParaRPr>
-          </a:p>
-        </p:txBody>
-      </p:sp>
-      <p:pic>
-        <p:nvPicPr>
-          <p:cNvPr id="1028" name="Picture 4" descr="Jean-Louis Koszul and Hirihiko Shima at GSI'13 “Geometric Science of... |  Download Scientific Diagram">
-            <a:extLst>
-              <a:ext uri="{FF2B5EF4-FFF2-40B4-BE49-F238E27FC236}">
-                <a16:creationId xmlns:a16="http://schemas.microsoft.com/office/drawing/2014/main" id="{531CC6B4-2CF9-4BBC-DF59-40E0E72095B9}"/>
-              </a:ext>
-            </a:extLst>
-          </p:cNvPr>
-          <p:cNvPicPr>
-            <a:picLocks noChangeAspect="1" noChangeArrowheads="1"/>
-          </p:cNvPicPr>
-          <p:nvPr/>
-        </p:nvPicPr>
-        <p:blipFill>
-          <a:blip r:embed="rId5">
-            <a:extLst>
-              <a:ext uri="{28A0092B-C50C-407E-A947-70E740481C1C}">
-                <a14:useLocalDpi xmlns:a14="http://schemas.microsoft.com/office/drawing/2010/main" val="0"/>
-              </a:ext>
-            </a:extLst>
-          </a:blip>
-          <a:srcRect/>
-          <a:stretch>
-            <a:fillRect/>
-          </a:stretch>
-        </p:blipFill>
-        <p:spPr bwMode="auto">
-          <a:xfrm>
-            <a:off x="8153050" y="2025614"/>
-            <a:ext cx="3704165" cy="2780302"/>
-          </a:xfrm>
-          <a:prstGeom prst="rect">
-            <a:avLst/>
-          </a:prstGeom>
-          <a:noFill/>
-          <a:extLst>
-            <a:ext uri="{909E8E84-426E-40DD-AFC4-6F175D3DCCD1}">
-              <a14:hiddenFill xmlns:a14="http://schemas.microsoft.com/office/drawing/2010/main">
-                <a:solidFill>
-                  <a:srgbClr val="FFFFFF"/>
-                </a:solidFill>
-              </a14:hiddenFill>
-            </a:ext>
-          </a:extLst>
-        </p:spPr>
-      </p:pic>
-      <p:sp>
-        <p:nvSpPr>
-          <p:cNvPr id="11" name="TextBox 10">
-            <a:extLst>
-              <a:ext uri="{FF2B5EF4-FFF2-40B4-BE49-F238E27FC236}">
-                <a16:creationId xmlns:a16="http://schemas.microsoft.com/office/drawing/2014/main" id="{C1FE3A9D-DC74-5C90-F7BB-77EFD2367579}"/>
-              </a:ext>
-            </a:extLst>
-          </p:cNvPr>
-          <p:cNvSpPr txBox="1"/>
-          <p:nvPr/>
-        </p:nvSpPr>
-        <p:spPr>
-          <a:xfrm>
-            <a:off x="8303384" y="4893919"/>
-            <a:ext cx="3403496" cy="861774"/>
-          </a:xfrm>
-          <a:prstGeom prst="rect">
-            <a:avLst/>
-          </a:prstGeom>
-          <a:noFill/>
-        </p:spPr>
-        <p:txBody>
-          <a:bodyPr wrap="none" rtlCol="0">
-            <a:spAutoFit/>
-          </a:bodyPr>
-          <a:lstStyle/>
-          <a:p>
-            <a:pPr algn="ctr"/>
-            <a:r>
-              <a:rPr kumimoji="1" lang="en-US" altLang="ja-JP" sz="1600" dirty="0"/>
-              <a:t>Professor Jean-Louis </a:t>
-            </a:r>
-            <a:r>
-              <a:rPr kumimoji="1" lang="en-US" altLang="ja-JP" sz="1600" dirty="0" err="1"/>
-              <a:t>Koszul</a:t>
-            </a:r>
-            <a:r>
-              <a:rPr kumimoji="1" lang="en-US" altLang="ja-JP" sz="1600" dirty="0"/>
-              <a:t> (left)</a:t>
-            </a:r>
-          </a:p>
-          <a:p>
-            <a:pPr algn="ctr"/>
-            <a:r>
-              <a:rPr lang="en-US" altLang="ja-JP" sz="1600" dirty="0"/>
-              <a:t>Professor </a:t>
-            </a:r>
-            <a:r>
-              <a:rPr lang="en-US" altLang="ja-JP" sz="1600" dirty="0" err="1"/>
-              <a:t>Hirohiko</a:t>
-            </a:r>
-            <a:r>
-              <a:rPr lang="en-US" altLang="ja-JP" sz="1600" dirty="0"/>
-              <a:t> Shima (right)</a:t>
-            </a:r>
-          </a:p>
-          <a:p>
-            <a:pPr algn="ctr"/>
-            <a:r>
-              <a:rPr lang="en-US" altLang="ja-JP" sz="1600" dirty="0"/>
-              <a:t>at GSI 2013 </a:t>
-            </a:r>
-            <a:endParaRPr kumimoji="1" lang="ja-JP" altLang="en-US" sz="1600" dirty="0"/>
-          </a:p>
-        </p:txBody>
-      </p:sp>
-      <p:sp>
-        <p:nvSpPr>
-          <p:cNvPr id="13" name="TextBox 12">
-            <a:extLst>
-              <a:ext uri="{FF2B5EF4-FFF2-40B4-BE49-F238E27FC236}">
-                <a16:creationId xmlns:a16="http://schemas.microsoft.com/office/drawing/2014/main" id="{52BB09E9-86D5-9D8E-E99E-A9452DF7D641}"/>
-              </a:ext>
-            </a:extLst>
-          </p:cNvPr>
-          <p:cNvSpPr txBox="1"/>
-          <p:nvPr/>
-        </p:nvSpPr>
-        <p:spPr>
-          <a:xfrm>
-            <a:off x="46241" y="6165189"/>
-            <a:ext cx="12209494" cy="646331"/>
-          </a:xfrm>
-          <a:prstGeom prst="rect">
-            <a:avLst/>
-          </a:prstGeom>
-          <a:noFill/>
-        </p:spPr>
-        <p:txBody>
-          <a:bodyPr wrap="square">
-            <a:spAutoFit/>
-          </a:bodyPr>
-          <a:lstStyle/>
-          <a:p>
-            <a:r>
-              <a:rPr lang="en-US" altLang="ja-JP" b="0" i="0" dirty="0">
-                <a:solidFill>
-                  <a:srgbClr val="222222"/>
-                </a:solidFill>
-                <a:effectLst/>
-                <a:latin typeface="Arial" panose="020B0604020202020204" pitchFamily="34" charset="0"/>
-              </a:rPr>
-              <a:t> Tutorial on Bregman manifolds: </a:t>
-            </a:r>
-            <a:r>
-              <a:rPr lang="en-US" altLang="ja-JP" b="1" i="0" dirty="0">
-                <a:solidFill>
-                  <a:schemeClr val="accent6"/>
-                </a:solidFill>
-                <a:effectLst/>
-                <a:latin typeface="+mj-lt"/>
-              </a:rPr>
-              <a:t>"On geodesic triangles with right angles in a dually flat space." </a:t>
-            </a:r>
-            <a:r>
-              <a:rPr lang="en-US" altLang="ja-JP" b="1" i="1" dirty="0">
-                <a:solidFill>
-                  <a:schemeClr val="accent6"/>
-                </a:solidFill>
-                <a:effectLst/>
-                <a:latin typeface="+mj-lt"/>
-              </a:rPr>
-              <a:t>Progress in Information Geometry: Theory and Applications</a:t>
-            </a:r>
-            <a:r>
-              <a:rPr lang="en-US" altLang="ja-JP" b="1" i="0" dirty="0">
-                <a:solidFill>
-                  <a:schemeClr val="accent6"/>
-                </a:solidFill>
-                <a:effectLst/>
-                <a:latin typeface="+mj-lt"/>
-              </a:rPr>
-              <a:t>. Cham: Springer International Publishing, 2021. 153-190.</a:t>
-            </a:r>
-            <a:endParaRPr lang="ja-JP" altLang="en-US" b="1" dirty="0">
-              <a:solidFill>
-                <a:schemeClr val="accent6"/>
-              </a:solidFill>
-              <a:latin typeface="+mj-lt"/>
-            </a:endParaRPr>
-          </a:p>
-        </p:txBody>
-      </p:sp>
     </p:spTree>
     <p:extLst>
       <p:ext uri="{BB962C8B-B14F-4D97-AF65-F5344CB8AC3E}">
-        <p14:creationId xmlns:p14="http://schemas.microsoft.com/office/powerpoint/2010/main" val="3165096420"/>
+        <p14:creationId xmlns:p14="http://schemas.microsoft.com/office/powerpoint/2010/main" val="3278326900"/>
       </p:ext>
     </p:extLst>
   </p:cSld>
@@ -5586,6 +5111,1054 @@
           <p:cNvPr id="2" name="Title 1">
             <a:extLst>
               <a:ext uri="{FF2B5EF4-FFF2-40B4-BE49-F238E27FC236}">
+                <a16:creationId xmlns:a16="http://schemas.microsoft.com/office/drawing/2014/main" id="{5F33BE79-287F-F1E0-E9A1-3DC661D30441}"/>
+              </a:ext>
+            </a:extLst>
+          </p:cNvPr>
+          <p:cNvSpPr>
+            <a:spLocks noGrp="1"/>
+          </p:cNvSpPr>
+          <p:nvPr>
+            <p:ph type="title"/>
+          </p:nvPr>
+        </p:nvSpPr>
+        <p:spPr/>
+        <p:txBody>
+          <a:bodyPr/>
+          <a:lstStyle/>
+          <a:p>
+            <a:endParaRPr kumimoji="1" lang="ja-JP" altLang="en-US"/>
+          </a:p>
+        </p:txBody>
+      </p:sp>
+      <p:sp>
+        <p:nvSpPr>
+          <p:cNvPr id="3" name="Content Placeholder 2">
+            <a:extLst>
+              <a:ext uri="{FF2B5EF4-FFF2-40B4-BE49-F238E27FC236}">
+                <a16:creationId xmlns:a16="http://schemas.microsoft.com/office/drawing/2014/main" id="{BD1C5F32-B835-D7AB-B64E-E9E01C1F1793}"/>
+              </a:ext>
+            </a:extLst>
+          </p:cNvPr>
+          <p:cNvSpPr>
+            <a:spLocks noGrp="1"/>
+          </p:cNvSpPr>
+          <p:nvPr>
+            <p:ph idx="1"/>
+          </p:nvPr>
+        </p:nvSpPr>
+        <p:spPr/>
+        <p:txBody>
+          <a:bodyPr/>
+          <a:lstStyle/>
+          <a:p>
+            <a:endParaRPr kumimoji="1" lang="ja-JP" altLang="en-US" dirty="0"/>
+          </a:p>
+        </p:txBody>
+      </p:sp>
+      <p:pic>
+        <p:nvPicPr>
+          <p:cNvPr id="1026" name="Picture 2">
+            <a:extLst>
+              <a:ext uri="{FF2B5EF4-FFF2-40B4-BE49-F238E27FC236}">
+                <a16:creationId xmlns:a16="http://schemas.microsoft.com/office/drawing/2014/main" id="{E8E1EF77-1537-3746-6970-0A24C98AEBF5}"/>
+              </a:ext>
+            </a:extLst>
+          </p:cNvPr>
+          <p:cNvPicPr>
+            <a:picLocks noChangeAspect="1" noChangeArrowheads="1"/>
+          </p:cNvPicPr>
+          <p:nvPr/>
+        </p:nvPicPr>
+        <p:blipFill>
+          <a:blip r:embed="rId2">
+            <a:extLst>
+              <a:ext uri="{28A0092B-C50C-407E-A947-70E740481C1C}">
+                <a14:useLocalDpi xmlns:a14="http://schemas.microsoft.com/office/drawing/2010/main" val="0"/>
+              </a:ext>
+            </a:extLst>
+          </a:blip>
+          <a:srcRect/>
+          <a:stretch>
+            <a:fillRect/>
+          </a:stretch>
+        </p:blipFill>
+        <p:spPr bwMode="auto">
+          <a:xfrm>
+            <a:off x="355002" y="214940"/>
+            <a:ext cx="2290108" cy="3313218"/>
+          </a:xfrm>
+          <a:prstGeom prst="rect">
+            <a:avLst/>
+          </a:prstGeom>
+          <a:noFill/>
+          <a:extLst>
+            <a:ext uri="{909E8E84-426E-40DD-AFC4-6F175D3DCCD1}">
+              <a14:hiddenFill xmlns:a14="http://schemas.microsoft.com/office/drawing/2010/main">
+                <a:solidFill>
+                  <a:srgbClr val="FFFFFF"/>
+                </a:solidFill>
+              </a14:hiddenFill>
+            </a:ext>
+          </a:extLst>
+        </p:spPr>
+      </p:pic>
+      <p:pic>
+        <p:nvPicPr>
+          <p:cNvPr id="1028" name="Picture 4">
+            <a:extLst>
+              <a:ext uri="{FF2B5EF4-FFF2-40B4-BE49-F238E27FC236}">
+                <a16:creationId xmlns:a16="http://schemas.microsoft.com/office/drawing/2014/main" id="{869FD3FC-AA72-3E95-6D32-9BA0C95C81A4}"/>
+              </a:ext>
+            </a:extLst>
+          </p:cNvPr>
+          <p:cNvPicPr>
+            <a:picLocks noChangeAspect="1" noChangeArrowheads="1"/>
+          </p:cNvPicPr>
+          <p:nvPr/>
+        </p:nvPicPr>
+        <p:blipFill>
+          <a:blip r:embed="rId3">
+            <a:extLst>
+              <a:ext uri="{28A0092B-C50C-407E-A947-70E740481C1C}">
+                <a14:useLocalDpi xmlns:a14="http://schemas.microsoft.com/office/drawing/2010/main" val="0"/>
+              </a:ext>
+            </a:extLst>
+          </a:blip>
+          <a:srcRect/>
+          <a:stretch>
+            <a:fillRect/>
+          </a:stretch>
+        </p:blipFill>
+        <p:spPr bwMode="auto">
+          <a:xfrm>
+            <a:off x="3491299" y="268154"/>
+            <a:ext cx="2067449" cy="3146612"/>
+          </a:xfrm>
+          <a:prstGeom prst="rect">
+            <a:avLst/>
+          </a:prstGeom>
+          <a:noFill/>
+          <a:extLst>
+            <a:ext uri="{909E8E84-426E-40DD-AFC4-6F175D3DCCD1}">
+              <a14:hiddenFill xmlns:a14="http://schemas.microsoft.com/office/drawing/2010/main">
+                <a:solidFill>
+                  <a:srgbClr val="FFFFFF"/>
+                </a:solidFill>
+              </a14:hiddenFill>
+            </a:ext>
+          </a:extLst>
+        </p:spPr>
+      </p:pic>
+      <p:pic>
+        <p:nvPicPr>
+          <p:cNvPr id="1030" name="Picture 6" descr="Cover book the Shallow and the Deep">
+            <a:extLst>
+              <a:ext uri="{FF2B5EF4-FFF2-40B4-BE49-F238E27FC236}">
+                <a16:creationId xmlns:a16="http://schemas.microsoft.com/office/drawing/2014/main" id="{4C31EA6B-35D8-7386-2F1F-4CC879758525}"/>
+              </a:ext>
+            </a:extLst>
+          </p:cNvPr>
+          <p:cNvPicPr>
+            <a:picLocks noChangeAspect="1" noChangeArrowheads="1"/>
+          </p:cNvPicPr>
+          <p:nvPr/>
+        </p:nvPicPr>
+        <p:blipFill>
+          <a:blip r:embed="rId4">
+            <a:extLst>
+              <a:ext uri="{28A0092B-C50C-407E-A947-70E740481C1C}">
+                <a14:useLocalDpi xmlns:a14="http://schemas.microsoft.com/office/drawing/2010/main" val="0"/>
+              </a:ext>
+            </a:extLst>
+          </a:blip>
+          <a:srcRect/>
+          <a:stretch>
+            <a:fillRect/>
+          </a:stretch>
+        </p:blipFill>
+        <p:spPr bwMode="auto">
+          <a:xfrm>
+            <a:off x="6404571" y="214940"/>
+            <a:ext cx="2180322" cy="3085156"/>
+          </a:xfrm>
+          <a:prstGeom prst="rect">
+            <a:avLst/>
+          </a:prstGeom>
+          <a:noFill/>
+          <a:extLst>
+            <a:ext uri="{909E8E84-426E-40DD-AFC4-6F175D3DCCD1}">
+              <a14:hiddenFill xmlns:a14="http://schemas.microsoft.com/office/drawing/2010/main">
+                <a:solidFill>
+                  <a:srgbClr val="FFFFFF"/>
+                </a:solidFill>
+              </a14:hiddenFill>
+            </a:ext>
+          </a:extLst>
+        </p:spPr>
+      </p:pic>
+      <p:pic>
+        <p:nvPicPr>
+          <p:cNvPr id="1032" name="Picture 8">
+            <a:extLst>
+              <a:ext uri="{FF2B5EF4-FFF2-40B4-BE49-F238E27FC236}">
+                <a16:creationId xmlns:a16="http://schemas.microsoft.com/office/drawing/2014/main" id="{BEAF9420-7EC0-0DC9-3B66-22A45F3C4B6B}"/>
+              </a:ext>
+            </a:extLst>
+          </p:cNvPr>
+          <p:cNvPicPr>
+            <a:picLocks noChangeAspect="1" noChangeArrowheads="1"/>
+          </p:cNvPicPr>
+          <p:nvPr/>
+        </p:nvPicPr>
+        <p:blipFill>
+          <a:blip r:embed="rId5">
+            <a:extLst>
+              <a:ext uri="{28A0092B-C50C-407E-A947-70E740481C1C}">
+                <a14:useLocalDpi xmlns:a14="http://schemas.microsoft.com/office/drawing/2010/main" val="0"/>
+              </a:ext>
+            </a:extLst>
+          </a:blip>
+          <a:srcRect/>
+          <a:stretch>
+            <a:fillRect/>
+          </a:stretch>
+        </p:blipFill>
+        <p:spPr bwMode="auto">
+          <a:xfrm>
+            <a:off x="9472879" y="348605"/>
+            <a:ext cx="2058640" cy="3085156"/>
+          </a:xfrm>
+          <a:prstGeom prst="rect">
+            <a:avLst/>
+          </a:prstGeom>
+          <a:noFill/>
+          <a:extLst>
+            <a:ext uri="{909E8E84-426E-40DD-AFC4-6F175D3DCCD1}">
+              <a14:hiddenFill xmlns:a14="http://schemas.microsoft.com/office/drawing/2010/main">
+                <a:solidFill>
+                  <a:srgbClr val="FFFFFF"/>
+                </a:solidFill>
+              </a14:hiddenFill>
+            </a:ext>
+          </a:extLst>
+        </p:spPr>
+      </p:pic>
+      <p:pic>
+        <p:nvPicPr>
+          <p:cNvPr id="1034" name="Picture 10">
+            <a:extLst>
+              <a:ext uri="{FF2B5EF4-FFF2-40B4-BE49-F238E27FC236}">
+                <a16:creationId xmlns:a16="http://schemas.microsoft.com/office/drawing/2014/main" id="{B6349382-C08D-FB12-28F5-0EEB161D7652}"/>
+              </a:ext>
+            </a:extLst>
+          </p:cNvPr>
+          <p:cNvPicPr>
+            <a:picLocks noChangeAspect="1" noChangeArrowheads="1"/>
+          </p:cNvPicPr>
+          <p:nvPr/>
+        </p:nvPicPr>
+        <p:blipFill>
+          <a:blip r:embed="rId6">
+            <a:extLst>
+              <a:ext uri="{28A0092B-C50C-407E-A947-70E740481C1C}">
+                <a14:useLocalDpi xmlns:a14="http://schemas.microsoft.com/office/drawing/2010/main" val="0"/>
+              </a:ext>
+            </a:extLst>
+          </a:blip>
+          <a:srcRect/>
+          <a:stretch>
+            <a:fillRect/>
+          </a:stretch>
+        </p:blipFill>
+        <p:spPr bwMode="auto">
+          <a:xfrm>
+            <a:off x="7781589" y="3607377"/>
+            <a:ext cx="2420285" cy="2993511"/>
+          </a:xfrm>
+          <a:prstGeom prst="rect">
+            <a:avLst/>
+          </a:prstGeom>
+          <a:noFill/>
+          <a:extLst>
+            <a:ext uri="{909E8E84-426E-40DD-AFC4-6F175D3DCCD1}">
+              <a14:hiddenFill xmlns:a14="http://schemas.microsoft.com/office/drawing/2010/main">
+                <a:solidFill>
+                  <a:srgbClr val="FFFFFF"/>
+                </a:solidFill>
+              </a14:hiddenFill>
+            </a:ext>
+          </a:extLst>
+        </p:spPr>
+      </p:pic>
+      <p:pic>
+        <p:nvPicPr>
+          <p:cNvPr id="1036" name="Picture 12">
+            <a:extLst>
+              <a:ext uri="{FF2B5EF4-FFF2-40B4-BE49-F238E27FC236}">
+                <a16:creationId xmlns:a16="http://schemas.microsoft.com/office/drawing/2014/main" id="{FFD4C5AA-B16F-2F9C-44BE-97F9A54338C0}"/>
+              </a:ext>
+            </a:extLst>
+          </p:cNvPr>
+          <p:cNvPicPr>
+            <a:picLocks noChangeAspect="1" noChangeArrowheads="1"/>
+          </p:cNvPicPr>
+          <p:nvPr/>
+        </p:nvPicPr>
+        <p:blipFill>
+          <a:blip r:embed="rId7">
+            <a:extLst>
+              <a:ext uri="{28A0092B-C50C-407E-A947-70E740481C1C}">
+                <a14:useLocalDpi xmlns:a14="http://schemas.microsoft.com/office/drawing/2010/main" val="0"/>
+              </a:ext>
+            </a:extLst>
+          </a:blip>
+          <a:srcRect/>
+          <a:stretch>
+            <a:fillRect/>
+          </a:stretch>
+        </p:blipFill>
+        <p:spPr bwMode="auto">
+          <a:xfrm>
+            <a:off x="4898649" y="3528158"/>
+            <a:ext cx="1944052" cy="3146612"/>
+          </a:xfrm>
+          <a:prstGeom prst="rect">
+            <a:avLst/>
+          </a:prstGeom>
+          <a:noFill/>
+          <a:extLst>
+            <a:ext uri="{909E8E84-426E-40DD-AFC4-6F175D3DCCD1}">
+              <a14:hiddenFill xmlns:a14="http://schemas.microsoft.com/office/drawing/2010/main">
+                <a:solidFill>
+                  <a:srgbClr val="FFFFFF"/>
+                </a:solidFill>
+              </a14:hiddenFill>
+            </a:ext>
+          </a:extLst>
+        </p:spPr>
+      </p:pic>
+      <p:pic>
+        <p:nvPicPr>
+          <p:cNvPr id="1038" name="Picture 14" descr="front cover">
+            <a:extLst>
+              <a:ext uri="{FF2B5EF4-FFF2-40B4-BE49-F238E27FC236}">
+                <a16:creationId xmlns:a16="http://schemas.microsoft.com/office/drawing/2014/main" id="{9A8537B1-AC44-E732-DE9E-58997F4CCC44}"/>
+              </a:ext>
+            </a:extLst>
+          </p:cNvPr>
+          <p:cNvPicPr>
+            <a:picLocks noChangeAspect="1" noChangeArrowheads="1"/>
+          </p:cNvPicPr>
+          <p:nvPr/>
+        </p:nvPicPr>
+        <p:blipFill>
+          <a:blip r:embed="rId8">
+            <a:extLst>
+              <a:ext uri="{28A0092B-C50C-407E-A947-70E740481C1C}">
+                <a14:useLocalDpi xmlns:a14="http://schemas.microsoft.com/office/drawing/2010/main" val="0"/>
+              </a:ext>
+            </a:extLst>
+          </a:blip>
+          <a:srcRect/>
+          <a:stretch>
+            <a:fillRect/>
+          </a:stretch>
+        </p:blipFill>
+        <p:spPr bwMode="auto">
+          <a:xfrm>
+            <a:off x="1153625" y="3517075"/>
+            <a:ext cx="2982969" cy="3340925"/>
+          </a:xfrm>
+          <a:prstGeom prst="rect">
+            <a:avLst/>
+          </a:prstGeom>
+          <a:noFill/>
+          <a:extLst>
+            <a:ext uri="{909E8E84-426E-40DD-AFC4-6F175D3DCCD1}">
+              <a14:hiddenFill xmlns:a14="http://schemas.microsoft.com/office/drawing/2010/main">
+                <a:solidFill>
+                  <a:srgbClr val="FFFFFF"/>
+                </a:solidFill>
+              </a14:hiddenFill>
+            </a:ext>
+          </a:extLst>
+        </p:spPr>
+      </p:pic>
+    </p:spTree>
+    <p:extLst>
+      <p:ext uri="{BB962C8B-B14F-4D97-AF65-F5344CB8AC3E}">
+        <p14:creationId xmlns:p14="http://schemas.microsoft.com/office/powerpoint/2010/main" val="1443018924"/>
+      </p:ext>
+    </p:extLst>
+  </p:cSld>
+  <p:clrMapOvr>
+    <a:masterClrMapping/>
+  </p:clrMapOvr>
+</p:sld>
+</file>
+
+<file path=ppt/slides/slide4.xml><?xml version="1.0" encoding="utf-8"?>
+<p:sld xmlns:a="http://schemas.openxmlformats.org/drawingml/2006/main" xmlns:r="http://schemas.openxmlformats.org/officeDocument/2006/relationships" xmlns:p="http://schemas.openxmlformats.org/presentationml/2006/main">
+  <p:cSld>
+    <p:spTree>
+      <p:nvGrpSpPr>
+        <p:cNvPr id="1" name=""/>
+        <p:cNvGrpSpPr/>
+        <p:nvPr/>
+      </p:nvGrpSpPr>
+      <p:grpSpPr>
+        <a:xfrm>
+          <a:off x="0" y="0"/>
+          <a:ext cx="0" cy="0"/>
+          <a:chOff x="0" y="0"/>
+          <a:chExt cx="0" cy="0"/>
+        </a:xfrm>
+      </p:grpSpPr>
+      <p:sp>
+        <p:nvSpPr>
+          <p:cNvPr id="2" name="Title 1">
+            <a:extLst>
+              <a:ext uri="{FF2B5EF4-FFF2-40B4-BE49-F238E27FC236}">
+                <a16:creationId xmlns:a16="http://schemas.microsoft.com/office/drawing/2014/main" id="{1CC3642B-9742-5616-9937-0466314270FA}"/>
+              </a:ext>
+            </a:extLst>
+          </p:cNvPr>
+          <p:cNvSpPr>
+            <a:spLocks noGrp="1"/>
+          </p:cNvSpPr>
+          <p:nvPr>
+            <p:ph type="title"/>
+          </p:nvPr>
+        </p:nvSpPr>
+        <p:spPr>
+          <a:xfrm>
+            <a:off x="219966" y="-273488"/>
+            <a:ext cx="11752068" cy="1325563"/>
+          </a:xfrm>
+        </p:spPr>
+        <p:txBody>
+          <a:bodyPr>
+            <a:normAutofit/>
+          </a:bodyPr>
+          <a:lstStyle/>
+          <a:p>
+            <a:r>
+              <a:rPr kumimoji="1" lang="en-US" altLang="ja-JP" sz="3600" b="1" dirty="0">
+                <a:solidFill>
+                  <a:schemeClr val="accent5"/>
+                </a:solidFill>
+              </a:rPr>
+              <a:t>Hessian manifolds, Hessian geometry, Bregman geometry</a:t>
+            </a:r>
+            <a:endParaRPr kumimoji="1" lang="ja-JP" altLang="en-US" sz="3600" b="1" dirty="0">
+              <a:solidFill>
+                <a:schemeClr val="accent5"/>
+              </a:solidFill>
+            </a:endParaRPr>
+          </a:p>
+        </p:txBody>
+      </p:sp>
+      <p:pic>
+        <p:nvPicPr>
+          <p:cNvPr id="5" name="Content Placeholder 4" descr="A book cover with text&#10;&#10;Description automatically generated">
+            <a:extLst>
+              <a:ext uri="{FF2B5EF4-FFF2-40B4-BE49-F238E27FC236}">
+                <a16:creationId xmlns:a16="http://schemas.microsoft.com/office/drawing/2014/main" id="{D048D31E-7654-8254-FA04-F9748BFF69AF}"/>
+              </a:ext>
+            </a:extLst>
+          </p:cNvPr>
+          <p:cNvPicPr>
+            <a:picLocks noGrp="1" noChangeAspect="1"/>
+          </p:cNvPicPr>
+          <p:nvPr>
+            <p:ph idx="1"/>
+          </p:nvPr>
+        </p:nvPicPr>
+        <p:blipFill>
+          <a:blip r:embed="rId3">
+            <a:extLst>
+              <a:ext uri="{28A0092B-C50C-407E-A947-70E740481C1C}">
+                <a14:useLocalDpi xmlns:a14="http://schemas.microsoft.com/office/drawing/2010/main" val="0"/>
+              </a:ext>
+            </a:extLst>
+          </a:blip>
+          <a:stretch>
+            <a:fillRect/>
+          </a:stretch>
+        </p:blipFill>
+        <p:spPr>
+          <a:xfrm>
+            <a:off x="772098" y="2025615"/>
+            <a:ext cx="2577158" cy="3655544"/>
+          </a:xfrm>
+        </p:spPr>
+      </p:pic>
+      <p:sp>
+        <p:nvSpPr>
+          <p:cNvPr id="6" name="TextBox 5">
+            <a:extLst>
+              <a:ext uri="{FF2B5EF4-FFF2-40B4-BE49-F238E27FC236}">
+                <a16:creationId xmlns:a16="http://schemas.microsoft.com/office/drawing/2014/main" id="{95C7AD0D-A17F-006E-8AC8-E7411C575379}"/>
+              </a:ext>
+            </a:extLst>
+          </p:cNvPr>
+          <p:cNvSpPr txBox="1"/>
+          <p:nvPr/>
+        </p:nvSpPr>
+        <p:spPr>
+          <a:xfrm>
+            <a:off x="219966" y="772497"/>
+            <a:ext cx="12067727" cy="1477328"/>
+          </a:xfrm>
+          <a:prstGeom prst="rect">
+            <a:avLst/>
+          </a:prstGeom>
+          <a:noFill/>
+        </p:spPr>
+        <p:txBody>
+          <a:bodyPr wrap="none" rtlCol="0">
+            <a:spAutoFit/>
+          </a:bodyPr>
+          <a:lstStyle/>
+          <a:p>
+            <a:r>
+              <a:rPr kumimoji="1" lang="en-US" altLang="ja-JP" b="1" dirty="0">
+                <a:solidFill>
+                  <a:srgbClr val="FF0000"/>
+                </a:solidFill>
+              </a:rPr>
+              <a:t>Hessian structure </a:t>
+            </a:r>
+            <a:r>
+              <a:rPr kumimoji="1" lang="en-US" altLang="ja-JP" dirty="0"/>
+              <a:t>on a manifold:  </a:t>
+            </a:r>
+            <a:r>
+              <a:rPr kumimoji="1" lang="en-US" altLang="ja-JP" b="1" dirty="0">
+                <a:latin typeface="+mj-lt"/>
+              </a:rPr>
+              <a:t>(g,</a:t>
+            </a:r>
+            <a:r>
+              <a:rPr lang="ja-JP" altLang="en-US" b="1" i="0" dirty="0">
+                <a:effectLst/>
+                <a:latin typeface="+mj-lt"/>
+              </a:rPr>
+              <a:t> ∇</a:t>
+            </a:r>
+            <a:r>
+              <a:rPr kumimoji="1" lang="en-US" altLang="ja-JP" b="1" dirty="0">
+                <a:latin typeface="+mj-lt"/>
+              </a:rPr>
+              <a:t>) </a:t>
+            </a:r>
+            <a:r>
+              <a:rPr kumimoji="1" lang="en-US" altLang="ja-JP" dirty="0"/>
+              <a:t>where g is a Hessian metric tensor and a torsion-free flat connection</a:t>
+            </a:r>
+            <a:r>
+              <a:rPr lang="ja-JP" altLang="en-US" b="1" i="0" dirty="0">
+                <a:effectLst/>
+                <a:latin typeface="+mj-lt"/>
+              </a:rPr>
+              <a:t> ∇</a:t>
+            </a:r>
+            <a:endParaRPr kumimoji="1" lang="en-US" altLang="ja-JP" dirty="0"/>
+          </a:p>
+          <a:p>
+            <a:r>
+              <a:rPr lang="en-US" altLang="ja-JP" dirty="0"/>
+              <a:t>To every chart there is a </a:t>
+            </a:r>
+            <a:r>
+              <a:rPr lang="en-US" altLang="ja-JP" b="1" dirty="0">
+                <a:solidFill>
+                  <a:srgbClr val="FF0000"/>
+                </a:solidFill>
+              </a:rPr>
+              <a:t>potential function </a:t>
+            </a:r>
+            <a:r>
+              <a:rPr lang="en-US" altLang="ja-JP" dirty="0"/>
+              <a:t>defining the Hessian metric in local coordinates of the chart</a:t>
+            </a:r>
+          </a:p>
+          <a:p>
+            <a:r>
+              <a:rPr kumimoji="1" lang="en-US" altLang="ja-JP" dirty="0"/>
+              <a:t>Hessian </a:t>
+            </a:r>
+            <a:r>
+              <a:rPr lang="en-US" altLang="ja-JP" dirty="0"/>
+              <a:t>manifolds are special </a:t>
+            </a:r>
+            <a:r>
+              <a:rPr lang="en-US" altLang="ja-JP" b="1" dirty="0">
+                <a:solidFill>
+                  <a:srgbClr val="FF0000"/>
+                </a:solidFill>
+              </a:rPr>
+              <a:t>affine manifolds </a:t>
+            </a:r>
+            <a:r>
+              <a:rPr lang="en-US" altLang="ja-JP" dirty="0"/>
+              <a:t>(M,</a:t>
+            </a:r>
+            <a:r>
+              <a:rPr lang="ja-JP" altLang="en-US" b="1" i="0" dirty="0">
+                <a:effectLst/>
+                <a:latin typeface="+mj-lt"/>
+              </a:rPr>
+              <a:t> ∇</a:t>
+            </a:r>
+            <a:r>
+              <a:rPr kumimoji="1" lang="en-US" altLang="ja-JP" b="1" dirty="0">
+                <a:latin typeface="+mj-lt"/>
+              </a:rPr>
+              <a:t>) </a:t>
+            </a:r>
+            <a:r>
+              <a:rPr kumimoji="1" lang="en-US" altLang="ja-JP" dirty="0">
+                <a:latin typeface="+mj-lt"/>
+              </a:rPr>
+              <a:t>where </a:t>
+            </a:r>
+            <a:r>
+              <a:rPr lang="ja-JP" altLang="en-US" i="0" dirty="0">
+                <a:effectLst/>
+                <a:latin typeface="+mj-lt"/>
+              </a:rPr>
+              <a:t>∇ </a:t>
+            </a:r>
+            <a:r>
+              <a:rPr lang="en-US" altLang="ja-JP" i="0" dirty="0">
+                <a:effectLst/>
+                <a:latin typeface="+mj-lt"/>
+              </a:rPr>
+              <a:t>is </a:t>
+            </a:r>
+            <a:r>
+              <a:rPr kumimoji="1" lang="en-US" altLang="ja-JP" dirty="0"/>
+              <a:t>a torsion-free flat connection</a:t>
+            </a:r>
+          </a:p>
+          <a:p>
+            <a:r>
+              <a:rPr lang="en-US" altLang="ja-JP" dirty="0"/>
+              <a:t>A Bregman divergence induces a Hessian manifold with a global chart, a </a:t>
+            </a:r>
+            <a:r>
+              <a:rPr lang="en-US" altLang="ja-JP" b="1" dirty="0">
+                <a:solidFill>
+                  <a:srgbClr val="FF0000"/>
+                </a:solidFill>
+              </a:rPr>
+              <a:t>Bregman manifold</a:t>
+            </a:r>
+            <a:endParaRPr kumimoji="1" lang="en-US" altLang="ja-JP" b="1" dirty="0">
+              <a:solidFill>
+                <a:srgbClr val="FF0000"/>
+              </a:solidFill>
+            </a:endParaRPr>
+          </a:p>
+          <a:p>
+            <a:endParaRPr kumimoji="1" lang="ja-JP" altLang="en-US" dirty="0"/>
+          </a:p>
+        </p:txBody>
+      </p:sp>
+      <p:pic>
+        <p:nvPicPr>
+          <p:cNvPr id="1026" name="Picture 2" descr="The Geometry of Hessian Structures: Shima, Hirohiko: 9789812700315:  Amazon.com: Books">
+            <a:extLst>
+              <a:ext uri="{FF2B5EF4-FFF2-40B4-BE49-F238E27FC236}">
+                <a16:creationId xmlns:a16="http://schemas.microsoft.com/office/drawing/2014/main" id="{4270141D-62DE-8996-E8BA-9560EC07568B}"/>
+              </a:ext>
+            </a:extLst>
+          </p:cNvPr>
+          <p:cNvPicPr>
+            <a:picLocks noChangeAspect="1" noChangeArrowheads="1"/>
+          </p:cNvPicPr>
+          <p:nvPr/>
+        </p:nvPicPr>
+        <p:blipFill>
+          <a:blip r:embed="rId4">
+            <a:extLst>
+              <a:ext uri="{28A0092B-C50C-407E-A947-70E740481C1C}">
+                <a14:useLocalDpi xmlns:a14="http://schemas.microsoft.com/office/drawing/2010/main" val="0"/>
+              </a:ext>
+            </a:extLst>
+          </a:blip>
+          <a:srcRect/>
+          <a:stretch>
+            <a:fillRect/>
+          </a:stretch>
+        </p:blipFill>
+        <p:spPr bwMode="auto">
+          <a:xfrm>
+            <a:off x="4869651" y="1990611"/>
+            <a:ext cx="2504871" cy="3716018"/>
+          </a:xfrm>
+          <a:prstGeom prst="rect">
+            <a:avLst/>
+          </a:prstGeom>
+          <a:noFill/>
+          <a:extLst>
+            <a:ext uri="{909E8E84-426E-40DD-AFC4-6F175D3DCCD1}">
+              <a14:hiddenFill xmlns:a14="http://schemas.microsoft.com/office/drawing/2010/main">
+                <a:solidFill>
+                  <a:srgbClr val="FFFFFF"/>
+                </a:solidFill>
+              </a14:hiddenFill>
+            </a:ext>
+          </a:extLst>
+        </p:spPr>
+      </p:pic>
+      <p:sp>
+        <p:nvSpPr>
+          <p:cNvPr id="8" name="TextBox 7">
+            <a:extLst>
+              <a:ext uri="{FF2B5EF4-FFF2-40B4-BE49-F238E27FC236}">
+                <a16:creationId xmlns:a16="http://schemas.microsoft.com/office/drawing/2014/main" id="{9896DFD9-206F-9197-815E-92946154232B}"/>
+              </a:ext>
+            </a:extLst>
+          </p:cNvPr>
+          <p:cNvSpPr txBox="1"/>
+          <p:nvPr/>
+        </p:nvSpPr>
+        <p:spPr>
+          <a:xfrm>
+            <a:off x="0" y="5716171"/>
+            <a:ext cx="6182832" cy="369332"/>
+          </a:xfrm>
+          <a:prstGeom prst="rect">
+            <a:avLst/>
+          </a:prstGeom>
+          <a:noFill/>
+        </p:spPr>
+        <p:txBody>
+          <a:bodyPr wrap="square">
+            <a:spAutoFit/>
+          </a:bodyPr>
+          <a:lstStyle/>
+          <a:p>
+            <a:r>
+              <a:rPr lang="ja-JP" altLang="en-US" dirty="0"/>
+              <a:t>志摩裕彦, へッセ幾何学， 裳華房， 2001</a:t>
+            </a:r>
+          </a:p>
+        </p:txBody>
+      </p:sp>
+      <p:sp>
+        <p:nvSpPr>
+          <p:cNvPr id="10" name="TextBox 9">
+            <a:extLst>
+              <a:ext uri="{FF2B5EF4-FFF2-40B4-BE49-F238E27FC236}">
+                <a16:creationId xmlns:a16="http://schemas.microsoft.com/office/drawing/2014/main" id="{A35B527E-ECB8-8DAB-CB88-FAE7BC8F0082}"/>
+              </a:ext>
+            </a:extLst>
+          </p:cNvPr>
+          <p:cNvSpPr txBox="1"/>
+          <p:nvPr/>
+        </p:nvSpPr>
+        <p:spPr>
+          <a:xfrm>
+            <a:off x="4656286" y="5751243"/>
+            <a:ext cx="7860119" cy="369332"/>
+          </a:xfrm>
+          <a:prstGeom prst="rect">
+            <a:avLst/>
+          </a:prstGeom>
+          <a:noFill/>
+        </p:spPr>
+        <p:txBody>
+          <a:bodyPr wrap="square">
+            <a:spAutoFit/>
+          </a:bodyPr>
+          <a:lstStyle/>
+          <a:p>
+            <a:r>
+              <a:rPr lang="en-US" altLang="ja-JP" b="0" i="0" dirty="0">
+                <a:solidFill>
+                  <a:srgbClr val="222222"/>
+                </a:solidFill>
+                <a:effectLst/>
+                <a:latin typeface="+mj-lt"/>
+              </a:rPr>
+              <a:t>Shima, </a:t>
+            </a:r>
+            <a:r>
+              <a:rPr lang="en-US" altLang="ja-JP" b="0" i="0" dirty="0" err="1">
+                <a:solidFill>
+                  <a:srgbClr val="222222"/>
+                </a:solidFill>
+                <a:effectLst/>
+                <a:latin typeface="+mj-lt"/>
+              </a:rPr>
+              <a:t>Hirohiko</a:t>
+            </a:r>
+            <a:r>
+              <a:rPr lang="en-US" altLang="ja-JP" b="0" i="0" dirty="0">
+                <a:solidFill>
+                  <a:srgbClr val="222222"/>
+                </a:solidFill>
+                <a:effectLst/>
+                <a:latin typeface="+mj-lt"/>
+              </a:rPr>
+              <a:t>. </a:t>
+            </a:r>
+            <a:r>
+              <a:rPr lang="en-US" altLang="ja-JP" b="0" i="1" dirty="0">
+                <a:solidFill>
+                  <a:srgbClr val="222222"/>
+                </a:solidFill>
+                <a:effectLst/>
+                <a:latin typeface="+mj-lt"/>
+              </a:rPr>
+              <a:t>The geometry of Hessian structures</a:t>
+            </a:r>
+            <a:r>
+              <a:rPr lang="en-US" altLang="ja-JP" b="0" i="0" dirty="0">
+                <a:solidFill>
+                  <a:srgbClr val="222222"/>
+                </a:solidFill>
+                <a:effectLst/>
+                <a:latin typeface="+mj-lt"/>
+              </a:rPr>
+              <a:t>. World Scientific, 2007.</a:t>
+            </a:r>
+            <a:endParaRPr lang="ja-JP" altLang="en-US" dirty="0">
+              <a:latin typeface="+mj-lt"/>
+            </a:endParaRPr>
+          </a:p>
+        </p:txBody>
+      </p:sp>
+      <p:pic>
+        <p:nvPicPr>
+          <p:cNvPr id="1028" name="Picture 4" descr="Jean-Louis Koszul and Hirihiko Shima at GSI'13 “Geometric Science of... |  Download Scientific Diagram">
+            <a:extLst>
+              <a:ext uri="{FF2B5EF4-FFF2-40B4-BE49-F238E27FC236}">
+                <a16:creationId xmlns:a16="http://schemas.microsoft.com/office/drawing/2014/main" id="{531CC6B4-2CF9-4BBC-DF59-40E0E72095B9}"/>
+              </a:ext>
+            </a:extLst>
+          </p:cNvPr>
+          <p:cNvPicPr>
+            <a:picLocks noChangeAspect="1" noChangeArrowheads="1"/>
+          </p:cNvPicPr>
+          <p:nvPr/>
+        </p:nvPicPr>
+        <p:blipFill>
+          <a:blip r:embed="rId5">
+            <a:extLst>
+              <a:ext uri="{28A0092B-C50C-407E-A947-70E740481C1C}">
+                <a14:useLocalDpi xmlns:a14="http://schemas.microsoft.com/office/drawing/2010/main" val="0"/>
+              </a:ext>
+            </a:extLst>
+          </a:blip>
+          <a:srcRect/>
+          <a:stretch>
+            <a:fillRect/>
+          </a:stretch>
+        </p:blipFill>
+        <p:spPr bwMode="auto">
+          <a:xfrm>
+            <a:off x="8153050" y="2025614"/>
+            <a:ext cx="3704165" cy="2780302"/>
+          </a:xfrm>
+          <a:prstGeom prst="rect">
+            <a:avLst/>
+          </a:prstGeom>
+          <a:noFill/>
+          <a:extLst>
+            <a:ext uri="{909E8E84-426E-40DD-AFC4-6F175D3DCCD1}">
+              <a14:hiddenFill xmlns:a14="http://schemas.microsoft.com/office/drawing/2010/main">
+                <a:solidFill>
+                  <a:srgbClr val="FFFFFF"/>
+                </a:solidFill>
+              </a14:hiddenFill>
+            </a:ext>
+          </a:extLst>
+        </p:spPr>
+      </p:pic>
+      <p:sp>
+        <p:nvSpPr>
+          <p:cNvPr id="11" name="TextBox 10">
+            <a:extLst>
+              <a:ext uri="{FF2B5EF4-FFF2-40B4-BE49-F238E27FC236}">
+                <a16:creationId xmlns:a16="http://schemas.microsoft.com/office/drawing/2014/main" id="{C1FE3A9D-DC74-5C90-F7BB-77EFD2367579}"/>
+              </a:ext>
+            </a:extLst>
+          </p:cNvPr>
+          <p:cNvSpPr txBox="1"/>
+          <p:nvPr/>
+        </p:nvSpPr>
+        <p:spPr>
+          <a:xfrm>
+            <a:off x="8303384" y="4893919"/>
+            <a:ext cx="3403496" cy="861774"/>
+          </a:xfrm>
+          <a:prstGeom prst="rect">
+            <a:avLst/>
+          </a:prstGeom>
+          <a:noFill/>
+        </p:spPr>
+        <p:txBody>
+          <a:bodyPr wrap="none" rtlCol="0">
+            <a:spAutoFit/>
+          </a:bodyPr>
+          <a:lstStyle/>
+          <a:p>
+            <a:pPr algn="ctr"/>
+            <a:r>
+              <a:rPr kumimoji="1" lang="en-US" altLang="ja-JP" sz="1600" dirty="0"/>
+              <a:t>Professor Jean-Louis </a:t>
+            </a:r>
+            <a:r>
+              <a:rPr kumimoji="1" lang="en-US" altLang="ja-JP" sz="1600" dirty="0" err="1"/>
+              <a:t>Koszul</a:t>
+            </a:r>
+            <a:r>
+              <a:rPr kumimoji="1" lang="en-US" altLang="ja-JP" sz="1600" dirty="0"/>
+              <a:t> (left)</a:t>
+            </a:r>
+          </a:p>
+          <a:p>
+            <a:pPr algn="ctr"/>
+            <a:r>
+              <a:rPr lang="en-US" altLang="ja-JP" sz="1600" dirty="0"/>
+              <a:t>Professor </a:t>
+            </a:r>
+            <a:r>
+              <a:rPr lang="en-US" altLang="ja-JP" sz="1600" dirty="0" err="1"/>
+              <a:t>Hirohiko</a:t>
+            </a:r>
+            <a:r>
+              <a:rPr lang="en-US" altLang="ja-JP" sz="1600" dirty="0"/>
+              <a:t> Shima (right)</a:t>
+            </a:r>
+          </a:p>
+          <a:p>
+            <a:pPr algn="ctr"/>
+            <a:r>
+              <a:rPr lang="en-US" altLang="ja-JP" sz="1600" dirty="0"/>
+              <a:t>at GSI 2013 </a:t>
+            </a:r>
+            <a:endParaRPr kumimoji="1" lang="ja-JP" altLang="en-US" sz="1600" dirty="0"/>
+          </a:p>
+        </p:txBody>
+      </p:sp>
+      <p:sp>
+        <p:nvSpPr>
+          <p:cNvPr id="13" name="TextBox 12">
+            <a:extLst>
+              <a:ext uri="{FF2B5EF4-FFF2-40B4-BE49-F238E27FC236}">
+                <a16:creationId xmlns:a16="http://schemas.microsoft.com/office/drawing/2014/main" id="{52BB09E9-86D5-9D8E-E99E-A9452DF7D641}"/>
+              </a:ext>
+            </a:extLst>
+          </p:cNvPr>
+          <p:cNvSpPr txBox="1"/>
+          <p:nvPr/>
+        </p:nvSpPr>
+        <p:spPr>
+          <a:xfrm>
+            <a:off x="46241" y="6165189"/>
+            <a:ext cx="12209494" cy="646331"/>
+          </a:xfrm>
+          <a:prstGeom prst="rect">
+            <a:avLst/>
+          </a:prstGeom>
+          <a:noFill/>
+        </p:spPr>
+        <p:txBody>
+          <a:bodyPr wrap="square">
+            <a:spAutoFit/>
+          </a:bodyPr>
+          <a:lstStyle/>
+          <a:p>
+            <a:r>
+              <a:rPr lang="en-US" altLang="ja-JP" b="0" i="0" dirty="0">
+                <a:solidFill>
+                  <a:srgbClr val="222222"/>
+                </a:solidFill>
+                <a:effectLst/>
+                <a:latin typeface="Arial" panose="020B0604020202020204" pitchFamily="34" charset="0"/>
+              </a:rPr>
+              <a:t> Tutorial on Bregman manifolds: </a:t>
+            </a:r>
+            <a:r>
+              <a:rPr lang="en-US" altLang="ja-JP" b="1" i="0" dirty="0">
+                <a:solidFill>
+                  <a:schemeClr val="accent6"/>
+                </a:solidFill>
+                <a:effectLst/>
+                <a:latin typeface="+mj-lt"/>
+              </a:rPr>
+              <a:t>"On geodesic triangles with right angles in a dually flat space." </a:t>
+            </a:r>
+            <a:r>
+              <a:rPr lang="en-US" altLang="ja-JP" b="1" i="1" dirty="0">
+                <a:solidFill>
+                  <a:schemeClr val="accent6"/>
+                </a:solidFill>
+                <a:effectLst/>
+                <a:latin typeface="+mj-lt"/>
+              </a:rPr>
+              <a:t>Progress in Information Geometry: Theory and Applications</a:t>
+            </a:r>
+            <a:r>
+              <a:rPr lang="en-US" altLang="ja-JP" b="1" i="0" dirty="0">
+                <a:solidFill>
+                  <a:schemeClr val="accent6"/>
+                </a:solidFill>
+                <a:effectLst/>
+                <a:latin typeface="+mj-lt"/>
+              </a:rPr>
+              <a:t>. Cham: Springer International Publishing, 2021. 153-190.</a:t>
+            </a:r>
+            <a:endParaRPr lang="ja-JP" altLang="en-US" b="1" dirty="0">
+              <a:solidFill>
+                <a:schemeClr val="accent6"/>
+              </a:solidFill>
+              <a:latin typeface="+mj-lt"/>
+            </a:endParaRPr>
+          </a:p>
+        </p:txBody>
+      </p:sp>
+    </p:spTree>
+    <p:extLst>
+      <p:ext uri="{BB962C8B-B14F-4D97-AF65-F5344CB8AC3E}">
+        <p14:creationId xmlns:p14="http://schemas.microsoft.com/office/powerpoint/2010/main" val="3165096420"/>
+      </p:ext>
+    </p:extLst>
+  </p:cSld>
+  <p:clrMapOvr>
+    <a:masterClrMapping/>
+  </p:clrMapOvr>
+</p:sld>
+</file>
+
+<file path=ppt/slides/slide5.xml><?xml version="1.0" encoding="utf-8"?>
+<p:sld xmlns:a="http://schemas.openxmlformats.org/drawingml/2006/main" xmlns:r="http://schemas.openxmlformats.org/officeDocument/2006/relationships" xmlns:p="http://schemas.openxmlformats.org/presentationml/2006/main">
+  <p:cSld>
+    <p:spTree>
+      <p:nvGrpSpPr>
+        <p:cNvPr id="1" name=""/>
+        <p:cNvGrpSpPr/>
+        <p:nvPr/>
+      </p:nvGrpSpPr>
+      <p:grpSpPr>
+        <a:xfrm>
+          <a:off x="0" y="0"/>
+          <a:ext cx="0" cy="0"/>
+          <a:chOff x="0" y="0"/>
+          <a:chExt cx="0" cy="0"/>
+        </a:xfrm>
+      </p:grpSpPr>
+      <p:sp>
+        <p:nvSpPr>
+          <p:cNvPr id="2" name="Title 1">
+            <a:extLst>
+              <a:ext uri="{FF2B5EF4-FFF2-40B4-BE49-F238E27FC236}">
                 <a16:creationId xmlns:a16="http://schemas.microsoft.com/office/drawing/2014/main" id="{BEAACF7D-F6C2-8E01-6684-C59AC917DB3D}"/>
               </a:ext>
             </a:extLst>
@@ -5739,7 +6312,7 @@
 </p:sld>
 </file>
 
-<file path=ppt/slides/slide4.xml><?xml version="1.0" encoding="utf-8"?>
+<file path=ppt/slides/slide6.xml><?xml version="1.0" encoding="utf-8"?>
 <p:sld xmlns:a="http://schemas.openxmlformats.org/drawingml/2006/main" xmlns:r="http://schemas.openxmlformats.org/officeDocument/2006/relationships" xmlns:p="http://schemas.openxmlformats.org/presentationml/2006/main">
   <p:cSld>
     <p:spTree>

--- a/PPTX/Cards-November2023.pptx
+++ b/PPTX/Cards-November2023.pptx
@@ -5,15 +5,17 @@
     <p:sldMasterId id="2147483648" r:id="rId1"/>
   </p:sldMasterIdLst>
   <p:notesMasterIdLst>
-    <p:notesMasterId r:id="rId8"/>
+    <p:notesMasterId r:id="rId10"/>
   </p:notesMasterIdLst>
   <p:sldIdLst>
     <p:sldId id="256" r:id="rId2"/>
-    <p:sldId id="261" r:id="rId3"/>
-    <p:sldId id="260" r:id="rId4"/>
-    <p:sldId id="258" r:id="rId5"/>
-    <p:sldId id="257" r:id="rId6"/>
-    <p:sldId id="259" r:id="rId7"/>
+    <p:sldId id="262" r:id="rId3"/>
+    <p:sldId id="263" r:id="rId4"/>
+    <p:sldId id="261" r:id="rId5"/>
+    <p:sldId id="260" r:id="rId6"/>
+    <p:sldId id="258" r:id="rId7"/>
+    <p:sldId id="257" r:id="rId8"/>
+    <p:sldId id="259" r:id="rId9"/>
   </p:sldIdLst>
   <p:sldSz cx="12192000" cy="6858000"/>
   <p:notesSz cx="6858000" cy="9144000"/>
@@ -202,7 +204,7 @@
           <a:p>
             <a:fld id="{D18D4C2D-CE11-4A36-9412-76A548B99578}" type="datetimeFigureOut">
               <a:rPr kumimoji="1" lang="ja-JP" altLang="en-US" smtClean="0"/>
-              <a:t>2023/11/23</a:t>
+              <a:t>2023/11/29</a:t>
             </a:fld>
             <a:endParaRPr kumimoji="1" lang="ja-JP" altLang="en-US"/>
           </a:p>
@@ -642,185 +644,57 @@
           <a:lstStyle/>
           <a:p>
             <a:r>
-              <a:rPr lang="en-US" altLang="ja-JP" b="0" i="0" dirty="0">
-                <a:solidFill>
-                  <a:srgbClr val="222222"/>
-                </a:solidFill>
-                <a:effectLst/>
-                <a:latin typeface="Arial" panose="020B0604020202020204" pitchFamily="34" charset="0"/>
-              </a:rPr>
-              <a:t>Affine manifold </a:t>
-            </a:r>
-            <a:r>
-              <a:rPr lang="en-US" altLang="ja-JP" dirty="0"/>
-              <a:t>(M,</a:t>
-            </a:r>
-            <a:r>
-              <a:rPr lang="ja-JP" altLang="en-US" b="1" i="0" dirty="0">
-                <a:effectLst/>
-                <a:latin typeface="+mj-lt"/>
-              </a:rPr>
-              <a:t> ∇</a:t>
-            </a:r>
-            <a:r>
-              <a:rPr lang="en-US" altLang="ja-JP" b="1" i="0" dirty="0">
-                <a:effectLst/>
-                <a:latin typeface="+mj-lt"/>
-              </a:rPr>
-              <a:t>)</a:t>
-            </a:r>
-            <a:r>
-              <a:rPr kumimoji="1" lang="en-US" altLang="ja-JP" b="1" dirty="0">
-                <a:latin typeface="+mj-lt"/>
-              </a:rPr>
-              <a:t>: </a:t>
-            </a:r>
-            <a:r>
-              <a:rPr lang="ja-JP" altLang="en-US" i="0" dirty="0">
-                <a:effectLst/>
-                <a:latin typeface="+mj-lt"/>
-              </a:rPr>
-              <a:t>∇ </a:t>
-            </a:r>
-            <a:r>
-              <a:rPr lang="en-US" altLang="ja-JP" i="0" dirty="0">
-                <a:effectLst/>
-                <a:latin typeface="+mj-lt"/>
-              </a:rPr>
-              <a:t>is </a:t>
-            </a:r>
-            <a:r>
               <a:rPr kumimoji="1" lang="en-US" altLang="ja-JP" dirty="0"/>
-              <a:t>a torsion-free flat connection</a:t>
-            </a:r>
-            <a:r>
-              <a:rPr lang="en-US" altLang="ja-JP" b="0" i="0" dirty="0">
-                <a:solidFill>
-                  <a:srgbClr val="222222"/>
-                </a:solidFill>
-                <a:effectLst/>
-                <a:latin typeface="Arial" panose="020B0604020202020204" pitchFamily="34" charset="0"/>
-              </a:rPr>
-              <a:t> </a:t>
-            </a:r>
-          </a:p>
-          <a:p>
-            <a:r>
-              <a:rPr lang="en-US" altLang="ja-JP" b="0" i="0" dirty="0">
-                <a:solidFill>
-                  <a:srgbClr val="222222"/>
-                </a:solidFill>
-                <a:effectLst/>
-                <a:latin typeface="Arial" panose="020B0604020202020204" pitchFamily="34" charset="0"/>
-              </a:rPr>
-              <a:t>Hessian manifold : Affine manifold + Hessian metric tensor </a:t>
-            </a:r>
-          </a:p>
-          <a:p>
-            <a:r>
-              <a:rPr lang="en-US" altLang="ja-JP" b="0" i="0" dirty="0">
-                <a:solidFill>
-                  <a:srgbClr val="222222"/>
-                </a:solidFill>
-                <a:effectLst/>
-                <a:latin typeface="Arial" panose="020B0604020202020204" pitchFamily="34" charset="0"/>
-              </a:rPr>
-              <a:t>Bregman manifold = Hessian manifold with global chart</a:t>
-            </a:r>
-          </a:p>
-          <a:p>
-            <a:r>
-              <a:rPr lang="en-US" altLang="ja-JP" b="0" i="0" dirty="0">
-                <a:solidFill>
-                  <a:srgbClr val="222222"/>
-                </a:solidFill>
-                <a:effectLst/>
-                <a:latin typeface="Arial" panose="020B0604020202020204" pitchFamily="34" charset="0"/>
-              </a:rPr>
-              <a:t>Tutorial on Bregman manifolds: </a:t>
-            </a:r>
-            <a:r>
-              <a:rPr lang="en-US" altLang="ja-JP" b="1" i="0" dirty="0">
-                <a:solidFill>
-                  <a:schemeClr val="accent6"/>
-                </a:solidFill>
-                <a:effectLst/>
-                <a:latin typeface="+mj-lt"/>
-              </a:rPr>
-              <a:t> </a:t>
-            </a:r>
-          </a:p>
-          <a:p>
-            <a:r>
-              <a:rPr lang="en-US" altLang="ja-JP" b="0" i="0" u="none" strike="noStrike" dirty="0">
-                <a:solidFill>
-                  <a:srgbClr val="1D9BF0"/>
-                </a:solidFill>
-                <a:effectLst/>
-                <a:latin typeface="inherit"/>
-                <a:hlinkClick r:id="rId3"/>
-              </a:rPr>
-              <a:t>https://</a:t>
-            </a:r>
-            <a:r>
-              <a:rPr lang="en-US" altLang="ja-JP" b="0" i="0" u="none" strike="noStrike" dirty="0">
-                <a:solidFill>
-                  <a:srgbClr val="1D9BF0"/>
-                </a:solidFill>
-                <a:effectLst/>
-                <a:latin typeface="TwitterChirp"/>
-                <a:hlinkClick r:id="rId3"/>
-              </a:rPr>
-              <a:t>tinyurl.com/HessBreg</a:t>
-            </a:r>
-            <a:endParaRPr lang="en-US" altLang="ja-JP" b="1" i="0" u="none" strike="noStrike" dirty="0">
-              <a:solidFill>
-                <a:schemeClr val="accent6"/>
-              </a:solidFill>
-              <a:effectLst/>
-              <a:latin typeface="+mj-lt"/>
-            </a:endParaRPr>
-          </a:p>
-          <a:p>
-            <a:r>
-              <a:rPr lang="en-US" altLang="ja-JP" b="1" i="0" dirty="0">
-                <a:solidFill>
-                  <a:schemeClr val="accent6"/>
-                </a:solidFill>
-                <a:effectLst/>
-                <a:latin typeface="+mj-lt"/>
-              </a:rPr>
-              <a:t>https://twitter.com/FrnkNlsn/status/1712991125672518000</a:t>
-            </a:r>
-          </a:p>
-          <a:p>
-            <a:endParaRPr lang="en-US" altLang="ja-JP" b="1" i="0" dirty="0">
-              <a:solidFill>
-                <a:schemeClr val="accent6"/>
-              </a:solidFill>
-              <a:effectLst/>
-              <a:latin typeface="+mj-lt"/>
-            </a:endParaRPr>
-          </a:p>
-          <a:p>
-            <a:r>
-              <a:rPr lang="en-US" altLang="ja-JP" b="1" i="0" dirty="0">
-                <a:solidFill>
-                  <a:schemeClr val="accent6"/>
-                </a:solidFill>
-                <a:effectLst/>
-                <a:latin typeface="+mj-lt"/>
-              </a:rPr>
-              <a:t>https://link.springer.com/chapter/10.1007/978-3-030-65459-7_7</a:t>
-            </a:r>
-          </a:p>
-          <a:p>
-            <a:endParaRPr lang="ja-JP" altLang="en-US" b="1" dirty="0">
-              <a:solidFill>
-                <a:schemeClr val="accent6"/>
-              </a:solidFill>
-              <a:latin typeface="+mj-lt"/>
-            </a:endParaRPr>
+              <a:t>Great trilogy books on machine learning by Prof. Ali Sayed (EPFL):</a:t>
+            </a:r>
+          </a:p>
+          <a:p>
+            <a:pPr marL="171450" indent="-171450">
+              <a:buFontTx/>
+              <a:buChar char="-"/>
+            </a:pPr>
+            <a:r>
+              <a:rPr kumimoji="1" lang="en-US" altLang="ja-JP" dirty="0"/>
+              <a:t>Foundations</a:t>
+            </a:r>
+          </a:p>
+          <a:p>
+            <a:pPr marL="171450" indent="-171450">
+              <a:buFontTx/>
+              <a:buChar char="-"/>
+            </a:pPr>
+            <a:r>
+              <a:rPr kumimoji="1" lang="en-US" altLang="ja-JP" dirty="0"/>
+              <a:t>Inference</a:t>
+            </a:r>
+          </a:p>
+          <a:p>
+            <a:pPr marL="171450" indent="-171450">
+              <a:buFontTx/>
+              <a:buChar char="-"/>
+            </a:pPr>
+            <a:r>
+              <a:rPr kumimoji="1" lang="en-US" altLang="ja-JP" dirty="0"/>
+              <a:t>Learning</a:t>
+            </a:r>
+          </a:p>
+          <a:p>
+            <a:pPr marL="171450" indent="-171450">
+              <a:buFontTx/>
+              <a:buChar char="-"/>
+            </a:pPr>
+            <a:endParaRPr kumimoji="1" lang="en-US" altLang="ja-JP" dirty="0"/>
+          </a:p>
+          <a:p>
+            <a:pPr marL="171450" indent="-171450">
+              <a:buFontTx/>
+              <a:buChar char="-"/>
+            </a:pPr>
+            <a:r>
+              <a:rPr kumimoji="1" lang="en-US" altLang="ja-JP" dirty="0"/>
+              <a:t>https://tinyurl.com/TrilogyAliSayed</a:t>
+            </a:r>
+            <a:endParaRPr kumimoji="1" lang="ja-JP" altLang="en-US" dirty="0"/>
           </a:p>
         </p:txBody>
       </p:sp>
@@ -841,7 +715,7 @@
           <a:p>
             <a:fld id="{897A3250-0369-4FF2-8A87-F471EFBE05A0}" type="slidenum">
               <a:rPr kumimoji="1" lang="ja-JP" altLang="en-US" smtClean="0"/>
-              <a:t>4</a:t>
+              <a:t>2</a:t>
             </a:fld>
             <a:endParaRPr kumimoji="1" lang="ja-JP" altLang="en-US"/>
           </a:p>
@@ -850,7 +724,7 @@
     </p:spTree>
     <p:extLst>
       <p:ext uri="{BB962C8B-B14F-4D97-AF65-F5344CB8AC3E}">
-        <p14:creationId xmlns:p14="http://schemas.microsoft.com/office/powerpoint/2010/main" val="1268723814"/>
+        <p14:creationId xmlns:p14="http://schemas.microsoft.com/office/powerpoint/2010/main" val="2200033667"/>
       </p:ext>
     </p:extLst>
   </p:cSld>
@@ -905,6 +779,269 @@
           <a:lstStyle/>
           <a:p>
             <a:r>
+              <a:rPr lang="en-US" altLang="ja-JP" b="0" i="0" dirty="0">
+                <a:solidFill>
+                  <a:srgbClr val="222222"/>
+                </a:solidFill>
+                <a:effectLst/>
+                <a:latin typeface="Arial" panose="020B0604020202020204" pitchFamily="34" charset="0"/>
+              </a:rPr>
+              <a:t>Affine manifold </a:t>
+            </a:r>
+            <a:r>
+              <a:rPr lang="en-US" altLang="ja-JP" dirty="0"/>
+              <a:t>(M,</a:t>
+            </a:r>
+            <a:r>
+              <a:rPr lang="ja-JP" altLang="en-US" b="1" i="0" dirty="0">
+                <a:effectLst/>
+                <a:latin typeface="+mj-lt"/>
+              </a:rPr>
+              <a:t> ∇</a:t>
+            </a:r>
+            <a:r>
+              <a:rPr lang="en-US" altLang="ja-JP" b="1" i="0" dirty="0">
+                <a:effectLst/>
+                <a:latin typeface="+mj-lt"/>
+              </a:rPr>
+              <a:t>)</a:t>
+            </a:r>
+            <a:r>
+              <a:rPr kumimoji="1" lang="en-US" altLang="ja-JP" b="1" dirty="0">
+                <a:latin typeface="+mj-lt"/>
+              </a:rPr>
+              <a:t>: </a:t>
+            </a:r>
+            <a:r>
+              <a:rPr lang="ja-JP" altLang="en-US" i="0" dirty="0">
+                <a:effectLst/>
+                <a:latin typeface="+mj-lt"/>
+              </a:rPr>
+              <a:t>∇ </a:t>
+            </a:r>
+            <a:r>
+              <a:rPr lang="en-US" altLang="ja-JP" i="0" dirty="0">
+                <a:effectLst/>
+                <a:latin typeface="+mj-lt"/>
+              </a:rPr>
+              <a:t>is </a:t>
+            </a:r>
+            <a:r>
+              <a:rPr kumimoji="1" lang="en-US" altLang="ja-JP" dirty="0"/>
+              <a:t>a torsion-free flat connection</a:t>
+            </a:r>
+            <a:r>
+              <a:rPr lang="en-US" altLang="ja-JP" b="0" i="0" dirty="0">
+                <a:solidFill>
+                  <a:srgbClr val="222222"/>
+                </a:solidFill>
+                <a:effectLst/>
+                <a:latin typeface="Arial" panose="020B0604020202020204" pitchFamily="34" charset="0"/>
+              </a:rPr>
+              <a:t> </a:t>
+            </a:r>
+          </a:p>
+          <a:p>
+            <a:r>
+              <a:rPr lang="en-US" altLang="ja-JP" b="0" i="0" dirty="0">
+                <a:solidFill>
+                  <a:srgbClr val="222222"/>
+                </a:solidFill>
+                <a:effectLst/>
+                <a:latin typeface="Arial" panose="020B0604020202020204" pitchFamily="34" charset="0"/>
+              </a:rPr>
+              <a:t>Hessian manifold : Affine manifold + Hessian metric tensor </a:t>
+            </a:r>
+          </a:p>
+          <a:p>
+            <a:r>
+              <a:rPr lang="en-US" altLang="ja-JP" b="0" i="0" dirty="0">
+                <a:solidFill>
+                  <a:srgbClr val="222222"/>
+                </a:solidFill>
+                <a:effectLst/>
+                <a:latin typeface="Arial" panose="020B0604020202020204" pitchFamily="34" charset="0"/>
+              </a:rPr>
+              <a:t>Bregman manifold = Hessian manifold with global chart</a:t>
+            </a:r>
+          </a:p>
+          <a:p>
+            <a:r>
+              <a:rPr lang="en-US" altLang="ja-JP" b="0" i="0" dirty="0">
+                <a:solidFill>
+                  <a:srgbClr val="222222"/>
+                </a:solidFill>
+                <a:effectLst/>
+                <a:latin typeface="Arial" panose="020B0604020202020204" pitchFamily="34" charset="0"/>
+              </a:rPr>
+              <a:t>Tutorial on Bregman manifolds: </a:t>
+            </a:r>
+            <a:r>
+              <a:rPr lang="en-US" altLang="ja-JP" b="1" i="0" dirty="0">
+                <a:solidFill>
+                  <a:schemeClr val="accent6"/>
+                </a:solidFill>
+                <a:effectLst/>
+                <a:latin typeface="+mj-lt"/>
+              </a:rPr>
+              <a:t> </a:t>
+            </a:r>
+          </a:p>
+          <a:p>
+            <a:r>
+              <a:rPr lang="en-US" altLang="ja-JP" b="0" i="0" u="none" strike="noStrike" dirty="0">
+                <a:solidFill>
+                  <a:srgbClr val="1D9BF0"/>
+                </a:solidFill>
+                <a:effectLst/>
+                <a:latin typeface="inherit"/>
+                <a:hlinkClick r:id="rId3"/>
+              </a:rPr>
+              <a:t>https://</a:t>
+            </a:r>
+            <a:r>
+              <a:rPr lang="en-US" altLang="ja-JP" b="0" i="0" u="none" strike="noStrike" dirty="0">
+                <a:solidFill>
+                  <a:srgbClr val="1D9BF0"/>
+                </a:solidFill>
+                <a:effectLst/>
+                <a:latin typeface="TwitterChirp"/>
+                <a:hlinkClick r:id="rId3"/>
+              </a:rPr>
+              <a:t>tinyurl.com/HessBreg</a:t>
+            </a:r>
+            <a:endParaRPr lang="en-US" altLang="ja-JP" b="1" i="0" u="none" strike="noStrike" dirty="0">
+              <a:solidFill>
+                <a:schemeClr val="accent6"/>
+              </a:solidFill>
+              <a:effectLst/>
+              <a:latin typeface="+mj-lt"/>
+            </a:endParaRPr>
+          </a:p>
+          <a:p>
+            <a:r>
+              <a:rPr lang="en-US" altLang="ja-JP" b="1" i="0" dirty="0">
+                <a:solidFill>
+                  <a:schemeClr val="accent6"/>
+                </a:solidFill>
+                <a:effectLst/>
+                <a:latin typeface="+mj-lt"/>
+              </a:rPr>
+              <a:t>https://twitter.com/FrnkNlsn/status/1712991125672518000</a:t>
+            </a:r>
+          </a:p>
+          <a:p>
+            <a:endParaRPr lang="en-US" altLang="ja-JP" b="1" i="0" dirty="0">
+              <a:solidFill>
+                <a:schemeClr val="accent6"/>
+              </a:solidFill>
+              <a:effectLst/>
+              <a:latin typeface="+mj-lt"/>
+            </a:endParaRPr>
+          </a:p>
+          <a:p>
+            <a:r>
+              <a:rPr lang="en-US" altLang="ja-JP" b="1" i="0" dirty="0">
+                <a:solidFill>
+                  <a:schemeClr val="accent6"/>
+                </a:solidFill>
+                <a:effectLst/>
+                <a:latin typeface="+mj-lt"/>
+              </a:rPr>
+              <a:t>https://link.springer.com/chapter/10.1007/978-3-030-65459-7_7</a:t>
+            </a:r>
+          </a:p>
+          <a:p>
+            <a:endParaRPr lang="ja-JP" altLang="en-US" b="1" dirty="0">
+              <a:solidFill>
+                <a:schemeClr val="accent6"/>
+              </a:solidFill>
+              <a:latin typeface="+mj-lt"/>
+            </a:endParaRPr>
+          </a:p>
+        </p:txBody>
+      </p:sp>
+      <p:sp>
+        <p:nvSpPr>
+          <p:cNvPr id="4" name="Slide Number Placeholder 3"/>
+          <p:cNvSpPr>
+            <a:spLocks noGrp="1"/>
+          </p:cNvSpPr>
+          <p:nvPr>
+            <p:ph type="sldNum" sz="quarter" idx="5"/>
+          </p:nvPr>
+        </p:nvSpPr>
+        <p:spPr/>
+        <p:txBody>
+          <a:bodyPr/>
+          <a:lstStyle/>
+          <a:p>
+            <a:fld id="{897A3250-0369-4FF2-8A87-F471EFBE05A0}" type="slidenum">
+              <a:rPr kumimoji="1" lang="ja-JP" altLang="en-US" smtClean="0"/>
+              <a:t>6</a:t>
+            </a:fld>
+            <a:endParaRPr kumimoji="1" lang="ja-JP" altLang="en-US"/>
+          </a:p>
+        </p:txBody>
+      </p:sp>
+    </p:spTree>
+    <p:extLst>
+      <p:ext uri="{BB962C8B-B14F-4D97-AF65-F5344CB8AC3E}">
+        <p14:creationId xmlns:p14="http://schemas.microsoft.com/office/powerpoint/2010/main" val="1268723814"/>
+      </p:ext>
+    </p:extLst>
+  </p:cSld>
+  <p:clrMapOvr>
+    <a:masterClrMapping/>
+  </p:clrMapOvr>
+</p:notes>
+</file>
+
+<file path=ppt/notesSlides/notesSlide4.xml><?xml version="1.0" encoding="utf-8"?>
+<p:notes xmlns:a="http://schemas.openxmlformats.org/drawingml/2006/main" xmlns:r="http://schemas.openxmlformats.org/officeDocument/2006/relationships" xmlns:p="http://schemas.openxmlformats.org/presentationml/2006/main">
+  <p:cSld>
+    <p:spTree>
+      <p:nvGrpSpPr>
+        <p:cNvPr id="1" name=""/>
+        <p:cNvGrpSpPr/>
+        <p:nvPr/>
+      </p:nvGrpSpPr>
+      <p:grpSpPr>
+        <a:xfrm>
+          <a:off x="0" y="0"/>
+          <a:ext cx="0" cy="0"/>
+          <a:chOff x="0" y="0"/>
+          <a:chExt cx="0" cy="0"/>
+        </a:xfrm>
+      </p:grpSpPr>
+      <p:sp>
+        <p:nvSpPr>
+          <p:cNvPr id="2" name="Slide Image Placeholder 1"/>
+          <p:cNvSpPr>
+            <a:spLocks noGrp="1" noRot="1" noChangeAspect="1"/>
+          </p:cNvSpPr>
+          <p:nvPr>
+            <p:ph type="sldImg"/>
+          </p:nvPr>
+        </p:nvSpPr>
+        <p:spPr/>
+      </p:sp>
+      <p:sp>
+        <p:nvSpPr>
+          <p:cNvPr id="3" name="Notes Placeholder 2"/>
+          <p:cNvSpPr>
+            <a:spLocks noGrp="1"/>
+          </p:cNvSpPr>
+          <p:nvPr>
+            <p:ph type="body" idx="1"/>
+          </p:nvPr>
+        </p:nvSpPr>
+        <p:spPr/>
+        <p:txBody>
+          <a:bodyPr/>
+          <a:lstStyle/>
+          <a:p>
+            <a:r>
               <a:rPr kumimoji="1" lang="en-US" altLang="ja-JP" dirty="0"/>
               <a:t>Simple iterative algorithm to compute the geometric matrix mean of n SPD matrices.</a:t>
             </a:r>
@@ -988,7 +1125,7 @@
           <a:p>
             <a:fld id="{897A3250-0369-4FF2-8A87-F471EFBE05A0}" type="slidenum">
               <a:rPr kumimoji="1" lang="ja-JP" altLang="en-US" smtClean="0"/>
-              <a:t>6</a:t>
+              <a:t>8</a:t>
             </a:fld>
             <a:endParaRPr kumimoji="1" lang="ja-JP" altLang="en-US"/>
           </a:p>
@@ -1156,7 +1293,7 @@
           <a:p>
             <a:fld id="{1FE1D380-D20F-4BF7-A204-3A9DABE281DF}" type="datetimeFigureOut">
               <a:rPr kumimoji="1" lang="ja-JP" altLang="en-US" smtClean="0"/>
-              <a:t>2023/11/23</a:t>
+              <a:t>2023/11/29</a:t>
             </a:fld>
             <a:endParaRPr kumimoji="1" lang="ja-JP" altLang="en-US"/>
           </a:p>
@@ -1356,7 +1493,7 @@
           <a:p>
             <a:fld id="{1FE1D380-D20F-4BF7-A204-3A9DABE281DF}" type="datetimeFigureOut">
               <a:rPr kumimoji="1" lang="ja-JP" altLang="en-US" smtClean="0"/>
-              <a:t>2023/11/23</a:t>
+              <a:t>2023/11/29</a:t>
             </a:fld>
             <a:endParaRPr kumimoji="1" lang="ja-JP" altLang="en-US"/>
           </a:p>
@@ -1566,7 +1703,7 @@
           <a:p>
             <a:fld id="{1FE1D380-D20F-4BF7-A204-3A9DABE281DF}" type="datetimeFigureOut">
               <a:rPr kumimoji="1" lang="ja-JP" altLang="en-US" smtClean="0"/>
-              <a:t>2023/11/23</a:t>
+              <a:t>2023/11/29</a:t>
             </a:fld>
             <a:endParaRPr kumimoji="1" lang="ja-JP" altLang="en-US"/>
           </a:p>
@@ -1766,7 +1903,7 @@
           <a:p>
             <a:fld id="{1FE1D380-D20F-4BF7-A204-3A9DABE281DF}" type="datetimeFigureOut">
               <a:rPr kumimoji="1" lang="ja-JP" altLang="en-US" smtClean="0"/>
-              <a:t>2023/11/23</a:t>
+              <a:t>2023/11/29</a:t>
             </a:fld>
             <a:endParaRPr kumimoji="1" lang="ja-JP" altLang="en-US"/>
           </a:p>
@@ -2042,7 +2179,7 @@
           <a:p>
             <a:fld id="{1FE1D380-D20F-4BF7-A204-3A9DABE281DF}" type="datetimeFigureOut">
               <a:rPr kumimoji="1" lang="ja-JP" altLang="en-US" smtClean="0"/>
-              <a:t>2023/11/23</a:t>
+              <a:t>2023/11/29</a:t>
             </a:fld>
             <a:endParaRPr kumimoji="1" lang="ja-JP" altLang="en-US"/>
           </a:p>
@@ -2310,7 +2447,7 @@
           <a:p>
             <a:fld id="{1FE1D380-D20F-4BF7-A204-3A9DABE281DF}" type="datetimeFigureOut">
               <a:rPr kumimoji="1" lang="ja-JP" altLang="en-US" smtClean="0"/>
-              <a:t>2023/11/23</a:t>
+              <a:t>2023/11/29</a:t>
             </a:fld>
             <a:endParaRPr kumimoji="1" lang="ja-JP" altLang="en-US"/>
           </a:p>
@@ -2725,7 +2862,7 @@
           <a:p>
             <a:fld id="{1FE1D380-D20F-4BF7-A204-3A9DABE281DF}" type="datetimeFigureOut">
               <a:rPr kumimoji="1" lang="ja-JP" altLang="en-US" smtClean="0"/>
-              <a:t>2023/11/23</a:t>
+              <a:t>2023/11/29</a:t>
             </a:fld>
             <a:endParaRPr kumimoji="1" lang="ja-JP" altLang="en-US"/>
           </a:p>
@@ -2867,7 +3004,7 @@
           <a:p>
             <a:fld id="{1FE1D380-D20F-4BF7-A204-3A9DABE281DF}" type="datetimeFigureOut">
               <a:rPr kumimoji="1" lang="ja-JP" altLang="en-US" smtClean="0"/>
-              <a:t>2023/11/23</a:t>
+              <a:t>2023/11/29</a:t>
             </a:fld>
             <a:endParaRPr kumimoji="1" lang="ja-JP" altLang="en-US"/>
           </a:p>
@@ -2980,7 +3117,7 @@
           <a:p>
             <a:fld id="{1FE1D380-D20F-4BF7-A204-3A9DABE281DF}" type="datetimeFigureOut">
               <a:rPr kumimoji="1" lang="ja-JP" altLang="en-US" smtClean="0"/>
-              <a:t>2023/11/23</a:t>
+              <a:t>2023/11/29</a:t>
             </a:fld>
             <a:endParaRPr kumimoji="1" lang="ja-JP" altLang="en-US"/>
           </a:p>
@@ -3293,7 +3430,7 @@
           <a:p>
             <a:fld id="{1FE1D380-D20F-4BF7-A204-3A9DABE281DF}" type="datetimeFigureOut">
               <a:rPr kumimoji="1" lang="ja-JP" altLang="en-US" smtClean="0"/>
-              <a:t>2023/11/23</a:t>
+              <a:t>2023/11/29</a:t>
             </a:fld>
             <a:endParaRPr kumimoji="1" lang="ja-JP" altLang="en-US"/>
           </a:p>
@@ -3582,7 +3719,7 @@
           <a:p>
             <a:fld id="{1FE1D380-D20F-4BF7-A204-3A9DABE281DF}" type="datetimeFigureOut">
               <a:rPr kumimoji="1" lang="ja-JP" altLang="en-US" smtClean="0"/>
-              <a:t>2023/11/23</a:t>
+              <a:t>2023/11/29</a:t>
             </a:fld>
             <a:endParaRPr kumimoji="1" lang="ja-JP" altLang="en-US"/>
           </a:p>
@@ -3825,7 +3962,7 @@
           <a:p>
             <a:fld id="{1FE1D380-D20F-4BF7-A204-3A9DABE281DF}" type="datetimeFigureOut">
               <a:rPr kumimoji="1" lang="ja-JP" altLang="en-US" smtClean="0"/>
-              <a:t>2023/11/23</a:t>
+              <a:t>2023/11/29</a:t>
             </a:fld>
             <a:endParaRPr kumimoji="1" lang="ja-JP" altLang="en-US"/>
           </a:p>
@@ -4949,7 +5086,7 @@
           <p:cNvPr id="2" name="Title 1">
             <a:extLst>
               <a:ext uri="{FF2B5EF4-FFF2-40B4-BE49-F238E27FC236}">
-                <a16:creationId xmlns:a16="http://schemas.microsoft.com/office/drawing/2014/main" id="{3FA0BC29-32E6-08AC-1E69-1E050EEA8741}"/>
+                <a16:creationId xmlns:a16="http://schemas.microsoft.com/office/drawing/2014/main" id="{B92499FD-411F-95A4-8870-7A53AF7A6F8E}"/>
               </a:ext>
             </a:extLst>
           </p:cNvPr>
@@ -4974,7 +5111,7 @@
           <p:cNvPr id="3" name="Content Placeholder 2">
             <a:extLst>
               <a:ext uri="{FF2B5EF4-FFF2-40B4-BE49-F238E27FC236}">
-                <a16:creationId xmlns:a16="http://schemas.microsoft.com/office/drawing/2014/main" id="{3A577BA7-4F10-A500-C0C6-968D9CEF318D}"/>
+                <a16:creationId xmlns:a16="http://schemas.microsoft.com/office/drawing/2014/main" id="{B964C452-3716-6D83-5735-5E420F20BCC0}"/>
               </a:ext>
             </a:extLst>
           </p:cNvPr>
@@ -4991,50 +5128,15 @@
           <a:lstStyle/>
           <a:p>
             <a:endParaRPr kumimoji="1" lang="ja-JP" altLang="en-US"/>
-          </a:p>
-        </p:txBody>
-      </p:sp>
-      <p:sp>
-        <p:nvSpPr>
-          <p:cNvPr id="7" name="TextBox 6">
-            <a:extLst>
-              <a:ext uri="{FF2B5EF4-FFF2-40B4-BE49-F238E27FC236}">
-                <a16:creationId xmlns:a16="http://schemas.microsoft.com/office/drawing/2014/main" id="{1A5D3A62-A170-950C-BBB2-831DF26F3A0D}"/>
-              </a:ext>
-            </a:extLst>
-          </p:cNvPr>
-          <p:cNvSpPr txBox="1"/>
-          <p:nvPr/>
-        </p:nvSpPr>
-        <p:spPr>
-          <a:xfrm>
-            <a:off x="3047104" y="3247023"/>
-            <a:ext cx="6094206" cy="369332"/>
-          </a:xfrm>
-          <a:prstGeom prst="rect">
-            <a:avLst/>
-          </a:prstGeom>
-          <a:noFill/>
-        </p:spPr>
-        <p:txBody>
-          <a:bodyPr wrap="square">
-            <a:spAutoFit/>
-          </a:bodyPr>
-          <a:lstStyle/>
-          <a:p>
-            <a:r>
-              <a:rPr lang="ja-JP" altLang="en-US" dirty="0"/>
-              <a:t>Andrej Karpathy</a:t>
-            </a:r>
           </a:p>
         </p:txBody>
       </p:sp>
       <p:pic>
         <p:nvPicPr>
-          <p:cNvPr id="1026" name="Picture 2" descr="Mathematical Foundations of Nonextensive Statistical Mechanics : Umarov,  Sabir, Constantino, Tsallis: Foreign Language Books - Amazon.co.jp">
-            <a:extLst>
-              <a:ext uri="{FF2B5EF4-FFF2-40B4-BE49-F238E27FC236}">
-                <a16:creationId xmlns:a16="http://schemas.microsoft.com/office/drawing/2014/main" id="{544E1C15-82BC-011B-E712-A5C07A4B677D}"/>
+          <p:cNvPr id="1030" name="Picture 6" descr="Inference and Learning from Data: Volume 2:... by Sayed, Ali H.">
+            <a:extLst>
+              <a:ext uri="{FF2B5EF4-FFF2-40B4-BE49-F238E27FC236}">
+                <a16:creationId xmlns:a16="http://schemas.microsoft.com/office/drawing/2014/main" id="{689A299E-434A-1539-F82F-B6EFBFA8DAD9}"/>
               </a:ext>
             </a:extLst>
           </p:cNvPr>
@@ -5044,7 +5146,7 @@
           <p:nvPr/>
         </p:nvPicPr>
         <p:blipFill>
-          <a:blip r:embed="rId2">
+          <a:blip r:embed="rId3">
             <a:extLst>
               <a:ext uri="{28A0092B-C50C-407E-A947-70E740481C1C}">
                 <a14:useLocalDpi xmlns:a14="http://schemas.microsoft.com/office/drawing/2010/main" val="0"/>
@@ -5058,8 +5160,8 @@
         </p:blipFill>
         <p:spPr bwMode="auto">
           <a:xfrm>
-            <a:off x="3938588" y="0"/>
-            <a:ext cx="4313237" cy="6858000"/>
+            <a:off x="4225165" y="971164"/>
+            <a:ext cx="3643319" cy="5272744"/>
           </a:xfrm>
           <a:prstGeom prst="rect">
             <a:avLst/>
@@ -5076,10 +5178,104 @@
           </a:extLst>
         </p:spPr>
       </p:pic>
+      <p:pic>
+        <p:nvPicPr>
+          <p:cNvPr id="1032" name="Picture 8" descr="Inference and Learning from Data: Volume 1:... by Sayed, Ali H.">
+            <a:extLst>
+              <a:ext uri="{FF2B5EF4-FFF2-40B4-BE49-F238E27FC236}">
+                <a16:creationId xmlns:a16="http://schemas.microsoft.com/office/drawing/2014/main" id="{4016D007-6D2B-BEDD-0B93-B19823DC9050}"/>
+              </a:ext>
+            </a:extLst>
+          </p:cNvPr>
+          <p:cNvPicPr>
+            <a:picLocks noChangeAspect="1" noChangeArrowheads="1"/>
+          </p:cNvPicPr>
+          <p:nvPr/>
+        </p:nvPicPr>
+        <p:blipFill>
+          <a:blip r:embed="rId4">
+            <a:extLst>
+              <a:ext uri="{28A0092B-C50C-407E-A947-70E740481C1C}">
+                <a14:useLocalDpi xmlns:a14="http://schemas.microsoft.com/office/drawing/2010/main" val="0"/>
+              </a:ext>
+            </a:extLst>
+          </a:blip>
+          <a:srcRect/>
+          <a:stretch>
+            <a:fillRect/>
+          </a:stretch>
+        </p:blipFill>
+        <p:spPr bwMode="auto">
+          <a:xfrm>
+            <a:off x="122987" y="971166"/>
+            <a:ext cx="3604113" cy="5216004"/>
+          </a:xfrm>
+          <a:prstGeom prst="rect">
+            <a:avLst/>
+          </a:prstGeom>
+          <a:noFill/>
+          <a:extLst>
+            <a:ext uri="{909E8E84-426E-40DD-AFC4-6F175D3DCCD1}">
+              <a14:hiddenFill xmlns:a14="http://schemas.microsoft.com/office/drawing/2010/main">
+                <a:solidFill>
+                  <a:srgbClr val="FFFFFF"/>
+                </a:solidFill>
+              </a14:hiddenFill>
+            </a:ext>
+          </a:extLst>
+        </p:spPr>
+      </p:pic>
+      <p:pic>
+        <p:nvPicPr>
+          <p:cNvPr id="1034" name="Picture 10" descr="Inference and Learning from Data: Volume 3:... by Sayed, Ali H.">
+            <a:extLst>
+              <a:ext uri="{FF2B5EF4-FFF2-40B4-BE49-F238E27FC236}">
+                <a16:creationId xmlns:a16="http://schemas.microsoft.com/office/drawing/2014/main" id="{BE6A1750-9892-6119-CC88-524D9FD22EE5}"/>
+              </a:ext>
+            </a:extLst>
+          </p:cNvPr>
+          <p:cNvPicPr>
+            <a:picLocks noChangeAspect="1" noChangeArrowheads="1"/>
+          </p:cNvPicPr>
+          <p:nvPr/>
+        </p:nvPicPr>
+        <p:blipFill>
+          <a:blip r:embed="rId5">
+            <a:extLst>
+              <a:ext uri="{28A0092B-C50C-407E-A947-70E740481C1C}">
+                <a14:useLocalDpi xmlns:a14="http://schemas.microsoft.com/office/drawing/2010/main" val="0"/>
+              </a:ext>
+            </a:extLst>
+          </a:blip>
+          <a:srcRect/>
+          <a:stretch>
+            <a:fillRect/>
+          </a:stretch>
+        </p:blipFill>
+        <p:spPr bwMode="auto">
+          <a:xfrm>
+            <a:off x="8226091" y="971164"/>
+            <a:ext cx="3643319" cy="5272743"/>
+          </a:xfrm>
+          <a:prstGeom prst="rect">
+            <a:avLst/>
+          </a:prstGeom>
+          <a:noFill/>
+          <a:extLst>
+            <a:ext uri="{909E8E84-426E-40DD-AFC4-6F175D3DCCD1}">
+              <a14:hiddenFill xmlns:a14="http://schemas.microsoft.com/office/drawing/2010/main">
+                <a:solidFill>
+                  <a:srgbClr val="FFFFFF"/>
+                </a:solidFill>
+              </a14:hiddenFill>
+            </a:ext>
+          </a:extLst>
+        </p:spPr>
+      </p:pic>
     </p:spTree>
     <p:extLst>
       <p:ext uri="{BB962C8B-B14F-4D97-AF65-F5344CB8AC3E}">
-        <p14:creationId xmlns:p14="http://schemas.microsoft.com/office/powerpoint/2010/main" val="3278326900"/>
+        <p14:creationId xmlns:p14="http://schemas.microsoft.com/office/powerpoint/2010/main" val="2189988050"/>
       </p:ext>
     </p:extLst>
   </p:cSld>
@@ -5111,7 +5307,7 @@
           <p:cNvPr id="2" name="Title 1">
             <a:extLst>
               <a:ext uri="{FF2B5EF4-FFF2-40B4-BE49-F238E27FC236}">
-                <a16:creationId xmlns:a16="http://schemas.microsoft.com/office/drawing/2014/main" id="{5F33BE79-287F-F1E0-E9A1-3DC661D30441}"/>
+                <a16:creationId xmlns:a16="http://schemas.microsoft.com/office/drawing/2014/main" id="{C0F842C2-1E65-5B3B-DE02-264DE19BE364}"/>
               </a:ext>
             </a:extLst>
           </p:cNvPr>
@@ -5122,12 +5318,53 @@
             <p:ph type="title"/>
           </p:nvPr>
         </p:nvSpPr>
-        <p:spPr/>
+        <p:spPr>
+          <a:xfrm>
+            <a:off x="300318" y="0"/>
+            <a:ext cx="10515600" cy="1325563"/>
+          </a:xfrm>
+        </p:spPr>
         <p:txBody>
           <a:bodyPr/>
           <a:lstStyle/>
           <a:p>
-            <a:endParaRPr kumimoji="1" lang="ja-JP" altLang="en-US"/>
+            <a:r>
+              <a:rPr kumimoji="1" lang="en-US" altLang="ja-JP" b="1" dirty="0" err="1">
+                <a:solidFill>
+                  <a:schemeClr val="accent5"/>
+                </a:solidFill>
+              </a:rPr>
+              <a:t>Contraharmonic</a:t>
+            </a:r>
+            <a:r>
+              <a:rPr kumimoji="1" lang="en-US" altLang="ja-JP" b="1" dirty="0">
+                <a:solidFill>
+                  <a:schemeClr val="accent5"/>
+                </a:solidFill>
+              </a:rPr>
+              <a:t> or </a:t>
+            </a:r>
+            <a:r>
+              <a:rPr kumimoji="1" lang="en-US" altLang="ja-JP" b="1" dirty="0" err="1">
+                <a:solidFill>
+                  <a:schemeClr val="accent5"/>
+                </a:solidFill>
+              </a:rPr>
+              <a:t>antiharmonic</a:t>
+            </a:r>
+            <a:r>
+              <a:rPr kumimoji="1" lang="en-US" altLang="ja-JP" b="1" dirty="0">
+                <a:solidFill>
+                  <a:schemeClr val="accent5"/>
+                </a:solidFill>
+              </a:rPr>
+              <a:t> mean</a:t>
+            </a:r>
+            <a:endParaRPr kumimoji="1" lang="ja-JP" altLang="en-US" b="1" dirty="0">
+              <a:solidFill>
+                <a:schemeClr val="accent5"/>
+              </a:solidFill>
+            </a:endParaRPr>
           </a:p>
         </p:txBody>
       </p:sp>
@@ -5136,7 +5373,7 @@
           <p:cNvPr id="3" name="Content Placeholder 2">
             <a:extLst>
               <a:ext uri="{FF2B5EF4-FFF2-40B4-BE49-F238E27FC236}">
-                <a16:creationId xmlns:a16="http://schemas.microsoft.com/office/drawing/2014/main" id="{BD1C5F32-B835-D7AB-B64E-E9E01C1F1793}"/>
+                <a16:creationId xmlns:a16="http://schemas.microsoft.com/office/drawing/2014/main" id="{BC4EE631-2EFE-D138-8C83-89892299F470}"/>
               </a:ext>
             </a:extLst>
           </p:cNvPr>
@@ -5147,348 +5384,126 @@
             <p:ph idx="1"/>
           </p:nvPr>
         </p:nvSpPr>
-        <p:spPr/>
+        <p:spPr>
+          <a:xfrm>
+            <a:off x="386379" y="1459865"/>
+            <a:ext cx="10515600" cy="4351338"/>
+          </a:xfrm>
+        </p:spPr>
         <p:txBody>
           <a:bodyPr/>
           <a:lstStyle/>
           <a:p>
+            <a:r>
+              <a:rPr kumimoji="1" lang="en-US" altLang="ja-JP" dirty="0" err="1"/>
+              <a:t>Contraharmonic</a:t>
+            </a:r>
+            <a:r>
+              <a:rPr kumimoji="1" lang="en-US" altLang="ja-JP" dirty="0"/>
+              <a:t> or </a:t>
+            </a:r>
+            <a:r>
+              <a:rPr kumimoji="1" lang="en-US" altLang="ja-JP" dirty="0" err="1"/>
+              <a:t>antiharmonic</a:t>
+            </a:r>
+            <a:r>
+              <a:rPr kumimoji="1" lang="en-US" altLang="ja-JP" dirty="0"/>
+              <a:t> mean of n positive reals:</a:t>
+            </a:r>
+          </a:p>
+          <a:p>
+            <a:endParaRPr lang="en-US" altLang="ja-JP" dirty="0"/>
+          </a:p>
+          <a:p>
+            <a:endParaRPr kumimoji="1" lang="en-US" altLang="ja-JP" dirty="0"/>
+          </a:p>
+          <a:p>
+            <a:endParaRPr lang="en-US" altLang="ja-JP" dirty="0"/>
+          </a:p>
+          <a:p>
+            <a:endParaRPr kumimoji="1" lang="en-US" altLang="ja-JP" dirty="0"/>
+          </a:p>
+          <a:p>
+            <a:r>
+              <a:rPr kumimoji="1" lang="en-US" altLang="ja-JP" dirty="0"/>
+              <a:t>The </a:t>
+            </a:r>
+            <a:r>
+              <a:rPr kumimoji="1" lang="en-US" altLang="ja-JP" dirty="0" err="1"/>
+              <a:t>contraharmonic</a:t>
+            </a:r>
+            <a:r>
+              <a:rPr kumimoji="1" lang="en-US" altLang="ja-JP" dirty="0"/>
+              <a:t> mean is the solution of the sum of the squares with relative errors:</a:t>
+            </a:r>
             <a:endParaRPr kumimoji="1" lang="ja-JP" altLang="en-US" dirty="0"/>
           </a:p>
         </p:txBody>
       </p:sp>
       <p:pic>
         <p:nvPicPr>
-          <p:cNvPr id="1026" name="Picture 2">
-            <a:extLst>
-              <a:ext uri="{FF2B5EF4-FFF2-40B4-BE49-F238E27FC236}">
-                <a16:creationId xmlns:a16="http://schemas.microsoft.com/office/drawing/2014/main" id="{E8E1EF77-1537-3746-6970-0A24C98AEBF5}"/>
+          <p:cNvPr id="5" name="Picture 4">
+            <a:extLst>
+              <a:ext uri="{FF2B5EF4-FFF2-40B4-BE49-F238E27FC236}">
+                <a16:creationId xmlns:a16="http://schemas.microsoft.com/office/drawing/2014/main" id="{13935E09-A257-1C98-FFF7-0B0104418F04}"/>
               </a:ext>
             </a:extLst>
           </p:cNvPr>
           <p:cNvPicPr>
-            <a:picLocks noChangeAspect="1" noChangeArrowheads="1"/>
+            <a:picLocks noChangeAspect="1"/>
           </p:cNvPicPr>
           <p:nvPr/>
         </p:nvPicPr>
         <p:blipFill>
-          <a:blip r:embed="rId2">
-            <a:extLst>
-              <a:ext uri="{28A0092B-C50C-407E-A947-70E740481C1C}">
-                <a14:useLocalDpi xmlns:a14="http://schemas.microsoft.com/office/drawing/2010/main" val="0"/>
-              </a:ext>
-            </a:extLst>
-          </a:blip>
-          <a:srcRect/>
+          <a:blip r:embed="rId2"/>
           <a:stretch>
             <a:fillRect/>
           </a:stretch>
         </p:blipFill>
-        <p:spPr bwMode="auto">
+        <p:spPr>
           <a:xfrm>
-            <a:off x="355002" y="214940"/>
-            <a:ext cx="2290108" cy="3313218"/>
+            <a:off x="2308188" y="2159598"/>
+            <a:ext cx="6103934" cy="1269402"/>
           </a:xfrm>
           <a:prstGeom prst="rect">
             <a:avLst/>
           </a:prstGeom>
-          <a:noFill/>
-          <a:extLst>
-            <a:ext uri="{909E8E84-426E-40DD-AFC4-6F175D3DCCD1}">
-              <a14:hiddenFill xmlns:a14="http://schemas.microsoft.com/office/drawing/2010/main">
-                <a:solidFill>
-                  <a:srgbClr val="FFFFFF"/>
-                </a:solidFill>
-              </a14:hiddenFill>
-            </a:ext>
-          </a:extLst>
         </p:spPr>
       </p:pic>
       <p:pic>
         <p:nvPicPr>
-          <p:cNvPr id="1028" name="Picture 4">
-            <a:extLst>
-              <a:ext uri="{FF2B5EF4-FFF2-40B4-BE49-F238E27FC236}">
-                <a16:creationId xmlns:a16="http://schemas.microsoft.com/office/drawing/2014/main" id="{869FD3FC-AA72-3E95-6D32-9BA0C95C81A4}"/>
+          <p:cNvPr id="7" name="Picture 6">
+            <a:extLst>
+              <a:ext uri="{FF2B5EF4-FFF2-40B4-BE49-F238E27FC236}">
+                <a16:creationId xmlns:a16="http://schemas.microsoft.com/office/drawing/2014/main" id="{52095837-D1C8-2991-B464-52F7803070A7}"/>
               </a:ext>
             </a:extLst>
           </p:cNvPr>
           <p:cNvPicPr>
-            <a:picLocks noChangeAspect="1" noChangeArrowheads="1"/>
+            <a:picLocks noChangeAspect="1"/>
           </p:cNvPicPr>
           <p:nvPr/>
         </p:nvPicPr>
         <p:blipFill>
-          <a:blip r:embed="rId3">
-            <a:extLst>
-              <a:ext uri="{28A0092B-C50C-407E-A947-70E740481C1C}">
-                <a14:useLocalDpi xmlns:a14="http://schemas.microsoft.com/office/drawing/2010/main" val="0"/>
-              </a:ext>
-            </a:extLst>
-          </a:blip>
-          <a:srcRect/>
+          <a:blip r:embed="rId3"/>
           <a:stretch>
             <a:fillRect/>
           </a:stretch>
         </p:blipFill>
-        <p:spPr bwMode="auto">
+        <p:spPr>
           <a:xfrm>
-            <a:off x="3491299" y="268154"/>
-            <a:ext cx="2067449" cy="3146612"/>
+            <a:off x="2435004" y="4920952"/>
+            <a:ext cx="7961366" cy="1557020"/>
           </a:xfrm>
           <a:prstGeom prst="rect">
             <a:avLst/>
           </a:prstGeom>
-          <a:noFill/>
-          <a:extLst>
-            <a:ext uri="{909E8E84-426E-40DD-AFC4-6F175D3DCCD1}">
-              <a14:hiddenFill xmlns:a14="http://schemas.microsoft.com/office/drawing/2010/main">
-                <a:solidFill>
-                  <a:srgbClr val="FFFFFF"/>
-                </a:solidFill>
-              </a14:hiddenFill>
-            </a:ext>
-          </a:extLst>
-        </p:spPr>
-      </p:pic>
-      <p:pic>
-        <p:nvPicPr>
-          <p:cNvPr id="1030" name="Picture 6" descr="Cover book the Shallow and the Deep">
-            <a:extLst>
-              <a:ext uri="{FF2B5EF4-FFF2-40B4-BE49-F238E27FC236}">
-                <a16:creationId xmlns:a16="http://schemas.microsoft.com/office/drawing/2014/main" id="{4C31EA6B-35D8-7386-2F1F-4CC879758525}"/>
-              </a:ext>
-            </a:extLst>
-          </p:cNvPr>
-          <p:cNvPicPr>
-            <a:picLocks noChangeAspect="1" noChangeArrowheads="1"/>
-          </p:cNvPicPr>
-          <p:nvPr/>
-        </p:nvPicPr>
-        <p:blipFill>
-          <a:blip r:embed="rId4">
-            <a:extLst>
-              <a:ext uri="{28A0092B-C50C-407E-A947-70E740481C1C}">
-                <a14:useLocalDpi xmlns:a14="http://schemas.microsoft.com/office/drawing/2010/main" val="0"/>
-              </a:ext>
-            </a:extLst>
-          </a:blip>
-          <a:srcRect/>
-          <a:stretch>
-            <a:fillRect/>
-          </a:stretch>
-        </p:blipFill>
-        <p:spPr bwMode="auto">
-          <a:xfrm>
-            <a:off x="6404571" y="214940"/>
-            <a:ext cx="2180322" cy="3085156"/>
-          </a:xfrm>
-          <a:prstGeom prst="rect">
-            <a:avLst/>
-          </a:prstGeom>
-          <a:noFill/>
-          <a:extLst>
-            <a:ext uri="{909E8E84-426E-40DD-AFC4-6F175D3DCCD1}">
-              <a14:hiddenFill xmlns:a14="http://schemas.microsoft.com/office/drawing/2010/main">
-                <a:solidFill>
-                  <a:srgbClr val="FFFFFF"/>
-                </a:solidFill>
-              </a14:hiddenFill>
-            </a:ext>
-          </a:extLst>
-        </p:spPr>
-      </p:pic>
-      <p:pic>
-        <p:nvPicPr>
-          <p:cNvPr id="1032" name="Picture 8">
-            <a:extLst>
-              <a:ext uri="{FF2B5EF4-FFF2-40B4-BE49-F238E27FC236}">
-                <a16:creationId xmlns:a16="http://schemas.microsoft.com/office/drawing/2014/main" id="{BEAF9420-7EC0-0DC9-3B66-22A45F3C4B6B}"/>
-              </a:ext>
-            </a:extLst>
-          </p:cNvPr>
-          <p:cNvPicPr>
-            <a:picLocks noChangeAspect="1" noChangeArrowheads="1"/>
-          </p:cNvPicPr>
-          <p:nvPr/>
-        </p:nvPicPr>
-        <p:blipFill>
-          <a:blip r:embed="rId5">
-            <a:extLst>
-              <a:ext uri="{28A0092B-C50C-407E-A947-70E740481C1C}">
-                <a14:useLocalDpi xmlns:a14="http://schemas.microsoft.com/office/drawing/2010/main" val="0"/>
-              </a:ext>
-            </a:extLst>
-          </a:blip>
-          <a:srcRect/>
-          <a:stretch>
-            <a:fillRect/>
-          </a:stretch>
-        </p:blipFill>
-        <p:spPr bwMode="auto">
-          <a:xfrm>
-            <a:off x="9472879" y="348605"/>
-            <a:ext cx="2058640" cy="3085156"/>
-          </a:xfrm>
-          <a:prstGeom prst="rect">
-            <a:avLst/>
-          </a:prstGeom>
-          <a:noFill/>
-          <a:extLst>
-            <a:ext uri="{909E8E84-426E-40DD-AFC4-6F175D3DCCD1}">
-              <a14:hiddenFill xmlns:a14="http://schemas.microsoft.com/office/drawing/2010/main">
-                <a:solidFill>
-                  <a:srgbClr val="FFFFFF"/>
-                </a:solidFill>
-              </a14:hiddenFill>
-            </a:ext>
-          </a:extLst>
-        </p:spPr>
-      </p:pic>
-      <p:pic>
-        <p:nvPicPr>
-          <p:cNvPr id="1034" name="Picture 10">
-            <a:extLst>
-              <a:ext uri="{FF2B5EF4-FFF2-40B4-BE49-F238E27FC236}">
-                <a16:creationId xmlns:a16="http://schemas.microsoft.com/office/drawing/2014/main" id="{B6349382-C08D-FB12-28F5-0EEB161D7652}"/>
-              </a:ext>
-            </a:extLst>
-          </p:cNvPr>
-          <p:cNvPicPr>
-            <a:picLocks noChangeAspect="1" noChangeArrowheads="1"/>
-          </p:cNvPicPr>
-          <p:nvPr/>
-        </p:nvPicPr>
-        <p:blipFill>
-          <a:blip r:embed="rId6">
-            <a:extLst>
-              <a:ext uri="{28A0092B-C50C-407E-A947-70E740481C1C}">
-                <a14:useLocalDpi xmlns:a14="http://schemas.microsoft.com/office/drawing/2010/main" val="0"/>
-              </a:ext>
-            </a:extLst>
-          </a:blip>
-          <a:srcRect/>
-          <a:stretch>
-            <a:fillRect/>
-          </a:stretch>
-        </p:blipFill>
-        <p:spPr bwMode="auto">
-          <a:xfrm>
-            <a:off x="7781589" y="3607377"/>
-            <a:ext cx="2420285" cy="2993511"/>
-          </a:xfrm>
-          <a:prstGeom prst="rect">
-            <a:avLst/>
-          </a:prstGeom>
-          <a:noFill/>
-          <a:extLst>
-            <a:ext uri="{909E8E84-426E-40DD-AFC4-6F175D3DCCD1}">
-              <a14:hiddenFill xmlns:a14="http://schemas.microsoft.com/office/drawing/2010/main">
-                <a:solidFill>
-                  <a:srgbClr val="FFFFFF"/>
-                </a:solidFill>
-              </a14:hiddenFill>
-            </a:ext>
-          </a:extLst>
-        </p:spPr>
-      </p:pic>
-      <p:pic>
-        <p:nvPicPr>
-          <p:cNvPr id="1036" name="Picture 12">
-            <a:extLst>
-              <a:ext uri="{FF2B5EF4-FFF2-40B4-BE49-F238E27FC236}">
-                <a16:creationId xmlns:a16="http://schemas.microsoft.com/office/drawing/2014/main" id="{FFD4C5AA-B16F-2F9C-44BE-97F9A54338C0}"/>
-              </a:ext>
-            </a:extLst>
-          </p:cNvPr>
-          <p:cNvPicPr>
-            <a:picLocks noChangeAspect="1" noChangeArrowheads="1"/>
-          </p:cNvPicPr>
-          <p:nvPr/>
-        </p:nvPicPr>
-        <p:blipFill>
-          <a:blip r:embed="rId7">
-            <a:extLst>
-              <a:ext uri="{28A0092B-C50C-407E-A947-70E740481C1C}">
-                <a14:useLocalDpi xmlns:a14="http://schemas.microsoft.com/office/drawing/2010/main" val="0"/>
-              </a:ext>
-            </a:extLst>
-          </a:blip>
-          <a:srcRect/>
-          <a:stretch>
-            <a:fillRect/>
-          </a:stretch>
-        </p:blipFill>
-        <p:spPr bwMode="auto">
-          <a:xfrm>
-            <a:off x="4898649" y="3528158"/>
-            <a:ext cx="1944052" cy="3146612"/>
-          </a:xfrm>
-          <a:prstGeom prst="rect">
-            <a:avLst/>
-          </a:prstGeom>
-          <a:noFill/>
-          <a:extLst>
-            <a:ext uri="{909E8E84-426E-40DD-AFC4-6F175D3DCCD1}">
-              <a14:hiddenFill xmlns:a14="http://schemas.microsoft.com/office/drawing/2010/main">
-                <a:solidFill>
-                  <a:srgbClr val="FFFFFF"/>
-                </a:solidFill>
-              </a14:hiddenFill>
-            </a:ext>
-          </a:extLst>
-        </p:spPr>
-      </p:pic>
-      <p:pic>
-        <p:nvPicPr>
-          <p:cNvPr id="1038" name="Picture 14" descr="front cover">
-            <a:extLst>
-              <a:ext uri="{FF2B5EF4-FFF2-40B4-BE49-F238E27FC236}">
-                <a16:creationId xmlns:a16="http://schemas.microsoft.com/office/drawing/2014/main" id="{9A8537B1-AC44-E732-DE9E-58997F4CCC44}"/>
-              </a:ext>
-            </a:extLst>
-          </p:cNvPr>
-          <p:cNvPicPr>
-            <a:picLocks noChangeAspect="1" noChangeArrowheads="1"/>
-          </p:cNvPicPr>
-          <p:nvPr/>
-        </p:nvPicPr>
-        <p:blipFill>
-          <a:blip r:embed="rId8">
-            <a:extLst>
-              <a:ext uri="{28A0092B-C50C-407E-A947-70E740481C1C}">
-                <a14:useLocalDpi xmlns:a14="http://schemas.microsoft.com/office/drawing/2010/main" val="0"/>
-              </a:ext>
-            </a:extLst>
-          </a:blip>
-          <a:srcRect/>
-          <a:stretch>
-            <a:fillRect/>
-          </a:stretch>
-        </p:blipFill>
-        <p:spPr bwMode="auto">
-          <a:xfrm>
-            <a:off x="1153625" y="3517075"/>
-            <a:ext cx="2982969" cy="3340925"/>
-          </a:xfrm>
-          <a:prstGeom prst="rect">
-            <a:avLst/>
-          </a:prstGeom>
-          <a:noFill/>
-          <a:extLst>
-            <a:ext uri="{909E8E84-426E-40DD-AFC4-6F175D3DCCD1}">
-              <a14:hiddenFill xmlns:a14="http://schemas.microsoft.com/office/drawing/2010/main">
-                <a:solidFill>
-                  <a:srgbClr val="FFFFFF"/>
-                </a:solidFill>
-              </a14:hiddenFill>
-            </a:ext>
-          </a:extLst>
         </p:spPr>
       </p:pic>
     </p:spTree>
     <p:extLst>
       <p:ext uri="{BB962C8B-B14F-4D97-AF65-F5344CB8AC3E}">
-        <p14:creationId xmlns:p14="http://schemas.microsoft.com/office/powerpoint/2010/main" val="1443018924"/>
+        <p14:creationId xmlns:p14="http://schemas.microsoft.com/office/powerpoint/2010/main" val="2698045578"/>
       </p:ext>
     </p:extLst>
   </p:cSld>
@@ -5520,7 +5535,7 @@
           <p:cNvPr id="2" name="Title 1">
             <a:extLst>
               <a:ext uri="{FF2B5EF4-FFF2-40B4-BE49-F238E27FC236}">
-                <a16:creationId xmlns:a16="http://schemas.microsoft.com/office/drawing/2014/main" id="{1CC3642B-9742-5616-9937-0466314270FA}"/>
+                <a16:creationId xmlns:a16="http://schemas.microsoft.com/office/drawing/2014/main" id="{3FA0BC29-32E6-08AC-1E69-1E050EEA8741}"/>
               </a:ext>
             </a:extLst>
           </p:cNvPr>
@@ -5530,86 +5545,57 @@
           <p:nvPr>
             <p:ph type="title"/>
           </p:nvPr>
+        </p:nvSpPr>
+        <p:spPr/>
+        <p:txBody>
+          <a:bodyPr/>
+          <a:lstStyle/>
+          <a:p>
+            <a:endParaRPr kumimoji="1" lang="ja-JP" altLang="en-US"/>
+          </a:p>
+        </p:txBody>
+      </p:sp>
+      <p:sp>
+        <p:nvSpPr>
+          <p:cNvPr id="3" name="Content Placeholder 2">
+            <a:extLst>
+              <a:ext uri="{FF2B5EF4-FFF2-40B4-BE49-F238E27FC236}">
+                <a16:creationId xmlns:a16="http://schemas.microsoft.com/office/drawing/2014/main" id="{3A577BA7-4F10-A500-C0C6-968D9CEF318D}"/>
+              </a:ext>
+            </a:extLst>
+          </p:cNvPr>
+          <p:cNvSpPr>
+            <a:spLocks noGrp="1"/>
+          </p:cNvSpPr>
+          <p:nvPr>
+            <p:ph idx="1"/>
+          </p:nvPr>
+        </p:nvSpPr>
+        <p:spPr/>
+        <p:txBody>
+          <a:bodyPr/>
+          <a:lstStyle/>
+          <a:p>
+            <a:endParaRPr kumimoji="1" lang="ja-JP" altLang="en-US"/>
+          </a:p>
+        </p:txBody>
+      </p:sp>
+      <p:sp>
+        <p:nvSpPr>
+          <p:cNvPr id="7" name="TextBox 6">
+            <a:extLst>
+              <a:ext uri="{FF2B5EF4-FFF2-40B4-BE49-F238E27FC236}">
+                <a16:creationId xmlns:a16="http://schemas.microsoft.com/office/drawing/2014/main" id="{1A5D3A62-A170-950C-BBB2-831DF26F3A0D}"/>
+              </a:ext>
+            </a:extLst>
+          </p:cNvPr>
+          <p:cNvSpPr txBox="1"/>
+          <p:nvPr/>
         </p:nvSpPr>
         <p:spPr>
           <a:xfrm>
-            <a:off x="219966" y="-273488"/>
-            <a:ext cx="11752068" cy="1325563"/>
-          </a:xfrm>
-        </p:spPr>
-        <p:txBody>
-          <a:bodyPr>
-            <a:normAutofit/>
-          </a:bodyPr>
-          <a:lstStyle/>
-          <a:p>
-            <a:r>
-              <a:rPr kumimoji="1" lang="en-US" altLang="ja-JP" sz="3600" b="1" dirty="0">
-                <a:solidFill>
-                  <a:schemeClr val="accent5"/>
-                </a:solidFill>
-              </a:rPr>
-              <a:t>Hessian manifolds, Hessian geometry, Bregman geometry</a:t>
-            </a:r>
-            <a:endParaRPr kumimoji="1" lang="ja-JP" altLang="en-US" sz="3600" b="1" dirty="0">
-              <a:solidFill>
-                <a:schemeClr val="accent5"/>
-              </a:solidFill>
-            </a:endParaRPr>
-          </a:p>
-        </p:txBody>
-      </p:sp>
-      <p:pic>
-        <p:nvPicPr>
-          <p:cNvPr id="5" name="Content Placeholder 4" descr="A book cover with text&#10;&#10;Description automatically generated">
-            <a:extLst>
-              <a:ext uri="{FF2B5EF4-FFF2-40B4-BE49-F238E27FC236}">
-                <a16:creationId xmlns:a16="http://schemas.microsoft.com/office/drawing/2014/main" id="{D048D31E-7654-8254-FA04-F9748BFF69AF}"/>
-              </a:ext>
-            </a:extLst>
-          </p:cNvPr>
-          <p:cNvPicPr>
-            <a:picLocks noGrp="1" noChangeAspect="1"/>
-          </p:cNvPicPr>
-          <p:nvPr>
-            <p:ph idx="1"/>
-          </p:nvPr>
-        </p:nvPicPr>
-        <p:blipFill>
-          <a:blip r:embed="rId3">
-            <a:extLst>
-              <a:ext uri="{28A0092B-C50C-407E-A947-70E740481C1C}">
-                <a14:useLocalDpi xmlns:a14="http://schemas.microsoft.com/office/drawing/2010/main" val="0"/>
-              </a:ext>
-            </a:extLst>
-          </a:blip>
-          <a:stretch>
-            <a:fillRect/>
-          </a:stretch>
-        </p:blipFill>
-        <p:spPr>
-          <a:xfrm>
-            <a:off x="772098" y="2025615"/>
-            <a:ext cx="2577158" cy="3655544"/>
-          </a:xfrm>
-        </p:spPr>
-      </p:pic>
-      <p:sp>
-        <p:nvSpPr>
-          <p:cNvPr id="6" name="TextBox 5">
-            <a:extLst>
-              <a:ext uri="{FF2B5EF4-FFF2-40B4-BE49-F238E27FC236}">
-                <a16:creationId xmlns:a16="http://schemas.microsoft.com/office/drawing/2014/main" id="{95C7AD0D-A17F-006E-8AC8-E7411C575379}"/>
-              </a:ext>
-            </a:extLst>
-          </p:cNvPr>
-          <p:cNvSpPr txBox="1"/>
-          <p:nvPr/>
-        </p:nvSpPr>
-        <p:spPr>
-          <a:xfrm>
-            <a:off x="219966" y="772497"/>
-            <a:ext cx="12067727" cy="1477328"/>
+            <a:off x="3047104" y="3247023"/>
+            <a:ext cx="6094206" cy="369332"/>
           </a:xfrm>
           <a:prstGeom prst="rect">
             <a:avLst/>
@@ -5617,162 +5603,24 @@
           <a:noFill/>
         </p:spPr>
         <p:txBody>
-          <a:bodyPr wrap="none" rtlCol="0">
+          <a:bodyPr wrap="square">
             <a:spAutoFit/>
           </a:bodyPr>
           <a:lstStyle/>
           <a:p>
             <a:r>
-              <a:rPr kumimoji="1" lang="en-US" altLang="ja-JP" b="1" dirty="0">
-                <a:solidFill>
-                  <a:srgbClr val="FF0000"/>
-                </a:solidFill>
-              </a:rPr>
-              <a:t>Hessian structure </a:t>
-            </a:r>
-            <a:r>
-              <a:rPr kumimoji="1" lang="en-US" altLang="ja-JP" dirty="0"/>
-              <a:t>on a manifold:  </a:t>
-            </a:r>
-            <a:r>
-              <a:rPr kumimoji="1" lang="en-US" altLang="ja-JP" b="1" dirty="0">
-                <a:latin typeface="+mj-lt"/>
-              </a:rPr>
-              <a:t>(g,</a:t>
-            </a:r>
-            <a:r>
-              <a:rPr lang="ja-JP" altLang="en-US" b="1" i="0" dirty="0">
-                <a:effectLst/>
-                <a:latin typeface="+mj-lt"/>
-              </a:rPr>
-              <a:t> ∇</a:t>
-            </a:r>
-            <a:r>
-              <a:rPr kumimoji="1" lang="en-US" altLang="ja-JP" b="1" dirty="0">
-                <a:latin typeface="+mj-lt"/>
-              </a:rPr>
-              <a:t>) </a:t>
-            </a:r>
-            <a:r>
-              <a:rPr kumimoji="1" lang="en-US" altLang="ja-JP" dirty="0"/>
-              <a:t>where g is a Hessian metric tensor and a torsion-free flat connection</a:t>
-            </a:r>
-            <a:r>
-              <a:rPr lang="ja-JP" altLang="en-US" b="1" i="0" dirty="0">
-                <a:effectLst/>
-                <a:latin typeface="+mj-lt"/>
-              </a:rPr>
-              <a:t> ∇</a:t>
-            </a:r>
-            <a:endParaRPr kumimoji="1" lang="en-US" altLang="ja-JP" dirty="0"/>
-          </a:p>
-          <a:p>
-            <a:r>
-              <a:rPr lang="en-US" altLang="ja-JP" dirty="0"/>
-              <a:t>To every chart there is a </a:t>
-            </a:r>
-            <a:r>
-              <a:rPr lang="en-US" altLang="ja-JP" b="1" dirty="0">
-                <a:solidFill>
-                  <a:srgbClr val="FF0000"/>
-                </a:solidFill>
-              </a:rPr>
-              <a:t>potential function </a:t>
-            </a:r>
-            <a:r>
-              <a:rPr lang="en-US" altLang="ja-JP" dirty="0"/>
-              <a:t>defining the Hessian metric in local coordinates of the chart</a:t>
-            </a:r>
-          </a:p>
-          <a:p>
-            <a:r>
-              <a:rPr kumimoji="1" lang="en-US" altLang="ja-JP" dirty="0"/>
-              <a:t>Hessian </a:t>
-            </a:r>
-            <a:r>
-              <a:rPr lang="en-US" altLang="ja-JP" dirty="0"/>
-              <a:t>manifolds are special </a:t>
-            </a:r>
-            <a:r>
-              <a:rPr lang="en-US" altLang="ja-JP" b="1" dirty="0">
-                <a:solidFill>
-                  <a:srgbClr val="FF0000"/>
-                </a:solidFill>
-              </a:rPr>
-              <a:t>affine manifolds </a:t>
-            </a:r>
-            <a:r>
-              <a:rPr lang="en-US" altLang="ja-JP" dirty="0"/>
-              <a:t>(M,</a:t>
-            </a:r>
-            <a:r>
-              <a:rPr lang="ja-JP" altLang="en-US" b="1" i="0" dirty="0">
-                <a:effectLst/>
-                <a:latin typeface="+mj-lt"/>
-              </a:rPr>
-              <a:t> ∇</a:t>
-            </a:r>
-            <a:r>
-              <a:rPr kumimoji="1" lang="en-US" altLang="ja-JP" b="1" dirty="0">
-                <a:latin typeface="+mj-lt"/>
-              </a:rPr>
-              <a:t>) </a:t>
-            </a:r>
-            <a:r>
-              <a:rPr kumimoji="1" lang="en-US" altLang="ja-JP" dirty="0">
-                <a:latin typeface="+mj-lt"/>
-              </a:rPr>
-              <a:t>where </a:t>
-            </a:r>
-            <a:r>
-              <a:rPr lang="ja-JP" altLang="en-US" i="0" dirty="0">
-                <a:effectLst/>
-                <a:latin typeface="+mj-lt"/>
-              </a:rPr>
-              <a:t>∇ </a:t>
-            </a:r>
-            <a:r>
-              <a:rPr lang="en-US" altLang="ja-JP" i="0" dirty="0">
-                <a:effectLst/>
-                <a:latin typeface="+mj-lt"/>
-              </a:rPr>
-              <a:t>is </a:t>
-            </a:r>
-            <a:r>
-              <a:rPr kumimoji="1" lang="en-US" altLang="ja-JP" dirty="0"/>
-              <a:t>a torsion-free flat connection</a:t>
-            </a:r>
-          </a:p>
-          <a:p>
-            <a:r>
-              <a:rPr lang="en-US" altLang="ja-JP" dirty="0"/>
-              <a:t>A Bregman divergence induces a Hessian manifold with a global chart, a </a:t>
-            </a:r>
-            <a:r>
-              <a:rPr lang="en-US" altLang="ja-JP" b="1" dirty="0">
-                <a:solidFill>
-                  <a:srgbClr val="FF0000"/>
-                </a:solidFill>
-              </a:rPr>
-              <a:t>Bregman manifold</a:t>
-            </a:r>
-            <a:endParaRPr kumimoji="1" lang="en-US" altLang="ja-JP" b="1" dirty="0">
-              <a:solidFill>
-                <a:srgbClr val="FF0000"/>
-              </a:solidFill>
-            </a:endParaRPr>
-          </a:p>
-          <a:p>
-            <a:endParaRPr kumimoji="1" lang="ja-JP" altLang="en-US" dirty="0"/>
+              <a:rPr lang="ja-JP" altLang="en-US" dirty="0"/>
+              <a:t>Andrej Karpathy</a:t>
+            </a:r>
           </a:p>
         </p:txBody>
       </p:sp>
       <p:pic>
         <p:nvPicPr>
-          <p:cNvPr id="1026" name="Picture 2" descr="The Geometry of Hessian Structures: Shima, Hirohiko: 9789812700315:  Amazon.com: Books">
-            <a:extLst>
-              <a:ext uri="{FF2B5EF4-FFF2-40B4-BE49-F238E27FC236}">
-                <a16:creationId xmlns:a16="http://schemas.microsoft.com/office/drawing/2014/main" id="{4270141D-62DE-8996-E8BA-9560EC07568B}"/>
+          <p:cNvPr id="1026" name="Picture 2" descr="Mathematical Foundations of Nonextensive Statistical Mechanics : Umarov,  Sabir, Constantino, Tsallis: Foreign Language Books - Amazon.co.jp">
+            <a:extLst>
+              <a:ext uri="{FF2B5EF4-FFF2-40B4-BE49-F238E27FC236}">
+                <a16:creationId xmlns:a16="http://schemas.microsoft.com/office/drawing/2014/main" id="{544E1C15-82BC-011B-E712-A5C07A4B677D}"/>
               </a:ext>
             </a:extLst>
           </p:cNvPr>
@@ -5782,7 +5630,7 @@
           <p:nvPr/>
         </p:nvPicPr>
         <p:blipFill>
-          <a:blip r:embed="rId4">
+          <a:blip r:embed="rId2">
             <a:extLst>
               <a:ext uri="{28A0092B-C50C-407E-A947-70E740481C1C}">
                 <a14:useLocalDpi xmlns:a14="http://schemas.microsoft.com/office/drawing/2010/main" val="0"/>
@@ -5796,8 +5644,8 @@
         </p:blipFill>
         <p:spPr bwMode="auto">
           <a:xfrm>
-            <a:off x="4869651" y="1990611"/>
-            <a:ext cx="2504871" cy="3716018"/>
+            <a:off x="3938588" y="0"/>
+            <a:ext cx="4313237" cy="6858000"/>
           </a:xfrm>
           <a:prstGeom prst="rect">
             <a:avLst/>
@@ -5814,320 +5662,10 @@
           </a:extLst>
         </p:spPr>
       </p:pic>
-      <p:sp>
-        <p:nvSpPr>
-          <p:cNvPr id="8" name="TextBox 7">
-            <a:extLst>
-              <a:ext uri="{FF2B5EF4-FFF2-40B4-BE49-F238E27FC236}">
-                <a16:creationId xmlns:a16="http://schemas.microsoft.com/office/drawing/2014/main" id="{9896DFD9-206F-9197-815E-92946154232B}"/>
-              </a:ext>
-            </a:extLst>
-          </p:cNvPr>
-          <p:cNvSpPr txBox="1"/>
-          <p:nvPr/>
-        </p:nvSpPr>
-        <p:spPr>
-          <a:xfrm>
-            <a:off x="0" y="5716171"/>
-            <a:ext cx="6182832" cy="369332"/>
-          </a:xfrm>
-          <a:prstGeom prst="rect">
-            <a:avLst/>
-          </a:prstGeom>
-          <a:noFill/>
-        </p:spPr>
-        <p:txBody>
-          <a:bodyPr wrap="square">
-            <a:spAutoFit/>
-          </a:bodyPr>
-          <a:lstStyle/>
-          <a:p>
-            <a:r>
-              <a:rPr lang="ja-JP" altLang="en-US" dirty="0"/>
-              <a:t>志摩裕彦, へッセ幾何学， 裳華房， 2001</a:t>
-            </a:r>
-          </a:p>
-        </p:txBody>
-      </p:sp>
-      <p:sp>
-        <p:nvSpPr>
-          <p:cNvPr id="10" name="TextBox 9">
-            <a:extLst>
-              <a:ext uri="{FF2B5EF4-FFF2-40B4-BE49-F238E27FC236}">
-                <a16:creationId xmlns:a16="http://schemas.microsoft.com/office/drawing/2014/main" id="{A35B527E-ECB8-8DAB-CB88-FAE7BC8F0082}"/>
-              </a:ext>
-            </a:extLst>
-          </p:cNvPr>
-          <p:cNvSpPr txBox="1"/>
-          <p:nvPr/>
-        </p:nvSpPr>
-        <p:spPr>
-          <a:xfrm>
-            <a:off x="4656286" y="5751243"/>
-            <a:ext cx="7860119" cy="369332"/>
-          </a:xfrm>
-          <a:prstGeom prst="rect">
-            <a:avLst/>
-          </a:prstGeom>
-          <a:noFill/>
-        </p:spPr>
-        <p:txBody>
-          <a:bodyPr wrap="square">
-            <a:spAutoFit/>
-          </a:bodyPr>
-          <a:lstStyle/>
-          <a:p>
-            <a:r>
-              <a:rPr lang="en-US" altLang="ja-JP" b="0" i="0" dirty="0">
-                <a:solidFill>
-                  <a:srgbClr val="222222"/>
-                </a:solidFill>
-                <a:effectLst/>
-                <a:latin typeface="+mj-lt"/>
-              </a:rPr>
-              <a:t>Shima, </a:t>
-            </a:r>
-            <a:r>
-              <a:rPr lang="en-US" altLang="ja-JP" b="0" i="0" dirty="0" err="1">
-                <a:solidFill>
-                  <a:srgbClr val="222222"/>
-                </a:solidFill>
-                <a:effectLst/>
-                <a:latin typeface="+mj-lt"/>
-              </a:rPr>
-              <a:t>Hirohiko</a:t>
-            </a:r>
-            <a:r>
-              <a:rPr lang="en-US" altLang="ja-JP" b="0" i="0" dirty="0">
-                <a:solidFill>
-                  <a:srgbClr val="222222"/>
-                </a:solidFill>
-                <a:effectLst/>
-                <a:latin typeface="+mj-lt"/>
-              </a:rPr>
-              <a:t>. </a:t>
-            </a:r>
-            <a:r>
-              <a:rPr lang="en-US" altLang="ja-JP" b="0" i="1" dirty="0">
-                <a:solidFill>
-                  <a:srgbClr val="222222"/>
-                </a:solidFill>
-                <a:effectLst/>
-                <a:latin typeface="+mj-lt"/>
-              </a:rPr>
-              <a:t>The geometry of Hessian structures</a:t>
-            </a:r>
-            <a:r>
-              <a:rPr lang="en-US" altLang="ja-JP" b="0" i="0" dirty="0">
-                <a:solidFill>
-                  <a:srgbClr val="222222"/>
-                </a:solidFill>
-                <a:effectLst/>
-                <a:latin typeface="+mj-lt"/>
-              </a:rPr>
-              <a:t>. World Scientific, 2007.</a:t>
-            </a:r>
-            <a:endParaRPr lang="ja-JP" altLang="en-US" dirty="0">
-              <a:latin typeface="+mj-lt"/>
-            </a:endParaRPr>
-          </a:p>
-        </p:txBody>
-      </p:sp>
-      <p:pic>
-        <p:nvPicPr>
-          <p:cNvPr id="1028" name="Picture 4" descr="Jean-Louis Koszul and Hirihiko Shima at GSI'13 “Geometric Science of... |  Download Scientific Diagram">
-            <a:extLst>
-              <a:ext uri="{FF2B5EF4-FFF2-40B4-BE49-F238E27FC236}">
-                <a16:creationId xmlns:a16="http://schemas.microsoft.com/office/drawing/2014/main" id="{531CC6B4-2CF9-4BBC-DF59-40E0E72095B9}"/>
-              </a:ext>
-            </a:extLst>
-          </p:cNvPr>
-          <p:cNvPicPr>
-            <a:picLocks noChangeAspect="1" noChangeArrowheads="1"/>
-          </p:cNvPicPr>
-          <p:nvPr/>
-        </p:nvPicPr>
-        <p:blipFill>
-          <a:blip r:embed="rId5">
-            <a:extLst>
-              <a:ext uri="{28A0092B-C50C-407E-A947-70E740481C1C}">
-                <a14:useLocalDpi xmlns:a14="http://schemas.microsoft.com/office/drawing/2010/main" val="0"/>
-              </a:ext>
-            </a:extLst>
-          </a:blip>
-          <a:srcRect/>
-          <a:stretch>
-            <a:fillRect/>
-          </a:stretch>
-        </p:blipFill>
-        <p:spPr bwMode="auto">
-          <a:xfrm>
-            <a:off x="8153050" y="2025614"/>
-            <a:ext cx="3704165" cy="2780302"/>
-          </a:xfrm>
-          <a:prstGeom prst="rect">
-            <a:avLst/>
-          </a:prstGeom>
-          <a:noFill/>
-          <a:extLst>
-            <a:ext uri="{909E8E84-426E-40DD-AFC4-6F175D3DCCD1}">
-              <a14:hiddenFill xmlns:a14="http://schemas.microsoft.com/office/drawing/2010/main">
-                <a:solidFill>
-                  <a:srgbClr val="FFFFFF"/>
-                </a:solidFill>
-              </a14:hiddenFill>
-            </a:ext>
-          </a:extLst>
-        </p:spPr>
-      </p:pic>
-      <p:sp>
-        <p:nvSpPr>
-          <p:cNvPr id="11" name="TextBox 10">
-            <a:extLst>
-              <a:ext uri="{FF2B5EF4-FFF2-40B4-BE49-F238E27FC236}">
-                <a16:creationId xmlns:a16="http://schemas.microsoft.com/office/drawing/2014/main" id="{C1FE3A9D-DC74-5C90-F7BB-77EFD2367579}"/>
-              </a:ext>
-            </a:extLst>
-          </p:cNvPr>
-          <p:cNvSpPr txBox="1"/>
-          <p:nvPr/>
-        </p:nvSpPr>
-        <p:spPr>
-          <a:xfrm>
-            <a:off x="8303384" y="4893919"/>
-            <a:ext cx="3403496" cy="861774"/>
-          </a:xfrm>
-          <a:prstGeom prst="rect">
-            <a:avLst/>
-          </a:prstGeom>
-          <a:noFill/>
-        </p:spPr>
-        <p:txBody>
-          <a:bodyPr wrap="none" rtlCol="0">
-            <a:spAutoFit/>
-          </a:bodyPr>
-          <a:lstStyle/>
-          <a:p>
-            <a:pPr algn="ctr"/>
-            <a:r>
-              <a:rPr kumimoji="1" lang="en-US" altLang="ja-JP" sz="1600" dirty="0"/>
-              <a:t>Professor Jean-Louis </a:t>
-            </a:r>
-            <a:r>
-              <a:rPr kumimoji="1" lang="en-US" altLang="ja-JP" sz="1600" dirty="0" err="1"/>
-              <a:t>Koszul</a:t>
-            </a:r>
-            <a:r>
-              <a:rPr kumimoji="1" lang="en-US" altLang="ja-JP" sz="1600" dirty="0"/>
-              <a:t> (left)</a:t>
-            </a:r>
-          </a:p>
-          <a:p>
-            <a:pPr algn="ctr"/>
-            <a:r>
-              <a:rPr lang="en-US" altLang="ja-JP" sz="1600" dirty="0"/>
-              <a:t>Professor </a:t>
-            </a:r>
-            <a:r>
-              <a:rPr lang="en-US" altLang="ja-JP" sz="1600" dirty="0" err="1"/>
-              <a:t>Hirohiko</a:t>
-            </a:r>
-            <a:r>
-              <a:rPr lang="en-US" altLang="ja-JP" sz="1600" dirty="0"/>
-              <a:t> Shima (right)</a:t>
-            </a:r>
-          </a:p>
-          <a:p>
-            <a:pPr algn="ctr"/>
-            <a:r>
-              <a:rPr lang="en-US" altLang="ja-JP" sz="1600" dirty="0"/>
-              <a:t>at GSI 2013 </a:t>
-            </a:r>
-            <a:endParaRPr kumimoji="1" lang="ja-JP" altLang="en-US" sz="1600" dirty="0"/>
-          </a:p>
-        </p:txBody>
-      </p:sp>
-      <p:sp>
-        <p:nvSpPr>
-          <p:cNvPr id="13" name="TextBox 12">
-            <a:extLst>
-              <a:ext uri="{FF2B5EF4-FFF2-40B4-BE49-F238E27FC236}">
-                <a16:creationId xmlns:a16="http://schemas.microsoft.com/office/drawing/2014/main" id="{52BB09E9-86D5-9D8E-E99E-A9452DF7D641}"/>
-              </a:ext>
-            </a:extLst>
-          </p:cNvPr>
-          <p:cNvSpPr txBox="1"/>
-          <p:nvPr/>
-        </p:nvSpPr>
-        <p:spPr>
-          <a:xfrm>
-            <a:off x="46241" y="6165189"/>
-            <a:ext cx="12209494" cy="646331"/>
-          </a:xfrm>
-          <a:prstGeom prst="rect">
-            <a:avLst/>
-          </a:prstGeom>
-          <a:noFill/>
-        </p:spPr>
-        <p:txBody>
-          <a:bodyPr wrap="square">
-            <a:spAutoFit/>
-          </a:bodyPr>
-          <a:lstStyle/>
-          <a:p>
-            <a:r>
-              <a:rPr lang="en-US" altLang="ja-JP" b="0" i="0" dirty="0">
-                <a:solidFill>
-                  <a:srgbClr val="222222"/>
-                </a:solidFill>
-                <a:effectLst/>
-                <a:latin typeface="Arial" panose="020B0604020202020204" pitchFamily="34" charset="0"/>
-              </a:rPr>
-              <a:t> Tutorial on Bregman manifolds: </a:t>
-            </a:r>
-            <a:r>
-              <a:rPr lang="en-US" altLang="ja-JP" b="1" i="0" dirty="0">
-                <a:solidFill>
-                  <a:schemeClr val="accent6"/>
-                </a:solidFill>
-                <a:effectLst/>
-                <a:latin typeface="+mj-lt"/>
-              </a:rPr>
-              <a:t>"On geodesic triangles with right angles in a dually flat space." </a:t>
-            </a:r>
-            <a:r>
-              <a:rPr lang="en-US" altLang="ja-JP" b="1" i="1" dirty="0">
-                <a:solidFill>
-                  <a:schemeClr val="accent6"/>
-                </a:solidFill>
-                <a:effectLst/>
-                <a:latin typeface="+mj-lt"/>
-              </a:rPr>
-              <a:t>Progress in Information Geometry: Theory and Applications</a:t>
-            </a:r>
-            <a:r>
-              <a:rPr lang="en-US" altLang="ja-JP" b="1" i="0" dirty="0">
-                <a:solidFill>
-                  <a:schemeClr val="accent6"/>
-                </a:solidFill>
-                <a:effectLst/>
-                <a:latin typeface="+mj-lt"/>
-              </a:rPr>
-              <a:t>. Cham: Springer International Publishing, 2021. 153-190.</a:t>
-            </a:r>
-            <a:endParaRPr lang="ja-JP" altLang="en-US" b="1" dirty="0">
-              <a:solidFill>
-                <a:schemeClr val="accent6"/>
-              </a:solidFill>
-              <a:latin typeface="+mj-lt"/>
-            </a:endParaRPr>
-          </a:p>
-        </p:txBody>
-      </p:sp>
     </p:spTree>
     <p:extLst>
       <p:ext uri="{BB962C8B-B14F-4D97-AF65-F5344CB8AC3E}">
-        <p14:creationId xmlns:p14="http://schemas.microsoft.com/office/powerpoint/2010/main" val="3165096420"/>
+        <p14:creationId xmlns:p14="http://schemas.microsoft.com/office/powerpoint/2010/main" val="3278326900"/>
       </p:ext>
     </p:extLst>
   </p:cSld>
@@ -6159,6 +5697,1054 @@
           <p:cNvPr id="2" name="Title 1">
             <a:extLst>
               <a:ext uri="{FF2B5EF4-FFF2-40B4-BE49-F238E27FC236}">
+                <a16:creationId xmlns:a16="http://schemas.microsoft.com/office/drawing/2014/main" id="{5F33BE79-287F-F1E0-E9A1-3DC661D30441}"/>
+              </a:ext>
+            </a:extLst>
+          </p:cNvPr>
+          <p:cNvSpPr>
+            <a:spLocks noGrp="1"/>
+          </p:cNvSpPr>
+          <p:nvPr>
+            <p:ph type="title"/>
+          </p:nvPr>
+        </p:nvSpPr>
+        <p:spPr/>
+        <p:txBody>
+          <a:bodyPr/>
+          <a:lstStyle/>
+          <a:p>
+            <a:endParaRPr kumimoji="1" lang="ja-JP" altLang="en-US"/>
+          </a:p>
+        </p:txBody>
+      </p:sp>
+      <p:sp>
+        <p:nvSpPr>
+          <p:cNvPr id="3" name="Content Placeholder 2">
+            <a:extLst>
+              <a:ext uri="{FF2B5EF4-FFF2-40B4-BE49-F238E27FC236}">
+                <a16:creationId xmlns:a16="http://schemas.microsoft.com/office/drawing/2014/main" id="{BD1C5F32-B835-D7AB-B64E-E9E01C1F1793}"/>
+              </a:ext>
+            </a:extLst>
+          </p:cNvPr>
+          <p:cNvSpPr>
+            <a:spLocks noGrp="1"/>
+          </p:cNvSpPr>
+          <p:nvPr>
+            <p:ph idx="1"/>
+          </p:nvPr>
+        </p:nvSpPr>
+        <p:spPr/>
+        <p:txBody>
+          <a:bodyPr/>
+          <a:lstStyle/>
+          <a:p>
+            <a:endParaRPr kumimoji="1" lang="ja-JP" altLang="en-US" dirty="0"/>
+          </a:p>
+        </p:txBody>
+      </p:sp>
+      <p:pic>
+        <p:nvPicPr>
+          <p:cNvPr id="1026" name="Picture 2">
+            <a:extLst>
+              <a:ext uri="{FF2B5EF4-FFF2-40B4-BE49-F238E27FC236}">
+                <a16:creationId xmlns:a16="http://schemas.microsoft.com/office/drawing/2014/main" id="{E8E1EF77-1537-3746-6970-0A24C98AEBF5}"/>
+              </a:ext>
+            </a:extLst>
+          </p:cNvPr>
+          <p:cNvPicPr>
+            <a:picLocks noChangeAspect="1" noChangeArrowheads="1"/>
+          </p:cNvPicPr>
+          <p:nvPr/>
+        </p:nvPicPr>
+        <p:blipFill>
+          <a:blip r:embed="rId2">
+            <a:extLst>
+              <a:ext uri="{28A0092B-C50C-407E-A947-70E740481C1C}">
+                <a14:useLocalDpi xmlns:a14="http://schemas.microsoft.com/office/drawing/2010/main" val="0"/>
+              </a:ext>
+            </a:extLst>
+          </a:blip>
+          <a:srcRect/>
+          <a:stretch>
+            <a:fillRect/>
+          </a:stretch>
+        </p:blipFill>
+        <p:spPr bwMode="auto">
+          <a:xfrm>
+            <a:off x="355002" y="214940"/>
+            <a:ext cx="2290108" cy="3313218"/>
+          </a:xfrm>
+          <a:prstGeom prst="rect">
+            <a:avLst/>
+          </a:prstGeom>
+          <a:noFill/>
+          <a:extLst>
+            <a:ext uri="{909E8E84-426E-40DD-AFC4-6F175D3DCCD1}">
+              <a14:hiddenFill xmlns:a14="http://schemas.microsoft.com/office/drawing/2010/main">
+                <a:solidFill>
+                  <a:srgbClr val="FFFFFF"/>
+                </a:solidFill>
+              </a14:hiddenFill>
+            </a:ext>
+          </a:extLst>
+        </p:spPr>
+      </p:pic>
+      <p:pic>
+        <p:nvPicPr>
+          <p:cNvPr id="1028" name="Picture 4">
+            <a:extLst>
+              <a:ext uri="{FF2B5EF4-FFF2-40B4-BE49-F238E27FC236}">
+                <a16:creationId xmlns:a16="http://schemas.microsoft.com/office/drawing/2014/main" id="{869FD3FC-AA72-3E95-6D32-9BA0C95C81A4}"/>
+              </a:ext>
+            </a:extLst>
+          </p:cNvPr>
+          <p:cNvPicPr>
+            <a:picLocks noChangeAspect="1" noChangeArrowheads="1"/>
+          </p:cNvPicPr>
+          <p:nvPr/>
+        </p:nvPicPr>
+        <p:blipFill>
+          <a:blip r:embed="rId3">
+            <a:extLst>
+              <a:ext uri="{28A0092B-C50C-407E-A947-70E740481C1C}">
+                <a14:useLocalDpi xmlns:a14="http://schemas.microsoft.com/office/drawing/2010/main" val="0"/>
+              </a:ext>
+            </a:extLst>
+          </a:blip>
+          <a:srcRect/>
+          <a:stretch>
+            <a:fillRect/>
+          </a:stretch>
+        </p:blipFill>
+        <p:spPr bwMode="auto">
+          <a:xfrm>
+            <a:off x="3491299" y="268154"/>
+            <a:ext cx="2067449" cy="3146612"/>
+          </a:xfrm>
+          <a:prstGeom prst="rect">
+            <a:avLst/>
+          </a:prstGeom>
+          <a:noFill/>
+          <a:extLst>
+            <a:ext uri="{909E8E84-426E-40DD-AFC4-6F175D3DCCD1}">
+              <a14:hiddenFill xmlns:a14="http://schemas.microsoft.com/office/drawing/2010/main">
+                <a:solidFill>
+                  <a:srgbClr val="FFFFFF"/>
+                </a:solidFill>
+              </a14:hiddenFill>
+            </a:ext>
+          </a:extLst>
+        </p:spPr>
+      </p:pic>
+      <p:pic>
+        <p:nvPicPr>
+          <p:cNvPr id="1030" name="Picture 6" descr="Cover book the Shallow and the Deep">
+            <a:extLst>
+              <a:ext uri="{FF2B5EF4-FFF2-40B4-BE49-F238E27FC236}">
+                <a16:creationId xmlns:a16="http://schemas.microsoft.com/office/drawing/2014/main" id="{4C31EA6B-35D8-7386-2F1F-4CC879758525}"/>
+              </a:ext>
+            </a:extLst>
+          </p:cNvPr>
+          <p:cNvPicPr>
+            <a:picLocks noChangeAspect="1" noChangeArrowheads="1"/>
+          </p:cNvPicPr>
+          <p:nvPr/>
+        </p:nvPicPr>
+        <p:blipFill>
+          <a:blip r:embed="rId4">
+            <a:extLst>
+              <a:ext uri="{28A0092B-C50C-407E-A947-70E740481C1C}">
+                <a14:useLocalDpi xmlns:a14="http://schemas.microsoft.com/office/drawing/2010/main" val="0"/>
+              </a:ext>
+            </a:extLst>
+          </a:blip>
+          <a:srcRect/>
+          <a:stretch>
+            <a:fillRect/>
+          </a:stretch>
+        </p:blipFill>
+        <p:spPr bwMode="auto">
+          <a:xfrm>
+            <a:off x="6404571" y="214940"/>
+            <a:ext cx="2180322" cy="3085156"/>
+          </a:xfrm>
+          <a:prstGeom prst="rect">
+            <a:avLst/>
+          </a:prstGeom>
+          <a:noFill/>
+          <a:extLst>
+            <a:ext uri="{909E8E84-426E-40DD-AFC4-6F175D3DCCD1}">
+              <a14:hiddenFill xmlns:a14="http://schemas.microsoft.com/office/drawing/2010/main">
+                <a:solidFill>
+                  <a:srgbClr val="FFFFFF"/>
+                </a:solidFill>
+              </a14:hiddenFill>
+            </a:ext>
+          </a:extLst>
+        </p:spPr>
+      </p:pic>
+      <p:pic>
+        <p:nvPicPr>
+          <p:cNvPr id="1032" name="Picture 8">
+            <a:extLst>
+              <a:ext uri="{FF2B5EF4-FFF2-40B4-BE49-F238E27FC236}">
+                <a16:creationId xmlns:a16="http://schemas.microsoft.com/office/drawing/2014/main" id="{BEAF9420-7EC0-0DC9-3B66-22A45F3C4B6B}"/>
+              </a:ext>
+            </a:extLst>
+          </p:cNvPr>
+          <p:cNvPicPr>
+            <a:picLocks noChangeAspect="1" noChangeArrowheads="1"/>
+          </p:cNvPicPr>
+          <p:nvPr/>
+        </p:nvPicPr>
+        <p:blipFill>
+          <a:blip r:embed="rId5">
+            <a:extLst>
+              <a:ext uri="{28A0092B-C50C-407E-A947-70E740481C1C}">
+                <a14:useLocalDpi xmlns:a14="http://schemas.microsoft.com/office/drawing/2010/main" val="0"/>
+              </a:ext>
+            </a:extLst>
+          </a:blip>
+          <a:srcRect/>
+          <a:stretch>
+            <a:fillRect/>
+          </a:stretch>
+        </p:blipFill>
+        <p:spPr bwMode="auto">
+          <a:xfrm>
+            <a:off x="9472879" y="348605"/>
+            <a:ext cx="2058640" cy="3085156"/>
+          </a:xfrm>
+          <a:prstGeom prst="rect">
+            <a:avLst/>
+          </a:prstGeom>
+          <a:noFill/>
+          <a:extLst>
+            <a:ext uri="{909E8E84-426E-40DD-AFC4-6F175D3DCCD1}">
+              <a14:hiddenFill xmlns:a14="http://schemas.microsoft.com/office/drawing/2010/main">
+                <a:solidFill>
+                  <a:srgbClr val="FFFFFF"/>
+                </a:solidFill>
+              </a14:hiddenFill>
+            </a:ext>
+          </a:extLst>
+        </p:spPr>
+      </p:pic>
+      <p:pic>
+        <p:nvPicPr>
+          <p:cNvPr id="1034" name="Picture 10">
+            <a:extLst>
+              <a:ext uri="{FF2B5EF4-FFF2-40B4-BE49-F238E27FC236}">
+                <a16:creationId xmlns:a16="http://schemas.microsoft.com/office/drawing/2014/main" id="{B6349382-C08D-FB12-28F5-0EEB161D7652}"/>
+              </a:ext>
+            </a:extLst>
+          </p:cNvPr>
+          <p:cNvPicPr>
+            <a:picLocks noChangeAspect="1" noChangeArrowheads="1"/>
+          </p:cNvPicPr>
+          <p:nvPr/>
+        </p:nvPicPr>
+        <p:blipFill>
+          <a:blip r:embed="rId6">
+            <a:extLst>
+              <a:ext uri="{28A0092B-C50C-407E-A947-70E740481C1C}">
+                <a14:useLocalDpi xmlns:a14="http://schemas.microsoft.com/office/drawing/2010/main" val="0"/>
+              </a:ext>
+            </a:extLst>
+          </a:blip>
+          <a:srcRect/>
+          <a:stretch>
+            <a:fillRect/>
+          </a:stretch>
+        </p:blipFill>
+        <p:spPr bwMode="auto">
+          <a:xfrm>
+            <a:off x="7781589" y="3607377"/>
+            <a:ext cx="2420285" cy="2993511"/>
+          </a:xfrm>
+          <a:prstGeom prst="rect">
+            <a:avLst/>
+          </a:prstGeom>
+          <a:noFill/>
+          <a:extLst>
+            <a:ext uri="{909E8E84-426E-40DD-AFC4-6F175D3DCCD1}">
+              <a14:hiddenFill xmlns:a14="http://schemas.microsoft.com/office/drawing/2010/main">
+                <a:solidFill>
+                  <a:srgbClr val="FFFFFF"/>
+                </a:solidFill>
+              </a14:hiddenFill>
+            </a:ext>
+          </a:extLst>
+        </p:spPr>
+      </p:pic>
+      <p:pic>
+        <p:nvPicPr>
+          <p:cNvPr id="1036" name="Picture 12">
+            <a:extLst>
+              <a:ext uri="{FF2B5EF4-FFF2-40B4-BE49-F238E27FC236}">
+                <a16:creationId xmlns:a16="http://schemas.microsoft.com/office/drawing/2014/main" id="{FFD4C5AA-B16F-2F9C-44BE-97F9A54338C0}"/>
+              </a:ext>
+            </a:extLst>
+          </p:cNvPr>
+          <p:cNvPicPr>
+            <a:picLocks noChangeAspect="1" noChangeArrowheads="1"/>
+          </p:cNvPicPr>
+          <p:nvPr/>
+        </p:nvPicPr>
+        <p:blipFill>
+          <a:blip r:embed="rId7">
+            <a:extLst>
+              <a:ext uri="{28A0092B-C50C-407E-A947-70E740481C1C}">
+                <a14:useLocalDpi xmlns:a14="http://schemas.microsoft.com/office/drawing/2010/main" val="0"/>
+              </a:ext>
+            </a:extLst>
+          </a:blip>
+          <a:srcRect/>
+          <a:stretch>
+            <a:fillRect/>
+          </a:stretch>
+        </p:blipFill>
+        <p:spPr bwMode="auto">
+          <a:xfrm>
+            <a:off x="4898649" y="3528158"/>
+            <a:ext cx="1944052" cy="3146612"/>
+          </a:xfrm>
+          <a:prstGeom prst="rect">
+            <a:avLst/>
+          </a:prstGeom>
+          <a:noFill/>
+          <a:extLst>
+            <a:ext uri="{909E8E84-426E-40DD-AFC4-6F175D3DCCD1}">
+              <a14:hiddenFill xmlns:a14="http://schemas.microsoft.com/office/drawing/2010/main">
+                <a:solidFill>
+                  <a:srgbClr val="FFFFFF"/>
+                </a:solidFill>
+              </a14:hiddenFill>
+            </a:ext>
+          </a:extLst>
+        </p:spPr>
+      </p:pic>
+      <p:pic>
+        <p:nvPicPr>
+          <p:cNvPr id="1038" name="Picture 14" descr="front cover">
+            <a:extLst>
+              <a:ext uri="{FF2B5EF4-FFF2-40B4-BE49-F238E27FC236}">
+                <a16:creationId xmlns:a16="http://schemas.microsoft.com/office/drawing/2014/main" id="{9A8537B1-AC44-E732-DE9E-58997F4CCC44}"/>
+              </a:ext>
+            </a:extLst>
+          </p:cNvPr>
+          <p:cNvPicPr>
+            <a:picLocks noChangeAspect="1" noChangeArrowheads="1"/>
+          </p:cNvPicPr>
+          <p:nvPr/>
+        </p:nvPicPr>
+        <p:blipFill>
+          <a:blip r:embed="rId8">
+            <a:extLst>
+              <a:ext uri="{28A0092B-C50C-407E-A947-70E740481C1C}">
+                <a14:useLocalDpi xmlns:a14="http://schemas.microsoft.com/office/drawing/2010/main" val="0"/>
+              </a:ext>
+            </a:extLst>
+          </a:blip>
+          <a:srcRect/>
+          <a:stretch>
+            <a:fillRect/>
+          </a:stretch>
+        </p:blipFill>
+        <p:spPr bwMode="auto">
+          <a:xfrm>
+            <a:off x="1153625" y="3517075"/>
+            <a:ext cx="2982969" cy="3340925"/>
+          </a:xfrm>
+          <a:prstGeom prst="rect">
+            <a:avLst/>
+          </a:prstGeom>
+          <a:noFill/>
+          <a:extLst>
+            <a:ext uri="{909E8E84-426E-40DD-AFC4-6F175D3DCCD1}">
+              <a14:hiddenFill xmlns:a14="http://schemas.microsoft.com/office/drawing/2010/main">
+                <a:solidFill>
+                  <a:srgbClr val="FFFFFF"/>
+                </a:solidFill>
+              </a14:hiddenFill>
+            </a:ext>
+          </a:extLst>
+        </p:spPr>
+      </p:pic>
+    </p:spTree>
+    <p:extLst>
+      <p:ext uri="{BB962C8B-B14F-4D97-AF65-F5344CB8AC3E}">
+        <p14:creationId xmlns:p14="http://schemas.microsoft.com/office/powerpoint/2010/main" val="1443018924"/>
+      </p:ext>
+    </p:extLst>
+  </p:cSld>
+  <p:clrMapOvr>
+    <a:masterClrMapping/>
+  </p:clrMapOvr>
+</p:sld>
+</file>
+
+<file path=ppt/slides/slide6.xml><?xml version="1.0" encoding="utf-8"?>
+<p:sld xmlns:a="http://schemas.openxmlformats.org/drawingml/2006/main" xmlns:r="http://schemas.openxmlformats.org/officeDocument/2006/relationships" xmlns:p="http://schemas.openxmlformats.org/presentationml/2006/main">
+  <p:cSld>
+    <p:spTree>
+      <p:nvGrpSpPr>
+        <p:cNvPr id="1" name=""/>
+        <p:cNvGrpSpPr/>
+        <p:nvPr/>
+      </p:nvGrpSpPr>
+      <p:grpSpPr>
+        <a:xfrm>
+          <a:off x="0" y="0"/>
+          <a:ext cx="0" cy="0"/>
+          <a:chOff x="0" y="0"/>
+          <a:chExt cx="0" cy="0"/>
+        </a:xfrm>
+      </p:grpSpPr>
+      <p:sp>
+        <p:nvSpPr>
+          <p:cNvPr id="2" name="Title 1">
+            <a:extLst>
+              <a:ext uri="{FF2B5EF4-FFF2-40B4-BE49-F238E27FC236}">
+                <a16:creationId xmlns:a16="http://schemas.microsoft.com/office/drawing/2014/main" id="{1CC3642B-9742-5616-9937-0466314270FA}"/>
+              </a:ext>
+            </a:extLst>
+          </p:cNvPr>
+          <p:cNvSpPr>
+            <a:spLocks noGrp="1"/>
+          </p:cNvSpPr>
+          <p:nvPr>
+            <p:ph type="title"/>
+          </p:nvPr>
+        </p:nvSpPr>
+        <p:spPr>
+          <a:xfrm>
+            <a:off x="219966" y="-273488"/>
+            <a:ext cx="11752068" cy="1325563"/>
+          </a:xfrm>
+        </p:spPr>
+        <p:txBody>
+          <a:bodyPr>
+            <a:normAutofit/>
+          </a:bodyPr>
+          <a:lstStyle/>
+          <a:p>
+            <a:r>
+              <a:rPr kumimoji="1" lang="en-US" altLang="ja-JP" sz="3600" b="1" dirty="0">
+                <a:solidFill>
+                  <a:schemeClr val="accent5"/>
+                </a:solidFill>
+              </a:rPr>
+              <a:t>Hessian manifolds, Hessian geometry, Bregman geometry</a:t>
+            </a:r>
+            <a:endParaRPr kumimoji="1" lang="ja-JP" altLang="en-US" sz="3600" b="1" dirty="0">
+              <a:solidFill>
+                <a:schemeClr val="accent5"/>
+              </a:solidFill>
+            </a:endParaRPr>
+          </a:p>
+        </p:txBody>
+      </p:sp>
+      <p:pic>
+        <p:nvPicPr>
+          <p:cNvPr id="5" name="Content Placeholder 4" descr="A book cover with text&#10;&#10;Description automatically generated">
+            <a:extLst>
+              <a:ext uri="{FF2B5EF4-FFF2-40B4-BE49-F238E27FC236}">
+                <a16:creationId xmlns:a16="http://schemas.microsoft.com/office/drawing/2014/main" id="{D048D31E-7654-8254-FA04-F9748BFF69AF}"/>
+              </a:ext>
+            </a:extLst>
+          </p:cNvPr>
+          <p:cNvPicPr>
+            <a:picLocks noGrp="1" noChangeAspect="1"/>
+          </p:cNvPicPr>
+          <p:nvPr>
+            <p:ph idx="1"/>
+          </p:nvPr>
+        </p:nvPicPr>
+        <p:blipFill>
+          <a:blip r:embed="rId3">
+            <a:extLst>
+              <a:ext uri="{28A0092B-C50C-407E-A947-70E740481C1C}">
+                <a14:useLocalDpi xmlns:a14="http://schemas.microsoft.com/office/drawing/2010/main" val="0"/>
+              </a:ext>
+            </a:extLst>
+          </a:blip>
+          <a:stretch>
+            <a:fillRect/>
+          </a:stretch>
+        </p:blipFill>
+        <p:spPr>
+          <a:xfrm>
+            <a:off x="772098" y="2025615"/>
+            <a:ext cx="2577158" cy="3655544"/>
+          </a:xfrm>
+        </p:spPr>
+      </p:pic>
+      <p:sp>
+        <p:nvSpPr>
+          <p:cNvPr id="6" name="TextBox 5">
+            <a:extLst>
+              <a:ext uri="{FF2B5EF4-FFF2-40B4-BE49-F238E27FC236}">
+                <a16:creationId xmlns:a16="http://schemas.microsoft.com/office/drawing/2014/main" id="{95C7AD0D-A17F-006E-8AC8-E7411C575379}"/>
+              </a:ext>
+            </a:extLst>
+          </p:cNvPr>
+          <p:cNvSpPr txBox="1"/>
+          <p:nvPr/>
+        </p:nvSpPr>
+        <p:spPr>
+          <a:xfrm>
+            <a:off x="219966" y="772497"/>
+            <a:ext cx="12067727" cy="1477328"/>
+          </a:xfrm>
+          <a:prstGeom prst="rect">
+            <a:avLst/>
+          </a:prstGeom>
+          <a:noFill/>
+        </p:spPr>
+        <p:txBody>
+          <a:bodyPr wrap="none" rtlCol="0">
+            <a:spAutoFit/>
+          </a:bodyPr>
+          <a:lstStyle/>
+          <a:p>
+            <a:r>
+              <a:rPr kumimoji="1" lang="en-US" altLang="ja-JP" b="1" dirty="0">
+                <a:solidFill>
+                  <a:srgbClr val="FF0000"/>
+                </a:solidFill>
+              </a:rPr>
+              <a:t>Hessian structure </a:t>
+            </a:r>
+            <a:r>
+              <a:rPr kumimoji="1" lang="en-US" altLang="ja-JP" dirty="0"/>
+              <a:t>on a manifold:  </a:t>
+            </a:r>
+            <a:r>
+              <a:rPr kumimoji="1" lang="en-US" altLang="ja-JP" b="1" dirty="0">
+                <a:latin typeface="+mj-lt"/>
+              </a:rPr>
+              <a:t>(g,</a:t>
+            </a:r>
+            <a:r>
+              <a:rPr lang="ja-JP" altLang="en-US" b="1" i="0" dirty="0">
+                <a:effectLst/>
+                <a:latin typeface="+mj-lt"/>
+              </a:rPr>
+              <a:t> ∇</a:t>
+            </a:r>
+            <a:r>
+              <a:rPr kumimoji="1" lang="en-US" altLang="ja-JP" b="1" dirty="0">
+                <a:latin typeface="+mj-lt"/>
+              </a:rPr>
+              <a:t>) </a:t>
+            </a:r>
+            <a:r>
+              <a:rPr kumimoji="1" lang="en-US" altLang="ja-JP" dirty="0"/>
+              <a:t>where g is a Hessian metric tensor and a torsion-free flat connection</a:t>
+            </a:r>
+            <a:r>
+              <a:rPr lang="ja-JP" altLang="en-US" b="1" i="0" dirty="0">
+                <a:effectLst/>
+                <a:latin typeface="+mj-lt"/>
+              </a:rPr>
+              <a:t> ∇</a:t>
+            </a:r>
+            <a:endParaRPr kumimoji="1" lang="en-US" altLang="ja-JP" dirty="0"/>
+          </a:p>
+          <a:p>
+            <a:r>
+              <a:rPr lang="en-US" altLang="ja-JP" dirty="0"/>
+              <a:t>To every chart there is a </a:t>
+            </a:r>
+            <a:r>
+              <a:rPr lang="en-US" altLang="ja-JP" b="1" dirty="0">
+                <a:solidFill>
+                  <a:srgbClr val="FF0000"/>
+                </a:solidFill>
+              </a:rPr>
+              <a:t>potential function </a:t>
+            </a:r>
+            <a:r>
+              <a:rPr lang="en-US" altLang="ja-JP" dirty="0"/>
+              <a:t>defining the Hessian metric in local coordinates of the chart</a:t>
+            </a:r>
+          </a:p>
+          <a:p>
+            <a:r>
+              <a:rPr kumimoji="1" lang="en-US" altLang="ja-JP" dirty="0"/>
+              <a:t>Hessian </a:t>
+            </a:r>
+            <a:r>
+              <a:rPr lang="en-US" altLang="ja-JP" dirty="0"/>
+              <a:t>manifolds are special </a:t>
+            </a:r>
+            <a:r>
+              <a:rPr lang="en-US" altLang="ja-JP" b="1" dirty="0">
+                <a:solidFill>
+                  <a:srgbClr val="FF0000"/>
+                </a:solidFill>
+              </a:rPr>
+              <a:t>affine manifolds </a:t>
+            </a:r>
+            <a:r>
+              <a:rPr lang="en-US" altLang="ja-JP" dirty="0"/>
+              <a:t>(M,</a:t>
+            </a:r>
+            <a:r>
+              <a:rPr lang="ja-JP" altLang="en-US" b="1" i="0" dirty="0">
+                <a:effectLst/>
+                <a:latin typeface="+mj-lt"/>
+              </a:rPr>
+              <a:t> ∇</a:t>
+            </a:r>
+            <a:r>
+              <a:rPr kumimoji="1" lang="en-US" altLang="ja-JP" b="1" dirty="0">
+                <a:latin typeface="+mj-lt"/>
+              </a:rPr>
+              <a:t>) </a:t>
+            </a:r>
+            <a:r>
+              <a:rPr kumimoji="1" lang="en-US" altLang="ja-JP" dirty="0">
+                <a:latin typeface="+mj-lt"/>
+              </a:rPr>
+              <a:t>where </a:t>
+            </a:r>
+            <a:r>
+              <a:rPr lang="ja-JP" altLang="en-US" i="0" dirty="0">
+                <a:effectLst/>
+                <a:latin typeface="+mj-lt"/>
+              </a:rPr>
+              <a:t>∇ </a:t>
+            </a:r>
+            <a:r>
+              <a:rPr lang="en-US" altLang="ja-JP" i="0" dirty="0">
+                <a:effectLst/>
+                <a:latin typeface="+mj-lt"/>
+              </a:rPr>
+              <a:t>is </a:t>
+            </a:r>
+            <a:r>
+              <a:rPr kumimoji="1" lang="en-US" altLang="ja-JP" dirty="0"/>
+              <a:t>a torsion-free flat connection</a:t>
+            </a:r>
+          </a:p>
+          <a:p>
+            <a:r>
+              <a:rPr lang="en-US" altLang="ja-JP" dirty="0"/>
+              <a:t>A Bregman divergence induces a Hessian manifold with a global chart, a </a:t>
+            </a:r>
+            <a:r>
+              <a:rPr lang="en-US" altLang="ja-JP" b="1" dirty="0">
+                <a:solidFill>
+                  <a:srgbClr val="FF0000"/>
+                </a:solidFill>
+              </a:rPr>
+              <a:t>Bregman manifold</a:t>
+            </a:r>
+            <a:endParaRPr kumimoji="1" lang="en-US" altLang="ja-JP" b="1" dirty="0">
+              <a:solidFill>
+                <a:srgbClr val="FF0000"/>
+              </a:solidFill>
+            </a:endParaRPr>
+          </a:p>
+          <a:p>
+            <a:endParaRPr kumimoji="1" lang="ja-JP" altLang="en-US" dirty="0"/>
+          </a:p>
+        </p:txBody>
+      </p:sp>
+      <p:pic>
+        <p:nvPicPr>
+          <p:cNvPr id="1026" name="Picture 2" descr="The Geometry of Hessian Structures: Shima, Hirohiko: 9789812700315:  Amazon.com: Books">
+            <a:extLst>
+              <a:ext uri="{FF2B5EF4-FFF2-40B4-BE49-F238E27FC236}">
+                <a16:creationId xmlns:a16="http://schemas.microsoft.com/office/drawing/2014/main" id="{4270141D-62DE-8996-E8BA-9560EC07568B}"/>
+              </a:ext>
+            </a:extLst>
+          </p:cNvPr>
+          <p:cNvPicPr>
+            <a:picLocks noChangeAspect="1" noChangeArrowheads="1"/>
+          </p:cNvPicPr>
+          <p:nvPr/>
+        </p:nvPicPr>
+        <p:blipFill>
+          <a:blip r:embed="rId4">
+            <a:extLst>
+              <a:ext uri="{28A0092B-C50C-407E-A947-70E740481C1C}">
+                <a14:useLocalDpi xmlns:a14="http://schemas.microsoft.com/office/drawing/2010/main" val="0"/>
+              </a:ext>
+            </a:extLst>
+          </a:blip>
+          <a:srcRect/>
+          <a:stretch>
+            <a:fillRect/>
+          </a:stretch>
+        </p:blipFill>
+        <p:spPr bwMode="auto">
+          <a:xfrm>
+            <a:off x="4869651" y="1990611"/>
+            <a:ext cx="2504871" cy="3716018"/>
+          </a:xfrm>
+          <a:prstGeom prst="rect">
+            <a:avLst/>
+          </a:prstGeom>
+          <a:noFill/>
+          <a:extLst>
+            <a:ext uri="{909E8E84-426E-40DD-AFC4-6F175D3DCCD1}">
+              <a14:hiddenFill xmlns:a14="http://schemas.microsoft.com/office/drawing/2010/main">
+                <a:solidFill>
+                  <a:srgbClr val="FFFFFF"/>
+                </a:solidFill>
+              </a14:hiddenFill>
+            </a:ext>
+          </a:extLst>
+        </p:spPr>
+      </p:pic>
+      <p:sp>
+        <p:nvSpPr>
+          <p:cNvPr id="8" name="TextBox 7">
+            <a:extLst>
+              <a:ext uri="{FF2B5EF4-FFF2-40B4-BE49-F238E27FC236}">
+                <a16:creationId xmlns:a16="http://schemas.microsoft.com/office/drawing/2014/main" id="{9896DFD9-206F-9197-815E-92946154232B}"/>
+              </a:ext>
+            </a:extLst>
+          </p:cNvPr>
+          <p:cNvSpPr txBox="1"/>
+          <p:nvPr/>
+        </p:nvSpPr>
+        <p:spPr>
+          <a:xfrm>
+            <a:off x="0" y="5716171"/>
+            <a:ext cx="6182832" cy="369332"/>
+          </a:xfrm>
+          <a:prstGeom prst="rect">
+            <a:avLst/>
+          </a:prstGeom>
+          <a:noFill/>
+        </p:spPr>
+        <p:txBody>
+          <a:bodyPr wrap="square">
+            <a:spAutoFit/>
+          </a:bodyPr>
+          <a:lstStyle/>
+          <a:p>
+            <a:r>
+              <a:rPr lang="ja-JP" altLang="en-US" dirty="0"/>
+              <a:t>志摩裕彦, へッセ幾何学， 裳華房， 2001</a:t>
+            </a:r>
+          </a:p>
+        </p:txBody>
+      </p:sp>
+      <p:sp>
+        <p:nvSpPr>
+          <p:cNvPr id="10" name="TextBox 9">
+            <a:extLst>
+              <a:ext uri="{FF2B5EF4-FFF2-40B4-BE49-F238E27FC236}">
+                <a16:creationId xmlns:a16="http://schemas.microsoft.com/office/drawing/2014/main" id="{A35B527E-ECB8-8DAB-CB88-FAE7BC8F0082}"/>
+              </a:ext>
+            </a:extLst>
+          </p:cNvPr>
+          <p:cNvSpPr txBox="1"/>
+          <p:nvPr/>
+        </p:nvSpPr>
+        <p:spPr>
+          <a:xfrm>
+            <a:off x="4656286" y="5751243"/>
+            <a:ext cx="7860119" cy="369332"/>
+          </a:xfrm>
+          <a:prstGeom prst="rect">
+            <a:avLst/>
+          </a:prstGeom>
+          <a:noFill/>
+        </p:spPr>
+        <p:txBody>
+          <a:bodyPr wrap="square">
+            <a:spAutoFit/>
+          </a:bodyPr>
+          <a:lstStyle/>
+          <a:p>
+            <a:r>
+              <a:rPr lang="en-US" altLang="ja-JP" b="0" i="0" dirty="0">
+                <a:solidFill>
+                  <a:srgbClr val="222222"/>
+                </a:solidFill>
+                <a:effectLst/>
+                <a:latin typeface="+mj-lt"/>
+              </a:rPr>
+              <a:t>Shima, </a:t>
+            </a:r>
+            <a:r>
+              <a:rPr lang="en-US" altLang="ja-JP" b="0" i="0" dirty="0" err="1">
+                <a:solidFill>
+                  <a:srgbClr val="222222"/>
+                </a:solidFill>
+                <a:effectLst/>
+                <a:latin typeface="+mj-lt"/>
+              </a:rPr>
+              <a:t>Hirohiko</a:t>
+            </a:r>
+            <a:r>
+              <a:rPr lang="en-US" altLang="ja-JP" b="0" i="0" dirty="0">
+                <a:solidFill>
+                  <a:srgbClr val="222222"/>
+                </a:solidFill>
+                <a:effectLst/>
+                <a:latin typeface="+mj-lt"/>
+              </a:rPr>
+              <a:t>. </a:t>
+            </a:r>
+            <a:r>
+              <a:rPr lang="en-US" altLang="ja-JP" b="0" i="1" dirty="0">
+                <a:solidFill>
+                  <a:srgbClr val="222222"/>
+                </a:solidFill>
+                <a:effectLst/>
+                <a:latin typeface="+mj-lt"/>
+              </a:rPr>
+              <a:t>The geometry of Hessian structures</a:t>
+            </a:r>
+            <a:r>
+              <a:rPr lang="en-US" altLang="ja-JP" b="0" i="0" dirty="0">
+                <a:solidFill>
+                  <a:srgbClr val="222222"/>
+                </a:solidFill>
+                <a:effectLst/>
+                <a:latin typeface="+mj-lt"/>
+              </a:rPr>
+              <a:t>. World Scientific, 2007.</a:t>
+            </a:r>
+            <a:endParaRPr lang="ja-JP" altLang="en-US" dirty="0">
+              <a:latin typeface="+mj-lt"/>
+            </a:endParaRPr>
+          </a:p>
+        </p:txBody>
+      </p:sp>
+      <p:pic>
+        <p:nvPicPr>
+          <p:cNvPr id="1028" name="Picture 4" descr="Jean-Louis Koszul and Hirihiko Shima at GSI'13 “Geometric Science of... |  Download Scientific Diagram">
+            <a:extLst>
+              <a:ext uri="{FF2B5EF4-FFF2-40B4-BE49-F238E27FC236}">
+                <a16:creationId xmlns:a16="http://schemas.microsoft.com/office/drawing/2014/main" id="{531CC6B4-2CF9-4BBC-DF59-40E0E72095B9}"/>
+              </a:ext>
+            </a:extLst>
+          </p:cNvPr>
+          <p:cNvPicPr>
+            <a:picLocks noChangeAspect="1" noChangeArrowheads="1"/>
+          </p:cNvPicPr>
+          <p:nvPr/>
+        </p:nvPicPr>
+        <p:blipFill>
+          <a:blip r:embed="rId5">
+            <a:extLst>
+              <a:ext uri="{28A0092B-C50C-407E-A947-70E740481C1C}">
+                <a14:useLocalDpi xmlns:a14="http://schemas.microsoft.com/office/drawing/2010/main" val="0"/>
+              </a:ext>
+            </a:extLst>
+          </a:blip>
+          <a:srcRect/>
+          <a:stretch>
+            <a:fillRect/>
+          </a:stretch>
+        </p:blipFill>
+        <p:spPr bwMode="auto">
+          <a:xfrm>
+            <a:off x="8153050" y="2025614"/>
+            <a:ext cx="3704165" cy="2780302"/>
+          </a:xfrm>
+          <a:prstGeom prst="rect">
+            <a:avLst/>
+          </a:prstGeom>
+          <a:noFill/>
+          <a:extLst>
+            <a:ext uri="{909E8E84-426E-40DD-AFC4-6F175D3DCCD1}">
+              <a14:hiddenFill xmlns:a14="http://schemas.microsoft.com/office/drawing/2010/main">
+                <a:solidFill>
+                  <a:srgbClr val="FFFFFF"/>
+                </a:solidFill>
+              </a14:hiddenFill>
+            </a:ext>
+          </a:extLst>
+        </p:spPr>
+      </p:pic>
+      <p:sp>
+        <p:nvSpPr>
+          <p:cNvPr id="11" name="TextBox 10">
+            <a:extLst>
+              <a:ext uri="{FF2B5EF4-FFF2-40B4-BE49-F238E27FC236}">
+                <a16:creationId xmlns:a16="http://schemas.microsoft.com/office/drawing/2014/main" id="{C1FE3A9D-DC74-5C90-F7BB-77EFD2367579}"/>
+              </a:ext>
+            </a:extLst>
+          </p:cNvPr>
+          <p:cNvSpPr txBox="1"/>
+          <p:nvPr/>
+        </p:nvSpPr>
+        <p:spPr>
+          <a:xfrm>
+            <a:off x="8303384" y="4893919"/>
+            <a:ext cx="3403496" cy="861774"/>
+          </a:xfrm>
+          <a:prstGeom prst="rect">
+            <a:avLst/>
+          </a:prstGeom>
+          <a:noFill/>
+        </p:spPr>
+        <p:txBody>
+          <a:bodyPr wrap="none" rtlCol="0">
+            <a:spAutoFit/>
+          </a:bodyPr>
+          <a:lstStyle/>
+          <a:p>
+            <a:pPr algn="ctr"/>
+            <a:r>
+              <a:rPr kumimoji="1" lang="en-US" altLang="ja-JP" sz="1600" dirty="0"/>
+              <a:t>Professor Jean-Louis </a:t>
+            </a:r>
+            <a:r>
+              <a:rPr kumimoji="1" lang="en-US" altLang="ja-JP" sz="1600" dirty="0" err="1"/>
+              <a:t>Koszul</a:t>
+            </a:r>
+            <a:r>
+              <a:rPr kumimoji="1" lang="en-US" altLang="ja-JP" sz="1600" dirty="0"/>
+              <a:t> (left)</a:t>
+            </a:r>
+          </a:p>
+          <a:p>
+            <a:pPr algn="ctr"/>
+            <a:r>
+              <a:rPr lang="en-US" altLang="ja-JP" sz="1600" dirty="0"/>
+              <a:t>Professor </a:t>
+            </a:r>
+            <a:r>
+              <a:rPr lang="en-US" altLang="ja-JP" sz="1600" dirty="0" err="1"/>
+              <a:t>Hirohiko</a:t>
+            </a:r>
+            <a:r>
+              <a:rPr lang="en-US" altLang="ja-JP" sz="1600" dirty="0"/>
+              <a:t> Shima (right)</a:t>
+            </a:r>
+          </a:p>
+          <a:p>
+            <a:pPr algn="ctr"/>
+            <a:r>
+              <a:rPr lang="en-US" altLang="ja-JP" sz="1600" dirty="0"/>
+              <a:t>at GSI 2013 </a:t>
+            </a:r>
+            <a:endParaRPr kumimoji="1" lang="ja-JP" altLang="en-US" sz="1600" dirty="0"/>
+          </a:p>
+        </p:txBody>
+      </p:sp>
+      <p:sp>
+        <p:nvSpPr>
+          <p:cNvPr id="13" name="TextBox 12">
+            <a:extLst>
+              <a:ext uri="{FF2B5EF4-FFF2-40B4-BE49-F238E27FC236}">
+                <a16:creationId xmlns:a16="http://schemas.microsoft.com/office/drawing/2014/main" id="{52BB09E9-86D5-9D8E-E99E-A9452DF7D641}"/>
+              </a:ext>
+            </a:extLst>
+          </p:cNvPr>
+          <p:cNvSpPr txBox="1"/>
+          <p:nvPr/>
+        </p:nvSpPr>
+        <p:spPr>
+          <a:xfrm>
+            <a:off x="46241" y="6165189"/>
+            <a:ext cx="12209494" cy="646331"/>
+          </a:xfrm>
+          <a:prstGeom prst="rect">
+            <a:avLst/>
+          </a:prstGeom>
+          <a:noFill/>
+        </p:spPr>
+        <p:txBody>
+          <a:bodyPr wrap="square">
+            <a:spAutoFit/>
+          </a:bodyPr>
+          <a:lstStyle/>
+          <a:p>
+            <a:r>
+              <a:rPr lang="en-US" altLang="ja-JP" b="0" i="0" dirty="0">
+                <a:solidFill>
+                  <a:srgbClr val="222222"/>
+                </a:solidFill>
+                <a:effectLst/>
+                <a:latin typeface="Arial" panose="020B0604020202020204" pitchFamily="34" charset="0"/>
+              </a:rPr>
+              <a:t> Tutorial on Bregman manifolds: </a:t>
+            </a:r>
+            <a:r>
+              <a:rPr lang="en-US" altLang="ja-JP" b="1" i="0" dirty="0">
+                <a:solidFill>
+                  <a:schemeClr val="accent6"/>
+                </a:solidFill>
+                <a:effectLst/>
+                <a:latin typeface="+mj-lt"/>
+              </a:rPr>
+              <a:t>"On geodesic triangles with right angles in a dually flat space." </a:t>
+            </a:r>
+            <a:r>
+              <a:rPr lang="en-US" altLang="ja-JP" b="1" i="1" dirty="0">
+                <a:solidFill>
+                  <a:schemeClr val="accent6"/>
+                </a:solidFill>
+                <a:effectLst/>
+                <a:latin typeface="+mj-lt"/>
+              </a:rPr>
+              <a:t>Progress in Information Geometry: Theory and Applications</a:t>
+            </a:r>
+            <a:r>
+              <a:rPr lang="en-US" altLang="ja-JP" b="1" i="0" dirty="0">
+                <a:solidFill>
+                  <a:schemeClr val="accent6"/>
+                </a:solidFill>
+                <a:effectLst/>
+                <a:latin typeface="+mj-lt"/>
+              </a:rPr>
+              <a:t>. Cham: Springer International Publishing, 2021. 153-190.</a:t>
+            </a:r>
+            <a:endParaRPr lang="ja-JP" altLang="en-US" b="1" dirty="0">
+              <a:solidFill>
+                <a:schemeClr val="accent6"/>
+              </a:solidFill>
+              <a:latin typeface="+mj-lt"/>
+            </a:endParaRPr>
+          </a:p>
+        </p:txBody>
+      </p:sp>
+    </p:spTree>
+    <p:extLst>
+      <p:ext uri="{BB962C8B-B14F-4D97-AF65-F5344CB8AC3E}">
+        <p14:creationId xmlns:p14="http://schemas.microsoft.com/office/powerpoint/2010/main" val="3165096420"/>
+      </p:ext>
+    </p:extLst>
+  </p:cSld>
+  <p:clrMapOvr>
+    <a:masterClrMapping/>
+  </p:clrMapOvr>
+</p:sld>
+</file>
+
+<file path=ppt/slides/slide7.xml><?xml version="1.0" encoding="utf-8"?>
+<p:sld xmlns:a="http://schemas.openxmlformats.org/drawingml/2006/main" xmlns:r="http://schemas.openxmlformats.org/officeDocument/2006/relationships" xmlns:p="http://schemas.openxmlformats.org/presentationml/2006/main">
+  <p:cSld>
+    <p:spTree>
+      <p:nvGrpSpPr>
+        <p:cNvPr id="1" name=""/>
+        <p:cNvGrpSpPr/>
+        <p:nvPr/>
+      </p:nvGrpSpPr>
+      <p:grpSpPr>
+        <a:xfrm>
+          <a:off x="0" y="0"/>
+          <a:ext cx="0" cy="0"/>
+          <a:chOff x="0" y="0"/>
+          <a:chExt cx="0" cy="0"/>
+        </a:xfrm>
+      </p:grpSpPr>
+      <p:sp>
+        <p:nvSpPr>
+          <p:cNvPr id="2" name="Title 1">
+            <a:extLst>
+              <a:ext uri="{FF2B5EF4-FFF2-40B4-BE49-F238E27FC236}">
                 <a16:creationId xmlns:a16="http://schemas.microsoft.com/office/drawing/2014/main" id="{BEAACF7D-F6C2-8E01-6684-C59AC917DB3D}"/>
               </a:ext>
             </a:extLst>
@@ -6312,7 +6898,7 @@
 </p:sld>
 </file>
 
-<file path=ppt/slides/slide6.xml><?xml version="1.0" encoding="utf-8"?>
+<file path=ppt/slides/slide8.xml><?xml version="1.0" encoding="utf-8"?>
 <p:sld xmlns:a="http://schemas.openxmlformats.org/drawingml/2006/main" xmlns:r="http://schemas.openxmlformats.org/officeDocument/2006/relationships" xmlns:p="http://schemas.openxmlformats.org/presentationml/2006/main">
   <p:cSld>
     <p:spTree>

--- a/PPTX/Cards-November2023.pptx
+++ b/PPTX/Cards-November2023.pptx
@@ -5,17 +5,18 @@
     <p:sldMasterId id="2147483648" r:id="rId1"/>
   </p:sldMasterIdLst>
   <p:notesMasterIdLst>
-    <p:notesMasterId r:id="rId10"/>
+    <p:notesMasterId r:id="rId11"/>
   </p:notesMasterIdLst>
   <p:sldIdLst>
     <p:sldId id="256" r:id="rId2"/>
-    <p:sldId id="262" r:id="rId3"/>
-    <p:sldId id="263" r:id="rId4"/>
-    <p:sldId id="261" r:id="rId5"/>
-    <p:sldId id="260" r:id="rId6"/>
-    <p:sldId id="258" r:id="rId7"/>
-    <p:sldId id="257" r:id="rId8"/>
-    <p:sldId id="259" r:id="rId9"/>
+    <p:sldId id="264" r:id="rId3"/>
+    <p:sldId id="262" r:id="rId4"/>
+    <p:sldId id="263" r:id="rId5"/>
+    <p:sldId id="261" r:id="rId6"/>
+    <p:sldId id="260" r:id="rId7"/>
+    <p:sldId id="258" r:id="rId8"/>
+    <p:sldId id="257" r:id="rId9"/>
+    <p:sldId id="259" r:id="rId10"/>
   </p:sldIdLst>
   <p:sldSz cx="12192000" cy="6858000"/>
   <p:notesSz cx="6858000" cy="9144000"/>
@@ -204,7 +205,7 @@
           <a:p>
             <a:fld id="{D18D4C2D-CE11-4A36-9412-76A548B99578}" type="datetimeFigureOut">
               <a:rPr kumimoji="1" lang="ja-JP" altLang="en-US" smtClean="0"/>
-              <a:t>2023/11/29</a:t>
+              <a:t>2023/11/30</a:t>
             </a:fld>
             <a:endParaRPr kumimoji="1" lang="ja-JP" altLang="en-US"/>
           </a:p>
@@ -715,7 +716,7 @@
           <a:p>
             <a:fld id="{897A3250-0369-4FF2-8A87-F471EFBE05A0}" type="slidenum">
               <a:rPr kumimoji="1" lang="ja-JP" altLang="en-US" smtClean="0"/>
-              <a:t>2</a:t>
+              <a:t>3</a:t>
             </a:fld>
             <a:endParaRPr kumimoji="1" lang="ja-JP" altLang="en-US"/>
           </a:p>
@@ -978,7 +979,7 @@
           <a:p>
             <a:fld id="{897A3250-0369-4FF2-8A87-F471EFBE05A0}" type="slidenum">
               <a:rPr kumimoji="1" lang="ja-JP" altLang="en-US" smtClean="0"/>
-              <a:t>6</a:t>
+              <a:t>7</a:t>
             </a:fld>
             <a:endParaRPr kumimoji="1" lang="ja-JP" altLang="en-US"/>
           </a:p>
@@ -1125,7 +1126,7 @@
           <a:p>
             <a:fld id="{897A3250-0369-4FF2-8A87-F471EFBE05A0}" type="slidenum">
               <a:rPr kumimoji="1" lang="ja-JP" altLang="en-US" smtClean="0"/>
-              <a:t>8</a:t>
+              <a:t>9</a:t>
             </a:fld>
             <a:endParaRPr kumimoji="1" lang="ja-JP" altLang="en-US"/>
           </a:p>
@@ -1293,7 +1294,7 @@
           <a:p>
             <a:fld id="{1FE1D380-D20F-4BF7-A204-3A9DABE281DF}" type="datetimeFigureOut">
               <a:rPr kumimoji="1" lang="ja-JP" altLang="en-US" smtClean="0"/>
-              <a:t>2023/11/29</a:t>
+              <a:t>2023/11/30</a:t>
             </a:fld>
             <a:endParaRPr kumimoji="1" lang="ja-JP" altLang="en-US"/>
           </a:p>
@@ -1493,7 +1494,7 @@
           <a:p>
             <a:fld id="{1FE1D380-D20F-4BF7-A204-3A9DABE281DF}" type="datetimeFigureOut">
               <a:rPr kumimoji="1" lang="ja-JP" altLang="en-US" smtClean="0"/>
-              <a:t>2023/11/29</a:t>
+              <a:t>2023/11/30</a:t>
             </a:fld>
             <a:endParaRPr kumimoji="1" lang="ja-JP" altLang="en-US"/>
           </a:p>
@@ -1703,7 +1704,7 @@
           <a:p>
             <a:fld id="{1FE1D380-D20F-4BF7-A204-3A9DABE281DF}" type="datetimeFigureOut">
               <a:rPr kumimoji="1" lang="ja-JP" altLang="en-US" smtClean="0"/>
-              <a:t>2023/11/29</a:t>
+              <a:t>2023/11/30</a:t>
             </a:fld>
             <a:endParaRPr kumimoji="1" lang="ja-JP" altLang="en-US"/>
           </a:p>
@@ -1903,7 +1904,7 @@
           <a:p>
             <a:fld id="{1FE1D380-D20F-4BF7-A204-3A9DABE281DF}" type="datetimeFigureOut">
               <a:rPr kumimoji="1" lang="ja-JP" altLang="en-US" smtClean="0"/>
-              <a:t>2023/11/29</a:t>
+              <a:t>2023/11/30</a:t>
             </a:fld>
             <a:endParaRPr kumimoji="1" lang="ja-JP" altLang="en-US"/>
           </a:p>
@@ -2179,7 +2180,7 @@
           <a:p>
             <a:fld id="{1FE1D380-D20F-4BF7-A204-3A9DABE281DF}" type="datetimeFigureOut">
               <a:rPr kumimoji="1" lang="ja-JP" altLang="en-US" smtClean="0"/>
-              <a:t>2023/11/29</a:t>
+              <a:t>2023/11/30</a:t>
             </a:fld>
             <a:endParaRPr kumimoji="1" lang="ja-JP" altLang="en-US"/>
           </a:p>
@@ -2447,7 +2448,7 @@
           <a:p>
             <a:fld id="{1FE1D380-D20F-4BF7-A204-3A9DABE281DF}" type="datetimeFigureOut">
               <a:rPr kumimoji="1" lang="ja-JP" altLang="en-US" smtClean="0"/>
-              <a:t>2023/11/29</a:t>
+              <a:t>2023/11/30</a:t>
             </a:fld>
             <a:endParaRPr kumimoji="1" lang="ja-JP" altLang="en-US"/>
           </a:p>
@@ -2862,7 +2863,7 @@
           <a:p>
             <a:fld id="{1FE1D380-D20F-4BF7-A204-3A9DABE281DF}" type="datetimeFigureOut">
               <a:rPr kumimoji="1" lang="ja-JP" altLang="en-US" smtClean="0"/>
-              <a:t>2023/11/29</a:t>
+              <a:t>2023/11/30</a:t>
             </a:fld>
             <a:endParaRPr kumimoji="1" lang="ja-JP" altLang="en-US"/>
           </a:p>
@@ -3004,7 +3005,7 @@
           <a:p>
             <a:fld id="{1FE1D380-D20F-4BF7-A204-3A9DABE281DF}" type="datetimeFigureOut">
               <a:rPr kumimoji="1" lang="ja-JP" altLang="en-US" smtClean="0"/>
-              <a:t>2023/11/29</a:t>
+              <a:t>2023/11/30</a:t>
             </a:fld>
             <a:endParaRPr kumimoji="1" lang="ja-JP" altLang="en-US"/>
           </a:p>
@@ -3117,7 +3118,7 @@
           <a:p>
             <a:fld id="{1FE1D380-D20F-4BF7-A204-3A9DABE281DF}" type="datetimeFigureOut">
               <a:rPr kumimoji="1" lang="ja-JP" altLang="en-US" smtClean="0"/>
-              <a:t>2023/11/29</a:t>
+              <a:t>2023/11/30</a:t>
             </a:fld>
             <a:endParaRPr kumimoji="1" lang="ja-JP" altLang="en-US"/>
           </a:p>
@@ -3430,7 +3431,7 @@
           <a:p>
             <a:fld id="{1FE1D380-D20F-4BF7-A204-3A9DABE281DF}" type="datetimeFigureOut">
               <a:rPr kumimoji="1" lang="ja-JP" altLang="en-US" smtClean="0"/>
-              <a:t>2023/11/29</a:t>
+              <a:t>2023/11/30</a:t>
             </a:fld>
             <a:endParaRPr kumimoji="1" lang="ja-JP" altLang="en-US"/>
           </a:p>
@@ -3719,7 +3720,7 @@
           <a:p>
             <a:fld id="{1FE1D380-D20F-4BF7-A204-3A9DABE281DF}" type="datetimeFigureOut">
               <a:rPr kumimoji="1" lang="ja-JP" altLang="en-US" smtClean="0"/>
-              <a:t>2023/11/29</a:t>
+              <a:t>2023/11/30</a:t>
             </a:fld>
             <a:endParaRPr kumimoji="1" lang="ja-JP" altLang="en-US"/>
           </a:p>
@@ -3962,7 +3963,7 @@
           <a:p>
             <a:fld id="{1FE1D380-D20F-4BF7-A204-3A9DABE281DF}" type="datetimeFigureOut">
               <a:rPr kumimoji="1" lang="ja-JP" altLang="en-US" smtClean="0"/>
-              <a:t>2023/11/29</a:t>
+              <a:t>2023/11/30</a:t>
             </a:fld>
             <a:endParaRPr kumimoji="1" lang="ja-JP" altLang="en-US"/>
           </a:p>
@@ -5086,7 +5087,7 @@
           <p:cNvPr id="2" name="Title 1">
             <a:extLst>
               <a:ext uri="{FF2B5EF4-FFF2-40B4-BE49-F238E27FC236}">
-                <a16:creationId xmlns:a16="http://schemas.microsoft.com/office/drawing/2014/main" id="{B92499FD-411F-95A4-8870-7A53AF7A6F8E}"/>
+                <a16:creationId xmlns:a16="http://schemas.microsoft.com/office/drawing/2014/main" id="{7169FB76-2489-0C66-548F-C3B9E2CD8A65}"/>
               </a:ext>
             </a:extLst>
           </p:cNvPr>
@@ -5111,7 +5112,7 @@
           <p:cNvPr id="3" name="Content Placeholder 2">
             <a:extLst>
               <a:ext uri="{FF2B5EF4-FFF2-40B4-BE49-F238E27FC236}">
-                <a16:creationId xmlns:a16="http://schemas.microsoft.com/office/drawing/2014/main" id="{B964C452-3716-6D83-5735-5E420F20BCC0}"/>
+                <a16:creationId xmlns:a16="http://schemas.microsoft.com/office/drawing/2014/main" id="{9163913B-71DC-BD75-719B-A7EF5F00CE9E}"/>
               </a:ext>
             </a:extLst>
           </p:cNvPr>
@@ -5133,10 +5134,57 @@
       </p:sp>
       <p:pic>
         <p:nvPicPr>
-          <p:cNvPr id="1030" name="Picture 6" descr="Inference and Learning from Data: Volume 2:... by Sayed, Ali H.">
-            <a:extLst>
-              <a:ext uri="{FF2B5EF4-FFF2-40B4-BE49-F238E27FC236}">
-                <a16:creationId xmlns:a16="http://schemas.microsoft.com/office/drawing/2014/main" id="{689A299E-434A-1539-F82F-B6EFBFA8DAD9}"/>
+          <p:cNvPr id="1026" name="Picture 2" descr="情報理論の要素 (ワイリーシリーズイン 、カバー 、トーマスハードカバー + = - 画像1/1">
+            <a:extLst>
+              <a:ext uri="{FF2B5EF4-FFF2-40B4-BE49-F238E27FC236}">
+                <a16:creationId xmlns:a16="http://schemas.microsoft.com/office/drawing/2014/main" id="{04302A6E-5E4E-50D5-D84E-537DCD511644}"/>
+              </a:ext>
+            </a:extLst>
+          </p:cNvPr>
+          <p:cNvPicPr>
+            <a:picLocks noChangeAspect="1" noChangeArrowheads="1"/>
+          </p:cNvPicPr>
+          <p:nvPr/>
+        </p:nvPicPr>
+        <p:blipFill>
+          <a:blip r:embed="rId2">
+            <a:extLst>
+              <a:ext uri="{28A0092B-C50C-407E-A947-70E740481C1C}">
+                <a14:useLocalDpi xmlns:a14="http://schemas.microsoft.com/office/drawing/2010/main" val="0"/>
+              </a:ext>
+            </a:extLst>
+          </a:blip>
+          <a:srcRect/>
+          <a:stretch>
+            <a:fillRect/>
+          </a:stretch>
+        </p:blipFill>
+        <p:spPr bwMode="auto">
+          <a:xfrm>
+            <a:off x="432603" y="0"/>
+            <a:ext cx="4365308" cy="6929060"/>
+          </a:xfrm>
+          <a:prstGeom prst="rect">
+            <a:avLst/>
+          </a:prstGeom>
+          <a:noFill/>
+          <a:extLst>
+            <a:ext uri="{909E8E84-426E-40DD-AFC4-6F175D3DCCD1}">
+              <a14:hiddenFill xmlns:a14="http://schemas.microsoft.com/office/drawing/2010/main">
+                <a:solidFill>
+                  <a:srgbClr val="FFFFFF"/>
+                </a:solidFill>
+              </a14:hiddenFill>
+            </a:ext>
+          </a:extLst>
+        </p:spPr>
+      </p:pic>
+      <p:pic>
+        <p:nvPicPr>
+          <p:cNvPr id="1030" name="Picture 6" descr="elvis on X: &quot;Information Theory, Inference, and Learning Algorithms This is  hands down one of the best books you can spend time on if you are studying  CS or ML. It unifies">
+            <a:extLst>
+              <a:ext uri="{FF2B5EF4-FFF2-40B4-BE49-F238E27FC236}">
+                <a16:creationId xmlns:a16="http://schemas.microsoft.com/office/drawing/2014/main" id="{7B546EB9-A5D0-6A4E-84C1-350FE4D9C396}"/>
               </a:ext>
             </a:extLst>
           </p:cNvPr>
@@ -5160,8 +5208,8 @@
         </p:blipFill>
         <p:spPr bwMode="auto">
           <a:xfrm>
-            <a:off x="4225165" y="971164"/>
-            <a:ext cx="3643319" cy="5272744"/>
+            <a:off x="6486525" y="0"/>
+            <a:ext cx="5705475" cy="6858000"/>
           </a:xfrm>
           <a:prstGeom prst="rect">
             <a:avLst/>
@@ -5178,104 +5226,10 @@
           </a:extLst>
         </p:spPr>
       </p:pic>
-      <p:pic>
-        <p:nvPicPr>
-          <p:cNvPr id="1032" name="Picture 8" descr="Inference and Learning from Data: Volume 1:... by Sayed, Ali H.">
-            <a:extLst>
-              <a:ext uri="{FF2B5EF4-FFF2-40B4-BE49-F238E27FC236}">
-                <a16:creationId xmlns:a16="http://schemas.microsoft.com/office/drawing/2014/main" id="{4016D007-6D2B-BEDD-0B93-B19823DC9050}"/>
-              </a:ext>
-            </a:extLst>
-          </p:cNvPr>
-          <p:cNvPicPr>
-            <a:picLocks noChangeAspect="1" noChangeArrowheads="1"/>
-          </p:cNvPicPr>
-          <p:nvPr/>
-        </p:nvPicPr>
-        <p:blipFill>
-          <a:blip r:embed="rId4">
-            <a:extLst>
-              <a:ext uri="{28A0092B-C50C-407E-A947-70E740481C1C}">
-                <a14:useLocalDpi xmlns:a14="http://schemas.microsoft.com/office/drawing/2010/main" val="0"/>
-              </a:ext>
-            </a:extLst>
-          </a:blip>
-          <a:srcRect/>
-          <a:stretch>
-            <a:fillRect/>
-          </a:stretch>
-        </p:blipFill>
-        <p:spPr bwMode="auto">
-          <a:xfrm>
-            <a:off x="122987" y="971166"/>
-            <a:ext cx="3604113" cy="5216004"/>
-          </a:xfrm>
-          <a:prstGeom prst="rect">
-            <a:avLst/>
-          </a:prstGeom>
-          <a:noFill/>
-          <a:extLst>
-            <a:ext uri="{909E8E84-426E-40DD-AFC4-6F175D3DCCD1}">
-              <a14:hiddenFill xmlns:a14="http://schemas.microsoft.com/office/drawing/2010/main">
-                <a:solidFill>
-                  <a:srgbClr val="FFFFFF"/>
-                </a:solidFill>
-              </a14:hiddenFill>
-            </a:ext>
-          </a:extLst>
-        </p:spPr>
-      </p:pic>
-      <p:pic>
-        <p:nvPicPr>
-          <p:cNvPr id="1034" name="Picture 10" descr="Inference and Learning from Data: Volume 3:... by Sayed, Ali H.">
-            <a:extLst>
-              <a:ext uri="{FF2B5EF4-FFF2-40B4-BE49-F238E27FC236}">
-                <a16:creationId xmlns:a16="http://schemas.microsoft.com/office/drawing/2014/main" id="{BE6A1750-9892-6119-CC88-524D9FD22EE5}"/>
-              </a:ext>
-            </a:extLst>
-          </p:cNvPr>
-          <p:cNvPicPr>
-            <a:picLocks noChangeAspect="1" noChangeArrowheads="1"/>
-          </p:cNvPicPr>
-          <p:nvPr/>
-        </p:nvPicPr>
-        <p:blipFill>
-          <a:blip r:embed="rId5">
-            <a:extLst>
-              <a:ext uri="{28A0092B-C50C-407E-A947-70E740481C1C}">
-                <a14:useLocalDpi xmlns:a14="http://schemas.microsoft.com/office/drawing/2010/main" val="0"/>
-              </a:ext>
-            </a:extLst>
-          </a:blip>
-          <a:srcRect/>
-          <a:stretch>
-            <a:fillRect/>
-          </a:stretch>
-        </p:blipFill>
-        <p:spPr bwMode="auto">
-          <a:xfrm>
-            <a:off x="8226091" y="971164"/>
-            <a:ext cx="3643319" cy="5272743"/>
-          </a:xfrm>
-          <a:prstGeom prst="rect">
-            <a:avLst/>
-          </a:prstGeom>
-          <a:noFill/>
-          <a:extLst>
-            <a:ext uri="{909E8E84-426E-40DD-AFC4-6F175D3DCCD1}">
-              <a14:hiddenFill xmlns:a14="http://schemas.microsoft.com/office/drawing/2010/main">
-                <a:solidFill>
-                  <a:srgbClr val="FFFFFF"/>
-                </a:solidFill>
-              </a14:hiddenFill>
-            </a:ext>
-          </a:extLst>
-        </p:spPr>
-      </p:pic>
     </p:spTree>
     <p:extLst>
       <p:ext uri="{BB962C8B-B14F-4D97-AF65-F5344CB8AC3E}">
-        <p14:creationId xmlns:p14="http://schemas.microsoft.com/office/powerpoint/2010/main" val="2189988050"/>
+        <p14:creationId xmlns:p14="http://schemas.microsoft.com/office/powerpoint/2010/main" val="2850535214"/>
       </p:ext>
     </p:extLst>
   </p:cSld>
@@ -5307,7 +5261,7 @@
           <p:cNvPr id="2" name="Title 1">
             <a:extLst>
               <a:ext uri="{FF2B5EF4-FFF2-40B4-BE49-F238E27FC236}">
-                <a16:creationId xmlns:a16="http://schemas.microsoft.com/office/drawing/2014/main" id="{C0F842C2-1E65-5B3B-DE02-264DE19BE364}"/>
+                <a16:creationId xmlns:a16="http://schemas.microsoft.com/office/drawing/2014/main" id="{B92499FD-411F-95A4-8870-7A53AF7A6F8E}"/>
               </a:ext>
             </a:extLst>
           </p:cNvPr>
@@ -5318,53 +5272,12 @@
             <p:ph type="title"/>
           </p:nvPr>
         </p:nvSpPr>
-        <p:spPr>
-          <a:xfrm>
-            <a:off x="300318" y="0"/>
-            <a:ext cx="10515600" cy="1325563"/>
-          </a:xfrm>
-        </p:spPr>
+        <p:spPr/>
         <p:txBody>
           <a:bodyPr/>
           <a:lstStyle/>
           <a:p>
-            <a:r>
-              <a:rPr kumimoji="1" lang="en-US" altLang="ja-JP" b="1" dirty="0" err="1">
-                <a:solidFill>
-                  <a:schemeClr val="accent5"/>
-                </a:solidFill>
-              </a:rPr>
-              <a:t>Contraharmonic</a:t>
-            </a:r>
-            <a:r>
-              <a:rPr kumimoji="1" lang="en-US" altLang="ja-JP" b="1" dirty="0">
-                <a:solidFill>
-                  <a:schemeClr val="accent5"/>
-                </a:solidFill>
-              </a:rPr>
-              <a:t> or </a:t>
-            </a:r>
-            <a:r>
-              <a:rPr kumimoji="1" lang="en-US" altLang="ja-JP" b="1" dirty="0" err="1">
-                <a:solidFill>
-                  <a:schemeClr val="accent5"/>
-                </a:solidFill>
-              </a:rPr>
-              <a:t>antiharmonic</a:t>
-            </a:r>
-            <a:r>
-              <a:rPr kumimoji="1" lang="en-US" altLang="ja-JP" b="1" dirty="0">
-                <a:solidFill>
-                  <a:schemeClr val="accent5"/>
-                </a:solidFill>
-              </a:rPr>
-              <a:t> mean</a:t>
-            </a:r>
-            <a:endParaRPr kumimoji="1" lang="ja-JP" altLang="en-US" b="1" dirty="0">
-              <a:solidFill>
-                <a:schemeClr val="accent5"/>
-              </a:solidFill>
-            </a:endParaRPr>
+            <a:endParaRPr kumimoji="1" lang="ja-JP" altLang="en-US"/>
           </a:p>
         </p:txBody>
       </p:sp>
@@ -5373,7 +5286,7 @@
           <p:cNvPr id="3" name="Content Placeholder 2">
             <a:extLst>
               <a:ext uri="{FF2B5EF4-FFF2-40B4-BE49-F238E27FC236}">
-                <a16:creationId xmlns:a16="http://schemas.microsoft.com/office/drawing/2014/main" id="{BC4EE631-2EFE-D138-8C83-89892299F470}"/>
+                <a16:creationId xmlns:a16="http://schemas.microsoft.com/office/drawing/2014/main" id="{B964C452-3716-6D83-5735-5E420F20BCC0}"/>
               </a:ext>
             </a:extLst>
           </p:cNvPr>
@@ -5384,126 +5297,160 @@
             <p:ph idx="1"/>
           </p:nvPr>
         </p:nvSpPr>
-        <p:spPr>
-          <a:xfrm>
-            <a:off x="386379" y="1459865"/>
-            <a:ext cx="10515600" cy="4351338"/>
-          </a:xfrm>
-        </p:spPr>
+        <p:spPr/>
         <p:txBody>
           <a:bodyPr/>
           <a:lstStyle/>
           <a:p>
-            <a:r>
-              <a:rPr kumimoji="1" lang="en-US" altLang="ja-JP" dirty="0" err="1"/>
-              <a:t>Contraharmonic</a:t>
-            </a:r>
-            <a:r>
-              <a:rPr kumimoji="1" lang="en-US" altLang="ja-JP" dirty="0"/>
-              <a:t> or </a:t>
-            </a:r>
-            <a:r>
-              <a:rPr kumimoji="1" lang="en-US" altLang="ja-JP" dirty="0" err="1"/>
-              <a:t>antiharmonic</a:t>
-            </a:r>
-            <a:r>
-              <a:rPr kumimoji="1" lang="en-US" altLang="ja-JP" dirty="0"/>
-              <a:t> mean of n positive reals:</a:t>
-            </a:r>
-          </a:p>
-          <a:p>
-            <a:endParaRPr lang="en-US" altLang="ja-JP" dirty="0"/>
-          </a:p>
-          <a:p>
-            <a:endParaRPr kumimoji="1" lang="en-US" altLang="ja-JP" dirty="0"/>
-          </a:p>
-          <a:p>
-            <a:endParaRPr lang="en-US" altLang="ja-JP" dirty="0"/>
-          </a:p>
-          <a:p>
-            <a:endParaRPr kumimoji="1" lang="en-US" altLang="ja-JP" dirty="0"/>
-          </a:p>
-          <a:p>
-            <a:r>
-              <a:rPr kumimoji="1" lang="en-US" altLang="ja-JP" dirty="0"/>
-              <a:t>The </a:t>
-            </a:r>
-            <a:r>
-              <a:rPr kumimoji="1" lang="en-US" altLang="ja-JP" dirty="0" err="1"/>
-              <a:t>contraharmonic</a:t>
-            </a:r>
-            <a:r>
-              <a:rPr kumimoji="1" lang="en-US" altLang="ja-JP" dirty="0"/>
-              <a:t> mean is the solution of the sum of the squares with relative errors:</a:t>
-            </a:r>
-            <a:endParaRPr kumimoji="1" lang="ja-JP" altLang="en-US" dirty="0"/>
+            <a:endParaRPr kumimoji="1" lang="ja-JP" altLang="en-US"/>
           </a:p>
         </p:txBody>
       </p:sp>
       <p:pic>
         <p:nvPicPr>
-          <p:cNvPr id="5" name="Picture 4">
-            <a:extLst>
-              <a:ext uri="{FF2B5EF4-FFF2-40B4-BE49-F238E27FC236}">
-                <a16:creationId xmlns:a16="http://schemas.microsoft.com/office/drawing/2014/main" id="{13935E09-A257-1C98-FFF7-0B0104418F04}"/>
+          <p:cNvPr id="1030" name="Picture 6" descr="Inference and Learning from Data: Volume 2:... by Sayed, Ali H.">
+            <a:extLst>
+              <a:ext uri="{FF2B5EF4-FFF2-40B4-BE49-F238E27FC236}">
+                <a16:creationId xmlns:a16="http://schemas.microsoft.com/office/drawing/2014/main" id="{689A299E-434A-1539-F82F-B6EFBFA8DAD9}"/>
               </a:ext>
             </a:extLst>
           </p:cNvPr>
           <p:cNvPicPr>
-            <a:picLocks noChangeAspect="1"/>
+            <a:picLocks noChangeAspect="1" noChangeArrowheads="1"/>
           </p:cNvPicPr>
           <p:nvPr/>
         </p:nvPicPr>
         <p:blipFill>
-          <a:blip r:embed="rId2"/>
+          <a:blip r:embed="rId3">
+            <a:extLst>
+              <a:ext uri="{28A0092B-C50C-407E-A947-70E740481C1C}">
+                <a14:useLocalDpi xmlns:a14="http://schemas.microsoft.com/office/drawing/2010/main" val="0"/>
+              </a:ext>
+            </a:extLst>
+          </a:blip>
+          <a:srcRect/>
           <a:stretch>
             <a:fillRect/>
           </a:stretch>
         </p:blipFill>
-        <p:spPr>
-          <a:xfrm>
-            <a:off x="2308188" y="2159598"/>
-            <a:ext cx="6103934" cy="1269402"/>
+        <p:spPr bwMode="auto">
+          <a:xfrm>
+            <a:off x="4225165" y="971164"/>
+            <a:ext cx="3643319" cy="5272744"/>
           </a:xfrm>
           <a:prstGeom prst="rect">
             <a:avLst/>
           </a:prstGeom>
+          <a:noFill/>
+          <a:extLst>
+            <a:ext uri="{909E8E84-426E-40DD-AFC4-6F175D3DCCD1}">
+              <a14:hiddenFill xmlns:a14="http://schemas.microsoft.com/office/drawing/2010/main">
+                <a:solidFill>
+                  <a:srgbClr val="FFFFFF"/>
+                </a:solidFill>
+              </a14:hiddenFill>
+            </a:ext>
+          </a:extLst>
         </p:spPr>
       </p:pic>
       <p:pic>
         <p:nvPicPr>
-          <p:cNvPr id="7" name="Picture 6">
-            <a:extLst>
-              <a:ext uri="{FF2B5EF4-FFF2-40B4-BE49-F238E27FC236}">
-                <a16:creationId xmlns:a16="http://schemas.microsoft.com/office/drawing/2014/main" id="{52095837-D1C8-2991-B464-52F7803070A7}"/>
+          <p:cNvPr id="1032" name="Picture 8" descr="Inference and Learning from Data: Volume 1:... by Sayed, Ali H.">
+            <a:extLst>
+              <a:ext uri="{FF2B5EF4-FFF2-40B4-BE49-F238E27FC236}">
+                <a16:creationId xmlns:a16="http://schemas.microsoft.com/office/drawing/2014/main" id="{4016D007-6D2B-BEDD-0B93-B19823DC9050}"/>
               </a:ext>
             </a:extLst>
           </p:cNvPr>
           <p:cNvPicPr>
-            <a:picLocks noChangeAspect="1"/>
+            <a:picLocks noChangeAspect="1" noChangeArrowheads="1"/>
           </p:cNvPicPr>
           <p:nvPr/>
         </p:nvPicPr>
         <p:blipFill>
-          <a:blip r:embed="rId3"/>
+          <a:blip r:embed="rId4">
+            <a:extLst>
+              <a:ext uri="{28A0092B-C50C-407E-A947-70E740481C1C}">
+                <a14:useLocalDpi xmlns:a14="http://schemas.microsoft.com/office/drawing/2010/main" val="0"/>
+              </a:ext>
+            </a:extLst>
+          </a:blip>
+          <a:srcRect/>
           <a:stretch>
             <a:fillRect/>
           </a:stretch>
         </p:blipFill>
-        <p:spPr>
-          <a:xfrm>
-            <a:off x="2435004" y="4920952"/>
-            <a:ext cx="7961366" cy="1557020"/>
+        <p:spPr bwMode="auto">
+          <a:xfrm>
+            <a:off x="122987" y="971166"/>
+            <a:ext cx="3604113" cy="5216004"/>
           </a:xfrm>
           <a:prstGeom prst="rect">
             <a:avLst/>
           </a:prstGeom>
+          <a:noFill/>
+          <a:extLst>
+            <a:ext uri="{909E8E84-426E-40DD-AFC4-6F175D3DCCD1}">
+              <a14:hiddenFill xmlns:a14="http://schemas.microsoft.com/office/drawing/2010/main">
+                <a:solidFill>
+                  <a:srgbClr val="FFFFFF"/>
+                </a:solidFill>
+              </a14:hiddenFill>
+            </a:ext>
+          </a:extLst>
+        </p:spPr>
+      </p:pic>
+      <p:pic>
+        <p:nvPicPr>
+          <p:cNvPr id="1034" name="Picture 10" descr="Inference and Learning from Data: Volume 3:... by Sayed, Ali H.">
+            <a:extLst>
+              <a:ext uri="{FF2B5EF4-FFF2-40B4-BE49-F238E27FC236}">
+                <a16:creationId xmlns:a16="http://schemas.microsoft.com/office/drawing/2014/main" id="{BE6A1750-9892-6119-CC88-524D9FD22EE5}"/>
+              </a:ext>
+            </a:extLst>
+          </p:cNvPr>
+          <p:cNvPicPr>
+            <a:picLocks noChangeAspect="1" noChangeArrowheads="1"/>
+          </p:cNvPicPr>
+          <p:nvPr/>
+        </p:nvPicPr>
+        <p:blipFill>
+          <a:blip r:embed="rId5">
+            <a:extLst>
+              <a:ext uri="{28A0092B-C50C-407E-A947-70E740481C1C}">
+                <a14:useLocalDpi xmlns:a14="http://schemas.microsoft.com/office/drawing/2010/main" val="0"/>
+              </a:ext>
+            </a:extLst>
+          </a:blip>
+          <a:srcRect/>
+          <a:stretch>
+            <a:fillRect/>
+          </a:stretch>
+        </p:blipFill>
+        <p:spPr bwMode="auto">
+          <a:xfrm>
+            <a:off x="8226091" y="971164"/>
+            <a:ext cx="3643319" cy="5272743"/>
+          </a:xfrm>
+          <a:prstGeom prst="rect">
+            <a:avLst/>
+          </a:prstGeom>
+          <a:noFill/>
+          <a:extLst>
+            <a:ext uri="{909E8E84-426E-40DD-AFC4-6F175D3DCCD1}">
+              <a14:hiddenFill xmlns:a14="http://schemas.microsoft.com/office/drawing/2010/main">
+                <a:solidFill>
+                  <a:srgbClr val="FFFFFF"/>
+                </a:solidFill>
+              </a14:hiddenFill>
+            </a:ext>
+          </a:extLst>
         </p:spPr>
       </p:pic>
     </p:spTree>
     <p:extLst>
       <p:ext uri="{BB962C8B-B14F-4D97-AF65-F5344CB8AC3E}">
-        <p14:creationId xmlns:p14="http://schemas.microsoft.com/office/powerpoint/2010/main" val="2698045578"/>
+        <p14:creationId xmlns:p14="http://schemas.microsoft.com/office/powerpoint/2010/main" val="2189988050"/>
       </p:ext>
     </p:extLst>
   </p:cSld>
@@ -5535,7 +5482,7 @@
           <p:cNvPr id="2" name="Title 1">
             <a:extLst>
               <a:ext uri="{FF2B5EF4-FFF2-40B4-BE49-F238E27FC236}">
-                <a16:creationId xmlns:a16="http://schemas.microsoft.com/office/drawing/2014/main" id="{3FA0BC29-32E6-08AC-1E69-1E050EEA8741}"/>
+                <a16:creationId xmlns:a16="http://schemas.microsoft.com/office/drawing/2014/main" id="{C0F842C2-1E65-5B3B-DE02-264DE19BE364}"/>
               </a:ext>
             </a:extLst>
           </p:cNvPr>
@@ -5546,12 +5493,53 @@
             <p:ph type="title"/>
           </p:nvPr>
         </p:nvSpPr>
-        <p:spPr/>
+        <p:spPr>
+          <a:xfrm>
+            <a:off x="300318" y="0"/>
+            <a:ext cx="10515600" cy="1325563"/>
+          </a:xfrm>
+        </p:spPr>
         <p:txBody>
           <a:bodyPr/>
           <a:lstStyle/>
           <a:p>
-            <a:endParaRPr kumimoji="1" lang="ja-JP" altLang="en-US"/>
+            <a:r>
+              <a:rPr kumimoji="1" lang="en-US" altLang="ja-JP" b="1" dirty="0" err="1">
+                <a:solidFill>
+                  <a:schemeClr val="accent5"/>
+                </a:solidFill>
+              </a:rPr>
+              <a:t>Contraharmonic</a:t>
+            </a:r>
+            <a:r>
+              <a:rPr kumimoji="1" lang="en-US" altLang="ja-JP" b="1" dirty="0">
+                <a:solidFill>
+                  <a:schemeClr val="accent5"/>
+                </a:solidFill>
+              </a:rPr>
+              <a:t> or </a:t>
+            </a:r>
+            <a:r>
+              <a:rPr kumimoji="1" lang="en-US" altLang="ja-JP" b="1" dirty="0" err="1">
+                <a:solidFill>
+                  <a:schemeClr val="accent5"/>
+                </a:solidFill>
+              </a:rPr>
+              <a:t>antiharmonic</a:t>
+            </a:r>
+            <a:r>
+              <a:rPr kumimoji="1" lang="en-US" altLang="ja-JP" b="1" dirty="0">
+                <a:solidFill>
+                  <a:schemeClr val="accent5"/>
+                </a:solidFill>
+              </a:rPr>
+              <a:t> mean</a:t>
+            </a:r>
+            <a:endParaRPr kumimoji="1" lang="ja-JP" altLang="en-US" b="1" dirty="0">
+              <a:solidFill>
+                <a:schemeClr val="accent5"/>
+              </a:solidFill>
+            </a:endParaRPr>
           </a:p>
         </p:txBody>
       </p:sp>
@@ -5560,7 +5548,7 @@
           <p:cNvPr id="3" name="Content Placeholder 2">
             <a:extLst>
               <a:ext uri="{FF2B5EF4-FFF2-40B4-BE49-F238E27FC236}">
-                <a16:creationId xmlns:a16="http://schemas.microsoft.com/office/drawing/2014/main" id="{3A577BA7-4F10-A500-C0C6-968D9CEF318D}"/>
+                <a16:creationId xmlns:a16="http://schemas.microsoft.com/office/drawing/2014/main" id="{BC4EE631-2EFE-D138-8C83-89892299F470}"/>
               </a:ext>
             </a:extLst>
           </p:cNvPr>
@@ -5571,101 +5559,126 @@
             <p:ph idx="1"/>
           </p:nvPr>
         </p:nvSpPr>
-        <p:spPr/>
+        <p:spPr>
+          <a:xfrm>
+            <a:off x="386379" y="1459865"/>
+            <a:ext cx="10515600" cy="4351338"/>
+          </a:xfrm>
+        </p:spPr>
         <p:txBody>
           <a:bodyPr/>
           <a:lstStyle/>
           <a:p>
-            <a:endParaRPr kumimoji="1" lang="ja-JP" altLang="en-US"/>
-          </a:p>
-        </p:txBody>
-      </p:sp>
-      <p:sp>
-        <p:nvSpPr>
-          <p:cNvPr id="7" name="TextBox 6">
-            <a:extLst>
-              <a:ext uri="{FF2B5EF4-FFF2-40B4-BE49-F238E27FC236}">
-                <a16:creationId xmlns:a16="http://schemas.microsoft.com/office/drawing/2014/main" id="{1A5D3A62-A170-950C-BBB2-831DF26F3A0D}"/>
-              </a:ext>
-            </a:extLst>
-          </p:cNvPr>
-          <p:cNvSpPr txBox="1"/>
-          <p:nvPr/>
-        </p:nvSpPr>
-        <p:spPr>
-          <a:xfrm>
-            <a:off x="3047104" y="3247023"/>
-            <a:ext cx="6094206" cy="369332"/>
-          </a:xfrm>
-          <a:prstGeom prst="rect">
-            <a:avLst/>
-          </a:prstGeom>
-          <a:noFill/>
-        </p:spPr>
-        <p:txBody>
-          <a:bodyPr wrap="square">
-            <a:spAutoFit/>
-          </a:bodyPr>
-          <a:lstStyle/>
-          <a:p>
-            <a:r>
-              <a:rPr lang="ja-JP" altLang="en-US" dirty="0"/>
-              <a:t>Andrej Karpathy</a:t>
-            </a:r>
+            <a:r>
+              <a:rPr kumimoji="1" lang="en-US" altLang="ja-JP" dirty="0" err="1"/>
+              <a:t>Contraharmonic</a:t>
+            </a:r>
+            <a:r>
+              <a:rPr kumimoji="1" lang="en-US" altLang="ja-JP" dirty="0"/>
+              <a:t> or </a:t>
+            </a:r>
+            <a:r>
+              <a:rPr kumimoji="1" lang="en-US" altLang="ja-JP" dirty="0" err="1"/>
+              <a:t>antiharmonic</a:t>
+            </a:r>
+            <a:r>
+              <a:rPr kumimoji="1" lang="en-US" altLang="ja-JP" dirty="0"/>
+              <a:t> mean of n positive reals:</a:t>
+            </a:r>
+          </a:p>
+          <a:p>
+            <a:endParaRPr lang="en-US" altLang="ja-JP" dirty="0"/>
+          </a:p>
+          <a:p>
+            <a:endParaRPr kumimoji="1" lang="en-US" altLang="ja-JP" dirty="0"/>
+          </a:p>
+          <a:p>
+            <a:endParaRPr lang="en-US" altLang="ja-JP" dirty="0"/>
+          </a:p>
+          <a:p>
+            <a:endParaRPr kumimoji="1" lang="en-US" altLang="ja-JP" dirty="0"/>
+          </a:p>
+          <a:p>
+            <a:r>
+              <a:rPr kumimoji="1" lang="en-US" altLang="ja-JP" dirty="0"/>
+              <a:t>The </a:t>
+            </a:r>
+            <a:r>
+              <a:rPr kumimoji="1" lang="en-US" altLang="ja-JP" dirty="0" err="1"/>
+              <a:t>contraharmonic</a:t>
+            </a:r>
+            <a:r>
+              <a:rPr kumimoji="1" lang="en-US" altLang="ja-JP" dirty="0"/>
+              <a:t> mean is the solution of the sum of the squares with relative errors:</a:t>
+            </a:r>
+            <a:endParaRPr kumimoji="1" lang="ja-JP" altLang="en-US" dirty="0"/>
           </a:p>
         </p:txBody>
       </p:sp>
       <p:pic>
         <p:nvPicPr>
-          <p:cNvPr id="1026" name="Picture 2" descr="Mathematical Foundations of Nonextensive Statistical Mechanics : Umarov,  Sabir, Constantino, Tsallis: Foreign Language Books - Amazon.co.jp">
-            <a:extLst>
-              <a:ext uri="{FF2B5EF4-FFF2-40B4-BE49-F238E27FC236}">
-                <a16:creationId xmlns:a16="http://schemas.microsoft.com/office/drawing/2014/main" id="{544E1C15-82BC-011B-E712-A5C07A4B677D}"/>
+          <p:cNvPr id="5" name="Picture 4">
+            <a:extLst>
+              <a:ext uri="{FF2B5EF4-FFF2-40B4-BE49-F238E27FC236}">
+                <a16:creationId xmlns:a16="http://schemas.microsoft.com/office/drawing/2014/main" id="{13935E09-A257-1C98-FFF7-0B0104418F04}"/>
               </a:ext>
             </a:extLst>
           </p:cNvPr>
           <p:cNvPicPr>
-            <a:picLocks noChangeAspect="1" noChangeArrowheads="1"/>
+            <a:picLocks noChangeAspect="1"/>
           </p:cNvPicPr>
           <p:nvPr/>
         </p:nvPicPr>
         <p:blipFill>
-          <a:blip r:embed="rId2">
-            <a:extLst>
-              <a:ext uri="{28A0092B-C50C-407E-A947-70E740481C1C}">
-                <a14:useLocalDpi xmlns:a14="http://schemas.microsoft.com/office/drawing/2010/main" val="0"/>
-              </a:ext>
-            </a:extLst>
-          </a:blip>
-          <a:srcRect/>
+          <a:blip r:embed="rId2"/>
           <a:stretch>
             <a:fillRect/>
           </a:stretch>
         </p:blipFill>
-        <p:spPr bwMode="auto">
-          <a:xfrm>
-            <a:off x="3938588" y="0"/>
-            <a:ext cx="4313237" cy="6858000"/>
+        <p:spPr>
+          <a:xfrm>
+            <a:off x="2308188" y="2159598"/>
+            <a:ext cx="6103934" cy="1269402"/>
           </a:xfrm>
           <a:prstGeom prst="rect">
             <a:avLst/>
           </a:prstGeom>
-          <a:noFill/>
-          <a:extLst>
-            <a:ext uri="{909E8E84-426E-40DD-AFC4-6F175D3DCCD1}">
-              <a14:hiddenFill xmlns:a14="http://schemas.microsoft.com/office/drawing/2010/main">
-                <a:solidFill>
-                  <a:srgbClr val="FFFFFF"/>
-                </a:solidFill>
-              </a14:hiddenFill>
-            </a:ext>
-          </a:extLst>
+        </p:spPr>
+      </p:pic>
+      <p:pic>
+        <p:nvPicPr>
+          <p:cNvPr id="7" name="Picture 6">
+            <a:extLst>
+              <a:ext uri="{FF2B5EF4-FFF2-40B4-BE49-F238E27FC236}">
+                <a16:creationId xmlns:a16="http://schemas.microsoft.com/office/drawing/2014/main" id="{52095837-D1C8-2991-B464-52F7803070A7}"/>
+              </a:ext>
+            </a:extLst>
+          </p:cNvPr>
+          <p:cNvPicPr>
+            <a:picLocks noChangeAspect="1"/>
+          </p:cNvPicPr>
+          <p:nvPr/>
+        </p:nvPicPr>
+        <p:blipFill>
+          <a:blip r:embed="rId3"/>
+          <a:stretch>
+            <a:fillRect/>
+          </a:stretch>
+        </p:blipFill>
+        <p:spPr>
+          <a:xfrm>
+            <a:off x="2435004" y="4920952"/>
+            <a:ext cx="7961366" cy="1557020"/>
+          </a:xfrm>
+          <a:prstGeom prst="rect">
+            <a:avLst/>
+          </a:prstGeom>
         </p:spPr>
       </p:pic>
     </p:spTree>
     <p:extLst>
       <p:ext uri="{BB962C8B-B14F-4D97-AF65-F5344CB8AC3E}">
-        <p14:creationId xmlns:p14="http://schemas.microsoft.com/office/powerpoint/2010/main" val="3278326900"/>
+        <p14:creationId xmlns:p14="http://schemas.microsoft.com/office/powerpoint/2010/main" val="2698045578"/>
       </p:ext>
     </p:extLst>
   </p:cSld>
@@ -5697,7 +5710,7 @@
           <p:cNvPr id="2" name="Title 1">
             <a:extLst>
               <a:ext uri="{FF2B5EF4-FFF2-40B4-BE49-F238E27FC236}">
-                <a16:creationId xmlns:a16="http://schemas.microsoft.com/office/drawing/2014/main" id="{5F33BE79-287F-F1E0-E9A1-3DC661D30441}"/>
+                <a16:creationId xmlns:a16="http://schemas.microsoft.com/office/drawing/2014/main" id="{3FA0BC29-32E6-08AC-1E69-1E050EEA8741}"/>
               </a:ext>
             </a:extLst>
           </p:cNvPr>
@@ -5722,7 +5735,7 @@
           <p:cNvPr id="3" name="Content Placeholder 2">
             <a:extLst>
               <a:ext uri="{FF2B5EF4-FFF2-40B4-BE49-F238E27FC236}">
-                <a16:creationId xmlns:a16="http://schemas.microsoft.com/office/drawing/2014/main" id="{BD1C5F32-B835-D7AB-B64E-E9E01C1F1793}"/>
+                <a16:creationId xmlns:a16="http://schemas.microsoft.com/office/drawing/2014/main" id="{3A577BA7-4F10-A500-C0C6-968D9CEF318D}"/>
               </a:ext>
             </a:extLst>
           </p:cNvPr>
@@ -5738,16 +5751,51 @@
           <a:bodyPr/>
           <a:lstStyle/>
           <a:p>
-            <a:endParaRPr kumimoji="1" lang="ja-JP" altLang="en-US" dirty="0"/>
+            <a:endParaRPr kumimoji="1" lang="ja-JP" altLang="en-US"/>
+          </a:p>
+        </p:txBody>
+      </p:sp>
+      <p:sp>
+        <p:nvSpPr>
+          <p:cNvPr id="7" name="TextBox 6">
+            <a:extLst>
+              <a:ext uri="{FF2B5EF4-FFF2-40B4-BE49-F238E27FC236}">
+                <a16:creationId xmlns:a16="http://schemas.microsoft.com/office/drawing/2014/main" id="{1A5D3A62-A170-950C-BBB2-831DF26F3A0D}"/>
+              </a:ext>
+            </a:extLst>
+          </p:cNvPr>
+          <p:cNvSpPr txBox="1"/>
+          <p:nvPr/>
+        </p:nvSpPr>
+        <p:spPr>
+          <a:xfrm>
+            <a:off x="3047104" y="3247023"/>
+            <a:ext cx="6094206" cy="369332"/>
+          </a:xfrm>
+          <a:prstGeom prst="rect">
+            <a:avLst/>
+          </a:prstGeom>
+          <a:noFill/>
+        </p:spPr>
+        <p:txBody>
+          <a:bodyPr wrap="square">
+            <a:spAutoFit/>
+          </a:bodyPr>
+          <a:lstStyle/>
+          <a:p>
+            <a:r>
+              <a:rPr lang="ja-JP" altLang="en-US" dirty="0"/>
+              <a:t>Andrej Karpathy</a:t>
+            </a:r>
           </a:p>
         </p:txBody>
       </p:sp>
       <p:pic>
         <p:nvPicPr>
-          <p:cNvPr id="1026" name="Picture 2">
-            <a:extLst>
-              <a:ext uri="{FF2B5EF4-FFF2-40B4-BE49-F238E27FC236}">
-                <a16:creationId xmlns:a16="http://schemas.microsoft.com/office/drawing/2014/main" id="{E8E1EF77-1537-3746-6970-0A24C98AEBF5}"/>
+          <p:cNvPr id="1026" name="Picture 2" descr="Mathematical Foundations of Nonextensive Statistical Mechanics : Umarov,  Sabir, Constantino, Tsallis: Foreign Language Books - Amazon.co.jp">
+            <a:extLst>
+              <a:ext uri="{FF2B5EF4-FFF2-40B4-BE49-F238E27FC236}">
+                <a16:creationId xmlns:a16="http://schemas.microsoft.com/office/drawing/2014/main" id="{544E1C15-82BC-011B-E712-A5C07A4B677D}"/>
               </a:ext>
             </a:extLst>
           </p:cNvPr>
@@ -5771,8 +5819,8 @@
         </p:blipFill>
         <p:spPr bwMode="auto">
           <a:xfrm>
-            <a:off x="355002" y="214940"/>
-            <a:ext cx="2290108" cy="3313218"/>
+            <a:off x="3938588" y="0"/>
+            <a:ext cx="4313237" cy="6858000"/>
           </a:xfrm>
           <a:prstGeom prst="rect">
             <a:avLst/>
@@ -5789,292 +5837,10 @@
           </a:extLst>
         </p:spPr>
       </p:pic>
-      <p:pic>
-        <p:nvPicPr>
-          <p:cNvPr id="1028" name="Picture 4">
-            <a:extLst>
-              <a:ext uri="{FF2B5EF4-FFF2-40B4-BE49-F238E27FC236}">
-                <a16:creationId xmlns:a16="http://schemas.microsoft.com/office/drawing/2014/main" id="{869FD3FC-AA72-3E95-6D32-9BA0C95C81A4}"/>
-              </a:ext>
-            </a:extLst>
-          </p:cNvPr>
-          <p:cNvPicPr>
-            <a:picLocks noChangeAspect="1" noChangeArrowheads="1"/>
-          </p:cNvPicPr>
-          <p:nvPr/>
-        </p:nvPicPr>
-        <p:blipFill>
-          <a:blip r:embed="rId3">
-            <a:extLst>
-              <a:ext uri="{28A0092B-C50C-407E-A947-70E740481C1C}">
-                <a14:useLocalDpi xmlns:a14="http://schemas.microsoft.com/office/drawing/2010/main" val="0"/>
-              </a:ext>
-            </a:extLst>
-          </a:blip>
-          <a:srcRect/>
-          <a:stretch>
-            <a:fillRect/>
-          </a:stretch>
-        </p:blipFill>
-        <p:spPr bwMode="auto">
-          <a:xfrm>
-            <a:off x="3491299" y="268154"/>
-            <a:ext cx="2067449" cy="3146612"/>
-          </a:xfrm>
-          <a:prstGeom prst="rect">
-            <a:avLst/>
-          </a:prstGeom>
-          <a:noFill/>
-          <a:extLst>
-            <a:ext uri="{909E8E84-426E-40DD-AFC4-6F175D3DCCD1}">
-              <a14:hiddenFill xmlns:a14="http://schemas.microsoft.com/office/drawing/2010/main">
-                <a:solidFill>
-                  <a:srgbClr val="FFFFFF"/>
-                </a:solidFill>
-              </a14:hiddenFill>
-            </a:ext>
-          </a:extLst>
-        </p:spPr>
-      </p:pic>
-      <p:pic>
-        <p:nvPicPr>
-          <p:cNvPr id="1030" name="Picture 6" descr="Cover book the Shallow and the Deep">
-            <a:extLst>
-              <a:ext uri="{FF2B5EF4-FFF2-40B4-BE49-F238E27FC236}">
-                <a16:creationId xmlns:a16="http://schemas.microsoft.com/office/drawing/2014/main" id="{4C31EA6B-35D8-7386-2F1F-4CC879758525}"/>
-              </a:ext>
-            </a:extLst>
-          </p:cNvPr>
-          <p:cNvPicPr>
-            <a:picLocks noChangeAspect="1" noChangeArrowheads="1"/>
-          </p:cNvPicPr>
-          <p:nvPr/>
-        </p:nvPicPr>
-        <p:blipFill>
-          <a:blip r:embed="rId4">
-            <a:extLst>
-              <a:ext uri="{28A0092B-C50C-407E-A947-70E740481C1C}">
-                <a14:useLocalDpi xmlns:a14="http://schemas.microsoft.com/office/drawing/2010/main" val="0"/>
-              </a:ext>
-            </a:extLst>
-          </a:blip>
-          <a:srcRect/>
-          <a:stretch>
-            <a:fillRect/>
-          </a:stretch>
-        </p:blipFill>
-        <p:spPr bwMode="auto">
-          <a:xfrm>
-            <a:off x="6404571" y="214940"/>
-            <a:ext cx="2180322" cy="3085156"/>
-          </a:xfrm>
-          <a:prstGeom prst="rect">
-            <a:avLst/>
-          </a:prstGeom>
-          <a:noFill/>
-          <a:extLst>
-            <a:ext uri="{909E8E84-426E-40DD-AFC4-6F175D3DCCD1}">
-              <a14:hiddenFill xmlns:a14="http://schemas.microsoft.com/office/drawing/2010/main">
-                <a:solidFill>
-                  <a:srgbClr val="FFFFFF"/>
-                </a:solidFill>
-              </a14:hiddenFill>
-            </a:ext>
-          </a:extLst>
-        </p:spPr>
-      </p:pic>
-      <p:pic>
-        <p:nvPicPr>
-          <p:cNvPr id="1032" name="Picture 8">
-            <a:extLst>
-              <a:ext uri="{FF2B5EF4-FFF2-40B4-BE49-F238E27FC236}">
-                <a16:creationId xmlns:a16="http://schemas.microsoft.com/office/drawing/2014/main" id="{BEAF9420-7EC0-0DC9-3B66-22A45F3C4B6B}"/>
-              </a:ext>
-            </a:extLst>
-          </p:cNvPr>
-          <p:cNvPicPr>
-            <a:picLocks noChangeAspect="1" noChangeArrowheads="1"/>
-          </p:cNvPicPr>
-          <p:nvPr/>
-        </p:nvPicPr>
-        <p:blipFill>
-          <a:blip r:embed="rId5">
-            <a:extLst>
-              <a:ext uri="{28A0092B-C50C-407E-A947-70E740481C1C}">
-                <a14:useLocalDpi xmlns:a14="http://schemas.microsoft.com/office/drawing/2010/main" val="0"/>
-              </a:ext>
-            </a:extLst>
-          </a:blip>
-          <a:srcRect/>
-          <a:stretch>
-            <a:fillRect/>
-          </a:stretch>
-        </p:blipFill>
-        <p:spPr bwMode="auto">
-          <a:xfrm>
-            <a:off x="9472879" y="348605"/>
-            <a:ext cx="2058640" cy="3085156"/>
-          </a:xfrm>
-          <a:prstGeom prst="rect">
-            <a:avLst/>
-          </a:prstGeom>
-          <a:noFill/>
-          <a:extLst>
-            <a:ext uri="{909E8E84-426E-40DD-AFC4-6F175D3DCCD1}">
-              <a14:hiddenFill xmlns:a14="http://schemas.microsoft.com/office/drawing/2010/main">
-                <a:solidFill>
-                  <a:srgbClr val="FFFFFF"/>
-                </a:solidFill>
-              </a14:hiddenFill>
-            </a:ext>
-          </a:extLst>
-        </p:spPr>
-      </p:pic>
-      <p:pic>
-        <p:nvPicPr>
-          <p:cNvPr id="1034" name="Picture 10">
-            <a:extLst>
-              <a:ext uri="{FF2B5EF4-FFF2-40B4-BE49-F238E27FC236}">
-                <a16:creationId xmlns:a16="http://schemas.microsoft.com/office/drawing/2014/main" id="{B6349382-C08D-FB12-28F5-0EEB161D7652}"/>
-              </a:ext>
-            </a:extLst>
-          </p:cNvPr>
-          <p:cNvPicPr>
-            <a:picLocks noChangeAspect="1" noChangeArrowheads="1"/>
-          </p:cNvPicPr>
-          <p:nvPr/>
-        </p:nvPicPr>
-        <p:blipFill>
-          <a:blip r:embed="rId6">
-            <a:extLst>
-              <a:ext uri="{28A0092B-C50C-407E-A947-70E740481C1C}">
-                <a14:useLocalDpi xmlns:a14="http://schemas.microsoft.com/office/drawing/2010/main" val="0"/>
-              </a:ext>
-            </a:extLst>
-          </a:blip>
-          <a:srcRect/>
-          <a:stretch>
-            <a:fillRect/>
-          </a:stretch>
-        </p:blipFill>
-        <p:spPr bwMode="auto">
-          <a:xfrm>
-            <a:off x="7781589" y="3607377"/>
-            <a:ext cx="2420285" cy="2993511"/>
-          </a:xfrm>
-          <a:prstGeom prst="rect">
-            <a:avLst/>
-          </a:prstGeom>
-          <a:noFill/>
-          <a:extLst>
-            <a:ext uri="{909E8E84-426E-40DD-AFC4-6F175D3DCCD1}">
-              <a14:hiddenFill xmlns:a14="http://schemas.microsoft.com/office/drawing/2010/main">
-                <a:solidFill>
-                  <a:srgbClr val="FFFFFF"/>
-                </a:solidFill>
-              </a14:hiddenFill>
-            </a:ext>
-          </a:extLst>
-        </p:spPr>
-      </p:pic>
-      <p:pic>
-        <p:nvPicPr>
-          <p:cNvPr id="1036" name="Picture 12">
-            <a:extLst>
-              <a:ext uri="{FF2B5EF4-FFF2-40B4-BE49-F238E27FC236}">
-                <a16:creationId xmlns:a16="http://schemas.microsoft.com/office/drawing/2014/main" id="{FFD4C5AA-B16F-2F9C-44BE-97F9A54338C0}"/>
-              </a:ext>
-            </a:extLst>
-          </p:cNvPr>
-          <p:cNvPicPr>
-            <a:picLocks noChangeAspect="1" noChangeArrowheads="1"/>
-          </p:cNvPicPr>
-          <p:nvPr/>
-        </p:nvPicPr>
-        <p:blipFill>
-          <a:blip r:embed="rId7">
-            <a:extLst>
-              <a:ext uri="{28A0092B-C50C-407E-A947-70E740481C1C}">
-                <a14:useLocalDpi xmlns:a14="http://schemas.microsoft.com/office/drawing/2010/main" val="0"/>
-              </a:ext>
-            </a:extLst>
-          </a:blip>
-          <a:srcRect/>
-          <a:stretch>
-            <a:fillRect/>
-          </a:stretch>
-        </p:blipFill>
-        <p:spPr bwMode="auto">
-          <a:xfrm>
-            <a:off x="4898649" y="3528158"/>
-            <a:ext cx="1944052" cy="3146612"/>
-          </a:xfrm>
-          <a:prstGeom prst="rect">
-            <a:avLst/>
-          </a:prstGeom>
-          <a:noFill/>
-          <a:extLst>
-            <a:ext uri="{909E8E84-426E-40DD-AFC4-6F175D3DCCD1}">
-              <a14:hiddenFill xmlns:a14="http://schemas.microsoft.com/office/drawing/2010/main">
-                <a:solidFill>
-                  <a:srgbClr val="FFFFFF"/>
-                </a:solidFill>
-              </a14:hiddenFill>
-            </a:ext>
-          </a:extLst>
-        </p:spPr>
-      </p:pic>
-      <p:pic>
-        <p:nvPicPr>
-          <p:cNvPr id="1038" name="Picture 14" descr="front cover">
-            <a:extLst>
-              <a:ext uri="{FF2B5EF4-FFF2-40B4-BE49-F238E27FC236}">
-                <a16:creationId xmlns:a16="http://schemas.microsoft.com/office/drawing/2014/main" id="{9A8537B1-AC44-E732-DE9E-58997F4CCC44}"/>
-              </a:ext>
-            </a:extLst>
-          </p:cNvPr>
-          <p:cNvPicPr>
-            <a:picLocks noChangeAspect="1" noChangeArrowheads="1"/>
-          </p:cNvPicPr>
-          <p:nvPr/>
-        </p:nvPicPr>
-        <p:blipFill>
-          <a:blip r:embed="rId8">
-            <a:extLst>
-              <a:ext uri="{28A0092B-C50C-407E-A947-70E740481C1C}">
-                <a14:useLocalDpi xmlns:a14="http://schemas.microsoft.com/office/drawing/2010/main" val="0"/>
-              </a:ext>
-            </a:extLst>
-          </a:blip>
-          <a:srcRect/>
-          <a:stretch>
-            <a:fillRect/>
-          </a:stretch>
-        </p:blipFill>
-        <p:spPr bwMode="auto">
-          <a:xfrm>
-            <a:off x="1153625" y="3517075"/>
-            <a:ext cx="2982969" cy="3340925"/>
-          </a:xfrm>
-          <a:prstGeom prst="rect">
-            <a:avLst/>
-          </a:prstGeom>
-          <a:noFill/>
-          <a:extLst>
-            <a:ext uri="{909E8E84-426E-40DD-AFC4-6F175D3DCCD1}">
-              <a14:hiddenFill xmlns:a14="http://schemas.microsoft.com/office/drawing/2010/main">
-                <a:solidFill>
-                  <a:srgbClr val="FFFFFF"/>
-                </a:solidFill>
-              </a14:hiddenFill>
-            </a:ext>
-          </a:extLst>
-        </p:spPr>
-      </p:pic>
     </p:spTree>
     <p:extLst>
       <p:ext uri="{BB962C8B-B14F-4D97-AF65-F5344CB8AC3E}">
-        <p14:creationId xmlns:p14="http://schemas.microsoft.com/office/powerpoint/2010/main" val="1443018924"/>
+        <p14:creationId xmlns:p14="http://schemas.microsoft.com/office/powerpoint/2010/main" val="3278326900"/>
       </p:ext>
     </p:extLst>
   </p:cSld>
@@ -6106,7 +5872,7 @@
           <p:cNvPr id="2" name="Title 1">
             <a:extLst>
               <a:ext uri="{FF2B5EF4-FFF2-40B4-BE49-F238E27FC236}">
-                <a16:creationId xmlns:a16="http://schemas.microsoft.com/office/drawing/2014/main" id="{1CC3642B-9742-5616-9937-0466314270FA}"/>
+                <a16:creationId xmlns:a16="http://schemas.microsoft.com/office/drawing/2014/main" id="{5F33BE79-287F-F1E0-E9A1-3DC661D30441}"/>
               </a:ext>
             </a:extLst>
           </p:cNvPr>
@@ -6117,248 +5883,140 @@
             <p:ph type="title"/>
           </p:nvPr>
         </p:nvSpPr>
-        <p:spPr>
-          <a:xfrm>
-            <a:off x="219966" y="-273488"/>
-            <a:ext cx="11752068" cy="1325563"/>
-          </a:xfrm>
-        </p:spPr>
-        <p:txBody>
-          <a:bodyPr>
-            <a:normAutofit/>
-          </a:bodyPr>
-          <a:lstStyle/>
-          <a:p>
-            <a:r>
-              <a:rPr kumimoji="1" lang="en-US" altLang="ja-JP" sz="3600" b="1" dirty="0">
-                <a:solidFill>
-                  <a:schemeClr val="accent5"/>
-                </a:solidFill>
-              </a:rPr>
-              <a:t>Hessian manifolds, Hessian geometry, Bregman geometry</a:t>
-            </a:r>
-            <a:endParaRPr kumimoji="1" lang="ja-JP" altLang="en-US" sz="3600" b="1" dirty="0">
-              <a:solidFill>
-                <a:schemeClr val="accent5"/>
-              </a:solidFill>
-            </a:endParaRPr>
+        <p:spPr/>
+        <p:txBody>
+          <a:bodyPr/>
+          <a:lstStyle/>
+          <a:p>
+            <a:endParaRPr kumimoji="1" lang="ja-JP" altLang="en-US"/>
+          </a:p>
+        </p:txBody>
+      </p:sp>
+      <p:sp>
+        <p:nvSpPr>
+          <p:cNvPr id="3" name="Content Placeholder 2">
+            <a:extLst>
+              <a:ext uri="{FF2B5EF4-FFF2-40B4-BE49-F238E27FC236}">
+                <a16:creationId xmlns:a16="http://schemas.microsoft.com/office/drawing/2014/main" id="{BD1C5F32-B835-D7AB-B64E-E9E01C1F1793}"/>
+              </a:ext>
+            </a:extLst>
+          </p:cNvPr>
+          <p:cNvSpPr>
+            <a:spLocks noGrp="1"/>
+          </p:cNvSpPr>
+          <p:nvPr>
+            <p:ph idx="1"/>
+          </p:nvPr>
+        </p:nvSpPr>
+        <p:spPr/>
+        <p:txBody>
+          <a:bodyPr/>
+          <a:lstStyle/>
+          <a:p>
+            <a:endParaRPr kumimoji="1" lang="ja-JP" altLang="en-US" dirty="0"/>
           </a:p>
         </p:txBody>
       </p:sp>
       <p:pic>
         <p:nvPicPr>
-          <p:cNvPr id="5" name="Content Placeholder 4" descr="A book cover with text&#10;&#10;Description automatically generated">
-            <a:extLst>
-              <a:ext uri="{FF2B5EF4-FFF2-40B4-BE49-F238E27FC236}">
-                <a16:creationId xmlns:a16="http://schemas.microsoft.com/office/drawing/2014/main" id="{D048D31E-7654-8254-FA04-F9748BFF69AF}"/>
+          <p:cNvPr id="1026" name="Picture 2">
+            <a:extLst>
+              <a:ext uri="{FF2B5EF4-FFF2-40B4-BE49-F238E27FC236}">
+                <a16:creationId xmlns:a16="http://schemas.microsoft.com/office/drawing/2014/main" id="{E8E1EF77-1537-3746-6970-0A24C98AEBF5}"/>
               </a:ext>
             </a:extLst>
           </p:cNvPr>
           <p:cNvPicPr>
-            <a:picLocks noGrp="1" noChangeAspect="1"/>
+            <a:picLocks noChangeAspect="1" noChangeArrowheads="1"/>
           </p:cNvPicPr>
-          <p:nvPr>
-            <p:ph idx="1"/>
-          </p:nvPr>
+          <p:nvPr/>
         </p:nvPicPr>
         <p:blipFill>
-          <a:blip r:embed="rId3">
+          <a:blip r:embed="rId2">
             <a:extLst>
               <a:ext uri="{28A0092B-C50C-407E-A947-70E740481C1C}">
                 <a14:useLocalDpi xmlns:a14="http://schemas.microsoft.com/office/drawing/2010/main" val="0"/>
               </a:ext>
             </a:extLst>
           </a:blip>
+          <a:srcRect/>
           <a:stretch>
             <a:fillRect/>
           </a:stretch>
         </p:blipFill>
-        <p:spPr>
-          <a:xfrm>
-            <a:off x="772098" y="2025615"/>
-            <a:ext cx="2577158" cy="3655544"/>
-          </a:xfrm>
-        </p:spPr>
-      </p:pic>
-      <p:sp>
-        <p:nvSpPr>
-          <p:cNvPr id="6" name="TextBox 5">
-            <a:extLst>
-              <a:ext uri="{FF2B5EF4-FFF2-40B4-BE49-F238E27FC236}">
-                <a16:creationId xmlns:a16="http://schemas.microsoft.com/office/drawing/2014/main" id="{95C7AD0D-A17F-006E-8AC8-E7411C575379}"/>
-              </a:ext>
-            </a:extLst>
-          </p:cNvPr>
-          <p:cNvSpPr txBox="1"/>
-          <p:nvPr/>
-        </p:nvSpPr>
-        <p:spPr>
-          <a:xfrm>
-            <a:off x="219966" y="772497"/>
-            <a:ext cx="12067727" cy="1477328"/>
+        <p:spPr bwMode="auto">
+          <a:xfrm>
+            <a:off x="355002" y="214940"/>
+            <a:ext cx="2290108" cy="3313218"/>
           </a:xfrm>
           <a:prstGeom prst="rect">
             <a:avLst/>
           </a:prstGeom>
           <a:noFill/>
-        </p:spPr>
-        <p:txBody>
-          <a:bodyPr wrap="none" rtlCol="0">
-            <a:spAutoFit/>
-          </a:bodyPr>
-          <a:lstStyle/>
-          <a:p>
-            <a:r>
-              <a:rPr kumimoji="1" lang="en-US" altLang="ja-JP" b="1" dirty="0">
-                <a:solidFill>
-                  <a:srgbClr val="FF0000"/>
-                </a:solidFill>
-              </a:rPr>
-              <a:t>Hessian structure </a:t>
-            </a:r>
-            <a:r>
-              <a:rPr kumimoji="1" lang="en-US" altLang="ja-JP" dirty="0"/>
-              <a:t>on a manifold:  </a:t>
-            </a:r>
-            <a:r>
-              <a:rPr kumimoji="1" lang="en-US" altLang="ja-JP" b="1" dirty="0">
-                <a:latin typeface="+mj-lt"/>
-              </a:rPr>
-              <a:t>(g,</a:t>
-            </a:r>
-            <a:r>
-              <a:rPr lang="ja-JP" altLang="en-US" b="1" i="0" dirty="0">
-                <a:effectLst/>
-                <a:latin typeface="+mj-lt"/>
-              </a:rPr>
-              <a:t> ∇</a:t>
-            </a:r>
-            <a:r>
-              <a:rPr kumimoji="1" lang="en-US" altLang="ja-JP" b="1" dirty="0">
-                <a:latin typeface="+mj-lt"/>
-              </a:rPr>
-              <a:t>) </a:t>
-            </a:r>
-            <a:r>
-              <a:rPr kumimoji="1" lang="en-US" altLang="ja-JP" dirty="0"/>
-              <a:t>where g is a Hessian metric tensor and a torsion-free flat connection</a:t>
-            </a:r>
-            <a:r>
-              <a:rPr lang="ja-JP" altLang="en-US" b="1" i="0" dirty="0">
-                <a:effectLst/>
-                <a:latin typeface="+mj-lt"/>
-              </a:rPr>
-              <a:t> ∇</a:t>
-            </a:r>
-            <a:endParaRPr kumimoji="1" lang="en-US" altLang="ja-JP" dirty="0"/>
-          </a:p>
-          <a:p>
-            <a:r>
-              <a:rPr lang="en-US" altLang="ja-JP" dirty="0"/>
-              <a:t>To every chart there is a </a:t>
-            </a:r>
-            <a:r>
-              <a:rPr lang="en-US" altLang="ja-JP" b="1" dirty="0">
-                <a:solidFill>
-                  <a:srgbClr val="FF0000"/>
-                </a:solidFill>
-              </a:rPr>
-              <a:t>potential function </a:t>
-            </a:r>
-            <a:r>
-              <a:rPr lang="en-US" altLang="ja-JP" dirty="0"/>
-              <a:t>defining the Hessian metric in local coordinates of the chart</a:t>
-            </a:r>
-          </a:p>
-          <a:p>
-            <a:r>
-              <a:rPr kumimoji="1" lang="en-US" altLang="ja-JP" dirty="0"/>
-              <a:t>Hessian </a:t>
-            </a:r>
-            <a:r>
-              <a:rPr lang="en-US" altLang="ja-JP" dirty="0"/>
-              <a:t>manifolds are special </a:t>
-            </a:r>
-            <a:r>
-              <a:rPr lang="en-US" altLang="ja-JP" b="1" dirty="0">
-                <a:solidFill>
-                  <a:srgbClr val="FF0000"/>
-                </a:solidFill>
-              </a:rPr>
-              <a:t>affine manifolds </a:t>
-            </a:r>
-            <a:r>
-              <a:rPr lang="en-US" altLang="ja-JP" dirty="0"/>
-              <a:t>(M,</a:t>
-            </a:r>
-            <a:r>
-              <a:rPr lang="ja-JP" altLang="en-US" b="1" i="0" dirty="0">
-                <a:effectLst/>
-                <a:latin typeface="+mj-lt"/>
-              </a:rPr>
-              <a:t> ∇</a:t>
-            </a:r>
-            <a:r>
-              <a:rPr kumimoji="1" lang="en-US" altLang="ja-JP" b="1" dirty="0">
-                <a:latin typeface="+mj-lt"/>
-              </a:rPr>
-              <a:t>) </a:t>
-            </a:r>
-            <a:r>
-              <a:rPr kumimoji="1" lang="en-US" altLang="ja-JP" dirty="0">
-                <a:latin typeface="+mj-lt"/>
-              </a:rPr>
-              <a:t>where </a:t>
-            </a:r>
-            <a:r>
-              <a:rPr lang="ja-JP" altLang="en-US" i="0" dirty="0">
-                <a:effectLst/>
-                <a:latin typeface="+mj-lt"/>
-              </a:rPr>
-              <a:t>∇ </a:t>
-            </a:r>
-            <a:r>
-              <a:rPr lang="en-US" altLang="ja-JP" i="0" dirty="0">
-                <a:effectLst/>
-                <a:latin typeface="+mj-lt"/>
-              </a:rPr>
-              <a:t>is </a:t>
-            </a:r>
-            <a:r>
-              <a:rPr kumimoji="1" lang="en-US" altLang="ja-JP" dirty="0"/>
-              <a:t>a torsion-free flat connection</a:t>
-            </a:r>
-          </a:p>
-          <a:p>
-            <a:r>
-              <a:rPr lang="en-US" altLang="ja-JP" dirty="0"/>
-              <a:t>A Bregman divergence induces a Hessian manifold with a global chart, a </a:t>
-            </a:r>
-            <a:r>
-              <a:rPr lang="en-US" altLang="ja-JP" b="1" dirty="0">
-                <a:solidFill>
-                  <a:srgbClr val="FF0000"/>
-                </a:solidFill>
-              </a:rPr>
-              <a:t>Bregman manifold</a:t>
-            </a:r>
-            <a:endParaRPr kumimoji="1" lang="en-US" altLang="ja-JP" b="1" dirty="0">
-              <a:solidFill>
-                <a:srgbClr val="FF0000"/>
-              </a:solidFill>
-            </a:endParaRPr>
-          </a:p>
-          <a:p>
-            <a:endParaRPr kumimoji="1" lang="ja-JP" altLang="en-US" dirty="0"/>
-          </a:p>
-        </p:txBody>
-      </p:sp>
+          <a:extLst>
+            <a:ext uri="{909E8E84-426E-40DD-AFC4-6F175D3DCCD1}">
+              <a14:hiddenFill xmlns:a14="http://schemas.microsoft.com/office/drawing/2010/main">
+                <a:solidFill>
+                  <a:srgbClr val="FFFFFF"/>
+                </a:solidFill>
+              </a14:hiddenFill>
+            </a:ext>
+          </a:extLst>
+        </p:spPr>
+      </p:pic>
       <p:pic>
         <p:nvPicPr>
-          <p:cNvPr id="1026" name="Picture 2" descr="The Geometry of Hessian Structures: Shima, Hirohiko: 9789812700315:  Amazon.com: Books">
-            <a:extLst>
-              <a:ext uri="{FF2B5EF4-FFF2-40B4-BE49-F238E27FC236}">
-                <a16:creationId xmlns:a16="http://schemas.microsoft.com/office/drawing/2014/main" id="{4270141D-62DE-8996-E8BA-9560EC07568B}"/>
+          <p:cNvPr id="1028" name="Picture 4">
+            <a:extLst>
+              <a:ext uri="{FF2B5EF4-FFF2-40B4-BE49-F238E27FC236}">
+                <a16:creationId xmlns:a16="http://schemas.microsoft.com/office/drawing/2014/main" id="{869FD3FC-AA72-3E95-6D32-9BA0C95C81A4}"/>
+              </a:ext>
+            </a:extLst>
+          </p:cNvPr>
+          <p:cNvPicPr>
+            <a:picLocks noChangeAspect="1" noChangeArrowheads="1"/>
+          </p:cNvPicPr>
+          <p:nvPr/>
+        </p:nvPicPr>
+        <p:blipFill>
+          <a:blip r:embed="rId3">
+            <a:extLst>
+              <a:ext uri="{28A0092B-C50C-407E-A947-70E740481C1C}">
+                <a14:useLocalDpi xmlns:a14="http://schemas.microsoft.com/office/drawing/2010/main" val="0"/>
+              </a:ext>
+            </a:extLst>
+          </a:blip>
+          <a:srcRect/>
+          <a:stretch>
+            <a:fillRect/>
+          </a:stretch>
+        </p:blipFill>
+        <p:spPr bwMode="auto">
+          <a:xfrm>
+            <a:off x="3491299" y="268154"/>
+            <a:ext cx="2067449" cy="3146612"/>
+          </a:xfrm>
+          <a:prstGeom prst="rect">
+            <a:avLst/>
+          </a:prstGeom>
+          <a:noFill/>
+          <a:extLst>
+            <a:ext uri="{909E8E84-426E-40DD-AFC4-6F175D3DCCD1}">
+              <a14:hiddenFill xmlns:a14="http://schemas.microsoft.com/office/drawing/2010/main">
+                <a:solidFill>
+                  <a:srgbClr val="FFFFFF"/>
+                </a:solidFill>
+              </a14:hiddenFill>
+            </a:ext>
+          </a:extLst>
+        </p:spPr>
+      </p:pic>
+      <p:pic>
+        <p:nvPicPr>
+          <p:cNvPr id="1030" name="Picture 6" descr="Cover book the Shallow and the Deep">
+            <a:extLst>
+              <a:ext uri="{FF2B5EF4-FFF2-40B4-BE49-F238E27FC236}">
+                <a16:creationId xmlns:a16="http://schemas.microsoft.com/office/drawing/2014/main" id="{4C31EA6B-35D8-7386-2F1F-4CC879758525}"/>
               </a:ext>
             </a:extLst>
           </p:cNvPr>
@@ -6382,8 +6040,8 @@
         </p:blipFill>
         <p:spPr bwMode="auto">
           <a:xfrm>
-            <a:off x="4869651" y="1990611"/>
-            <a:ext cx="2504871" cy="3716018"/>
+            <a:off x="6404571" y="214940"/>
+            <a:ext cx="2180322" cy="3085156"/>
           </a:xfrm>
           <a:prstGeom prst="rect">
             <a:avLst/>
@@ -6400,131 +6058,12 @@
           </a:extLst>
         </p:spPr>
       </p:pic>
-      <p:sp>
-        <p:nvSpPr>
-          <p:cNvPr id="8" name="TextBox 7">
-            <a:extLst>
-              <a:ext uri="{FF2B5EF4-FFF2-40B4-BE49-F238E27FC236}">
-                <a16:creationId xmlns:a16="http://schemas.microsoft.com/office/drawing/2014/main" id="{9896DFD9-206F-9197-815E-92946154232B}"/>
-              </a:ext>
-            </a:extLst>
-          </p:cNvPr>
-          <p:cNvSpPr txBox="1"/>
-          <p:nvPr/>
-        </p:nvSpPr>
-        <p:spPr>
-          <a:xfrm>
-            <a:off x="0" y="5716171"/>
-            <a:ext cx="6182832" cy="369332"/>
-          </a:xfrm>
-          <a:prstGeom prst="rect">
-            <a:avLst/>
-          </a:prstGeom>
-          <a:noFill/>
-        </p:spPr>
-        <p:txBody>
-          <a:bodyPr wrap="square">
-            <a:spAutoFit/>
-          </a:bodyPr>
-          <a:lstStyle/>
-          <a:p>
-            <a:r>
-              <a:rPr lang="ja-JP" altLang="en-US" dirty="0"/>
-              <a:t>志摩裕彦, へッセ幾何学， 裳華房， 2001</a:t>
-            </a:r>
-          </a:p>
-        </p:txBody>
-      </p:sp>
-      <p:sp>
-        <p:nvSpPr>
-          <p:cNvPr id="10" name="TextBox 9">
-            <a:extLst>
-              <a:ext uri="{FF2B5EF4-FFF2-40B4-BE49-F238E27FC236}">
-                <a16:creationId xmlns:a16="http://schemas.microsoft.com/office/drawing/2014/main" id="{A35B527E-ECB8-8DAB-CB88-FAE7BC8F0082}"/>
-              </a:ext>
-            </a:extLst>
-          </p:cNvPr>
-          <p:cNvSpPr txBox="1"/>
-          <p:nvPr/>
-        </p:nvSpPr>
-        <p:spPr>
-          <a:xfrm>
-            <a:off x="4656286" y="5751243"/>
-            <a:ext cx="7860119" cy="369332"/>
-          </a:xfrm>
-          <a:prstGeom prst="rect">
-            <a:avLst/>
-          </a:prstGeom>
-          <a:noFill/>
-        </p:spPr>
-        <p:txBody>
-          <a:bodyPr wrap="square">
-            <a:spAutoFit/>
-          </a:bodyPr>
-          <a:lstStyle/>
-          <a:p>
-            <a:r>
-              <a:rPr lang="en-US" altLang="ja-JP" b="0" i="0" dirty="0">
-                <a:solidFill>
-                  <a:srgbClr val="222222"/>
-                </a:solidFill>
-                <a:effectLst/>
-                <a:latin typeface="+mj-lt"/>
-              </a:rPr>
-              <a:t>Shima, </a:t>
-            </a:r>
-            <a:r>
-              <a:rPr lang="en-US" altLang="ja-JP" b="0" i="0" dirty="0" err="1">
-                <a:solidFill>
-                  <a:srgbClr val="222222"/>
-                </a:solidFill>
-                <a:effectLst/>
-                <a:latin typeface="+mj-lt"/>
-              </a:rPr>
-              <a:t>Hirohiko</a:t>
-            </a:r>
-            <a:r>
-              <a:rPr lang="en-US" altLang="ja-JP" b="0" i="0" dirty="0">
-                <a:solidFill>
-                  <a:srgbClr val="222222"/>
-                </a:solidFill>
-                <a:effectLst/>
-                <a:latin typeface="+mj-lt"/>
-              </a:rPr>
-              <a:t>. </a:t>
-            </a:r>
-            <a:r>
-              <a:rPr lang="en-US" altLang="ja-JP" b="0" i="1" dirty="0">
-                <a:solidFill>
-                  <a:srgbClr val="222222"/>
-                </a:solidFill>
-                <a:effectLst/>
-                <a:latin typeface="+mj-lt"/>
-              </a:rPr>
-              <a:t>The geometry of Hessian structures</a:t>
-            </a:r>
-            <a:r>
-              <a:rPr lang="en-US" altLang="ja-JP" b="0" i="0" dirty="0">
-                <a:solidFill>
-                  <a:srgbClr val="222222"/>
-                </a:solidFill>
-                <a:effectLst/>
-                <a:latin typeface="+mj-lt"/>
-              </a:rPr>
-              <a:t>. World Scientific, 2007.</a:t>
-            </a:r>
-            <a:endParaRPr lang="ja-JP" altLang="en-US" dirty="0">
-              <a:latin typeface="+mj-lt"/>
-            </a:endParaRPr>
-          </a:p>
-        </p:txBody>
-      </p:sp>
       <p:pic>
         <p:nvPicPr>
-          <p:cNvPr id="1028" name="Picture 4" descr="Jean-Louis Koszul and Hirihiko Shima at GSI'13 “Geometric Science of... |  Download Scientific Diagram">
-            <a:extLst>
-              <a:ext uri="{FF2B5EF4-FFF2-40B4-BE49-F238E27FC236}">
-                <a16:creationId xmlns:a16="http://schemas.microsoft.com/office/drawing/2014/main" id="{531CC6B4-2CF9-4BBC-DF59-40E0E72095B9}"/>
+          <p:cNvPr id="1032" name="Picture 8">
+            <a:extLst>
+              <a:ext uri="{FF2B5EF4-FFF2-40B4-BE49-F238E27FC236}">
+                <a16:creationId xmlns:a16="http://schemas.microsoft.com/office/drawing/2014/main" id="{BEAF9420-7EC0-0DC9-3B66-22A45F3C4B6B}"/>
               </a:ext>
             </a:extLst>
           </p:cNvPr>
@@ -6548,8 +6087,8 @@
         </p:blipFill>
         <p:spPr bwMode="auto">
           <a:xfrm>
-            <a:off x="8153050" y="2025614"/>
-            <a:ext cx="3704165" cy="2780302"/>
+            <a:off x="9472879" y="348605"/>
+            <a:ext cx="2058640" cy="3085156"/>
           </a:xfrm>
           <a:prstGeom prst="rect">
             <a:avLst/>
@@ -6566,154 +6105,151 @@
           </a:extLst>
         </p:spPr>
       </p:pic>
-      <p:sp>
-        <p:nvSpPr>
-          <p:cNvPr id="11" name="TextBox 10">
-            <a:extLst>
-              <a:ext uri="{FF2B5EF4-FFF2-40B4-BE49-F238E27FC236}">
-                <a16:creationId xmlns:a16="http://schemas.microsoft.com/office/drawing/2014/main" id="{C1FE3A9D-DC74-5C90-F7BB-77EFD2367579}"/>
-              </a:ext>
-            </a:extLst>
-          </p:cNvPr>
-          <p:cNvSpPr txBox="1"/>
+      <p:pic>
+        <p:nvPicPr>
+          <p:cNvPr id="1034" name="Picture 10">
+            <a:extLst>
+              <a:ext uri="{FF2B5EF4-FFF2-40B4-BE49-F238E27FC236}">
+                <a16:creationId xmlns:a16="http://schemas.microsoft.com/office/drawing/2014/main" id="{B6349382-C08D-FB12-28F5-0EEB161D7652}"/>
+              </a:ext>
+            </a:extLst>
+          </p:cNvPr>
+          <p:cNvPicPr>
+            <a:picLocks noChangeAspect="1" noChangeArrowheads="1"/>
+          </p:cNvPicPr>
           <p:nvPr/>
-        </p:nvSpPr>
-        <p:spPr>
-          <a:xfrm>
-            <a:off x="8303384" y="4893919"/>
-            <a:ext cx="3403496" cy="861774"/>
+        </p:nvPicPr>
+        <p:blipFill>
+          <a:blip r:embed="rId6">
+            <a:extLst>
+              <a:ext uri="{28A0092B-C50C-407E-A947-70E740481C1C}">
+                <a14:useLocalDpi xmlns:a14="http://schemas.microsoft.com/office/drawing/2010/main" val="0"/>
+              </a:ext>
+            </a:extLst>
+          </a:blip>
+          <a:srcRect/>
+          <a:stretch>
+            <a:fillRect/>
+          </a:stretch>
+        </p:blipFill>
+        <p:spPr bwMode="auto">
+          <a:xfrm>
+            <a:off x="7781589" y="3607377"/>
+            <a:ext cx="2420285" cy="2993511"/>
           </a:xfrm>
           <a:prstGeom prst="rect">
             <a:avLst/>
           </a:prstGeom>
           <a:noFill/>
-        </p:spPr>
-        <p:txBody>
-          <a:bodyPr wrap="none" rtlCol="0">
-            <a:spAutoFit/>
-          </a:bodyPr>
-          <a:lstStyle/>
-          <a:p>
-            <a:pPr algn="ctr"/>
-            <a:r>
-              <a:rPr kumimoji="1" lang="en-US" altLang="ja-JP" sz="1600" dirty="0"/>
-              <a:t>Professor Jean-Louis </a:t>
-            </a:r>
-            <a:r>
-              <a:rPr kumimoji="1" lang="en-US" altLang="ja-JP" sz="1600" dirty="0" err="1"/>
-              <a:t>Koszul</a:t>
-            </a:r>
-            <a:r>
-              <a:rPr kumimoji="1" lang="en-US" altLang="ja-JP" sz="1600" dirty="0"/>
-              <a:t> (left)</a:t>
-            </a:r>
-          </a:p>
-          <a:p>
-            <a:pPr algn="ctr"/>
-            <a:r>
-              <a:rPr lang="en-US" altLang="ja-JP" sz="1600" dirty="0"/>
-              <a:t>Professor </a:t>
-            </a:r>
-            <a:r>
-              <a:rPr lang="en-US" altLang="ja-JP" sz="1600" dirty="0" err="1"/>
-              <a:t>Hirohiko</a:t>
-            </a:r>
-            <a:r>
-              <a:rPr lang="en-US" altLang="ja-JP" sz="1600" dirty="0"/>
-              <a:t> Shima (right)</a:t>
-            </a:r>
-          </a:p>
-          <a:p>
-            <a:pPr algn="ctr"/>
-            <a:r>
-              <a:rPr lang="en-US" altLang="ja-JP" sz="1600" dirty="0"/>
-              <a:t>at GSI 2013 </a:t>
-            </a:r>
-            <a:endParaRPr kumimoji="1" lang="ja-JP" altLang="en-US" sz="1600" dirty="0"/>
-          </a:p>
-        </p:txBody>
-      </p:sp>
-      <p:sp>
-        <p:nvSpPr>
-          <p:cNvPr id="13" name="TextBox 12">
-            <a:extLst>
-              <a:ext uri="{FF2B5EF4-FFF2-40B4-BE49-F238E27FC236}">
-                <a16:creationId xmlns:a16="http://schemas.microsoft.com/office/drawing/2014/main" id="{52BB09E9-86D5-9D8E-E99E-A9452DF7D641}"/>
-              </a:ext>
-            </a:extLst>
-          </p:cNvPr>
-          <p:cNvSpPr txBox="1"/>
+          <a:extLst>
+            <a:ext uri="{909E8E84-426E-40DD-AFC4-6F175D3DCCD1}">
+              <a14:hiddenFill xmlns:a14="http://schemas.microsoft.com/office/drawing/2010/main">
+                <a:solidFill>
+                  <a:srgbClr val="FFFFFF"/>
+                </a:solidFill>
+              </a14:hiddenFill>
+            </a:ext>
+          </a:extLst>
+        </p:spPr>
+      </p:pic>
+      <p:pic>
+        <p:nvPicPr>
+          <p:cNvPr id="1036" name="Picture 12">
+            <a:extLst>
+              <a:ext uri="{FF2B5EF4-FFF2-40B4-BE49-F238E27FC236}">
+                <a16:creationId xmlns:a16="http://schemas.microsoft.com/office/drawing/2014/main" id="{FFD4C5AA-B16F-2F9C-44BE-97F9A54338C0}"/>
+              </a:ext>
+            </a:extLst>
+          </p:cNvPr>
+          <p:cNvPicPr>
+            <a:picLocks noChangeAspect="1" noChangeArrowheads="1"/>
+          </p:cNvPicPr>
           <p:nvPr/>
-        </p:nvSpPr>
-        <p:spPr>
-          <a:xfrm>
-            <a:off x="46241" y="6165189"/>
-            <a:ext cx="12209494" cy="646331"/>
+        </p:nvPicPr>
+        <p:blipFill>
+          <a:blip r:embed="rId7">
+            <a:extLst>
+              <a:ext uri="{28A0092B-C50C-407E-A947-70E740481C1C}">
+                <a14:useLocalDpi xmlns:a14="http://schemas.microsoft.com/office/drawing/2010/main" val="0"/>
+              </a:ext>
+            </a:extLst>
+          </a:blip>
+          <a:srcRect/>
+          <a:stretch>
+            <a:fillRect/>
+          </a:stretch>
+        </p:blipFill>
+        <p:spPr bwMode="auto">
+          <a:xfrm>
+            <a:off x="4898649" y="3528158"/>
+            <a:ext cx="1944052" cy="3146612"/>
           </a:xfrm>
           <a:prstGeom prst="rect">
             <a:avLst/>
           </a:prstGeom>
           <a:noFill/>
-        </p:spPr>
-        <p:txBody>
-          <a:bodyPr wrap="square">
-            <a:spAutoFit/>
-          </a:bodyPr>
-          <a:lstStyle/>
-          <a:p>
-            <a:r>
-              <a:rPr lang="en-US" altLang="ja-JP" b="0" i="0" dirty="0">
-                <a:solidFill>
-                  <a:srgbClr val="222222"/>
-                </a:solidFill>
-                <a:effectLst/>
-                <a:latin typeface="Arial" panose="020B0604020202020204" pitchFamily="34" charset="0"/>
-              </a:rPr>
-              <a:t> Tutorial on Bregman manifolds: </a:t>
-            </a:r>
-            <a:r>
-              <a:rPr lang="en-US" altLang="ja-JP" b="1" i="0" dirty="0">
-                <a:solidFill>
-                  <a:schemeClr val="accent6"/>
-                </a:solidFill>
-                <a:effectLst/>
-                <a:latin typeface="+mj-lt"/>
-              </a:rPr>
-              <a:t>"On geodesic triangles with right angles in a dually flat space." </a:t>
-            </a:r>
-            <a:r>
-              <a:rPr lang="en-US" altLang="ja-JP" b="1" i="1" dirty="0">
-                <a:solidFill>
-                  <a:schemeClr val="accent6"/>
-                </a:solidFill>
-                <a:effectLst/>
-                <a:latin typeface="+mj-lt"/>
-              </a:rPr>
-              <a:t>Progress in Information Geometry: Theory and Applications</a:t>
-            </a:r>
-            <a:r>
-              <a:rPr lang="en-US" altLang="ja-JP" b="1" i="0" dirty="0">
-                <a:solidFill>
-                  <a:schemeClr val="accent6"/>
-                </a:solidFill>
-                <a:effectLst/>
-                <a:latin typeface="+mj-lt"/>
-              </a:rPr>
-              <a:t>. Cham: Springer International Publishing, 2021. 153-190.</a:t>
-            </a:r>
-            <a:endParaRPr lang="ja-JP" altLang="en-US" b="1" dirty="0">
-              <a:solidFill>
-                <a:schemeClr val="accent6"/>
-              </a:solidFill>
-              <a:latin typeface="+mj-lt"/>
-            </a:endParaRPr>
-          </a:p>
-        </p:txBody>
-      </p:sp>
+          <a:extLst>
+            <a:ext uri="{909E8E84-426E-40DD-AFC4-6F175D3DCCD1}">
+              <a14:hiddenFill xmlns:a14="http://schemas.microsoft.com/office/drawing/2010/main">
+                <a:solidFill>
+                  <a:srgbClr val="FFFFFF"/>
+                </a:solidFill>
+              </a14:hiddenFill>
+            </a:ext>
+          </a:extLst>
+        </p:spPr>
+      </p:pic>
+      <p:pic>
+        <p:nvPicPr>
+          <p:cNvPr id="1038" name="Picture 14" descr="front cover">
+            <a:extLst>
+              <a:ext uri="{FF2B5EF4-FFF2-40B4-BE49-F238E27FC236}">
+                <a16:creationId xmlns:a16="http://schemas.microsoft.com/office/drawing/2014/main" id="{9A8537B1-AC44-E732-DE9E-58997F4CCC44}"/>
+              </a:ext>
+            </a:extLst>
+          </p:cNvPr>
+          <p:cNvPicPr>
+            <a:picLocks noChangeAspect="1" noChangeArrowheads="1"/>
+          </p:cNvPicPr>
+          <p:nvPr/>
+        </p:nvPicPr>
+        <p:blipFill>
+          <a:blip r:embed="rId8">
+            <a:extLst>
+              <a:ext uri="{28A0092B-C50C-407E-A947-70E740481C1C}">
+                <a14:useLocalDpi xmlns:a14="http://schemas.microsoft.com/office/drawing/2010/main" val="0"/>
+              </a:ext>
+            </a:extLst>
+          </a:blip>
+          <a:srcRect/>
+          <a:stretch>
+            <a:fillRect/>
+          </a:stretch>
+        </p:blipFill>
+        <p:spPr bwMode="auto">
+          <a:xfrm>
+            <a:off x="1153625" y="3517075"/>
+            <a:ext cx="2982969" cy="3340925"/>
+          </a:xfrm>
+          <a:prstGeom prst="rect">
+            <a:avLst/>
+          </a:prstGeom>
+          <a:noFill/>
+          <a:extLst>
+            <a:ext uri="{909E8E84-426E-40DD-AFC4-6F175D3DCCD1}">
+              <a14:hiddenFill xmlns:a14="http://schemas.microsoft.com/office/drawing/2010/main">
+                <a:solidFill>
+                  <a:srgbClr val="FFFFFF"/>
+                </a:solidFill>
+              </a14:hiddenFill>
+            </a:ext>
+          </a:extLst>
+        </p:spPr>
+      </p:pic>
     </p:spTree>
     <p:extLst>
       <p:ext uri="{BB962C8B-B14F-4D97-AF65-F5344CB8AC3E}">
-        <p14:creationId xmlns:p14="http://schemas.microsoft.com/office/powerpoint/2010/main" val="3165096420"/>
+        <p14:creationId xmlns:p14="http://schemas.microsoft.com/office/powerpoint/2010/main" val="1443018924"/>
       </p:ext>
     </p:extLst>
   </p:cSld>
@@ -6745,6 +6281,645 @@
           <p:cNvPr id="2" name="Title 1">
             <a:extLst>
               <a:ext uri="{FF2B5EF4-FFF2-40B4-BE49-F238E27FC236}">
+                <a16:creationId xmlns:a16="http://schemas.microsoft.com/office/drawing/2014/main" id="{1CC3642B-9742-5616-9937-0466314270FA}"/>
+              </a:ext>
+            </a:extLst>
+          </p:cNvPr>
+          <p:cNvSpPr>
+            <a:spLocks noGrp="1"/>
+          </p:cNvSpPr>
+          <p:nvPr>
+            <p:ph type="title"/>
+          </p:nvPr>
+        </p:nvSpPr>
+        <p:spPr>
+          <a:xfrm>
+            <a:off x="219966" y="-273488"/>
+            <a:ext cx="11752068" cy="1325563"/>
+          </a:xfrm>
+        </p:spPr>
+        <p:txBody>
+          <a:bodyPr>
+            <a:normAutofit/>
+          </a:bodyPr>
+          <a:lstStyle/>
+          <a:p>
+            <a:r>
+              <a:rPr kumimoji="1" lang="en-US" altLang="ja-JP" sz="3600" b="1" dirty="0">
+                <a:solidFill>
+                  <a:schemeClr val="accent5"/>
+                </a:solidFill>
+              </a:rPr>
+              <a:t>Hessian manifolds, Hessian geometry, Bregman geometry</a:t>
+            </a:r>
+            <a:endParaRPr kumimoji="1" lang="ja-JP" altLang="en-US" sz="3600" b="1" dirty="0">
+              <a:solidFill>
+                <a:schemeClr val="accent5"/>
+              </a:solidFill>
+            </a:endParaRPr>
+          </a:p>
+        </p:txBody>
+      </p:sp>
+      <p:pic>
+        <p:nvPicPr>
+          <p:cNvPr id="5" name="Content Placeholder 4" descr="A book cover with text&#10;&#10;Description automatically generated">
+            <a:extLst>
+              <a:ext uri="{FF2B5EF4-FFF2-40B4-BE49-F238E27FC236}">
+                <a16:creationId xmlns:a16="http://schemas.microsoft.com/office/drawing/2014/main" id="{D048D31E-7654-8254-FA04-F9748BFF69AF}"/>
+              </a:ext>
+            </a:extLst>
+          </p:cNvPr>
+          <p:cNvPicPr>
+            <a:picLocks noGrp="1" noChangeAspect="1"/>
+          </p:cNvPicPr>
+          <p:nvPr>
+            <p:ph idx="1"/>
+          </p:nvPr>
+        </p:nvPicPr>
+        <p:blipFill>
+          <a:blip r:embed="rId3">
+            <a:extLst>
+              <a:ext uri="{28A0092B-C50C-407E-A947-70E740481C1C}">
+                <a14:useLocalDpi xmlns:a14="http://schemas.microsoft.com/office/drawing/2010/main" val="0"/>
+              </a:ext>
+            </a:extLst>
+          </a:blip>
+          <a:stretch>
+            <a:fillRect/>
+          </a:stretch>
+        </p:blipFill>
+        <p:spPr>
+          <a:xfrm>
+            <a:off x="772098" y="2025615"/>
+            <a:ext cx="2577158" cy="3655544"/>
+          </a:xfrm>
+        </p:spPr>
+      </p:pic>
+      <p:sp>
+        <p:nvSpPr>
+          <p:cNvPr id="6" name="TextBox 5">
+            <a:extLst>
+              <a:ext uri="{FF2B5EF4-FFF2-40B4-BE49-F238E27FC236}">
+                <a16:creationId xmlns:a16="http://schemas.microsoft.com/office/drawing/2014/main" id="{95C7AD0D-A17F-006E-8AC8-E7411C575379}"/>
+              </a:ext>
+            </a:extLst>
+          </p:cNvPr>
+          <p:cNvSpPr txBox="1"/>
+          <p:nvPr/>
+        </p:nvSpPr>
+        <p:spPr>
+          <a:xfrm>
+            <a:off x="219966" y="772497"/>
+            <a:ext cx="12067727" cy="1477328"/>
+          </a:xfrm>
+          <a:prstGeom prst="rect">
+            <a:avLst/>
+          </a:prstGeom>
+          <a:noFill/>
+        </p:spPr>
+        <p:txBody>
+          <a:bodyPr wrap="none" rtlCol="0">
+            <a:spAutoFit/>
+          </a:bodyPr>
+          <a:lstStyle/>
+          <a:p>
+            <a:r>
+              <a:rPr kumimoji="1" lang="en-US" altLang="ja-JP" b="1" dirty="0">
+                <a:solidFill>
+                  <a:srgbClr val="FF0000"/>
+                </a:solidFill>
+              </a:rPr>
+              <a:t>Hessian structure </a:t>
+            </a:r>
+            <a:r>
+              <a:rPr kumimoji="1" lang="en-US" altLang="ja-JP" dirty="0"/>
+              <a:t>on a manifold:  </a:t>
+            </a:r>
+            <a:r>
+              <a:rPr kumimoji="1" lang="en-US" altLang="ja-JP" b="1" dirty="0">
+                <a:latin typeface="+mj-lt"/>
+              </a:rPr>
+              <a:t>(g,</a:t>
+            </a:r>
+            <a:r>
+              <a:rPr lang="ja-JP" altLang="en-US" b="1" i="0" dirty="0">
+                <a:effectLst/>
+                <a:latin typeface="+mj-lt"/>
+              </a:rPr>
+              <a:t> ∇</a:t>
+            </a:r>
+            <a:r>
+              <a:rPr kumimoji="1" lang="en-US" altLang="ja-JP" b="1" dirty="0">
+                <a:latin typeface="+mj-lt"/>
+              </a:rPr>
+              <a:t>) </a:t>
+            </a:r>
+            <a:r>
+              <a:rPr kumimoji="1" lang="en-US" altLang="ja-JP" dirty="0"/>
+              <a:t>where g is a Hessian metric tensor and a torsion-free flat connection</a:t>
+            </a:r>
+            <a:r>
+              <a:rPr lang="ja-JP" altLang="en-US" b="1" i="0" dirty="0">
+                <a:effectLst/>
+                <a:latin typeface="+mj-lt"/>
+              </a:rPr>
+              <a:t> ∇</a:t>
+            </a:r>
+            <a:endParaRPr kumimoji="1" lang="en-US" altLang="ja-JP" dirty="0"/>
+          </a:p>
+          <a:p>
+            <a:r>
+              <a:rPr lang="en-US" altLang="ja-JP" dirty="0"/>
+              <a:t>To every chart there is a </a:t>
+            </a:r>
+            <a:r>
+              <a:rPr lang="en-US" altLang="ja-JP" b="1" dirty="0">
+                <a:solidFill>
+                  <a:srgbClr val="FF0000"/>
+                </a:solidFill>
+              </a:rPr>
+              <a:t>potential function </a:t>
+            </a:r>
+            <a:r>
+              <a:rPr lang="en-US" altLang="ja-JP" dirty="0"/>
+              <a:t>defining the Hessian metric in local coordinates of the chart</a:t>
+            </a:r>
+          </a:p>
+          <a:p>
+            <a:r>
+              <a:rPr kumimoji="1" lang="en-US" altLang="ja-JP" dirty="0"/>
+              <a:t>Hessian </a:t>
+            </a:r>
+            <a:r>
+              <a:rPr lang="en-US" altLang="ja-JP" dirty="0"/>
+              <a:t>manifolds are special </a:t>
+            </a:r>
+            <a:r>
+              <a:rPr lang="en-US" altLang="ja-JP" b="1" dirty="0">
+                <a:solidFill>
+                  <a:srgbClr val="FF0000"/>
+                </a:solidFill>
+              </a:rPr>
+              <a:t>affine manifolds </a:t>
+            </a:r>
+            <a:r>
+              <a:rPr lang="en-US" altLang="ja-JP" dirty="0"/>
+              <a:t>(M,</a:t>
+            </a:r>
+            <a:r>
+              <a:rPr lang="ja-JP" altLang="en-US" b="1" i="0" dirty="0">
+                <a:effectLst/>
+                <a:latin typeface="+mj-lt"/>
+              </a:rPr>
+              <a:t> ∇</a:t>
+            </a:r>
+            <a:r>
+              <a:rPr kumimoji="1" lang="en-US" altLang="ja-JP" b="1" dirty="0">
+                <a:latin typeface="+mj-lt"/>
+              </a:rPr>
+              <a:t>) </a:t>
+            </a:r>
+            <a:r>
+              <a:rPr kumimoji="1" lang="en-US" altLang="ja-JP" dirty="0">
+                <a:latin typeface="+mj-lt"/>
+              </a:rPr>
+              <a:t>where </a:t>
+            </a:r>
+            <a:r>
+              <a:rPr lang="ja-JP" altLang="en-US" i="0" dirty="0">
+                <a:effectLst/>
+                <a:latin typeface="+mj-lt"/>
+              </a:rPr>
+              <a:t>∇ </a:t>
+            </a:r>
+            <a:r>
+              <a:rPr lang="en-US" altLang="ja-JP" i="0" dirty="0">
+                <a:effectLst/>
+                <a:latin typeface="+mj-lt"/>
+              </a:rPr>
+              <a:t>is </a:t>
+            </a:r>
+            <a:r>
+              <a:rPr kumimoji="1" lang="en-US" altLang="ja-JP" dirty="0"/>
+              <a:t>a torsion-free flat connection</a:t>
+            </a:r>
+          </a:p>
+          <a:p>
+            <a:r>
+              <a:rPr lang="en-US" altLang="ja-JP" dirty="0"/>
+              <a:t>A Bregman divergence induces a Hessian manifold with a global chart, a </a:t>
+            </a:r>
+            <a:r>
+              <a:rPr lang="en-US" altLang="ja-JP" b="1" dirty="0">
+                <a:solidFill>
+                  <a:srgbClr val="FF0000"/>
+                </a:solidFill>
+              </a:rPr>
+              <a:t>Bregman manifold</a:t>
+            </a:r>
+            <a:endParaRPr kumimoji="1" lang="en-US" altLang="ja-JP" b="1" dirty="0">
+              <a:solidFill>
+                <a:srgbClr val="FF0000"/>
+              </a:solidFill>
+            </a:endParaRPr>
+          </a:p>
+          <a:p>
+            <a:endParaRPr kumimoji="1" lang="ja-JP" altLang="en-US" dirty="0"/>
+          </a:p>
+        </p:txBody>
+      </p:sp>
+      <p:pic>
+        <p:nvPicPr>
+          <p:cNvPr id="1026" name="Picture 2" descr="The Geometry of Hessian Structures: Shima, Hirohiko: 9789812700315:  Amazon.com: Books">
+            <a:extLst>
+              <a:ext uri="{FF2B5EF4-FFF2-40B4-BE49-F238E27FC236}">
+                <a16:creationId xmlns:a16="http://schemas.microsoft.com/office/drawing/2014/main" id="{4270141D-62DE-8996-E8BA-9560EC07568B}"/>
+              </a:ext>
+            </a:extLst>
+          </p:cNvPr>
+          <p:cNvPicPr>
+            <a:picLocks noChangeAspect="1" noChangeArrowheads="1"/>
+          </p:cNvPicPr>
+          <p:nvPr/>
+        </p:nvPicPr>
+        <p:blipFill>
+          <a:blip r:embed="rId4">
+            <a:extLst>
+              <a:ext uri="{28A0092B-C50C-407E-A947-70E740481C1C}">
+                <a14:useLocalDpi xmlns:a14="http://schemas.microsoft.com/office/drawing/2010/main" val="0"/>
+              </a:ext>
+            </a:extLst>
+          </a:blip>
+          <a:srcRect/>
+          <a:stretch>
+            <a:fillRect/>
+          </a:stretch>
+        </p:blipFill>
+        <p:spPr bwMode="auto">
+          <a:xfrm>
+            <a:off x="4869651" y="1990611"/>
+            <a:ext cx="2504871" cy="3716018"/>
+          </a:xfrm>
+          <a:prstGeom prst="rect">
+            <a:avLst/>
+          </a:prstGeom>
+          <a:noFill/>
+          <a:extLst>
+            <a:ext uri="{909E8E84-426E-40DD-AFC4-6F175D3DCCD1}">
+              <a14:hiddenFill xmlns:a14="http://schemas.microsoft.com/office/drawing/2010/main">
+                <a:solidFill>
+                  <a:srgbClr val="FFFFFF"/>
+                </a:solidFill>
+              </a14:hiddenFill>
+            </a:ext>
+          </a:extLst>
+        </p:spPr>
+      </p:pic>
+      <p:sp>
+        <p:nvSpPr>
+          <p:cNvPr id="8" name="TextBox 7">
+            <a:extLst>
+              <a:ext uri="{FF2B5EF4-FFF2-40B4-BE49-F238E27FC236}">
+                <a16:creationId xmlns:a16="http://schemas.microsoft.com/office/drawing/2014/main" id="{9896DFD9-206F-9197-815E-92946154232B}"/>
+              </a:ext>
+            </a:extLst>
+          </p:cNvPr>
+          <p:cNvSpPr txBox="1"/>
+          <p:nvPr/>
+        </p:nvSpPr>
+        <p:spPr>
+          <a:xfrm>
+            <a:off x="0" y="5716171"/>
+            <a:ext cx="6182832" cy="369332"/>
+          </a:xfrm>
+          <a:prstGeom prst="rect">
+            <a:avLst/>
+          </a:prstGeom>
+          <a:noFill/>
+        </p:spPr>
+        <p:txBody>
+          <a:bodyPr wrap="square">
+            <a:spAutoFit/>
+          </a:bodyPr>
+          <a:lstStyle/>
+          <a:p>
+            <a:r>
+              <a:rPr lang="ja-JP" altLang="en-US" dirty="0"/>
+              <a:t>志摩裕彦, へッセ幾何学， 裳華房， 2001</a:t>
+            </a:r>
+          </a:p>
+        </p:txBody>
+      </p:sp>
+      <p:sp>
+        <p:nvSpPr>
+          <p:cNvPr id="10" name="TextBox 9">
+            <a:extLst>
+              <a:ext uri="{FF2B5EF4-FFF2-40B4-BE49-F238E27FC236}">
+                <a16:creationId xmlns:a16="http://schemas.microsoft.com/office/drawing/2014/main" id="{A35B527E-ECB8-8DAB-CB88-FAE7BC8F0082}"/>
+              </a:ext>
+            </a:extLst>
+          </p:cNvPr>
+          <p:cNvSpPr txBox="1"/>
+          <p:nvPr/>
+        </p:nvSpPr>
+        <p:spPr>
+          <a:xfrm>
+            <a:off x="4656286" y="5751243"/>
+            <a:ext cx="7860119" cy="369332"/>
+          </a:xfrm>
+          <a:prstGeom prst="rect">
+            <a:avLst/>
+          </a:prstGeom>
+          <a:noFill/>
+        </p:spPr>
+        <p:txBody>
+          <a:bodyPr wrap="square">
+            <a:spAutoFit/>
+          </a:bodyPr>
+          <a:lstStyle/>
+          <a:p>
+            <a:r>
+              <a:rPr lang="en-US" altLang="ja-JP" b="0" i="0" dirty="0">
+                <a:solidFill>
+                  <a:srgbClr val="222222"/>
+                </a:solidFill>
+                <a:effectLst/>
+                <a:latin typeface="+mj-lt"/>
+              </a:rPr>
+              <a:t>Shima, </a:t>
+            </a:r>
+            <a:r>
+              <a:rPr lang="en-US" altLang="ja-JP" b="0" i="0" dirty="0" err="1">
+                <a:solidFill>
+                  <a:srgbClr val="222222"/>
+                </a:solidFill>
+                <a:effectLst/>
+                <a:latin typeface="+mj-lt"/>
+              </a:rPr>
+              <a:t>Hirohiko</a:t>
+            </a:r>
+            <a:r>
+              <a:rPr lang="en-US" altLang="ja-JP" b="0" i="0" dirty="0">
+                <a:solidFill>
+                  <a:srgbClr val="222222"/>
+                </a:solidFill>
+                <a:effectLst/>
+                <a:latin typeface="+mj-lt"/>
+              </a:rPr>
+              <a:t>. </a:t>
+            </a:r>
+            <a:r>
+              <a:rPr lang="en-US" altLang="ja-JP" b="0" i="1" dirty="0">
+                <a:solidFill>
+                  <a:srgbClr val="222222"/>
+                </a:solidFill>
+                <a:effectLst/>
+                <a:latin typeface="+mj-lt"/>
+              </a:rPr>
+              <a:t>The geometry of Hessian structures</a:t>
+            </a:r>
+            <a:r>
+              <a:rPr lang="en-US" altLang="ja-JP" b="0" i="0" dirty="0">
+                <a:solidFill>
+                  <a:srgbClr val="222222"/>
+                </a:solidFill>
+                <a:effectLst/>
+                <a:latin typeface="+mj-lt"/>
+              </a:rPr>
+              <a:t>. World Scientific, 2007.</a:t>
+            </a:r>
+            <a:endParaRPr lang="ja-JP" altLang="en-US" dirty="0">
+              <a:latin typeface="+mj-lt"/>
+            </a:endParaRPr>
+          </a:p>
+        </p:txBody>
+      </p:sp>
+      <p:pic>
+        <p:nvPicPr>
+          <p:cNvPr id="1028" name="Picture 4" descr="Jean-Louis Koszul and Hirihiko Shima at GSI'13 “Geometric Science of... |  Download Scientific Diagram">
+            <a:extLst>
+              <a:ext uri="{FF2B5EF4-FFF2-40B4-BE49-F238E27FC236}">
+                <a16:creationId xmlns:a16="http://schemas.microsoft.com/office/drawing/2014/main" id="{531CC6B4-2CF9-4BBC-DF59-40E0E72095B9}"/>
+              </a:ext>
+            </a:extLst>
+          </p:cNvPr>
+          <p:cNvPicPr>
+            <a:picLocks noChangeAspect="1" noChangeArrowheads="1"/>
+          </p:cNvPicPr>
+          <p:nvPr/>
+        </p:nvPicPr>
+        <p:blipFill>
+          <a:blip r:embed="rId5">
+            <a:extLst>
+              <a:ext uri="{28A0092B-C50C-407E-A947-70E740481C1C}">
+                <a14:useLocalDpi xmlns:a14="http://schemas.microsoft.com/office/drawing/2010/main" val="0"/>
+              </a:ext>
+            </a:extLst>
+          </a:blip>
+          <a:srcRect/>
+          <a:stretch>
+            <a:fillRect/>
+          </a:stretch>
+        </p:blipFill>
+        <p:spPr bwMode="auto">
+          <a:xfrm>
+            <a:off x="8153050" y="2025614"/>
+            <a:ext cx="3704165" cy="2780302"/>
+          </a:xfrm>
+          <a:prstGeom prst="rect">
+            <a:avLst/>
+          </a:prstGeom>
+          <a:noFill/>
+          <a:extLst>
+            <a:ext uri="{909E8E84-426E-40DD-AFC4-6F175D3DCCD1}">
+              <a14:hiddenFill xmlns:a14="http://schemas.microsoft.com/office/drawing/2010/main">
+                <a:solidFill>
+                  <a:srgbClr val="FFFFFF"/>
+                </a:solidFill>
+              </a14:hiddenFill>
+            </a:ext>
+          </a:extLst>
+        </p:spPr>
+      </p:pic>
+      <p:sp>
+        <p:nvSpPr>
+          <p:cNvPr id="11" name="TextBox 10">
+            <a:extLst>
+              <a:ext uri="{FF2B5EF4-FFF2-40B4-BE49-F238E27FC236}">
+                <a16:creationId xmlns:a16="http://schemas.microsoft.com/office/drawing/2014/main" id="{C1FE3A9D-DC74-5C90-F7BB-77EFD2367579}"/>
+              </a:ext>
+            </a:extLst>
+          </p:cNvPr>
+          <p:cNvSpPr txBox="1"/>
+          <p:nvPr/>
+        </p:nvSpPr>
+        <p:spPr>
+          <a:xfrm>
+            <a:off x="8303384" y="4893919"/>
+            <a:ext cx="3403496" cy="861774"/>
+          </a:xfrm>
+          <a:prstGeom prst="rect">
+            <a:avLst/>
+          </a:prstGeom>
+          <a:noFill/>
+        </p:spPr>
+        <p:txBody>
+          <a:bodyPr wrap="none" rtlCol="0">
+            <a:spAutoFit/>
+          </a:bodyPr>
+          <a:lstStyle/>
+          <a:p>
+            <a:pPr algn="ctr"/>
+            <a:r>
+              <a:rPr kumimoji="1" lang="en-US" altLang="ja-JP" sz="1600" dirty="0"/>
+              <a:t>Professor Jean-Louis </a:t>
+            </a:r>
+            <a:r>
+              <a:rPr kumimoji="1" lang="en-US" altLang="ja-JP" sz="1600" dirty="0" err="1"/>
+              <a:t>Koszul</a:t>
+            </a:r>
+            <a:r>
+              <a:rPr kumimoji="1" lang="en-US" altLang="ja-JP" sz="1600" dirty="0"/>
+              <a:t> (left)</a:t>
+            </a:r>
+          </a:p>
+          <a:p>
+            <a:pPr algn="ctr"/>
+            <a:r>
+              <a:rPr lang="en-US" altLang="ja-JP" sz="1600" dirty="0"/>
+              <a:t>Professor </a:t>
+            </a:r>
+            <a:r>
+              <a:rPr lang="en-US" altLang="ja-JP" sz="1600" dirty="0" err="1"/>
+              <a:t>Hirohiko</a:t>
+            </a:r>
+            <a:r>
+              <a:rPr lang="en-US" altLang="ja-JP" sz="1600" dirty="0"/>
+              <a:t> Shima (right)</a:t>
+            </a:r>
+          </a:p>
+          <a:p>
+            <a:pPr algn="ctr"/>
+            <a:r>
+              <a:rPr lang="en-US" altLang="ja-JP" sz="1600" dirty="0"/>
+              <a:t>at GSI 2013 </a:t>
+            </a:r>
+            <a:endParaRPr kumimoji="1" lang="ja-JP" altLang="en-US" sz="1600" dirty="0"/>
+          </a:p>
+        </p:txBody>
+      </p:sp>
+      <p:sp>
+        <p:nvSpPr>
+          <p:cNvPr id="13" name="TextBox 12">
+            <a:extLst>
+              <a:ext uri="{FF2B5EF4-FFF2-40B4-BE49-F238E27FC236}">
+                <a16:creationId xmlns:a16="http://schemas.microsoft.com/office/drawing/2014/main" id="{52BB09E9-86D5-9D8E-E99E-A9452DF7D641}"/>
+              </a:ext>
+            </a:extLst>
+          </p:cNvPr>
+          <p:cNvSpPr txBox="1"/>
+          <p:nvPr/>
+        </p:nvSpPr>
+        <p:spPr>
+          <a:xfrm>
+            <a:off x="46241" y="6165189"/>
+            <a:ext cx="12209494" cy="646331"/>
+          </a:xfrm>
+          <a:prstGeom prst="rect">
+            <a:avLst/>
+          </a:prstGeom>
+          <a:noFill/>
+        </p:spPr>
+        <p:txBody>
+          <a:bodyPr wrap="square">
+            <a:spAutoFit/>
+          </a:bodyPr>
+          <a:lstStyle/>
+          <a:p>
+            <a:r>
+              <a:rPr lang="en-US" altLang="ja-JP" b="0" i="0" dirty="0">
+                <a:solidFill>
+                  <a:srgbClr val="222222"/>
+                </a:solidFill>
+                <a:effectLst/>
+                <a:latin typeface="Arial" panose="020B0604020202020204" pitchFamily="34" charset="0"/>
+              </a:rPr>
+              <a:t> Tutorial on Bregman manifolds: </a:t>
+            </a:r>
+            <a:r>
+              <a:rPr lang="en-US" altLang="ja-JP" b="1" i="0" dirty="0">
+                <a:solidFill>
+                  <a:schemeClr val="accent6"/>
+                </a:solidFill>
+                <a:effectLst/>
+                <a:latin typeface="+mj-lt"/>
+              </a:rPr>
+              <a:t>"On geodesic triangles with right angles in a dually flat space." </a:t>
+            </a:r>
+            <a:r>
+              <a:rPr lang="en-US" altLang="ja-JP" b="1" i="1" dirty="0">
+                <a:solidFill>
+                  <a:schemeClr val="accent6"/>
+                </a:solidFill>
+                <a:effectLst/>
+                <a:latin typeface="+mj-lt"/>
+              </a:rPr>
+              <a:t>Progress in Information Geometry: Theory and Applications</a:t>
+            </a:r>
+            <a:r>
+              <a:rPr lang="en-US" altLang="ja-JP" b="1" i="0" dirty="0">
+                <a:solidFill>
+                  <a:schemeClr val="accent6"/>
+                </a:solidFill>
+                <a:effectLst/>
+                <a:latin typeface="+mj-lt"/>
+              </a:rPr>
+              <a:t>. Cham: Springer International Publishing, 2021. 153-190.</a:t>
+            </a:r>
+            <a:endParaRPr lang="ja-JP" altLang="en-US" b="1" dirty="0">
+              <a:solidFill>
+                <a:schemeClr val="accent6"/>
+              </a:solidFill>
+              <a:latin typeface="+mj-lt"/>
+            </a:endParaRPr>
+          </a:p>
+        </p:txBody>
+      </p:sp>
+    </p:spTree>
+    <p:extLst>
+      <p:ext uri="{BB962C8B-B14F-4D97-AF65-F5344CB8AC3E}">
+        <p14:creationId xmlns:p14="http://schemas.microsoft.com/office/powerpoint/2010/main" val="3165096420"/>
+      </p:ext>
+    </p:extLst>
+  </p:cSld>
+  <p:clrMapOvr>
+    <a:masterClrMapping/>
+  </p:clrMapOvr>
+</p:sld>
+</file>
+
+<file path=ppt/slides/slide8.xml><?xml version="1.0" encoding="utf-8"?>
+<p:sld xmlns:a="http://schemas.openxmlformats.org/drawingml/2006/main" xmlns:r="http://schemas.openxmlformats.org/officeDocument/2006/relationships" xmlns:p="http://schemas.openxmlformats.org/presentationml/2006/main">
+  <p:cSld>
+    <p:spTree>
+      <p:nvGrpSpPr>
+        <p:cNvPr id="1" name=""/>
+        <p:cNvGrpSpPr/>
+        <p:nvPr/>
+      </p:nvGrpSpPr>
+      <p:grpSpPr>
+        <a:xfrm>
+          <a:off x="0" y="0"/>
+          <a:ext cx="0" cy="0"/>
+          <a:chOff x="0" y="0"/>
+          <a:chExt cx="0" cy="0"/>
+        </a:xfrm>
+      </p:grpSpPr>
+      <p:sp>
+        <p:nvSpPr>
+          <p:cNvPr id="2" name="Title 1">
+            <a:extLst>
+              <a:ext uri="{FF2B5EF4-FFF2-40B4-BE49-F238E27FC236}">
                 <a16:creationId xmlns:a16="http://schemas.microsoft.com/office/drawing/2014/main" id="{BEAACF7D-F6C2-8E01-6684-C59AC917DB3D}"/>
               </a:ext>
             </a:extLst>
@@ -6898,7 +7073,7 @@
 </p:sld>
 </file>
 
-<file path=ppt/slides/slide8.xml><?xml version="1.0" encoding="utf-8"?>
+<file path=ppt/slides/slide9.xml><?xml version="1.0" encoding="utf-8"?>
 <p:sld xmlns:a="http://schemas.openxmlformats.org/drawingml/2006/main" xmlns:r="http://schemas.openxmlformats.org/officeDocument/2006/relationships" xmlns:p="http://schemas.openxmlformats.org/presentationml/2006/main">
   <p:cSld>
     <p:spTree>

--- a/PPTX/Cards-November2023.pptx
+++ b/PPTX/Cards-November2023.pptx
@@ -5,18 +5,20 @@
     <p:sldMasterId id="2147483648" r:id="rId1"/>
   </p:sldMasterIdLst>
   <p:notesMasterIdLst>
-    <p:notesMasterId r:id="rId11"/>
+    <p:notesMasterId r:id="rId13"/>
   </p:notesMasterIdLst>
   <p:sldIdLst>
     <p:sldId id="256" r:id="rId2"/>
-    <p:sldId id="264" r:id="rId3"/>
-    <p:sldId id="262" r:id="rId4"/>
-    <p:sldId id="263" r:id="rId5"/>
-    <p:sldId id="261" r:id="rId6"/>
-    <p:sldId id="260" r:id="rId7"/>
-    <p:sldId id="258" r:id="rId8"/>
-    <p:sldId id="257" r:id="rId9"/>
-    <p:sldId id="259" r:id="rId10"/>
+    <p:sldId id="265" r:id="rId3"/>
+    <p:sldId id="266" r:id="rId4"/>
+    <p:sldId id="264" r:id="rId5"/>
+    <p:sldId id="262" r:id="rId6"/>
+    <p:sldId id="263" r:id="rId7"/>
+    <p:sldId id="261" r:id="rId8"/>
+    <p:sldId id="260" r:id="rId9"/>
+    <p:sldId id="258" r:id="rId10"/>
+    <p:sldId id="257" r:id="rId11"/>
+    <p:sldId id="259" r:id="rId12"/>
   </p:sldIdLst>
   <p:sldSz cx="12192000" cy="6858000"/>
   <p:notesSz cx="6858000" cy="9144000"/>
@@ -205,7 +207,7 @@
           <a:p>
             <a:fld id="{D18D4C2D-CE11-4A36-9412-76A548B99578}" type="datetimeFigureOut">
               <a:rPr kumimoji="1" lang="ja-JP" altLang="en-US" smtClean="0"/>
-              <a:t>2023/11/30</a:t>
+              <a:t>2023/12/1</a:t>
             </a:fld>
             <a:endParaRPr kumimoji="1" lang="ja-JP" altLang="en-US"/>
           </a:p>
@@ -645,55 +647,28 @@
           <a:lstStyle/>
           <a:p>
             <a:r>
-              <a:rPr kumimoji="1" lang="en-US" altLang="ja-JP" dirty="0"/>
-              <a:t>Great trilogy books on machine learning by Prof. Ali Sayed (EPFL):</a:t>
-            </a:r>
-          </a:p>
-          <a:p>
-            <a:pPr marL="171450" indent="-171450">
-              <a:buFontTx/>
-              <a:buChar char="-"/>
-            </a:pPr>
-            <a:r>
-              <a:rPr kumimoji="1" lang="en-US" altLang="ja-JP" dirty="0"/>
-              <a:t>Foundations</a:t>
-            </a:r>
-          </a:p>
-          <a:p>
-            <a:pPr marL="171450" indent="-171450">
-              <a:buFontTx/>
-              <a:buChar char="-"/>
-            </a:pPr>
-            <a:r>
-              <a:rPr kumimoji="1" lang="en-US" altLang="ja-JP" dirty="0"/>
-              <a:t>Inference</a:t>
-            </a:r>
-          </a:p>
-          <a:p>
-            <a:pPr marL="171450" indent="-171450">
-              <a:buFontTx/>
-              <a:buChar char="-"/>
-            </a:pPr>
-            <a:r>
-              <a:rPr kumimoji="1" lang="en-US" altLang="ja-JP" dirty="0"/>
-              <a:t>Learning</a:t>
-            </a:r>
-          </a:p>
-          <a:p>
-            <a:pPr marL="171450" indent="-171450">
-              <a:buFontTx/>
-              <a:buChar char="-"/>
-            </a:pPr>
-            <a:endParaRPr kumimoji="1" lang="en-US" altLang="ja-JP" dirty="0"/>
-          </a:p>
-          <a:p>
-            <a:pPr marL="171450" indent="-171450">
-              <a:buFontTx/>
-              <a:buChar char="-"/>
-            </a:pPr>
-            <a:r>
-              <a:rPr kumimoji="1" lang="en-US" altLang="ja-JP" dirty="0"/>
-              <a:t>https://tinyurl.com/TrilogyAliSayed</a:t>
+              <a:rPr kumimoji="1" lang="en-US" altLang="ja-JP" b="1" kern="1200" dirty="0">
+                <a:solidFill>
+                  <a:schemeClr val="tx1"/>
+                </a:solidFill>
+                <a:latin typeface="+mj-lt"/>
+                <a:ea typeface="+mj-ea"/>
+                <a:cs typeface="+mj-cs"/>
+              </a:rPr>
+              <a:t>Some masterpiece (text)books that shaped  the field of Machine Learning</a:t>
+            </a:r>
+          </a:p>
+          <a:p>
+            <a:r>
+              <a:rPr kumimoji="1" lang="en-US" altLang="ja-JP" b="1" kern="1200" dirty="0">
+                <a:solidFill>
+                  <a:schemeClr val="tx1"/>
+                </a:solidFill>
+                <a:latin typeface="+mj-lt"/>
+                <a:ea typeface="+mj-ea"/>
+                <a:cs typeface="+mj-cs"/>
+              </a:rPr>
+              <a:t> </a:t>
             </a:r>
             <a:endParaRPr kumimoji="1" lang="ja-JP" altLang="en-US" dirty="0"/>
           </a:p>
@@ -716,7 +691,7 @@
           <a:p>
             <a:fld id="{897A3250-0369-4FF2-8A87-F471EFBE05A0}" type="slidenum">
               <a:rPr kumimoji="1" lang="ja-JP" altLang="en-US" smtClean="0"/>
-              <a:t>3</a:t>
+              <a:t>2</a:t>
             </a:fld>
             <a:endParaRPr kumimoji="1" lang="ja-JP" altLang="en-US"/>
           </a:p>
@@ -725,7 +700,7 @@
     </p:spTree>
     <p:extLst>
       <p:ext uri="{BB962C8B-B14F-4D97-AF65-F5344CB8AC3E}">
-        <p14:creationId xmlns:p14="http://schemas.microsoft.com/office/powerpoint/2010/main" val="2200033667"/>
+        <p14:creationId xmlns:p14="http://schemas.microsoft.com/office/powerpoint/2010/main" val="2831089050"/>
       </p:ext>
     </p:extLst>
   </p:cSld>
@@ -780,185 +755,57 @@
           <a:lstStyle/>
           <a:p>
             <a:r>
-              <a:rPr lang="en-US" altLang="ja-JP" b="0" i="0" dirty="0">
-                <a:solidFill>
-                  <a:srgbClr val="222222"/>
-                </a:solidFill>
-                <a:effectLst/>
-                <a:latin typeface="Arial" panose="020B0604020202020204" pitchFamily="34" charset="0"/>
-              </a:rPr>
-              <a:t>Affine manifold </a:t>
-            </a:r>
-            <a:r>
-              <a:rPr lang="en-US" altLang="ja-JP" dirty="0"/>
-              <a:t>(M,</a:t>
-            </a:r>
-            <a:r>
-              <a:rPr lang="ja-JP" altLang="en-US" b="1" i="0" dirty="0">
-                <a:effectLst/>
-                <a:latin typeface="+mj-lt"/>
-              </a:rPr>
-              <a:t> ∇</a:t>
-            </a:r>
-            <a:r>
-              <a:rPr lang="en-US" altLang="ja-JP" b="1" i="0" dirty="0">
-                <a:effectLst/>
-                <a:latin typeface="+mj-lt"/>
-              </a:rPr>
-              <a:t>)</a:t>
-            </a:r>
-            <a:r>
-              <a:rPr kumimoji="1" lang="en-US" altLang="ja-JP" b="1" dirty="0">
-                <a:latin typeface="+mj-lt"/>
-              </a:rPr>
-              <a:t>: </a:t>
-            </a:r>
-            <a:r>
-              <a:rPr lang="ja-JP" altLang="en-US" i="0" dirty="0">
-                <a:effectLst/>
-                <a:latin typeface="+mj-lt"/>
-              </a:rPr>
-              <a:t>∇ </a:t>
-            </a:r>
-            <a:r>
-              <a:rPr lang="en-US" altLang="ja-JP" i="0" dirty="0">
-                <a:effectLst/>
-                <a:latin typeface="+mj-lt"/>
-              </a:rPr>
-              <a:t>is </a:t>
-            </a:r>
-            <a:r>
               <a:rPr kumimoji="1" lang="en-US" altLang="ja-JP" dirty="0"/>
-              <a:t>a torsion-free flat connection</a:t>
-            </a:r>
-            <a:r>
-              <a:rPr lang="en-US" altLang="ja-JP" b="0" i="0" dirty="0">
-                <a:solidFill>
-                  <a:srgbClr val="222222"/>
-                </a:solidFill>
-                <a:effectLst/>
-                <a:latin typeface="Arial" panose="020B0604020202020204" pitchFamily="34" charset="0"/>
-              </a:rPr>
-              <a:t> </a:t>
-            </a:r>
-          </a:p>
-          <a:p>
-            <a:r>
-              <a:rPr lang="en-US" altLang="ja-JP" b="0" i="0" dirty="0">
-                <a:solidFill>
-                  <a:srgbClr val="222222"/>
-                </a:solidFill>
-                <a:effectLst/>
-                <a:latin typeface="Arial" panose="020B0604020202020204" pitchFamily="34" charset="0"/>
-              </a:rPr>
-              <a:t>Hessian manifold : Affine manifold + Hessian metric tensor </a:t>
-            </a:r>
-          </a:p>
-          <a:p>
-            <a:r>
-              <a:rPr lang="en-US" altLang="ja-JP" b="0" i="0" dirty="0">
-                <a:solidFill>
-                  <a:srgbClr val="222222"/>
-                </a:solidFill>
-                <a:effectLst/>
-                <a:latin typeface="Arial" panose="020B0604020202020204" pitchFamily="34" charset="0"/>
-              </a:rPr>
-              <a:t>Bregman manifold = Hessian manifold with global chart</a:t>
-            </a:r>
-          </a:p>
-          <a:p>
-            <a:r>
-              <a:rPr lang="en-US" altLang="ja-JP" b="0" i="0" dirty="0">
-                <a:solidFill>
-                  <a:srgbClr val="222222"/>
-                </a:solidFill>
-                <a:effectLst/>
-                <a:latin typeface="Arial" panose="020B0604020202020204" pitchFamily="34" charset="0"/>
-              </a:rPr>
-              <a:t>Tutorial on Bregman manifolds: </a:t>
-            </a:r>
-            <a:r>
-              <a:rPr lang="en-US" altLang="ja-JP" b="1" i="0" dirty="0">
-                <a:solidFill>
-                  <a:schemeClr val="accent6"/>
-                </a:solidFill>
-                <a:effectLst/>
-                <a:latin typeface="+mj-lt"/>
-              </a:rPr>
-              <a:t> </a:t>
-            </a:r>
-          </a:p>
-          <a:p>
-            <a:r>
-              <a:rPr lang="en-US" altLang="ja-JP" b="0" i="0" u="none" strike="noStrike" dirty="0">
-                <a:solidFill>
-                  <a:srgbClr val="1D9BF0"/>
-                </a:solidFill>
-                <a:effectLst/>
-                <a:latin typeface="inherit"/>
-                <a:hlinkClick r:id="rId3"/>
-              </a:rPr>
-              <a:t>https://</a:t>
-            </a:r>
-            <a:r>
-              <a:rPr lang="en-US" altLang="ja-JP" b="0" i="0" u="none" strike="noStrike" dirty="0">
-                <a:solidFill>
-                  <a:srgbClr val="1D9BF0"/>
-                </a:solidFill>
-                <a:effectLst/>
-                <a:latin typeface="TwitterChirp"/>
-                <a:hlinkClick r:id="rId3"/>
-              </a:rPr>
-              <a:t>tinyurl.com/HessBreg</a:t>
-            </a:r>
-            <a:endParaRPr lang="en-US" altLang="ja-JP" b="1" i="0" u="none" strike="noStrike" dirty="0">
-              <a:solidFill>
-                <a:schemeClr val="accent6"/>
-              </a:solidFill>
-              <a:effectLst/>
-              <a:latin typeface="+mj-lt"/>
-            </a:endParaRPr>
-          </a:p>
-          <a:p>
-            <a:r>
-              <a:rPr lang="en-US" altLang="ja-JP" b="1" i="0" dirty="0">
-                <a:solidFill>
-                  <a:schemeClr val="accent6"/>
-                </a:solidFill>
-                <a:effectLst/>
-                <a:latin typeface="+mj-lt"/>
-              </a:rPr>
-              <a:t>https://twitter.com/FrnkNlsn/status/1712991125672518000</a:t>
-            </a:r>
-          </a:p>
-          <a:p>
-            <a:endParaRPr lang="en-US" altLang="ja-JP" b="1" i="0" dirty="0">
-              <a:solidFill>
-                <a:schemeClr val="accent6"/>
-              </a:solidFill>
-              <a:effectLst/>
-              <a:latin typeface="+mj-lt"/>
-            </a:endParaRPr>
-          </a:p>
-          <a:p>
-            <a:r>
-              <a:rPr lang="en-US" altLang="ja-JP" b="1" i="0" dirty="0">
-                <a:solidFill>
-                  <a:schemeClr val="accent6"/>
-                </a:solidFill>
-                <a:effectLst/>
-                <a:latin typeface="+mj-lt"/>
-              </a:rPr>
-              <a:t>https://link.springer.com/chapter/10.1007/978-3-030-65459-7_7</a:t>
-            </a:r>
-          </a:p>
-          <a:p>
-            <a:endParaRPr lang="ja-JP" altLang="en-US" b="1" dirty="0">
-              <a:solidFill>
-                <a:schemeClr val="accent6"/>
-              </a:solidFill>
-              <a:latin typeface="+mj-lt"/>
-            </a:endParaRPr>
+              <a:t>Great trilogy books on machine learning by Prof. Ali Sayed (EPFL):</a:t>
+            </a:r>
+          </a:p>
+          <a:p>
+            <a:pPr marL="171450" indent="-171450">
+              <a:buFontTx/>
+              <a:buChar char="-"/>
+            </a:pPr>
+            <a:r>
+              <a:rPr kumimoji="1" lang="en-US" altLang="ja-JP" dirty="0"/>
+              <a:t>Foundations</a:t>
+            </a:r>
+          </a:p>
+          <a:p>
+            <a:pPr marL="171450" indent="-171450">
+              <a:buFontTx/>
+              <a:buChar char="-"/>
+            </a:pPr>
+            <a:r>
+              <a:rPr kumimoji="1" lang="en-US" altLang="ja-JP" dirty="0"/>
+              <a:t>Inference</a:t>
+            </a:r>
+          </a:p>
+          <a:p>
+            <a:pPr marL="171450" indent="-171450">
+              <a:buFontTx/>
+              <a:buChar char="-"/>
+            </a:pPr>
+            <a:r>
+              <a:rPr kumimoji="1" lang="en-US" altLang="ja-JP" dirty="0"/>
+              <a:t>Learning</a:t>
+            </a:r>
+          </a:p>
+          <a:p>
+            <a:pPr marL="171450" indent="-171450">
+              <a:buFontTx/>
+              <a:buChar char="-"/>
+            </a:pPr>
+            <a:endParaRPr kumimoji="1" lang="en-US" altLang="ja-JP" dirty="0"/>
+          </a:p>
+          <a:p>
+            <a:pPr marL="171450" indent="-171450">
+              <a:buFontTx/>
+              <a:buChar char="-"/>
+            </a:pPr>
+            <a:r>
+              <a:rPr kumimoji="1" lang="en-US" altLang="ja-JP" dirty="0"/>
+              <a:t>https://tinyurl.com/TrilogyAliSayed</a:t>
+            </a:r>
+            <a:endParaRPr kumimoji="1" lang="ja-JP" altLang="en-US" dirty="0"/>
           </a:p>
         </p:txBody>
       </p:sp>
@@ -979,7 +826,7 @@
           <a:p>
             <a:fld id="{897A3250-0369-4FF2-8A87-F471EFBE05A0}" type="slidenum">
               <a:rPr kumimoji="1" lang="ja-JP" altLang="en-US" smtClean="0"/>
-              <a:t>7</a:t>
+              <a:t>5</a:t>
             </a:fld>
             <a:endParaRPr kumimoji="1" lang="ja-JP" altLang="en-US"/>
           </a:p>
@@ -988,7 +835,7 @@
     </p:spTree>
     <p:extLst>
       <p:ext uri="{BB962C8B-B14F-4D97-AF65-F5344CB8AC3E}">
-        <p14:creationId xmlns:p14="http://schemas.microsoft.com/office/powerpoint/2010/main" val="1268723814"/>
+        <p14:creationId xmlns:p14="http://schemas.microsoft.com/office/powerpoint/2010/main" val="2200033667"/>
       </p:ext>
     </p:extLst>
   </p:cSld>
@@ -1043,6 +890,269 @@
           <a:lstStyle/>
           <a:p>
             <a:r>
+              <a:rPr lang="en-US" altLang="ja-JP" b="0" i="0" dirty="0">
+                <a:solidFill>
+                  <a:srgbClr val="222222"/>
+                </a:solidFill>
+                <a:effectLst/>
+                <a:latin typeface="Arial" panose="020B0604020202020204" pitchFamily="34" charset="0"/>
+              </a:rPr>
+              <a:t>Affine manifold </a:t>
+            </a:r>
+            <a:r>
+              <a:rPr lang="en-US" altLang="ja-JP" dirty="0"/>
+              <a:t>(M,</a:t>
+            </a:r>
+            <a:r>
+              <a:rPr lang="ja-JP" altLang="en-US" b="1" i="0" dirty="0">
+                <a:effectLst/>
+                <a:latin typeface="+mj-lt"/>
+              </a:rPr>
+              <a:t> ∇</a:t>
+            </a:r>
+            <a:r>
+              <a:rPr lang="en-US" altLang="ja-JP" b="1" i="0" dirty="0">
+                <a:effectLst/>
+                <a:latin typeface="+mj-lt"/>
+              </a:rPr>
+              <a:t>)</a:t>
+            </a:r>
+            <a:r>
+              <a:rPr kumimoji="1" lang="en-US" altLang="ja-JP" b="1" dirty="0">
+                <a:latin typeface="+mj-lt"/>
+              </a:rPr>
+              <a:t>: </a:t>
+            </a:r>
+            <a:r>
+              <a:rPr lang="ja-JP" altLang="en-US" i="0" dirty="0">
+                <a:effectLst/>
+                <a:latin typeface="+mj-lt"/>
+              </a:rPr>
+              <a:t>∇ </a:t>
+            </a:r>
+            <a:r>
+              <a:rPr lang="en-US" altLang="ja-JP" i="0" dirty="0">
+                <a:effectLst/>
+                <a:latin typeface="+mj-lt"/>
+              </a:rPr>
+              <a:t>is </a:t>
+            </a:r>
+            <a:r>
+              <a:rPr kumimoji="1" lang="en-US" altLang="ja-JP" dirty="0"/>
+              <a:t>a torsion-free flat connection</a:t>
+            </a:r>
+            <a:r>
+              <a:rPr lang="en-US" altLang="ja-JP" b="0" i="0" dirty="0">
+                <a:solidFill>
+                  <a:srgbClr val="222222"/>
+                </a:solidFill>
+                <a:effectLst/>
+                <a:latin typeface="Arial" panose="020B0604020202020204" pitchFamily="34" charset="0"/>
+              </a:rPr>
+              <a:t> </a:t>
+            </a:r>
+          </a:p>
+          <a:p>
+            <a:r>
+              <a:rPr lang="en-US" altLang="ja-JP" b="0" i="0" dirty="0">
+                <a:solidFill>
+                  <a:srgbClr val="222222"/>
+                </a:solidFill>
+                <a:effectLst/>
+                <a:latin typeface="Arial" panose="020B0604020202020204" pitchFamily="34" charset="0"/>
+              </a:rPr>
+              <a:t>Hessian manifold : Affine manifold + Hessian metric tensor </a:t>
+            </a:r>
+          </a:p>
+          <a:p>
+            <a:r>
+              <a:rPr lang="en-US" altLang="ja-JP" b="0" i="0" dirty="0">
+                <a:solidFill>
+                  <a:srgbClr val="222222"/>
+                </a:solidFill>
+                <a:effectLst/>
+                <a:latin typeface="Arial" panose="020B0604020202020204" pitchFamily="34" charset="0"/>
+              </a:rPr>
+              <a:t>Bregman manifold = Hessian manifold with global chart</a:t>
+            </a:r>
+          </a:p>
+          <a:p>
+            <a:r>
+              <a:rPr lang="en-US" altLang="ja-JP" b="0" i="0" dirty="0">
+                <a:solidFill>
+                  <a:srgbClr val="222222"/>
+                </a:solidFill>
+                <a:effectLst/>
+                <a:latin typeface="Arial" panose="020B0604020202020204" pitchFamily="34" charset="0"/>
+              </a:rPr>
+              <a:t>Tutorial on Bregman manifolds: </a:t>
+            </a:r>
+            <a:r>
+              <a:rPr lang="en-US" altLang="ja-JP" b="1" i="0" dirty="0">
+                <a:solidFill>
+                  <a:schemeClr val="accent6"/>
+                </a:solidFill>
+                <a:effectLst/>
+                <a:latin typeface="+mj-lt"/>
+              </a:rPr>
+              <a:t> </a:t>
+            </a:r>
+          </a:p>
+          <a:p>
+            <a:r>
+              <a:rPr lang="en-US" altLang="ja-JP" b="0" i="0" u="none" strike="noStrike" dirty="0">
+                <a:solidFill>
+                  <a:srgbClr val="1D9BF0"/>
+                </a:solidFill>
+                <a:effectLst/>
+                <a:latin typeface="inherit"/>
+                <a:hlinkClick r:id="rId3"/>
+              </a:rPr>
+              <a:t>https://</a:t>
+            </a:r>
+            <a:r>
+              <a:rPr lang="en-US" altLang="ja-JP" b="0" i="0" u="none" strike="noStrike" dirty="0">
+                <a:solidFill>
+                  <a:srgbClr val="1D9BF0"/>
+                </a:solidFill>
+                <a:effectLst/>
+                <a:latin typeface="TwitterChirp"/>
+                <a:hlinkClick r:id="rId3"/>
+              </a:rPr>
+              <a:t>tinyurl.com/HessBreg</a:t>
+            </a:r>
+            <a:endParaRPr lang="en-US" altLang="ja-JP" b="1" i="0" u="none" strike="noStrike" dirty="0">
+              <a:solidFill>
+                <a:schemeClr val="accent6"/>
+              </a:solidFill>
+              <a:effectLst/>
+              <a:latin typeface="+mj-lt"/>
+            </a:endParaRPr>
+          </a:p>
+          <a:p>
+            <a:r>
+              <a:rPr lang="en-US" altLang="ja-JP" b="1" i="0" dirty="0">
+                <a:solidFill>
+                  <a:schemeClr val="accent6"/>
+                </a:solidFill>
+                <a:effectLst/>
+                <a:latin typeface="+mj-lt"/>
+              </a:rPr>
+              <a:t>https://twitter.com/FrnkNlsn/status/1712991125672518000</a:t>
+            </a:r>
+          </a:p>
+          <a:p>
+            <a:endParaRPr lang="en-US" altLang="ja-JP" b="1" i="0" dirty="0">
+              <a:solidFill>
+                <a:schemeClr val="accent6"/>
+              </a:solidFill>
+              <a:effectLst/>
+              <a:latin typeface="+mj-lt"/>
+            </a:endParaRPr>
+          </a:p>
+          <a:p>
+            <a:r>
+              <a:rPr lang="en-US" altLang="ja-JP" b="1" i="0" dirty="0">
+                <a:solidFill>
+                  <a:schemeClr val="accent6"/>
+                </a:solidFill>
+                <a:effectLst/>
+                <a:latin typeface="+mj-lt"/>
+              </a:rPr>
+              <a:t>https://link.springer.com/chapter/10.1007/978-3-030-65459-7_7</a:t>
+            </a:r>
+          </a:p>
+          <a:p>
+            <a:endParaRPr lang="ja-JP" altLang="en-US" b="1" dirty="0">
+              <a:solidFill>
+                <a:schemeClr val="accent6"/>
+              </a:solidFill>
+              <a:latin typeface="+mj-lt"/>
+            </a:endParaRPr>
+          </a:p>
+        </p:txBody>
+      </p:sp>
+      <p:sp>
+        <p:nvSpPr>
+          <p:cNvPr id="4" name="Slide Number Placeholder 3"/>
+          <p:cNvSpPr>
+            <a:spLocks noGrp="1"/>
+          </p:cNvSpPr>
+          <p:nvPr>
+            <p:ph type="sldNum" sz="quarter" idx="5"/>
+          </p:nvPr>
+        </p:nvSpPr>
+        <p:spPr/>
+        <p:txBody>
+          <a:bodyPr/>
+          <a:lstStyle/>
+          <a:p>
+            <a:fld id="{897A3250-0369-4FF2-8A87-F471EFBE05A0}" type="slidenum">
+              <a:rPr kumimoji="1" lang="ja-JP" altLang="en-US" smtClean="0"/>
+              <a:t>9</a:t>
+            </a:fld>
+            <a:endParaRPr kumimoji="1" lang="ja-JP" altLang="en-US"/>
+          </a:p>
+        </p:txBody>
+      </p:sp>
+    </p:spTree>
+    <p:extLst>
+      <p:ext uri="{BB962C8B-B14F-4D97-AF65-F5344CB8AC3E}">
+        <p14:creationId xmlns:p14="http://schemas.microsoft.com/office/powerpoint/2010/main" val="1268723814"/>
+      </p:ext>
+    </p:extLst>
+  </p:cSld>
+  <p:clrMapOvr>
+    <a:masterClrMapping/>
+  </p:clrMapOvr>
+</p:notes>
+</file>
+
+<file path=ppt/notesSlides/notesSlide5.xml><?xml version="1.0" encoding="utf-8"?>
+<p:notes xmlns:a="http://schemas.openxmlformats.org/drawingml/2006/main" xmlns:r="http://schemas.openxmlformats.org/officeDocument/2006/relationships" xmlns:p="http://schemas.openxmlformats.org/presentationml/2006/main">
+  <p:cSld>
+    <p:spTree>
+      <p:nvGrpSpPr>
+        <p:cNvPr id="1" name=""/>
+        <p:cNvGrpSpPr/>
+        <p:nvPr/>
+      </p:nvGrpSpPr>
+      <p:grpSpPr>
+        <a:xfrm>
+          <a:off x="0" y="0"/>
+          <a:ext cx="0" cy="0"/>
+          <a:chOff x="0" y="0"/>
+          <a:chExt cx="0" cy="0"/>
+        </a:xfrm>
+      </p:grpSpPr>
+      <p:sp>
+        <p:nvSpPr>
+          <p:cNvPr id="2" name="Slide Image Placeholder 1"/>
+          <p:cNvSpPr>
+            <a:spLocks noGrp="1" noRot="1" noChangeAspect="1"/>
+          </p:cNvSpPr>
+          <p:nvPr>
+            <p:ph type="sldImg"/>
+          </p:nvPr>
+        </p:nvSpPr>
+        <p:spPr/>
+      </p:sp>
+      <p:sp>
+        <p:nvSpPr>
+          <p:cNvPr id="3" name="Notes Placeholder 2"/>
+          <p:cNvSpPr>
+            <a:spLocks noGrp="1"/>
+          </p:cNvSpPr>
+          <p:nvPr>
+            <p:ph type="body" idx="1"/>
+          </p:nvPr>
+        </p:nvSpPr>
+        <p:spPr/>
+        <p:txBody>
+          <a:bodyPr/>
+          <a:lstStyle/>
+          <a:p>
+            <a:r>
               <a:rPr kumimoji="1" lang="en-US" altLang="ja-JP" dirty="0"/>
               <a:t>Simple iterative algorithm to compute the geometric matrix mean of n SPD matrices.</a:t>
             </a:r>
@@ -1126,7 +1236,7 @@
           <a:p>
             <a:fld id="{897A3250-0369-4FF2-8A87-F471EFBE05A0}" type="slidenum">
               <a:rPr kumimoji="1" lang="ja-JP" altLang="en-US" smtClean="0"/>
-              <a:t>9</a:t>
+              <a:t>11</a:t>
             </a:fld>
             <a:endParaRPr kumimoji="1" lang="ja-JP" altLang="en-US"/>
           </a:p>
@@ -1294,7 +1404,7 @@
           <a:p>
             <a:fld id="{1FE1D380-D20F-4BF7-A204-3A9DABE281DF}" type="datetimeFigureOut">
               <a:rPr kumimoji="1" lang="ja-JP" altLang="en-US" smtClean="0"/>
-              <a:t>2023/11/30</a:t>
+              <a:t>2023/12/1</a:t>
             </a:fld>
             <a:endParaRPr kumimoji="1" lang="ja-JP" altLang="en-US"/>
           </a:p>
@@ -1494,7 +1604,7 @@
           <a:p>
             <a:fld id="{1FE1D380-D20F-4BF7-A204-3A9DABE281DF}" type="datetimeFigureOut">
               <a:rPr kumimoji="1" lang="ja-JP" altLang="en-US" smtClean="0"/>
-              <a:t>2023/11/30</a:t>
+              <a:t>2023/12/1</a:t>
             </a:fld>
             <a:endParaRPr kumimoji="1" lang="ja-JP" altLang="en-US"/>
           </a:p>
@@ -1704,7 +1814,7 @@
           <a:p>
             <a:fld id="{1FE1D380-D20F-4BF7-A204-3A9DABE281DF}" type="datetimeFigureOut">
               <a:rPr kumimoji="1" lang="ja-JP" altLang="en-US" smtClean="0"/>
-              <a:t>2023/11/30</a:t>
+              <a:t>2023/12/1</a:t>
             </a:fld>
             <a:endParaRPr kumimoji="1" lang="ja-JP" altLang="en-US"/>
           </a:p>
@@ -1904,7 +2014,7 @@
           <a:p>
             <a:fld id="{1FE1D380-D20F-4BF7-A204-3A9DABE281DF}" type="datetimeFigureOut">
               <a:rPr kumimoji="1" lang="ja-JP" altLang="en-US" smtClean="0"/>
-              <a:t>2023/11/30</a:t>
+              <a:t>2023/12/1</a:t>
             </a:fld>
             <a:endParaRPr kumimoji="1" lang="ja-JP" altLang="en-US"/>
           </a:p>
@@ -2180,7 +2290,7 @@
           <a:p>
             <a:fld id="{1FE1D380-D20F-4BF7-A204-3A9DABE281DF}" type="datetimeFigureOut">
               <a:rPr kumimoji="1" lang="ja-JP" altLang="en-US" smtClean="0"/>
-              <a:t>2023/11/30</a:t>
+              <a:t>2023/12/1</a:t>
             </a:fld>
             <a:endParaRPr kumimoji="1" lang="ja-JP" altLang="en-US"/>
           </a:p>
@@ -2448,7 +2558,7 @@
           <a:p>
             <a:fld id="{1FE1D380-D20F-4BF7-A204-3A9DABE281DF}" type="datetimeFigureOut">
               <a:rPr kumimoji="1" lang="ja-JP" altLang="en-US" smtClean="0"/>
-              <a:t>2023/11/30</a:t>
+              <a:t>2023/12/1</a:t>
             </a:fld>
             <a:endParaRPr kumimoji="1" lang="ja-JP" altLang="en-US"/>
           </a:p>
@@ -2863,7 +2973,7 @@
           <a:p>
             <a:fld id="{1FE1D380-D20F-4BF7-A204-3A9DABE281DF}" type="datetimeFigureOut">
               <a:rPr kumimoji="1" lang="ja-JP" altLang="en-US" smtClean="0"/>
-              <a:t>2023/11/30</a:t>
+              <a:t>2023/12/1</a:t>
             </a:fld>
             <a:endParaRPr kumimoji="1" lang="ja-JP" altLang="en-US"/>
           </a:p>
@@ -3005,7 +3115,7 @@
           <a:p>
             <a:fld id="{1FE1D380-D20F-4BF7-A204-3A9DABE281DF}" type="datetimeFigureOut">
               <a:rPr kumimoji="1" lang="ja-JP" altLang="en-US" smtClean="0"/>
-              <a:t>2023/11/30</a:t>
+              <a:t>2023/12/1</a:t>
             </a:fld>
             <a:endParaRPr kumimoji="1" lang="ja-JP" altLang="en-US"/>
           </a:p>
@@ -3118,7 +3228,7 @@
           <a:p>
             <a:fld id="{1FE1D380-D20F-4BF7-A204-3A9DABE281DF}" type="datetimeFigureOut">
               <a:rPr kumimoji="1" lang="ja-JP" altLang="en-US" smtClean="0"/>
-              <a:t>2023/11/30</a:t>
+              <a:t>2023/12/1</a:t>
             </a:fld>
             <a:endParaRPr kumimoji="1" lang="ja-JP" altLang="en-US"/>
           </a:p>
@@ -3431,7 +3541,7 @@
           <a:p>
             <a:fld id="{1FE1D380-D20F-4BF7-A204-3A9DABE281DF}" type="datetimeFigureOut">
               <a:rPr kumimoji="1" lang="ja-JP" altLang="en-US" smtClean="0"/>
-              <a:t>2023/11/30</a:t>
+              <a:t>2023/12/1</a:t>
             </a:fld>
             <a:endParaRPr kumimoji="1" lang="ja-JP" altLang="en-US"/>
           </a:p>
@@ -3720,7 +3830,7 @@
           <a:p>
             <a:fld id="{1FE1D380-D20F-4BF7-A204-3A9DABE281DF}" type="datetimeFigureOut">
               <a:rPr kumimoji="1" lang="ja-JP" altLang="en-US" smtClean="0"/>
-              <a:t>2023/11/30</a:t>
+              <a:t>2023/12/1</a:t>
             </a:fld>
             <a:endParaRPr kumimoji="1" lang="ja-JP" altLang="en-US"/>
           </a:p>
@@ -3963,7 +4073,7 @@
           <a:p>
             <a:fld id="{1FE1D380-D20F-4BF7-A204-3A9DABE281DF}" type="datetimeFigureOut">
               <a:rPr kumimoji="1" lang="ja-JP" altLang="en-US" smtClean="0"/>
-              <a:t>2023/11/30</a:t>
+              <a:t>2023/12/1</a:t>
             </a:fld>
             <a:endParaRPr kumimoji="1" lang="ja-JP" altLang="en-US"/>
           </a:p>
@@ -5065,7 +5175,7 @@
 </p:sld>
 </file>
 
-<file path=ppt/slides/slide2.xml><?xml version="1.0" encoding="utf-8"?>
+<file path=ppt/slides/slide10.xml><?xml version="1.0" encoding="utf-8"?>
 <p:sld xmlns:a="http://schemas.openxmlformats.org/drawingml/2006/main" xmlns:r="http://schemas.openxmlformats.org/officeDocument/2006/relationships" xmlns:p="http://schemas.openxmlformats.org/presentationml/2006/main">
   <p:cSld>
     <p:spTree>
@@ -5087,7 +5197,7 @@
           <p:cNvPr id="2" name="Title 1">
             <a:extLst>
               <a:ext uri="{FF2B5EF4-FFF2-40B4-BE49-F238E27FC236}">
-                <a16:creationId xmlns:a16="http://schemas.microsoft.com/office/drawing/2014/main" id="{7169FB76-2489-0C66-548F-C3B9E2CD8A65}"/>
+                <a16:creationId xmlns:a16="http://schemas.microsoft.com/office/drawing/2014/main" id="{BEAACF7D-F6C2-8E01-6684-C59AC917DB3D}"/>
               </a:ext>
             </a:extLst>
           </p:cNvPr>
@@ -5098,12 +5208,29 @@
             <p:ph type="title"/>
           </p:nvPr>
         </p:nvSpPr>
-        <p:spPr/>
+        <p:spPr>
+          <a:xfrm>
+            <a:off x="85165" y="0"/>
+            <a:ext cx="10515600" cy="1325563"/>
+          </a:xfrm>
+        </p:spPr>
         <p:txBody>
           <a:bodyPr/>
           <a:lstStyle/>
           <a:p>
-            <a:endParaRPr kumimoji="1" lang="ja-JP" altLang="en-US"/>
+            <a:r>
+              <a:rPr kumimoji="1" lang="en-US" altLang="ja-JP" b="1" dirty="0">
+                <a:solidFill>
+                  <a:schemeClr val="accent1"/>
+                </a:solidFill>
+              </a:rPr>
+              <a:t>Mathematics, proof, and computation</a:t>
+            </a:r>
+            <a:endParaRPr kumimoji="1" lang="ja-JP" altLang="en-US" b="1" dirty="0">
+              <a:solidFill>
+                <a:schemeClr val="accent1"/>
+              </a:solidFill>
+            </a:endParaRPr>
           </a:p>
         </p:txBody>
       </p:sp>
@@ -5112,7 +5239,7 @@
           <p:cNvPr id="3" name="Content Placeholder 2">
             <a:extLst>
               <a:ext uri="{FF2B5EF4-FFF2-40B4-BE49-F238E27FC236}">
-                <a16:creationId xmlns:a16="http://schemas.microsoft.com/office/drawing/2014/main" id="{9163913B-71DC-BD75-719B-A7EF5F00CE9E}"/>
+                <a16:creationId xmlns:a16="http://schemas.microsoft.com/office/drawing/2014/main" id="{8B2A09CD-EEB7-0AF0-BD0A-58CFFFD9E2CE}"/>
               </a:ext>
             </a:extLst>
           </p:cNvPr>
@@ -5123,31 +5250,999 @@
             <p:ph idx="1"/>
           </p:nvPr>
         </p:nvSpPr>
-        <p:spPr/>
-        <p:txBody>
-          <a:bodyPr/>
-          <a:lstStyle/>
-          <a:p>
-            <a:endParaRPr kumimoji="1" lang="ja-JP" altLang="en-US"/>
+        <p:spPr>
+          <a:xfrm>
+            <a:off x="289559" y="1253331"/>
+            <a:ext cx="11640671" cy="5007620"/>
+          </a:xfrm>
+        </p:spPr>
+        <p:txBody>
+          <a:bodyPr>
+            <a:normAutofit lnSpcReduction="10000"/>
+          </a:bodyPr>
+          <a:lstStyle/>
+          <a:p>
+            <a:r>
+              <a:rPr kumimoji="1" lang="en-US" altLang="ja-JP" dirty="0"/>
+              <a:t>Mathematics can manipulate definite numbers (“mathematical  entities”) as </a:t>
+            </a:r>
+            <a:r>
+              <a:rPr kumimoji="1" lang="en-US" altLang="ja-JP" b="1" dirty="0">
+                <a:solidFill>
+                  <a:srgbClr val="FF0000"/>
+                </a:solidFill>
+              </a:rPr>
+              <a:t>limits</a:t>
+            </a:r>
+            <a:r>
+              <a:rPr kumimoji="1" lang="en-US" altLang="ja-JP" dirty="0"/>
+              <a:t> of computational processes. Shall computation be finite or how can we </a:t>
+            </a:r>
+            <a:r>
+              <a:rPr lang="en-US" altLang="ja-JP" dirty="0"/>
+              <a:t>compute limits</a:t>
+            </a:r>
+            <a:r>
+              <a:rPr kumimoji="1" lang="en-US" altLang="ja-JP" dirty="0"/>
+              <a:t> (halting problem, parallelism)?</a:t>
+            </a:r>
+          </a:p>
+          <a:p>
+            <a:pPr marL="0" indent="0">
+              <a:buNone/>
+            </a:pPr>
+            <a:r>
+              <a:rPr kumimoji="1" lang="en-US" altLang="ja-JP" dirty="0"/>
+              <a:t>  For example: continued fractions, arithmetic-geometric means, etc.</a:t>
+            </a:r>
+          </a:p>
+          <a:p>
+            <a:pPr marL="0" indent="0">
+              <a:buNone/>
+            </a:pPr>
+            <a:endParaRPr lang="en-US" altLang="ja-JP" dirty="0"/>
+          </a:p>
+          <a:p>
+            <a:r>
+              <a:rPr lang="en-US" altLang="ja-JP" b="1" dirty="0">
+                <a:solidFill>
+                  <a:srgbClr val="FF0000"/>
+                </a:solidFill>
+              </a:rPr>
+              <a:t>Dualities</a:t>
+            </a:r>
+            <a:r>
+              <a:rPr lang="en-US" altLang="ja-JP" dirty="0"/>
+              <a:t> in mathematics and computing:</a:t>
+            </a:r>
+            <a:r>
+              <a:rPr kumimoji="1" lang="en-US" altLang="ja-JP" dirty="0"/>
+              <a:t> A program can be interpreted or solve many dual problems.</a:t>
+            </a:r>
+          </a:p>
+          <a:p>
+            <a:pPr marL="0" indent="0">
+              <a:buNone/>
+            </a:pPr>
+            <a:r>
+              <a:rPr kumimoji="1" lang="en-US" altLang="ja-JP" dirty="0"/>
+              <a:t>  For example: cross product of two homogeneous 3D vectors interpreted as line passing through two points or dual intersection point of the corresponding two dual lines  (here, projective geometry duality).</a:t>
+            </a:r>
+          </a:p>
+          <a:p>
+            <a:pPr marL="0" indent="0">
+              <a:buNone/>
+            </a:pPr>
+            <a:endParaRPr kumimoji="1" lang="ja-JP" altLang="en-US" dirty="0"/>
+          </a:p>
+        </p:txBody>
+      </p:sp>
+    </p:spTree>
+    <p:extLst>
+      <p:ext uri="{BB962C8B-B14F-4D97-AF65-F5344CB8AC3E}">
+        <p14:creationId xmlns:p14="http://schemas.microsoft.com/office/powerpoint/2010/main" val="454447113"/>
+      </p:ext>
+    </p:extLst>
+  </p:cSld>
+  <p:clrMapOvr>
+    <a:masterClrMapping/>
+  </p:clrMapOvr>
+</p:sld>
+</file>
+
+<file path=ppt/slides/slide11.xml><?xml version="1.0" encoding="utf-8"?>
+<p:sld xmlns:a="http://schemas.openxmlformats.org/drawingml/2006/main" xmlns:r="http://schemas.openxmlformats.org/officeDocument/2006/relationships" xmlns:p="http://schemas.openxmlformats.org/presentationml/2006/main">
+  <p:cSld>
+    <p:spTree>
+      <p:nvGrpSpPr>
+        <p:cNvPr id="1" name=""/>
+        <p:cNvGrpSpPr/>
+        <p:nvPr/>
+      </p:nvGrpSpPr>
+      <p:grpSpPr>
+        <a:xfrm>
+          <a:off x="0" y="0"/>
+          <a:ext cx="0" cy="0"/>
+          <a:chOff x="0" y="0"/>
+          <a:chExt cx="0" cy="0"/>
+        </a:xfrm>
+      </p:grpSpPr>
+      <p:sp>
+        <p:nvSpPr>
+          <p:cNvPr id="2" name="Title 1">
+            <a:extLst>
+              <a:ext uri="{FF2B5EF4-FFF2-40B4-BE49-F238E27FC236}">
+                <a16:creationId xmlns:a16="http://schemas.microsoft.com/office/drawing/2014/main" id="{2DF01ECD-5744-03DF-E2A8-1D624D885B2A}"/>
+              </a:ext>
+            </a:extLst>
+          </p:cNvPr>
+          <p:cNvSpPr>
+            <a:spLocks noGrp="1"/>
+          </p:cNvSpPr>
+          <p:nvPr>
+            <p:ph type="title"/>
+          </p:nvPr>
+        </p:nvSpPr>
+        <p:spPr>
+          <a:xfrm>
+            <a:off x="261768" y="-42880"/>
+            <a:ext cx="12313921" cy="1325563"/>
+          </a:xfrm>
+        </p:spPr>
+        <p:txBody>
+          <a:bodyPr>
+            <a:normAutofit/>
+          </a:bodyPr>
+          <a:lstStyle/>
+          <a:p>
+            <a:r>
+              <a:rPr kumimoji="1" lang="en-US" altLang="ja-JP" sz="4000" b="1" dirty="0">
+                <a:solidFill>
+                  <a:schemeClr val="accent5"/>
+                </a:solidFill>
+                <a:latin typeface="Arial Narrow" panose="020B0606020202030204" pitchFamily="34" charset="0"/>
+              </a:rPr>
+              <a:t>Geometric mean of n symmetric positive-definite matrices</a:t>
+            </a:r>
+            <a:endParaRPr kumimoji="1" lang="ja-JP" altLang="en-US" sz="4000" b="1" dirty="0">
+              <a:solidFill>
+                <a:schemeClr val="accent5"/>
+              </a:solidFill>
+              <a:latin typeface="Arial Narrow" panose="020B0606020202030204" pitchFamily="34" charset="0"/>
+            </a:endParaRPr>
+          </a:p>
+        </p:txBody>
+      </p:sp>
+      <p:sp>
+        <p:nvSpPr>
+          <p:cNvPr id="3" name="Content Placeholder 2">
+            <a:extLst>
+              <a:ext uri="{FF2B5EF4-FFF2-40B4-BE49-F238E27FC236}">
+                <a16:creationId xmlns:a16="http://schemas.microsoft.com/office/drawing/2014/main" id="{EC520483-DF3B-77EC-8978-DAF7DF9190A6}"/>
+              </a:ext>
+            </a:extLst>
+          </p:cNvPr>
+          <p:cNvSpPr>
+            <a:spLocks noGrp="1"/>
+          </p:cNvSpPr>
+          <p:nvPr>
+            <p:ph idx="1"/>
+          </p:nvPr>
+        </p:nvSpPr>
+        <p:spPr>
+          <a:xfrm>
+            <a:off x="261768" y="1169409"/>
+            <a:ext cx="11930231" cy="5575636"/>
+          </a:xfrm>
+        </p:spPr>
+        <p:txBody>
+          <a:bodyPr>
+            <a:normAutofit lnSpcReduction="10000"/>
+          </a:bodyPr>
+          <a:lstStyle/>
+          <a:p>
+            <a:r>
+              <a:rPr kumimoji="1" lang="en-US" altLang="ja-JP" dirty="0">
+                <a:latin typeface="Arial Narrow" panose="020B0606020202030204" pitchFamily="34" charset="0"/>
+              </a:rPr>
+              <a:t>Define the </a:t>
+            </a:r>
+            <a:r>
+              <a:rPr kumimoji="1" lang="en-US" altLang="ja-JP" b="1" dirty="0">
+                <a:solidFill>
+                  <a:srgbClr val="FF0000"/>
+                </a:solidFill>
+                <a:latin typeface="Arial Narrow" panose="020B0606020202030204" pitchFamily="34" charset="0"/>
+              </a:rPr>
+              <a:t>geometric mean </a:t>
+            </a:r>
+            <a:r>
+              <a:rPr kumimoji="1" lang="en-US" altLang="ja-JP" dirty="0">
+                <a:latin typeface="Arial Narrow" panose="020B0606020202030204" pitchFamily="34" charset="0"/>
+              </a:rPr>
+              <a:t>of n SPD matrices as the </a:t>
+            </a:r>
+            <a:r>
+              <a:rPr kumimoji="1" lang="en-US" altLang="ja-JP" b="1" dirty="0">
+                <a:solidFill>
+                  <a:schemeClr val="accent4"/>
+                </a:solidFill>
+                <a:latin typeface="Arial Narrow" panose="020B0606020202030204" pitchFamily="34" charset="0"/>
+              </a:rPr>
+              <a:t>unique minimizer </a:t>
+            </a:r>
+            <a:r>
+              <a:rPr kumimoji="1" lang="en-US" altLang="ja-JP" dirty="0">
+                <a:latin typeface="Arial Narrow" panose="020B0606020202030204" pitchFamily="34" charset="0"/>
+              </a:rPr>
+              <a:t>of</a:t>
+            </a:r>
+          </a:p>
+          <a:p>
+            <a:endParaRPr lang="en-US" altLang="ja-JP" dirty="0">
+              <a:latin typeface="Arial Narrow" panose="020B0606020202030204" pitchFamily="34" charset="0"/>
+            </a:endParaRPr>
+          </a:p>
+          <a:p>
+            <a:endParaRPr kumimoji="1" lang="en-US" altLang="ja-JP" dirty="0">
+              <a:latin typeface="Arial Narrow" panose="020B0606020202030204" pitchFamily="34" charset="0"/>
+            </a:endParaRPr>
+          </a:p>
+          <a:p>
+            <a:r>
+              <a:rPr lang="en-US" altLang="ja-JP" dirty="0">
+                <a:latin typeface="Arial Narrow" panose="020B0606020202030204" pitchFamily="34" charset="0"/>
+              </a:rPr>
+              <a:t>When n=2</a:t>
+            </a:r>
+            <a:r>
+              <a:rPr kumimoji="1" lang="en-US" altLang="ja-JP" dirty="0">
+                <a:latin typeface="Arial Narrow" panose="020B0606020202030204" pitchFamily="34" charset="0"/>
+              </a:rPr>
+              <a:t>: </a:t>
+            </a:r>
+            <a:r>
+              <a:rPr kumimoji="1" lang="en-US" altLang="ja-JP" b="1" dirty="0">
+                <a:solidFill>
+                  <a:srgbClr val="FF0000"/>
+                </a:solidFill>
+                <a:latin typeface="Arial Narrow" panose="020B0606020202030204" pitchFamily="34" charset="0"/>
+              </a:rPr>
+              <a:t>closed-form formula</a:t>
+            </a:r>
+            <a:r>
+              <a:rPr kumimoji="1" lang="en-US" altLang="ja-JP" dirty="0">
+                <a:latin typeface="Arial Narrow" panose="020B0606020202030204" pitchFamily="34" charset="0"/>
+              </a:rPr>
+              <a:t>:</a:t>
+            </a:r>
+          </a:p>
+          <a:p>
+            <a:r>
+              <a:rPr lang="en-US" altLang="ja-JP" dirty="0">
+                <a:latin typeface="Arial Narrow" panose="020B0606020202030204" pitchFamily="34" charset="0"/>
+              </a:rPr>
+              <a:t>Unique solution is characterized by </a:t>
+            </a:r>
+            <a:r>
+              <a:rPr lang="en-US" altLang="ja-JP" b="1" dirty="0" err="1">
+                <a:solidFill>
+                  <a:srgbClr val="FF0000"/>
+                </a:solidFill>
+                <a:latin typeface="Arial Narrow" panose="020B0606020202030204" pitchFamily="34" charset="0"/>
+              </a:rPr>
+              <a:t>Karcher</a:t>
+            </a:r>
+            <a:r>
+              <a:rPr lang="en-US" altLang="ja-JP" b="1" dirty="0">
+                <a:solidFill>
+                  <a:srgbClr val="FF0000"/>
+                </a:solidFill>
+                <a:latin typeface="Arial Narrow" panose="020B0606020202030204" pitchFamily="34" charset="0"/>
+              </a:rPr>
+              <a:t> equation</a:t>
+            </a:r>
+            <a:r>
+              <a:rPr lang="en-US" altLang="ja-JP" dirty="0">
+                <a:latin typeface="Arial Narrow" panose="020B0606020202030204" pitchFamily="34" charset="0"/>
+              </a:rPr>
+              <a:t>:</a:t>
+            </a:r>
+          </a:p>
+          <a:p>
+            <a:endParaRPr lang="en-US" altLang="ja-JP" dirty="0">
+              <a:latin typeface="Arial Narrow" panose="020B0606020202030204" pitchFamily="34" charset="0"/>
+            </a:endParaRPr>
+          </a:p>
+          <a:p>
+            <a:r>
+              <a:rPr lang="en-US" altLang="ja-JP" dirty="0">
+                <a:latin typeface="Arial Narrow" panose="020B0606020202030204" pitchFamily="34" charset="0"/>
+              </a:rPr>
+              <a:t>Simple </a:t>
+            </a:r>
+            <a:r>
+              <a:rPr lang="en-US" altLang="ja-JP" b="1" dirty="0">
+                <a:solidFill>
+                  <a:srgbClr val="FF0000"/>
+                </a:solidFill>
+                <a:latin typeface="Arial Narrow" panose="020B0606020202030204" pitchFamily="34" charset="0"/>
+              </a:rPr>
+              <a:t>inductive geometric mean</a:t>
+            </a:r>
+            <a:r>
+              <a:rPr lang="en-US" altLang="ja-JP" dirty="0">
+                <a:latin typeface="Arial Narrow" panose="020B0606020202030204" pitchFamily="34" charset="0"/>
+              </a:rPr>
+              <a:t>: Let M</a:t>
+            </a:r>
+            <a:r>
+              <a:rPr lang="en-US" altLang="ja-JP" baseline="-25000" dirty="0">
+                <a:latin typeface="Arial Narrow" panose="020B0606020202030204" pitchFamily="34" charset="0"/>
+              </a:rPr>
+              <a:t>1</a:t>
+            </a:r>
+            <a:r>
+              <a:rPr lang="en-US" altLang="ja-JP" dirty="0">
+                <a:latin typeface="Arial Narrow" panose="020B0606020202030204" pitchFamily="34" charset="0"/>
+              </a:rPr>
+              <a:t>=P</a:t>
+            </a:r>
+            <a:r>
+              <a:rPr lang="en-US" altLang="ja-JP" baseline="-25000" dirty="0">
+                <a:latin typeface="Arial Narrow" panose="020B0606020202030204" pitchFamily="34" charset="0"/>
+              </a:rPr>
+              <a:t>1</a:t>
+            </a:r>
+            <a:r>
+              <a:rPr lang="en-US" altLang="ja-JP" dirty="0">
+                <a:latin typeface="Arial Narrow" panose="020B0606020202030204" pitchFamily="34" charset="0"/>
+              </a:rPr>
+              <a:t> . Then </a:t>
+            </a:r>
+            <a:r>
+              <a:rPr lang="en-US" altLang="ja-JP" b="1" dirty="0">
+                <a:solidFill>
+                  <a:schemeClr val="accent4"/>
+                </a:solidFill>
+                <a:latin typeface="Arial Narrow" panose="020B0606020202030204" pitchFamily="34" charset="0"/>
+              </a:rPr>
+              <a:t>iterate</a:t>
+            </a:r>
+          </a:p>
+          <a:p>
+            <a:endParaRPr lang="en-US" altLang="ja-JP" dirty="0">
+              <a:latin typeface="Arial Narrow" panose="020B0606020202030204" pitchFamily="34" charset="0"/>
+            </a:endParaRPr>
+          </a:p>
+          <a:p>
+            <a:endParaRPr lang="en-US" altLang="ja-JP" dirty="0">
+              <a:latin typeface="Arial Narrow" panose="020B0606020202030204" pitchFamily="34" charset="0"/>
+            </a:endParaRPr>
+          </a:p>
+          <a:p>
+            <a:r>
+              <a:rPr kumimoji="1" lang="en-US" altLang="ja-JP" dirty="0">
+                <a:latin typeface="Arial Narrow" panose="020B0606020202030204" pitchFamily="34" charset="0"/>
+              </a:rPr>
+              <a:t>In the limit, it converges to the </a:t>
+            </a:r>
+            <a:r>
+              <a:rPr kumimoji="1" lang="en-US" altLang="ja-JP" b="1" dirty="0">
+                <a:solidFill>
+                  <a:schemeClr val="accent4"/>
+                </a:solidFill>
+                <a:latin typeface="Arial Narrow" panose="020B0606020202030204" pitchFamily="34" charset="0"/>
+              </a:rPr>
+              <a:t>geometric n-variable mean</a:t>
+            </a:r>
+            <a:r>
+              <a:rPr kumimoji="1" lang="en-US" altLang="ja-JP" dirty="0">
+                <a:latin typeface="Arial Narrow" panose="020B0606020202030204" pitchFamily="34" charset="0"/>
+              </a:rPr>
+              <a:t>:</a:t>
+            </a:r>
+          </a:p>
+          <a:p>
+            <a:r>
+              <a:rPr kumimoji="1" lang="en-US" altLang="ja-JP" dirty="0">
+                <a:latin typeface="Arial Narrow" panose="020B0606020202030204" pitchFamily="34" charset="0"/>
+              </a:rPr>
+              <a:t>Extend  to calculate </a:t>
+            </a:r>
+            <a:r>
+              <a:rPr kumimoji="1" lang="en-US" altLang="ja-JP" b="1" dirty="0">
+                <a:solidFill>
+                  <a:srgbClr val="FF0000"/>
+                </a:solidFill>
+                <a:latin typeface="Arial Narrow" panose="020B0606020202030204" pitchFamily="34" charset="0"/>
+              </a:rPr>
+              <a:t>expectations</a:t>
+            </a:r>
+            <a:r>
+              <a:rPr kumimoji="1" lang="en-US" altLang="ja-JP" dirty="0">
+                <a:latin typeface="Arial Narrow" panose="020B0606020202030204" pitchFamily="34" charset="0"/>
+              </a:rPr>
+              <a:t> of </a:t>
+            </a:r>
+            <a:r>
+              <a:rPr kumimoji="1" lang="en-US" altLang="ja-JP" b="1" dirty="0">
+                <a:solidFill>
+                  <a:srgbClr val="FF0000"/>
+                </a:solidFill>
+                <a:latin typeface="Arial Narrow" panose="020B0606020202030204" pitchFamily="34" charset="0"/>
+              </a:rPr>
+              <a:t>SPD random variables </a:t>
+            </a:r>
+            <a:r>
+              <a:rPr kumimoji="1" lang="en-US" altLang="ja-JP" dirty="0">
+                <a:latin typeface="Arial Narrow" panose="020B0606020202030204" pitchFamily="34" charset="0"/>
+              </a:rPr>
+              <a:t>with </a:t>
+            </a:r>
+            <a:r>
+              <a:rPr kumimoji="1" lang="en-US" altLang="ja-JP" dirty="0">
+                <a:solidFill>
+                  <a:schemeClr val="accent4"/>
+                </a:solidFill>
+                <a:latin typeface="Arial Narrow" panose="020B0606020202030204" pitchFamily="34" charset="0"/>
+              </a:rPr>
+              <a:t>compact supports</a:t>
+            </a:r>
+            <a:endParaRPr kumimoji="1" lang="ja-JP" altLang="en-US" dirty="0">
+              <a:solidFill>
+                <a:schemeClr val="accent4"/>
+              </a:solidFill>
+              <a:latin typeface="Arial Narrow" panose="020B0606020202030204" pitchFamily="34" charset="0"/>
+            </a:endParaRPr>
           </a:p>
         </p:txBody>
       </p:sp>
       <p:pic>
         <p:nvPicPr>
-          <p:cNvPr id="1026" name="Picture 2" descr="情報理論の要素 (ワイリーシリーズイン 、カバー 、トーマスハードカバー + = - 画像1/1">
-            <a:extLst>
-              <a:ext uri="{FF2B5EF4-FFF2-40B4-BE49-F238E27FC236}">
-                <a16:creationId xmlns:a16="http://schemas.microsoft.com/office/drawing/2014/main" id="{04302A6E-5E4E-50D5-D84E-537DCD511644}"/>
+          <p:cNvPr id="5" name="Picture 4">
+            <a:extLst>
+              <a:ext uri="{FF2B5EF4-FFF2-40B4-BE49-F238E27FC236}">
+                <a16:creationId xmlns:a16="http://schemas.microsoft.com/office/drawing/2014/main" id="{C6B6792E-98C1-508E-0619-AFA5EDDB8629}"/>
               </a:ext>
             </a:extLst>
           </p:cNvPr>
           <p:cNvPicPr>
-            <a:picLocks noChangeAspect="1" noChangeArrowheads="1"/>
+            <a:picLocks noChangeAspect="1"/>
           </p:cNvPicPr>
           <p:nvPr/>
         </p:nvPicPr>
         <p:blipFill>
-          <a:blip r:embed="rId2">
+          <a:blip r:embed="rId3"/>
+          <a:stretch>
+            <a:fillRect/>
+          </a:stretch>
+        </p:blipFill>
+        <p:spPr>
+          <a:xfrm>
+            <a:off x="293490" y="1659432"/>
+            <a:ext cx="4885093" cy="758983"/>
+          </a:xfrm>
+          <a:prstGeom prst="rect">
+            <a:avLst/>
+          </a:prstGeom>
+        </p:spPr>
+      </p:pic>
+      <p:pic>
+        <p:nvPicPr>
+          <p:cNvPr id="7" name="Picture 6">
+            <a:extLst>
+              <a:ext uri="{FF2B5EF4-FFF2-40B4-BE49-F238E27FC236}">
+                <a16:creationId xmlns:a16="http://schemas.microsoft.com/office/drawing/2014/main" id="{6DE7B7CB-1898-733F-0CD9-D4CF9CB06A0F}"/>
+              </a:ext>
+            </a:extLst>
+          </p:cNvPr>
+          <p:cNvPicPr>
+            <a:picLocks noChangeAspect="1"/>
+          </p:cNvPicPr>
+          <p:nvPr/>
+        </p:nvPicPr>
+        <p:blipFill>
+          <a:blip r:embed="rId4"/>
+          <a:stretch>
+            <a:fillRect/>
+          </a:stretch>
+        </p:blipFill>
+        <p:spPr>
+          <a:xfrm>
+            <a:off x="5866506" y="1631833"/>
+            <a:ext cx="6299562" cy="814182"/>
+          </a:xfrm>
+          <a:prstGeom prst="rect">
+            <a:avLst/>
+          </a:prstGeom>
+        </p:spPr>
+      </p:pic>
+      <p:sp>
+        <p:nvSpPr>
+          <p:cNvPr id="8" name="TextBox 7">
+            <a:extLst>
+              <a:ext uri="{FF2B5EF4-FFF2-40B4-BE49-F238E27FC236}">
+                <a16:creationId xmlns:a16="http://schemas.microsoft.com/office/drawing/2014/main" id="{B8CA99C7-8C79-EF16-DC0A-D3C6DE261AA0}"/>
+              </a:ext>
+            </a:extLst>
+          </p:cNvPr>
+          <p:cNvSpPr txBox="1"/>
+          <p:nvPr/>
+        </p:nvSpPr>
+        <p:spPr>
+          <a:xfrm>
+            <a:off x="5264431" y="1824090"/>
+            <a:ext cx="641522" cy="369332"/>
+          </a:xfrm>
+          <a:prstGeom prst="rect">
+            <a:avLst/>
+          </a:prstGeom>
+          <a:noFill/>
+        </p:spPr>
+        <p:txBody>
+          <a:bodyPr wrap="none" rtlCol="0">
+            <a:spAutoFit/>
+          </a:bodyPr>
+          <a:lstStyle/>
+          <a:p>
+            <a:r>
+              <a:rPr kumimoji="1" lang="en-US" altLang="ja-JP" dirty="0"/>
+              <a:t>with</a:t>
+            </a:r>
+            <a:endParaRPr kumimoji="1" lang="ja-JP" altLang="en-US" dirty="0"/>
+          </a:p>
+        </p:txBody>
+      </p:sp>
+      <p:pic>
+        <p:nvPicPr>
+          <p:cNvPr id="10" name="Picture 9">
+            <a:extLst>
+              <a:ext uri="{FF2B5EF4-FFF2-40B4-BE49-F238E27FC236}">
+                <a16:creationId xmlns:a16="http://schemas.microsoft.com/office/drawing/2014/main" id="{607D8C21-CADE-01D7-B6CD-26ADA780AD3C}"/>
+              </a:ext>
+            </a:extLst>
+          </p:cNvPr>
+          <p:cNvPicPr>
+            <a:picLocks noChangeAspect="1"/>
+          </p:cNvPicPr>
+          <p:nvPr/>
+        </p:nvPicPr>
+        <p:blipFill>
+          <a:blip r:embed="rId5"/>
+          <a:stretch>
+            <a:fillRect/>
+          </a:stretch>
+        </p:blipFill>
+        <p:spPr>
+          <a:xfrm>
+            <a:off x="5270181" y="2496704"/>
+            <a:ext cx="4448175" cy="476250"/>
+          </a:xfrm>
+          <a:prstGeom prst="rect">
+            <a:avLst/>
+          </a:prstGeom>
+        </p:spPr>
+      </p:pic>
+      <p:pic>
+        <p:nvPicPr>
+          <p:cNvPr id="12" name="Picture 11">
+            <a:extLst>
+              <a:ext uri="{FF2B5EF4-FFF2-40B4-BE49-F238E27FC236}">
+                <a16:creationId xmlns:a16="http://schemas.microsoft.com/office/drawing/2014/main" id="{B64D8DDD-2362-A0E3-94B9-89EA3CC97B40}"/>
+              </a:ext>
+            </a:extLst>
+          </p:cNvPr>
+          <p:cNvPicPr>
+            <a:picLocks noChangeAspect="1"/>
+          </p:cNvPicPr>
+          <p:nvPr/>
+        </p:nvPicPr>
+        <p:blipFill>
+          <a:blip r:embed="rId6"/>
+          <a:stretch>
+            <a:fillRect/>
+          </a:stretch>
+        </p:blipFill>
+        <p:spPr>
+          <a:xfrm>
+            <a:off x="7916702" y="3019061"/>
+            <a:ext cx="3362325" cy="514350"/>
+          </a:xfrm>
+          <a:prstGeom prst="rect">
+            <a:avLst/>
+          </a:prstGeom>
+        </p:spPr>
+      </p:pic>
+      <p:pic>
+        <p:nvPicPr>
+          <p:cNvPr id="14" name="Picture 13">
+            <a:extLst>
+              <a:ext uri="{FF2B5EF4-FFF2-40B4-BE49-F238E27FC236}">
+                <a16:creationId xmlns:a16="http://schemas.microsoft.com/office/drawing/2014/main" id="{86463FC7-A5BC-3B09-E7FF-01CE013B468F}"/>
+              </a:ext>
+            </a:extLst>
+          </p:cNvPr>
+          <p:cNvPicPr>
+            <a:picLocks noChangeAspect="1"/>
+          </p:cNvPicPr>
+          <p:nvPr/>
+        </p:nvPicPr>
+        <p:blipFill>
+          <a:blip r:embed="rId7"/>
+          <a:stretch>
+            <a:fillRect/>
+          </a:stretch>
+        </p:blipFill>
+        <p:spPr>
+          <a:xfrm>
+            <a:off x="8642031" y="3908168"/>
+            <a:ext cx="3162300" cy="581025"/>
+          </a:xfrm>
+          <a:prstGeom prst="rect">
+            <a:avLst/>
+          </a:prstGeom>
+        </p:spPr>
+      </p:pic>
+      <p:pic>
+        <p:nvPicPr>
+          <p:cNvPr id="16" name="Picture 15">
+            <a:extLst>
+              <a:ext uri="{FF2B5EF4-FFF2-40B4-BE49-F238E27FC236}">
+                <a16:creationId xmlns:a16="http://schemas.microsoft.com/office/drawing/2014/main" id="{C37CB5F2-299A-7BA1-E433-619116B1E733}"/>
+              </a:ext>
+            </a:extLst>
+          </p:cNvPr>
+          <p:cNvPicPr>
+            <a:picLocks noChangeAspect="1"/>
+          </p:cNvPicPr>
+          <p:nvPr/>
+        </p:nvPicPr>
+        <p:blipFill>
+          <a:blip r:embed="rId8"/>
+          <a:stretch>
+            <a:fillRect/>
+          </a:stretch>
+        </p:blipFill>
+        <p:spPr>
+          <a:xfrm>
+            <a:off x="8423740" y="5368027"/>
+            <a:ext cx="1714500" cy="419100"/>
+          </a:xfrm>
+          <a:prstGeom prst="rect">
+            <a:avLst/>
+          </a:prstGeom>
+        </p:spPr>
+      </p:pic>
+      <p:pic>
+        <p:nvPicPr>
+          <p:cNvPr id="18" name="Picture 17">
+            <a:extLst>
+              <a:ext uri="{FF2B5EF4-FFF2-40B4-BE49-F238E27FC236}">
+                <a16:creationId xmlns:a16="http://schemas.microsoft.com/office/drawing/2014/main" id="{E62890CF-6530-8FA3-56A7-A9DBB76C108D}"/>
+              </a:ext>
+            </a:extLst>
+          </p:cNvPr>
+          <p:cNvPicPr>
+            <a:picLocks noChangeAspect="1"/>
+          </p:cNvPicPr>
+          <p:nvPr/>
+        </p:nvPicPr>
+        <p:blipFill>
+          <a:blip r:embed="rId9"/>
+          <a:stretch>
+            <a:fillRect/>
+          </a:stretch>
+        </p:blipFill>
+        <p:spPr>
+          <a:xfrm>
+            <a:off x="10291932" y="5431696"/>
+            <a:ext cx="1638300" cy="304800"/>
+          </a:xfrm>
+          <a:prstGeom prst="rect">
+            <a:avLst/>
+          </a:prstGeom>
+        </p:spPr>
+      </p:pic>
+      <p:pic>
+        <p:nvPicPr>
+          <p:cNvPr id="20" name="Picture 19">
+            <a:extLst>
+              <a:ext uri="{FF2B5EF4-FFF2-40B4-BE49-F238E27FC236}">
+                <a16:creationId xmlns:a16="http://schemas.microsoft.com/office/drawing/2014/main" id="{29A15012-A0DD-C7D0-3842-E413B6F2D49D}"/>
+              </a:ext>
+            </a:extLst>
+          </p:cNvPr>
+          <p:cNvPicPr>
+            <a:picLocks noChangeAspect="1"/>
+          </p:cNvPicPr>
+          <p:nvPr/>
+        </p:nvPicPr>
+        <p:blipFill>
+          <a:blip r:embed="rId10"/>
+          <a:stretch>
+            <a:fillRect/>
+          </a:stretch>
+        </p:blipFill>
+        <p:spPr>
+          <a:xfrm>
+            <a:off x="7632381" y="4505564"/>
+            <a:ext cx="4171950" cy="714375"/>
+          </a:xfrm>
+          <a:prstGeom prst="rect">
+            <a:avLst/>
+          </a:prstGeom>
+        </p:spPr>
+      </p:pic>
+      <p:sp>
+        <p:nvSpPr>
+          <p:cNvPr id="21" name="TextBox 20">
+            <a:extLst>
+              <a:ext uri="{FF2B5EF4-FFF2-40B4-BE49-F238E27FC236}">
+                <a16:creationId xmlns:a16="http://schemas.microsoft.com/office/drawing/2014/main" id="{95417A58-3FD2-050B-5B4F-7769BDF9AF9C}"/>
+              </a:ext>
+            </a:extLst>
+          </p:cNvPr>
+          <p:cNvSpPr txBox="1"/>
+          <p:nvPr/>
+        </p:nvSpPr>
+        <p:spPr>
+          <a:xfrm>
+            <a:off x="492400" y="4664579"/>
+            <a:ext cx="7292381" cy="461665"/>
+          </a:xfrm>
+          <a:prstGeom prst="rect">
+            <a:avLst/>
+          </a:prstGeom>
+          <a:noFill/>
+        </p:spPr>
+        <p:txBody>
+          <a:bodyPr wrap="none" rtlCol="0">
+            <a:spAutoFit/>
+          </a:bodyPr>
+          <a:lstStyle/>
+          <a:p>
+            <a:r>
+              <a:rPr lang="en-US" altLang="ja-JP" sz="2400" dirty="0">
+                <a:latin typeface="Arial Narrow" panose="020B0606020202030204" pitchFamily="34" charset="0"/>
+              </a:rPr>
+              <a:t>w</a:t>
+            </a:r>
+            <a:r>
+              <a:rPr kumimoji="1" lang="en-US" altLang="ja-JP" sz="2400" dirty="0">
+                <a:latin typeface="Arial Narrow" panose="020B0606020202030204" pitchFamily="34" charset="0"/>
+              </a:rPr>
+              <a:t>ith geodesic barycenter (weighted geometric bivariate mean):</a:t>
+            </a:r>
+            <a:endParaRPr kumimoji="1" lang="ja-JP" altLang="en-US" sz="2400" dirty="0">
+              <a:latin typeface="Arial Narrow" panose="020B0606020202030204" pitchFamily="34" charset="0"/>
+            </a:endParaRPr>
+          </a:p>
+        </p:txBody>
+      </p:sp>
+      <p:sp>
+        <p:nvSpPr>
+          <p:cNvPr id="22" name="TextBox 21">
+            <a:extLst>
+              <a:ext uri="{FF2B5EF4-FFF2-40B4-BE49-F238E27FC236}">
+                <a16:creationId xmlns:a16="http://schemas.microsoft.com/office/drawing/2014/main" id="{2DAD6329-71D7-63DA-F973-DBEC583B7706}"/>
+              </a:ext>
+            </a:extLst>
+          </p:cNvPr>
+          <p:cNvSpPr txBox="1"/>
+          <p:nvPr/>
+        </p:nvSpPr>
+        <p:spPr>
+          <a:xfrm>
+            <a:off x="5178583" y="6466452"/>
+            <a:ext cx="6926896" cy="400110"/>
+          </a:xfrm>
+          <a:prstGeom prst="rect">
+            <a:avLst/>
+          </a:prstGeom>
+          <a:noFill/>
+        </p:spPr>
+        <p:txBody>
+          <a:bodyPr wrap="none" rtlCol="0">
+            <a:spAutoFit/>
+          </a:bodyPr>
+          <a:lstStyle/>
+          <a:p>
+            <a:r>
+              <a:rPr lang="en-US" altLang="ja-JP" sz="2000" b="1" dirty="0">
+                <a:solidFill>
+                  <a:schemeClr val="accent6"/>
+                </a:solidFill>
+              </a:rPr>
+              <a:t>What is... An inductive mean? AMS Notices, Dec. 2023</a:t>
+            </a:r>
+            <a:endParaRPr kumimoji="1" lang="ja-JP" altLang="en-US" sz="2000" b="1" dirty="0">
+              <a:solidFill>
+                <a:schemeClr val="accent6"/>
+              </a:solidFill>
+            </a:endParaRPr>
+          </a:p>
+        </p:txBody>
+      </p:sp>
+    </p:spTree>
+    <p:extLst>
+      <p:ext uri="{BB962C8B-B14F-4D97-AF65-F5344CB8AC3E}">
+        <p14:creationId xmlns:p14="http://schemas.microsoft.com/office/powerpoint/2010/main" val="1521232162"/>
+      </p:ext>
+    </p:extLst>
+  </p:cSld>
+  <p:clrMapOvr>
+    <a:masterClrMapping/>
+  </p:clrMapOvr>
+</p:sld>
+</file>
+
+<file path=ppt/slides/slide2.xml><?xml version="1.0" encoding="utf-8"?>
+<p:sld xmlns:a="http://schemas.openxmlformats.org/drawingml/2006/main" xmlns:r="http://schemas.openxmlformats.org/officeDocument/2006/relationships" xmlns:p="http://schemas.openxmlformats.org/presentationml/2006/main">
+  <p:cSld>
+    <p:bg>
+      <p:bgPr>
+        <a:solidFill>
+          <a:schemeClr val="bg1"/>
+        </a:solidFill>
+        <a:effectLst/>
+      </p:bgPr>
+    </p:bg>
+    <p:spTree>
+      <p:nvGrpSpPr>
+        <p:cNvPr id="1" name=""/>
+        <p:cNvGrpSpPr/>
+        <p:nvPr/>
+      </p:nvGrpSpPr>
+      <p:grpSpPr>
+        <a:xfrm>
+          <a:off x="0" y="0"/>
+          <a:ext cx="0" cy="0"/>
+          <a:chOff x="0" y="0"/>
+          <a:chExt cx="0" cy="0"/>
+        </a:xfrm>
+      </p:grpSpPr>
+      <p:sp useBgFill="1">
+        <p:nvSpPr>
+          <p:cNvPr id="1052" name="Rectangle 1051">
+            <a:extLst>
+              <a:ext uri="{FF2B5EF4-FFF2-40B4-BE49-F238E27FC236}">
+                <a16:creationId xmlns:a16="http://schemas.microsoft.com/office/drawing/2014/main" id="{1500B4A4-B1F1-41EA-886A-B8A210DBCA3B}"/>
+              </a:ext>
+              <a:ext uri="{C183D7F6-B498-43B3-948B-1728B52AA6E4}">
+                <adec:decorative xmlns:adec="http://schemas.microsoft.com/office/drawing/2017/decorative" val="1"/>
+              </a:ext>
+            </a:extLst>
+          </p:cNvPr>
+          <p:cNvSpPr>
+            <a:spLocks noGrp="1" noRot="1" noChangeAspect="1" noMove="1" noResize="1" noEditPoints="1" noAdjustHandles="1" noChangeArrowheads="1" noChangeShapeType="1" noTextEdit="1"/>
+          </p:cNvSpPr>
+          <p:nvPr>
+            <p:extLst>
+              <p:ext uri="{386F3935-93C4-4BCD-93E2-E3B085C9AB24}">
+                <p16:designElem xmlns:p16="http://schemas.microsoft.com/office/powerpoint/2015/main" val="1"/>
+              </p:ext>
+            </p:extLst>
+          </p:nvPr>
+        </p:nvSpPr>
+        <p:spPr>
+          <a:xfrm>
+            <a:off x="0" y="0"/>
+            <a:ext cx="12191695" cy="6858000"/>
+          </a:xfrm>
+          <a:prstGeom prst="rect">
+            <a:avLst/>
+          </a:prstGeom>
+          <a:ln>
+            <a:noFill/>
+          </a:ln>
+        </p:spPr>
+        <p:style>
+          <a:lnRef idx="2">
+            <a:schemeClr val="accent1">
+              <a:shade val="50000"/>
+            </a:schemeClr>
+          </a:lnRef>
+          <a:fillRef idx="1">
+            <a:schemeClr val="accent1"/>
+          </a:fillRef>
+          <a:effectRef idx="0">
+            <a:schemeClr val="accent1"/>
+          </a:effectRef>
+          <a:fontRef idx="minor">
+            <a:schemeClr val="lt1"/>
+          </a:fontRef>
+        </p:style>
+        <p:txBody>
+          <a:bodyPr rtlCol="0" anchor="ctr"/>
+          <a:lstStyle/>
+          <a:p>
+            <a:pPr algn="ctr"/>
+            <a:endParaRPr lang="en-US"/>
+          </a:p>
+        </p:txBody>
+      </p:sp>
+      <p:sp>
+        <p:nvSpPr>
+          <p:cNvPr id="1054" name="Rectangle 1053">
+            <a:extLst>
+              <a:ext uri="{FF2B5EF4-FFF2-40B4-BE49-F238E27FC236}">
+                <a16:creationId xmlns:a16="http://schemas.microsoft.com/office/drawing/2014/main" id="{5E55A99C-0BDC-4DBE-8E40-9FA66F629FA1}"/>
+              </a:ext>
+              <a:ext uri="{C183D7F6-B498-43B3-948B-1728B52AA6E4}">
+                <adec:decorative xmlns:adec="http://schemas.microsoft.com/office/drawing/2017/decorative" val="1"/>
+              </a:ext>
+            </a:extLst>
+          </p:cNvPr>
+          <p:cNvSpPr>
+            <a:spLocks noGrp="1" noRot="1" noChangeAspect="1" noMove="1" noResize="1" noEditPoints="1" noAdjustHandles="1" noChangeArrowheads="1" noChangeShapeType="1" noTextEdit="1"/>
+          </p:cNvSpPr>
+          <p:nvPr>
+            <p:extLst>
+              <p:ext uri="{386F3935-93C4-4BCD-93E2-E3B085C9AB24}">
+                <p16:designElem xmlns:p16="http://schemas.microsoft.com/office/powerpoint/2015/main" val="1"/>
+              </p:ext>
+            </p:extLst>
+          </p:nvPr>
+        </p:nvSpPr>
+        <p:spPr>
+          <a:xfrm>
+            <a:off x="0" y="891540"/>
+            <a:ext cx="722376" cy="5071110"/>
+          </a:xfrm>
+          <a:prstGeom prst="rect">
+            <a:avLst/>
+          </a:prstGeom>
+          <a:solidFill>
+            <a:srgbClr val="4C5254"/>
+          </a:solidFill>
+          <a:ln>
+            <a:noFill/>
+          </a:ln>
+        </p:spPr>
+        <p:style>
+          <a:lnRef idx="2">
+            <a:schemeClr val="accent1">
+              <a:shade val="50000"/>
+            </a:schemeClr>
+          </a:lnRef>
+          <a:fillRef idx="1">
+            <a:schemeClr val="accent1"/>
+          </a:fillRef>
+          <a:effectRef idx="0">
+            <a:schemeClr val="accent1"/>
+          </a:effectRef>
+          <a:fontRef idx="minor">
+            <a:schemeClr val="lt1"/>
+          </a:fontRef>
+        </p:style>
+        <p:txBody>
+          <a:bodyPr rtlCol="0" anchor="ctr"/>
+          <a:lstStyle/>
+          <a:p>
+            <a:pPr algn="ctr"/>
+            <a:endParaRPr lang="en-US"/>
+          </a:p>
+        </p:txBody>
+      </p:sp>
+      <p:pic>
+        <p:nvPicPr>
+          <p:cNvPr id="1028" name="Picture 4" descr="Perceptrons: An Introduction... by Minsky, Marvin">
+            <a:extLst>
+              <a:ext uri="{FF2B5EF4-FFF2-40B4-BE49-F238E27FC236}">
+                <a16:creationId xmlns:a16="http://schemas.microsoft.com/office/drawing/2014/main" id="{5D8B1D57-F53D-EF2A-CD93-AD32B6A029BA}"/>
+              </a:ext>
+            </a:extLst>
+          </p:cNvPr>
+          <p:cNvPicPr>
+            <a:picLocks noGrp="1" noChangeAspect="1" noChangeArrowheads="1"/>
+          </p:cNvPicPr>
+          <p:nvPr>
+            <p:ph idx="1"/>
+          </p:nvPr>
+        </p:nvPicPr>
+        <p:blipFill>
+          <a:blip r:embed="rId3">
             <a:extLst>
               <a:ext uri="{28A0092B-C50C-407E-A947-70E740481C1C}">
                 <a14:useLocalDpi xmlns:a14="http://schemas.microsoft.com/office/drawing/2010/main" val="0"/>
@@ -5161,13 +6256,12 @@
         </p:blipFill>
         <p:spPr bwMode="auto">
           <a:xfrm>
-            <a:off x="432603" y="0"/>
-            <a:ext cx="4365308" cy="6929060"/>
+            <a:off x="1012825" y="890588"/>
+            <a:ext cx="1571625" cy="2420938"/>
           </a:xfrm>
           <a:prstGeom prst="rect">
             <a:avLst/>
           </a:prstGeom>
-          <a:noFill/>
           <a:extLst>
             <a:ext uri="{909E8E84-426E-40DD-AFC4-6F175D3DCCD1}">
               <a14:hiddenFill xmlns:a14="http://schemas.microsoft.com/office/drawing/2010/main">
@@ -5181,10 +6275,10 @@
       </p:pic>
       <p:pic>
         <p:nvPicPr>
-          <p:cNvPr id="1030" name="Picture 6" descr="elvis on X: &quot;Information Theory, Inference, and Learning Algorithms This is  hands down one of the best books you can spend time on if you are studying  CS or ML. It unifies">
-            <a:extLst>
-              <a:ext uri="{FF2B5EF4-FFF2-40B4-BE49-F238E27FC236}">
-                <a16:creationId xmlns:a16="http://schemas.microsoft.com/office/drawing/2014/main" id="{7B546EB9-A5D0-6A4E-84C1-350FE4D9C396}"/>
+          <p:cNvPr id="1040" name="Picture 16" descr="Amazon.co.jp: Algebraic Geometry and Statistical Learning Theory (Cambridge  Monographs on Applied and Computational Mathematics, Series Number 25) :  Watanabe, Sumio: Foreign Language Books">
+            <a:extLst>
+              <a:ext uri="{FF2B5EF4-FFF2-40B4-BE49-F238E27FC236}">
+                <a16:creationId xmlns:a16="http://schemas.microsoft.com/office/drawing/2014/main" id="{D19E30C5-5037-4D8D-1DF5-96966B95541F}"/>
               </a:ext>
             </a:extLst>
           </p:cNvPr>
@@ -5194,7 +6288,7 @@
           <p:nvPr/>
         </p:nvPicPr>
         <p:blipFill>
-          <a:blip r:embed="rId3">
+          <a:blip r:embed="rId4">
             <a:extLst>
               <a:ext uri="{28A0092B-C50C-407E-A947-70E740481C1C}">
                 <a14:useLocalDpi xmlns:a14="http://schemas.microsoft.com/office/drawing/2010/main" val="0"/>
@@ -5208,13 +6302,334 @@
         </p:blipFill>
         <p:spPr bwMode="auto">
           <a:xfrm>
-            <a:off x="6486525" y="0"/>
-            <a:ext cx="5705475" cy="6858000"/>
+            <a:off x="1012825" y="3381375"/>
+            <a:ext cx="1571625" cy="2579688"/>
           </a:xfrm>
           <a:prstGeom prst="rect">
             <a:avLst/>
           </a:prstGeom>
-          <a:noFill/>
+          <a:extLst>
+            <a:ext uri="{909E8E84-426E-40DD-AFC4-6F175D3DCCD1}">
+              <a14:hiddenFill xmlns:a14="http://schemas.microsoft.com/office/drawing/2010/main">
+                <a:solidFill>
+                  <a:srgbClr val="FFFFFF"/>
+                </a:solidFill>
+              </a14:hiddenFill>
+            </a:ext>
+          </a:extLst>
+        </p:spPr>
+      </p:pic>
+      <p:pic>
+        <p:nvPicPr>
+          <p:cNvPr id="1034" name="Picture 10" descr="Statistical Learning Theory by Vapnik, Vladimir N.">
+            <a:extLst>
+              <a:ext uri="{FF2B5EF4-FFF2-40B4-BE49-F238E27FC236}">
+                <a16:creationId xmlns:a16="http://schemas.microsoft.com/office/drawing/2014/main" id="{091401EB-D93D-3022-368F-D422A47804A8}"/>
+              </a:ext>
+            </a:extLst>
+          </p:cNvPr>
+          <p:cNvPicPr>
+            <a:picLocks noChangeAspect="1" noChangeArrowheads="1"/>
+          </p:cNvPicPr>
+          <p:nvPr/>
+        </p:nvPicPr>
+        <p:blipFill>
+          <a:blip r:embed="rId5">
+            <a:extLst>
+              <a:ext uri="{28A0092B-C50C-407E-A947-70E740481C1C}">
+                <a14:useLocalDpi xmlns:a14="http://schemas.microsoft.com/office/drawing/2010/main" val="0"/>
+              </a:ext>
+            </a:extLst>
+          </a:blip>
+          <a:srcRect/>
+          <a:stretch>
+            <a:fillRect/>
+          </a:stretch>
+        </p:blipFill>
+        <p:spPr bwMode="auto">
+          <a:xfrm>
+            <a:off x="2654300" y="890588"/>
+            <a:ext cx="3078163" cy="5070475"/>
+          </a:xfrm>
+          <a:prstGeom prst="rect">
+            <a:avLst/>
+          </a:prstGeom>
+          <a:extLst>
+            <a:ext uri="{909E8E84-426E-40DD-AFC4-6F175D3DCCD1}">
+              <a14:hiddenFill xmlns:a14="http://schemas.microsoft.com/office/drawing/2010/main">
+                <a:solidFill>
+                  <a:srgbClr val="FFFFFF"/>
+                </a:solidFill>
+              </a14:hiddenFill>
+            </a:ext>
+          </a:extLst>
+        </p:spPr>
+      </p:pic>
+      <p:pic>
+        <p:nvPicPr>
+          <p:cNvPr id="1044" name="Picture 20" descr="Amazon | Pattern Recognition and Machine Learning (Information Science and  Statistics) | Bishop, Christopher M. | Machine Vision">
+            <a:extLst>
+              <a:ext uri="{FF2B5EF4-FFF2-40B4-BE49-F238E27FC236}">
+                <a16:creationId xmlns:a16="http://schemas.microsoft.com/office/drawing/2014/main" id="{1CF33CEA-0D47-7481-0554-2FFA6DD41265}"/>
+              </a:ext>
+            </a:extLst>
+          </p:cNvPr>
+          <p:cNvPicPr>
+            <a:picLocks noChangeAspect="1" noChangeArrowheads="1"/>
+          </p:cNvPicPr>
+          <p:nvPr/>
+        </p:nvPicPr>
+        <p:blipFill>
+          <a:blip r:embed="rId6">
+            <a:extLst>
+              <a:ext uri="{28A0092B-C50C-407E-A947-70E740481C1C}">
+                <a14:useLocalDpi xmlns:a14="http://schemas.microsoft.com/office/drawing/2010/main" val="0"/>
+              </a:ext>
+            </a:extLst>
+          </a:blip>
+          <a:srcRect/>
+          <a:stretch>
+            <a:fillRect/>
+          </a:stretch>
+        </p:blipFill>
+        <p:spPr bwMode="auto">
+          <a:xfrm>
+            <a:off x="5802313" y="890588"/>
+            <a:ext cx="1858963" cy="2535238"/>
+          </a:xfrm>
+          <a:prstGeom prst="rect">
+            <a:avLst/>
+          </a:prstGeom>
+          <a:extLst>
+            <a:ext uri="{909E8E84-426E-40DD-AFC4-6F175D3DCCD1}">
+              <a14:hiddenFill xmlns:a14="http://schemas.microsoft.com/office/drawing/2010/main">
+                <a:solidFill>
+                  <a:srgbClr val="FFFFFF"/>
+                </a:solidFill>
+              </a14:hiddenFill>
+            </a:ext>
+          </a:extLst>
+        </p:spPr>
+      </p:pic>
+      <p:pic>
+        <p:nvPicPr>
+          <p:cNvPr id="1026" name="Picture 2" descr="Boosting: Foundations and Algorithms... by Schapire, Robert E.">
+            <a:extLst>
+              <a:ext uri="{FF2B5EF4-FFF2-40B4-BE49-F238E27FC236}">
+                <a16:creationId xmlns:a16="http://schemas.microsoft.com/office/drawing/2014/main" id="{F43EAF97-FDE7-350F-EC18-9BFFEDC20FC6}"/>
+              </a:ext>
+            </a:extLst>
+          </p:cNvPr>
+          <p:cNvPicPr>
+            <a:picLocks noChangeAspect="1" noChangeArrowheads="1"/>
+          </p:cNvPicPr>
+          <p:nvPr/>
+        </p:nvPicPr>
+        <p:blipFill>
+          <a:blip r:embed="rId7">
+            <a:extLst>
+              <a:ext uri="{28A0092B-C50C-407E-A947-70E740481C1C}">
+                <a14:useLocalDpi xmlns:a14="http://schemas.microsoft.com/office/drawing/2010/main" val="0"/>
+              </a:ext>
+            </a:extLst>
+          </a:blip>
+          <a:srcRect/>
+          <a:stretch>
+            <a:fillRect/>
+          </a:stretch>
+        </p:blipFill>
+        <p:spPr bwMode="auto">
+          <a:xfrm>
+            <a:off x="5802313" y="3495675"/>
+            <a:ext cx="1858963" cy="2465388"/>
+          </a:xfrm>
+          <a:prstGeom prst="rect">
+            <a:avLst/>
+          </a:prstGeom>
+          <a:extLst>
+            <a:ext uri="{909E8E84-426E-40DD-AFC4-6F175D3DCCD1}">
+              <a14:hiddenFill xmlns:a14="http://schemas.microsoft.com/office/drawing/2010/main">
+                <a:solidFill>
+                  <a:srgbClr val="FFFFFF"/>
+                </a:solidFill>
+              </a14:hiddenFill>
+            </a:ext>
+          </a:extLst>
+        </p:spPr>
+      </p:pic>
+      <p:pic>
+        <p:nvPicPr>
+          <p:cNvPr id="1042" name="Picture 18" descr="Amazon.co.jp: Information Geometry and Its Applications (Applied  Mathematical Sciences, 194) : Amari, Shun-ichi: Foreign Language Books">
+            <a:extLst>
+              <a:ext uri="{FF2B5EF4-FFF2-40B4-BE49-F238E27FC236}">
+                <a16:creationId xmlns:a16="http://schemas.microsoft.com/office/drawing/2014/main" id="{688E901E-04F0-8BB7-95B8-075F24C863DC}"/>
+              </a:ext>
+            </a:extLst>
+          </p:cNvPr>
+          <p:cNvPicPr>
+            <a:picLocks noChangeAspect="1" noChangeArrowheads="1"/>
+          </p:cNvPicPr>
+          <p:nvPr/>
+        </p:nvPicPr>
+        <p:blipFill>
+          <a:blip r:embed="rId8">
+            <a:extLst>
+              <a:ext uri="{28A0092B-C50C-407E-A947-70E740481C1C}">
+                <a14:useLocalDpi xmlns:a14="http://schemas.microsoft.com/office/drawing/2010/main" val="0"/>
+              </a:ext>
+            </a:extLst>
+          </a:blip>
+          <a:srcRect/>
+          <a:stretch>
+            <a:fillRect/>
+          </a:stretch>
+        </p:blipFill>
+        <p:spPr bwMode="auto">
+          <a:xfrm>
+            <a:off x="7729538" y="890588"/>
+            <a:ext cx="1673225" cy="2740025"/>
+          </a:xfrm>
+          <a:prstGeom prst="rect">
+            <a:avLst/>
+          </a:prstGeom>
+          <a:extLst>
+            <a:ext uri="{909E8E84-426E-40DD-AFC4-6F175D3DCCD1}">
+              <a14:hiddenFill xmlns:a14="http://schemas.microsoft.com/office/drawing/2010/main">
+                <a:solidFill>
+                  <a:srgbClr val="FFFFFF"/>
+                </a:solidFill>
+              </a14:hiddenFill>
+            </a:ext>
+          </a:extLst>
+        </p:spPr>
+      </p:pic>
+      <p:pic>
+        <p:nvPicPr>
+          <p:cNvPr id="1032" name="Picture 8" descr="Amazon.co.jp: Deep Learning (Adaptive Computation and Machine Learning  series) : Goodfellow, Ian, Bengio, Yoshua, Courville, Aaron: Foreign  Language Books">
+            <a:extLst>
+              <a:ext uri="{FF2B5EF4-FFF2-40B4-BE49-F238E27FC236}">
+                <a16:creationId xmlns:a16="http://schemas.microsoft.com/office/drawing/2014/main" id="{A05D2418-12F0-4AE1-9D12-795974AA01F1}"/>
+              </a:ext>
+            </a:extLst>
+          </p:cNvPr>
+          <p:cNvPicPr>
+            <a:picLocks noChangeAspect="1" noChangeArrowheads="1"/>
+          </p:cNvPicPr>
+          <p:nvPr/>
+        </p:nvPicPr>
+        <p:blipFill>
+          <a:blip r:embed="rId9">
+            <a:extLst>
+              <a:ext uri="{28A0092B-C50C-407E-A947-70E740481C1C}">
+                <a14:useLocalDpi xmlns:a14="http://schemas.microsoft.com/office/drawing/2010/main" val="0"/>
+              </a:ext>
+            </a:extLst>
+          </a:blip>
+          <a:srcRect/>
+          <a:stretch>
+            <a:fillRect/>
+          </a:stretch>
+        </p:blipFill>
+        <p:spPr bwMode="auto">
+          <a:xfrm>
+            <a:off x="7729538" y="3702050"/>
+            <a:ext cx="1673225" cy="2260600"/>
+          </a:xfrm>
+          <a:prstGeom prst="rect">
+            <a:avLst/>
+          </a:prstGeom>
+          <a:extLst>
+            <a:ext uri="{909E8E84-426E-40DD-AFC4-6F175D3DCCD1}">
+              <a14:hiddenFill xmlns:a14="http://schemas.microsoft.com/office/drawing/2010/main">
+                <a:solidFill>
+                  <a:srgbClr val="FFFFFF"/>
+                </a:solidFill>
+              </a14:hiddenFill>
+            </a:ext>
+          </a:extLst>
+        </p:spPr>
+      </p:pic>
+      <p:pic>
+        <p:nvPicPr>
+          <p:cNvPr id="1036" name="Picture 12" descr="A book cover with colorful ribbons&#10;&#10;Description automatically generated">
+            <a:extLst>
+              <a:ext uri="{FF2B5EF4-FFF2-40B4-BE49-F238E27FC236}">
+                <a16:creationId xmlns:a16="http://schemas.microsoft.com/office/drawing/2014/main" id="{13A75EA8-C343-9248-00CC-CEEDEBB22221}"/>
+              </a:ext>
+            </a:extLst>
+          </p:cNvPr>
+          <p:cNvPicPr>
+            <a:picLocks noChangeAspect="1" noChangeArrowheads="1"/>
+          </p:cNvPicPr>
+          <p:nvPr/>
+        </p:nvPicPr>
+        <p:blipFill>
+          <a:blip r:embed="rId10">
+            <a:extLst>
+              <a:ext uri="{28A0092B-C50C-407E-A947-70E740481C1C}">
+                <a14:useLocalDpi xmlns:a14="http://schemas.microsoft.com/office/drawing/2010/main" val="0"/>
+              </a:ext>
+            </a:extLst>
+          </a:blip>
+          <a:srcRect/>
+          <a:stretch>
+            <a:fillRect/>
+          </a:stretch>
+        </p:blipFill>
+        <p:spPr bwMode="auto">
+          <a:xfrm>
+            <a:off x="9472613" y="890588"/>
+            <a:ext cx="1752600" cy="2284413"/>
+          </a:xfrm>
+          <a:prstGeom prst="rect">
+            <a:avLst/>
+          </a:prstGeom>
+          <a:extLst>
+            <a:ext uri="{909E8E84-426E-40DD-AFC4-6F175D3DCCD1}">
+              <a14:hiddenFill xmlns:a14="http://schemas.microsoft.com/office/drawing/2010/main">
+                <a:solidFill>
+                  <a:srgbClr val="FFFFFF"/>
+                </a:solidFill>
+              </a14:hiddenFill>
+            </a:ext>
+          </a:extLst>
+        </p:spPr>
+      </p:pic>
+      <p:pic>
+        <p:nvPicPr>
+          <p:cNvPr id="1038" name="Picture 14" descr="A book cover with text&#10;&#10;Description automatically generated">
+            <a:extLst>
+              <a:ext uri="{FF2B5EF4-FFF2-40B4-BE49-F238E27FC236}">
+                <a16:creationId xmlns:a16="http://schemas.microsoft.com/office/drawing/2014/main" id="{325DE376-C802-2C49-BF4D-A9556D0CD692}"/>
+              </a:ext>
+            </a:extLst>
+          </p:cNvPr>
+          <p:cNvPicPr>
+            <a:picLocks noChangeAspect="1" noChangeArrowheads="1"/>
+          </p:cNvPicPr>
+          <p:nvPr/>
+        </p:nvPicPr>
+        <p:blipFill>
+          <a:blip r:embed="rId11">
+            <a:extLst>
+              <a:ext uri="{28A0092B-C50C-407E-A947-70E740481C1C}">
+                <a14:useLocalDpi xmlns:a14="http://schemas.microsoft.com/office/drawing/2010/main" val="0"/>
+              </a:ext>
+            </a:extLst>
+          </a:blip>
+          <a:srcRect/>
+          <a:stretch>
+            <a:fillRect/>
+          </a:stretch>
+        </p:blipFill>
+        <p:spPr bwMode="auto">
+          <a:xfrm>
+            <a:off x="9472613" y="3244850"/>
+            <a:ext cx="1752600" cy="2716213"/>
+          </a:xfrm>
+          <a:prstGeom prst="rect">
+            <a:avLst/>
+          </a:prstGeom>
           <a:extLst>
             <a:ext uri="{909E8E84-426E-40DD-AFC4-6F175D3DCCD1}">
               <a14:hiddenFill xmlns:a14="http://schemas.microsoft.com/office/drawing/2010/main">
@@ -5229,7 +6644,7 @@
     </p:spTree>
     <p:extLst>
       <p:ext uri="{BB962C8B-B14F-4D97-AF65-F5344CB8AC3E}">
-        <p14:creationId xmlns:p14="http://schemas.microsoft.com/office/powerpoint/2010/main" val="2850535214"/>
+        <p14:creationId xmlns:p14="http://schemas.microsoft.com/office/powerpoint/2010/main" val="151247311"/>
       </p:ext>
     </p:extLst>
   </p:cSld>
@@ -5261,7 +6676,7 @@
           <p:cNvPr id="2" name="Title 1">
             <a:extLst>
               <a:ext uri="{FF2B5EF4-FFF2-40B4-BE49-F238E27FC236}">
-                <a16:creationId xmlns:a16="http://schemas.microsoft.com/office/drawing/2014/main" id="{B92499FD-411F-95A4-8870-7A53AF7A6F8E}"/>
+                <a16:creationId xmlns:a16="http://schemas.microsoft.com/office/drawing/2014/main" id="{4D914BA7-60B8-A5A3-57C8-C104217EA4EC}"/>
               </a:ext>
             </a:extLst>
           </p:cNvPr>
@@ -5286,7 +6701,7 @@
           <p:cNvPr id="3" name="Content Placeholder 2">
             <a:extLst>
               <a:ext uri="{FF2B5EF4-FFF2-40B4-BE49-F238E27FC236}">
-                <a16:creationId xmlns:a16="http://schemas.microsoft.com/office/drawing/2014/main" id="{B964C452-3716-6D83-5735-5E420F20BCC0}"/>
+                <a16:creationId xmlns:a16="http://schemas.microsoft.com/office/drawing/2014/main" id="{849EBF07-0419-0651-B9D4-B0F9BAF95E7F}"/>
               </a:ext>
             </a:extLst>
           </p:cNvPr>
@@ -5303,15 +6718,180 @@
           <a:lstStyle/>
           <a:p>
             <a:endParaRPr kumimoji="1" lang="ja-JP" altLang="en-US"/>
+          </a:p>
+        </p:txBody>
+      </p:sp>
+      <p:sp useBgFill="1">
+        <p:nvSpPr>
+          <p:cNvPr id="4" name="Rectangle 3">
+            <a:extLst>
+              <a:ext uri="{FF2B5EF4-FFF2-40B4-BE49-F238E27FC236}">
+                <a16:creationId xmlns:a16="http://schemas.microsoft.com/office/drawing/2014/main" id="{19D96C3A-CD1E-DD59-8946-31D5C6E57904}"/>
+              </a:ext>
+              <a:ext uri="{C183D7F6-B498-43B3-948B-1728B52AA6E4}">
+                <adec:decorative xmlns:adec="http://schemas.microsoft.com/office/drawing/2017/decorative" val="1"/>
+              </a:ext>
+            </a:extLst>
+          </p:cNvPr>
+          <p:cNvSpPr/>
+          <p:nvPr>
+            <p:extLst>
+              <p:ext uri="{386F3935-93C4-4BCD-93E2-E3B085C9AB24}">
+                <p16:designElem xmlns:p16="http://schemas.microsoft.com/office/powerpoint/2015/main" val="1"/>
+              </p:ext>
+            </p:extLst>
+          </p:nvPr>
+        </p:nvSpPr>
+        <p:spPr>
+          <a:xfrm>
+            <a:off x="0" y="0"/>
+            <a:ext cx="12191695" cy="6858000"/>
+          </a:xfrm>
+          <a:prstGeom prst="rect">
+            <a:avLst/>
+          </a:prstGeom>
+          <a:ln>
+            <a:noFill/>
+          </a:ln>
+        </p:spPr>
+        <p:style>
+          <a:lnRef idx="2">
+            <a:schemeClr val="accent1">
+              <a:shade val="50000"/>
+            </a:schemeClr>
+          </a:lnRef>
+          <a:fillRef idx="1">
+            <a:schemeClr val="accent1"/>
+          </a:fillRef>
+          <a:effectRef idx="0">
+            <a:schemeClr val="accent1"/>
+          </a:effectRef>
+          <a:fontRef idx="minor">
+            <a:schemeClr val="lt1"/>
+          </a:fontRef>
+        </p:style>
+        <p:txBody>
+          <a:bodyPr rtlCol="0" anchor="ctr"/>
+          <a:lstStyle/>
+          <a:p>
+            <a:pPr algn="ctr"/>
+            <a:endParaRPr lang="en-US"/>
+          </a:p>
+        </p:txBody>
+      </p:sp>
+      <p:sp>
+        <p:nvSpPr>
+          <p:cNvPr id="5" name="Rectangle 4">
+            <a:extLst>
+              <a:ext uri="{FF2B5EF4-FFF2-40B4-BE49-F238E27FC236}">
+                <a16:creationId xmlns:a16="http://schemas.microsoft.com/office/drawing/2014/main" id="{991158B8-1C6F-4428-3153-1AE3FA717D81}"/>
+              </a:ext>
+              <a:ext uri="{C183D7F6-B498-43B3-948B-1728B52AA6E4}">
+                <adec:decorative xmlns:adec="http://schemas.microsoft.com/office/drawing/2017/decorative" val="1"/>
+              </a:ext>
+            </a:extLst>
+          </p:cNvPr>
+          <p:cNvSpPr/>
+          <p:nvPr>
+            <p:extLst>
+              <p:ext uri="{386F3935-93C4-4BCD-93E2-E3B085C9AB24}">
+                <p16:designElem xmlns:p16="http://schemas.microsoft.com/office/powerpoint/2015/main" val="1"/>
+              </p:ext>
+            </p:extLst>
+          </p:nvPr>
+        </p:nvSpPr>
+        <p:spPr>
+          <a:xfrm>
+            <a:off x="0" y="891540"/>
+            <a:ext cx="722376" cy="5071110"/>
+          </a:xfrm>
+          <a:prstGeom prst="rect">
+            <a:avLst/>
+          </a:prstGeom>
+          <a:solidFill>
+            <a:srgbClr val="4C5254"/>
+          </a:solidFill>
+          <a:ln>
+            <a:noFill/>
+          </a:ln>
+        </p:spPr>
+        <p:style>
+          <a:lnRef idx="2">
+            <a:schemeClr val="accent1">
+              <a:shade val="50000"/>
+            </a:schemeClr>
+          </a:lnRef>
+          <a:fillRef idx="1">
+            <a:schemeClr val="accent1"/>
+          </a:fillRef>
+          <a:effectRef idx="0">
+            <a:schemeClr val="accent1"/>
+          </a:effectRef>
+          <a:fontRef idx="minor">
+            <a:schemeClr val="lt1"/>
+          </a:fontRef>
+        </p:style>
+        <p:txBody>
+          <a:bodyPr rtlCol="0" anchor="ctr"/>
+          <a:lstStyle/>
+          <a:p>
+            <a:pPr algn="ctr"/>
+            <a:endParaRPr lang="en-US"/>
           </a:p>
         </p:txBody>
       </p:sp>
       <p:pic>
         <p:nvPicPr>
-          <p:cNvPr id="1030" name="Picture 6" descr="Inference and Learning from Data: Volume 2:... by Sayed, Ali H.">
-            <a:extLst>
-              <a:ext uri="{FF2B5EF4-FFF2-40B4-BE49-F238E27FC236}">
-                <a16:creationId xmlns:a16="http://schemas.microsoft.com/office/drawing/2014/main" id="{689A299E-434A-1539-F82F-B6EFBFA8DAD9}"/>
+          <p:cNvPr id="6" name="Picture 4" descr="Perceptrons: An Introduction... by Minsky, Marvin">
+            <a:extLst>
+              <a:ext uri="{FF2B5EF4-FFF2-40B4-BE49-F238E27FC236}">
+                <a16:creationId xmlns:a16="http://schemas.microsoft.com/office/drawing/2014/main" id="{913AAD25-38CE-4D39-0EAA-1F0C193AEDF4}"/>
+              </a:ext>
+            </a:extLst>
+          </p:cNvPr>
+          <p:cNvPicPr>
+            <a:picLocks noChangeAspect="1" noChangeArrowheads="1"/>
+          </p:cNvPicPr>
+          <p:nvPr/>
+        </p:nvPicPr>
+        <p:blipFill>
+          <a:blip r:embed="rId2">
+            <a:extLst>
+              <a:ext uri="{28A0092B-C50C-407E-A947-70E740481C1C}">
+                <a14:useLocalDpi xmlns:a14="http://schemas.microsoft.com/office/drawing/2010/main" val="0"/>
+              </a:ext>
+            </a:extLst>
+          </a:blip>
+          <a:srcRect/>
+          <a:stretch>
+            <a:fillRect/>
+          </a:stretch>
+        </p:blipFill>
+        <p:spPr bwMode="auto">
+          <a:xfrm>
+            <a:off x="1012825" y="890588"/>
+            <a:ext cx="1571625" cy="2420938"/>
+          </a:xfrm>
+          <a:prstGeom prst="rect">
+            <a:avLst/>
+          </a:prstGeom>
+          <a:extLst>
+            <a:ext uri="{909E8E84-426E-40DD-AFC4-6F175D3DCCD1}">
+              <a14:hiddenFill xmlns:a14="http://schemas.microsoft.com/office/drawing/2010/main">
+                <a:solidFill>
+                  <a:srgbClr val="FFFFFF"/>
+                </a:solidFill>
+              </a14:hiddenFill>
+            </a:ext>
+          </a:extLst>
+        </p:spPr>
+      </p:pic>
+      <p:pic>
+        <p:nvPicPr>
+          <p:cNvPr id="7" name="Picture 16" descr="Amazon.co.jp: Algebraic Geometry and Statistical Learning Theory (Cambridge  Monographs on Applied and Computational Mathematics, Series Number 25) :  Watanabe, Sumio: Foreign Language Books">
+            <a:extLst>
+              <a:ext uri="{FF2B5EF4-FFF2-40B4-BE49-F238E27FC236}">
+                <a16:creationId xmlns:a16="http://schemas.microsoft.com/office/drawing/2014/main" id="{40BAE233-3A11-8BA7-53CD-0BD4816369DE}"/>
               </a:ext>
             </a:extLst>
           </p:cNvPr>
@@ -5335,13 +6915,12 @@
         </p:blipFill>
         <p:spPr bwMode="auto">
           <a:xfrm>
-            <a:off x="4225165" y="971164"/>
-            <a:ext cx="3643319" cy="5272744"/>
+            <a:off x="1012825" y="3381375"/>
+            <a:ext cx="1571625" cy="2579688"/>
           </a:xfrm>
           <a:prstGeom prst="rect">
             <a:avLst/>
           </a:prstGeom>
-          <a:noFill/>
           <a:extLst>
             <a:ext uri="{909E8E84-426E-40DD-AFC4-6F175D3DCCD1}">
               <a14:hiddenFill xmlns:a14="http://schemas.microsoft.com/office/drawing/2010/main">
@@ -5355,10 +6934,10 @@
       </p:pic>
       <p:pic>
         <p:nvPicPr>
-          <p:cNvPr id="1032" name="Picture 8" descr="Inference and Learning from Data: Volume 1:... by Sayed, Ali H.">
-            <a:extLst>
-              <a:ext uri="{FF2B5EF4-FFF2-40B4-BE49-F238E27FC236}">
-                <a16:creationId xmlns:a16="http://schemas.microsoft.com/office/drawing/2014/main" id="{4016D007-6D2B-BEDD-0B93-B19823DC9050}"/>
+          <p:cNvPr id="8" name="Picture 10" descr="Statistical Learning Theory by Vapnik, Vladimir N.">
+            <a:extLst>
+              <a:ext uri="{FF2B5EF4-FFF2-40B4-BE49-F238E27FC236}">
+                <a16:creationId xmlns:a16="http://schemas.microsoft.com/office/drawing/2014/main" id="{7CC8DAEE-340B-28E3-833A-442F871C2BAC}"/>
               </a:ext>
             </a:extLst>
           </p:cNvPr>
@@ -5382,13 +6961,12 @@
         </p:blipFill>
         <p:spPr bwMode="auto">
           <a:xfrm>
-            <a:off x="122987" y="971166"/>
-            <a:ext cx="3604113" cy="5216004"/>
+            <a:off x="2654300" y="890588"/>
+            <a:ext cx="3078163" cy="5070475"/>
           </a:xfrm>
           <a:prstGeom prst="rect">
             <a:avLst/>
           </a:prstGeom>
-          <a:noFill/>
           <a:extLst>
             <a:ext uri="{909E8E84-426E-40DD-AFC4-6F175D3DCCD1}">
               <a14:hiddenFill xmlns:a14="http://schemas.microsoft.com/office/drawing/2010/main">
@@ -5402,10 +6980,10 @@
       </p:pic>
       <p:pic>
         <p:nvPicPr>
-          <p:cNvPr id="1034" name="Picture 10" descr="Inference and Learning from Data: Volume 3:... by Sayed, Ali H.">
-            <a:extLst>
-              <a:ext uri="{FF2B5EF4-FFF2-40B4-BE49-F238E27FC236}">
-                <a16:creationId xmlns:a16="http://schemas.microsoft.com/office/drawing/2014/main" id="{BE6A1750-9892-6119-CC88-524D9FD22EE5}"/>
+          <p:cNvPr id="9" name="Picture 20" descr="Amazon | Pattern Recognition and Machine Learning (Information Science and  Statistics) | Bishop, Christopher M. | Machine Vision">
+            <a:extLst>
+              <a:ext uri="{FF2B5EF4-FFF2-40B4-BE49-F238E27FC236}">
+                <a16:creationId xmlns:a16="http://schemas.microsoft.com/office/drawing/2014/main" id="{64D93BD3-E7FB-E03C-BBB4-22BFC2105C7C}"/>
               </a:ext>
             </a:extLst>
           </p:cNvPr>
@@ -5429,13 +7007,242 @@
         </p:blipFill>
         <p:spPr bwMode="auto">
           <a:xfrm>
-            <a:off x="8226091" y="971164"/>
-            <a:ext cx="3643319" cy="5272743"/>
+            <a:off x="5802313" y="890588"/>
+            <a:ext cx="1858963" cy="2535238"/>
           </a:xfrm>
           <a:prstGeom prst="rect">
             <a:avLst/>
           </a:prstGeom>
-          <a:noFill/>
+          <a:extLst>
+            <a:ext uri="{909E8E84-426E-40DD-AFC4-6F175D3DCCD1}">
+              <a14:hiddenFill xmlns:a14="http://schemas.microsoft.com/office/drawing/2010/main">
+                <a:solidFill>
+                  <a:srgbClr val="FFFFFF"/>
+                </a:solidFill>
+              </a14:hiddenFill>
+            </a:ext>
+          </a:extLst>
+        </p:spPr>
+      </p:pic>
+      <p:pic>
+        <p:nvPicPr>
+          <p:cNvPr id="10" name="Picture 2" descr="Boosting: Foundations and Algorithms... by Schapire, Robert E.">
+            <a:extLst>
+              <a:ext uri="{FF2B5EF4-FFF2-40B4-BE49-F238E27FC236}">
+                <a16:creationId xmlns:a16="http://schemas.microsoft.com/office/drawing/2014/main" id="{7D56FCD0-F63D-6054-BF26-3E4BF4276C1F}"/>
+              </a:ext>
+            </a:extLst>
+          </p:cNvPr>
+          <p:cNvPicPr>
+            <a:picLocks noChangeAspect="1" noChangeArrowheads="1"/>
+          </p:cNvPicPr>
+          <p:nvPr/>
+        </p:nvPicPr>
+        <p:blipFill>
+          <a:blip r:embed="rId6">
+            <a:extLst>
+              <a:ext uri="{28A0092B-C50C-407E-A947-70E740481C1C}">
+                <a14:useLocalDpi xmlns:a14="http://schemas.microsoft.com/office/drawing/2010/main" val="0"/>
+              </a:ext>
+            </a:extLst>
+          </a:blip>
+          <a:srcRect/>
+          <a:stretch>
+            <a:fillRect/>
+          </a:stretch>
+        </p:blipFill>
+        <p:spPr bwMode="auto">
+          <a:xfrm>
+            <a:off x="5802313" y="3495675"/>
+            <a:ext cx="1858963" cy="2465388"/>
+          </a:xfrm>
+          <a:prstGeom prst="rect">
+            <a:avLst/>
+          </a:prstGeom>
+          <a:extLst>
+            <a:ext uri="{909E8E84-426E-40DD-AFC4-6F175D3DCCD1}">
+              <a14:hiddenFill xmlns:a14="http://schemas.microsoft.com/office/drawing/2010/main">
+                <a:solidFill>
+                  <a:srgbClr val="FFFFFF"/>
+                </a:solidFill>
+              </a14:hiddenFill>
+            </a:ext>
+          </a:extLst>
+        </p:spPr>
+      </p:pic>
+      <p:pic>
+        <p:nvPicPr>
+          <p:cNvPr id="11" name="Picture 18" descr="Amazon.co.jp: Information Geometry and Its Applications (Applied  Mathematical Sciences, 194) : Amari, Shun-ichi: Foreign Language Books">
+            <a:extLst>
+              <a:ext uri="{FF2B5EF4-FFF2-40B4-BE49-F238E27FC236}">
+                <a16:creationId xmlns:a16="http://schemas.microsoft.com/office/drawing/2014/main" id="{A689F387-7EBB-B826-7F75-BA4D141D04F1}"/>
+              </a:ext>
+            </a:extLst>
+          </p:cNvPr>
+          <p:cNvPicPr>
+            <a:picLocks noChangeAspect="1" noChangeArrowheads="1"/>
+          </p:cNvPicPr>
+          <p:nvPr/>
+        </p:nvPicPr>
+        <p:blipFill>
+          <a:blip r:embed="rId7">
+            <a:extLst>
+              <a:ext uri="{28A0092B-C50C-407E-A947-70E740481C1C}">
+                <a14:useLocalDpi xmlns:a14="http://schemas.microsoft.com/office/drawing/2010/main" val="0"/>
+              </a:ext>
+            </a:extLst>
+          </a:blip>
+          <a:srcRect/>
+          <a:stretch>
+            <a:fillRect/>
+          </a:stretch>
+        </p:blipFill>
+        <p:spPr bwMode="auto">
+          <a:xfrm>
+            <a:off x="7729538" y="890588"/>
+            <a:ext cx="1673225" cy="2740025"/>
+          </a:xfrm>
+          <a:prstGeom prst="rect">
+            <a:avLst/>
+          </a:prstGeom>
+          <a:extLst>
+            <a:ext uri="{909E8E84-426E-40DD-AFC4-6F175D3DCCD1}">
+              <a14:hiddenFill xmlns:a14="http://schemas.microsoft.com/office/drawing/2010/main">
+                <a:solidFill>
+                  <a:srgbClr val="FFFFFF"/>
+                </a:solidFill>
+              </a14:hiddenFill>
+            </a:ext>
+          </a:extLst>
+        </p:spPr>
+      </p:pic>
+      <p:pic>
+        <p:nvPicPr>
+          <p:cNvPr id="12" name="Picture 8" descr="Amazon.co.jp: Deep Learning (Adaptive Computation and Machine Learning  series) : Goodfellow, Ian, Bengio, Yoshua, Courville, Aaron: Foreign  Language Books">
+            <a:extLst>
+              <a:ext uri="{FF2B5EF4-FFF2-40B4-BE49-F238E27FC236}">
+                <a16:creationId xmlns:a16="http://schemas.microsoft.com/office/drawing/2014/main" id="{CA877241-88FC-54C1-5EFE-EE7F204EE795}"/>
+              </a:ext>
+            </a:extLst>
+          </p:cNvPr>
+          <p:cNvPicPr>
+            <a:picLocks noChangeAspect="1" noChangeArrowheads="1"/>
+          </p:cNvPicPr>
+          <p:nvPr/>
+        </p:nvPicPr>
+        <p:blipFill>
+          <a:blip r:embed="rId8">
+            <a:extLst>
+              <a:ext uri="{28A0092B-C50C-407E-A947-70E740481C1C}">
+                <a14:useLocalDpi xmlns:a14="http://schemas.microsoft.com/office/drawing/2010/main" val="0"/>
+              </a:ext>
+            </a:extLst>
+          </a:blip>
+          <a:srcRect/>
+          <a:stretch>
+            <a:fillRect/>
+          </a:stretch>
+        </p:blipFill>
+        <p:spPr bwMode="auto">
+          <a:xfrm>
+            <a:off x="7729538" y="3702050"/>
+            <a:ext cx="1673225" cy="2260600"/>
+          </a:xfrm>
+          <a:prstGeom prst="rect">
+            <a:avLst/>
+          </a:prstGeom>
+          <a:extLst>
+            <a:ext uri="{909E8E84-426E-40DD-AFC4-6F175D3DCCD1}">
+              <a14:hiddenFill xmlns:a14="http://schemas.microsoft.com/office/drawing/2010/main">
+                <a:solidFill>
+                  <a:srgbClr val="FFFFFF"/>
+                </a:solidFill>
+              </a14:hiddenFill>
+            </a:ext>
+          </a:extLst>
+        </p:spPr>
+      </p:pic>
+      <p:pic>
+        <p:nvPicPr>
+          <p:cNvPr id="13" name="Picture 12" descr="A book cover with colorful ribbons&#10;&#10;Description automatically generated">
+            <a:extLst>
+              <a:ext uri="{FF2B5EF4-FFF2-40B4-BE49-F238E27FC236}">
+                <a16:creationId xmlns:a16="http://schemas.microsoft.com/office/drawing/2014/main" id="{58EBB980-DF0D-54ED-1A93-924D5A451CA0}"/>
+              </a:ext>
+            </a:extLst>
+          </p:cNvPr>
+          <p:cNvPicPr>
+            <a:picLocks noChangeAspect="1" noChangeArrowheads="1"/>
+          </p:cNvPicPr>
+          <p:nvPr/>
+        </p:nvPicPr>
+        <p:blipFill>
+          <a:blip r:embed="rId9">
+            <a:extLst>
+              <a:ext uri="{28A0092B-C50C-407E-A947-70E740481C1C}">
+                <a14:useLocalDpi xmlns:a14="http://schemas.microsoft.com/office/drawing/2010/main" val="0"/>
+              </a:ext>
+            </a:extLst>
+          </a:blip>
+          <a:srcRect/>
+          <a:stretch>
+            <a:fillRect/>
+          </a:stretch>
+        </p:blipFill>
+        <p:spPr bwMode="auto">
+          <a:xfrm>
+            <a:off x="9472613" y="890588"/>
+            <a:ext cx="1752600" cy="2284413"/>
+          </a:xfrm>
+          <a:prstGeom prst="rect">
+            <a:avLst/>
+          </a:prstGeom>
+          <a:extLst>
+            <a:ext uri="{909E8E84-426E-40DD-AFC4-6F175D3DCCD1}">
+              <a14:hiddenFill xmlns:a14="http://schemas.microsoft.com/office/drawing/2010/main">
+                <a:solidFill>
+                  <a:srgbClr val="FFFFFF"/>
+                </a:solidFill>
+              </a14:hiddenFill>
+            </a:ext>
+          </a:extLst>
+        </p:spPr>
+      </p:pic>
+      <p:pic>
+        <p:nvPicPr>
+          <p:cNvPr id="14" name="Picture 14" descr="A book cover with text&#10;&#10;Description automatically generated">
+            <a:extLst>
+              <a:ext uri="{FF2B5EF4-FFF2-40B4-BE49-F238E27FC236}">
+                <a16:creationId xmlns:a16="http://schemas.microsoft.com/office/drawing/2014/main" id="{898E1B92-2750-151B-CF1F-3D4D823E81D0}"/>
+              </a:ext>
+            </a:extLst>
+          </p:cNvPr>
+          <p:cNvPicPr>
+            <a:picLocks noChangeAspect="1" noChangeArrowheads="1"/>
+          </p:cNvPicPr>
+          <p:nvPr/>
+        </p:nvPicPr>
+        <p:blipFill>
+          <a:blip r:embed="rId10">
+            <a:extLst>
+              <a:ext uri="{28A0092B-C50C-407E-A947-70E740481C1C}">
+                <a14:useLocalDpi xmlns:a14="http://schemas.microsoft.com/office/drawing/2010/main" val="0"/>
+              </a:ext>
+            </a:extLst>
+          </a:blip>
+          <a:srcRect/>
+          <a:stretch>
+            <a:fillRect/>
+          </a:stretch>
+        </p:blipFill>
+        <p:spPr bwMode="auto">
+          <a:xfrm>
+            <a:off x="9472613" y="3244850"/>
+            <a:ext cx="1752600" cy="2716213"/>
+          </a:xfrm>
+          <a:prstGeom prst="rect">
+            <a:avLst/>
+          </a:prstGeom>
           <a:extLst>
             <a:ext uri="{909E8E84-426E-40DD-AFC4-6F175D3DCCD1}">
               <a14:hiddenFill xmlns:a14="http://schemas.microsoft.com/office/drawing/2010/main">
@@ -5450,7 +7257,7 @@
     </p:spTree>
     <p:extLst>
       <p:ext uri="{BB962C8B-B14F-4D97-AF65-F5344CB8AC3E}">
-        <p14:creationId xmlns:p14="http://schemas.microsoft.com/office/powerpoint/2010/main" val="2189988050"/>
+        <p14:creationId xmlns:p14="http://schemas.microsoft.com/office/powerpoint/2010/main" val="491299959"/>
       </p:ext>
     </p:extLst>
   </p:cSld>
@@ -5482,7 +7289,7 @@
           <p:cNvPr id="2" name="Title 1">
             <a:extLst>
               <a:ext uri="{FF2B5EF4-FFF2-40B4-BE49-F238E27FC236}">
-                <a16:creationId xmlns:a16="http://schemas.microsoft.com/office/drawing/2014/main" id="{C0F842C2-1E65-5B3B-DE02-264DE19BE364}"/>
+                <a16:creationId xmlns:a16="http://schemas.microsoft.com/office/drawing/2014/main" id="{7169FB76-2489-0C66-548F-C3B9E2CD8A65}"/>
               </a:ext>
             </a:extLst>
           </p:cNvPr>
@@ -5493,53 +7300,12 @@
             <p:ph type="title"/>
           </p:nvPr>
         </p:nvSpPr>
-        <p:spPr>
-          <a:xfrm>
-            <a:off x="300318" y="0"/>
-            <a:ext cx="10515600" cy="1325563"/>
-          </a:xfrm>
-        </p:spPr>
+        <p:spPr/>
         <p:txBody>
           <a:bodyPr/>
           <a:lstStyle/>
           <a:p>
-            <a:r>
-              <a:rPr kumimoji="1" lang="en-US" altLang="ja-JP" b="1" dirty="0" err="1">
-                <a:solidFill>
-                  <a:schemeClr val="accent5"/>
-                </a:solidFill>
-              </a:rPr>
-              <a:t>Contraharmonic</a:t>
-            </a:r>
-            <a:r>
-              <a:rPr kumimoji="1" lang="en-US" altLang="ja-JP" b="1" dirty="0">
-                <a:solidFill>
-                  <a:schemeClr val="accent5"/>
-                </a:solidFill>
-              </a:rPr>
-              <a:t> or </a:t>
-            </a:r>
-            <a:r>
-              <a:rPr kumimoji="1" lang="en-US" altLang="ja-JP" b="1" dirty="0" err="1">
-                <a:solidFill>
-                  <a:schemeClr val="accent5"/>
-                </a:solidFill>
-              </a:rPr>
-              <a:t>antiharmonic</a:t>
-            </a:r>
-            <a:r>
-              <a:rPr kumimoji="1" lang="en-US" altLang="ja-JP" b="1" dirty="0">
-                <a:solidFill>
-                  <a:schemeClr val="accent5"/>
-                </a:solidFill>
-              </a:rPr>
-              <a:t> mean</a:t>
-            </a:r>
-            <a:endParaRPr kumimoji="1" lang="ja-JP" altLang="en-US" b="1" dirty="0">
-              <a:solidFill>
-                <a:schemeClr val="accent5"/>
-              </a:solidFill>
-            </a:endParaRPr>
+            <a:endParaRPr kumimoji="1" lang="ja-JP" altLang="en-US"/>
           </a:p>
         </p:txBody>
       </p:sp>
@@ -5548,7 +7314,7 @@
           <p:cNvPr id="3" name="Content Placeholder 2">
             <a:extLst>
               <a:ext uri="{FF2B5EF4-FFF2-40B4-BE49-F238E27FC236}">
-                <a16:creationId xmlns:a16="http://schemas.microsoft.com/office/drawing/2014/main" id="{BC4EE631-2EFE-D138-8C83-89892299F470}"/>
+                <a16:creationId xmlns:a16="http://schemas.microsoft.com/office/drawing/2014/main" id="{9163913B-71DC-BD75-719B-A7EF5F00CE9E}"/>
               </a:ext>
             </a:extLst>
           </p:cNvPr>
@@ -5559,126 +7325,113 @@
             <p:ph idx="1"/>
           </p:nvPr>
         </p:nvSpPr>
-        <p:spPr>
-          <a:xfrm>
-            <a:off x="386379" y="1459865"/>
-            <a:ext cx="10515600" cy="4351338"/>
-          </a:xfrm>
-        </p:spPr>
+        <p:spPr/>
         <p:txBody>
           <a:bodyPr/>
           <a:lstStyle/>
           <a:p>
-            <a:r>
-              <a:rPr kumimoji="1" lang="en-US" altLang="ja-JP" dirty="0" err="1"/>
-              <a:t>Contraharmonic</a:t>
-            </a:r>
-            <a:r>
-              <a:rPr kumimoji="1" lang="en-US" altLang="ja-JP" dirty="0"/>
-              <a:t> or </a:t>
-            </a:r>
-            <a:r>
-              <a:rPr kumimoji="1" lang="en-US" altLang="ja-JP" dirty="0" err="1"/>
-              <a:t>antiharmonic</a:t>
-            </a:r>
-            <a:r>
-              <a:rPr kumimoji="1" lang="en-US" altLang="ja-JP" dirty="0"/>
-              <a:t> mean of n positive reals:</a:t>
-            </a:r>
-          </a:p>
-          <a:p>
-            <a:endParaRPr lang="en-US" altLang="ja-JP" dirty="0"/>
-          </a:p>
-          <a:p>
-            <a:endParaRPr kumimoji="1" lang="en-US" altLang="ja-JP" dirty="0"/>
-          </a:p>
-          <a:p>
-            <a:endParaRPr lang="en-US" altLang="ja-JP" dirty="0"/>
-          </a:p>
-          <a:p>
-            <a:endParaRPr kumimoji="1" lang="en-US" altLang="ja-JP" dirty="0"/>
-          </a:p>
-          <a:p>
-            <a:r>
-              <a:rPr kumimoji="1" lang="en-US" altLang="ja-JP" dirty="0"/>
-              <a:t>The </a:t>
-            </a:r>
-            <a:r>
-              <a:rPr kumimoji="1" lang="en-US" altLang="ja-JP" dirty="0" err="1"/>
-              <a:t>contraharmonic</a:t>
-            </a:r>
-            <a:r>
-              <a:rPr kumimoji="1" lang="en-US" altLang="ja-JP" dirty="0"/>
-              <a:t> mean is the solution of the sum of the squares with relative errors:</a:t>
-            </a:r>
-            <a:endParaRPr kumimoji="1" lang="ja-JP" altLang="en-US" dirty="0"/>
+            <a:endParaRPr kumimoji="1" lang="ja-JP" altLang="en-US"/>
           </a:p>
         </p:txBody>
       </p:sp>
       <p:pic>
         <p:nvPicPr>
-          <p:cNvPr id="5" name="Picture 4">
-            <a:extLst>
-              <a:ext uri="{FF2B5EF4-FFF2-40B4-BE49-F238E27FC236}">
-                <a16:creationId xmlns:a16="http://schemas.microsoft.com/office/drawing/2014/main" id="{13935E09-A257-1C98-FFF7-0B0104418F04}"/>
+          <p:cNvPr id="1026" name="Picture 2" descr="情報理論の要素 (ワイリーシリーズイン 、カバー 、トーマスハードカバー + = - 画像1/1">
+            <a:extLst>
+              <a:ext uri="{FF2B5EF4-FFF2-40B4-BE49-F238E27FC236}">
+                <a16:creationId xmlns:a16="http://schemas.microsoft.com/office/drawing/2014/main" id="{04302A6E-5E4E-50D5-D84E-537DCD511644}"/>
               </a:ext>
             </a:extLst>
           </p:cNvPr>
           <p:cNvPicPr>
-            <a:picLocks noChangeAspect="1"/>
+            <a:picLocks noChangeAspect="1" noChangeArrowheads="1"/>
           </p:cNvPicPr>
           <p:nvPr/>
         </p:nvPicPr>
         <p:blipFill>
-          <a:blip r:embed="rId2"/>
+          <a:blip r:embed="rId2">
+            <a:extLst>
+              <a:ext uri="{28A0092B-C50C-407E-A947-70E740481C1C}">
+                <a14:useLocalDpi xmlns:a14="http://schemas.microsoft.com/office/drawing/2010/main" val="0"/>
+              </a:ext>
+            </a:extLst>
+          </a:blip>
+          <a:srcRect/>
           <a:stretch>
             <a:fillRect/>
           </a:stretch>
         </p:blipFill>
-        <p:spPr>
-          <a:xfrm>
-            <a:off x="2308188" y="2159598"/>
-            <a:ext cx="6103934" cy="1269402"/>
+        <p:spPr bwMode="auto">
+          <a:xfrm>
+            <a:off x="432603" y="0"/>
+            <a:ext cx="4365308" cy="6929060"/>
           </a:xfrm>
           <a:prstGeom prst="rect">
             <a:avLst/>
           </a:prstGeom>
+          <a:noFill/>
+          <a:extLst>
+            <a:ext uri="{909E8E84-426E-40DD-AFC4-6F175D3DCCD1}">
+              <a14:hiddenFill xmlns:a14="http://schemas.microsoft.com/office/drawing/2010/main">
+                <a:solidFill>
+                  <a:srgbClr val="FFFFFF"/>
+                </a:solidFill>
+              </a14:hiddenFill>
+            </a:ext>
+          </a:extLst>
         </p:spPr>
       </p:pic>
       <p:pic>
         <p:nvPicPr>
-          <p:cNvPr id="7" name="Picture 6">
-            <a:extLst>
-              <a:ext uri="{FF2B5EF4-FFF2-40B4-BE49-F238E27FC236}">
-                <a16:creationId xmlns:a16="http://schemas.microsoft.com/office/drawing/2014/main" id="{52095837-D1C8-2991-B464-52F7803070A7}"/>
+          <p:cNvPr id="1030" name="Picture 6" descr="elvis on X: &quot;Information Theory, Inference, and Learning Algorithms This is  hands down one of the best books you can spend time on if you are studying  CS or ML. It unifies">
+            <a:extLst>
+              <a:ext uri="{FF2B5EF4-FFF2-40B4-BE49-F238E27FC236}">
+                <a16:creationId xmlns:a16="http://schemas.microsoft.com/office/drawing/2014/main" id="{7B546EB9-A5D0-6A4E-84C1-350FE4D9C396}"/>
               </a:ext>
             </a:extLst>
           </p:cNvPr>
           <p:cNvPicPr>
-            <a:picLocks noChangeAspect="1"/>
+            <a:picLocks noChangeAspect="1" noChangeArrowheads="1"/>
           </p:cNvPicPr>
           <p:nvPr/>
         </p:nvPicPr>
         <p:blipFill>
-          <a:blip r:embed="rId3"/>
+          <a:blip r:embed="rId3">
+            <a:extLst>
+              <a:ext uri="{28A0092B-C50C-407E-A947-70E740481C1C}">
+                <a14:useLocalDpi xmlns:a14="http://schemas.microsoft.com/office/drawing/2010/main" val="0"/>
+              </a:ext>
+            </a:extLst>
+          </a:blip>
+          <a:srcRect/>
           <a:stretch>
             <a:fillRect/>
           </a:stretch>
         </p:blipFill>
-        <p:spPr>
-          <a:xfrm>
-            <a:off x="2435004" y="4920952"/>
-            <a:ext cx="7961366" cy="1557020"/>
+        <p:spPr bwMode="auto">
+          <a:xfrm>
+            <a:off x="6486525" y="0"/>
+            <a:ext cx="5705475" cy="6858000"/>
           </a:xfrm>
           <a:prstGeom prst="rect">
             <a:avLst/>
           </a:prstGeom>
+          <a:noFill/>
+          <a:extLst>
+            <a:ext uri="{909E8E84-426E-40DD-AFC4-6F175D3DCCD1}">
+              <a14:hiddenFill xmlns:a14="http://schemas.microsoft.com/office/drawing/2010/main">
+                <a:solidFill>
+                  <a:srgbClr val="FFFFFF"/>
+                </a:solidFill>
+              </a14:hiddenFill>
+            </a:ext>
+          </a:extLst>
         </p:spPr>
       </p:pic>
     </p:spTree>
     <p:extLst>
       <p:ext uri="{BB962C8B-B14F-4D97-AF65-F5344CB8AC3E}">
-        <p14:creationId xmlns:p14="http://schemas.microsoft.com/office/powerpoint/2010/main" val="2698045578"/>
+        <p14:creationId xmlns:p14="http://schemas.microsoft.com/office/powerpoint/2010/main" val="2850535214"/>
       </p:ext>
     </p:extLst>
   </p:cSld>
@@ -5710,7 +7463,7 @@
           <p:cNvPr id="2" name="Title 1">
             <a:extLst>
               <a:ext uri="{FF2B5EF4-FFF2-40B4-BE49-F238E27FC236}">
-                <a16:creationId xmlns:a16="http://schemas.microsoft.com/office/drawing/2014/main" id="{3FA0BC29-32E6-08AC-1E69-1E050EEA8741}"/>
+                <a16:creationId xmlns:a16="http://schemas.microsoft.com/office/drawing/2014/main" id="{B92499FD-411F-95A4-8870-7A53AF7A6F8E}"/>
               </a:ext>
             </a:extLst>
           </p:cNvPr>
@@ -5735,7 +7488,7 @@
           <p:cNvPr id="3" name="Content Placeholder 2">
             <a:extLst>
               <a:ext uri="{FF2B5EF4-FFF2-40B4-BE49-F238E27FC236}">
-                <a16:creationId xmlns:a16="http://schemas.microsoft.com/office/drawing/2014/main" id="{3A577BA7-4F10-A500-C0C6-968D9CEF318D}"/>
+                <a16:creationId xmlns:a16="http://schemas.microsoft.com/office/drawing/2014/main" id="{B964C452-3716-6D83-5735-5E420F20BCC0}"/>
               </a:ext>
             </a:extLst>
           </p:cNvPr>
@@ -5752,50 +7505,15 @@
           <a:lstStyle/>
           <a:p>
             <a:endParaRPr kumimoji="1" lang="ja-JP" altLang="en-US"/>
-          </a:p>
-        </p:txBody>
-      </p:sp>
-      <p:sp>
-        <p:nvSpPr>
-          <p:cNvPr id="7" name="TextBox 6">
-            <a:extLst>
-              <a:ext uri="{FF2B5EF4-FFF2-40B4-BE49-F238E27FC236}">
-                <a16:creationId xmlns:a16="http://schemas.microsoft.com/office/drawing/2014/main" id="{1A5D3A62-A170-950C-BBB2-831DF26F3A0D}"/>
-              </a:ext>
-            </a:extLst>
-          </p:cNvPr>
-          <p:cNvSpPr txBox="1"/>
-          <p:nvPr/>
-        </p:nvSpPr>
-        <p:spPr>
-          <a:xfrm>
-            <a:off x="3047104" y="3247023"/>
-            <a:ext cx="6094206" cy="369332"/>
-          </a:xfrm>
-          <a:prstGeom prst="rect">
-            <a:avLst/>
-          </a:prstGeom>
-          <a:noFill/>
-        </p:spPr>
-        <p:txBody>
-          <a:bodyPr wrap="square">
-            <a:spAutoFit/>
-          </a:bodyPr>
-          <a:lstStyle/>
-          <a:p>
-            <a:r>
-              <a:rPr lang="ja-JP" altLang="en-US" dirty="0"/>
-              <a:t>Andrej Karpathy</a:t>
-            </a:r>
           </a:p>
         </p:txBody>
       </p:sp>
       <p:pic>
         <p:nvPicPr>
-          <p:cNvPr id="1026" name="Picture 2" descr="Mathematical Foundations of Nonextensive Statistical Mechanics : Umarov,  Sabir, Constantino, Tsallis: Foreign Language Books - Amazon.co.jp">
-            <a:extLst>
-              <a:ext uri="{FF2B5EF4-FFF2-40B4-BE49-F238E27FC236}">
-                <a16:creationId xmlns:a16="http://schemas.microsoft.com/office/drawing/2014/main" id="{544E1C15-82BC-011B-E712-A5C07A4B677D}"/>
+          <p:cNvPr id="1030" name="Picture 6" descr="Inference and Learning from Data: Volume 2:... by Sayed, Ali H.">
+            <a:extLst>
+              <a:ext uri="{FF2B5EF4-FFF2-40B4-BE49-F238E27FC236}">
+                <a16:creationId xmlns:a16="http://schemas.microsoft.com/office/drawing/2014/main" id="{689A299E-434A-1539-F82F-B6EFBFA8DAD9}"/>
               </a:ext>
             </a:extLst>
           </p:cNvPr>
@@ -5805,7 +7523,7 @@
           <p:nvPr/>
         </p:nvPicPr>
         <p:blipFill>
-          <a:blip r:embed="rId2">
+          <a:blip r:embed="rId3">
             <a:extLst>
               <a:ext uri="{28A0092B-C50C-407E-A947-70E740481C1C}">
                 <a14:useLocalDpi xmlns:a14="http://schemas.microsoft.com/office/drawing/2010/main" val="0"/>
@@ -5819,8 +7537,8 @@
         </p:blipFill>
         <p:spPr bwMode="auto">
           <a:xfrm>
-            <a:off x="3938588" y="0"/>
-            <a:ext cx="4313237" cy="6858000"/>
+            <a:off x="4225165" y="971164"/>
+            <a:ext cx="3643319" cy="5272744"/>
           </a:xfrm>
           <a:prstGeom prst="rect">
             <a:avLst/>
@@ -5837,10 +7555,104 @@
           </a:extLst>
         </p:spPr>
       </p:pic>
+      <p:pic>
+        <p:nvPicPr>
+          <p:cNvPr id="1032" name="Picture 8" descr="Inference and Learning from Data: Volume 1:... by Sayed, Ali H.">
+            <a:extLst>
+              <a:ext uri="{FF2B5EF4-FFF2-40B4-BE49-F238E27FC236}">
+                <a16:creationId xmlns:a16="http://schemas.microsoft.com/office/drawing/2014/main" id="{4016D007-6D2B-BEDD-0B93-B19823DC9050}"/>
+              </a:ext>
+            </a:extLst>
+          </p:cNvPr>
+          <p:cNvPicPr>
+            <a:picLocks noChangeAspect="1" noChangeArrowheads="1"/>
+          </p:cNvPicPr>
+          <p:nvPr/>
+        </p:nvPicPr>
+        <p:blipFill>
+          <a:blip r:embed="rId4">
+            <a:extLst>
+              <a:ext uri="{28A0092B-C50C-407E-A947-70E740481C1C}">
+                <a14:useLocalDpi xmlns:a14="http://schemas.microsoft.com/office/drawing/2010/main" val="0"/>
+              </a:ext>
+            </a:extLst>
+          </a:blip>
+          <a:srcRect/>
+          <a:stretch>
+            <a:fillRect/>
+          </a:stretch>
+        </p:blipFill>
+        <p:spPr bwMode="auto">
+          <a:xfrm>
+            <a:off x="122987" y="971166"/>
+            <a:ext cx="3604113" cy="5216004"/>
+          </a:xfrm>
+          <a:prstGeom prst="rect">
+            <a:avLst/>
+          </a:prstGeom>
+          <a:noFill/>
+          <a:extLst>
+            <a:ext uri="{909E8E84-426E-40DD-AFC4-6F175D3DCCD1}">
+              <a14:hiddenFill xmlns:a14="http://schemas.microsoft.com/office/drawing/2010/main">
+                <a:solidFill>
+                  <a:srgbClr val="FFFFFF"/>
+                </a:solidFill>
+              </a14:hiddenFill>
+            </a:ext>
+          </a:extLst>
+        </p:spPr>
+      </p:pic>
+      <p:pic>
+        <p:nvPicPr>
+          <p:cNvPr id="1034" name="Picture 10" descr="Inference and Learning from Data: Volume 3:... by Sayed, Ali H.">
+            <a:extLst>
+              <a:ext uri="{FF2B5EF4-FFF2-40B4-BE49-F238E27FC236}">
+                <a16:creationId xmlns:a16="http://schemas.microsoft.com/office/drawing/2014/main" id="{BE6A1750-9892-6119-CC88-524D9FD22EE5}"/>
+              </a:ext>
+            </a:extLst>
+          </p:cNvPr>
+          <p:cNvPicPr>
+            <a:picLocks noChangeAspect="1" noChangeArrowheads="1"/>
+          </p:cNvPicPr>
+          <p:nvPr/>
+        </p:nvPicPr>
+        <p:blipFill>
+          <a:blip r:embed="rId5">
+            <a:extLst>
+              <a:ext uri="{28A0092B-C50C-407E-A947-70E740481C1C}">
+                <a14:useLocalDpi xmlns:a14="http://schemas.microsoft.com/office/drawing/2010/main" val="0"/>
+              </a:ext>
+            </a:extLst>
+          </a:blip>
+          <a:srcRect/>
+          <a:stretch>
+            <a:fillRect/>
+          </a:stretch>
+        </p:blipFill>
+        <p:spPr bwMode="auto">
+          <a:xfrm>
+            <a:off x="8226091" y="971164"/>
+            <a:ext cx="3643319" cy="5272743"/>
+          </a:xfrm>
+          <a:prstGeom prst="rect">
+            <a:avLst/>
+          </a:prstGeom>
+          <a:noFill/>
+          <a:extLst>
+            <a:ext uri="{909E8E84-426E-40DD-AFC4-6F175D3DCCD1}">
+              <a14:hiddenFill xmlns:a14="http://schemas.microsoft.com/office/drawing/2010/main">
+                <a:solidFill>
+                  <a:srgbClr val="FFFFFF"/>
+                </a:solidFill>
+              </a14:hiddenFill>
+            </a:ext>
+          </a:extLst>
+        </p:spPr>
+      </p:pic>
     </p:spTree>
     <p:extLst>
       <p:ext uri="{BB962C8B-B14F-4D97-AF65-F5344CB8AC3E}">
-        <p14:creationId xmlns:p14="http://schemas.microsoft.com/office/powerpoint/2010/main" val="3278326900"/>
+        <p14:creationId xmlns:p14="http://schemas.microsoft.com/office/powerpoint/2010/main" val="2189988050"/>
       </p:ext>
     </p:extLst>
   </p:cSld>
@@ -5872,7 +7684,7 @@
           <p:cNvPr id="2" name="Title 1">
             <a:extLst>
               <a:ext uri="{FF2B5EF4-FFF2-40B4-BE49-F238E27FC236}">
-                <a16:creationId xmlns:a16="http://schemas.microsoft.com/office/drawing/2014/main" id="{5F33BE79-287F-F1E0-E9A1-3DC661D30441}"/>
+                <a16:creationId xmlns:a16="http://schemas.microsoft.com/office/drawing/2014/main" id="{C0F842C2-1E65-5B3B-DE02-264DE19BE364}"/>
               </a:ext>
             </a:extLst>
           </p:cNvPr>
@@ -5883,12 +7695,53 @@
             <p:ph type="title"/>
           </p:nvPr>
         </p:nvSpPr>
-        <p:spPr/>
+        <p:spPr>
+          <a:xfrm>
+            <a:off x="300318" y="0"/>
+            <a:ext cx="10515600" cy="1325563"/>
+          </a:xfrm>
+        </p:spPr>
         <p:txBody>
           <a:bodyPr/>
           <a:lstStyle/>
           <a:p>
-            <a:endParaRPr kumimoji="1" lang="ja-JP" altLang="en-US"/>
+            <a:r>
+              <a:rPr kumimoji="1" lang="en-US" altLang="ja-JP" b="1" dirty="0" err="1">
+                <a:solidFill>
+                  <a:schemeClr val="accent5"/>
+                </a:solidFill>
+              </a:rPr>
+              <a:t>Contraharmonic</a:t>
+            </a:r>
+            <a:r>
+              <a:rPr kumimoji="1" lang="en-US" altLang="ja-JP" b="1" dirty="0">
+                <a:solidFill>
+                  <a:schemeClr val="accent5"/>
+                </a:solidFill>
+              </a:rPr>
+              <a:t> or </a:t>
+            </a:r>
+            <a:r>
+              <a:rPr kumimoji="1" lang="en-US" altLang="ja-JP" b="1" dirty="0" err="1">
+                <a:solidFill>
+                  <a:schemeClr val="accent5"/>
+                </a:solidFill>
+              </a:rPr>
+              <a:t>antiharmonic</a:t>
+            </a:r>
+            <a:r>
+              <a:rPr kumimoji="1" lang="en-US" altLang="ja-JP" b="1" dirty="0">
+                <a:solidFill>
+                  <a:schemeClr val="accent5"/>
+                </a:solidFill>
+              </a:rPr>
+              <a:t> mean</a:t>
+            </a:r>
+            <a:endParaRPr kumimoji="1" lang="ja-JP" altLang="en-US" b="1" dirty="0">
+              <a:solidFill>
+                <a:schemeClr val="accent5"/>
+              </a:solidFill>
+            </a:endParaRPr>
           </a:p>
         </p:txBody>
       </p:sp>
@@ -5897,7 +7750,7 @@
           <p:cNvPr id="3" name="Content Placeholder 2">
             <a:extLst>
               <a:ext uri="{FF2B5EF4-FFF2-40B4-BE49-F238E27FC236}">
-                <a16:creationId xmlns:a16="http://schemas.microsoft.com/office/drawing/2014/main" id="{BD1C5F32-B835-D7AB-B64E-E9E01C1F1793}"/>
+                <a16:creationId xmlns:a16="http://schemas.microsoft.com/office/drawing/2014/main" id="{BC4EE631-2EFE-D138-8C83-89892299F470}"/>
               </a:ext>
             </a:extLst>
           </p:cNvPr>
@@ -5908,348 +7761,126 @@
             <p:ph idx="1"/>
           </p:nvPr>
         </p:nvSpPr>
-        <p:spPr/>
+        <p:spPr>
+          <a:xfrm>
+            <a:off x="386379" y="1459865"/>
+            <a:ext cx="10515600" cy="4351338"/>
+          </a:xfrm>
+        </p:spPr>
         <p:txBody>
           <a:bodyPr/>
           <a:lstStyle/>
           <a:p>
+            <a:r>
+              <a:rPr kumimoji="1" lang="en-US" altLang="ja-JP" dirty="0" err="1"/>
+              <a:t>Contraharmonic</a:t>
+            </a:r>
+            <a:r>
+              <a:rPr kumimoji="1" lang="en-US" altLang="ja-JP" dirty="0"/>
+              <a:t> or </a:t>
+            </a:r>
+            <a:r>
+              <a:rPr kumimoji="1" lang="en-US" altLang="ja-JP" dirty="0" err="1"/>
+              <a:t>antiharmonic</a:t>
+            </a:r>
+            <a:r>
+              <a:rPr kumimoji="1" lang="en-US" altLang="ja-JP" dirty="0"/>
+              <a:t> mean of n positive reals:</a:t>
+            </a:r>
+          </a:p>
+          <a:p>
+            <a:endParaRPr lang="en-US" altLang="ja-JP" dirty="0"/>
+          </a:p>
+          <a:p>
+            <a:endParaRPr kumimoji="1" lang="en-US" altLang="ja-JP" dirty="0"/>
+          </a:p>
+          <a:p>
+            <a:endParaRPr lang="en-US" altLang="ja-JP" dirty="0"/>
+          </a:p>
+          <a:p>
+            <a:endParaRPr kumimoji="1" lang="en-US" altLang="ja-JP" dirty="0"/>
+          </a:p>
+          <a:p>
+            <a:r>
+              <a:rPr kumimoji="1" lang="en-US" altLang="ja-JP" dirty="0"/>
+              <a:t>The </a:t>
+            </a:r>
+            <a:r>
+              <a:rPr kumimoji="1" lang="en-US" altLang="ja-JP" dirty="0" err="1"/>
+              <a:t>contraharmonic</a:t>
+            </a:r>
+            <a:r>
+              <a:rPr kumimoji="1" lang="en-US" altLang="ja-JP" dirty="0"/>
+              <a:t> mean is the solution of the sum of the squares with relative errors:</a:t>
+            </a:r>
             <a:endParaRPr kumimoji="1" lang="ja-JP" altLang="en-US" dirty="0"/>
           </a:p>
         </p:txBody>
       </p:sp>
       <p:pic>
         <p:nvPicPr>
-          <p:cNvPr id="1026" name="Picture 2">
-            <a:extLst>
-              <a:ext uri="{FF2B5EF4-FFF2-40B4-BE49-F238E27FC236}">
-                <a16:creationId xmlns:a16="http://schemas.microsoft.com/office/drawing/2014/main" id="{E8E1EF77-1537-3746-6970-0A24C98AEBF5}"/>
+          <p:cNvPr id="5" name="Picture 4">
+            <a:extLst>
+              <a:ext uri="{FF2B5EF4-FFF2-40B4-BE49-F238E27FC236}">
+                <a16:creationId xmlns:a16="http://schemas.microsoft.com/office/drawing/2014/main" id="{13935E09-A257-1C98-FFF7-0B0104418F04}"/>
               </a:ext>
             </a:extLst>
           </p:cNvPr>
           <p:cNvPicPr>
-            <a:picLocks noChangeAspect="1" noChangeArrowheads="1"/>
+            <a:picLocks noChangeAspect="1"/>
           </p:cNvPicPr>
           <p:nvPr/>
         </p:nvPicPr>
         <p:blipFill>
-          <a:blip r:embed="rId2">
-            <a:extLst>
-              <a:ext uri="{28A0092B-C50C-407E-A947-70E740481C1C}">
-                <a14:useLocalDpi xmlns:a14="http://schemas.microsoft.com/office/drawing/2010/main" val="0"/>
-              </a:ext>
-            </a:extLst>
-          </a:blip>
-          <a:srcRect/>
+          <a:blip r:embed="rId2"/>
           <a:stretch>
             <a:fillRect/>
           </a:stretch>
         </p:blipFill>
-        <p:spPr bwMode="auto">
-          <a:xfrm>
-            <a:off x="355002" y="214940"/>
-            <a:ext cx="2290108" cy="3313218"/>
+        <p:spPr>
+          <a:xfrm>
+            <a:off x="2308188" y="2159598"/>
+            <a:ext cx="6103934" cy="1269402"/>
           </a:xfrm>
           <a:prstGeom prst="rect">
             <a:avLst/>
           </a:prstGeom>
-          <a:noFill/>
-          <a:extLst>
-            <a:ext uri="{909E8E84-426E-40DD-AFC4-6F175D3DCCD1}">
-              <a14:hiddenFill xmlns:a14="http://schemas.microsoft.com/office/drawing/2010/main">
-                <a:solidFill>
-                  <a:srgbClr val="FFFFFF"/>
-                </a:solidFill>
-              </a14:hiddenFill>
-            </a:ext>
-          </a:extLst>
         </p:spPr>
       </p:pic>
       <p:pic>
         <p:nvPicPr>
-          <p:cNvPr id="1028" name="Picture 4">
-            <a:extLst>
-              <a:ext uri="{FF2B5EF4-FFF2-40B4-BE49-F238E27FC236}">
-                <a16:creationId xmlns:a16="http://schemas.microsoft.com/office/drawing/2014/main" id="{869FD3FC-AA72-3E95-6D32-9BA0C95C81A4}"/>
+          <p:cNvPr id="7" name="Picture 6">
+            <a:extLst>
+              <a:ext uri="{FF2B5EF4-FFF2-40B4-BE49-F238E27FC236}">
+                <a16:creationId xmlns:a16="http://schemas.microsoft.com/office/drawing/2014/main" id="{52095837-D1C8-2991-B464-52F7803070A7}"/>
               </a:ext>
             </a:extLst>
           </p:cNvPr>
           <p:cNvPicPr>
-            <a:picLocks noChangeAspect="1" noChangeArrowheads="1"/>
+            <a:picLocks noChangeAspect="1"/>
           </p:cNvPicPr>
           <p:nvPr/>
         </p:nvPicPr>
         <p:blipFill>
-          <a:blip r:embed="rId3">
-            <a:extLst>
-              <a:ext uri="{28A0092B-C50C-407E-A947-70E740481C1C}">
-                <a14:useLocalDpi xmlns:a14="http://schemas.microsoft.com/office/drawing/2010/main" val="0"/>
-              </a:ext>
-            </a:extLst>
-          </a:blip>
-          <a:srcRect/>
+          <a:blip r:embed="rId3"/>
           <a:stretch>
             <a:fillRect/>
           </a:stretch>
         </p:blipFill>
-        <p:spPr bwMode="auto">
-          <a:xfrm>
-            <a:off x="3491299" y="268154"/>
-            <a:ext cx="2067449" cy="3146612"/>
+        <p:spPr>
+          <a:xfrm>
+            <a:off x="2435004" y="4920952"/>
+            <a:ext cx="7961366" cy="1557020"/>
           </a:xfrm>
           <a:prstGeom prst="rect">
             <a:avLst/>
           </a:prstGeom>
-          <a:noFill/>
-          <a:extLst>
-            <a:ext uri="{909E8E84-426E-40DD-AFC4-6F175D3DCCD1}">
-              <a14:hiddenFill xmlns:a14="http://schemas.microsoft.com/office/drawing/2010/main">
-                <a:solidFill>
-                  <a:srgbClr val="FFFFFF"/>
-                </a:solidFill>
-              </a14:hiddenFill>
-            </a:ext>
-          </a:extLst>
-        </p:spPr>
-      </p:pic>
-      <p:pic>
-        <p:nvPicPr>
-          <p:cNvPr id="1030" name="Picture 6" descr="Cover book the Shallow and the Deep">
-            <a:extLst>
-              <a:ext uri="{FF2B5EF4-FFF2-40B4-BE49-F238E27FC236}">
-                <a16:creationId xmlns:a16="http://schemas.microsoft.com/office/drawing/2014/main" id="{4C31EA6B-35D8-7386-2F1F-4CC879758525}"/>
-              </a:ext>
-            </a:extLst>
-          </p:cNvPr>
-          <p:cNvPicPr>
-            <a:picLocks noChangeAspect="1" noChangeArrowheads="1"/>
-          </p:cNvPicPr>
-          <p:nvPr/>
-        </p:nvPicPr>
-        <p:blipFill>
-          <a:blip r:embed="rId4">
-            <a:extLst>
-              <a:ext uri="{28A0092B-C50C-407E-A947-70E740481C1C}">
-                <a14:useLocalDpi xmlns:a14="http://schemas.microsoft.com/office/drawing/2010/main" val="0"/>
-              </a:ext>
-            </a:extLst>
-          </a:blip>
-          <a:srcRect/>
-          <a:stretch>
-            <a:fillRect/>
-          </a:stretch>
-        </p:blipFill>
-        <p:spPr bwMode="auto">
-          <a:xfrm>
-            <a:off x="6404571" y="214940"/>
-            <a:ext cx="2180322" cy="3085156"/>
-          </a:xfrm>
-          <a:prstGeom prst="rect">
-            <a:avLst/>
-          </a:prstGeom>
-          <a:noFill/>
-          <a:extLst>
-            <a:ext uri="{909E8E84-426E-40DD-AFC4-6F175D3DCCD1}">
-              <a14:hiddenFill xmlns:a14="http://schemas.microsoft.com/office/drawing/2010/main">
-                <a:solidFill>
-                  <a:srgbClr val="FFFFFF"/>
-                </a:solidFill>
-              </a14:hiddenFill>
-            </a:ext>
-          </a:extLst>
-        </p:spPr>
-      </p:pic>
-      <p:pic>
-        <p:nvPicPr>
-          <p:cNvPr id="1032" name="Picture 8">
-            <a:extLst>
-              <a:ext uri="{FF2B5EF4-FFF2-40B4-BE49-F238E27FC236}">
-                <a16:creationId xmlns:a16="http://schemas.microsoft.com/office/drawing/2014/main" id="{BEAF9420-7EC0-0DC9-3B66-22A45F3C4B6B}"/>
-              </a:ext>
-            </a:extLst>
-          </p:cNvPr>
-          <p:cNvPicPr>
-            <a:picLocks noChangeAspect="1" noChangeArrowheads="1"/>
-          </p:cNvPicPr>
-          <p:nvPr/>
-        </p:nvPicPr>
-        <p:blipFill>
-          <a:blip r:embed="rId5">
-            <a:extLst>
-              <a:ext uri="{28A0092B-C50C-407E-A947-70E740481C1C}">
-                <a14:useLocalDpi xmlns:a14="http://schemas.microsoft.com/office/drawing/2010/main" val="0"/>
-              </a:ext>
-            </a:extLst>
-          </a:blip>
-          <a:srcRect/>
-          <a:stretch>
-            <a:fillRect/>
-          </a:stretch>
-        </p:blipFill>
-        <p:spPr bwMode="auto">
-          <a:xfrm>
-            <a:off x="9472879" y="348605"/>
-            <a:ext cx="2058640" cy="3085156"/>
-          </a:xfrm>
-          <a:prstGeom prst="rect">
-            <a:avLst/>
-          </a:prstGeom>
-          <a:noFill/>
-          <a:extLst>
-            <a:ext uri="{909E8E84-426E-40DD-AFC4-6F175D3DCCD1}">
-              <a14:hiddenFill xmlns:a14="http://schemas.microsoft.com/office/drawing/2010/main">
-                <a:solidFill>
-                  <a:srgbClr val="FFFFFF"/>
-                </a:solidFill>
-              </a14:hiddenFill>
-            </a:ext>
-          </a:extLst>
-        </p:spPr>
-      </p:pic>
-      <p:pic>
-        <p:nvPicPr>
-          <p:cNvPr id="1034" name="Picture 10">
-            <a:extLst>
-              <a:ext uri="{FF2B5EF4-FFF2-40B4-BE49-F238E27FC236}">
-                <a16:creationId xmlns:a16="http://schemas.microsoft.com/office/drawing/2014/main" id="{B6349382-C08D-FB12-28F5-0EEB161D7652}"/>
-              </a:ext>
-            </a:extLst>
-          </p:cNvPr>
-          <p:cNvPicPr>
-            <a:picLocks noChangeAspect="1" noChangeArrowheads="1"/>
-          </p:cNvPicPr>
-          <p:nvPr/>
-        </p:nvPicPr>
-        <p:blipFill>
-          <a:blip r:embed="rId6">
-            <a:extLst>
-              <a:ext uri="{28A0092B-C50C-407E-A947-70E740481C1C}">
-                <a14:useLocalDpi xmlns:a14="http://schemas.microsoft.com/office/drawing/2010/main" val="0"/>
-              </a:ext>
-            </a:extLst>
-          </a:blip>
-          <a:srcRect/>
-          <a:stretch>
-            <a:fillRect/>
-          </a:stretch>
-        </p:blipFill>
-        <p:spPr bwMode="auto">
-          <a:xfrm>
-            <a:off x="7781589" y="3607377"/>
-            <a:ext cx="2420285" cy="2993511"/>
-          </a:xfrm>
-          <a:prstGeom prst="rect">
-            <a:avLst/>
-          </a:prstGeom>
-          <a:noFill/>
-          <a:extLst>
-            <a:ext uri="{909E8E84-426E-40DD-AFC4-6F175D3DCCD1}">
-              <a14:hiddenFill xmlns:a14="http://schemas.microsoft.com/office/drawing/2010/main">
-                <a:solidFill>
-                  <a:srgbClr val="FFFFFF"/>
-                </a:solidFill>
-              </a14:hiddenFill>
-            </a:ext>
-          </a:extLst>
-        </p:spPr>
-      </p:pic>
-      <p:pic>
-        <p:nvPicPr>
-          <p:cNvPr id="1036" name="Picture 12">
-            <a:extLst>
-              <a:ext uri="{FF2B5EF4-FFF2-40B4-BE49-F238E27FC236}">
-                <a16:creationId xmlns:a16="http://schemas.microsoft.com/office/drawing/2014/main" id="{FFD4C5AA-B16F-2F9C-44BE-97F9A54338C0}"/>
-              </a:ext>
-            </a:extLst>
-          </p:cNvPr>
-          <p:cNvPicPr>
-            <a:picLocks noChangeAspect="1" noChangeArrowheads="1"/>
-          </p:cNvPicPr>
-          <p:nvPr/>
-        </p:nvPicPr>
-        <p:blipFill>
-          <a:blip r:embed="rId7">
-            <a:extLst>
-              <a:ext uri="{28A0092B-C50C-407E-A947-70E740481C1C}">
-                <a14:useLocalDpi xmlns:a14="http://schemas.microsoft.com/office/drawing/2010/main" val="0"/>
-              </a:ext>
-            </a:extLst>
-          </a:blip>
-          <a:srcRect/>
-          <a:stretch>
-            <a:fillRect/>
-          </a:stretch>
-        </p:blipFill>
-        <p:spPr bwMode="auto">
-          <a:xfrm>
-            <a:off x="4898649" y="3528158"/>
-            <a:ext cx="1944052" cy="3146612"/>
-          </a:xfrm>
-          <a:prstGeom prst="rect">
-            <a:avLst/>
-          </a:prstGeom>
-          <a:noFill/>
-          <a:extLst>
-            <a:ext uri="{909E8E84-426E-40DD-AFC4-6F175D3DCCD1}">
-              <a14:hiddenFill xmlns:a14="http://schemas.microsoft.com/office/drawing/2010/main">
-                <a:solidFill>
-                  <a:srgbClr val="FFFFFF"/>
-                </a:solidFill>
-              </a14:hiddenFill>
-            </a:ext>
-          </a:extLst>
-        </p:spPr>
-      </p:pic>
-      <p:pic>
-        <p:nvPicPr>
-          <p:cNvPr id="1038" name="Picture 14" descr="front cover">
-            <a:extLst>
-              <a:ext uri="{FF2B5EF4-FFF2-40B4-BE49-F238E27FC236}">
-                <a16:creationId xmlns:a16="http://schemas.microsoft.com/office/drawing/2014/main" id="{9A8537B1-AC44-E732-DE9E-58997F4CCC44}"/>
-              </a:ext>
-            </a:extLst>
-          </p:cNvPr>
-          <p:cNvPicPr>
-            <a:picLocks noChangeAspect="1" noChangeArrowheads="1"/>
-          </p:cNvPicPr>
-          <p:nvPr/>
-        </p:nvPicPr>
-        <p:blipFill>
-          <a:blip r:embed="rId8">
-            <a:extLst>
-              <a:ext uri="{28A0092B-C50C-407E-A947-70E740481C1C}">
-                <a14:useLocalDpi xmlns:a14="http://schemas.microsoft.com/office/drawing/2010/main" val="0"/>
-              </a:ext>
-            </a:extLst>
-          </a:blip>
-          <a:srcRect/>
-          <a:stretch>
-            <a:fillRect/>
-          </a:stretch>
-        </p:blipFill>
-        <p:spPr bwMode="auto">
-          <a:xfrm>
-            <a:off x="1153625" y="3517075"/>
-            <a:ext cx="2982969" cy="3340925"/>
-          </a:xfrm>
-          <a:prstGeom prst="rect">
-            <a:avLst/>
-          </a:prstGeom>
-          <a:noFill/>
-          <a:extLst>
-            <a:ext uri="{909E8E84-426E-40DD-AFC4-6F175D3DCCD1}">
-              <a14:hiddenFill xmlns:a14="http://schemas.microsoft.com/office/drawing/2010/main">
-                <a:solidFill>
-                  <a:srgbClr val="FFFFFF"/>
-                </a:solidFill>
-              </a14:hiddenFill>
-            </a:ext>
-          </a:extLst>
         </p:spPr>
       </p:pic>
     </p:spTree>
     <p:extLst>
       <p:ext uri="{BB962C8B-B14F-4D97-AF65-F5344CB8AC3E}">
-        <p14:creationId xmlns:p14="http://schemas.microsoft.com/office/powerpoint/2010/main" val="1443018924"/>
+        <p14:creationId xmlns:p14="http://schemas.microsoft.com/office/powerpoint/2010/main" val="2698045578"/>
       </p:ext>
     </p:extLst>
   </p:cSld>
@@ -6281,7 +7912,7 @@
           <p:cNvPr id="2" name="Title 1">
             <a:extLst>
               <a:ext uri="{FF2B5EF4-FFF2-40B4-BE49-F238E27FC236}">
-                <a16:creationId xmlns:a16="http://schemas.microsoft.com/office/drawing/2014/main" id="{1CC3642B-9742-5616-9937-0466314270FA}"/>
+                <a16:creationId xmlns:a16="http://schemas.microsoft.com/office/drawing/2014/main" id="{3FA0BC29-32E6-08AC-1E69-1E050EEA8741}"/>
               </a:ext>
             </a:extLst>
           </p:cNvPr>
@@ -6292,75 +7923,46 @@
             <p:ph type="title"/>
           </p:nvPr>
         </p:nvSpPr>
-        <p:spPr>
-          <a:xfrm>
-            <a:off x="219966" y="-273488"/>
-            <a:ext cx="11752068" cy="1325563"/>
-          </a:xfrm>
-        </p:spPr>
-        <p:txBody>
-          <a:bodyPr>
-            <a:normAutofit/>
-          </a:bodyPr>
-          <a:lstStyle/>
-          <a:p>
-            <a:r>
-              <a:rPr kumimoji="1" lang="en-US" altLang="ja-JP" sz="3600" b="1" dirty="0">
-                <a:solidFill>
-                  <a:schemeClr val="accent5"/>
-                </a:solidFill>
-              </a:rPr>
-              <a:t>Hessian manifolds, Hessian geometry, Bregman geometry</a:t>
-            </a:r>
-            <a:endParaRPr kumimoji="1" lang="ja-JP" altLang="en-US" sz="3600" b="1" dirty="0">
-              <a:solidFill>
-                <a:schemeClr val="accent5"/>
-              </a:solidFill>
-            </a:endParaRPr>
-          </a:p>
-        </p:txBody>
-      </p:sp>
-      <p:pic>
-        <p:nvPicPr>
-          <p:cNvPr id="5" name="Content Placeholder 4" descr="A book cover with text&#10;&#10;Description automatically generated">
-            <a:extLst>
-              <a:ext uri="{FF2B5EF4-FFF2-40B4-BE49-F238E27FC236}">
-                <a16:creationId xmlns:a16="http://schemas.microsoft.com/office/drawing/2014/main" id="{D048D31E-7654-8254-FA04-F9748BFF69AF}"/>
-              </a:ext>
-            </a:extLst>
-          </p:cNvPr>
-          <p:cNvPicPr>
-            <a:picLocks noGrp="1" noChangeAspect="1"/>
-          </p:cNvPicPr>
+        <p:spPr/>
+        <p:txBody>
+          <a:bodyPr/>
+          <a:lstStyle/>
+          <a:p>
+            <a:endParaRPr kumimoji="1" lang="ja-JP" altLang="en-US"/>
+          </a:p>
+        </p:txBody>
+      </p:sp>
+      <p:sp>
+        <p:nvSpPr>
+          <p:cNvPr id="3" name="Content Placeholder 2">
+            <a:extLst>
+              <a:ext uri="{FF2B5EF4-FFF2-40B4-BE49-F238E27FC236}">
+                <a16:creationId xmlns:a16="http://schemas.microsoft.com/office/drawing/2014/main" id="{3A577BA7-4F10-A500-C0C6-968D9CEF318D}"/>
+              </a:ext>
+            </a:extLst>
+          </p:cNvPr>
+          <p:cNvSpPr>
+            <a:spLocks noGrp="1"/>
+          </p:cNvSpPr>
           <p:nvPr>
             <p:ph idx="1"/>
           </p:nvPr>
-        </p:nvPicPr>
-        <p:blipFill>
-          <a:blip r:embed="rId3">
-            <a:extLst>
-              <a:ext uri="{28A0092B-C50C-407E-A947-70E740481C1C}">
-                <a14:useLocalDpi xmlns:a14="http://schemas.microsoft.com/office/drawing/2010/main" val="0"/>
-              </a:ext>
-            </a:extLst>
-          </a:blip>
-          <a:stretch>
-            <a:fillRect/>
-          </a:stretch>
-        </p:blipFill>
-        <p:spPr>
-          <a:xfrm>
-            <a:off x="772098" y="2025615"/>
-            <a:ext cx="2577158" cy="3655544"/>
-          </a:xfrm>
-        </p:spPr>
-      </p:pic>
-      <p:sp>
-        <p:nvSpPr>
-          <p:cNvPr id="6" name="TextBox 5">
-            <a:extLst>
-              <a:ext uri="{FF2B5EF4-FFF2-40B4-BE49-F238E27FC236}">
-                <a16:creationId xmlns:a16="http://schemas.microsoft.com/office/drawing/2014/main" id="{95C7AD0D-A17F-006E-8AC8-E7411C575379}"/>
+        </p:nvSpPr>
+        <p:spPr/>
+        <p:txBody>
+          <a:bodyPr/>
+          <a:lstStyle/>
+          <a:p>
+            <a:endParaRPr kumimoji="1" lang="ja-JP" altLang="en-US"/>
+          </a:p>
+        </p:txBody>
+      </p:sp>
+      <p:sp>
+        <p:nvSpPr>
+          <p:cNvPr id="7" name="TextBox 6">
+            <a:extLst>
+              <a:ext uri="{FF2B5EF4-FFF2-40B4-BE49-F238E27FC236}">
+                <a16:creationId xmlns:a16="http://schemas.microsoft.com/office/drawing/2014/main" id="{1A5D3A62-A170-950C-BBB2-831DF26F3A0D}"/>
               </a:ext>
             </a:extLst>
           </p:cNvPr>
@@ -6369,8 +7971,8 @@
         </p:nvSpPr>
         <p:spPr>
           <a:xfrm>
-            <a:off x="219966" y="772497"/>
-            <a:ext cx="12067727" cy="1477328"/>
+            <a:off x="3047104" y="3247023"/>
+            <a:ext cx="6094206" cy="369332"/>
           </a:xfrm>
           <a:prstGeom prst="rect">
             <a:avLst/>
@@ -6378,162 +7980,24 @@
           <a:noFill/>
         </p:spPr>
         <p:txBody>
-          <a:bodyPr wrap="none" rtlCol="0">
+          <a:bodyPr wrap="square">
             <a:spAutoFit/>
           </a:bodyPr>
           <a:lstStyle/>
           <a:p>
             <a:r>
-              <a:rPr kumimoji="1" lang="en-US" altLang="ja-JP" b="1" dirty="0">
-                <a:solidFill>
-                  <a:srgbClr val="FF0000"/>
-                </a:solidFill>
-              </a:rPr>
-              <a:t>Hessian structure </a:t>
-            </a:r>
-            <a:r>
-              <a:rPr kumimoji="1" lang="en-US" altLang="ja-JP" dirty="0"/>
-              <a:t>on a manifold:  </a:t>
-            </a:r>
-            <a:r>
-              <a:rPr kumimoji="1" lang="en-US" altLang="ja-JP" b="1" dirty="0">
-                <a:latin typeface="+mj-lt"/>
-              </a:rPr>
-              <a:t>(g,</a:t>
-            </a:r>
-            <a:r>
-              <a:rPr lang="ja-JP" altLang="en-US" b="1" i="0" dirty="0">
-                <a:effectLst/>
-                <a:latin typeface="+mj-lt"/>
-              </a:rPr>
-              <a:t> ∇</a:t>
-            </a:r>
-            <a:r>
-              <a:rPr kumimoji="1" lang="en-US" altLang="ja-JP" b="1" dirty="0">
-                <a:latin typeface="+mj-lt"/>
-              </a:rPr>
-              <a:t>) </a:t>
-            </a:r>
-            <a:r>
-              <a:rPr kumimoji="1" lang="en-US" altLang="ja-JP" dirty="0"/>
-              <a:t>where g is a Hessian metric tensor and a torsion-free flat connection</a:t>
-            </a:r>
-            <a:r>
-              <a:rPr lang="ja-JP" altLang="en-US" b="1" i="0" dirty="0">
-                <a:effectLst/>
-                <a:latin typeface="+mj-lt"/>
-              </a:rPr>
-              <a:t> ∇</a:t>
-            </a:r>
-            <a:endParaRPr kumimoji="1" lang="en-US" altLang="ja-JP" dirty="0"/>
-          </a:p>
-          <a:p>
-            <a:r>
-              <a:rPr lang="en-US" altLang="ja-JP" dirty="0"/>
-              <a:t>To every chart there is a </a:t>
-            </a:r>
-            <a:r>
-              <a:rPr lang="en-US" altLang="ja-JP" b="1" dirty="0">
-                <a:solidFill>
-                  <a:srgbClr val="FF0000"/>
-                </a:solidFill>
-              </a:rPr>
-              <a:t>potential function </a:t>
-            </a:r>
-            <a:r>
-              <a:rPr lang="en-US" altLang="ja-JP" dirty="0"/>
-              <a:t>defining the Hessian metric in local coordinates of the chart</a:t>
-            </a:r>
-          </a:p>
-          <a:p>
-            <a:r>
-              <a:rPr kumimoji="1" lang="en-US" altLang="ja-JP" dirty="0"/>
-              <a:t>Hessian </a:t>
-            </a:r>
-            <a:r>
-              <a:rPr lang="en-US" altLang="ja-JP" dirty="0"/>
-              <a:t>manifolds are special </a:t>
-            </a:r>
-            <a:r>
-              <a:rPr lang="en-US" altLang="ja-JP" b="1" dirty="0">
-                <a:solidFill>
-                  <a:srgbClr val="FF0000"/>
-                </a:solidFill>
-              </a:rPr>
-              <a:t>affine manifolds </a:t>
-            </a:r>
-            <a:r>
-              <a:rPr lang="en-US" altLang="ja-JP" dirty="0"/>
-              <a:t>(M,</a:t>
-            </a:r>
-            <a:r>
-              <a:rPr lang="ja-JP" altLang="en-US" b="1" i="0" dirty="0">
-                <a:effectLst/>
-                <a:latin typeface="+mj-lt"/>
-              </a:rPr>
-              <a:t> ∇</a:t>
-            </a:r>
-            <a:r>
-              <a:rPr kumimoji="1" lang="en-US" altLang="ja-JP" b="1" dirty="0">
-                <a:latin typeface="+mj-lt"/>
-              </a:rPr>
-              <a:t>) </a:t>
-            </a:r>
-            <a:r>
-              <a:rPr kumimoji="1" lang="en-US" altLang="ja-JP" dirty="0">
-                <a:latin typeface="+mj-lt"/>
-              </a:rPr>
-              <a:t>where </a:t>
-            </a:r>
-            <a:r>
-              <a:rPr lang="ja-JP" altLang="en-US" i="0" dirty="0">
-                <a:effectLst/>
-                <a:latin typeface="+mj-lt"/>
-              </a:rPr>
-              <a:t>∇ </a:t>
-            </a:r>
-            <a:r>
-              <a:rPr lang="en-US" altLang="ja-JP" i="0" dirty="0">
-                <a:effectLst/>
-                <a:latin typeface="+mj-lt"/>
-              </a:rPr>
-              <a:t>is </a:t>
-            </a:r>
-            <a:r>
-              <a:rPr kumimoji="1" lang="en-US" altLang="ja-JP" dirty="0"/>
-              <a:t>a torsion-free flat connection</a:t>
-            </a:r>
-          </a:p>
-          <a:p>
-            <a:r>
-              <a:rPr lang="en-US" altLang="ja-JP" dirty="0"/>
-              <a:t>A Bregman divergence induces a Hessian manifold with a global chart, a </a:t>
-            </a:r>
-            <a:r>
-              <a:rPr lang="en-US" altLang="ja-JP" b="1" dirty="0">
-                <a:solidFill>
-                  <a:srgbClr val="FF0000"/>
-                </a:solidFill>
-              </a:rPr>
-              <a:t>Bregman manifold</a:t>
-            </a:r>
-            <a:endParaRPr kumimoji="1" lang="en-US" altLang="ja-JP" b="1" dirty="0">
-              <a:solidFill>
-                <a:srgbClr val="FF0000"/>
-              </a:solidFill>
-            </a:endParaRPr>
-          </a:p>
-          <a:p>
-            <a:endParaRPr kumimoji="1" lang="ja-JP" altLang="en-US" dirty="0"/>
+              <a:rPr lang="ja-JP" altLang="en-US" dirty="0"/>
+              <a:t>Andrej Karpathy</a:t>
+            </a:r>
           </a:p>
         </p:txBody>
       </p:sp>
       <p:pic>
         <p:nvPicPr>
-          <p:cNvPr id="1026" name="Picture 2" descr="The Geometry of Hessian Structures: Shima, Hirohiko: 9789812700315:  Amazon.com: Books">
-            <a:extLst>
-              <a:ext uri="{FF2B5EF4-FFF2-40B4-BE49-F238E27FC236}">
-                <a16:creationId xmlns:a16="http://schemas.microsoft.com/office/drawing/2014/main" id="{4270141D-62DE-8996-E8BA-9560EC07568B}"/>
+          <p:cNvPr id="1026" name="Picture 2" descr="Mathematical Foundations of Nonextensive Statistical Mechanics : Umarov,  Sabir, Constantino, Tsallis: Foreign Language Books - Amazon.co.jp">
+            <a:extLst>
+              <a:ext uri="{FF2B5EF4-FFF2-40B4-BE49-F238E27FC236}">
+                <a16:creationId xmlns:a16="http://schemas.microsoft.com/office/drawing/2014/main" id="{544E1C15-82BC-011B-E712-A5C07A4B677D}"/>
               </a:ext>
             </a:extLst>
           </p:cNvPr>
@@ -6543,7 +8007,7 @@
           <p:nvPr/>
         </p:nvPicPr>
         <p:blipFill>
-          <a:blip r:embed="rId4">
+          <a:blip r:embed="rId2">
             <a:extLst>
               <a:ext uri="{28A0092B-C50C-407E-A947-70E740481C1C}">
                 <a14:useLocalDpi xmlns:a14="http://schemas.microsoft.com/office/drawing/2010/main" val="0"/>
@@ -6557,8 +8021,8 @@
         </p:blipFill>
         <p:spPr bwMode="auto">
           <a:xfrm>
-            <a:off x="4869651" y="1990611"/>
-            <a:ext cx="2504871" cy="3716018"/>
+            <a:off x="3938588" y="0"/>
+            <a:ext cx="4313237" cy="6858000"/>
           </a:xfrm>
           <a:prstGeom prst="rect">
             <a:avLst/>
@@ -6575,320 +8039,10 @@
           </a:extLst>
         </p:spPr>
       </p:pic>
-      <p:sp>
-        <p:nvSpPr>
-          <p:cNvPr id="8" name="TextBox 7">
-            <a:extLst>
-              <a:ext uri="{FF2B5EF4-FFF2-40B4-BE49-F238E27FC236}">
-                <a16:creationId xmlns:a16="http://schemas.microsoft.com/office/drawing/2014/main" id="{9896DFD9-206F-9197-815E-92946154232B}"/>
-              </a:ext>
-            </a:extLst>
-          </p:cNvPr>
-          <p:cNvSpPr txBox="1"/>
-          <p:nvPr/>
-        </p:nvSpPr>
-        <p:spPr>
-          <a:xfrm>
-            <a:off x="0" y="5716171"/>
-            <a:ext cx="6182832" cy="369332"/>
-          </a:xfrm>
-          <a:prstGeom prst="rect">
-            <a:avLst/>
-          </a:prstGeom>
-          <a:noFill/>
-        </p:spPr>
-        <p:txBody>
-          <a:bodyPr wrap="square">
-            <a:spAutoFit/>
-          </a:bodyPr>
-          <a:lstStyle/>
-          <a:p>
-            <a:r>
-              <a:rPr lang="ja-JP" altLang="en-US" dirty="0"/>
-              <a:t>志摩裕彦, へッセ幾何学， 裳華房， 2001</a:t>
-            </a:r>
-          </a:p>
-        </p:txBody>
-      </p:sp>
-      <p:sp>
-        <p:nvSpPr>
-          <p:cNvPr id="10" name="TextBox 9">
-            <a:extLst>
-              <a:ext uri="{FF2B5EF4-FFF2-40B4-BE49-F238E27FC236}">
-                <a16:creationId xmlns:a16="http://schemas.microsoft.com/office/drawing/2014/main" id="{A35B527E-ECB8-8DAB-CB88-FAE7BC8F0082}"/>
-              </a:ext>
-            </a:extLst>
-          </p:cNvPr>
-          <p:cNvSpPr txBox="1"/>
-          <p:nvPr/>
-        </p:nvSpPr>
-        <p:spPr>
-          <a:xfrm>
-            <a:off x="4656286" y="5751243"/>
-            <a:ext cx="7860119" cy="369332"/>
-          </a:xfrm>
-          <a:prstGeom prst="rect">
-            <a:avLst/>
-          </a:prstGeom>
-          <a:noFill/>
-        </p:spPr>
-        <p:txBody>
-          <a:bodyPr wrap="square">
-            <a:spAutoFit/>
-          </a:bodyPr>
-          <a:lstStyle/>
-          <a:p>
-            <a:r>
-              <a:rPr lang="en-US" altLang="ja-JP" b="0" i="0" dirty="0">
-                <a:solidFill>
-                  <a:srgbClr val="222222"/>
-                </a:solidFill>
-                <a:effectLst/>
-                <a:latin typeface="+mj-lt"/>
-              </a:rPr>
-              <a:t>Shima, </a:t>
-            </a:r>
-            <a:r>
-              <a:rPr lang="en-US" altLang="ja-JP" b="0" i="0" dirty="0" err="1">
-                <a:solidFill>
-                  <a:srgbClr val="222222"/>
-                </a:solidFill>
-                <a:effectLst/>
-                <a:latin typeface="+mj-lt"/>
-              </a:rPr>
-              <a:t>Hirohiko</a:t>
-            </a:r>
-            <a:r>
-              <a:rPr lang="en-US" altLang="ja-JP" b="0" i="0" dirty="0">
-                <a:solidFill>
-                  <a:srgbClr val="222222"/>
-                </a:solidFill>
-                <a:effectLst/>
-                <a:latin typeface="+mj-lt"/>
-              </a:rPr>
-              <a:t>. </a:t>
-            </a:r>
-            <a:r>
-              <a:rPr lang="en-US" altLang="ja-JP" b="0" i="1" dirty="0">
-                <a:solidFill>
-                  <a:srgbClr val="222222"/>
-                </a:solidFill>
-                <a:effectLst/>
-                <a:latin typeface="+mj-lt"/>
-              </a:rPr>
-              <a:t>The geometry of Hessian structures</a:t>
-            </a:r>
-            <a:r>
-              <a:rPr lang="en-US" altLang="ja-JP" b="0" i="0" dirty="0">
-                <a:solidFill>
-                  <a:srgbClr val="222222"/>
-                </a:solidFill>
-                <a:effectLst/>
-                <a:latin typeface="+mj-lt"/>
-              </a:rPr>
-              <a:t>. World Scientific, 2007.</a:t>
-            </a:r>
-            <a:endParaRPr lang="ja-JP" altLang="en-US" dirty="0">
-              <a:latin typeface="+mj-lt"/>
-            </a:endParaRPr>
-          </a:p>
-        </p:txBody>
-      </p:sp>
-      <p:pic>
-        <p:nvPicPr>
-          <p:cNvPr id="1028" name="Picture 4" descr="Jean-Louis Koszul and Hirihiko Shima at GSI'13 “Geometric Science of... |  Download Scientific Diagram">
-            <a:extLst>
-              <a:ext uri="{FF2B5EF4-FFF2-40B4-BE49-F238E27FC236}">
-                <a16:creationId xmlns:a16="http://schemas.microsoft.com/office/drawing/2014/main" id="{531CC6B4-2CF9-4BBC-DF59-40E0E72095B9}"/>
-              </a:ext>
-            </a:extLst>
-          </p:cNvPr>
-          <p:cNvPicPr>
-            <a:picLocks noChangeAspect="1" noChangeArrowheads="1"/>
-          </p:cNvPicPr>
-          <p:nvPr/>
-        </p:nvPicPr>
-        <p:blipFill>
-          <a:blip r:embed="rId5">
-            <a:extLst>
-              <a:ext uri="{28A0092B-C50C-407E-A947-70E740481C1C}">
-                <a14:useLocalDpi xmlns:a14="http://schemas.microsoft.com/office/drawing/2010/main" val="0"/>
-              </a:ext>
-            </a:extLst>
-          </a:blip>
-          <a:srcRect/>
-          <a:stretch>
-            <a:fillRect/>
-          </a:stretch>
-        </p:blipFill>
-        <p:spPr bwMode="auto">
-          <a:xfrm>
-            <a:off x="8153050" y="2025614"/>
-            <a:ext cx="3704165" cy="2780302"/>
-          </a:xfrm>
-          <a:prstGeom prst="rect">
-            <a:avLst/>
-          </a:prstGeom>
-          <a:noFill/>
-          <a:extLst>
-            <a:ext uri="{909E8E84-426E-40DD-AFC4-6F175D3DCCD1}">
-              <a14:hiddenFill xmlns:a14="http://schemas.microsoft.com/office/drawing/2010/main">
-                <a:solidFill>
-                  <a:srgbClr val="FFFFFF"/>
-                </a:solidFill>
-              </a14:hiddenFill>
-            </a:ext>
-          </a:extLst>
-        </p:spPr>
-      </p:pic>
-      <p:sp>
-        <p:nvSpPr>
-          <p:cNvPr id="11" name="TextBox 10">
-            <a:extLst>
-              <a:ext uri="{FF2B5EF4-FFF2-40B4-BE49-F238E27FC236}">
-                <a16:creationId xmlns:a16="http://schemas.microsoft.com/office/drawing/2014/main" id="{C1FE3A9D-DC74-5C90-F7BB-77EFD2367579}"/>
-              </a:ext>
-            </a:extLst>
-          </p:cNvPr>
-          <p:cNvSpPr txBox="1"/>
-          <p:nvPr/>
-        </p:nvSpPr>
-        <p:spPr>
-          <a:xfrm>
-            <a:off x="8303384" y="4893919"/>
-            <a:ext cx="3403496" cy="861774"/>
-          </a:xfrm>
-          <a:prstGeom prst="rect">
-            <a:avLst/>
-          </a:prstGeom>
-          <a:noFill/>
-        </p:spPr>
-        <p:txBody>
-          <a:bodyPr wrap="none" rtlCol="0">
-            <a:spAutoFit/>
-          </a:bodyPr>
-          <a:lstStyle/>
-          <a:p>
-            <a:pPr algn="ctr"/>
-            <a:r>
-              <a:rPr kumimoji="1" lang="en-US" altLang="ja-JP" sz="1600" dirty="0"/>
-              <a:t>Professor Jean-Louis </a:t>
-            </a:r>
-            <a:r>
-              <a:rPr kumimoji="1" lang="en-US" altLang="ja-JP" sz="1600" dirty="0" err="1"/>
-              <a:t>Koszul</a:t>
-            </a:r>
-            <a:r>
-              <a:rPr kumimoji="1" lang="en-US" altLang="ja-JP" sz="1600" dirty="0"/>
-              <a:t> (left)</a:t>
-            </a:r>
-          </a:p>
-          <a:p>
-            <a:pPr algn="ctr"/>
-            <a:r>
-              <a:rPr lang="en-US" altLang="ja-JP" sz="1600" dirty="0"/>
-              <a:t>Professor </a:t>
-            </a:r>
-            <a:r>
-              <a:rPr lang="en-US" altLang="ja-JP" sz="1600" dirty="0" err="1"/>
-              <a:t>Hirohiko</a:t>
-            </a:r>
-            <a:r>
-              <a:rPr lang="en-US" altLang="ja-JP" sz="1600" dirty="0"/>
-              <a:t> Shima (right)</a:t>
-            </a:r>
-          </a:p>
-          <a:p>
-            <a:pPr algn="ctr"/>
-            <a:r>
-              <a:rPr lang="en-US" altLang="ja-JP" sz="1600" dirty="0"/>
-              <a:t>at GSI 2013 </a:t>
-            </a:r>
-            <a:endParaRPr kumimoji="1" lang="ja-JP" altLang="en-US" sz="1600" dirty="0"/>
-          </a:p>
-        </p:txBody>
-      </p:sp>
-      <p:sp>
-        <p:nvSpPr>
-          <p:cNvPr id="13" name="TextBox 12">
-            <a:extLst>
-              <a:ext uri="{FF2B5EF4-FFF2-40B4-BE49-F238E27FC236}">
-                <a16:creationId xmlns:a16="http://schemas.microsoft.com/office/drawing/2014/main" id="{52BB09E9-86D5-9D8E-E99E-A9452DF7D641}"/>
-              </a:ext>
-            </a:extLst>
-          </p:cNvPr>
-          <p:cNvSpPr txBox="1"/>
-          <p:nvPr/>
-        </p:nvSpPr>
-        <p:spPr>
-          <a:xfrm>
-            <a:off x="46241" y="6165189"/>
-            <a:ext cx="12209494" cy="646331"/>
-          </a:xfrm>
-          <a:prstGeom prst="rect">
-            <a:avLst/>
-          </a:prstGeom>
-          <a:noFill/>
-        </p:spPr>
-        <p:txBody>
-          <a:bodyPr wrap="square">
-            <a:spAutoFit/>
-          </a:bodyPr>
-          <a:lstStyle/>
-          <a:p>
-            <a:r>
-              <a:rPr lang="en-US" altLang="ja-JP" b="0" i="0" dirty="0">
-                <a:solidFill>
-                  <a:srgbClr val="222222"/>
-                </a:solidFill>
-                <a:effectLst/>
-                <a:latin typeface="Arial" panose="020B0604020202020204" pitchFamily="34" charset="0"/>
-              </a:rPr>
-              <a:t> Tutorial on Bregman manifolds: </a:t>
-            </a:r>
-            <a:r>
-              <a:rPr lang="en-US" altLang="ja-JP" b="1" i="0" dirty="0">
-                <a:solidFill>
-                  <a:schemeClr val="accent6"/>
-                </a:solidFill>
-                <a:effectLst/>
-                <a:latin typeface="+mj-lt"/>
-              </a:rPr>
-              <a:t>"On geodesic triangles with right angles in a dually flat space." </a:t>
-            </a:r>
-            <a:r>
-              <a:rPr lang="en-US" altLang="ja-JP" b="1" i="1" dirty="0">
-                <a:solidFill>
-                  <a:schemeClr val="accent6"/>
-                </a:solidFill>
-                <a:effectLst/>
-                <a:latin typeface="+mj-lt"/>
-              </a:rPr>
-              <a:t>Progress in Information Geometry: Theory and Applications</a:t>
-            </a:r>
-            <a:r>
-              <a:rPr lang="en-US" altLang="ja-JP" b="1" i="0" dirty="0">
-                <a:solidFill>
-                  <a:schemeClr val="accent6"/>
-                </a:solidFill>
-                <a:effectLst/>
-                <a:latin typeface="+mj-lt"/>
-              </a:rPr>
-              <a:t>. Cham: Springer International Publishing, 2021. 153-190.</a:t>
-            </a:r>
-            <a:endParaRPr lang="ja-JP" altLang="en-US" b="1" dirty="0">
-              <a:solidFill>
-                <a:schemeClr val="accent6"/>
-              </a:solidFill>
-              <a:latin typeface="+mj-lt"/>
-            </a:endParaRPr>
-          </a:p>
-        </p:txBody>
-      </p:sp>
     </p:spTree>
     <p:extLst>
       <p:ext uri="{BB962C8B-B14F-4D97-AF65-F5344CB8AC3E}">
-        <p14:creationId xmlns:p14="http://schemas.microsoft.com/office/powerpoint/2010/main" val="3165096420"/>
+        <p14:creationId xmlns:p14="http://schemas.microsoft.com/office/powerpoint/2010/main" val="3278326900"/>
       </p:ext>
     </p:extLst>
   </p:cSld>
@@ -6920,7 +8074,7 @@
           <p:cNvPr id="2" name="Title 1">
             <a:extLst>
               <a:ext uri="{FF2B5EF4-FFF2-40B4-BE49-F238E27FC236}">
-                <a16:creationId xmlns:a16="http://schemas.microsoft.com/office/drawing/2014/main" id="{BEAACF7D-F6C2-8E01-6684-C59AC917DB3D}"/>
+                <a16:creationId xmlns:a16="http://schemas.microsoft.com/office/drawing/2014/main" id="{5F33BE79-287F-F1E0-E9A1-3DC661D30441}"/>
               </a:ext>
             </a:extLst>
           </p:cNvPr>
@@ -6931,29 +8085,12 @@
             <p:ph type="title"/>
           </p:nvPr>
         </p:nvSpPr>
-        <p:spPr>
-          <a:xfrm>
-            <a:off x="85165" y="0"/>
-            <a:ext cx="10515600" cy="1325563"/>
-          </a:xfrm>
-        </p:spPr>
+        <p:spPr/>
         <p:txBody>
           <a:bodyPr/>
           <a:lstStyle/>
           <a:p>
-            <a:r>
-              <a:rPr kumimoji="1" lang="en-US" altLang="ja-JP" b="1" dirty="0">
-                <a:solidFill>
-                  <a:schemeClr val="accent1"/>
-                </a:solidFill>
-              </a:rPr>
-              <a:t>Mathematics, proof, and computation</a:t>
-            </a:r>
-            <a:endParaRPr kumimoji="1" lang="ja-JP" altLang="en-US" b="1" dirty="0">
-              <a:solidFill>
-                <a:schemeClr val="accent1"/>
-              </a:solidFill>
-            </a:endParaRPr>
+            <a:endParaRPr kumimoji="1" lang="ja-JP" altLang="en-US"/>
           </a:p>
         </p:txBody>
       </p:sp>
@@ -6962,7 +8099,7 @@
           <p:cNvPr id="3" name="Content Placeholder 2">
             <a:extLst>
               <a:ext uri="{FF2B5EF4-FFF2-40B4-BE49-F238E27FC236}">
-                <a16:creationId xmlns:a16="http://schemas.microsoft.com/office/drawing/2014/main" id="{8B2A09CD-EEB7-0AF0-BD0A-58CFFFD9E2CE}"/>
+                <a16:creationId xmlns:a16="http://schemas.microsoft.com/office/drawing/2014/main" id="{BD1C5F32-B835-D7AB-B64E-E9E01C1F1793}"/>
               </a:ext>
             </a:extLst>
           </p:cNvPr>
@@ -6973,97 +8110,348 @@
             <p:ph idx="1"/>
           </p:nvPr>
         </p:nvSpPr>
-        <p:spPr>
-          <a:xfrm>
-            <a:off x="289559" y="1253331"/>
-            <a:ext cx="11640671" cy="5007620"/>
-          </a:xfrm>
-        </p:spPr>
-        <p:txBody>
-          <a:bodyPr>
-            <a:normAutofit lnSpcReduction="10000"/>
-          </a:bodyPr>
-          <a:lstStyle/>
-          <a:p>
-            <a:r>
-              <a:rPr kumimoji="1" lang="en-US" altLang="ja-JP" dirty="0"/>
-              <a:t>Mathematics can manipulate definite numbers (“mathematical  entities”) as </a:t>
-            </a:r>
-            <a:r>
-              <a:rPr kumimoji="1" lang="en-US" altLang="ja-JP" b="1" dirty="0">
-                <a:solidFill>
-                  <a:srgbClr val="FF0000"/>
-                </a:solidFill>
-              </a:rPr>
-              <a:t>limits</a:t>
-            </a:r>
-            <a:r>
-              <a:rPr kumimoji="1" lang="en-US" altLang="ja-JP" dirty="0"/>
-              <a:t> of computational processes. Shall computation be finite or how can we </a:t>
-            </a:r>
-            <a:r>
-              <a:rPr lang="en-US" altLang="ja-JP" dirty="0"/>
-              <a:t>compute limits</a:t>
-            </a:r>
-            <a:r>
-              <a:rPr kumimoji="1" lang="en-US" altLang="ja-JP" dirty="0"/>
-              <a:t> (halting problem, parallelism)?</a:t>
-            </a:r>
-          </a:p>
-          <a:p>
-            <a:pPr marL="0" indent="0">
-              <a:buNone/>
-            </a:pPr>
-            <a:r>
-              <a:rPr kumimoji="1" lang="en-US" altLang="ja-JP" dirty="0"/>
-              <a:t>  For example: continued fractions, arithmetic-geometric means, etc.</a:t>
-            </a:r>
-          </a:p>
-          <a:p>
-            <a:pPr marL="0" indent="0">
-              <a:buNone/>
-            </a:pPr>
-            <a:endParaRPr lang="en-US" altLang="ja-JP" dirty="0"/>
-          </a:p>
-          <a:p>
-            <a:r>
-              <a:rPr lang="en-US" altLang="ja-JP" b="1" dirty="0">
-                <a:solidFill>
-                  <a:srgbClr val="FF0000"/>
-                </a:solidFill>
-              </a:rPr>
-              <a:t>Dualities</a:t>
-            </a:r>
-            <a:r>
-              <a:rPr lang="en-US" altLang="ja-JP" dirty="0"/>
-              <a:t> in mathematics and computing:</a:t>
-            </a:r>
-            <a:r>
-              <a:rPr kumimoji="1" lang="en-US" altLang="ja-JP" dirty="0"/>
-              <a:t> A program can be interpreted or solve many dual problems.</a:t>
-            </a:r>
-          </a:p>
-          <a:p>
-            <a:pPr marL="0" indent="0">
-              <a:buNone/>
-            </a:pPr>
-            <a:r>
-              <a:rPr kumimoji="1" lang="en-US" altLang="ja-JP" dirty="0"/>
-              <a:t>  For example: cross product of two homogeneous 3D vectors interpreted as line passing through two points or dual intersection point of the corresponding two dual lines  (here, projective geometry duality).</a:t>
-            </a:r>
-          </a:p>
-          <a:p>
-            <a:pPr marL="0" indent="0">
-              <a:buNone/>
-            </a:pPr>
+        <p:spPr/>
+        <p:txBody>
+          <a:bodyPr/>
+          <a:lstStyle/>
+          <a:p>
             <a:endParaRPr kumimoji="1" lang="ja-JP" altLang="en-US" dirty="0"/>
           </a:p>
         </p:txBody>
       </p:sp>
+      <p:pic>
+        <p:nvPicPr>
+          <p:cNvPr id="1026" name="Picture 2">
+            <a:extLst>
+              <a:ext uri="{FF2B5EF4-FFF2-40B4-BE49-F238E27FC236}">
+                <a16:creationId xmlns:a16="http://schemas.microsoft.com/office/drawing/2014/main" id="{E8E1EF77-1537-3746-6970-0A24C98AEBF5}"/>
+              </a:ext>
+            </a:extLst>
+          </p:cNvPr>
+          <p:cNvPicPr>
+            <a:picLocks noChangeAspect="1" noChangeArrowheads="1"/>
+          </p:cNvPicPr>
+          <p:nvPr/>
+        </p:nvPicPr>
+        <p:blipFill>
+          <a:blip r:embed="rId2">
+            <a:extLst>
+              <a:ext uri="{28A0092B-C50C-407E-A947-70E740481C1C}">
+                <a14:useLocalDpi xmlns:a14="http://schemas.microsoft.com/office/drawing/2010/main" val="0"/>
+              </a:ext>
+            </a:extLst>
+          </a:blip>
+          <a:srcRect/>
+          <a:stretch>
+            <a:fillRect/>
+          </a:stretch>
+        </p:blipFill>
+        <p:spPr bwMode="auto">
+          <a:xfrm>
+            <a:off x="355002" y="214940"/>
+            <a:ext cx="2290108" cy="3313218"/>
+          </a:xfrm>
+          <a:prstGeom prst="rect">
+            <a:avLst/>
+          </a:prstGeom>
+          <a:noFill/>
+          <a:extLst>
+            <a:ext uri="{909E8E84-426E-40DD-AFC4-6F175D3DCCD1}">
+              <a14:hiddenFill xmlns:a14="http://schemas.microsoft.com/office/drawing/2010/main">
+                <a:solidFill>
+                  <a:srgbClr val="FFFFFF"/>
+                </a:solidFill>
+              </a14:hiddenFill>
+            </a:ext>
+          </a:extLst>
+        </p:spPr>
+      </p:pic>
+      <p:pic>
+        <p:nvPicPr>
+          <p:cNvPr id="1028" name="Picture 4">
+            <a:extLst>
+              <a:ext uri="{FF2B5EF4-FFF2-40B4-BE49-F238E27FC236}">
+                <a16:creationId xmlns:a16="http://schemas.microsoft.com/office/drawing/2014/main" id="{869FD3FC-AA72-3E95-6D32-9BA0C95C81A4}"/>
+              </a:ext>
+            </a:extLst>
+          </p:cNvPr>
+          <p:cNvPicPr>
+            <a:picLocks noChangeAspect="1" noChangeArrowheads="1"/>
+          </p:cNvPicPr>
+          <p:nvPr/>
+        </p:nvPicPr>
+        <p:blipFill>
+          <a:blip r:embed="rId3">
+            <a:extLst>
+              <a:ext uri="{28A0092B-C50C-407E-A947-70E740481C1C}">
+                <a14:useLocalDpi xmlns:a14="http://schemas.microsoft.com/office/drawing/2010/main" val="0"/>
+              </a:ext>
+            </a:extLst>
+          </a:blip>
+          <a:srcRect/>
+          <a:stretch>
+            <a:fillRect/>
+          </a:stretch>
+        </p:blipFill>
+        <p:spPr bwMode="auto">
+          <a:xfrm>
+            <a:off x="3491299" y="268154"/>
+            <a:ext cx="2067449" cy="3146612"/>
+          </a:xfrm>
+          <a:prstGeom prst="rect">
+            <a:avLst/>
+          </a:prstGeom>
+          <a:noFill/>
+          <a:extLst>
+            <a:ext uri="{909E8E84-426E-40DD-AFC4-6F175D3DCCD1}">
+              <a14:hiddenFill xmlns:a14="http://schemas.microsoft.com/office/drawing/2010/main">
+                <a:solidFill>
+                  <a:srgbClr val="FFFFFF"/>
+                </a:solidFill>
+              </a14:hiddenFill>
+            </a:ext>
+          </a:extLst>
+        </p:spPr>
+      </p:pic>
+      <p:pic>
+        <p:nvPicPr>
+          <p:cNvPr id="1030" name="Picture 6" descr="Cover book the Shallow and the Deep">
+            <a:extLst>
+              <a:ext uri="{FF2B5EF4-FFF2-40B4-BE49-F238E27FC236}">
+                <a16:creationId xmlns:a16="http://schemas.microsoft.com/office/drawing/2014/main" id="{4C31EA6B-35D8-7386-2F1F-4CC879758525}"/>
+              </a:ext>
+            </a:extLst>
+          </p:cNvPr>
+          <p:cNvPicPr>
+            <a:picLocks noChangeAspect="1" noChangeArrowheads="1"/>
+          </p:cNvPicPr>
+          <p:nvPr/>
+        </p:nvPicPr>
+        <p:blipFill>
+          <a:blip r:embed="rId4">
+            <a:extLst>
+              <a:ext uri="{28A0092B-C50C-407E-A947-70E740481C1C}">
+                <a14:useLocalDpi xmlns:a14="http://schemas.microsoft.com/office/drawing/2010/main" val="0"/>
+              </a:ext>
+            </a:extLst>
+          </a:blip>
+          <a:srcRect/>
+          <a:stretch>
+            <a:fillRect/>
+          </a:stretch>
+        </p:blipFill>
+        <p:spPr bwMode="auto">
+          <a:xfrm>
+            <a:off x="6404571" y="214940"/>
+            <a:ext cx="2180322" cy="3085156"/>
+          </a:xfrm>
+          <a:prstGeom prst="rect">
+            <a:avLst/>
+          </a:prstGeom>
+          <a:noFill/>
+          <a:extLst>
+            <a:ext uri="{909E8E84-426E-40DD-AFC4-6F175D3DCCD1}">
+              <a14:hiddenFill xmlns:a14="http://schemas.microsoft.com/office/drawing/2010/main">
+                <a:solidFill>
+                  <a:srgbClr val="FFFFFF"/>
+                </a:solidFill>
+              </a14:hiddenFill>
+            </a:ext>
+          </a:extLst>
+        </p:spPr>
+      </p:pic>
+      <p:pic>
+        <p:nvPicPr>
+          <p:cNvPr id="1032" name="Picture 8">
+            <a:extLst>
+              <a:ext uri="{FF2B5EF4-FFF2-40B4-BE49-F238E27FC236}">
+                <a16:creationId xmlns:a16="http://schemas.microsoft.com/office/drawing/2014/main" id="{BEAF9420-7EC0-0DC9-3B66-22A45F3C4B6B}"/>
+              </a:ext>
+            </a:extLst>
+          </p:cNvPr>
+          <p:cNvPicPr>
+            <a:picLocks noChangeAspect="1" noChangeArrowheads="1"/>
+          </p:cNvPicPr>
+          <p:nvPr/>
+        </p:nvPicPr>
+        <p:blipFill>
+          <a:blip r:embed="rId5">
+            <a:extLst>
+              <a:ext uri="{28A0092B-C50C-407E-A947-70E740481C1C}">
+                <a14:useLocalDpi xmlns:a14="http://schemas.microsoft.com/office/drawing/2010/main" val="0"/>
+              </a:ext>
+            </a:extLst>
+          </a:blip>
+          <a:srcRect/>
+          <a:stretch>
+            <a:fillRect/>
+          </a:stretch>
+        </p:blipFill>
+        <p:spPr bwMode="auto">
+          <a:xfrm>
+            <a:off x="9472879" y="348605"/>
+            <a:ext cx="2058640" cy="3085156"/>
+          </a:xfrm>
+          <a:prstGeom prst="rect">
+            <a:avLst/>
+          </a:prstGeom>
+          <a:noFill/>
+          <a:extLst>
+            <a:ext uri="{909E8E84-426E-40DD-AFC4-6F175D3DCCD1}">
+              <a14:hiddenFill xmlns:a14="http://schemas.microsoft.com/office/drawing/2010/main">
+                <a:solidFill>
+                  <a:srgbClr val="FFFFFF"/>
+                </a:solidFill>
+              </a14:hiddenFill>
+            </a:ext>
+          </a:extLst>
+        </p:spPr>
+      </p:pic>
+      <p:pic>
+        <p:nvPicPr>
+          <p:cNvPr id="1034" name="Picture 10">
+            <a:extLst>
+              <a:ext uri="{FF2B5EF4-FFF2-40B4-BE49-F238E27FC236}">
+                <a16:creationId xmlns:a16="http://schemas.microsoft.com/office/drawing/2014/main" id="{B6349382-C08D-FB12-28F5-0EEB161D7652}"/>
+              </a:ext>
+            </a:extLst>
+          </p:cNvPr>
+          <p:cNvPicPr>
+            <a:picLocks noChangeAspect="1" noChangeArrowheads="1"/>
+          </p:cNvPicPr>
+          <p:nvPr/>
+        </p:nvPicPr>
+        <p:blipFill>
+          <a:blip r:embed="rId6">
+            <a:extLst>
+              <a:ext uri="{28A0092B-C50C-407E-A947-70E740481C1C}">
+                <a14:useLocalDpi xmlns:a14="http://schemas.microsoft.com/office/drawing/2010/main" val="0"/>
+              </a:ext>
+            </a:extLst>
+          </a:blip>
+          <a:srcRect/>
+          <a:stretch>
+            <a:fillRect/>
+          </a:stretch>
+        </p:blipFill>
+        <p:spPr bwMode="auto">
+          <a:xfrm>
+            <a:off x="7781589" y="3607377"/>
+            <a:ext cx="2420285" cy="2993511"/>
+          </a:xfrm>
+          <a:prstGeom prst="rect">
+            <a:avLst/>
+          </a:prstGeom>
+          <a:noFill/>
+          <a:extLst>
+            <a:ext uri="{909E8E84-426E-40DD-AFC4-6F175D3DCCD1}">
+              <a14:hiddenFill xmlns:a14="http://schemas.microsoft.com/office/drawing/2010/main">
+                <a:solidFill>
+                  <a:srgbClr val="FFFFFF"/>
+                </a:solidFill>
+              </a14:hiddenFill>
+            </a:ext>
+          </a:extLst>
+        </p:spPr>
+      </p:pic>
+      <p:pic>
+        <p:nvPicPr>
+          <p:cNvPr id="1036" name="Picture 12">
+            <a:extLst>
+              <a:ext uri="{FF2B5EF4-FFF2-40B4-BE49-F238E27FC236}">
+                <a16:creationId xmlns:a16="http://schemas.microsoft.com/office/drawing/2014/main" id="{FFD4C5AA-B16F-2F9C-44BE-97F9A54338C0}"/>
+              </a:ext>
+            </a:extLst>
+          </p:cNvPr>
+          <p:cNvPicPr>
+            <a:picLocks noChangeAspect="1" noChangeArrowheads="1"/>
+          </p:cNvPicPr>
+          <p:nvPr/>
+        </p:nvPicPr>
+        <p:blipFill>
+          <a:blip r:embed="rId7">
+            <a:extLst>
+              <a:ext uri="{28A0092B-C50C-407E-A947-70E740481C1C}">
+                <a14:useLocalDpi xmlns:a14="http://schemas.microsoft.com/office/drawing/2010/main" val="0"/>
+              </a:ext>
+            </a:extLst>
+          </a:blip>
+          <a:srcRect/>
+          <a:stretch>
+            <a:fillRect/>
+          </a:stretch>
+        </p:blipFill>
+        <p:spPr bwMode="auto">
+          <a:xfrm>
+            <a:off x="4898649" y="3528158"/>
+            <a:ext cx="1944052" cy="3146612"/>
+          </a:xfrm>
+          <a:prstGeom prst="rect">
+            <a:avLst/>
+          </a:prstGeom>
+          <a:noFill/>
+          <a:extLst>
+            <a:ext uri="{909E8E84-426E-40DD-AFC4-6F175D3DCCD1}">
+              <a14:hiddenFill xmlns:a14="http://schemas.microsoft.com/office/drawing/2010/main">
+                <a:solidFill>
+                  <a:srgbClr val="FFFFFF"/>
+                </a:solidFill>
+              </a14:hiddenFill>
+            </a:ext>
+          </a:extLst>
+        </p:spPr>
+      </p:pic>
+      <p:pic>
+        <p:nvPicPr>
+          <p:cNvPr id="1038" name="Picture 14" descr="front cover">
+            <a:extLst>
+              <a:ext uri="{FF2B5EF4-FFF2-40B4-BE49-F238E27FC236}">
+                <a16:creationId xmlns:a16="http://schemas.microsoft.com/office/drawing/2014/main" id="{9A8537B1-AC44-E732-DE9E-58997F4CCC44}"/>
+              </a:ext>
+            </a:extLst>
+          </p:cNvPr>
+          <p:cNvPicPr>
+            <a:picLocks noChangeAspect="1" noChangeArrowheads="1"/>
+          </p:cNvPicPr>
+          <p:nvPr/>
+        </p:nvPicPr>
+        <p:blipFill>
+          <a:blip r:embed="rId8">
+            <a:extLst>
+              <a:ext uri="{28A0092B-C50C-407E-A947-70E740481C1C}">
+                <a14:useLocalDpi xmlns:a14="http://schemas.microsoft.com/office/drawing/2010/main" val="0"/>
+              </a:ext>
+            </a:extLst>
+          </a:blip>
+          <a:srcRect/>
+          <a:stretch>
+            <a:fillRect/>
+          </a:stretch>
+        </p:blipFill>
+        <p:spPr bwMode="auto">
+          <a:xfrm>
+            <a:off x="1153625" y="3517075"/>
+            <a:ext cx="2982969" cy="3340925"/>
+          </a:xfrm>
+          <a:prstGeom prst="rect">
+            <a:avLst/>
+          </a:prstGeom>
+          <a:noFill/>
+          <a:extLst>
+            <a:ext uri="{909E8E84-426E-40DD-AFC4-6F175D3DCCD1}">
+              <a14:hiddenFill xmlns:a14="http://schemas.microsoft.com/office/drawing/2010/main">
+                <a:solidFill>
+                  <a:srgbClr val="FFFFFF"/>
+                </a:solidFill>
+              </a14:hiddenFill>
+            </a:ext>
+          </a:extLst>
+        </p:spPr>
+      </p:pic>
     </p:spTree>
     <p:extLst>
       <p:ext uri="{BB962C8B-B14F-4D97-AF65-F5344CB8AC3E}">
-        <p14:creationId xmlns:p14="http://schemas.microsoft.com/office/powerpoint/2010/main" val="454447113"/>
+        <p14:creationId xmlns:p14="http://schemas.microsoft.com/office/powerpoint/2010/main" val="1443018924"/>
       </p:ext>
     </p:extLst>
   </p:cSld>
@@ -7095,7 +8483,7 @@
           <p:cNvPr id="2" name="Title 1">
             <a:extLst>
               <a:ext uri="{FF2B5EF4-FFF2-40B4-BE49-F238E27FC236}">
-                <a16:creationId xmlns:a16="http://schemas.microsoft.com/office/drawing/2014/main" id="{2DF01ECD-5744-03DF-E2A8-1D624D885B2A}"/>
+                <a16:creationId xmlns:a16="http://schemas.microsoft.com/office/drawing/2014/main" id="{1CC3642B-9742-5616-9937-0466314270FA}"/>
               </a:ext>
             </a:extLst>
           </p:cNvPr>
@@ -7108,8 +8496,8 @@
         </p:nvSpPr>
         <p:spPr>
           <a:xfrm>
-            <a:off x="261768" y="-42880"/>
-            <a:ext cx="12313921" cy="1325563"/>
+            <a:off x="219966" y="-273488"/>
+            <a:ext cx="11752068" cy="1325563"/>
           </a:xfrm>
         </p:spPr>
         <p:txBody>
@@ -7119,636 +8507,448 @@
           <a:lstStyle/>
           <a:p>
             <a:r>
-              <a:rPr kumimoji="1" lang="en-US" altLang="ja-JP" sz="4000" b="1" dirty="0">
+              <a:rPr kumimoji="1" lang="en-US" altLang="ja-JP" sz="3600" b="1" dirty="0">
                 <a:solidFill>
                   <a:schemeClr val="accent5"/>
                 </a:solidFill>
-                <a:latin typeface="Arial Narrow" panose="020B0606020202030204" pitchFamily="34" charset="0"/>
-              </a:rPr>
-              <a:t>Geometric mean of n symmetric positive-definite matrices</a:t>
-            </a:r>
-            <a:endParaRPr kumimoji="1" lang="ja-JP" altLang="en-US" sz="4000" b="1" dirty="0">
+              </a:rPr>
+              <a:t>Hessian manifolds, Hessian geometry, Bregman geometry</a:t>
+            </a:r>
+            <a:endParaRPr kumimoji="1" lang="ja-JP" altLang="en-US" sz="3600" b="1" dirty="0">
               <a:solidFill>
                 <a:schemeClr val="accent5"/>
               </a:solidFill>
-              <a:latin typeface="Arial Narrow" panose="020B0606020202030204" pitchFamily="34" charset="0"/>
-            </a:endParaRPr>
-          </a:p>
-        </p:txBody>
-      </p:sp>
-      <p:sp>
-        <p:nvSpPr>
-          <p:cNvPr id="3" name="Content Placeholder 2">
-            <a:extLst>
-              <a:ext uri="{FF2B5EF4-FFF2-40B4-BE49-F238E27FC236}">
-                <a16:creationId xmlns:a16="http://schemas.microsoft.com/office/drawing/2014/main" id="{EC520483-DF3B-77EC-8978-DAF7DF9190A6}"/>
-              </a:ext>
-            </a:extLst>
-          </p:cNvPr>
-          <p:cNvSpPr>
-            <a:spLocks noGrp="1"/>
-          </p:cNvSpPr>
-          <p:nvPr>
-            <p:ph idx="1"/>
-          </p:nvPr>
-        </p:nvSpPr>
-        <p:spPr>
-          <a:xfrm>
-            <a:off x="261768" y="1169409"/>
-            <a:ext cx="11930231" cy="5575636"/>
-          </a:xfrm>
-        </p:spPr>
-        <p:txBody>
-          <a:bodyPr>
-            <a:normAutofit lnSpcReduction="10000"/>
-          </a:bodyPr>
-          <a:lstStyle/>
-          <a:p>
-            <a:r>
-              <a:rPr kumimoji="1" lang="en-US" altLang="ja-JP" dirty="0">
-                <a:latin typeface="Arial Narrow" panose="020B0606020202030204" pitchFamily="34" charset="0"/>
-              </a:rPr>
-              <a:t>Define the </a:t>
-            </a:r>
-            <a:r>
-              <a:rPr kumimoji="1" lang="en-US" altLang="ja-JP" b="1" dirty="0">
-                <a:solidFill>
-                  <a:srgbClr val="FF0000"/>
-                </a:solidFill>
-                <a:latin typeface="Arial Narrow" panose="020B0606020202030204" pitchFamily="34" charset="0"/>
-              </a:rPr>
-              <a:t>geometric mean </a:t>
-            </a:r>
-            <a:r>
-              <a:rPr kumimoji="1" lang="en-US" altLang="ja-JP" dirty="0">
-                <a:latin typeface="Arial Narrow" panose="020B0606020202030204" pitchFamily="34" charset="0"/>
-              </a:rPr>
-              <a:t>of n SPD matrices as the </a:t>
-            </a:r>
-            <a:r>
-              <a:rPr kumimoji="1" lang="en-US" altLang="ja-JP" b="1" dirty="0">
-                <a:solidFill>
-                  <a:schemeClr val="accent4"/>
-                </a:solidFill>
-                <a:latin typeface="Arial Narrow" panose="020B0606020202030204" pitchFamily="34" charset="0"/>
-              </a:rPr>
-              <a:t>unique minimizer </a:t>
-            </a:r>
-            <a:r>
-              <a:rPr kumimoji="1" lang="en-US" altLang="ja-JP" dirty="0">
-                <a:latin typeface="Arial Narrow" panose="020B0606020202030204" pitchFamily="34" charset="0"/>
-              </a:rPr>
-              <a:t>of</a:t>
-            </a:r>
-          </a:p>
-          <a:p>
-            <a:endParaRPr lang="en-US" altLang="ja-JP" dirty="0">
-              <a:latin typeface="Arial Narrow" panose="020B0606020202030204" pitchFamily="34" charset="0"/>
-            </a:endParaRPr>
-          </a:p>
-          <a:p>
-            <a:endParaRPr kumimoji="1" lang="en-US" altLang="ja-JP" dirty="0">
-              <a:latin typeface="Arial Narrow" panose="020B0606020202030204" pitchFamily="34" charset="0"/>
-            </a:endParaRPr>
-          </a:p>
-          <a:p>
-            <a:r>
-              <a:rPr lang="en-US" altLang="ja-JP" dirty="0">
-                <a:latin typeface="Arial Narrow" panose="020B0606020202030204" pitchFamily="34" charset="0"/>
-              </a:rPr>
-              <a:t>When n=2</a:t>
-            </a:r>
-            <a:r>
-              <a:rPr kumimoji="1" lang="en-US" altLang="ja-JP" dirty="0">
-                <a:latin typeface="Arial Narrow" panose="020B0606020202030204" pitchFamily="34" charset="0"/>
-              </a:rPr>
-              <a:t>: </a:t>
-            </a:r>
-            <a:r>
-              <a:rPr kumimoji="1" lang="en-US" altLang="ja-JP" b="1" dirty="0">
-                <a:solidFill>
-                  <a:srgbClr val="FF0000"/>
-                </a:solidFill>
-                <a:latin typeface="Arial Narrow" panose="020B0606020202030204" pitchFamily="34" charset="0"/>
-              </a:rPr>
-              <a:t>closed-form formula</a:t>
-            </a:r>
-            <a:r>
-              <a:rPr kumimoji="1" lang="en-US" altLang="ja-JP" dirty="0">
-                <a:latin typeface="Arial Narrow" panose="020B0606020202030204" pitchFamily="34" charset="0"/>
-              </a:rPr>
-              <a:t>:</a:t>
-            </a:r>
-          </a:p>
-          <a:p>
-            <a:r>
-              <a:rPr lang="en-US" altLang="ja-JP" dirty="0">
-                <a:latin typeface="Arial Narrow" panose="020B0606020202030204" pitchFamily="34" charset="0"/>
-              </a:rPr>
-              <a:t>Unique solution is characterized by </a:t>
-            </a:r>
-            <a:r>
-              <a:rPr lang="en-US" altLang="ja-JP" b="1" dirty="0" err="1">
-                <a:solidFill>
-                  <a:srgbClr val="FF0000"/>
-                </a:solidFill>
-                <a:latin typeface="Arial Narrow" panose="020B0606020202030204" pitchFamily="34" charset="0"/>
-              </a:rPr>
-              <a:t>Karcher</a:t>
-            </a:r>
-            <a:r>
-              <a:rPr lang="en-US" altLang="ja-JP" b="1" dirty="0">
-                <a:solidFill>
-                  <a:srgbClr val="FF0000"/>
-                </a:solidFill>
-                <a:latin typeface="Arial Narrow" panose="020B0606020202030204" pitchFamily="34" charset="0"/>
-              </a:rPr>
-              <a:t> equation</a:t>
-            </a:r>
-            <a:r>
-              <a:rPr lang="en-US" altLang="ja-JP" dirty="0">
-                <a:latin typeface="Arial Narrow" panose="020B0606020202030204" pitchFamily="34" charset="0"/>
-              </a:rPr>
-              <a:t>:</a:t>
-            </a:r>
-          </a:p>
-          <a:p>
-            <a:endParaRPr lang="en-US" altLang="ja-JP" dirty="0">
-              <a:latin typeface="Arial Narrow" panose="020B0606020202030204" pitchFamily="34" charset="0"/>
-            </a:endParaRPr>
-          </a:p>
-          <a:p>
-            <a:r>
-              <a:rPr lang="en-US" altLang="ja-JP" dirty="0">
-                <a:latin typeface="Arial Narrow" panose="020B0606020202030204" pitchFamily="34" charset="0"/>
-              </a:rPr>
-              <a:t>Simple </a:t>
-            </a:r>
-            <a:r>
-              <a:rPr lang="en-US" altLang="ja-JP" b="1" dirty="0">
-                <a:solidFill>
-                  <a:srgbClr val="FF0000"/>
-                </a:solidFill>
-                <a:latin typeface="Arial Narrow" panose="020B0606020202030204" pitchFamily="34" charset="0"/>
-              </a:rPr>
-              <a:t>inductive geometric mean</a:t>
-            </a:r>
-            <a:r>
-              <a:rPr lang="en-US" altLang="ja-JP" dirty="0">
-                <a:latin typeface="Arial Narrow" panose="020B0606020202030204" pitchFamily="34" charset="0"/>
-              </a:rPr>
-              <a:t>: Let M</a:t>
-            </a:r>
-            <a:r>
-              <a:rPr lang="en-US" altLang="ja-JP" baseline="-25000" dirty="0">
-                <a:latin typeface="Arial Narrow" panose="020B0606020202030204" pitchFamily="34" charset="0"/>
-              </a:rPr>
-              <a:t>1</a:t>
-            </a:r>
-            <a:r>
-              <a:rPr lang="en-US" altLang="ja-JP" dirty="0">
-                <a:latin typeface="Arial Narrow" panose="020B0606020202030204" pitchFamily="34" charset="0"/>
-              </a:rPr>
-              <a:t>=P</a:t>
-            </a:r>
-            <a:r>
-              <a:rPr lang="en-US" altLang="ja-JP" baseline="-25000" dirty="0">
-                <a:latin typeface="Arial Narrow" panose="020B0606020202030204" pitchFamily="34" charset="0"/>
-              </a:rPr>
-              <a:t>1</a:t>
-            </a:r>
-            <a:r>
-              <a:rPr lang="en-US" altLang="ja-JP" dirty="0">
-                <a:latin typeface="Arial Narrow" panose="020B0606020202030204" pitchFamily="34" charset="0"/>
-              </a:rPr>
-              <a:t> . Then </a:t>
-            </a:r>
-            <a:r>
-              <a:rPr lang="en-US" altLang="ja-JP" b="1" dirty="0">
-                <a:solidFill>
-                  <a:schemeClr val="accent4"/>
-                </a:solidFill>
-                <a:latin typeface="Arial Narrow" panose="020B0606020202030204" pitchFamily="34" charset="0"/>
-              </a:rPr>
-              <a:t>iterate</a:t>
-            </a:r>
-          </a:p>
-          <a:p>
-            <a:endParaRPr lang="en-US" altLang="ja-JP" dirty="0">
-              <a:latin typeface="Arial Narrow" panose="020B0606020202030204" pitchFamily="34" charset="0"/>
-            </a:endParaRPr>
-          </a:p>
-          <a:p>
-            <a:endParaRPr lang="en-US" altLang="ja-JP" dirty="0">
-              <a:latin typeface="Arial Narrow" panose="020B0606020202030204" pitchFamily="34" charset="0"/>
-            </a:endParaRPr>
-          </a:p>
-          <a:p>
-            <a:r>
-              <a:rPr kumimoji="1" lang="en-US" altLang="ja-JP" dirty="0">
-                <a:latin typeface="Arial Narrow" panose="020B0606020202030204" pitchFamily="34" charset="0"/>
-              </a:rPr>
-              <a:t>In the limit, it converges to the </a:t>
-            </a:r>
-            <a:r>
-              <a:rPr kumimoji="1" lang="en-US" altLang="ja-JP" b="1" dirty="0">
-                <a:solidFill>
-                  <a:schemeClr val="accent4"/>
-                </a:solidFill>
-                <a:latin typeface="Arial Narrow" panose="020B0606020202030204" pitchFamily="34" charset="0"/>
-              </a:rPr>
-              <a:t>geometric n-variable mean</a:t>
-            </a:r>
-            <a:r>
-              <a:rPr kumimoji="1" lang="en-US" altLang="ja-JP" dirty="0">
-                <a:latin typeface="Arial Narrow" panose="020B0606020202030204" pitchFamily="34" charset="0"/>
-              </a:rPr>
-              <a:t>:</a:t>
-            </a:r>
-          </a:p>
-          <a:p>
-            <a:r>
-              <a:rPr kumimoji="1" lang="en-US" altLang="ja-JP" dirty="0">
-                <a:latin typeface="Arial Narrow" panose="020B0606020202030204" pitchFamily="34" charset="0"/>
-              </a:rPr>
-              <a:t>Extend  to calculate </a:t>
-            </a:r>
-            <a:r>
-              <a:rPr kumimoji="1" lang="en-US" altLang="ja-JP" b="1" dirty="0">
-                <a:solidFill>
-                  <a:srgbClr val="FF0000"/>
-                </a:solidFill>
-                <a:latin typeface="Arial Narrow" panose="020B0606020202030204" pitchFamily="34" charset="0"/>
-              </a:rPr>
-              <a:t>expectations</a:t>
-            </a:r>
-            <a:r>
-              <a:rPr kumimoji="1" lang="en-US" altLang="ja-JP" dirty="0">
-                <a:latin typeface="Arial Narrow" panose="020B0606020202030204" pitchFamily="34" charset="0"/>
-              </a:rPr>
-              <a:t> of </a:t>
-            </a:r>
-            <a:r>
-              <a:rPr kumimoji="1" lang="en-US" altLang="ja-JP" b="1" dirty="0">
-                <a:solidFill>
-                  <a:srgbClr val="FF0000"/>
-                </a:solidFill>
-                <a:latin typeface="Arial Narrow" panose="020B0606020202030204" pitchFamily="34" charset="0"/>
-              </a:rPr>
-              <a:t>SPD random variables </a:t>
-            </a:r>
-            <a:r>
-              <a:rPr kumimoji="1" lang="en-US" altLang="ja-JP" dirty="0">
-                <a:latin typeface="Arial Narrow" panose="020B0606020202030204" pitchFamily="34" charset="0"/>
-              </a:rPr>
-              <a:t>with </a:t>
-            </a:r>
-            <a:r>
-              <a:rPr kumimoji="1" lang="en-US" altLang="ja-JP" dirty="0">
-                <a:solidFill>
-                  <a:schemeClr val="accent4"/>
-                </a:solidFill>
-                <a:latin typeface="Arial Narrow" panose="020B0606020202030204" pitchFamily="34" charset="0"/>
-              </a:rPr>
-              <a:t>compact supports</a:t>
-            </a:r>
-            <a:endParaRPr kumimoji="1" lang="ja-JP" altLang="en-US" dirty="0">
-              <a:solidFill>
-                <a:schemeClr val="accent4"/>
-              </a:solidFill>
-              <a:latin typeface="Arial Narrow" panose="020B0606020202030204" pitchFamily="34" charset="0"/>
             </a:endParaRPr>
           </a:p>
         </p:txBody>
       </p:sp>
       <p:pic>
         <p:nvPicPr>
-          <p:cNvPr id="5" name="Picture 4">
-            <a:extLst>
-              <a:ext uri="{FF2B5EF4-FFF2-40B4-BE49-F238E27FC236}">
-                <a16:creationId xmlns:a16="http://schemas.microsoft.com/office/drawing/2014/main" id="{C6B6792E-98C1-508E-0619-AFA5EDDB8629}"/>
+          <p:cNvPr id="5" name="Content Placeholder 4" descr="A book cover with text&#10;&#10;Description automatically generated">
+            <a:extLst>
+              <a:ext uri="{FF2B5EF4-FFF2-40B4-BE49-F238E27FC236}">
+                <a16:creationId xmlns:a16="http://schemas.microsoft.com/office/drawing/2014/main" id="{D048D31E-7654-8254-FA04-F9748BFF69AF}"/>
               </a:ext>
             </a:extLst>
           </p:cNvPr>
           <p:cNvPicPr>
-            <a:picLocks noChangeAspect="1"/>
+            <a:picLocks noGrp="1" noChangeAspect="1"/>
           </p:cNvPicPr>
-          <p:nvPr/>
+          <p:nvPr>
+            <p:ph idx="1"/>
+          </p:nvPr>
         </p:nvPicPr>
         <p:blipFill>
-          <a:blip r:embed="rId3"/>
+          <a:blip r:embed="rId3">
+            <a:extLst>
+              <a:ext uri="{28A0092B-C50C-407E-A947-70E740481C1C}">
+                <a14:useLocalDpi xmlns:a14="http://schemas.microsoft.com/office/drawing/2010/main" val="0"/>
+              </a:ext>
+            </a:extLst>
+          </a:blip>
           <a:stretch>
             <a:fillRect/>
           </a:stretch>
         </p:blipFill>
         <p:spPr>
           <a:xfrm>
-            <a:off x="293490" y="1659432"/>
-            <a:ext cx="4885093" cy="758983"/>
+            <a:off x="772098" y="2025615"/>
+            <a:ext cx="2577158" cy="3655544"/>
+          </a:xfrm>
+        </p:spPr>
+      </p:pic>
+      <p:sp>
+        <p:nvSpPr>
+          <p:cNvPr id="6" name="TextBox 5">
+            <a:extLst>
+              <a:ext uri="{FF2B5EF4-FFF2-40B4-BE49-F238E27FC236}">
+                <a16:creationId xmlns:a16="http://schemas.microsoft.com/office/drawing/2014/main" id="{95C7AD0D-A17F-006E-8AC8-E7411C575379}"/>
+              </a:ext>
+            </a:extLst>
+          </p:cNvPr>
+          <p:cNvSpPr txBox="1"/>
+          <p:nvPr/>
+        </p:nvSpPr>
+        <p:spPr>
+          <a:xfrm>
+            <a:off x="219966" y="772497"/>
+            <a:ext cx="12067727" cy="1477328"/>
           </a:xfrm>
           <a:prstGeom prst="rect">
             <a:avLst/>
           </a:prstGeom>
-        </p:spPr>
-      </p:pic>
+          <a:noFill/>
+        </p:spPr>
+        <p:txBody>
+          <a:bodyPr wrap="none" rtlCol="0">
+            <a:spAutoFit/>
+          </a:bodyPr>
+          <a:lstStyle/>
+          <a:p>
+            <a:r>
+              <a:rPr kumimoji="1" lang="en-US" altLang="ja-JP" b="1" dirty="0">
+                <a:solidFill>
+                  <a:srgbClr val="FF0000"/>
+                </a:solidFill>
+              </a:rPr>
+              <a:t>Hessian structure </a:t>
+            </a:r>
+            <a:r>
+              <a:rPr kumimoji="1" lang="en-US" altLang="ja-JP" dirty="0"/>
+              <a:t>on a manifold:  </a:t>
+            </a:r>
+            <a:r>
+              <a:rPr kumimoji="1" lang="en-US" altLang="ja-JP" b="1" dirty="0">
+                <a:latin typeface="+mj-lt"/>
+              </a:rPr>
+              <a:t>(g,</a:t>
+            </a:r>
+            <a:r>
+              <a:rPr lang="ja-JP" altLang="en-US" b="1" i="0" dirty="0">
+                <a:effectLst/>
+                <a:latin typeface="+mj-lt"/>
+              </a:rPr>
+              <a:t> ∇</a:t>
+            </a:r>
+            <a:r>
+              <a:rPr kumimoji="1" lang="en-US" altLang="ja-JP" b="1" dirty="0">
+                <a:latin typeface="+mj-lt"/>
+              </a:rPr>
+              <a:t>) </a:t>
+            </a:r>
+            <a:r>
+              <a:rPr kumimoji="1" lang="en-US" altLang="ja-JP" dirty="0"/>
+              <a:t>where g is a Hessian metric tensor and a torsion-free flat connection</a:t>
+            </a:r>
+            <a:r>
+              <a:rPr lang="ja-JP" altLang="en-US" b="1" i="0" dirty="0">
+                <a:effectLst/>
+                <a:latin typeface="+mj-lt"/>
+              </a:rPr>
+              <a:t> ∇</a:t>
+            </a:r>
+            <a:endParaRPr kumimoji="1" lang="en-US" altLang="ja-JP" dirty="0"/>
+          </a:p>
+          <a:p>
+            <a:r>
+              <a:rPr lang="en-US" altLang="ja-JP" dirty="0"/>
+              <a:t>To every chart there is a </a:t>
+            </a:r>
+            <a:r>
+              <a:rPr lang="en-US" altLang="ja-JP" b="1" dirty="0">
+                <a:solidFill>
+                  <a:srgbClr val="FF0000"/>
+                </a:solidFill>
+              </a:rPr>
+              <a:t>potential function </a:t>
+            </a:r>
+            <a:r>
+              <a:rPr lang="en-US" altLang="ja-JP" dirty="0"/>
+              <a:t>defining the Hessian metric in local coordinates of the chart</a:t>
+            </a:r>
+          </a:p>
+          <a:p>
+            <a:r>
+              <a:rPr kumimoji="1" lang="en-US" altLang="ja-JP" dirty="0"/>
+              <a:t>Hessian </a:t>
+            </a:r>
+            <a:r>
+              <a:rPr lang="en-US" altLang="ja-JP" dirty="0"/>
+              <a:t>manifolds are special </a:t>
+            </a:r>
+            <a:r>
+              <a:rPr lang="en-US" altLang="ja-JP" b="1" dirty="0">
+                <a:solidFill>
+                  <a:srgbClr val="FF0000"/>
+                </a:solidFill>
+              </a:rPr>
+              <a:t>affine manifolds </a:t>
+            </a:r>
+            <a:r>
+              <a:rPr lang="en-US" altLang="ja-JP" dirty="0"/>
+              <a:t>(M,</a:t>
+            </a:r>
+            <a:r>
+              <a:rPr lang="ja-JP" altLang="en-US" b="1" i="0" dirty="0">
+                <a:effectLst/>
+                <a:latin typeface="+mj-lt"/>
+              </a:rPr>
+              <a:t> ∇</a:t>
+            </a:r>
+            <a:r>
+              <a:rPr kumimoji="1" lang="en-US" altLang="ja-JP" b="1" dirty="0">
+                <a:latin typeface="+mj-lt"/>
+              </a:rPr>
+              <a:t>) </a:t>
+            </a:r>
+            <a:r>
+              <a:rPr kumimoji="1" lang="en-US" altLang="ja-JP" dirty="0">
+                <a:latin typeface="+mj-lt"/>
+              </a:rPr>
+              <a:t>where </a:t>
+            </a:r>
+            <a:r>
+              <a:rPr lang="ja-JP" altLang="en-US" i="0" dirty="0">
+                <a:effectLst/>
+                <a:latin typeface="+mj-lt"/>
+              </a:rPr>
+              <a:t>∇ </a:t>
+            </a:r>
+            <a:r>
+              <a:rPr lang="en-US" altLang="ja-JP" i="0" dirty="0">
+                <a:effectLst/>
+                <a:latin typeface="+mj-lt"/>
+              </a:rPr>
+              <a:t>is </a:t>
+            </a:r>
+            <a:r>
+              <a:rPr kumimoji="1" lang="en-US" altLang="ja-JP" dirty="0"/>
+              <a:t>a torsion-free flat connection</a:t>
+            </a:r>
+          </a:p>
+          <a:p>
+            <a:r>
+              <a:rPr lang="en-US" altLang="ja-JP" dirty="0"/>
+              <a:t>A Bregman divergence induces a Hessian manifold with a global chart, a </a:t>
+            </a:r>
+            <a:r>
+              <a:rPr lang="en-US" altLang="ja-JP" b="1" dirty="0">
+                <a:solidFill>
+                  <a:srgbClr val="FF0000"/>
+                </a:solidFill>
+              </a:rPr>
+              <a:t>Bregman manifold</a:t>
+            </a:r>
+            <a:endParaRPr kumimoji="1" lang="en-US" altLang="ja-JP" b="1" dirty="0">
+              <a:solidFill>
+                <a:srgbClr val="FF0000"/>
+              </a:solidFill>
+            </a:endParaRPr>
+          </a:p>
+          <a:p>
+            <a:endParaRPr kumimoji="1" lang="ja-JP" altLang="en-US" dirty="0"/>
+          </a:p>
+        </p:txBody>
+      </p:sp>
       <p:pic>
         <p:nvPicPr>
-          <p:cNvPr id="7" name="Picture 6">
-            <a:extLst>
-              <a:ext uri="{FF2B5EF4-FFF2-40B4-BE49-F238E27FC236}">
-                <a16:creationId xmlns:a16="http://schemas.microsoft.com/office/drawing/2014/main" id="{6DE7B7CB-1898-733F-0CD9-D4CF9CB06A0F}"/>
+          <p:cNvPr id="1026" name="Picture 2" descr="The Geometry of Hessian Structures: Shima, Hirohiko: 9789812700315:  Amazon.com: Books">
+            <a:extLst>
+              <a:ext uri="{FF2B5EF4-FFF2-40B4-BE49-F238E27FC236}">
+                <a16:creationId xmlns:a16="http://schemas.microsoft.com/office/drawing/2014/main" id="{4270141D-62DE-8996-E8BA-9560EC07568B}"/>
               </a:ext>
             </a:extLst>
           </p:cNvPr>
           <p:cNvPicPr>
-            <a:picLocks noChangeAspect="1"/>
+            <a:picLocks noChangeAspect="1" noChangeArrowheads="1"/>
           </p:cNvPicPr>
           <p:nvPr/>
         </p:nvPicPr>
         <p:blipFill>
-          <a:blip r:embed="rId4"/>
+          <a:blip r:embed="rId4">
+            <a:extLst>
+              <a:ext uri="{28A0092B-C50C-407E-A947-70E740481C1C}">
+                <a14:useLocalDpi xmlns:a14="http://schemas.microsoft.com/office/drawing/2010/main" val="0"/>
+              </a:ext>
+            </a:extLst>
+          </a:blip>
+          <a:srcRect/>
           <a:stretch>
             <a:fillRect/>
           </a:stretch>
         </p:blipFill>
-        <p:spPr>
-          <a:xfrm>
-            <a:off x="5866506" y="1631833"/>
-            <a:ext cx="6299562" cy="814182"/>
-          </a:xfrm>
-          <a:prstGeom prst="rect">
-            <a:avLst/>
-          </a:prstGeom>
-        </p:spPr>
-      </p:pic>
-      <p:sp>
-        <p:nvSpPr>
-          <p:cNvPr id="8" name="TextBox 7">
-            <a:extLst>
-              <a:ext uri="{FF2B5EF4-FFF2-40B4-BE49-F238E27FC236}">
-                <a16:creationId xmlns:a16="http://schemas.microsoft.com/office/drawing/2014/main" id="{B8CA99C7-8C79-EF16-DC0A-D3C6DE261AA0}"/>
-              </a:ext>
-            </a:extLst>
-          </p:cNvPr>
-          <p:cNvSpPr txBox="1"/>
-          <p:nvPr/>
-        </p:nvSpPr>
-        <p:spPr>
-          <a:xfrm>
-            <a:off x="5264431" y="1824090"/>
-            <a:ext cx="641522" cy="369332"/>
+        <p:spPr bwMode="auto">
+          <a:xfrm>
+            <a:off x="4869651" y="1990611"/>
+            <a:ext cx="2504871" cy="3716018"/>
           </a:xfrm>
           <a:prstGeom prst="rect">
             <a:avLst/>
           </a:prstGeom>
           <a:noFill/>
-        </p:spPr>
-        <p:txBody>
-          <a:bodyPr wrap="none" rtlCol="0">
+          <a:extLst>
+            <a:ext uri="{909E8E84-426E-40DD-AFC4-6F175D3DCCD1}">
+              <a14:hiddenFill xmlns:a14="http://schemas.microsoft.com/office/drawing/2010/main">
+                <a:solidFill>
+                  <a:srgbClr val="FFFFFF"/>
+                </a:solidFill>
+              </a14:hiddenFill>
+            </a:ext>
+          </a:extLst>
+        </p:spPr>
+      </p:pic>
+      <p:sp>
+        <p:nvSpPr>
+          <p:cNvPr id="8" name="TextBox 7">
+            <a:extLst>
+              <a:ext uri="{FF2B5EF4-FFF2-40B4-BE49-F238E27FC236}">
+                <a16:creationId xmlns:a16="http://schemas.microsoft.com/office/drawing/2014/main" id="{9896DFD9-206F-9197-815E-92946154232B}"/>
+              </a:ext>
+            </a:extLst>
+          </p:cNvPr>
+          <p:cNvSpPr txBox="1"/>
+          <p:nvPr/>
+        </p:nvSpPr>
+        <p:spPr>
+          <a:xfrm>
+            <a:off x="0" y="5716171"/>
+            <a:ext cx="6182832" cy="369332"/>
+          </a:xfrm>
+          <a:prstGeom prst="rect">
+            <a:avLst/>
+          </a:prstGeom>
+          <a:noFill/>
+        </p:spPr>
+        <p:txBody>
+          <a:bodyPr wrap="square">
             <a:spAutoFit/>
           </a:bodyPr>
           <a:lstStyle/>
           <a:p>
             <a:r>
-              <a:rPr kumimoji="1" lang="en-US" altLang="ja-JP" dirty="0"/>
-              <a:t>with</a:t>
-            </a:r>
-            <a:endParaRPr kumimoji="1" lang="ja-JP" altLang="en-US" dirty="0"/>
+              <a:rPr lang="ja-JP" altLang="en-US" dirty="0"/>
+              <a:t>志摩裕彦, へッセ幾何学， 裳華房， 2001</a:t>
+            </a:r>
+          </a:p>
+        </p:txBody>
+      </p:sp>
+      <p:sp>
+        <p:nvSpPr>
+          <p:cNvPr id="10" name="TextBox 9">
+            <a:extLst>
+              <a:ext uri="{FF2B5EF4-FFF2-40B4-BE49-F238E27FC236}">
+                <a16:creationId xmlns:a16="http://schemas.microsoft.com/office/drawing/2014/main" id="{A35B527E-ECB8-8DAB-CB88-FAE7BC8F0082}"/>
+              </a:ext>
+            </a:extLst>
+          </p:cNvPr>
+          <p:cNvSpPr txBox="1"/>
+          <p:nvPr/>
+        </p:nvSpPr>
+        <p:spPr>
+          <a:xfrm>
+            <a:off x="4656286" y="5751243"/>
+            <a:ext cx="7860119" cy="369332"/>
+          </a:xfrm>
+          <a:prstGeom prst="rect">
+            <a:avLst/>
+          </a:prstGeom>
+          <a:noFill/>
+        </p:spPr>
+        <p:txBody>
+          <a:bodyPr wrap="square">
+            <a:spAutoFit/>
+          </a:bodyPr>
+          <a:lstStyle/>
+          <a:p>
+            <a:r>
+              <a:rPr lang="en-US" altLang="ja-JP" b="0" i="0" dirty="0">
+                <a:solidFill>
+                  <a:srgbClr val="222222"/>
+                </a:solidFill>
+                <a:effectLst/>
+                <a:latin typeface="+mj-lt"/>
+              </a:rPr>
+              <a:t>Shima, </a:t>
+            </a:r>
+            <a:r>
+              <a:rPr lang="en-US" altLang="ja-JP" b="0" i="0" dirty="0" err="1">
+                <a:solidFill>
+                  <a:srgbClr val="222222"/>
+                </a:solidFill>
+                <a:effectLst/>
+                <a:latin typeface="+mj-lt"/>
+              </a:rPr>
+              <a:t>Hirohiko</a:t>
+            </a:r>
+            <a:r>
+              <a:rPr lang="en-US" altLang="ja-JP" b="0" i="0" dirty="0">
+                <a:solidFill>
+                  <a:srgbClr val="222222"/>
+                </a:solidFill>
+                <a:effectLst/>
+                <a:latin typeface="+mj-lt"/>
+              </a:rPr>
+              <a:t>. </a:t>
+            </a:r>
+            <a:r>
+              <a:rPr lang="en-US" altLang="ja-JP" b="0" i="1" dirty="0">
+                <a:solidFill>
+                  <a:srgbClr val="222222"/>
+                </a:solidFill>
+                <a:effectLst/>
+                <a:latin typeface="+mj-lt"/>
+              </a:rPr>
+              <a:t>The geometry of Hessian structures</a:t>
+            </a:r>
+            <a:r>
+              <a:rPr lang="en-US" altLang="ja-JP" b="0" i="0" dirty="0">
+                <a:solidFill>
+                  <a:srgbClr val="222222"/>
+                </a:solidFill>
+                <a:effectLst/>
+                <a:latin typeface="+mj-lt"/>
+              </a:rPr>
+              <a:t>. World Scientific, 2007.</a:t>
+            </a:r>
+            <a:endParaRPr lang="ja-JP" altLang="en-US" dirty="0">
+              <a:latin typeface="+mj-lt"/>
+            </a:endParaRPr>
           </a:p>
         </p:txBody>
       </p:sp>
       <p:pic>
         <p:nvPicPr>
-          <p:cNvPr id="10" name="Picture 9">
-            <a:extLst>
-              <a:ext uri="{FF2B5EF4-FFF2-40B4-BE49-F238E27FC236}">
-                <a16:creationId xmlns:a16="http://schemas.microsoft.com/office/drawing/2014/main" id="{607D8C21-CADE-01D7-B6CD-26ADA780AD3C}"/>
+          <p:cNvPr id="1028" name="Picture 4" descr="Jean-Louis Koszul and Hirihiko Shima at GSI'13 “Geometric Science of... |  Download Scientific Diagram">
+            <a:extLst>
+              <a:ext uri="{FF2B5EF4-FFF2-40B4-BE49-F238E27FC236}">
+                <a16:creationId xmlns:a16="http://schemas.microsoft.com/office/drawing/2014/main" id="{531CC6B4-2CF9-4BBC-DF59-40E0E72095B9}"/>
               </a:ext>
             </a:extLst>
           </p:cNvPr>
           <p:cNvPicPr>
-            <a:picLocks noChangeAspect="1"/>
+            <a:picLocks noChangeAspect="1" noChangeArrowheads="1"/>
           </p:cNvPicPr>
           <p:nvPr/>
         </p:nvPicPr>
         <p:blipFill>
-          <a:blip r:embed="rId5"/>
+          <a:blip r:embed="rId5">
+            <a:extLst>
+              <a:ext uri="{28A0092B-C50C-407E-A947-70E740481C1C}">
+                <a14:useLocalDpi xmlns:a14="http://schemas.microsoft.com/office/drawing/2010/main" val="0"/>
+              </a:ext>
+            </a:extLst>
+          </a:blip>
+          <a:srcRect/>
           <a:stretch>
             <a:fillRect/>
           </a:stretch>
         </p:blipFill>
-        <p:spPr>
-          <a:xfrm>
-            <a:off x="5270181" y="2496704"/>
-            <a:ext cx="4448175" cy="476250"/>
-          </a:xfrm>
-          <a:prstGeom prst="rect">
-            <a:avLst/>
-          </a:prstGeom>
-        </p:spPr>
-      </p:pic>
-      <p:pic>
-        <p:nvPicPr>
-          <p:cNvPr id="12" name="Picture 11">
-            <a:extLst>
-              <a:ext uri="{FF2B5EF4-FFF2-40B4-BE49-F238E27FC236}">
-                <a16:creationId xmlns:a16="http://schemas.microsoft.com/office/drawing/2014/main" id="{B64D8DDD-2362-A0E3-94B9-89EA3CC97B40}"/>
-              </a:ext>
-            </a:extLst>
-          </p:cNvPr>
-          <p:cNvPicPr>
-            <a:picLocks noChangeAspect="1"/>
-          </p:cNvPicPr>
-          <p:nvPr/>
-        </p:nvPicPr>
-        <p:blipFill>
-          <a:blip r:embed="rId6"/>
-          <a:stretch>
-            <a:fillRect/>
-          </a:stretch>
-        </p:blipFill>
-        <p:spPr>
-          <a:xfrm>
-            <a:off x="7916702" y="3019061"/>
-            <a:ext cx="3362325" cy="514350"/>
-          </a:xfrm>
-          <a:prstGeom prst="rect">
-            <a:avLst/>
-          </a:prstGeom>
-        </p:spPr>
-      </p:pic>
-      <p:pic>
-        <p:nvPicPr>
-          <p:cNvPr id="14" name="Picture 13">
-            <a:extLst>
-              <a:ext uri="{FF2B5EF4-FFF2-40B4-BE49-F238E27FC236}">
-                <a16:creationId xmlns:a16="http://schemas.microsoft.com/office/drawing/2014/main" id="{86463FC7-A5BC-3B09-E7FF-01CE013B468F}"/>
-              </a:ext>
-            </a:extLst>
-          </p:cNvPr>
-          <p:cNvPicPr>
-            <a:picLocks noChangeAspect="1"/>
-          </p:cNvPicPr>
-          <p:nvPr/>
-        </p:nvPicPr>
-        <p:blipFill>
-          <a:blip r:embed="rId7"/>
-          <a:stretch>
-            <a:fillRect/>
-          </a:stretch>
-        </p:blipFill>
-        <p:spPr>
-          <a:xfrm>
-            <a:off x="8642031" y="3908168"/>
-            <a:ext cx="3162300" cy="581025"/>
-          </a:xfrm>
-          <a:prstGeom prst="rect">
-            <a:avLst/>
-          </a:prstGeom>
-        </p:spPr>
-      </p:pic>
-      <p:pic>
-        <p:nvPicPr>
-          <p:cNvPr id="16" name="Picture 15">
-            <a:extLst>
-              <a:ext uri="{FF2B5EF4-FFF2-40B4-BE49-F238E27FC236}">
-                <a16:creationId xmlns:a16="http://schemas.microsoft.com/office/drawing/2014/main" id="{C37CB5F2-299A-7BA1-E433-619116B1E733}"/>
-              </a:ext>
-            </a:extLst>
-          </p:cNvPr>
-          <p:cNvPicPr>
-            <a:picLocks noChangeAspect="1"/>
-          </p:cNvPicPr>
-          <p:nvPr/>
-        </p:nvPicPr>
-        <p:blipFill>
-          <a:blip r:embed="rId8"/>
-          <a:stretch>
-            <a:fillRect/>
-          </a:stretch>
-        </p:blipFill>
-        <p:spPr>
-          <a:xfrm>
-            <a:off x="8423740" y="5368027"/>
-            <a:ext cx="1714500" cy="419100"/>
-          </a:xfrm>
-          <a:prstGeom prst="rect">
-            <a:avLst/>
-          </a:prstGeom>
-        </p:spPr>
-      </p:pic>
-      <p:pic>
-        <p:nvPicPr>
-          <p:cNvPr id="18" name="Picture 17">
-            <a:extLst>
-              <a:ext uri="{FF2B5EF4-FFF2-40B4-BE49-F238E27FC236}">
-                <a16:creationId xmlns:a16="http://schemas.microsoft.com/office/drawing/2014/main" id="{E62890CF-6530-8FA3-56A7-A9DBB76C108D}"/>
-              </a:ext>
-            </a:extLst>
-          </p:cNvPr>
-          <p:cNvPicPr>
-            <a:picLocks noChangeAspect="1"/>
-          </p:cNvPicPr>
-          <p:nvPr/>
-        </p:nvPicPr>
-        <p:blipFill>
-          <a:blip r:embed="rId9"/>
-          <a:stretch>
-            <a:fillRect/>
-          </a:stretch>
-        </p:blipFill>
-        <p:spPr>
-          <a:xfrm>
-            <a:off x="10291932" y="5431696"/>
-            <a:ext cx="1638300" cy="304800"/>
-          </a:xfrm>
-          <a:prstGeom prst="rect">
-            <a:avLst/>
-          </a:prstGeom>
-        </p:spPr>
-      </p:pic>
-      <p:pic>
-        <p:nvPicPr>
-          <p:cNvPr id="20" name="Picture 19">
-            <a:extLst>
-              <a:ext uri="{FF2B5EF4-FFF2-40B4-BE49-F238E27FC236}">
-                <a16:creationId xmlns:a16="http://schemas.microsoft.com/office/drawing/2014/main" id="{29A15012-A0DD-C7D0-3842-E413B6F2D49D}"/>
-              </a:ext>
-            </a:extLst>
-          </p:cNvPr>
-          <p:cNvPicPr>
-            <a:picLocks noChangeAspect="1"/>
-          </p:cNvPicPr>
-          <p:nvPr/>
-        </p:nvPicPr>
-        <p:blipFill>
-          <a:blip r:embed="rId10"/>
-          <a:stretch>
-            <a:fillRect/>
-          </a:stretch>
-        </p:blipFill>
-        <p:spPr>
-          <a:xfrm>
-            <a:off x="7632381" y="4505564"/>
-            <a:ext cx="4171950" cy="714375"/>
-          </a:xfrm>
-          <a:prstGeom prst="rect">
-            <a:avLst/>
-          </a:prstGeom>
-        </p:spPr>
-      </p:pic>
-      <p:sp>
-        <p:nvSpPr>
-          <p:cNvPr id="21" name="TextBox 20">
-            <a:extLst>
-              <a:ext uri="{FF2B5EF4-FFF2-40B4-BE49-F238E27FC236}">
-                <a16:creationId xmlns:a16="http://schemas.microsoft.com/office/drawing/2014/main" id="{95417A58-3FD2-050B-5B4F-7769BDF9AF9C}"/>
-              </a:ext>
-            </a:extLst>
-          </p:cNvPr>
-          <p:cNvSpPr txBox="1"/>
-          <p:nvPr/>
-        </p:nvSpPr>
-        <p:spPr>
-          <a:xfrm>
-            <a:off x="492400" y="4664579"/>
-            <a:ext cx="7292381" cy="461665"/>
+        <p:spPr bwMode="auto">
+          <a:xfrm>
+            <a:off x="8153050" y="2025614"/>
+            <a:ext cx="3704165" cy="2780302"/>
           </a:xfrm>
           <a:prstGeom prst="rect">
             <a:avLst/>
           </a:prstGeom>
           <a:noFill/>
-        </p:spPr>
-        <p:txBody>
-          <a:bodyPr wrap="none" rtlCol="0">
-            <a:spAutoFit/>
-          </a:bodyPr>
-          <a:lstStyle/>
-          <a:p>
-            <a:r>
-              <a:rPr lang="en-US" altLang="ja-JP" sz="2400" dirty="0">
-                <a:latin typeface="Arial Narrow" panose="020B0606020202030204" pitchFamily="34" charset="0"/>
-              </a:rPr>
-              <a:t>w</a:t>
-            </a:r>
-            <a:r>
-              <a:rPr kumimoji="1" lang="en-US" altLang="ja-JP" sz="2400" dirty="0">
-                <a:latin typeface="Arial Narrow" panose="020B0606020202030204" pitchFamily="34" charset="0"/>
-              </a:rPr>
-              <a:t>ith geodesic barycenter (weighted geometric bivariate mean):</a:t>
-            </a:r>
-            <a:endParaRPr kumimoji="1" lang="ja-JP" altLang="en-US" sz="2400" dirty="0">
-              <a:latin typeface="Arial Narrow" panose="020B0606020202030204" pitchFamily="34" charset="0"/>
-            </a:endParaRPr>
-          </a:p>
-        </p:txBody>
-      </p:sp>
-      <p:sp>
-        <p:nvSpPr>
-          <p:cNvPr id="22" name="TextBox 21">
-            <a:extLst>
-              <a:ext uri="{FF2B5EF4-FFF2-40B4-BE49-F238E27FC236}">
-                <a16:creationId xmlns:a16="http://schemas.microsoft.com/office/drawing/2014/main" id="{2DAD6329-71D7-63DA-F973-DBEC583B7706}"/>
+          <a:extLst>
+            <a:ext uri="{909E8E84-426E-40DD-AFC4-6F175D3DCCD1}">
+              <a14:hiddenFill xmlns:a14="http://schemas.microsoft.com/office/drawing/2010/main">
+                <a:solidFill>
+                  <a:srgbClr val="FFFFFF"/>
+                </a:solidFill>
+              </a14:hiddenFill>
+            </a:ext>
+          </a:extLst>
+        </p:spPr>
+      </p:pic>
+      <p:sp>
+        <p:nvSpPr>
+          <p:cNvPr id="11" name="TextBox 10">
+            <a:extLst>
+              <a:ext uri="{FF2B5EF4-FFF2-40B4-BE49-F238E27FC236}">
+                <a16:creationId xmlns:a16="http://schemas.microsoft.com/office/drawing/2014/main" id="{C1FE3A9D-DC74-5C90-F7BB-77EFD2367579}"/>
               </a:ext>
             </a:extLst>
           </p:cNvPr>
@@ -7757,8 +8957,8 @@
         </p:nvSpPr>
         <p:spPr>
           <a:xfrm>
-            <a:off x="5178583" y="6466452"/>
-            <a:ext cx="6926896" cy="400110"/>
+            <a:off x="8303384" y="4893919"/>
+            <a:ext cx="3403496" cy="861774"/>
           </a:xfrm>
           <a:prstGeom prst="rect">
             <a:avLst/>
@@ -7771,18 +8971,118 @@
           </a:bodyPr>
           <a:lstStyle/>
           <a:p>
-            <a:r>
-              <a:rPr lang="en-US" altLang="ja-JP" sz="2000" b="1" dirty="0">
+            <a:pPr algn="ctr"/>
+            <a:r>
+              <a:rPr kumimoji="1" lang="en-US" altLang="ja-JP" sz="1600" dirty="0"/>
+              <a:t>Professor Jean-Louis </a:t>
+            </a:r>
+            <a:r>
+              <a:rPr kumimoji="1" lang="en-US" altLang="ja-JP" sz="1600" dirty="0" err="1"/>
+              <a:t>Koszul</a:t>
+            </a:r>
+            <a:r>
+              <a:rPr kumimoji="1" lang="en-US" altLang="ja-JP" sz="1600" dirty="0"/>
+              <a:t> (left)</a:t>
+            </a:r>
+          </a:p>
+          <a:p>
+            <a:pPr algn="ctr"/>
+            <a:r>
+              <a:rPr lang="en-US" altLang="ja-JP" sz="1600" dirty="0"/>
+              <a:t>Professor </a:t>
+            </a:r>
+            <a:r>
+              <a:rPr lang="en-US" altLang="ja-JP" sz="1600" dirty="0" err="1"/>
+              <a:t>Hirohiko</a:t>
+            </a:r>
+            <a:r>
+              <a:rPr lang="en-US" altLang="ja-JP" sz="1600" dirty="0"/>
+              <a:t> Shima (right)</a:t>
+            </a:r>
+          </a:p>
+          <a:p>
+            <a:pPr algn="ctr"/>
+            <a:r>
+              <a:rPr lang="en-US" altLang="ja-JP" sz="1600" dirty="0"/>
+              <a:t>at GSI 2013 </a:t>
+            </a:r>
+            <a:endParaRPr kumimoji="1" lang="ja-JP" altLang="en-US" sz="1600" dirty="0"/>
+          </a:p>
+        </p:txBody>
+      </p:sp>
+      <p:sp>
+        <p:nvSpPr>
+          <p:cNvPr id="13" name="TextBox 12">
+            <a:extLst>
+              <a:ext uri="{FF2B5EF4-FFF2-40B4-BE49-F238E27FC236}">
+                <a16:creationId xmlns:a16="http://schemas.microsoft.com/office/drawing/2014/main" id="{52BB09E9-86D5-9D8E-E99E-A9452DF7D641}"/>
+              </a:ext>
+            </a:extLst>
+          </p:cNvPr>
+          <p:cNvSpPr txBox="1"/>
+          <p:nvPr/>
+        </p:nvSpPr>
+        <p:spPr>
+          <a:xfrm>
+            <a:off x="46241" y="6165189"/>
+            <a:ext cx="12209494" cy="646331"/>
+          </a:xfrm>
+          <a:prstGeom prst="rect">
+            <a:avLst/>
+          </a:prstGeom>
+          <a:noFill/>
+        </p:spPr>
+        <p:txBody>
+          <a:bodyPr wrap="square">
+            <a:spAutoFit/>
+          </a:bodyPr>
+          <a:lstStyle/>
+          <a:p>
+            <a:r>
+              <a:rPr lang="en-US" altLang="ja-JP" b="0" i="0" dirty="0">
+                <a:solidFill>
+                  <a:srgbClr val="222222"/>
+                </a:solidFill>
+                <a:effectLst/>
+                <a:latin typeface="Arial" panose="020B0604020202020204" pitchFamily="34" charset="0"/>
+              </a:rPr>
+              <a:t> Tutorial on Bregman manifolds: </a:t>
+            </a:r>
+            <a:r>
+              <a:rPr lang="en-US" altLang="ja-JP" b="1" i="0" dirty="0">
                 <a:solidFill>
                   <a:schemeClr val="accent6"/>
                 </a:solidFill>
-              </a:rPr>
-              <a:t>What is... An inductive mean? AMS Notices, Dec. 2023</a:t>
-            </a:r>
-            <a:endParaRPr kumimoji="1" lang="ja-JP" altLang="en-US" sz="2000" b="1" dirty="0">
+                <a:effectLst/>
+                <a:latin typeface="+mj-lt"/>
+              </a:rPr>
+              <a:t>"On geodesic triangles with right angles in a dually flat space." </a:t>
+            </a:r>
+            <a:r>
+              <a:rPr lang="en-US" altLang="ja-JP" b="1" i="1" dirty="0">
+                <a:solidFill>
+                  <a:schemeClr val="accent6"/>
+                </a:solidFill>
+                <a:effectLst/>
+                <a:latin typeface="+mj-lt"/>
+              </a:rPr>
+              <a:t>Progress in Information Geometry: Theory and Applications</a:t>
+            </a:r>
+            <a:r>
+              <a:rPr lang="en-US" altLang="ja-JP" b="1" i="0" dirty="0">
+                <a:solidFill>
+                  <a:schemeClr val="accent6"/>
+                </a:solidFill>
+                <a:effectLst/>
+                <a:latin typeface="+mj-lt"/>
+              </a:rPr>
+              <a:t>. Cham: Springer International Publishing, 2021. 153-190.</a:t>
+            </a:r>
+            <a:endParaRPr lang="ja-JP" altLang="en-US" b="1" dirty="0">
               <a:solidFill>
                 <a:schemeClr val="accent6"/>
               </a:solidFill>
+              <a:latin typeface="+mj-lt"/>
             </a:endParaRPr>
           </a:p>
         </p:txBody>
@@ -7790,7 +9090,7 @@
     </p:spTree>
     <p:extLst>
       <p:ext uri="{BB962C8B-B14F-4D97-AF65-F5344CB8AC3E}">
-        <p14:creationId xmlns:p14="http://schemas.microsoft.com/office/powerpoint/2010/main" val="1521232162"/>
+        <p14:creationId xmlns:p14="http://schemas.microsoft.com/office/powerpoint/2010/main" val="3165096420"/>
       </p:ext>
     </p:extLst>
   </p:cSld>

--- a/PPTX/Cards-November2023.pptx
+++ b/PPTX/Cards-November2023.pptx
@@ -5,20 +5,24 @@
     <p:sldMasterId id="2147483648" r:id="rId1"/>
   </p:sldMasterIdLst>
   <p:notesMasterIdLst>
-    <p:notesMasterId r:id="rId13"/>
+    <p:notesMasterId r:id="rId17"/>
   </p:notesMasterIdLst>
   <p:sldIdLst>
     <p:sldId id="256" r:id="rId2"/>
-    <p:sldId id="265" r:id="rId3"/>
-    <p:sldId id="266" r:id="rId4"/>
-    <p:sldId id="264" r:id="rId5"/>
-    <p:sldId id="262" r:id="rId6"/>
-    <p:sldId id="263" r:id="rId7"/>
-    <p:sldId id="261" r:id="rId8"/>
-    <p:sldId id="260" r:id="rId9"/>
-    <p:sldId id="258" r:id="rId10"/>
-    <p:sldId id="257" r:id="rId11"/>
-    <p:sldId id="259" r:id="rId12"/>
+    <p:sldId id="267" r:id="rId3"/>
+    <p:sldId id="268" r:id="rId4"/>
+    <p:sldId id="270" r:id="rId5"/>
+    <p:sldId id="269" r:id="rId6"/>
+    <p:sldId id="265" r:id="rId7"/>
+    <p:sldId id="266" r:id="rId8"/>
+    <p:sldId id="264" r:id="rId9"/>
+    <p:sldId id="262" r:id="rId10"/>
+    <p:sldId id="263" r:id="rId11"/>
+    <p:sldId id="261" r:id="rId12"/>
+    <p:sldId id="260" r:id="rId13"/>
+    <p:sldId id="258" r:id="rId14"/>
+    <p:sldId id="257" r:id="rId15"/>
+    <p:sldId id="259" r:id="rId16"/>
   </p:sldIdLst>
   <p:sldSz cx="12192000" cy="6858000"/>
   <p:notesSz cx="6858000" cy="9144000"/>
@@ -207,7 +211,7 @@
           <a:p>
             <a:fld id="{D18D4C2D-CE11-4A36-9412-76A548B99578}" type="datetimeFigureOut">
               <a:rPr kumimoji="1" lang="ja-JP" altLang="en-US" smtClean="0"/>
-              <a:t>2023/12/1</a:t>
+              <a:t>2023/12/7</a:t>
             </a:fld>
             <a:endParaRPr kumimoji="1" lang="ja-JP" altLang="en-US"/>
           </a:p>
@@ -647,29 +651,46 @@
           <a:lstStyle/>
           <a:p>
             <a:r>
-              <a:rPr kumimoji="1" lang="en-US" altLang="ja-JP" b="1" kern="1200" dirty="0">
-                <a:solidFill>
-                  <a:schemeClr val="tx1"/>
-                </a:solidFill>
-                <a:latin typeface="+mj-lt"/>
-                <a:ea typeface="+mj-ea"/>
-                <a:cs typeface="+mj-cs"/>
-              </a:rPr>
-              <a:t>Some masterpiece (text)books that shaped  the field of Machine Learning</a:t>
-            </a:r>
-          </a:p>
-          <a:p>
-            <a:r>
-              <a:rPr kumimoji="1" lang="en-US" altLang="ja-JP" b="1" kern="1200" dirty="0">
-                <a:solidFill>
-                  <a:schemeClr val="tx1"/>
-                </a:solidFill>
-                <a:latin typeface="+mj-lt"/>
-                <a:ea typeface="+mj-ea"/>
-                <a:cs typeface="+mj-cs"/>
-              </a:rPr>
-              <a:t> </a:t>
-            </a:r>
+              <a:rPr kumimoji="1" lang="en-US" altLang="ja-JP" dirty="0"/>
+              <a:t>What is the math/physics of learning</a:t>
+            </a:r>
+          </a:p>
+          <a:p>
+            <a:endParaRPr kumimoji="1" lang="en-US" altLang="ja-JP" dirty="0"/>
+          </a:p>
+          <a:p>
+            <a:pPr marL="0" marR="0" lvl="0" indent="0" algn="l" defTabSz="914400" rtl="0" eaLnBrk="1" fontAlgn="auto" latinLnBrk="0" hangingPunct="1">
+              <a:lnSpc>
+                <a:spcPct val="100000"/>
+              </a:lnSpc>
+              <a:spcBef>
+                <a:spcPts val="0"/>
+              </a:spcBef>
+              <a:spcAft>
+                <a:spcPts val="0"/>
+              </a:spcAft>
+              <a:buClrTx/>
+              <a:buSzTx/>
+              <a:buFontTx/>
+              <a:buNone/>
+              <a:tabLst/>
+              <a:defRPr/>
+            </a:pPr>
+            <a:r>
+              <a:rPr kumimoji="1" lang="en-US" altLang="ja-JP" sz="1200" b="1" dirty="0">
+                <a:solidFill>
+                  <a:schemeClr val="bg1"/>
+                </a:solidFill>
+              </a:rPr>
+              <a:t>Physics is embedded Mathematics in Nature</a:t>
+            </a:r>
+            <a:endParaRPr kumimoji="1" lang="ja-JP" altLang="en-US" sz="1200" b="1" dirty="0">
+              <a:solidFill>
+                <a:schemeClr val="bg1"/>
+              </a:solidFill>
+            </a:endParaRPr>
+          </a:p>
+          <a:p>
             <a:endParaRPr kumimoji="1" lang="ja-JP" altLang="en-US" dirty="0"/>
           </a:p>
         </p:txBody>
@@ -700,7 +721,7 @@
     </p:spTree>
     <p:extLst>
       <p:ext uri="{BB962C8B-B14F-4D97-AF65-F5344CB8AC3E}">
-        <p14:creationId xmlns:p14="http://schemas.microsoft.com/office/powerpoint/2010/main" val="2831089050"/>
+        <p14:creationId xmlns:p14="http://schemas.microsoft.com/office/powerpoint/2010/main" val="2703047561"/>
       </p:ext>
     </p:extLst>
   </p:cSld>
@@ -756,54 +777,13 @@
           <a:p>
             <a:r>
               <a:rPr kumimoji="1" lang="en-US" altLang="ja-JP" dirty="0"/>
-              <a:t>Great trilogy books on machine learning by Prof. Ali Sayed (EPFL):</a:t>
-            </a:r>
-          </a:p>
-          <a:p>
-            <a:pPr marL="171450" indent="-171450">
-              <a:buFontTx/>
-              <a:buChar char="-"/>
-            </a:pPr>
+              <a:t>https://en.wikipedia.org/wiki/Generalized_Stokes_theorem</a:t>
+            </a:r>
+          </a:p>
+          <a:p>
             <a:r>
               <a:rPr kumimoji="1" lang="en-US" altLang="ja-JP" dirty="0"/>
-              <a:t>Foundations</a:t>
-            </a:r>
-          </a:p>
-          <a:p>
-            <a:pPr marL="171450" indent="-171450">
-              <a:buFontTx/>
-              <a:buChar char="-"/>
-            </a:pPr>
-            <a:r>
-              <a:rPr kumimoji="1" lang="en-US" altLang="ja-JP" dirty="0"/>
-              <a:t>Inference</a:t>
-            </a:r>
-          </a:p>
-          <a:p>
-            <a:pPr marL="171450" indent="-171450">
-              <a:buFontTx/>
-              <a:buChar char="-"/>
-            </a:pPr>
-            <a:r>
-              <a:rPr kumimoji="1" lang="en-US" altLang="ja-JP" dirty="0"/>
-              <a:t>Learning</a:t>
-            </a:r>
-          </a:p>
-          <a:p>
-            <a:pPr marL="171450" indent="-171450">
-              <a:buFontTx/>
-              <a:buChar char="-"/>
-            </a:pPr>
-            <a:endParaRPr kumimoji="1" lang="en-US" altLang="ja-JP" dirty="0"/>
-          </a:p>
-          <a:p>
-            <a:pPr marL="171450" indent="-171450">
-              <a:buFontTx/>
-              <a:buChar char="-"/>
-            </a:pPr>
-            <a:r>
-              <a:rPr kumimoji="1" lang="en-US" altLang="ja-JP" dirty="0"/>
-              <a:t>https://tinyurl.com/TrilogyAliSayed</a:t>
+              <a:t>https://en.wikipedia.org/wiki/Geometric_algebra</a:t>
             </a:r>
             <a:endParaRPr kumimoji="1" lang="ja-JP" altLang="en-US" dirty="0"/>
           </a:p>
@@ -826,7 +806,7 @@
           <a:p>
             <a:fld id="{897A3250-0369-4FF2-8A87-F471EFBE05A0}" type="slidenum">
               <a:rPr kumimoji="1" lang="ja-JP" altLang="en-US" smtClean="0"/>
-              <a:t>5</a:t>
+              <a:t>3</a:t>
             </a:fld>
             <a:endParaRPr kumimoji="1" lang="ja-JP" altLang="en-US"/>
           </a:p>
@@ -835,7 +815,7 @@
     </p:spTree>
     <p:extLst>
       <p:ext uri="{BB962C8B-B14F-4D97-AF65-F5344CB8AC3E}">
-        <p14:creationId xmlns:p14="http://schemas.microsoft.com/office/powerpoint/2010/main" val="2200033667"/>
+        <p14:creationId xmlns:p14="http://schemas.microsoft.com/office/powerpoint/2010/main" val="3908249999"/>
       </p:ext>
     </p:extLst>
   </p:cSld>
@@ -890,185 +870,30 @@
           <a:lstStyle/>
           <a:p>
             <a:r>
-              <a:rPr lang="en-US" altLang="ja-JP" b="0" i="0" dirty="0">
-                <a:solidFill>
-                  <a:srgbClr val="222222"/>
-                </a:solidFill>
-                <a:effectLst/>
-                <a:latin typeface="Arial" panose="020B0604020202020204" pitchFamily="34" charset="0"/>
-              </a:rPr>
-              <a:t>Affine manifold </a:t>
-            </a:r>
-            <a:r>
-              <a:rPr lang="en-US" altLang="ja-JP" dirty="0"/>
-              <a:t>(M,</a:t>
-            </a:r>
-            <a:r>
-              <a:rPr lang="ja-JP" altLang="en-US" b="1" i="0" dirty="0">
-                <a:effectLst/>
+              <a:rPr kumimoji="1" lang="en-US" altLang="ja-JP" b="1" kern="1200" dirty="0">
+                <a:solidFill>
+                  <a:schemeClr val="tx1"/>
+                </a:solidFill>
                 <a:latin typeface="+mj-lt"/>
-              </a:rPr>
-              <a:t> ∇</a:t>
-            </a:r>
-            <a:r>
-              <a:rPr lang="en-US" altLang="ja-JP" b="1" i="0" dirty="0">
-                <a:effectLst/>
+                <a:ea typeface="+mj-ea"/>
+                <a:cs typeface="+mj-cs"/>
+              </a:rPr>
+              <a:t>Some masterpiece (text)books that shaped  the field of Machine Learning</a:t>
+            </a:r>
+          </a:p>
+          <a:p>
+            <a:r>
+              <a:rPr kumimoji="1" lang="en-US" altLang="ja-JP" b="1" kern="1200" dirty="0">
+                <a:solidFill>
+                  <a:schemeClr val="tx1"/>
+                </a:solidFill>
                 <a:latin typeface="+mj-lt"/>
-              </a:rPr>
-              <a:t>)</a:t>
-            </a:r>
-            <a:r>
-              <a:rPr kumimoji="1" lang="en-US" altLang="ja-JP" b="1" dirty="0">
-                <a:latin typeface="+mj-lt"/>
-              </a:rPr>
-              <a:t>: </a:t>
-            </a:r>
-            <a:r>
-              <a:rPr lang="ja-JP" altLang="en-US" i="0" dirty="0">
-                <a:effectLst/>
-                <a:latin typeface="+mj-lt"/>
-              </a:rPr>
-              <a:t>∇ </a:t>
-            </a:r>
-            <a:r>
-              <a:rPr lang="en-US" altLang="ja-JP" i="0" dirty="0">
-                <a:effectLst/>
-                <a:latin typeface="+mj-lt"/>
-              </a:rPr>
-              <a:t>is </a:t>
-            </a:r>
-            <a:r>
-              <a:rPr kumimoji="1" lang="en-US" altLang="ja-JP" dirty="0"/>
-              <a:t>a torsion-free flat connection</a:t>
-            </a:r>
-            <a:r>
-              <a:rPr lang="en-US" altLang="ja-JP" b="0" i="0" dirty="0">
-                <a:solidFill>
-                  <a:srgbClr val="222222"/>
-                </a:solidFill>
-                <a:effectLst/>
-                <a:latin typeface="Arial" panose="020B0604020202020204" pitchFamily="34" charset="0"/>
+                <a:ea typeface="+mj-ea"/>
+                <a:cs typeface="+mj-cs"/>
               </a:rPr>
               <a:t> </a:t>
             </a:r>
-          </a:p>
-          <a:p>
-            <a:r>
-              <a:rPr lang="en-US" altLang="ja-JP" b="0" i="0" dirty="0">
-                <a:solidFill>
-                  <a:srgbClr val="222222"/>
-                </a:solidFill>
-                <a:effectLst/>
-                <a:latin typeface="Arial" panose="020B0604020202020204" pitchFamily="34" charset="0"/>
-              </a:rPr>
-              <a:t>Hessian manifold : Affine manifold + Hessian metric tensor </a:t>
-            </a:r>
-          </a:p>
-          <a:p>
-            <a:r>
-              <a:rPr lang="en-US" altLang="ja-JP" b="0" i="0" dirty="0">
-                <a:solidFill>
-                  <a:srgbClr val="222222"/>
-                </a:solidFill>
-                <a:effectLst/>
-                <a:latin typeface="Arial" panose="020B0604020202020204" pitchFamily="34" charset="0"/>
-              </a:rPr>
-              <a:t>Bregman manifold = Hessian manifold with global chart</a:t>
-            </a:r>
-          </a:p>
-          <a:p>
-            <a:r>
-              <a:rPr lang="en-US" altLang="ja-JP" b="0" i="0" dirty="0">
-                <a:solidFill>
-                  <a:srgbClr val="222222"/>
-                </a:solidFill>
-                <a:effectLst/>
-                <a:latin typeface="Arial" panose="020B0604020202020204" pitchFamily="34" charset="0"/>
-              </a:rPr>
-              <a:t>Tutorial on Bregman manifolds: </a:t>
-            </a:r>
-            <a:r>
-              <a:rPr lang="en-US" altLang="ja-JP" b="1" i="0" dirty="0">
-                <a:solidFill>
-                  <a:schemeClr val="accent6"/>
-                </a:solidFill>
-                <a:effectLst/>
-                <a:latin typeface="+mj-lt"/>
-              </a:rPr>
-              <a:t> </a:t>
-            </a:r>
-          </a:p>
-          <a:p>
-            <a:r>
-              <a:rPr lang="en-US" altLang="ja-JP" b="0" i="0" u="none" strike="noStrike" dirty="0">
-                <a:solidFill>
-                  <a:srgbClr val="1D9BF0"/>
-                </a:solidFill>
-                <a:effectLst/>
-                <a:latin typeface="inherit"/>
-                <a:hlinkClick r:id="rId3"/>
-              </a:rPr>
-              <a:t>https://</a:t>
-            </a:r>
-            <a:r>
-              <a:rPr lang="en-US" altLang="ja-JP" b="0" i="0" u="none" strike="noStrike" dirty="0">
-                <a:solidFill>
-                  <a:srgbClr val="1D9BF0"/>
-                </a:solidFill>
-                <a:effectLst/>
-                <a:latin typeface="TwitterChirp"/>
-                <a:hlinkClick r:id="rId3"/>
-              </a:rPr>
-              <a:t>tinyurl.com/HessBreg</a:t>
-            </a:r>
-            <a:endParaRPr lang="en-US" altLang="ja-JP" b="1" i="0" u="none" strike="noStrike" dirty="0">
-              <a:solidFill>
-                <a:schemeClr val="accent6"/>
-              </a:solidFill>
-              <a:effectLst/>
-              <a:latin typeface="+mj-lt"/>
-            </a:endParaRPr>
-          </a:p>
-          <a:p>
-            <a:r>
-              <a:rPr lang="en-US" altLang="ja-JP" b="1" i="0" dirty="0">
-                <a:solidFill>
-                  <a:schemeClr val="accent6"/>
-                </a:solidFill>
-                <a:effectLst/>
-                <a:latin typeface="+mj-lt"/>
-              </a:rPr>
-              <a:t>https://twitter.com/FrnkNlsn/status/1712991125672518000</a:t>
-            </a:r>
-          </a:p>
-          <a:p>
-            <a:endParaRPr lang="en-US" altLang="ja-JP" b="1" i="0" dirty="0">
-              <a:solidFill>
-                <a:schemeClr val="accent6"/>
-              </a:solidFill>
-              <a:effectLst/>
-              <a:latin typeface="+mj-lt"/>
-            </a:endParaRPr>
-          </a:p>
-          <a:p>
-            <a:r>
-              <a:rPr lang="en-US" altLang="ja-JP" b="1" i="0" dirty="0">
-                <a:solidFill>
-                  <a:schemeClr val="accent6"/>
-                </a:solidFill>
-                <a:effectLst/>
-                <a:latin typeface="+mj-lt"/>
-              </a:rPr>
-              <a:t>https://link.springer.com/chapter/10.1007/978-3-030-65459-7_7</a:t>
-            </a:r>
-          </a:p>
-          <a:p>
-            <a:endParaRPr lang="ja-JP" altLang="en-US" b="1" dirty="0">
-              <a:solidFill>
-                <a:schemeClr val="accent6"/>
-              </a:solidFill>
-              <a:latin typeface="+mj-lt"/>
-            </a:endParaRPr>
+            <a:endParaRPr kumimoji="1" lang="ja-JP" altLang="en-US" dirty="0"/>
           </a:p>
         </p:txBody>
       </p:sp>
@@ -1089,7 +914,7 @@
           <a:p>
             <a:fld id="{897A3250-0369-4FF2-8A87-F471EFBE05A0}" type="slidenum">
               <a:rPr kumimoji="1" lang="ja-JP" altLang="en-US" smtClean="0"/>
-              <a:t>9</a:t>
+              <a:t>6</a:t>
             </a:fld>
             <a:endParaRPr kumimoji="1" lang="ja-JP" altLang="en-US"/>
           </a:p>
@@ -1098,7 +923,7 @@
     </p:spTree>
     <p:extLst>
       <p:ext uri="{BB962C8B-B14F-4D97-AF65-F5344CB8AC3E}">
-        <p14:creationId xmlns:p14="http://schemas.microsoft.com/office/powerpoint/2010/main" val="1268723814"/>
+        <p14:creationId xmlns:p14="http://schemas.microsoft.com/office/powerpoint/2010/main" val="2831089050"/>
       </p:ext>
     </p:extLst>
   </p:cSld>
@@ -1154,6 +979,404 @@
           <a:p>
             <a:r>
               <a:rPr kumimoji="1" lang="en-US" altLang="ja-JP" dirty="0"/>
+              <a:t>Great trilogy books on machine learning by Prof. Ali Sayed (EPFL):</a:t>
+            </a:r>
+          </a:p>
+          <a:p>
+            <a:pPr marL="171450" indent="-171450">
+              <a:buFontTx/>
+              <a:buChar char="-"/>
+            </a:pPr>
+            <a:r>
+              <a:rPr kumimoji="1" lang="en-US" altLang="ja-JP" dirty="0"/>
+              <a:t>Foundations</a:t>
+            </a:r>
+          </a:p>
+          <a:p>
+            <a:pPr marL="171450" indent="-171450">
+              <a:buFontTx/>
+              <a:buChar char="-"/>
+            </a:pPr>
+            <a:r>
+              <a:rPr kumimoji="1" lang="en-US" altLang="ja-JP" dirty="0"/>
+              <a:t>Inference</a:t>
+            </a:r>
+          </a:p>
+          <a:p>
+            <a:pPr marL="171450" indent="-171450">
+              <a:buFontTx/>
+              <a:buChar char="-"/>
+            </a:pPr>
+            <a:r>
+              <a:rPr kumimoji="1" lang="en-US" altLang="ja-JP" dirty="0"/>
+              <a:t>Learning</a:t>
+            </a:r>
+          </a:p>
+          <a:p>
+            <a:pPr marL="171450" indent="-171450">
+              <a:buFontTx/>
+              <a:buChar char="-"/>
+            </a:pPr>
+            <a:endParaRPr kumimoji="1" lang="en-US" altLang="ja-JP" dirty="0"/>
+          </a:p>
+          <a:p>
+            <a:pPr marL="171450" indent="-171450">
+              <a:buFontTx/>
+              <a:buChar char="-"/>
+            </a:pPr>
+            <a:r>
+              <a:rPr kumimoji="1" lang="en-US" altLang="ja-JP" dirty="0"/>
+              <a:t>https://tinyurl.com/TrilogyAliSayed</a:t>
+            </a:r>
+            <a:endParaRPr kumimoji="1" lang="ja-JP" altLang="en-US" dirty="0"/>
+          </a:p>
+        </p:txBody>
+      </p:sp>
+      <p:sp>
+        <p:nvSpPr>
+          <p:cNvPr id="4" name="Slide Number Placeholder 3"/>
+          <p:cNvSpPr>
+            <a:spLocks noGrp="1"/>
+          </p:cNvSpPr>
+          <p:nvPr>
+            <p:ph type="sldNum" sz="quarter" idx="5"/>
+          </p:nvPr>
+        </p:nvSpPr>
+        <p:spPr/>
+        <p:txBody>
+          <a:bodyPr/>
+          <a:lstStyle/>
+          <a:p>
+            <a:fld id="{897A3250-0369-4FF2-8A87-F471EFBE05A0}" type="slidenum">
+              <a:rPr kumimoji="1" lang="ja-JP" altLang="en-US" smtClean="0"/>
+              <a:t>9</a:t>
+            </a:fld>
+            <a:endParaRPr kumimoji="1" lang="ja-JP" altLang="en-US"/>
+          </a:p>
+        </p:txBody>
+      </p:sp>
+    </p:spTree>
+    <p:extLst>
+      <p:ext uri="{BB962C8B-B14F-4D97-AF65-F5344CB8AC3E}">
+        <p14:creationId xmlns:p14="http://schemas.microsoft.com/office/powerpoint/2010/main" val="2200033667"/>
+      </p:ext>
+    </p:extLst>
+  </p:cSld>
+  <p:clrMapOvr>
+    <a:masterClrMapping/>
+  </p:clrMapOvr>
+</p:notes>
+</file>
+
+<file path=ppt/notesSlides/notesSlide6.xml><?xml version="1.0" encoding="utf-8"?>
+<p:notes xmlns:a="http://schemas.openxmlformats.org/drawingml/2006/main" xmlns:r="http://schemas.openxmlformats.org/officeDocument/2006/relationships" xmlns:p="http://schemas.openxmlformats.org/presentationml/2006/main">
+  <p:cSld>
+    <p:spTree>
+      <p:nvGrpSpPr>
+        <p:cNvPr id="1" name=""/>
+        <p:cNvGrpSpPr/>
+        <p:nvPr/>
+      </p:nvGrpSpPr>
+      <p:grpSpPr>
+        <a:xfrm>
+          <a:off x="0" y="0"/>
+          <a:ext cx="0" cy="0"/>
+          <a:chOff x="0" y="0"/>
+          <a:chExt cx="0" cy="0"/>
+        </a:xfrm>
+      </p:grpSpPr>
+      <p:sp>
+        <p:nvSpPr>
+          <p:cNvPr id="2" name="Slide Image Placeholder 1"/>
+          <p:cNvSpPr>
+            <a:spLocks noGrp="1" noRot="1" noChangeAspect="1"/>
+          </p:cNvSpPr>
+          <p:nvPr>
+            <p:ph type="sldImg"/>
+          </p:nvPr>
+        </p:nvSpPr>
+        <p:spPr/>
+      </p:sp>
+      <p:sp>
+        <p:nvSpPr>
+          <p:cNvPr id="3" name="Notes Placeholder 2"/>
+          <p:cNvSpPr>
+            <a:spLocks noGrp="1"/>
+          </p:cNvSpPr>
+          <p:nvPr>
+            <p:ph type="body" idx="1"/>
+          </p:nvPr>
+        </p:nvSpPr>
+        <p:spPr/>
+        <p:txBody>
+          <a:bodyPr/>
+          <a:lstStyle/>
+          <a:p>
+            <a:r>
+              <a:rPr lang="en-US" altLang="ja-JP" b="0" i="0" dirty="0">
+                <a:solidFill>
+                  <a:srgbClr val="222222"/>
+                </a:solidFill>
+                <a:effectLst/>
+                <a:latin typeface="Arial" panose="020B0604020202020204" pitchFamily="34" charset="0"/>
+              </a:rPr>
+              <a:t>Affine manifold </a:t>
+            </a:r>
+            <a:r>
+              <a:rPr lang="en-US" altLang="ja-JP" dirty="0"/>
+              <a:t>(M,</a:t>
+            </a:r>
+            <a:r>
+              <a:rPr lang="ja-JP" altLang="en-US" b="1" i="0" dirty="0">
+                <a:effectLst/>
+                <a:latin typeface="+mj-lt"/>
+              </a:rPr>
+              <a:t> ∇</a:t>
+            </a:r>
+            <a:r>
+              <a:rPr lang="en-US" altLang="ja-JP" b="1" i="0" dirty="0">
+                <a:effectLst/>
+                <a:latin typeface="+mj-lt"/>
+              </a:rPr>
+              <a:t>)</a:t>
+            </a:r>
+            <a:r>
+              <a:rPr kumimoji="1" lang="en-US" altLang="ja-JP" b="1" dirty="0">
+                <a:latin typeface="+mj-lt"/>
+              </a:rPr>
+              <a:t>: </a:t>
+            </a:r>
+            <a:r>
+              <a:rPr lang="ja-JP" altLang="en-US" i="0" dirty="0">
+                <a:effectLst/>
+                <a:latin typeface="+mj-lt"/>
+              </a:rPr>
+              <a:t>∇ </a:t>
+            </a:r>
+            <a:r>
+              <a:rPr lang="en-US" altLang="ja-JP" i="0" dirty="0">
+                <a:effectLst/>
+                <a:latin typeface="+mj-lt"/>
+              </a:rPr>
+              <a:t>is </a:t>
+            </a:r>
+            <a:r>
+              <a:rPr kumimoji="1" lang="en-US" altLang="ja-JP" dirty="0"/>
+              <a:t>a torsion-free flat connection</a:t>
+            </a:r>
+            <a:r>
+              <a:rPr lang="en-US" altLang="ja-JP" b="0" i="0" dirty="0">
+                <a:solidFill>
+                  <a:srgbClr val="222222"/>
+                </a:solidFill>
+                <a:effectLst/>
+                <a:latin typeface="Arial" panose="020B0604020202020204" pitchFamily="34" charset="0"/>
+              </a:rPr>
+              <a:t> </a:t>
+            </a:r>
+          </a:p>
+          <a:p>
+            <a:r>
+              <a:rPr lang="en-US" altLang="ja-JP" b="0" i="0" dirty="0">
+                <a:solidFill>
+                  <a:srgbClr val="222222"/>
+                </a:solidFill>
+                <a:effectLst/>
+                <a:latin typeface="Arial" panose="020B0604020202020204" pitchFamily="34" charset="0"/>
+              </a:rPr>
+              <a:t>Hessian manifold : Affine manifold + Hessian metric tensor </a:t>
+            </a:r>
+          </a:p>
+          <a:p>
+            <a:r>
+              <a:rPr lang="en-US" altLang="ja-JP" b="0" i="0" dirty="0">
+                <a:solidFill>
+                  <a:srgbClr val="222222"/>
+                </a:solidFill>
+                <a:effectLst/>
+                <a:latin typeface="Arial" panose="020B0604020202020204" pitchFamily="34" charset="0"/>
+              </a:rPr>
+              <a:t>Bregman manifold = Hessian manifold with global chart</a:t>
+            </a:r>
+          </a:p>
+          <a:p>
+            <a:r>
+              <a:rPr lang="en-US" altLang="ja-JP" b="0" i="0" dirty="0">
+                <a:solidFill>
+                  <a:srgbClr val="222222"/>
+                </a:solidFill>
+                <a:effectLst/>
+                <a:latin typeface="Arial" panose="020B0604020202020204" pitchFamily="34" charset="0"/>
+              </a:rPr>
+              <a:t>Tutorial on Bregman manifolds: </a:t>
+            </a:r>
+            <a:r>
+              <a:rPr lang="en-US" altLang="ja-JP" b="1" i="0" dirty="0">
+                <a:solidFill>
+                  <a:schemeClr val="accent6"/>
+                </a:solidFill>
+                <a:effectLst/>
+                <a:latin typeface="+mj-lt"/>
+              </a:rPr>
+              <a:t> </a:t>
+            </a:r>
+          </a:p>
+          <a:p>
+            <a:r>
+              <a:rPr lang="en-US" altLang="ja-JP" b="0" i="0" u="none" strike="noStrike" dirty="0">
+                <a:solidFill>
+                  <a:srgbClr val="1D9BF0"/>
+                </a:solidFill>
+                <a:effectLst/>
+                <a:latin typeface="inherit"/>
+                <a:hlinkClick r:id="rId3"/>
+              </a:rPr>
+              <a:t>https://</a:t>
+            </a:r>
+            <a:r>
+              <a:rPr lang="en-US" altLang="ja-JP" b="0" i="0" u="none" strike="noStrike" dirty="0">
+                <a:solidFill>
+                  <a:srgbClr val="1D9BF0"/>
+                </a:solidFill>
+                <a:effectLst/>
+                <a:latin typeface="TwitterChirp"/>
+                <a:hlinkClick r:id="rId3"/>
+              </a:rPr>
+              <a:t>tinyurl.com/HessBreg</a:t>
+            </a:r>
+            <a:endParaRPr lang="en-US" altLang="ja-JP" b="1" i="0" u="none" strike="noStrike" dirty="0">
+              <a:solidFill>
+                <a:schemeClr val="accent6"/>
+              </a:solidFill>
+              <a:effectLst/>
+              <a:latin typeface="+mj-lt"/>
+            </a:endParaRPr>
+          </a:p>
+          <a:p>
+            <a:r>
+              <a:rPr lang="en-US" altLang="ja-JP" b="1" i="0" dirty="0">
+                <a:solidFill>
+                  <a:schemeClr val="accent6"/>
+                </a:solidFill>
+                <a:effectLst/>
+                <a:latin typeface="+mj-lt"/>
+              </a:rPr>
+              <a:t>https://twitter.com/FrnkNlsn/status/1712991125672518000</a:t>
+            </a:r>
+          </a:p>
+          <a:p>
+            <a:endParaRPr lang="en-US" altLang="ja-JP" b="1" i="0" dirty="0">
+              <a:solidFill>
+                <a:schemeClr val="accent6"/>
+              </a:solidFill>
+              <a:effectLst/>
+              <a:latin typeface="+mj-lt"/>
+            </a:endParaRPr>
+          </a:p>
+          <a:p>
+            <a:r>
+              <a:rPr lang="en-US" altLang="ja-JP" b="1" i="0" dirty="0">
+                <a:solidFill>
+                  <a:schemeClr val="accent6"/>
+                </a:solidFill>
+                <a:effectLst/>
+                <a:latin typeface="+mj-lt"/>
+              </a:rPr>
+              <a:t>https://link.springer.com/chapter/10.1007/978-3-030-65459-7_7</a:t>
+            </a:r>
+          </a:p>
+          <a:p>
+            <a:endParaRPr lang="ja-JP" altLang="en-US" b="1" dirty="0">
+              <a:solidFill>
+                <a:schemeClr val="accent6"/>
+              </a:solidFill>
+              <a:latin typeface="+mj-lt"/>
+            </a:endParaRPr>
+          </a:p>
+        </p:txBody>
+      </p:sp>
+      <p:sp>
+        <p:nvSpPr>
+          <p:cNvPr id="4" name="Slide Number Placeholder 3"/>
+          <p:cNvSpPr>
+            <a:spLocks noGrp="1"/>
+          </p:cNvSpPr>
+          <p:nvPr>
+            <p:ph type="sldNum" sz="quarter" idx="5"/>
+          </p:nvPr>
+        </p:nvSpPr>
+        <p:spPr/>
+        <p:txBody>
+          <a:bodyPr/>
+          <a:lstStyle/>
+          <a:p>
+            <a:fld id="{897A3250-0369-4FF2-8A87-F471EFBE05A0}" type="slidenum">
+              <a:rPr kumimoji="1" lang="ja-JP" altLang="en-US" smtClean="0"/>
+              <a:t>13</a:t>
+            </a:fld>
+            <a:endParaRPr kumimoji="1" lang="ja-JP" altLang="en-US"/>
+          </a:p>
+        </p:txBody>
+      </p:sp>
+    </p:spTree>
+    <p:extLst>
+      <p:ext uri="{BB962C8B-B14F-4D97-AF65-F5344CB8AC3E}">
+        <p14:creationId xmlns:p14="http://schemas.microsoft.com/office/powerpoint/2010/main" val="1268723814"/>
+      </p:ext>
+    </p:extLst>
+  </p:cSld>
+  <p:clrMapOvr>
+    <a:masterClrMapping/>
+  </p:clrMapOvr>
+</p:notes>
+</file>
+
+<file path=ppt/notesSlides/notesSlide7.xml><?xml version="1.0" encoding="utf-8"?>
+<p:notes xmlns:a="http://schemas.openxmlformats.org/drawingml/2006/main" xmlns:r="http://schemas.openxmlformats.org/officeDocument/2006/relationships" xmlns:p="http://schemas.openxmlformats.org/presentationml/2006/main">
+  <p:cSld>
+    <p:spTree>
+      <p:nvGrpSpPr>
+        <p:cNvPr id="1" name=""/>
+        <p:cNvGrpSpPr/>
+        <p:nvPr/>
+      </p:nvGrpSpPr>
+      <p:grpSpPr>
+        <a:xfrm>
+          <a:off x="0" y="0"/>
+          <a:ext cx="0" cy="0"/>
+          <a:chOff x="0" y="0"/>
+          <a:chExt cx="0" cy="0"/>
+        </a:xfrm>
+      </p:grpSpPr>
+      <p:sp>
+        <p:nvSpPr>
+          <p:cNvPr id="2" name="Slide Image Placeholder 1"/>
+          <p:cNvSpPr>
+            <a:spLocks noGrp="1" noRot="1" noChangeAspect="1"/>
+          </p:cNvSpPr>
+          <p:nvPr>
+            <p:ph type="sldImg"/>
+          </p:nvPr>
+        </p:nvSpPr>
+        <p:spPr/>
+      </p:sp>
+      <p:sp>
+        <p:nvSpPr>
+          <p:cNvPr id="3" name="Notes Placeholder 2"/>
+          <p:cNvSpPr>
+            <a:spLocks noGrp="1"/>
+          </p:cNvSpPr>
+          <p:nvPr>
+            <p:ph type="body" idx="1"/>
+          </p:nvPr>
+        </p:nvSpPr>
+        <p:spPr/>
+        <p:txBody>
+          <a:bodyPr/>
+          <a:lstStyle/>
+          <a:p>
+            <a:r>
+              <a:rPr kumimoji="1" lang="en-US" altLang="ja-JP" dirty="0"/>
               <a:t>Simple iterative algorithm to compute the geometric matrix mean of n SPD matrices.</a:t>
             </a:r>
           </a:p>
@@ -1236,7 +1459,7 @@
           <a:p>
             <a:fld id="{897A3250-0369-4FF2-8A87-F471EFBE05A0}" type="slidenum">
               <a:rPr kumimoji="1" lang="ja-JP" altLang="en-US" smtClean="0"/>
-              <a:t>11</a:t>
+              <a:t>15</a:t>
             </a:fld>
             <a:endParaRPr kumimoji="1" lang="ja-JP" altLang="en-US"/>
           </a:p>
@@ -1404,7 +1627,7 @@
           <a:p>
             <a:fld id="{1FE1D380-D20F-4BF7-A204-3A9DABE281DF}" type="datetimeFigureOut">
               <a:rPr kumimoji="1" lang="ja-JP" altLang="en-US" smtClean="0"/>
-              <a:t>2023/12/1</a:t>
+              <a:t>2023/12/7</a:t>
             </a:fld>
             <a:endParaRPr kumimoji="1" lang="ja-JP" altLang="en-US"/>
           </a:p>
@@ -1604,7 +1827,7 @@
           <a:p>
             <a:fld id="{1FE1D380-D20F-4BF7-A204-3A9DABE281DF}" type="datetimeFigureOut">
               <a:rPr kumimoji="1" lang="ja-JP" altLang="en-US" smtClean="0"/>
-              <a:t>2023/12/1</a:t>
+              <a:t>2023/12/7</a:t>
             </a:fld>
             <a:endParaRPr kumimoji="1" lang="ja-JP" altLang="en-US"/>
           </a:p>
@@ -1814,7 +2037,7 @@
           <a:p>
             <a:fld id="{1FE1D380-D20F-4BF7-A204-3A9DABE281DF}" type="datetimeFigureOut">
               <a:rPr kumimoji="1" lang="ja-JP" altLang="en-US" smtClean="0"/>
-              <a:t>2023/12/1</a:t>
+              <a:t>2023/12/7</a:t>
             </a:fld>
             <a:endParaRPr kumimoji="1" lang="ja-JP" altLang="en-US"/>
           </a:p>
@@ -2014,7 +2237,7 @@
           <a:p>
             <a:fld id="{1FE1D380-D20F-4BF7-A204-3A9DABE281DF}" type="datetimeFigureOut">
               <a:rPr kumimoji="1" lang="ja-JP" altLang="en-US" smtClean="0"/>
-              <a:t>2023/12/1</a:t>
+              <a:t>2023/12/7</a:t>
             </a:fld>
             <a:endParaRPr kumimoji="1" lang="ja-JP" altLang="en-US"/>
           </a:p>
@@ -2290,7 +2513,7 @@
           <a:p>
             <a:fld id="{1FE1D380-D20F-4BF7-A204-3A9DABE281DF}" type="datetimeFigureOut">
               <a:rPr kumimoji="1" lang="ja-JP" altLang="en-US" smtClean="0"/>
-              <a:t>2023/12/1</a:t>
+              <a:t>2023/12/7</a:t>
             </a:fld>
             <a:endParaRPr kumimoji="1" lang="ja-JP" altLang="en-US"/>
           </a:p>
@@ -2558,7 +2781,7 @@
           <a:p>
             <a:fld id="{1FE1D380-D20F-4BF7-A204-3A9DABE281DF}" type="datetimeFigureOut">
               <a:rPr kumimoji="1" lang="ja-JP" altLang="en-US" smtClean="0"/>
-              <a:t>2023/12/1</a:t>
+              <a:t>2023/12/7</a:t>
             </a:fld>
             <a:endParaRPr kumimoji="1" lang="ja-JP" altLang="en-US"/>
           </a:p>
@@ -2973,7 +3196,7 @@
           <a:p>
             <a:fld id="{1FE1D380-D20F-4BF7-A204-3A9DABE281DF}" type="datetimeFigureOut">
               <a:rPr kumimoji="1" lang="ja-JP" altLang="en-US" smtClean="0"/>
-              <a:t>2023/12/1</a:t>
+              <a:t>2023/12/7</a:t>
             </a:fld>
             <a:endParaRPr kumimoji="1" lang="ja-JP" altLang="en-US"/>
           </a:p>
@@ -3115,7 +3338,7 @@
           <a:p>
             <a:fld id="{1FE1D380-D20F-4BF7-A204-3A9DABE281DF}" type="datetimeFigureOut">
               <a:rPr kumimoji="1" lang="ja-JP" altLang="en-US" smtClean="0"/>
-              <a:t>2023/12/1</a:t>
+              <a:t>2023/12/7</a:t>
             </a:fld>
             <a:endParaRPr kumimoji="1" lang="ja-JP" altLang="en-US"/>
           </a:p>
@@ -3228,7 +3451,7 @@
           <a:p>
             <a:fld id="{1FE1D380-D20F-4BF7-A204-3A9DABE281DF}" type="datetimeFigureOut">
               <a:rPr kumimoji="1" lang="ja-JP" altLang="en-US" smtClean="0"/>
-              <a:t>2023/12/1</a:t>
+              <a:t>2023/12/7</a:t>
             </a:fld>
             <a:endParaRPr kumimoji="1" lang="ja-JP" altLang="en-US"/>
           </a:p>
@@ -3541,7 +3764,7 @@
           <a:p>
             <a:fld id="{1FE1D380-D20F-4BF7-A204-3A9DABE281DF}" type="datetimeFigureOut">
               <a:rPr kumimoji="1" lang="ja-JP" altLang="en-US" smtClean="0"/>
-              <a:t>2023/12/1</a:t>
+              <a:t>2023/12/7</a:t>
             </a:fld>
             <a:endParaRPr kumimoji="1" lang="ja-JP" altLang="en-US"/>
           </a:p>
@@ -3830,7 +4053,7 @@
           <a:p>
             <a:fld id="{1FE1D380-D20F-4BF7-A204-3A9DABE281DF}" type="datetimeFigureOut">
               <a:rPr kumimoji="1" lang="ja-JP" altLang="en-US" smtClean="0"/>
-              <a:t>2023/12/1</a:t>
+              <a:t>2023/12/7</a:t>
             </a:fld>
             <a:endParaRPr kumimoji="1" lang="ja-JP" altLang="en-US"/>
           </a:p>
@@ -4073,7 +4296,7 @@
           <a:p>
             <a:fld id="{1FE1D380-D20F-4BF7-A204-3A9DABE281DF}" type="datetimeFigureOut">
               <a:rPr kumimoji="1" lang="ja-JP" altLang="en-US" smtClean="0"/>
-              <a:t>2023/12/1</a:t>
+              <a:t>2023/12/7</a:t>
             </a:fld>
             <a:endParaRPr kumimoji="1" lang="ja-JP" altLang="en-US"/>
           </a:p>
@@ -5197,7 +5420,7 @@
           <p:cNvPr id="2" name="Title 1">
             <a:extLst>
               <a:ext uri="{FF2B5EF4-FFF2-40B4-BE49-F238E27FC236}">
-                <a16:creationId xmlns:a16="http://schemas.microsoft.com/office/drawing/2014/main" id="{BEAACF7D-F6C2-8E01-6684-C59AC917DB3D}"/>
+                <a16:creationId xmlns:a16="http://schemas.microsoft.com/office/drawing/2014/main" id="{C0F842C2-1E65-5B3B-DE02-264DE19BE364}"/>
               </a:ext>
             </a:extLst>
           </p:cNvPr>
@@ -5210,7 +5433,7 @@
         </p:nvSpPr>
         <p:spPr>
           <a:xfrm>
-            <a:off x="85165" y="0"/>
+            <a:off x="300318" y="0"/>
             <a:ext cx="10515600" cy="1325563"/>
           </a:xfrm>
         </p:spPr>
@@ -5219,16 +5442,40 @@
           <a:lstStyle/>
           <a:p>
             <a:r>
+              <a:rPr kumimoji="1" lang="en-US" altLang="ja-JP" b="1" dirty="0" err="1">
+                <a:solidFill>
+                  <a:schemeClr val="accent5"/>
+                </a:solidFill>
+              </a:rPr>
+              <a:t>Contraharmonic</a:t>
+            </a:r>
+            <a:r>
               <a:rPr kumimoji="1" lang="en-US" altLang="ja-JP" b="1" dirty="0">
                 <a:solidFill>
-                  <a:schemeClr val="accent1"/>
-                </a:solidFill>
-              </a:rPr>
-              <a:t>Mathematics, proof, and computation</a:t>
+                  <a:schemeClr val="accent5"/>
+                </a:solidFill>
+              </a:rPr>
+              <a:t> or </a:t>
+            </a:r>
+            <a:r>
+              <a:rPr kumimoji="1" lang="en-US" altLang="ja-JP" b="1" dirty="0" err="1">
+                <a:solidFill>
+                  <a:schemeClr val="accent5"/>
+                </a:solidFill>
+              </a:rPr>
+              <a:t>antiharmonic</a:t>
+            </a:r>
+            <a:r>
+              <a:rPr kumimoji="1" lang="en-US" altLang="ja-JP" b="1" dirty="0">
+                <a:solidFill>
+                  <a:schemeClr val="accent5"/>
+                </a:solidFill>
+              </a:rPr>
+              <a:t> mean</a:t>
             </a:r>
             <a:endParaRPr kumimoji="1" lang="ja-JP" altLang="en-US" b="1" dirty="0">
               <a:solidFill>
-                <a:schemeClr val="accent1"/>
+                <a:schemeClr val="accent5"/>
               </a:solidFill>
             </a:endParaRPr>
           </a:p>
@@ -5239,7 +5486,7 @@
           <p:cNvPr id="3" name="Content Placeholder 2">
             <a:extLst>
               <a:ext uri="{FF2B5EF4-FFF2-40B4-BE49-F238E27FC236}">
-                <a16:creationId xmlns:a16="http://schemas.microsoft.com/office/drawing/2014/main" id="{8B2A09CD-EEB7-0AF0-BD0A-58CFFFD9E2CE}"/>
+                <a16:creationId xmlns:a16="http://schemas.microsoft.com/office/drawing/2014/main" id="{BC4EE631-2EFE-D138-8C83-89892299F470}"/>
               </a:ext>
             </a:extLst>
           </p:cNvPr>
@@ -5252,95 +5499,124 @@
         </p:nvSpPr>
         <p:spPr>
           <a:xfrm>
-            <a:off x="289559" y="1253331"/>
-            <a:ext cx="11640671" cy="5007620"/>
-          </a:xfrm>
-        </p:spPr>
-        <p:txBody>
-          <a:bodyPr>
-            <a:normAutofit lnSpcReduction="10000"/>
-          </a:bodyPr>
-          <a:lstStyle/>
-          <a:p>
+            <a:off x="386379" y="1459865"/>
+            <a:ext cx="10515600" cy="4351338"/>
+          </a:xfrm>
+        </p:spPr>
+        <p:txBody>
+          <a:bodyPr/>
+          <a:lstStyle/>
+          <a:p>
+            <a:r>
+              <a:rPr kumimoji="1" lang="en-US" altLang="ja-JP" dirty="0" err="1"/>
+              <a:t>Contraharmonic</a:t>
+            </a:r>
             <a:r>
               <a:rPr kumimoji="1" lang="en-US" altLang="ja-JP" dirty="0"/>
-              <a:t>Mathematics can manipulate definite numbers (“mathematical  entities”) as </a:t>
-            </a:r>
-            <a:r>
-              <a:rPr kumimoji="1" lang="en-US" altLang="ja-JP" b="1" dirty="0">
-                <a:solidFill>
-                  <a:srgbClr val="FF0000"/>
-                </a:solidFill>
-              </a:rPr>
-              <a:t>limits</a:t>
+              <a:t> or </a:t>
+            </a:r>
+            <a:r>
+              <a:rPr kumimoji="1" lang="en-US" altLang="ja-JP" dirty="0" err="1"/>
+              <a:t>antiharmonic</a:t>
             </a:r>
             <a:r>
               <a:rPr kumimoji="1" lang="en-US" altLang="ja-JP" dirty="0"/>
-              <a:t> of computational processes. Shall computation be finite or how can we </a:t>
-            </a:r>
-            <a:r>
-              <a:rPr lang="en-US" altLang="ja-JP" dirty="0"/>
-              <a:t>compute limits</a:t>
-            </a:r>
+              <a:t> mean of n positive reals:</a:t>
+            </a:r>
+          </a:p>
+          <a:p>
+            <a:endParaRPr lang="en-US" altLang="ja-JP" dirty="0"/>
+          </a:p>
+          <a:p>
+            <a:endParaRPr kumimoji="1" lang="en-US" altLang="ja-JP" dirty="0"/>
+          </a:p>
+          <a:p>
+            <a:endParaRPr lang="en-US" altLang="ja-JP" dirty="0"/>
+          </a:p>
+          <a:p>
+            <a:endParaRPr kumimoji="1" lang="en-US" altLang="ja-JP" dirty="0"/>
+          </a:p>
+          <a:p>
             <a:r>
               <a:rPr kumimoji="1" lang="en-US" altLang="ja-JP" dirty="0"/>
-              <a:t> (halting problem, parallelism)?</a:t>
-            </a:r>
-          </a:p>
-          <a:p>
-            <a:pPr marL="0" indent="0">
-              <a:buNone/>
-            </a:pPr>
+              <a:t>The </a:t>
+            </a:r>
+            <a:r>
+              <a:rPr kumimoji="1" lang="en-US" altLang="ja-JP" dirty="0" err="1"/>
+              <a:t>contraharmonic</a:t>
+            </a:r>
             <a:r>
               <a:rPr kumimoji="1" lang="en-US" altLang="ja-JP" dirty="0"/>
-              <a:t>  For example: continued fractions, arithmetic-geometric means, etc.</a:t>
-            </a:r>
-          </a:p>
-          <a:p>
-            <a:pPr marL="0" indent="0">
-              <a:buNone/>
-            </a:pPr>
-            <a:endParaRPr lang="en-US" altLang="ja-JP" dirty="0"/>
-          </a:p>
-          <a:p>
-            <a:r>
-              <a:rPr lang="en-US" altLang="ja-JP" b="1" dirty="0">
-                <a:solidFill>
-                  <a:srgbClr val="FF0000"/>
-                </a:solidFill>
-              </a:rPr>
-              <a:t>Dualities</a:t>
-            </a:r>
-            <a:r>
-              <a:rPr lang="en-US" altLang="ja-JP" dirty="0"/>
-              <a:t> in mathematics and computing:</a:t>
-            </a:r>
-            <a:r>
-              <a:rPr kumimoji="1" lang="en-US" altLang="ja-JP" dirty="0"/>
-              <a:t> A program can be interpreted or solve many dual problems.</a:t>
-            </a:r>
-          </a:p>
-          <a:p>
-            <a:pPr marL="0" indent="0">
-              <a:buNone/>
-            </a:pPr>
-            <a:r>
-              <a:rPr kumimoji="1" lang="en-US" altLang="ja-JP" dirty="0"/>
-              <a:t>  For example: cross product of two homogeneous 3D vectors interpreted as line passing through two points or dual intersection point of the corresponding two dual lines  (here, projective geometry duality).</a:t>
-            </a:r>
-          </a:p>
-          <a:p>
-            <a:pPr marL="0" indent="0">
-              <a:buNone/>
-            </a:pPr>
+              <a:t> mean is the solution of the sum of the squares with relative errors:</a:t>
+            </a:r>
             <a:endParaRPr kumimoji="1" lang="ja-JP" altLang="en-US" dirty="0"/>
           </a:p>
         </p:txBody>
       </p:sp>
+      <p:pic>
+        <p:nvPicPr>
+          <p:cNvPr id="5" name="Picture 4">
+            <a:extLst>
+              <a:ext uri="{FF2B5EF4-FFF2-40B4-BE49-F238E27FC236}">
+                <a16:creationId xmlns:a16="http://schemas.microsoft.com/office/drawing/2014/main" id="{13935E09-A257-1C98-FFF7-0B0104418F04}"/>
+              </a:ext>
+            </a:extLst>
+          </p:cNvPr>
+          <p:cNvPicPr>
+            <a:picLocks noChangeAspect="1"/>
+          </p:cNvPicPr>
+          <p:nvPr/>
+        </p:nvPicPr>
+        <p:blipFill>
+          <a:blip r:embed="rId2"/>
+          <a:stretch>
+            <a:fillRect/>
+          </a:stretch>
+        </p:blipFill>
+        <p:spPr>
+          <a:xfrm>
+            <a:off x="2308188" y="2159598"/>
+            <a:ext cx="6103934" cy="1269402"/>
+          </a:xfrm>
+          <a:prstGeom prst="rect">
+            <a:avLst/>
+          </a:prstGeom>
+        </p:spPr>
+      </p:pic>
+      <p:pic>
+        <p:nvPicPr>
+          <p:cNvPr id="7" name="Picture 6">
+            <a:extLst>
+              <a:ext uri="{FF2B5EF4-FFF2-40B4-BE49-F238E27FC236}">
+                <a16:creationId xmlns:a16="http://schemas.microsoft.com/office/drawing/2014/main" id="{52095837-D1C8-2991-B464-52F7803070A7}"/>
+              </a:ext>
+            </a:extLst>
+          </p:cNvPr>
+          <p:cNvPicPr>
+            <a:picLocks noChangeAspect="1"/>
+          </p:cNvPicPr>
+          <p:nvPr/>
+        </p:nvPicPr>
+        <p:blipFill>
+          <a:blip r:embed="rId3"/>
+          <a:stretch>
+            <a:fillRect/>
+          </a:stretch>
+        </p:blipFill>
+        <p:spPr>
+          <a:xfrm>
+            <a:off x="2435004" y="4920952"/>
+            <a:ext cx="7961366" cy="1557020"/>
+          </a:xfrm>
+          <a:prstGeom prst="rect">
+            <a:avLst/>
+          </a:prstGeom>
+        </p:spPr>
+      </p:pic>
     </p:spTree>
     <p:extLst>
       <p:ext uri="{BB962C8B-B14F-4D97-AF65-F5344CB8AC3E}">
-        <p14:creationId xmlns:p14="http://schemas.microsoft.com/office/powerpoint/2010/main" val="454447113"/>
+        <p14:creationId xmlns:p14="http://schemas.microsoft.com/office/powerpoint/2010/main" val="2698045578"/>
       </p:ext>
     </p:extLst>
   </p:cSld>
@@ -5372,6 +5648,1391 @@
           <p:cNvPr id="2" name="Title 1">
             <a:extLst>
               <a:ext uri="{FF2B5EF4-FFF2-40B4-BE49-F238E27FC236}">
+                <a16:creationId xmlns:a16="http://schemas.microsoft.com/office/drawing/2014/main" id="{3FA0BC29-32E6-08AC-1E69-1E050EEA8741}"/>
+              </a:ext>
+            </a:extLst>
+          </p:cNvPr>
+          <p:cNvSpPr>
+            <a:spLocks noGrp="1"/>
+          </p:cNvSpPr>
+          <p:nvPr>
+            <p:ph type="title"/>
+          </p:nvPr>
+        </p:nvSpPr>
+        <p:spPr/>
+        <p:txBody>
+          <a:bodyPr/>
+          <a:lstStyle/>
+          <a:p>
+            <a:endParaRPr kumimoji="1" lang="ja-JP" altLang="en-US"/>
+          </a:p>
+        </p:txBody>
+      </p:sp>
+      <p:sp>
+        <p:nvSpPr>
+          <p:cNvPr id="3" name="Content Placeholder 2">
+            <a:extLst>
+              <a:ext uri="{FF2B5EF4-FFF2-40B4-BE49-F238E27FC236}">
+                <a16:creationId xmlns:a16="http://schemas.microsoft.com/office/drawing/2014/main" id="{3A577BA7-4F10-A500-C0C6-968D9CEF318D}"/>
+              </a:ext>
+            </a:extLst>
+          </p:cNvPr>
+          <p:cNvSpPr>
+            <a:spLocks noGrp="1"/>
+          </p:cNvSpPr>
+          <p:nvPr>
+            <p:ph idx="1"/>
+          </p:nvPr>
+        </p:nvSpPr>
+        <p:spPr/>
+        <p:txBody>
+          <a:bodyPr/>
+          <a:lstStyle/>
+          <a:p>
+            <a:endParaRPr kumimoji="1" lang="ja-JP" altLang="en-US"/>
+          </a:p>
+        </p:txBody>
+      </p:sp>
+      <p:sp>
+        <p:nvSpPr>
+          <p:cNvPr id="7" name="TextBox 6">
+            <a:extLst>
+              <a:ext uri="{FF2B5EF4-FFF2-40B4-BE49-F238E27FC236}">
+                <a16:creationId xmlns:a16="http://schemas.microsoft.com/office/drawing/2014/main" id="{1A5D3A62-A170-950C-BBB2-831DF26F3A0D}"/>
+              </a:ext>
+            </a:extLst>
+          </p:cNvPr>
+          <p:cNvSpPr txBox="1"/>
+          <p:nvPr/>
+        </p:nvSpPr>
+        <p:spPr>
+          <a:xfrm>
+            <a:off x="3047104" y="3247023"/>
+            <a:ext cx="6094206" cy="369332"/>
+          </a:xfrm>
+          <a:prstGeom prst="rect">
+            <a:avLst/>
+          </a:prstGeom>
+          <a:noFill/>
+        </p:spPr>
+        <p:txBody>
+          <a:bodyPr wrap="square">
+            <a:spAutoFit/>
+          </a:bodyPr>
+          <a:lstStyle/>
+          <a:p>
+            <a:r>
+              <a:rPr lang="ja-JP" altLang="en-US" dirty="0"/>
+              <a:t>Andrej Karpathy</a:t>
+            </a:r>
+          </a:p>
+        </p:txBody>
+      </p:sp>
+      <p:pic>
+        <p:nvPicPr>
+          <p:cNvPr id="1026" name="Picture 2" descr="Mathematical Foundations of Nonextensive Statistical Mechanics : Umarov,  Sabir, Constantino, Tsallis: Foreign Language Books - Amazon.co.jp">
+            <a:extLst>
+              <a:ext uri="{FF2B5EF4-FFF2-40B4-BE49-F238E27FC236}">
+                <a16:creationId xmlns:a16="http://schemas.microsoft.com/office/drawing/2014/main" id="{544E1C15-82BC-011B-E712-A5C07A4B677D}"/>
+              </a:ext>
+            </a:extLst>
+          </p:cNvPr>
+          <p:cNvPicPr>
+            <a:picLocks noChangeAspect="1" noChangeArrowheads="1"/>
+          </p:cNvPicPr>
+          <p:nvPr/>
+        </p:nvPicPr>
+        <p:blipFill>
+          <a:blip r:embed="rId2">
+            <a:extLst>
+              <a:ext uri="{28A0092B-C50C-407E-A947-70E740481C1C}">
+                <a14:useLocalDpi xmlns:a14="http://schemas.microsoft.com/office/drawing/2010/main" val="0"/>
+              </a:ext>
+            </a:extLst>
+          </a:blip>
+          <a:srcRect/>
+          <a:stretch>
+            <a:fillRect/>
+          </a:stretch>
+        </p:blipFill>
+        <p:spPr bwMode="auto">
+          <a:xfrm>
+            <a:off x="3938588" y="0"/>
+            <a:ext cx="4313237" cy="6858000"/>
+          </a:xfrm>
+          <a:prstGeom prst="rect">
+            <a:avLst/>
+          </a:prstGeom>
+          <a:noFill/>
+          <a:extLst>
+            <a:ext uri="{909E8E84-426E-40DD-AFC4-6F175D3DCCD1}">
+              <a14:hiddenFill xmlns:a14="http://schemas.microsoft.com/office/drawing/2010/main">
+                <a:solidFill>
+                  <a:srgbClr val="FFFFFF"/>
+                </a:solidFill>
+              </a14:hiddenFill>
+            </a:ext>
+          </a:extLst>
+        </p:spPr>
+      </p:pic>
+    </p:spTree>
+    <p:extLst>
+      <p:ext uri="{BB962C8B-B14F-4D97-AF65-F5344CB8AC3E}">
+        <p14:creationId xmlns:p14="http://schemas.microsoft.com/office/powerpoint/2010/main" val="3278326900"/>
+      </p:ext>
+    </p:extLst>
+  </p:cSld>
+  <p:clrMapOvr>
+    <a:masterClrMapping/>
+  </p:clrMapOvr>
+</p:sld>
+</file>
+
+<file path=ppt/slides/slide12.xml><?xml version="1.0" encoding="utf-8"?>
+<p:sld xmlns:a="http://schemas.openxmlformats.org/drawingml/2006/main" xmlns:r="http://schemas.openxmlformats.org/officeDocument/2006/relationships" xmlns:p="http://schemas.openxmlformats.org/presentationml/2006/main">
+  <p:cSld>
+    <p:spTree>
+      <p:nvGrpSpPr>
+        <p:cNvPr id="1" name=""/>
+        <p:cNvGrpSpPr/>
+        <p:nvPr/>
+      </p:nvGrpSpPr>
+      <p:grpSpPr>
+        <a:xfrm>
+          <a:off x="0" y="0"/>
+          <a:ext cx="0" cy="0"/>
+          <a:chOff x="0" y="0"/>
+          <a:chExt cx="0" cy="0"/>
+        </a:xfrm>
+      </p:grpSpPr>
+      <p:sp>
+        <p:nvSpPr>
+          <p:cNvPr id="2" name="Title 1">
+            <a:extLst>
+              <a:ext uri="{FF2B5EF4-FFF2-40B4-BE49-F238E27FC236}">
+                <a16:creationId xmlns:a16="http://schemas.microsoft.com/office/drawing/2014/main" id="{5F33BE79-287F-F1E0-E9A1-3DC661D30441}"/>
+              </a:ext>
+            </a:extLst>
+          </p:cNvPr>
+          <p:cNvSpPr>
+            <a:spLocks noGrp="1"/>
+          </p:cNvSpPr>
+          <p:nvPr>
+            <p:ph type="title"/>
+          </p:nvPr>
+        </p:nvSpPr>
+        <p:spPr/>
+        <p:txBody>
+          <a:bodyPr/>
+          <a:lstStyle/>
+          <a:p>
+            <a:endParaRPr kumimoji="1" lang="ja-JP" altLang="en-US"/>
+          </a:p>
+        </p:txBody>
+      </p:sp>
+      <p:sp>
+        <p:nvSpPr>
+          <p:cNvPr id="3" name="Content Placeholder 2">
+            <a:extLst>
+              <a:ext uri="{FF2B5EF4-FFF2-40B4-BE49-F238E27FC236}">
+                <a16:creationId xmlns:a16="http://schemas.microsoft.com/office/drawing/2014/main" id="{BD1C5F32-B835-D7AB-B64E-E9E01C1F1793}"/>
+              </a:ext>
+            </a:extLst>
+          </p:cNvPr>
+          <p:cNvSpPr>
+            <a:spLocks noGrp="1"/>
+          </p:cNvSpPr>
+          <p:nvPr>
+            <p:ph idx="1"/>
+          </p:nvPr>
+        </p:nvSpPr>
+        <p:spPr/>
+        <p:txBody>
+          <a:bodyPr/>
+          <a:lstStyle/>
+          <a:p>
+            <a:endParaRPr kumimoji="1" lang="ja-JP" altLang="en-US" dirty="0"/>
+          </a:p>
+        </p:txBody>
+      </p:sp>
+      <p:pic>
+        <p:nvPicPr>
+          <p:cNvPr id="1026" name="Picture 2">
+            <a:extLst>
+              <a:ext uri="{FF2B5EF4-FFF2-40B4-BE49-F238E27FC236}">
+                <a16:creationId xmlns:a16="http://schemas.microsoft.com/office/drawing/2014/main" id="{E8E1EF77-1537-3746-6970-0A24C98AEBF5}"/>
+              </a:ext>
+            </a:extLst>
+          </p:cNvPr>
+          <p:cNvPicPr>
+            <a:picLocks noChangeAspect="1" noChangeArrowheads="1"/>
+          </p:cNvPicPr>
+          <p:nvPr/>
+        </p:nvPicPr>
+        <p:blipFill>
+          <a:blip r:embed="rId2">
+            <a:extLst>
+              <a:ext uri="{28A0092B-C50C-407E-A947-70E740481C1C}">
+                <a14:useLocalDpi xmlns:a14="http://schemas.microsoft.com/office/drawing/2010/main" val="0"/>
+              </a:ext>
+            </a:extLst>
+          </a:blip>
+          <a:srcRect/>
+          <a:stretch>
+            <a:fillRect/>
+          </a:stretch>
+        </p:blipFill>
+        <p:spPr bwMode="auto">
+          <a:xfrm>
+            <a:off x="355002" y="214940"/>
+            <a:ext cx="2290108" cy="3313218"/>
+          </a:xfrm>
+          <a:prstGeom prst="rect">
+            <a:avLst/>
+          </a:prstGeom>
+          <a:noFill/>
+          <a:extLst>
+            <a:ext uri="{909E8E84-426E-40DD-AFC4-6F175D3DCCD1}">
+              <a14:hiddenFill xmlns:a14="http://schemas.microsoft.com/office/drawing/2010/main">
+                <a:solidFill>
+                  <a:srgbClr val="FFFFFF"/>
+                </a:solidFill>
+              </a14:hiddenFill>
+            </a:ext>
+          </a:extLst>
+        </p:spPr>
+      </p:pic>
+      <p:pic>
+        <p:nvPicPr>
+          <p:cNvPr id="1028" name="Picture 4">
+            <a:extLst>
+              <a:ext uri="{FF2B5EF4-FFF2-40B4-BE49-F238E27FC236}">
+                <a16:creationId xmlns:a16="http://schemas.microsoft.com/office/drawing/2014/main" id="{869FD3FC-AA72-3E95-6D32-9BA0C95C81A4}"/>
+              </a:ext>
+            </a:extLst>
+          </p:cNvPr>
+          <p:cNvPicPr>
+            <a:picLocks noChangeAspect="1" noChangeArrowheads="1"/>
+          </p:cNvPicPr>
+          <p:nvPr/>
+        </p:nvPicPr>
+        <p:blipFill>
+          <a:blip r:embed="rId3">
+            <a:extLst>
+              <a:ext uri="{28A0092B-C50C-407E-A947-70E740481C1C}">
+                <a14:useLocalDpi xmlns:a14="http://schemas.microsoft.com/office/drawing/2010/main" val="0"/>
+              </a:ext>
+            </a:extLst>
+          </a:blip>
+          <a:srcRect/>
+          <a:stretch>
+            <a:fillRect/>
+          </a:stretch>
+        </p:blipFill>
+        <p:spPr bwMode="auto">
+          <a:xfrm>
+            <a:off x="3491299" y="268154"/>
+            <a:ext cx="2067449" cy="3146612"/>
+          </a:xfrm>
+          <a:prstGeom prst="rect">
+            <a:avLst/>
+          </a:prstGeom>
+          <a:noFill/>
+          <a:extLst>
+            <a:ext uri="{909E8E84-426E-40DD-AFC4-6F175D3DCCD1}">
+              <a14:hiddenFill xmlns:a14="http://schemas.microsoft.com/office/drawing/2010/main">
+                <a:solidFill>
+                  <a:srgbClr val="FFFFFF"/>
+                </a:solidFill>
+              </a14:hiddenFill>
+            </a:ext>
+          </a:extLst>
+        </p:spPr>
+      </p:pic>
+      <p:pic>
+        <p:nvPicPr>
+          <p:cNvPr id="1030" name="Picture 6" descr="Cover book the Shallow and the Deep">
+            <a:extLst>
+              <a:ext uri="{FF2B5EF4-FFF2-40B4-BE49-F238E27FC236}">
+                <a16:creationId xmlns:a16="http://schemas.microsoft.com/office/drawing/2014/main" id="{4C31EA6B-35D8-7386-2F1F-4CC879758525}"/>
+              </a:ext>
+            </a:extLst>
+          </p:cNvPr>
+          <p:cNvPicPr>
+            <a:picLocks noChangeAspect="1" noChangeArrowheads="1"/>
+          </p:cNvPicPr>
+          <p:nvPr/>
+        </p:nvPicPr>
+        <p:blipFill>
+          <a:blip r:embed="rId4">
+            <a:extLst>
+              <a:ext uri="{28A0092B-C50C-407E-A947-70E740481C1C}">
+                <a14:useLocalDpi xmlns:a14="http://schemas.microsoft.com/office/drawing/2010/main" val="0"/>
+              </a:ext>
+            </a:extLst>
+          </a:blip>
+          <a:srcRect/>
+          <a:stretch>
+            <a:fillRect/>
+          </a:stretch>
+        </p:blipFill>
+        <p:spPr bwMode="auto">
+          <a:xfrm>
+            <a:off x="6404571" y="214940"/>
+            <a:ext cx="2180322" cy="3085156"/>
+          </a:xfrm>
+          <a:prstGeom prst="rect">
+            <a:avLst/>
+          </a:prstGeom>
+          <a:noFill/>
+          <a:extLst>
+            <a:ext uri="{909E8E84-426E-40DD-AFC4-6F175D3DCCD1}">
+              <a14:hiddenFill xmlns:a14="http://schemas.microsoft.com/office/drawing/2010/main">
+                <a:solidFill>
+                  <a:srgbClr val="FFFFFF"/>
+                </a:solidFill>
+              </a14:hiddenFill>
+            </a:ext>
+          </a:extLst>
+        </p:spPr>
+      </p:pic>
+      <p:pic>
+        <p:nvPicPr>
+          <p:cNvPr id="1032" name="Picture 8">
+            <a:extLst>
+              <a:ext uri="{FF2B5EF4-FFF2-40B4-BE49-F238E27FC236}">
+                <a16:creationId xmlns:a16="http://schemas.microsoft.com/office/drawing/2014/main" id="{BEAF9420-7EC0-0DC9-3B66-22A45F3C4B6B}"/>
+              </a:ext>
+            </a:extLst>
+          </p:cNvPr>
+          <p:cNvPicPr>
+            <a:picLocks noChangeAspect="1" noChangeArrowheads="1"/>
+          </p:cNvPicPr>
+          <p:nvPr/>
+        </p:nvPicPr>
+        <p:blipFill>
+          <a:blip r:embed="rId5">
+            <a:extLst>
+              <a:ext uri="{28A0092B-C50C-407E-A947-70E740481C1C}">
+                <a14:useLocalDpi xmlns:a14="http://schemas.microsoft.com/office/drawing/2010/main" val="0"/>
+              </a:ext>
+            </a:extLst>
+          </a:blip>
+          <a:srcRect/>
+          <a:stretch>
+            <a:fillRect/>
+          </a:stretch>
+        </p:blipFill>
+        <p:spPr bwMode="auto">
+          <a:xfrm>
+            <a:off x="9472879" y="348605"/>
+            <a:ext cx="2058640" cy="3085156"/>
+          </a:xfrm>
+          <a:prstGeom prst="rect">
+            <a:avLst/>
+          </a:prstGeom>
+          <a:noFill/>
+          <a:extLst>
+            <a:ext uri="{909E8E84-426E-40DD-AFC4-6F175D3DCCD1}">
+              <a14:hiddenFill xmlns:a14="http://schemas.microsoft.com/office/drawing/2010/main">
+                <a:solidFill>
+                  <a:srgbClr val="FFFFFF"/>
+                </a:solidFill>
+              </a14:hiddenFill>
+            </a:ext>
+          </a:extLst>
+        </p:spPr>
+      </p:pic>
+      <p:pic>
+        <p:nvPicPr>
+          <p:cNvPr id="1034" name="Picture 10">
+            <a:extLst>
+              <a:ext uri="{FF2B5EF4-FFF2-40B4-BE49-F238E27FC236}">
+                <a16:creationId xmlns:a16="http://schemas.microsoft.com/office/drawing/2014/main" id="{B6349382-C08D-FB12-28F5-0EEB161D7652}"/>
+              </a:ext>
+            </a:extLst>
+          </p:cNvPr>
+          <p:cNvPicPr>
+            <a:picLocks noChangeAspect="1" noChangeArrowheads="1"/>
+          </p:cNvPicPr>
+          <p:nvPr/>
+        </p:nvPicPr>
+        <p:blipFill>
+          <a:blip r:embed="rId6">
+            <a:extLst>
+              <a:ext uri="{28A0092B-C50C-407E-A947-70E740481C1C}">
+                <a14:useLocalDpi xmlns:a14="http://schemas.microsoft.com/office/drawing/2010/main" val="0"/>
+              </a:ext>
+            </a:extLst>
+          </a:blip>
+          <a:srcRect/>
+          <a:stretch>
+            <a:fillRect/>
+          </a:stretch>
+        </p:blipFill>
+        <p:spPr bwMode="auto">
+          <a:xfrm>
+            <a:off x="7781589" y="3607377"/>
+            <a:ext cx="2420285" cy="2993511"/>
+          </a:xfrm>
+          <a:prstGeom prst="rect">
+            <a:avLst/>
+          </a:prstGeom>
+          <a:noFill/>
+          <a:extLst>
+            <a:ext uri="{909E8E84-426E-40DD-AFC4-6F175D3DCCD1}">
+              <a14:hiddenFill xmlns:a14="http://schemas.microsoft.com/office/drawing/2010/main">
+                <a:solidFill>
+                  <a:srgbClr val="FFFFFF"/>
+                </a:solidFill>
+              </a14:hiddenFill>
+            </a:ext>
+          </a:extLst>
+        </p:spPr>
+      </p:pic>
+      <p:pic>
+        <p:nvPicPr>
+          <p:cNvPr id="1036" name="Picture 12">
+            <a:extLst>
+              <a:ext uri="{FF2B5EF4-FFF2-40B4-BE49-F238E27FC236}">
+                <a16:creationId xmlns:a16="http://schemas.microsoft.com/office/drawing/2014/main" id="{FFD4C5AA-B16F-2F9C-44BE-97F9A54338C0}"/>
+              </a:ext>
+            </a:extLst>
+          </p:cNvPr>
+          <p:cNvPicPr>
+            <a:picLocks noChangeAspect="1" noChangeArrowheads="1"/>
+          </p:cNvPicPr>
+          <p:nvPr/>
+        </p:nvPicPr>
+        <p:blipFill>
+          <a:blip r:embed="rId7">
+            <a:extLst>
+              <a:ext uri="{28A0092B-C50C-407E-A947-70E740481C1C}">
+                <a14:useLocalDpi xmlns:a14="http://schemas.microsoft.com/office/drawing/2010/main" val="0"/>
+              </a:ext>
+            </a:extLst>
+          </a:blip>
+          <a:srcRect/>
+          <a:stretch>
+            <a:fillRect/>
+          </a:stretch>
+        </p:blipFill>
+        <p:spPr bwMode="auto">
+          <a:xfrm>
+            <a:off x="4898649" y="3528158"/>
+            <a:ext cx="1944052" cy="3146612"/>
+          </a:xfrm>
+          <a:prstGeom prst="rect">
+            <a:avLst/>
+          </a:prstGeom>
+          <a:noFill/>
+          <a:extLst>
+            <a:ext uri="{909E8E84-426E-40DD-AFC4-6F175D3DCCD1}">
+              <a14:hiddenFill xmlns:a14="http://schemas.microsoft.com/office/drawing/2010/main">
+                <a:solidFill>
+                  <a:srgbClr val="FFFFFF"/>
+                </a:solidFill>
+              </a14:hiddenFill>
+            </a:ext>
+          </a:extLst>
+        </p:spPr>
+      </p:pic>
+      <p:pic>
+        <p:nvPicPr>
+          <p:cNvPr id="1038" name="Picture 14" descr="front cover">
+            <a:extLst>
+              <a:ext uri="{FF2B5EF4-FFF2-40B4-BE49-F238E27FC236}">
+                <a16:creationId xmlns:a16="http://schemas.microsoft.com/office/drawing/2014/main" id="{9A8537B1-AC44-E732-DE9E-58997F4CCC44}"/>
+              </a:ext>
+            </a:extLst>
+          </p:cNvPr>
+          <p:cNvPicPr>
+            <a:picLocks noChangeAspect="1" noChangeArrowheads="1"/>
+          </p:cNvPicPr>
+          <p:nvPr/>
+        </p:nvPicPr>
+        <p:blipFill>
+          <a:blip r:embed="rId8">
+            <a:extLst>
+              <a:ext uri="{28A0092B-C50C-407E-A947-70E740481C1C}">
+                <a14:useLocalDpi xmlns:a14="http://schemas.microsoft.com/office/drawing/2010/main" val="0"/>
+              </a:ext>
+            </a:extLst>
+          </a:blip>
+          <a:srcRect/>
+          <a:stretch>
+            <a:fillRect/>
+          </a:stretch>
+        </p:blipFill>
+        <p:spPr bwMode="auto">
+          <a:xfrm>
+            <a:off x="1153625" y="3517075"/>
+            <a:ext cx="2982969" cy="3340925"/>
+          </a:xfrm>
+          <a:prstGeom prst="rect">
+            <a:avLst/>
+          </a:prstGeom>
+          <a:noFill/>
+          <a:extLst>
+            <a:ext uri="{909E8E84-426E-40DD-AFC4-6F175D3DCCD1}">
+              <a14:hiddenFill xmlns:a14="http://schemas.microsoft.com/office/drawing/2010/main">
+                <a:solidFill>
+                  <a:srgbClr val="FFFFFF"/>
+                </a:solidFill>
+              </a14:hiddenFill>
+            </a:ext>
+          </a:extLst>
+        </p:spPr>
+      </p:pic>
+    </p:spTree>
+    <p:extLst>
+      <p:ext uri="{BB962C8B-B14F-4D97-AF65-F5344CB8AC3E}">
+        <p14:creationId xmlns:p14="http://schemas.microsoft.com/office/powerpoint/2010/main" val="1443018924"/>
+      </p:ext>
+    </p:extLst>
+  </p:cSld>
+  <p:clrMapOvr>
+    <a:masterClrMapping/>
+  </p:clrMapOvr>
+</p:sld>
+</file>
+
+<file path=ppt/slides/slide13.xml><?xml version="1.0" encoding="utf-8"?>
+<p:sld xmlns:a="http://schemas.openxmlformats.org/drawingml/2006/main" xmlns:r="http://schemas.openxmlformats.org/officeDocument/2006/relationships" xmlns:p="http://schemas.openxmlformats.org/presentationml/2006/main">
+  <p:cSld>
+    <p:spTree>
+      <p:nvGrpSpPr>
+        <p:cNvPr id="1" name=""/>
+        <p:cNvGrpSpPr/>
+        <p:nvPr/>
+      </p:nvGrpSpPr>
+      <p:grpSpPr>
+        <a:xfrm>
+          <a:off x="0" y="0"/>
+          <a:ext cx="0" cy="0"/>
+          <a:chOff x="0" y="0"/>
+          <a:chExt cx="0" cy="0"/>
+        </a:xfrm>
+      </p:grpSpPr>
+      <p:sp>
+        <p:nvSpPr>
+          <p:cNvPr id="2" name="Title 1">
+            <a:extLst>
+              <a:ext uri="{FF2B5EF4-FFF2-40B4-BE49-F238E27FC236}">
+                <a16:creationId xmlns:a16="http://schemas.microsoft.com/office/drawing/2014/main" id="{1CC3642B-9742-5616-9937-0466314270FA}"/>
+              </a:ext>
+            </a:extLst>
+          </p:cNvPr>
+          <p:cNvSpPr>
+            <a:spLocks noGrp="1"/>
+          </p:cNvSpPr>
+          <p:nvPr>
+            <p:ph type="title"/>
+          </p:nvPr>
+        </p:nvSpPr>
+        <p:spPr>
+          <a:xfrm>
+            <a:off x="219966" y="-273488"/>
+            <a:ext cx="11752068" cy="1325563"/>
+          </a:xfrm>
+        </p:spPr>
+        <p:txBody>
+          <a:bodyPr>
+            <a:normAutofit/>
+          </a:bodyPr>
+          <a:lstStyle/>
+          <a:p>
+            <a:r>
+              <a:rPr kumimoji="1" lang="en-US" altLang="ja-JP" sz="3600" b="1" dirty="0">
+                <a:solidFill>
+                  <a:schemeClr val="accent5"/>
+                </a:solidFill>
+              </a:rPr>
+              <a:t>Hessian manifolds, Hessian geometry, Bregman geometry</a:t>
+            </a:r>
+            <a:endParaRPr kumimoji="1" lang="ja-JP" altLang="en-US" sz="3600" b="1" dirty="0">
+              <a:solidFill>
+                <a:schemeClr val="accent5"/>
+              </a:solidFill>
+            </a:endParaRPr>
+          </a:p>
+        </p:txBody>
+      </p:sp>
+      <p:pic>
+        <p:nvPicPr>
+          <p:cNvPr id="5" name="Content Placeholder 4" descr="A book cover with text&#10;&#10;Description automatically generated">
+            <a:extLst>
+              <a:ext uri="{FF2B5EF4-FFF2-40B4-BE49-F238E27FC236}">
+                <a16:creationId xmlns:a16="http://schemas.microsoft.com/office/drawing/2014/main" id="{D048D31E-7654-8254-FA04-F9748BFF69AF}"/>
+              </a:ext>
+            </a:extLst>
+          </p:cNvPr>
+          <p:cNvPicPr>
+            <a:picLocks noGrp="1" noChangeAspect="1"/>
+          </p:cNvPicPr>
+          <p:nvPr>
+            <p:ph idx="1"/>
+          </p:nvPr>
+        </p:nvPicPr>
+        <p:blipFill>
+          <a:blip r:embed="rId3">
+            <a:extLst>
+              <a:ext uri="{28A0092B-C50C-407E-A947-70E740481C1C}">
+                <a14:useLocalDpi xmlns:a14="http://schemas.microsoft.com/office/drawing/2010/main" val="0"/>
+              </a:ext>
+            </a:extLst>
+          </a:blip>
+          <a:stretch>
+            <a:fillRect/>
+          </a:stretch>
+        </p:blipFill>
+        <p:spPr>
+          <a:xfrm>
+            <a:off x="772098" y="2025615"/>
+            <a:ext cx="2577158" cy="3655544"/>
+          </a:xfrm>
+        </p:spPr>
+      </p:pic>
+      <p:sp>
+        <p:nvSpPr>
+          <p:cNvPr id="6" name="TextBox 5">
+            <a:extLst>
+              <a:ext uri="{FF2B5EF4-FFF2-40B4-BE49-F238E27FC236}">
+                <a16:creationId xmlns:a16="http://schemas.microsoft.com/office/drawing/2014/main" id="{95C7AD0D-A17F-006E-8AC8-E7411C575379}"/>
+              </a:ext>
+            </a:extLst>
+          </p:cNvPr>
+          <p:cNvSpPr txBox="1"/>
+          <p:nvPr/>
+        </p:nvSpPr>
+        <p:spPr>
+          <a:xfrm>
+            <a:off x="219966" y="772497"/>
+            <a:ext cx="12067727" cy="1477328"/>
+          </a:xfrm>
+          <a:prstGeom prst="rect">
+            <a:avLst/>
+          </a:prstGeom>
+          <a:noFill/>
+        </p:spPr>
+        <p:txBody>
+          <a:bodyPr wrap="none" rtlCol="0">
+            <a:spAutoFit/>
+          </a:bodyPr>
+          <a:lstStyle/>
+          <a:p>
+            <a:r>
+              <a:rPr kumimoji="1" lang="en-US" altLang="ja-JP" b="1" dirty="0">
+                <a:solidFill>
+                  <a:srgbClr val="FF0000"/>
+                </a:solidFill>
+              </a:rPr>
+              <a:t>Hessian structure </a:t>
+            </a:r>
+            <a:r>
+              <a:rPr kumimoji="1" lang="en-US" altLang="ja-JP" dirty="0"/>
+              <a:t>on a manifold:  </a:t>
+            </a:r>
+            <a:r>
+              <a:rPr kumimoji="1" lang="en-US" altLang="ja-JP" b="1" dirty="0">
+                <a:latin typeface="+mj-lt"/>
+              </a:rPr>
+              <a:t>(g,</a:t>
+            </a:r>
+            <a:r>
+              <a:rPr lang="ja-JP" altLang="en-US" b="1" i="0" dirty="0">
+                <a:effectLst/>
+                <a:latin typeface="+mj-lt"/>
+              </a:rPr>
+              <a:t> ∇</a:t>
+            </a:r>
+            <a:r>
+              <a:rPr kumimoji="1" lang="en-US" altLang="ja-JP" b="1" dirty="0">
+                <a:latin typeface="+mj-lt"/>
+              </a:rPr>
+              <a:t>) </a:t>
+            </a:r>
+            <a:r>
+              <a:rPr kumimoji="1" lang="en-US" altLang="ja-JP" dirty="0"/>
+              <a:t>where g is a Hessian metric tensor and a torsion-free flat connection</a:t>
+            </a:r>
+            <a:r>
+              <a:rPr lang="ja-JP" altLang="en-US" b="1" i="0" dirty="0">
+                <a:effectLst/>
+                <a:latin typeface="+mj-lt"/>
+              </a:rPr>
+              <a:t> ∇</a:t>
+            </a:r>
+            <a:endParaRPr kumimoji="1" lang="en-US" altLang="ja-JP" dirty="0"/>
+          </a:p>
+          <a:p>
+            <a:r>
+              <a:rPr lang="en-US" altLang="ja-JP" dirty="0"/>
+              <a:t>To every chart there is a </a:t>
+            </a:r>
+            <a:r>
+              <a:rPr lang="en-US" altLang="ja-JP" b="1" dirty="0">
+                <a:solidFill>
+                  <a:srgbClr val="FF0000"/>
+                </a:solidFill>
+              </a:rPr>
+              <a:t>potential function </a:t>
+            </a:r>
+            <a:r>
+              <a:rPr lang="en-US" altLang="ja-JP" dirty="0"/>
+              <a:t>defining the Hessian metric in local coordinates of the chart</a:t>
+            </a:r>
+          </a:p>
+          <a:p>
+            <a:r>
+              <a:rPr kumimoji="1" lang="en-US" altLang="ja-JP" dirty="0"/>
+              <a:t>Hessian </a:t>
+            </a:r>
+            <a:r>
+              <a:rPr lang="en-US" altLang="ja-JP" dirty="0"/>
+              <a:t>manifolds are special </a:t>
+            </a:r>
+            <a:r>
+              <a:rPr lang="en-US" altLang="ja-JP" b="1" dirty="0">
+                <a:solidFill>
+                  <a:srgbClr val="FF0000"/>
+                </a:solidFill>
+              </a:rPr>
+              <a:t>affine manifolds </a:t>
+            </a:r>
+            <a:r>
+              <a:rPr lang="en-US" altLang="ja-JP" dirty="0"/>
+              <a:t>(M,</a:t>
+            </a:r>
+            <a:r>
+              <a:rPr lang="ja-JP" altLang="en-US" b="1" i="0" dirty="0">
+                <a:effectLst/>
+                <a:latin typeface="+mj-lt"/>
+              </a:rPr>
+              <a:t> ∇</a:t>
+            </a:r>
+            <a:r>
+              <a:rPr kumimoji="1" lang="en-US" altLang="ja-JP" b="1" dirty="0">
+                <a:latin typeface="+mj-lt"/>
+              </a:rPr>
+              <a:t>) </a:t>
+            </a:r>
+            <a:r>
+              <a:rPr kumimoji="1" lang="en-US" altLang="ja-JP" dirty="0">
+                <a:latin typeface="+mj-lt"/>
+              </a:rPr>
+              <a:t>where </a:t>
+            </a:r>
+            <a:r>
+              <a:rPr lang="ja-JP" altLang="en-US" i="0" dirty="0">
+                <a:effectLst/>
+                <a:latin typeface="+mj-lt"/>
+              </a:rPr>
+              <a:t>∇ </a:t>
+            </a:r>
+            <a:r>
+              <a:rPr lang="en-US" altLang="ja-JP" i="0" dirty="0">
+                <a:effectLst/>
+                <a:latin typeface="+mj-lt"/>
+              </a:rPr>
+              <a:t>is </a:t>
+            </a:r>
+            <a:r>
+              <a:rPr kumimoji="1" lang="en-US" altLang="ja-JP" dirty="0"/>
+              <a:t>a torsion-free flat connection</a:t>
+            </a:r>
+          </a:p>
+          <a:p>
+            <a:r>
+              <a:rPr lang="en-US" altLang="ja-JP" dirty="0"/>
+              <a:t>A Bregman divergence induces a Hessian manifold with a global chart, a </a:t>
+            </a:r>
+            <a:r>
+              <a:rPr lang="en-US" altLang="ja-JP" b="1" dirty="0">
+                <a:solidFill>
+                  <a:srgbClr val="FF0000"/>
+                </a:solidFill>
+              </a:rPr>
+              <a:t>Bregman manifold</a:t>
+            </a:r>
+            <a:endParaRPr kumimoji="1" lang="en-US" altLang="ja-JP" b="1" dirty="0">
+              <a:solidFill>
+                <a:srgbClr val="FF0000"/>
+              </a:solidFill>
+            </a:endParaRPr>
+          </a:p>
+          <a:p>
+            <a:endParaRPr kumimoji="1" lang="ja-JP" altLang="en-US" dirty="0"/>
+          </a:p>
+        </p:txBody>
+      </p:sp>
+      <p:pic>
+        <p:nvPicPr>
+          <p:cNvPr id="1026" name="Picture 2" descr="The Geometry of Hessian Structures: Shima, Hirohiko: 9789812700315:  Amazon.com: Books">
+            <a:extLst>
+              <a:ext uri="{FF2B5EF4-FFF2-40B4-BE49-F238E27FC236}">
+                <a16:creationId xmlns:a16="http://schemas.microsoft.com/office/drawing/2014/main" id="{4270141D-62DE-8996-E8BA-9560EC07568B}"/>
+              </a:ext>
+            </a:extLst>
+          </p:cNvPr>
+          <p:cNvPicPr>
+            <a:picLocks noChangeAspect="1" noChangeArrowheads="1"/>
+          </p:cNvPicPr>
+          <p:nvPr/>
+        </p:nvPicPr>
+        <p:blipFill>
+          <a:blip r:embed="rId4">
+            <a:extLst>
+              <a:ext uri="{28A0092B-C50C-407E-A947-70E740481C1C}">
+                <a14:useLocalDpi xmlns:a14="http://schemas.microsoft.com/office/drawing/2010/main" val="0"/>
+              </a:ext>
+            </a:extLst>
+          </a:blip>
+          <a:srcRect/>
+          <a:stretch>
+            <a:fillRect/>
+          </a:stretch>
+        </p:blipFill>
+        <p:spPr bwMode="auto">
+          <a:xfrm>
+            <a:off x="4869651" y="1990611"/>
+            <a:ext cx="2504871" cy="3716018"/>
+          </a:xfrm>
+          <a:prstGeom prst="rect">
+            <a:avLst/>
+          </a:prstGeom>
+          <a:noFill/>
+          <a:extLst>
+            <a:ext uri="{909E8E84-426E-40DD-AFC4-6F175D3DCCD1}">
+              <a14:hiddenFill xmlns:a14="http://schemas.microsoft.com/office/drawing/2010/main">
+                <a:solidFill>
+                  <a:srgbClr val="FFFFFF"/>
+                </a:solidFill>
+              </a14:hiddenFill>
+            </a:ext>
+          </a:extLst>
+        </p:spPr>
+      </p:pic>
+      <p:sp>
+        <p:nvSpPr>
+          <p:cNvPr id="8" name="TextBox 7">
+            <a:extLst>
+              <a:ext uri="{FF2B5EF4-FFF2-40B4-BE49-F238E27FC236}">
+                <a16:creationId xmlns:a16="http://schemas.microsoft.com/office/drawing/2014/main" id="{9896DFD9-206F-9197-815E-92946154232B}"/>
+              </a:ext>
+            </a:extLst>
+          </p:cNvPr>
+          <p:cNvSpPr txBox="1"/>
+          <p:nvPr/>
+        </p:nvSpPr>
+        <p:spPr>
+          <a:xfrm>
+            <a:off x="0" y="5716171"/>
+            <a:ext cx="6182832" cy="369332"/>
+          </a:xfrm>
+          <a:prstGeom prst="rect">
+            <a:avLst/>
+          </a:prstGeom>
+          <a:noFill/>
+        </p:spPr>
+        <p:txBody>
+          <a:bodyPr wrap="square">
+            <a:spAutoFit/>
+          </a:bodyPr>
+          <a:lstStyle/>
+          <a:p>
+            <a:r>
+              <a:rPr lang="ja-JP" altLang="en-US" dirty="0"/>
+              <a:t>志摩裕彦, へッセ幾何学， 裳華房， 2001</a:t>
+            </a:r>
+          </a:p>
+        </p:txBody>
+      </p:sp>
+      <p:sp>
+        <p:nvSpPr>
+          <p:cNvPr id="10" name="TextBox 9">
+            <a:extLst>
+              <a:ext uri="{FF2B5EF4-FFF2-40B4-BE49-F238E27FC236}">
+                <a16:creationId xmlns:a16="http://schemas.microsoft.com/office/drawing/2014/main" id="{A35B527E-ECB8-8DAB-CB88-FAE7BC8F0082}"/>
+              </a:ext>
+            </a:extLst>
+          </p:cNvPr>
+          <p:cNvSpPr txBox="1"/>
+          <p:nvPr/>
+        </p:nvSpPr>
+        <p:spPr>
+          <a:xfrm>
+            <a:off x="4656286" y="5751243"/>
+            <a:ext cx="7860119" cy="369332"/>
+          </a:xfrm>
+          <a:prstGeom prst="rect">
+            <a:avLst/>
+          </a:prstGeom>
+          <a:noFill/>
+        </p:spPr>
+        <p:txBody>
+          <a:bodyPr wrap="square">
+            <a:spAutoFit/>
+          </a:bodyPr>
+          <a:lstStyle/>
+          <a:p>
+            <a:r>
+              <a:rPr lang="en-US" altLang="ja-JP" b="0" i="0" dirty="0">
+                <a:solidFill>
+                  <a:srgbClr val="222222"/>
+                </a:solidFill>
+                <a:effectLst/>
+                <a:latin typeface="+mj-lt"/>
+              </a:rPr>
+              <a:t>Shima, </a:t>
+            </a:r>
+            <a:r>
+              <a:rPr lang="en-US" altLang="ja-JP" b="0" i="0" dirty="0" err="1">
+                <a:solidFill>
+                  <a:srgbClr val="222222"/>
+                </a:solidFill>
+                <a:effectLst/>
+                <a:latin typeface="+mj-lt"/>
+              </a:rPr>
+              <a:t>Hirohiko</a:t>
+            </a:r>
+            <a:r>
+              <a:rPr lang="en-US" altLang="ja-JP" b="0" i="0" dirty="0">
+                <a:solidFill>
+                  <a:srgbClr val="222222"/>
+                </a:solidFill>
+                <a:effectLst/>
+                <a:latin typeface="+mj-lt"/>
+              </a:rPr>
+              <a:t>. </a:t>
+            </a:r>
+            <a:r>
+              <a:rPr lang="en-US" altLang="ja-JP" b="0" i="1" dirty="0">
+                <a:solidFill>
+                  <a:srgbClr val="222222"/>
+                </a:solidFill>
+                <a:effectLst/>
+                <a:latin typeface="+mj-lt"/>
+              </a:rPr>
+              <a:t>The geometry of Hessian structures</a:t>
+            </a:r>
+            <a:r>
+              <a:rPr lang="en-US" altLang="ja-JP" b="0" i="0" dirty="0">
+                <a:solidFill>
+                  <a:srgbClr val="222222"/>
+                </a:solidFill>
+                <a:effectLst/>
+                <a:latin typeface="+mj-lt"/>
+              </a:rPr>
+              <a:t>. World Scientific, 2007.</a:t>
+            </a:r>
+            <a:endParaRPr lang="ja-JP" altLang="en-US" dirty="0">
+              <a:latin typeface="+mj-lt"/>
+            </a:endParaRPr>
+          </a:p>
+        </p:txBody>
+      </p:sp>
+      <p:pic>
+        <p:nvPicPr>
+          <p:cNvPr id="1028" name="Picture 4" descr="Jean-Louis Koszul and Hirihiko Shima at GSI'13 “Geometric Science of... |  Download Scientific Diagram">
+            <a:extLst>
+              <a:ext uri="{FF2B5EF4-FFF2-40B4-BE49-F238E27FC236}">
+                <a16:creationId xmlns:a16="http://schemas.microsoft.com/office/drawing/2014/main" id="{531CC6B4-2CF9-4BBC-DF59-40E0E72095B9}"/>
+              </a:ext>
+            </a:extLst>
+          </p:cNvPr>
+          <p:cNvPicPr>
+            <a:picLocks noChangeAspect="1" noChangeArrowheads="1"/>
+          </p:cNvPicPr>
+          <p:nvPr/>
+        </p:nvPicPr>
+        <p:blipFill>
+          <a:blip r:embed="rId5">
+            <a:extLst>
+              <a:ext uri="{28A0092B-C50C-407E-A947-70E740481C1C}">
+                <a14:useLocalDpi xmlns:a14="http://schemas.microsoft.com/office/drawing/2010/main" val="0"/>
+              </a:ext>
+            </a:extLst>
+          </a:blip>
+          <a:srcRect/>
+          <a:stretch>
+            <a:fillRect/>
+          </a:stretch>
+        </p:blipFill>
+        <p:spPr bwMode="auto">
+          <a:xfrm>
+            <a:off x="8153050" y="2025614"/>
+            <a:ext cx="3704165" cy="2780302"/>
+          </a:xfrm>
+          <a:prstGeom prst="rect">
+            <a:avLst/>
+          </a:prstGeom>
+          <a:noFill/>
+          <a:extLst>
+            <a:ext uri="{909E8E84-426E-40DD-AFC4-6F175D3DCCD1}">
+              <a14:hiddenFill xmlns:a14="http://schemas.microsoft.com/office/drawing/2010/main">
+                <a:solidFill>
+                  <a:srgbClr val="FFFFFF"/>
+                </a:solidFill>
+              </a14:hiddenFill>
+            </a:ext>
+          </a:extLst>
+        </p:spPr>
+      </p:pic>
+      <p:sp>
+        <p:nvSpPr>
+          <p:cNvPr id="11" name="TextBox 10">
+            <a:extLst>
+              <a:ext uri="{FF2B5EF4-FFF2-40B4-BE49-F238E27FC236}">
+                <a16:creationId xmlns:a16="http://schemas.microsoft.com/office/drawing/2014/main" id="{C1FE3A9D-DC74-5C90-F7BB-77EFD2367579}"/>
+              </a:ext>
+            </a:extLst>
+          </p:cNvPr>
+          <p:cNvSpPr txBox="1"/>
+          <p:nvPr/>
+        </p:nvSpPr>
+        <p:spPr>
+          <a:xfrm>
+            <a:off x="8303384" y="4893919"/>
+            <a:ext cx="3403496" cy="861774"/>
+          </a:xfrm>
+          <a:prstGeom prst="rect">
+            <a:avLst/>
+          </a:prstGeom>
+          <a:noFill/>
+        </p:spPr>
+        <p:txBody>
+          <a:bodyPr wrap="none" rtlCol="0">
+            <a:spAutoFit/>
+          </a:bodyPr>
+          <a:lstStyle/>
+          <a:p>
+            <a:pPr algn="ctr"/>
+            <a:r>
+              <a:rPr kumimoji="1" lang="en-US" altLang="ja-JP" sz="1600" dirty="0"/>
+              <a:t>Professor Jean-Louis </a:t>
+            </a:r>
+            <a:r>
+              <a:rPr kumimoji="1" lang="en-US" altLang="ja-JP" sz="1600" dirty="0" err="1"/>
+              <a:t>Koszul</a:t>
+            </a:r>
+            <a:r>
+              <a:rPr kumimoji="1" lang="en-US" altLang="ja-JP" sz="1600" dirty="0"/>
+              <a:t> (left)</a:t>
+            </a:r>
+          </a:p>
+          <a:p>
+            <a:pPr algn="ctr"/>
+            <a:r>
+              <a:rPr lang="en-US" altLang="ja-JP" sz="1600" dirty="0"/>
+              <a:t>Professor </a:t>
+            </a:r>
+            <a:r>
+              <a:rPr lang="en-US" altLang="ja-JP" sz="1600" dirty="0" err="1"/>
+              <a:t>Hirohiko</a:t>
+            </a:r>
+            <a:r>
+              <a:rPr lang="en-US" altLang="ja-JP" sz="1600" dirty="0"/>
+              <a:t> Shima (right)</a:t>
+            </a:r>
+          </a:p>
+          <a:p>
+            <a:pPr algn="ctr"/>
+            <a:r>
+              <a:rPr lang="en-US" altLang="ja-JP" sz="1600" dirty="0"/>
+              <a:t>at GSI 2013 </a:t>
+            </a:r>
+            <a:endParaRPr kumimoji="1" lang="ja-JP" altLang="en-US" sz="1600" dirty="0"/>
+          </a:p>
+        </p:txBody>
+      </p:sp>
+      <p:sp>
+        <p:nvSpPr>
+          <p:cNvPr id="13" name="TextBox 12">
+            <a:extLst>
+              <a:ext uri="{FF2B5EF4-FFF2-40B4-BE49-F238E27FC236}">
+                <a16:creationId xmlns:a16="http://schemas.microsoft.com/office/drawing/2014/main" id="{52BB09E9-86D5-9D8E-E99E-A9452DF7D641}"/>
+              </a:ext>
+            </a:extLst>
+          </p:cNvPr>
+          <p:cNvSpPr txBox="1"/>
+          <p:nvPr/>
+        </p:nvSpPr>
+        <p:spPr>
+          <a:xfrm>
+            <a:off x="46241" y="6165189"/>
+            <a:ext cx="12209494" cy="646331"/>
+          </a:xfrm>
+          <a:prstGeom prst="rect">
+            <a:avLst/>
+          </a:prstGeom>
+          <a:noFill/>
+        </p:spPr>
+        <p:txBody>
+          <a:bodyPr wrap="square">
+            <a:spAutoFit/>
+          </a:bodyPr>
+          <a:lstStyle/>
+          <a:p>
+            <a:r>
+              <a:rPr lang="en-US" altLang="ja-JP" b="0" i="0" dirty="0">
+                <a:solidFill>
+                  <a:srgbClr val="222222"/>
+                </a:solidFill>
+                <a:effectLst/>
+                <a:latin typeface="Arial" panose="020B0604020202020204" pitchFamily="34" charset="0"/>
+              </a:rPr>
+              <a:t> Tutorial on Bregman manifolds: </a:t>
+            </a:r>
+            <a:r>
+              <a:rPr lang="en-US" altLang="ja-JP" b="1" i="0" dirty="0">
+                <a:solidFill>
+                  <a:schemeClr val="accent6"/>
+                </a:solidFill>
+                <a:effectLst/>
+                <a:latin typeface="+mj-lt"/>
+              </a:rPr>
+              <a:t>"On geodesic triangles with right angles in a dually flat space." </a:t>
+            </a:r>
+            <a:r>
+              <a:rPr lang="en-US" altLang="ja-JP" b="1" i="1" dirty="0">
+                <a:solidFill>
+                  <a:schemeClr val="accent6"/>
+                </a:solidFill>
+                <a:effectLst/>
+                <a:latin typeface="+mj-lt"/>
+              </a:rPr>
+              <a:t>Progress in Information Geometry: Theory and Applications</a:t>
+            </a:r>
+            <a:r>
+              <a:rPr lang="en-US" altLang="ja-JP" b="1" i="0" dirty="0">
+                <a:solidFill>
+                  <a:schemeClr val="accent6"/>
+                </a:solidFill>
+                <a:effectLst/>
+                <a:latin typeface="+mj-lt"/>
+              </a:rPr>
+              <a:t>. Cham: Springer International Publishing, 2021. 153-190.</a:t>
+            </a:r>
+            <a:endParaRPr lang="ja-JP" altLang="en-US" b="1" dirty="0">
+              <a:solidFill>
+                <a:schemeClr val="accent6"/>
+              </a:solidFill>
+              <a:latin typeface="+mj-lt"/>
+            </a:endParaRPr>
+          </a:p>
+        </p:txBody>
+      </p:sp>
+    </p:spTree>
+    <p:extLst>
+      <p:ext uri="{BB962C8B-B14F-4D97-AF65-F5344CB8AC3E}">
+        <p14:creationId xmlns:p14="http://schemas.microsoft.com/office/powerpoint/2010/main" val="3165096420"/>
+      </p:ext>
+    </p:extLst>
+  </p:cSld>
+  <p:clrMapOvr>
+    <a:masterClrMapping/>
+  </p:clrMapOvr>
+</p:sld>
+</file>
+
+<file path=ppt/slides/slide14.xml><?xml version="1.0" encoding="utf-8"?>
+<p:sld xmlns:a="http://schemas.openxmlformats.org/drawingml/2006/main" xmlns:r="http://schemas.openxmlformats.org/officeDocument/2006/relationships" xmlns:p="http://schemas.openxmlformats.org/presentationml/2006/main">
+  <p:cSld>
+    <p:spTree>
+      <p:nvGrpSpPr>
+        <p:cNvPr id="1" name=""/>
+        <p:cNvGrpSpPr/>
+        <p:nvPr/>
+      </p:nvGrpSpPr>
+      <p:grpSpPr>
+        <a:xfrm>
+          <a:off x="0" y="0"/>
+          <a:ext cx="0" cy="0"/>
+          <a:chOff x="0" y="0"/>
+          <a:chExt cx="0" cy="0"/>
+        </a:xfrm>
+      </p:grpSpPr>
+      <p:sp>
+        <p:nvSpPr>
+          <p:cNvPr id="2" name="Title 1">
+            <a:extLst>
+              <a:ext uri="{FF2B5EF4-FFF2-40B4-BE49-F238E27FC236}">
+                <a16:creationId xmlns:a16="http://schemas.microsoft.com/office/drawing/2014/main" id="{BEAACF7D-F6C2-8E01-6684-C59AC917DB3D}"/>
+              </a:ext>
+            </a:extLst>
+          </p:cNvPr>
+          <p:cNvSpPr>
+            <a:spLocks noGrp="1"/>
+          </p:cNvSpPr>
+          <p:nvPr>
+            <p:ph type="title"/>
+          </p:nvPr>
+        </p:nvSpPr>
+        <p:spPr>
+          <a:xfrm>
+            <a:off x="85165" y="0"/>
+            <a:ext cx="10515600" cy="1325563"/>
+          </a:xfrm>
+        </p:spPr>
+        <p:txBody>
+          <a:bodyPr/>
+          <a:lstStyle/>
+          <a:p>
+            <a:r>
+              <a:rPr kumimoji="1" lang="en-US" altLang="ja-JP" b="1" dirty="0">
+                <a:solidFill>
+                  <a:schemeClr val="accent1"/>
+                </a:solidFill>
+              </a:rPr>
+              <a:t>Mathematics, proof, and computation</a:t>
+            </a:r>
+            <a:endParaRPr kumimoji="1" lang="ja-JP" altLang="en-US" b="1" dirty="0">
+              <a:solidFill>
+                <a:schemeClr val="accent1"/>
+              </a:solidFill>
+            </a:endParaRPr>
+          </a:p>
+        </p:txBody>
+      </p:sp>
+      <p:sp>
+        <p:nvSpPr>
+          <p:cNvPr id="3" name="Content Placeholder 2">
+            <a:extLst>
+              <a:ext uri="{FF2B5EF4-FFF2-40B4-BE49-F238E27FC236}">
+                <a16:creationId xmlns:a16="http://schemas.microsoft.com/office/drawing/2014/main" id="{8B2A09CD-EEB7-0AF0-BD0A-58CFFFD9E2CE}"/>
+              </a:ext>
+            </a:extLst>
+          </p:cNvPr>
+          <p:cNvSpPr>
+            <a:spLocks noGrp="1"/>
+          </p:cNvSpPr>
+          <p:nvPr>
+            <p:ph idx="1"/>
+          </p:nvPr>
+        </p:nvSpPr>
+        <p:spPr>
+          <a:xfrm>
+            <a:off x="289559" y="1253331"/>
+            <a:ext cx="11640671" cy="5007620"/>
+          </a:xfrm>
+        </p:spPr>
+        <p:txBody>
+          <a:bodyPr>
+            <a:normAutofit lnSpcReduction="10000"/>
+          </a:bodyPr>
+          <a:lstStyle/>
+          <a:p>
+            <a:r>
+              <a:rPr kumimoji="1" lang="en-US" altLang="ja-JP" dirty="0"/>
+              <a:t>Mathematics can manipulate definite numbers (“mathematical  entities”) as </a:t>
+            </a:r>
+            <a:r>
+              <a:rPr kumimoji="1" lang="en-US" altLang="ja-JP" b="1" dirty="0">
+                <a:solidFill>
+                  <a:srgbClr val="FF0000"/>
+                </a:solidFill>
+              </a:rPr>
+              <a:t>limits</a:t>
+            </a:r>
+            <a:r>
+              <a:rPr kumimoji="1" lang="en-US" altLang="ja-JP" dirty="0"/>
+              <a:t> of computational processes. Shall computation be finite or how can we </a:t>
+            </a:r>
+            <a:r>
+              <a:rPr lang="en-US" altLang="ja-JP" dirty="0"/>
+              <a:t>compute limits</a:t>
+            </a:r>
+            <a:r>
+              <a:rPr kumimoji="1" lang="en-US" altLang="ja-JP" dirty="0"/>
+              <a:t> (halting problem, parallelism)?</a:t>
+            </a:r>
+          </a:p>
+          <a:p>
+            <a:pPr marL="0" indent="0">
+              <a:buNone/>
+            </a:pPr>
+            <a:r>
+              <a:rPr kumimoji="1" lang="en-US" altLang="ja-JP" dirty="0"/>
+              <a:t>  For example: continued fractions, arithmetic-geometric means, etc.</a:t>
+            </a:r>
+          </a:p>
+          <a:p>
+            <a:pPr marL="0" indent="0">
+              <a:buNone/>
+            </a:pPr>
+            <a:endParaRPr lang="en-US" altLang="ja-JP" dirty="0"/>
+          </a:p>
+          <a:p>
+            <a:r>
+              <a:rPr lang="en-US" altLang="ja-JP" b="1" dirty="0">
+                <a:solidFill>
+                  <a:srgbClr val="FF0000"/>
+                </a:solidFill>
+              </a:rPr>
+              <a:t>Dualities</a:t>
+            </a:r>
+            <a:r>
+              <a:rPr lang="en-US" altLang="ja-JP" dirty="0"/>
+              <a:t> in mathematics and computing:</a:t>
+            </a:r>
+            <a:r>
+              <a:rPr kumimoji="1" lang="en-US" altLang="ja-JP" dirty="0"/>
+              <a:t> A program can be interpreted or solve many dual problems.</a:t>
+            </a:r>
+          </a:p>
+          <a:p>
+            <a:pPr marL="0" indent="0">
+              <a:buNone/>
+            </a:pPr>
+            <a:r>
+              <a:rPr kumimoji="1" lang="en-US" altLang="ja-JP" dirty="0"/>
+              <a:t>  For example: cross product of two homogeneous 3D vectors interpreted as line passing through two points or dual intersection point of the corresponding two dual lines  (here, projective geometry duality).</a:t>
+            </a:r>
+          </a:p>
+          <a:p>
+            <a:pPr marL="0" indent="0">
+              <a:buNone/>
+            </a:pPr>
+            <a:endParaRPr kumimoji="1" lang="ja-JP" altLang="en-US" dirty="0"/>
+          </a:p>
+        </p:txBody>
+      </p:sp>
+    </p:spTree>
+    <p:extLst>
+      <p:ext uri="{BB962C8B-B14F-4D97-AF65-F5344CB8AC3E}">
+        <p14:creationId xmlns:p14="http://schemas.microsoft.com/office/powerpoint/2010/main" val="454447113"/>
+      </p:ext>
+    </p:extLst>
+  </p:cSld>
+  <p:clrMapOvr>
+    <a:masterClrMapping/>
+  </p:clrMapOvr>
+</p:sld>
+</file>
+
+<file path=ppt/slides/slide15.xml><?xml version="1.0" encoding="utf-8"?>
+<p:sld xmlns:a="http://schemas.openxmlformats.org/drawingml/2006/main" xmlns:r="http://schemas.openxmlformats.org/officeDocument/2006/relationships" xmlns:p="http://schemas.openxmlformats.org/presentationml/2006/main">
+  <p:cSld>
+    <p:spTree>
+      <p:nvGrpSpPr>
+        <p:cNvPr id="1" name=""/>
+        <p:cNvGrpSpPr/>
+        <p:nvPr/>
+      </p:nvGrpSpPr>
+      <p:grpSpPr>
+        <a:xfrm>
+          <a:off x="0" y="0"/>
+          <a:ext cx="0" cy="0"/>
+          <a:chOff x="0" y="0"/>
+          <a:chExt cx="0" cy="0"/>
+        </a:xfrm>
+      </p:grpSpPr>
+      <p:sp>
+        <p:nvSpPr>
+          <p:cNvPr id="2" name="Title 1">
+            <a:extLst>
+              <a:ext uri="{FF2B5EF4-FFF2-40B4-BE49-F238E27FC236}">
                 <a16:creationId xmlns:a16="http://schemas.microsoft.com/office/drawing/2014/main" id="{2DF01ECD-5744-03DF-E2A8-1D624D885B2A}"/>
               </a:ext>
             </a:extLst>
@@ -6080,14 +7741,6 @@
 <file path=ppt/slides/slide2.xml><?xml version="1.0" encoding="utf-8"?>
 <p:sld xmlns:a="http://schemas.openxmlformats.org/drawingml/2006/main" xmlns:r="http://schemas.openxmlformats.org/officeDocument/2006/relationships" xmlns:p="http://schemas.openxmlformats.org/presentationml/2006/main">
   <p:cSld>
-    <p:bg>
-      <p:bgPr>
-        <a:solidFill>
-          <a:schemeClr val="bg1"/>
-        </a:solidFill>
-        <a:effectLst/>
-      </p:bgPr>
-    </p:bg>
     <p:spTree>
       <p:nvGrpSpPr>
         <p:cNvPr id="1" name=""/>
@@ -6102,144 +7755,19 @@
           <a:chExt cx="0" cy="0"/>
         </a:xfrm>
       </p:grpSpPr>
-      <p:sp useBgFill="1">
-        <p:nvSpPr>
-          <p:cNvPr id="1052" name="Rectangle 1051">
-            <a:extLst>
-              <a:ext uri="{FF2B5EF4-FFF2-40B4-BE49-F238E27FC236}">
-                <a16:creationId xmlns:a16="http://schemas.microsoft.com/office/drawing/2014/main" id="{1500B4A4-B1F1-41EA-886A-B8A210DBCA3B}"/>
-              </a:ext>
-              <a:ext uri="{C183D7F6-B498-43B3-948B-1728B52AA6E4}">
-                <adec:decorative xmlns:adec="http://schemas.microsoft.com/office/drawing/2017/decorative" val="1"/>
-              </a:ext>
-            </a:extLst>
-          </p:cNvPr>
-          <p:cNvSpPr>
-            <a:spLocks noGrp="1" noRot="1" noChangeAspect="1" noMove="1" noResize="1" noEditPoints="1" noAdjustHandles="1" noChangeArrowheads="1" noChangeShapeType="1" noTextEdit="1"/>
-          </p:cNvSpPr>
-          <p:nvPr>
-            <p:extLst>
-              <p:ext uri="{386F3935-93C4-4BCD-93E2-E3B085C9AB24}">
-                <p16:designElem xmlns:p16="http://schemas.microsoft.com/office/powerpoint/2015/main" val="1"/>
-              </p:ext>
-            </p:extLst>
-          </p:nvPr>
-        </p:nvSpPr>
-        <p:spPr>
-          <a:xfrm>
-            <a:off x="0" y="0"/>
-            <a:ext cx="12191695" cy="6858000"/>
-          </a:xfrm>
-          <a:prstGeom prst="rect">
-            <a:avLst/>
-          </a:prstGeom>
-          <a:ln>
-            <a:noFill/>
-          </a:ln>
-        </p:spPr>
-        <p:style>
-          <a:lnRef idx="2">
-            <a:schemeClr val="accent1">
-              <a:shade val="50000"/>
-            </a:schemeClr>
-          </a:lnRef>
-          <a:fillRef idx="1">
-            <a:schemeClr val="accent1"/>
-          </a:fillRef>
-          <a:effectRef idx="0">
-            <a:schemeClr val="accent1"/>
-          </a:effectRef>
-          <a:fontRef idx="minor">
-            <a:schemeClr val="lt1"/>
-          </a:fontRef>
-        </p:style>
-        <p:txBody>
-          <a:bodyPr rtlCol="0" anchor="ctr"/>
-          <a:lstStyle/>
-          <a:p>
-            <a:pPr algn="ctr"/>
-            <a:endParaRPr lang="en-US"/>
-          </a:p>
-        </p:txBody>
-      </p:sp>
-      <p:sp>
-        <p:nvSpPr>
-          <p:cNvPr id="1054" name="Rectangle 1053">
-            <a:extLst>
-              <a:ext uri="{FF2B5EF4-FFF2-40B4-BE49-F238E27FC236}">
-                <a16:creationId xmlns:a16="http://schemas.microsoft.com/office/drawing/2014/main" id="{5E55A99C-0BDC-4DBE-8E40-9FA66F629FA1}"/>
-              </a:ext>
-              <a:ext uri="{C183D7F6-B498-43B3-948B-1728B52AA6E4}">
-                <adec:decorative xmlns:adec="http://schemas.microsoft.com/office/drawing/2017/decorative" val="1"/>
-              </a:ext>
-            </a:extLst>
-          </p:cNvPr>
-          <p:cNvSpPr>
-            <a:spLocks noGrp="1" noRot="1" noChangeAspect="1" noMove="1" noResize="1" noEditPoints="1" noAdjustHandles="1" noChangeArrowheads="1" noChangeShapeType="1" noTextEdit="1"/>
-          </p:cNvSpPr>
-          <p:nvPr>
-            <p:extLst>
-              <p:ext uri="{386F3935-93C4-4BCD-93E2-E3B085C9AB24}">
-                <p16:designElem xmlns:p16="http://schemas.microsoft.com/office/powerpoint/2015/main" val="1"/>
-              </p:ext>
-            </p:extLst>
-          </p:nvPr>
-        </p:nvSpPr>
-        <p:spPr>
-          <a:xfrm>
-            <a:off x="0" y="891540"/>
-            <a:ext cx="722376" cy="5071110"/>
-          </a:xfrm>
-          <a:prstGeom prst="rect">
-            <a:avLst/>
-          </a:prstGeom>
-          <a:solidFill>
-            <a:srgbClr val="4C5254"/>
-          </a:solidFill>
-          <a:ln>
-            <a:noFill/>
-          </a:ln>
-        </p:spPr>
-        <p:style>
-          <a:lnRef idx="2">
-            <a:schemeClr val="accent1">
-              <a:shade val="50000"/>
-            </a:schemeClr>
-          </a:lnRef>
-          <a:fillRef idx="1">
-            <a:schemeClr val="accent1"/>
-          </a:fillRef>
-          <a:effectRef idx="0">
-            <a:schemeClr val="accent1"/>
-          </a:effectRef>
-          <a:fontRef idx="minor">
-            <a:schemeClr val="lt1"/>
-          </a:fontRef>
-        </p:style>
-        <p:txBody>
-          <a:bodyPr rtlCol="0" anchor="ctr"/>
-          <a:lstStyle/>
-          <a:p>
-            <a:pPr algn="ctr"/>
-            <a:endParaRPr lang="en-US"/>
-          </a:p>
-        </p:txBody>
-      </p:sp>
       <p:pic>
         <p:nvPicPr>
-          <p:cNvPr id="1028" name="Picture 4" descr="Perceptrons: An Introduction... by Minsky, Marvin">
-            <a:extLst>
-              <a:ext uri="{FF2B5EF4-FFF2-40B4-BE49-F238E27FC236}">
-                <a16:creationId xmlns:a16="http://schemas.microsoft.com/office/drawing/2014/main" id="{5D8B1D57-F53D-EF2A-CD93-AD32B6A029BA}"/>
+          <p:cNvPr id="1026" name="Picture 2" descr="NASA Takes You Through a Real-Life 'Cosmos'">
+            <a:extLst>
+              <a:ext uri="{FF2B5EF4-FFF2-40B4-BE49-F238E27FC236}">
+                <a16:creationId xmlns:a16="http://schemas.microsoft.com/office/drawing/2014/main" id="{253EE860-052B-3A8C-D6AC-EA315FA4FE8E}"/>
               </a:ext>
             </a:extLst>
           </p:cNvPr>
           <p:cNvPicPr>
-            <a:picLocks noGrp="1" noChangeAspect="1" noChangeArrowheads="1"/>
+            <a:picLocks noChangeAspect="1" noChangeArrowheads="1"/>
           </p:cNvPicPr>
-          <p:nvPr>
-            <p:ph idx="1"/>
-          </p:nvPr>
+          <p:nvPr/>
         </p:nvPicPr>
         <p:blipFill>
           <a:blip r:embed="rId3">
@@ -6256,12 +7784,13 @@
         </p:blipFill>
         <p:spPr bwMode="auto">
           <a:xfrm>
-            <a:off x="1012825" y="890588"/>
-            <a:ext cx="1571625" cy="2420938"/>
+            <a:off x="0" y="817563"/>
+            <a:ext cx="12192000" cy="5359400"/>
           </a:xfrm>
           <a:prstGeom prst="rect">
             <a:avLst/>
           </a:prstGeom>
+          <a:noFill/>
           <a:extLst>
             <a:ext uri="{909E8E84-426E-40DD-AFC4-6F175D3DCCD1}">
               <a14:hiddenFill xmlns:a14="http://schemas.microsoft.com/office/drawing/2010/main">
@@ -6273,378 +7802,82 @@
           </a:extLst>
         </p:spPr>
       </p:pic>
-      <p:pic>
-        <p:nvPicPr>
-          <p:cNvPr id="1040" name="Picture 16" descr="Amazon.co.jp: Algebraic Geometry and Statistical Learning Theory (Cambridge  Monographs on Applied and Computational Mathematics, Series Number 25) :  Watanabe, Sumio: Foreign Language Books">
-            <a:extLst>
-              <a:ext uri="{FF2B5EF4-FFF2-40B4-BE49-F238E27FC236}">
-                <a16:creationId xmlns:a16="http://schemas.microsoft.com/office/drawing/2014/main" id="{D19E30C5-5037-4D8D-1DF5-96966B95541F}"/>
-              </a:ext>
-            </a:extLst>
-          </p:cNvPr>
-          <p:cNvPicPr>
-            <a:picLocks noChangeAspect="1" noChangeArrowheads="1"/>
-          </p:cNvPicPr>
-          <p:nvPr/>
-        </p:nvPicPr>
-        <p:blipFill>
-          <a:blip r:embed="rId4">
-            <a:extLst>
-              <a:ext uri="{28A0092B-C50C-407E-A947-70E740481C1C}">
-                <a14:useLocalDpi xmlns:a14="http://schemas.microsoft.com/office/drawing/2010/main" val="0"/>
-              </a:ext>
-            </a:extLst>
-          </a:blip>
-          <a:srcRect/>
-          <a:stretch>
-            <a:fillRect/>
-          </a:stretch>
-        </p:blipFill>
-        <p:spPr bwMode="auto">
-          <a:xfrm>
-            <a:off x="1012825" y="3381375"/>
-            <a:ext cx="1571625" cy="2579688"/>
-          </a:xfrm>
-          <a:prstGeom prst="rect">
-            <a:avLst/>
-          </a:prstGeom>
-          <a:extLst>
-            <a:ext uri="{909E8E84-426E-40DD-AFC4-6F175D3DCCD1}">
-              <a14:hiddenFill xmlns:a14="http://schemas.microsoft.com/office/drawing/2010/main">
-                <a:solidFill>
-                  <a:srgbClr val="FFFFFF"/>
-                </a:solidFill>
-              </a14:hiddenFill>
-            </a:ext>
-          </a:extLst>
-        </p:spPr>
-      </p:pic>
-      <p:pic>
-        <p:nvPicPr>
-          <p:cNvPr id="1034" name="Picture 10" descr="Statistical Learning Theory by Vapnik, Vladimir N.">
-            <a:extLst>
-              <a:ext uri="{FF2B5EF4-FFF2-40B4-BE49-F238E27FC236}">
-                <a16:creationId xmlns:a16="http://schemas.microsoft.com/office/drawing/2014/main" id="{091401EB-D93D-3022-368F-D422A47804A8}"/>
-              </a:ext>
-            </a:extLst>
-          </p:cNvPr>
-          <p:cNvPicPr>
-            <a:picLocks noChangeAspect="1" noChangeArrowheads="1"/>
-          </p:cNvPicPr>
-          <p:nvPr/>
-        </p:nvPicPr>
-        <p:blipFill>
-          <a:blip r:embed="rId5">
-            <a:extLst>
-              <a:ext uri="{28A0092B-C50C-407E-A947-70E740481C1C}">
-                <a14:useLocalDpi xmlns:a14="http://schemas.microsoft.com/office/drawing/2010/main" val="0"/>
-              </a:ext>
-            </a:extLst>
-          </a:blip>
-          <a:srcRect/>
-          <a:stretch>
-            <a:fillRect/>
-          </a:stretch>
-        </p:blipFill>
-        <p:spPr bwMode="auto">
-          <a:xfrm>
-            <a:off x="2654300" y="890588"/>
-            <a:ext cx="3078163" cy="5070475"/>
-          </a:xfrm>
-          <a:prstGeom prst="rect">
-            <a:avLst/>
-          </a:prstGeom>
-          <a:extLst>
-            <a:ext uri="{909E8E84-426E-40DD-AFC4-6F175D3DCCD1}">
-              <a14:hiddenFill xmlns:a14="http://schemas.microsoft.com/office/drawing/2010/main">
-                <a:solidFill>
-                  <a:srgbClr val="FFFFFF"/>
-                </a:solidFill>
-              </a14:hiddenFill>
-            </a:ext>
-          </a:extLst>
-        </p:spPr>
-      </p:pic>
-      <p:pic>
-        <p:nvPicPr>
-          <p:cNvPr id="1044" name="Picture 20" descr="Amazon | Pattern Recognition and Machine Learning (Information Science and  Statistics) | Bishop, Christopher M. | Machine Vision">
-            <a:extLst>
-              <a:ext uri="{FF2B5EF4-FFF2-40B4-BE49-F238E27FC236}">
-                <a16:creationId xmlns:a16="http://schemas.microsoft.com/office/drawing/2014/main" id="{1CF33CEA-0D47-7481-0554-2FFA6DD41265}"/>
-              </a:ext>
-            </a:extLst>
-          </p:cNvPr>
-          <p:cNvPicPr>
-            <a:picLocks noChangeAspect="1" noChangeArrowheads="1"/>
-          </p:cNvPicPr>
-          <p:nvPr/>
-        </p:nvPicPr>
-        <p:blipFill>
-          <a:blip r:embed="rId6">
-            <a:extLst>
-              <a:ext uri="{28A0092B-C50C-407E-A947-70E740481C1C}">
-                <a14:useLocalDpi xmlns:a14="http://schemas.microsoft.com/office/drawing/2010/main" val="0"/>
-              </a:ext>
-            </a:extLst>
-          </a:blip>
-          <a:srcRect/>
-          <a:stretch>
-            <a:fillRect/>
-          </a:stretch>
-        </p:blipFill>
-        <p:spPr bwMode="auto">
-          <a:xfrm>
-            <a:off x="5802313" y="890588"/>
-            <a:ext cx="1858963" cy="2535238"/>
-          </a:xfrm>
-          <a:prstGeom prst="rect">
-            <a:avLst/>
-          </a:prstGeom>
-          <a:extLst>
-            <a:ext uri="{909E8E84-426E-40DD-AFC4-6F175D3DCCD1}">
-              <a14:hiddenFill xmlns:a14="http://schemas.microsoft.com/office/drawing/2010/main">
-                <a:solidFill>
-                  <a:srgbClr val="FFFFFF"/>
-                </a:solidFill>
-              </a14:hiddenFill>
-            </a:ext>
-          </a:extLst>
-        </p:spPr>
-      </p:pic>
-      <p:pic>
-        <p:nvPicPr>
-          <p:cNvPr id="1026" name="Picture 2" descr="Boosting: Foundations and Algorithms... by Schapire, Robert E.">
-            <a:extLst>
-              <a:ext uri="{FF2B5EF4-FFF2-40B4-BE49-F238E27FC236}">
-                <a16:creationId xmlns:a16="http://schemas.microsoft.com/office/drawing/2014/main" id="{F43EAF97-FDE7-350F-EC18-9BFFEDC20FC6}"/>
-              </a:ext>
-            </a:extLst>
-          </p:cNvPr>
-          <p:cNvPicPr>
-            <a:picLocks noChangeAspect="1" noChangeArrowheads="1"/>
-          </p:cNvPicPr>
-          <p:nvPr/>
-        </p:nvPicPr>
-        <p:blipFill>
-          <a:blip r:embed="rId7">
-            <a:extLst>
-              <a:ext uri="{28A0092B-C50C-407E-A947-70E740481C1C}">
-                <a14:useLocalDpi xmlns:a14="http://schemas.microsoft.com/office/drawing/2010/main" val="0"/>
-              </a:ext>
-            </a:extLst>
-          </a:blip>
-          <a:srcRect/>
-          <a:stretch>
-            <a:fillRect/>
-          </a:stretch>
-        </p:blipFill>
-        <p:spPr bwMode="auto">
-          <a:xfrm>
-            <a:off x="5802313" y="3495675"/>
-            <a:ext cx="1858963" cy="2465388"/>
-          </a:xfrm>
-          <a:prstGeom prst="rect">
-            <a:avLst/>
-          </a:prstGeom>
-          <a:extLst>
-            <a:ext uri="{909E8E84-426E-40DD-AFC4-6F175D3DCCD1}">
-              <a14:hiddenFill xmlns:a14="http://schemas.microsoft.com/office/drawing/2010/main">
-                <a:solidFill>
-                  <a:srgbClr val="FFFFFF"/>
-                </a:solidFill>
-              </a14:hiddenFill>
-            </a:ext>
-          </a:extLst>
-        </p:spPr>
-      </p:pic>
-      <p:pic>
-        <p:nvPicPr>
-          <p:cNvPr id="1042" name="Picture 18" descr="Amazon.co.jp: Information Geometry and Its Applications (Applied  Mathematical Sciences, 194) : Amari, Shun-ichi: Foreign Language Books">
-            <a:extLst>
-              <a:ext uri="{FF2B5EF4-FFF2-40B4-BE49-F238E27FC236}">
-                <a16:creationId xmlns:a16="http://schemas.microsoft.com/office/drawing/2014/main" id="{688E901E-04F0-8BB7-95B8-075F24C863DC}"/>
-              </a:ext>
-            </a:extLst>
-          </p:cNvPr>
-          <p:cNvPicPr>
-            <a:picLocks noChangeAspect="1" noChangeArrowheads="1"/>
-          </p:cNvPicPr>
-          <p:nvPr/>
-        </p:nvPicPr>
-        <p:blipFill>
-          <a:blip r:embed="rId8">
-            <a:extLst>
-              <a:ext uri="{28A0092B-C50C-407E-A947-70E740481C1C}">
-                <a14:useLocalDpi xmlns:a14="http://schemas.microsoft.com/office/drawing/2010/main" val="0"/>
-              </a:ext>
-            </a:extLst>
-          </a:blip>
-          <a:srcRect/>
-          <a:stretch>
-            <a:fillRect/>
-          </a:stretch>
-        </p:blipFill>
-        <p:spPr bwMode="auto">
-          <a:xfrm>
-            <a:off x="7729538" y="890588"/>
-            <a:ext cx="1673225" cy="2740025"/>
-          </a:xfrm>
-          <a:prstGeom prst="rect">
-            <a:avLst/>
-          </a:prstGeom>
-          <a:extLst>
-            <a:ext uri="{909E8E84-426E-40DD-AFC4-6F175D3DCCD1}">
-              <a14:hiddenFill xmlns:a14="http://schemas.microsoft.com/office/drawing/2010/main">
-                <a:solidFill>
-                  <a:srgbClr val="FFFFFF"/>
-                </a:solidFill>
-              </a14:hiddenFill>
-            </a:ext>
-          </a:extLst>
-        </p:spPr>
-      </p:pic>
-      <p:pic>
-        <p:nvPicPr>
-          <p:cNvPr id="1032" name="Picture 8" descr="Amazon.co.jp: Deep Learning (Adaptive Computation and Machine Learning  series) : Goodfellow, Ian, Bengio, Yoshua, Courville, Aaron: Foreign  Language Books">
-            <a:extLst>
-              <a:ext uri="{FF2B5EF4-FFF2-40B4-BE49-F238E27FC236}">
-                <a16:creationId xmlns:a16="http://schemas.microsoft.com/office/drawing/2014/main" id="{A05D2418-12F0-4AE1-9D12-795974AA01F1}"/>
-              </a:ext>
-            </a:extLst>
-          </p:cNvPr>
-          <p:cNvPicPr>
-            <a:picLocks noChangeAspect="1" noChangeArrowheads="1"/>
-          </p:cNvPicPr>
-          <p:nvPr/>
-        </p:nvPicPr>
-        <p:blipFill>
-          <a:blip r:embed="rId9">
-            <a:extLst>
-              <a:ext uri="{28A0092B-C50C-407E-A947-70E740481C1C}">
-                <a14:useLocalDpi xmlns:a14="http://schemas.microsoft.com/office/drawing/2010/main" val="0"/>
-              </a:ext>
-            </a:extLst>
-          </a:blip>
-          <a:srcRect/>
-          <a:stretch>
-            <a:fillRect/>
-          </a:stretch>
-        </p:blipFill>
-        <p:spPr bwMode="auto">
-          <a:xfrm>
-            <a:off x="7729538" y="3702050"/>
-            <a:ext cx="1673225" cy="2260600"/>
-          </a:xfrm>
-          <a:prstGeom prst="rect">
-            <a:avLst/>
-          </a:prstGeom>
-          <a:extLst>
-            <a:ext uri="{909E8E84-426E-40DD-AFC4-6F175D3DCCD1}">
-              <a14:hiddenFill xmlns:a14="http://schemas.microsoft.com/office/drawing/2010/main">
-                <a:solidFill>
-                  <a:srgbClr val="FFFFFF"/>
-                </a:solidFill>
-              </a14:hiddenFill>
-            </a:ext>
-          </a:extLst>
-        </p:spPr>
-      </p:pic>
-      <p:pic>
-        <p:nvPicPr>
-          <p:cNvPr id="1036" name="Picture 12" descr="A book cover with colorful ribbons&#10;&#10;Description automatically generated">
-            <a:extLst>
-              <a:ext uri="{FF2B5EF4-FFF2-40B4-BE49-F238E27FC236}">
-                <a16:creationId xmlns:a16="http://schemas.microsoft.com/office/drawing/2014/main" id="{13A75EA8-C343-9248-00CC-CEEDEBB22221}"/>
-              </a:ext>
-            </a:extLst>
-          </p:cNvPr>
-          <p:cNvPicPr>
-            <a:picLocks noChangeAspect="1" noChangeArrowheads="1"/>
-          </p:cNvPicPr>
-          <p:nvPr/>
-        </p:nvPicPr>
-        <p:blipFill>
-          <a:blip r:embed="rId10">
-            <a:extLst>
-              <a:ext uri="{28A0092B-C50C-407E-A947-70E740481C1C}">
-                <a14:useLocalDpi xmlns:a14="http://schemas.microsoft.com/office/drawing/2010/main" val="0"/>
-              </a:ext>
-            </a:extLst>
-          </a:blip>
-          <a:srcRect/>
-          <a:stretch>
-            <a:fillRect/>
-          </a:stretch>
-        </p:blipFill>
-        <p:spPr bwMode="auto">
-          <a:xfrm>
-            <a:off x="9472613" y="890588"/>
-            <a:ext cx="1752600" cy="2284413"/>
-          </a:xfrm>
-          <a:prstGeom prst="rect">
-            <a:avLst/>
-          </a:prstGeom>
-          <a:extLst>
-            <a:ext uri="{909E8E84-426E-40DD-AFC4-6F175D3DCCD1}">
-              <a14:hiddenFill xmlns:a14="http://schemas.microsoft.com/office/drawing/2010/main">
-                <a:solidFill>
-                  <a:srgbClr val="FFFFFF"/>
-                </a:solidFill>
-              </a14:hiddenFill>
-            </a:ext>
-          </a:extLst>
-        </p:spPr>
-      </p:pic>
-      <p:pic>
-        <p:nvPicPr>
-          <p:cNvPr id="1038" name="Picture 14" descr="A book cover with text&#10;&#10;Description automatically generated">
-            <a:extLst>
-              <a:ext uri="{FF2B5EF4-FFF2-40B4-BE49-F238E27FC236}">
-                <a16:creationId xmlns:a16="http://schemas.microsoft.com/office/drawing/2014/main" id="{325DE376-C802-2C49-BF4D-A9556D0CD692}"/>
-              </a:ext>
-            </a:extLst>
-          </p:cNvPr>
-          <p:cNvPicPr>
-            <a:picLocks noChangeAspect="1" noChangeArrowheads="1"/>
-          </p:cNvPicPr>
-          <p:nvPr/>
-        </p:nvPicPr>
-        <p:blipFill>
-          <a:blip r:embed="rId11">
-            <a:extLst>
-              <a:ext uri="{28A0092B-C50C-407E-A947-70E740481C1C}">
-                <a14:useLocalDpi xmlns:a14="http://schemas.microsoft.com/office/drawing/2010/main" val="0"/>
-              </a:ext>
-            </a:extLst>
-          </a:blip>
-          <a:srcRect/>
-          <a:stretch>
-            <a:fillRect/>
-          </a:stretch>
-        </p:blipFill>
-        <p:spPr bwMode="auto">
-          <a:xfrm>
-            <a:off x="9472613" y="3244850"/>
-            <a:ext cx="1752600" cy="2716213"/>
-          </a:xfrm>
-          <a:prstGeom prst="rect">
-            <a:avLst/>
-          </a:prstGeom>
-          <a:extLst>
-            <a:ext uri="{909E8E84-426E-40DD-AFC4-6F175D3DCCD1}">
-              <a14:hiddenFill xmlns:a14="http://schemas.microsoft.com/office/drawing/2010/main">
-                <a:solidFill>
-                  <a:srgbClr val="FFFFFF"/>
-                </a:solidFill>
-              </a14:hiddenFill>
-            </a:ext>
-          </a:extLst>
-        </p:spPr>
-      </p:pic>
+      <p:sp>
+        <p:nvSpPr>
+          <p:cNvPr id="2" name="Title 1">
+            <a:extLst>
+              <a:ext uri="{FF2B5EF4-FFF2-40B4-BE49-F238E27FC236}">
+                <a16:creationId xmlns:a16="http://schemas.microsoft.com/office/drawing/2014/main" id="{746704BA-4EDF-BEAD-7FF9-6ED6C129B335}"/>
+              </a:ext>
+            </a:extLst>
+          </p:cNvPr>
+          <p:cNvSpPr>
+            <a:spLocks noGrp="1"/>
+          </p:cNvSpPr>
+          <p:nvPr>
+            <p:ph type="title"/>
+          </p:nvPr>
+        </p:nvSpPr>
+        <p:spPr/>
+        <p:txBody>
+          <a:bodyPr/>
+          <a:lstStyle/>
+          <a:p>
+            <a:endParaRPr kumimoji="1" lang="ja-JP" altLang="en-US" dirty="0"/>
+          </a:p>
+        </p:txBody>
+      </p:sp>
+      <p:sp>
+        <p:nvSpPr>
+          <p:cNvPr id="3" name="Content Placeholder 2">
+            <a:extLst>
+              <a:ext uri="{FF2B5EF4-FFF2-40B4-BE49-F238E27FC236}">
+                <a16:creationId xmlns:a16="http://schemas.microsoft.com/office/drawing/2014/main" id="{CE1BDD63-59F9-2F63-DCB7-B8BF1E5723F5}"/>
+              </a:ext>
+            </a:extLst>
+          </p:cNvPr>
+          <p:cNvSpPr>
+            <a:spLocks noGrp="1"/>
+          </p:cNvSpPr>
+          <p:nvPr>
+            <p:ph idx="1"/>
+          </p:nvPr>
+        </p:nvSpPr>
+        <p:spPr>
+          <a:xfrm>
+            <a:off x="355002" y="1825625"/>
+            <a:ext cx="11585986" cy="4351338"/>
+          </a:xfrm>
+        </p:spPr>
+        <p:txBody>
+          <a:bodyPr>
+            <a:normAutofit/>
+          </a:bodyPr>
+          <a:lstStyle/>
+          <a:p>
+            <a:pPr marL="0" indent="0">
+              <a:buNone/>
+            </a:pPr>
+            <a:r>
+              <a:rPr kumimoji="1" lang="en-US" altLang="ja-JP" sz="4000" b="1" dirty="0">
+                <a:solidFill>
+                  <a:schemeClr val="bg1"/>
+                </a:solidFill>
+              </a:rPr>
+              <a:t>Physics is embedded Mathematics in Nature</a:t>
+            </a:r>
+            <a:endParaRPr kumimoji="1" lang="ja-JP" altLang="en-US" sz="4000" b="1" dirty="0">
+              <a:solidFill>
+                <a:schemeClr val="bg1"/>
+              </a:solidFill>
+            </a:endParaRPr>
+          </a:p>
+        </p:txBody>
+      </p:sp>
     </p:spTree>
     <p:extLst>
       <p:ext uri="{BB962C8B-B14F-4D97-AF65-F5344CB8AC3E}">
-        <p14:creationId xmlns:p14="http://schemas.microsoft.com/office/powerpoint/2010/main" val="151247311"/>
+        <p14:creationId xmlns:p14="http://schemas.microsoft.com/office/powerpoint/2010/main" val="2497100773"/>
       </p:ext>
     </p:extLst>
   </p:cSld>
@@ -6676,7 +7909,7 @@
           <p:cNvPr id="2" name="Title 1">
             <a:extLst>
               <a:ext uri="{FF2B5EF4-FFF2-40B4-BE49-F238E27FC236}">
-                <a16:creationId xmlns:a16="http://schemas.microsoft.com/office/drawing/2014/main" id="{4D914BA7-60B8-A5A3-57C8-C104217EA4EC}"/>
+                <a16:creationId xmlns:a16="http://schemas.microsoft.com/office/drawing/2014/main" id="{AEC7703F-2A76-0DA0-D7EE-782A38B81473}"/>
               </a:ext>
             </a:extLst>
           </p:cNvPr>
@@ -6687,12 +7920,31 @@
             <p:ph type="title"/>
           </p:nvPr>
         </p:nvSpPr>
-        <p:spPr/>
-        <p:txBody>
-          <a:bodyPr/>
-          <a:lstStyle/>
-          <a:p>
-            <a:endParaRPr kumimoji="1" lang="ja-JP" altLang="en-US"/>
+        <p:spPr>
+          <a:xfrm>
+            <a:off x="106680" y="-11645"/>
+            <a:ext cx="12414324" cy="1325563"/>
+          </a:xfrm>
+        </p:spPr>
+        <p:txBody>
+          <a:bodyPr>
+            <a:normAutofit/>
+          </a:bodyPr>
+          <a:lstStyle/>
+          <a:p>
+            <a:r>
+              <a:rPr kumimoji="1" lang="en-US" altLang="ja-JP" sz="3600" b="1" dirty="0">
+                <a:solidFill>
+                  <a:schemeClr val="accent1"/>
+                </a:solidFill>
+              </a:rPr>
+              <a:t>Strengths of generalized calculus in differential geometry: </a:t>
+            </a:r>
+            <a:endParaRPr kumimoji="1" lang="ja-JP" altLang="en-US" sz="3600" b="1" dirty="0">
+              <a:solidFill>
+                <a:schemeClr val="accent1"/>
+              </a:solidFill>
+            </a:endParaRPr>
           </a:p>
         </p:txBody>
       </p:sp>
@@ -6701,7 +7953,7 @@
           <p:cNvPr id="3" name="Content Placeholder 2">
             <a:extLst>
               <a:ext uri="{FF2B5EF4-FFF2-40B4-BE49-F238E27FC236}">
-                <a16:creationId xmlns:a16="http://schemas.microsoft.com/office/drawing/2014/main" id="{849EBF07-0419-0651-B9D4-B0F9BAF95E7F}"/>
+                <a16:creationId xmlns:a16="http://schemas.microsoft.com/office/drawing/2014/main" id="{05626C52-2B5E-8AE2-C8DE-023D6FB36E0A}"/>
               </a:ext>
             </a:extLst>
           </p:cNvPr>
@@ -6712,552 +7964,294 @@
             <p:ph idx="1"/>
           </p:nvPr>
         </p:nvSpPr>
-        <p:spPr/>
-        <p:txBody>
-          <a:bodyPr/>
-          <a:lstStyle/>
-          <a:p>
-            <a:endParaRPr kumimoji="1" lang="ja-JP" altLang="en-US"/>
-          </a:p>
-        </p:txBody>
-      </p:sp>
-      <p:sp useBgFill="1">
-        <p:nvSpPr>
-          <p:cNvPr id="4" name="Rectangle 3">
-            <a:extLst>
-              <a:ext uri="{FF2B5EF4-FFF2-40B4-BE49-F238E27FC236}">
-                <a16:creationId xmlns:a16="http://schemas.microsoft.com/office/drawing/2014/main" id="{19D96C3A-CD1E-DD59-8946-31D5C6E57904}"/>
-              </a:ext>
-              <a:ext uri="{C183D7F6-B498-43B3-948B-1728B52AA6E4}">
-                <adec:decorative xmlns:adec="http://schemas.microsoft.com/office/drawing/2017/decorative" val="1"/>
-              </a:ext>
-            </a:extLst>
-          </p:cNvPr>
-          <p:cNvSpPr/>
-          <p:nvPr>
-            <p:extLst>
-              <p:ext uri="{386F3935-93C4-4BCD-93E2-E3B085C9AB24}">
-                <p16:designElem xmlns:p16="http://schemas.microsoft.com/office/powerpoint/2015/main" val="1"/>
-              </p:ext>
-            </p:extLst>
-          </p:nvPr>
-        </p:nvSpPr>
         <p:spPr>
           <a:xfrm>
-            <a:off x="0" y="0"/>
-            <a:ext cx="12191695" cy="6858000"/>
-          </a:xfrm>
-          <a:prstGeom prst="rect">
-            <a:avLst/>
-          </a:prstGeom>
-          <a:ln>
-            <a:noFill/>
-          </a:ln>
-        </p:spPr>
-        <p:style>
-          <a:lnRef idx="2">
-            <a:schemeClr val="accent1">
-              <a:shade val="50000"/>
-            </a:schemeClr>
-          </a:lnRef>
-          <a:fillRef idx="1">
-            <a:schemeClr val="accent1"/>
-          </a:fillRef>
-          <a:effectRef idx="0">
-            <a:schemeClr val="accent1"/>
-          </a:effectRef>
-          <a:fontRef idx="minor">
-            <a:schemeClr val="lt1"/>
-          </a:fontRef>
-        </p:style>
-        <p:txBody>
-          <a:bodyPr rtlCol="0" anchor="ctr"/>
-          <a:lstStyle/>
-          <a:p>
-            <a:pPr algn="ctr"/>
-            <a:endParaRPr lang="en-US"/>
-          </a:p>
-        </p:txBody>
-      </p:sp>
-      <p:sp>
-        <p:nvSpPr>
-          <p:cNvPr id="5" name="Rectangle 4">
-            <a:extLst>
-              <a:ext uri="{FF2B5EF4-FFF2-40B4-BE49-F238E27FC236}">
-                <a16:creationId xmlns:a16="http://schemas.microsoft.com/office/drawing/2014/main" id="{991158B8-1C6F-4428-3153-1AE3FA717D81}"/>
-              </a:ext>
-              <a:ext uri="{C183D7F6-B498-43B3-948B-1728B52AA6E4}">
-                <adec:decorative xmlns:adec="http://schemas.microsoft.com/office/drawing/2017/decorative" val="1"/>
-              </a:ext>
-            </a:extLst>
-          </p:cNvPr>
-          <p:cNvSpPr/>
-          <p:nvPr>
-            <p:extLst>
-              <p:ext uri="{386F3935-93C4-4BCD-93E2-E3B085C9AB24}">
-                <p16:designElem xmlns:p16="http://schemas.microsoft.com/office/powerpoint/2015/main" val="1"/>
-              </p:ext>
-            </p:extLst>
-          </p:nvPr>
-        </p:nvSpPr>
-        <p:spPr>
-          <a:xfrm>
-            <a:off x="0" y="891540"/>
-            <a:ext cx="722376" cy="5071110"/>
-          </a:xfrm>
-          <a:prstGeom prst="rect">
-            <a:avLst/>
-          </a:prstGeom>
-          <a:solidFill>
-            <a:srgbClr val="4C5254"/>
-          </a:solidFill>
-          <a:ln>
-            <a:noFill/>
-          </a:ln>
-        </p:spPr>
-        <p:style>
-          <a:lnRef idx="2">
-            <a:schemeClr val="accent1">
-              <a:shade val="50000"/>
-            </a:schemeClr>
-          </a:lnRef>
-          <a:fillRef idx="1">
-            <a:schemeClr val="accent1"/>
-          </a:fillRef>
-          <a:effectRef idx="0">
-            <a:schemeClr val="accent1"/>
-          </a:effectRef>
-          <a:fontRef idx="minor">
-            <a:schemeClr val="lt1"/>
-          </a:fontRef>
-        </p:style>
-        <p:txBody>
-          <a:bodyPr rtlCol="0" anchor="ctr"/>
-          <a:lstStyle/>
-          <a:p>
-            <a:pPr algn="ctr"/>
-            <a:endParaRPr lang="en-US"/>
-          </a:p>
-        </p:txBody>
-      </p:sp>
-      <p:pic>
-        <p:nvPicPr>
-          <p:cNvPr id="6" name="Picture 4" descr="Perceptrons: An Introduction... by Minsky, Marvin">
-            <a:extLst>
-              <a:ext uri="{FF2B5EF4-FFF2-40B4-BE49-F238E27FC236}">
-                <a16:creationId xmlns:a16="http://schemas.microsoft.com/office/drawing/2014/main" id="{913AAD25-38CE-4D39-0EAA-1F0C193AEDF4}"/>
-              </a:ext>
-            </a:extLst>
-          </p:cNvPr>
-          <p:cNvPicPr>
-            <a:picLocks noChangeAspect="1" noChangeArrowheads="1"/>
-          </p:cNvPicPr>
-          <p:nvPr/>
-        </p:nvPicPr>
-        <p:blipFill>
-          <a:blip r:embed="rId2">
-            <a:extLst>
-              <a:ext uri="{28A0092B-C50C-407E-A947-70E740481C1C}">
-                <a14:useLocalDpi xmlns:a14="http://schemas.microsoft.com/office/drawing/2010/main" val="0"/>
-              </a:ext>
-            </a:extLst>
-          </a:blip>
-          <a:srcRect/>
-          <a:stretch>
-            <a:fillRect/>
-          </a:stretch>
-        </p:blipFill>
-        <p:spPr bwMode="auto">
-          <a:xfrm>
-            <a:off x="1012825" y="890588"/>
-            <a:ext cx="1571625" cy="2420938"/>
-          </a:xfrm>
-          <a:prstGeom prst="rect">
-            <a:avLst/>
-          </a:prstGeom>
-          <a:extLst>
-            <a:ext uri="{909E8E84-426E-40DD-AFC4-6F175D3DCCD1}">
-              <a14:hiddenFill xmlns:a14="http://schemas.microsoft.com/office/drawing/2010/main">
-                <a:solidFill>
-                  <a:srgbClr val="FFFFFF"/>
-                </a:solidFill>
-              </a14:hiddenFill>
-            </a:ext>
-          </a:extLst>
-        </p:spPr>
-      </p:pic>
-      <p:pic>
-        <p:nvPicPr>
-          <p:cNvPr id="7" name="Picture 16" descr="Amazon.co.jp: Algebraic Geometry and Statistical Learning Theory (Cambridge  Monographs on Applied and Computational Mathematics, Series Number 25) :  Watanabe, Sumio: Foreign Language Books">
-            <a:extLst>
-              <a:ext uri="{FF2B5EF4-FFF2-40B4-BE49-F238E27FC236}">
-                <a16:creationId xmlns:a16="http://schemas.microsoft.com/office/drawing/2014/main" id="{40BAE233-3A11-8BA7-53CD-0BD4816369DE}"/>
-              </a:ext>
-            </a:extLst>
-          </p:cNvPr>
-          <p:cNvPicPr>
-            <a:picLocks noChangeAspect="1" noChangeArrowheads="1"/>
-          </p:cNvPicPr>
-          <p:nvPr/>
-        </p:nvPicPr>
-        <p:blipFill>
-          <a:blip r:embed="rId3">
-            <a:extLst>
-              <a:ext uri="{28A0092B-C50C-407E-A947-70E740481C1C}">
-                <a14:useLocalDpi xmlns:a14="http://schemas.microsoft.com/office/drawing/2010/main" val="0"/>
-              </a:ext>
-            </a:extLst>
-          </a:blip>
-          <a:srcRect/>
-          <a:stretch>
-            <a:fillRect/>
-          </a:stretch>
-        </p:blipFill>
-        <p:spPr bwMode="auto">
-          <a:xfrm>
-            <a:off x="1012825" y="3381375"/>
-            <a:ext cx="1571625" cy="2579688"/>
-          </a:xfrm>
-          <a:prstGeom prst="rect">
-            <a:avLst/>
-          </a:prstGeom>
-          <a:extLst>
-            <a:ext uri="{909E8E84-426E-40DD-AFC4-6F175D3DCCD1}">
-              <a14:hiddenFill xmlns:a14="http://schemas.microsoft.com/office/drawing/2010/main">
-                <a:solidFill>
-                  <a:srgbClr val="FFFFFF"/>
-                </a:solidFill>
-              </a14:hiddenFill>
-            </a:ext>
-          </a:extLst>
-        </p:spPr>
-      </p:pic>
-      <p:pic>
-        <p:nvPicPr>
-          <p:cNvPr id="8" name="Picture 10" descr="Statistical Learning Theory by Vapnik, Vladimir N.">
-            <a:extLst>
-              <a:ext uri="{FF2B5EF4-FFF2-40B4-BE49-F238E27FC236}">
-                <a16:creationId xmlns:a16="http://schemas.microsoft.com/office/drawing/2014/main" id="{7CC8DAEE-340B-28E3-833A-442F871C2BAC}"/>
-              </a:ext>
-            </a:extLst>
-          </p:cNvPr>
-          <p:cNvPicPr>
-            <a:picLocks noChangeAspect="1" noChangeArrowheads="1"/>
-          </p:cNvPicPr>
-          <p:nvPr/>
-        </p:nvPicPr>
-        <p:blipFill>
-          <a:blip r:embed="rId4">
-            <a:extLst>
-              <a:ext uri="{28A0092B-C50C-407E-A947-70E740481C1C}">
-                <a14:useLocalDpi xmlns:a14="http://schemas.microsoft.com/office/drawing/2010/main" val="0"/>
-              </a:ext>
-            </a:extLst>
-          </a:blip>
-          <a:srcRect/>
-          <a:stretch>
-            <a:fillRect/>
-          </a:stretch>
-        </p:blipFill>
-        <p:spPr bwMode="auto">
-          <a:xfrm>
-            <a:off x="2654300" y="890588"/>
-            <a:ext cx="3078163" cy="5070475"/>
-          </a:xfrm>
-          <a:prstGeom prst="rect">
-            <a:avLst/>
-          </a:prstGeom>
-          <a:extLst>
-            <a:ext uri="{909E8E84-426E-40DD-AFC4-6F175D3DCCD1}">
-              <a14:hiddenFill xmlns:a14="http://schemas.microsoft.com/office/drawing/2010/main">
-                <a:solidFill>
-                  <a:srgbClr val="FFFFFF"/>
-                </a:solidFill>
-              </a14:hiddenFill>
-            </a:ext>
-          </a:extLst>
-        </p:spPr>
-      </p:pic>
-      <p:pic>
-        <p:nvPicPr>
-          <p:cNvPr id="9" name="Picture 20" descr="Amazon | Pattern Recognition and Machine Learning (Information Science and  Statistics) | Bishop, Christopher M. | Machine Vision">
-            <a:extLst>
-              <a:ext uri="{FF2B5EF4-FFF2-40B4-BE49-F238E27FC236}">
-                <a16:creationId xmlns:a16="http://schemas.microsoft.com/office/drawing/2014/main" id="{64D93BD3-E7FB-E03C-BBB4-22BFC2105C7C}"/>
-              </a:ext>
-            </a:extLst>
-          </p:cNvPr>
-          <p:cNvPicPr>
-            <a:picLocks noChangeAspect="1" noChangeArrowheads="1"/>
-          </p:cNvPicPr>
-          <p:nvPr/>
-        </p:nvPicPr>
-        <p:blipFill>
-          <a:blip r:embed="rId5">
-            <a:extLst>
-              <a:ext uri="{28A0092B-C50C-407E-A947-70E740481C1C}">
-                <a14:useLocalDpi xmlns:a14="http://schemas.microsoft.com/office/drawing/2010/main" val="0"/>
-              </a:ext>
-            </a:extLst>
-          </a:blip>
-          <a:srcRect/>
-          <a:stretch>
-            <a:fillRect/>
-          </a:stretch>
-        </p:blipFill>
-        <p:spPr bwMode="auto">
-          <a:xfrm>
-            <a:off x="5802313" y="890588"/>
-            <a:ext cx="1858963" cy="2535238"/>
-          </a:xfrm>
-          <a:prstGeom prst="rect">
-            <a:avLst/>
-          </a:prstGeom>
-          <a:extLst>
-            <a:ext uri="{909E8E84-426E-40DD-AFC4-6F175D3DCCD1}">
-              <a14:hiddenFill xmlns:a14="http://schemas.microsoft.com/office/drawing/2010/main">
-                <a:solidFill>
-                  <a:srgbClr val="FFFFFF"/>
-                </a:solidFill>
-              </a14:hiddenFill>
-            </a:ext>
-          </a:extLst>
-        </p:spPr>
-      </p:pic>
-      <p:pic>
-        <p:nvPicPr>
-          <p:cNvPr id="10" name="Picture 2" descr="Boosting: Foundations and Algorithms... by Schapire, Robert E.">
-            <a:extLst>
-              <a:ext uri="{FF2B5EF4-FFF2-40B4-BE49-F238E27FC236}">
-                <a16:creationId xmlns:a16="http://schemas.microsoft.com/office/drawing/2014/main" id="{7D56FCD0-F63D-6054-BF26-3E4BF4276C1F}"/>
-              </a:ext>
-            </a:extLst>
-          </p:cNvPr>
-          <p:cNvPicPr>
-            <a:picLocks noChangeAspect="1" noChangeArrowheads="1"/>
-          </p:cNvPicPr>
-          <p:nvPr/>
-        </p:nvPicPr>
-        <p:blipFill>
-          <a:blip r:embed="rId6">
-            <a:extLst>
-              <a:ext uri="{28A0092B-C50C-407E-A947-70E740481C1C}">
-                <a14:useLocalDpi xmlns:a14="http://schemas.microsoft.com/office/drawing/2010/main" val="0"/>
-              </a:ext>
-            </a:extLst>
-          </a:blip>
-          <a:srcRect/>
-          <a:stretch>
-            <a:fillRect/>
-          </a:stretch>
-        </p:blipFill>
-        <p:spPr bwMode="auto">
-          <a:xfrm>
-            <a:off x="5802313" y="3495675"/>
-            <a:ext cx="1858963" cy="2465388"/>
-          </a:xfrm>
-          <a:prstGeom prst="rect">
-            <a:avLst/>
-          </a:prstGeom>
-          <a:extLst>
-            <a:ext uri="{909E8E84-426E-40DD-AFC4-6F175D3DCCD1}">
-              <a14:hiddenFill xmlns:a14="http://schemas.microsoft.com/office/drawing/2010/main">
-                <a:solidFill>
-                  <a:srgbClr val="FFFFFF"/>
-                </a:solidFill>
-              </a14:hiddenFill>
-            </a:ext>
-          </a:extLst>
-        </p:spPr>
-      </p:pic>
-      <p:pic>
-        <p:nvPicPr>
-          <p:cNvPr id="11" name="Picture 18" descr="Amazon.co.jp: Information Geometry and Its Applications (Applied  Mathematical Sciences, 194) : Amari, Shun-ichi: Foreign Language Books">
-            <a:extLst>
-              <a:ext uri="{FF2B5EF4-FFF2-40B4-BE49-F238E27FC236}">
-                <a16:creationId xmlns:a16="http://schemas.microsoft.com/office/drawing/2014/main" id="{A689F387-7EBB-B826-7F75-BA4D141D04F1}"/>
-              </a:ext>
-            </a:extLst>
-          </p:cNvPr>
-          <p:cNvPicPr>
-            <a:picLocks noChangeAspect="1" noChangeArrowheads="1"/>
-          </p:cNvPicPr>
-          <p:nvPr/>
-        </p:nvPicPr>
-        <p:blipFill>
-          <a:blip r:embed="rId7">
-            <a:extLst>
-              <a:ext uri="{28A0092B-C50C-407E-A947-70E740481C1C}">
-                <a14:useLocalDpi xmlns:a14="http://schemas.microsoft.com/office/drawing/2010/main" val="0"/>
-              </a:ext>
-            </a:extLst>
-          </a:blip>
-          <a:srcRect/>
-          <a:stretch>
-            <a:fillRect/>
-          </a:stretch>
-        </p:blipFill>
-        <p:spPr bwMode="auto">
-          <a:xfrm>
-            <a:off x="7729538" y="890588"/>
-            <a:ext cx="1673225" cy="2740025"/>
-          </a:xfrm>
-          <a:prstGeom prst="rect">
-            <a:avLst/>
-          </a:prstGeom>
-          <a:extLst>
-            <a:ext uri="{909E8E84-426E-40DD-AFC4-6F175D3DCCD1}">
-              <a14:hiddenFill xmlns:a14="http://schemas.microsoft.com/office/drawing/2010/main">
-                <a:solidFill>
-                  <a:srgbClr val="FFFFFF"/>
-                </a:solidFill>
-              </a14:hiddenFill>
-            </a:ext>
-          </a:extLst>
-        </p:spPr>
-      </p:pic>
-      <p:pic>
-        <p:nvPicPr>
-          <p:cNvPr id="12" name="Picture 8" descr="Amazon.co.jp: Deep Learning (Adaptive Computation and Machine Learning  series) : Goodfellow, Ian, Bengio, Yoshua, Courville, Aaron: Foreign  Language Books">
-            <a:extLst>
-              <a:ext uri="{FF2B5EF4-FFF2-40B4-BE49-F238E27FC236}">
-                <a16:creationId xmlns:a16="http://schemas.microsoft.com/office/drawing/2014/main" id="{CA877241-88FC-54C1-5EFE-EE7F204EE795}"/>
-              </a:ext>
-            </a:extLst>
-          </p:cNvPr>
-          <p:cNvPicPr>
-            <a:picLocks noChangeAspect="1" noChangeArrowheads="1"/>
-          </p:cNvPicPr>
-          <p:nvPr/>
-        </p:nvPicPr>
-        <p:blipFill>
-          <a:blip r:embed="rId8">
-            <a:extLst>
-              <a:ext uri="{28A0092B-C50C-407E-A947-70E740481C1C}">
-                <a14:useLocalDpi xmlns:a14="http://schemas.microsoft.com/office/drawing/2010/main" val="0"/>
-              </a:ext>
-            </a:extLst>
-          </a:blip>
-          <a:srcRect/>
-          <a:stretch>
-            <a:fillRect/>
-          </a:stretch>
-        </p:blipFill>
-        <p:spPr bwMode="auto">
-          <a:xfrm>
-            <a:off x="7729538" y="3702050"/>
-            <a:ext cx="1673225" cy="2260600"/>
-          </a:xfrm>
-          <a:prstGeom prst="rect">
-            <a:avLst/>
-          </a:prstGeom>
-          <a:extLst>
-            <a:ext uri="{909E8E84-426E-40DD-AFC4-6F175D3DCCD1}">
-              <a14:hiddenFill xmlns:a14="http://schemas.microsoft.com/office/drawing/2010/main">
-                <a:solidFill>
-                  <a:srgbClr val="FFFFFF"/>
-                </a:solidFill>
-              </a14:hiddenFill>
-            </a:ext>
-          </a:extLst>
-        </p:spPr>
-      </p:pic>
-      <p:pic>
-        <p:nvPicPr>
-          <p:cNvPr id="13" name="Picture 12" descr="A book cover with colorful ribbons&#10;&#10;Description automatically generated">
-            <a:extLst>
-              <a:ext uri="{FF2B5EF4-FFF2-40B4-BE49-F238E27FC236}">
-                <a16:creationId xmlns:a16="http://schemas.microsoft.com/office/drawing/2014/main" id="{58EBB980-DF0D-54ED-1A93-924D5A451CA0}"/>
-              </a:ext>
-            </a:extLst>
-          </p:cNvPr>
-          <p:cNvPicPr>
-            <a:picLocks noChangeAspect="1" noChangeArrowheads="1"/>
-          </p:cNvPicPr>
-          <p:nvPr/>
-        </p:nvPicPr>
-        <p:blipFill>
-          <a:blip r:embed="rId9">
-            <a:extLst>
-              <a:ext uri="{28A0092B-C50C-407E-A947-70E740481C1C}">
-                <a14:useLocalDpi xmlns:a14="http://schemas.microsoft.com/office/drawing/2010/main" val="0"/>
-              </a:ext>
-            </a:extLst>
-          </a:blip>
-          <a:srcRect/>
-          <a:stretch>
-            <a:fillRect/>
-          </a:stretch>
-        </p:blipFill>
-        <p:spPr bwMode="auto">
-          <a:xfrm>
-            <a:off x="9472613" y="890588"/>
-            <a:ext cx="1752600" cy="2284413"/>
-          </a:xfrm>
-          <a:prstGeom prst="rect">
-            <a:avLst/>
-          </a:prstGeom>
-          <a:extLst>
-            <a:ext uri="{909E8E84-426E-40DD-AFC4-6F175D3DCCD1}">
-              <a14:hiddenFill xmlns:a14="http://schemas.microsoft.com/office/drawing/2010/main">
-                <a:solidFill>
-                  <a:srgbClr val="FFFFFF"/>
-                </a:solidFill>
-              </a14:hiddenFill>
-            </a:ext>
-          </a:extLst>
-        </p:spPr>
-      </p:pic>
-      <p:pic>
-        <p:nvPicPr>
-          <p:cNvPr id="14" name="Picture 14" descr="A book cover with text&#10;&#10;Description automatically generated">
-            <a:extLst>
-              <a:ext uri="{FF2B5EF4-FFF2-40B4-BE49-F238E27FC236}">
-                <a16:creationId xmlns:a16="http://schemas.microsoft.com/office/drawing/2014/main" id="{898E1B92-2750-151B-CF1F-3D4D823E81D0}"/>
-              </a:ext>
-            </a:extLst>
-          </p:cNvPr>
-          <p:cNvPicPr>
-            <a:picLocks noChangeAspect="1" noChangeArrowheads="1"/>
-          </p:cNvPicPr>
-          <p:nvPr/>
-        </p:nvPicPr>
-        <p:blipFill>
-          <a:blip r:embed="rId10">
-            <a:extLst>
-              <a:ext uri="{28A0092B-C50C-407E-A947-70E740481C1C}">
-                <a14:useLocalDpi xmlns:a14="http://schemas.microsoft.com/office/drawing/2010/main" val="0"/>
-              </a:ext>
-            </a:extLst>
-          </a:blip>
-          <a:srcRect/>
-          <a:stretch>
-            <a:fillRect/>
-          </a:stretch>
-        </p:blipFill>
-        <p:spPr bwMode="auto">
-          <a:xfrm>
-            <a:off x="9472613" y="3244850"/>
-            <a:ext cx="1752600" cy="2716213"/>
-          </a:xfrm>
-          <a:prstGeom prst="rect">
-            <a:avLst/>
-          </a:prstGeom>
-          <a:extLst>
-            <a:ext uri="{909E8E84-426E-40DD-AFC4-6F175D3DCCD1}">
-              <a14:hiddenFill xmlns:a14="http://schemas.microsoft.com/office/drawing/2010/main">
-                <a:solidFill>
-                  <a:srgbClr val="FFFFFF"/>
-                </a:solidFill>
-              </a14:hiddenFill>
-            </a:ext>
-          </a:extLst>
-        </p:spPr>
-      </p:pic>
+            <a:off x="332591" y="1171696"/>
+            <a:ext cx="11719560" cy="5304408"/>
+          </a:xfrm>
+        </p:spPr>
+        <p:txBody>
+          <a:bodyPr>
+            <a:normAutofit/>
+          </a:bodyPr>
+          <a:lstStyle/>
+          <a:p>
+            <a:r>
+              <a:rPr kumimoji="1" lang="en-US" altLang="ja-JP" sz="2400" b="1" dirty="0">
+                <a:solidFill>
+                  <a:srgbClr val="FF0000"/>
+                </a:solidFill>
+                <a:latin typeface="Arial" panose="020B0604020202020204" pitchFamily="34" charset="0"/>
+                <a:cs typeface="Arial" panose="020B0604020202020204" pitchFamily="34" charset="0"/>
+              </a:rPr>
+              <a:t>Differential geometry </a:t>
+            </a:r>
+            <a:r>
+              <a:rPr kumimoji="1" lang="en-US" altLang="ja-JP" sz="2400" dirty="0">
+                <a:latin typeface="Arial" panose="020B0604020202020204" pitchFamily="34" charset="0"/>
+                <a:cs typeface="Arial" panose="020B0604020202020204" pitchFamily="34" charset="0"/>
+              </a:rPr>
+              <a:t>offers a framework for </a:t>
+            </a:r>
+            <a:r>
+              <a:rPr kumimoji="1" lang="en-US" altLang="ja-JP" sz="2400" b="1" dirty="0">
+                <a:solidFill>
+                  <a:srgbClr val="FF0000"/>
+                </a:solidFill>
+                <a:latin typeface="Arial" panose="020B0604020202020204" pitchFamily="34" charset="0"/>
+                <a:cs typeface="Arial" panose="020B0604020202020204" pitchFamily="34" charset="0"/>
+              </a:rPr>
+              <a:t>coordinate-free calculus:</a:t>
+            </a:r>
+          </a:p>
+          <a:p>
+            <a:pPr lvl="1"/>
+            <a:r>
+              <a:rPr lang="en-US" altLang="ja-JP" dirty="0">
+                <a:solidFill>
+                  <a:schemeClr val="accent6"/>
+                </a:solidFill>
+                <a:latin typeface="Arial" panose="020B0604020202020204" pitchFamily="34" charset="0"/>
+                <a:cs typeface="Arial" panose="020B0604020202020204" pitchFamily="34" charset="0"/>
+              </a:rPr>
+              <a:t>Intrinsic calculus is unbiased by representations with consistent changes of (local) coordinate systems</a:t>
+            </a:r>
+          </a:p>
+          <a:p>
+            <a:pPr lvl="1"/>
+            <a:endParaRPr kumimoji="1" lang="en-US" altLang="ja-JP" dirty="0">
+              <a:latin typeface="Arial" panose="020B0604020202020204" pitchFamily="34" charset="0"/>
+              <a:cs typeface="Arial" panose="020B0604020202020204" pitchFamily="34" charset="0"/>
+            </a:endParaRPr>
+          </a:p>
+          <a:p>
+            <a:r>
+              <a:rPr lang="en-US" altLang="ja-JP" sz="2400" b="1" dirty="0">
+                <a:solidFill>
+                  <a:srgbClr val="FF0000"/>
+                </a:solidFill>
+                <a:latin typeface="Arial" panose="020B0604020202020204" pitchFamily="34" charset="0"/>
+                <a:cs typeface="Arial" panose="020B0604020202020204" pitchFamily="34" charset="0"/>
+              </a:rPr>
+              <a:t>Covariant derivative </a:t>
+            </a:r>
+            <a:r>
+              <a:rPr lang="ja-JP" altLang="en-US" sz="2400" b="1" i="0" dirty="0">
+                <a:solidFill>
+                  <a:srgbClr val="FF0000"/>
+                </a:solidFill>
+                <a:effectLst/>
+                <a:latin typeface="Arial" panose="020B0604020202020204" pitchFamily="34" charset="0"/>
+                <a:cs typeface="Arial" panose="020B0604020202020204" pitchFamily="34" charset="0"/>
+              </a:rPr>
+              <a:t>∇ </a:t>
+            </a:r>
+            <a:r>
+              <a:rPr lang="en-US" altLang="ja-JP" sz="2400" dirty="0">
+                <a:latin typeface="Arial" panose="020B0604020202020204" pitchFamily="34" charset="0"/>
+                <a:cs typeface="Arial" panose="020B0604020202020204" pitchFamily="34" charset="0"/>
+              </a:rPr>
+              <a:t>generalizes ordinary derivative:</a:t>
+            </a:r>
+          </a:p>
+          <a:p>
+            <a:pPr lvl="1"/>
+            <a:r>
+              <a:rPr lang="en-US" altLang="ja-JP" dirty="0">
+                <a:solidFill>
+                  <a:schemeClr val="accent6"/>
+                </a:solidFill>
+                <a:latin typeface="Arial" panose="020B0604020202020204" pitchFamily="34" charset="0"/>
+                <a:cs typeface="Arial" panose="020B0604020202020204" pitchFamily="34" charset="0"/>
+              </a:rPr>
+              <a:t> </a:t>
+            </a:r>
+            <a:r>
+              <a:rPr kumimoji="1" lang="en-US" altLang="ja-JP" dirty="0">
+                <a:solidFill>
+                  <a:schemeClr val="accent6"/>
+                </a:solidFill>
+                <a:latin typeface="Arial" panose="020B0604020202020204" pitchFamily="34" charset="0"/>
+                <a:cs typeface="Arial" panose="020B0604020202020204" pitchFamily="34" charset="0"/>
+              </a:rPr>
+              <a:t>Coderivative of a tensor field by a vector field </a:t>
+            </a:r>
+            <a:r>
+              <a:rPr lang="ja-JP" altLang="en-US" b="0" i="0" dirty="0">
+                <a:solidFill>
+                  <a:schemeClr val="accent6"/>
+                </a:solidFill>
+                <a:effectLst/>
+                <a:latin typeface="Arial" panose="020B0604020202020204" pitchFamily="34" charset="0"/>
+                <a:cs typeface="Arial" panose="020B0604020202020204" pitchFamily="34" charset="0"/>
+              </a:rPr>
+              <a:t>∇</a:t>
+            </a:r>
+            <a:r>
+              <a:rPr lang="en-US" altLang="ja-JP" b="0" i="0" baseline="-25000" dirty="0">
+                <a:solidFill>
+                  <a:schemeClr val="accent6"/>
+                </a:solidFill>
+                <a:effectLst/>
+                <a:latin typeface="Arial" panose="020B0604020202020204" pitchFamily="34" charset="0"/>
+                <a:cs typeface="Arial" panose="020B0604020202020204" pitchFamily="34" charset="0"/>
+              </a:rPr>
+              <a:t>V</a:t>
+            </a:r>
+            <a:r>
+              <a:rPr lang="en-US" altLang="ja-JP" b="0" i="0" dirty="0">
+                <a:solidFill>
+                  <a:schemeClr val="accent6"/>
+                </a:solidFill>
+                <a:effectLst/>
+                <a:latin typeface="Arial" panose="020B0604020202020204" pitchFamily="34" charset="0"/>
+                <a:cs typeface="Arial" panose="020B0604020202020204" pitchFamily="34" charset="0"/>
+              </a:rPr>
+              <a:t>T</a:t>
+            </a:r>
+          </a:p>
+          <a:p>
+            <a:pPr marL="457200" lvl="1" indent="0">
+              <a:buNone/>
+            </a:pPr>
+            <a:endParaRPr lang="en-US" altLang="ja-JP" dirty="0">
+              <a:latin typeface="Arial" panose="020B0604020202020204" pitchFamily="34" charset="0"/>
+              <a:cs typeface="Arial" panose="020B0604020202020204" pitchFamily="34" charset="0"/>
+            </a:endParaRPr>
+          </a:p>
+          <a:p>
+            <a:r>
+              <a:rPr lang="en-US" altLang="ja-JP" sz="2400" b="1" dirty="0">
+                <a:solidFill>
+                  <a:srgbClr val="FF0000"/>
+                </a:solidFill>
+                <a:latin typeface="Arial" panose="020B0604020202020204" pitchFamily="34" charset="0"/>
+                <a:cs typeface="Arial" panose="020B0604020202020204" pitchFamily="34" charset="0"/>
+              </a:rPr>
+              <a:t>Exterior derivative d </a:t>
+            </a:r>
+            <a:r>
+              <a:rPr lang="en-US" altLang="ja-JP" sz="2400" dirty="0">
+                <a:latin typeface="Arial" panose="020B0604020202020204" pitchFamily="34" charset="0"/>
+                <a:cs typeface="Arial" panose="020B0604020202020204" pitchFamily="34" charset="0"/>
+              </a:rPr>
+              <a:t>generalizes ordinary differentials on differential forms </a:t>
+            </a:r>
+            <a:r>
+              <a:rPr lang="el-GR" altLang="ja-JP" sz="2400" b="0" i="0" dirty="0">
+                <a:effectLst/>
+                <a:latin typeface="Arial" panose="020B0604020202020204" pitchFamily="34" charset="0"/>
+                <a:cs typeface="Arial" panose="020B0604020202020204" pitchFamily="34" charset="0"/>
+              </a:rPr>
+              <a:t>ω</a:t>
+            </a:r>
+            <a:r>
+              <a:rPr lang="el-GR" altLang="ja-JP" sz="2400" b="0" i="0" dirty="0">
+                <a:solidFill>
+                  <a:srgbClr val="DF000F"/>
+                </a:solidFill>
+                <a:effectLst/>
+                <a:latin typeface="Arial" panose="020B0604020202020204" pitchFamily="34" charset="0"/>
+                <a:cs typeface="Arial" panose="020B0604020202020204" pitchFamily="34" charset="0"/>
+              </a:rPr>
+              <a:t> </a:t>
+            </a:r>
+            <a:r>
+              <a:rPr lang="en-US" altLang="ja-JP" sz="2400" dirty="0">
+                <a:latin typeface="Arial" panose="020B0604020202020204" pitchFamily="34" charset="0"/>
+                <a:cs typeface="Arial" panose="020B0604020202020204" pitchFamily="34" charset="0"/>
+              </a:rPr>
+              <a:t>: </a:t>
+            </a:r>
+          </a:p>
+          <a:p>
+            <a:pPr lvl="1"/>
+            <a:r>
+              <a:rPr lang="en-US" altLang="ja-JP" dirty="0">
+                <a:solidFill>
+                  <a:schemeClr val="accent6"/>
+                </a:solidFill>
+                <a:latin typeface="Arial" panose="020B0604020202020204" pitchFamily="34" charset="0"/>
+                <a:cs typeface="Arial" panose="020B0604020202020204" pitchFamily="34" charset="0"/>
+              </a:rPr>
+              <a:t>Generalize integration on manifolds with Stokes-</a:t>
+            </a:r>
+            <a:r>
+              <a:rPr lang="en-US" altLang="ja-JP" dirty="0" err="1">
+                <a:solidFill>
+                  <a:schemeClr val="accent6"/>
+                </a:solidFill>
+                <a:latin typeface="Arial" panose="020B0604020202020204" pitchFamily="34" charset="0"/>
+                <a:cs typeface="Arial" panose="020B0604020202020204" pitchFamily="34" charset="0"/>
+              </a:rPr>
+              <a:t>Cartan</a:t>
+            </a:r>
+            <a:r>
+              <a:rPr lang="en-US" altLang="ja-JP" dirty="0">
+                <a:solidFill>
+                  <a:schemeClr val="accent6"/>
+                </a:solidFill>
+                <a:latin typeface="Arial" panose="020B0604020202020204" pitchFamily="34" charset="0"/>
+                <a:cs typeface="Arial" panose="020B0604020202020204" pitchFamily="34" charset="0"/>
+              </a:rPr>
+              <a:t>  theorem</a:t>
+            </a:r>
+          </a:p>
+          <a:p>
+            <a:pPr lvl="1"/>
+            <a:endParaRPr lang="en-US" altLang="ja-JP" dirty="0">
+              <a:latin typeface="Arial" panose="020B0604020202020204" pitchFamily="34" charset="0"/>
+              <a:cs typeface="Arial" panose="020B0604020202020204" pitchFamily="34" charset="0"/>
+            </a:endParaRPr>
+          </a:p>
+          <a:p>
+            <a:r>
+              <a:rPr lang="en-US" altLang="ja-JP" sz="2400" b="1" dirty="0">
+                <a:solidFill>
+                  <a:srgbClr val="FF0000"/>
+                </a:solidFill>
+                <a:latin typeface="Arial" panose="020B0604020202020204" pitchFamily="34" charset="0"/>
+                <a:cs typeface="Arial" panose="020B0604020202020204" pitchFamily="34" charset="0"/>
+              </a:rPr>
+              <a:t>Geometric/real Clifford algebra</a:t>
+            </a:r>
+            <a:r>
+              <a:rPr lang="en-US" altLang="ja-JP" sz="2400" dirty="0">
+                <a:latin typeface="Arial" panose="020B0604020202020204" pitchFamily="34" charset="0"/>
+                <a:cs typeface="Arial" panose="020B0604020202020204" pitchFamily="34" charset="0"/>
+              </a:rPr>
+              <a:t>: </a:t>
+            </a:r>
+          </a:p>
+          <a:p>
+            <a:pPr lvl="1"/>
+            <a:r>
+              <a:rPr lang="en-US" altLang="ja-JP" dirty="0" err="1">
+                <a:solidFill>
+                  <a:schemeClr val="accent6"/>
+                </a:solidFill>
+                <a:latin typeface="Arial" panose="020B0604020202020204" pitchFamily="34" charset="0"/>
+                <a:cs typeface="Arial" panose="020B0604020202020204" pitchFamily="34" charset="0"/>
+              </a:rPr>
+              <a:t>multivectors</a:t>
+            </a:r>
+            <a:r>
+              <a:rPr lang="en-US" altLang="ja-JP" dirty="0">
+                <a:solidFill>
+                  <a:schemeClr val="accent6"/>
+                </a:solidFill>
+                <a:latin typeface="Arial" panose="020B0604020202020204" pitchFamily="34" charset="0"/>
+                <a:cs typeface="Arial" panose="020B0604020202020204" pitchFamily="34" charset="0"/>
+              </a:rPr>
+              <a:t> allowing division by vectors</a:t>
+            </a:r>
+          </a:p>
+        </p:txBody>
+      </p:sp>
     </p:spTree>
     <p:extLst>
       <p:ext uri="{BB962C8B-B14F-4D97-AF65-F5344CB8AC3E}">
-        <p14:creationId xmlns:p14="http://schemas.microsoft.com/office/powerpoint/2010/main" val="491299959"/>
+        <p14:creationId xmlns:p14="http://schemas.microsoft.com/office/powerpoint/2010/main" val="3892996338"/>
       </p:ext>
     </p:extLst>
   </p:cSld>
@@ -7289,7 +8283,7 @@
           <p:cNvPr id="2" name="Title 1">
             <a:extLst>
               <a:ext uri="{FF2B5EF4-FFF2-40B4-BE49-F238E27FC236}">
-                <a16:creationId xmlns:a16="http://schemas.microsoft.com/office/drawing/2014/main" id="{7169FB76-2489-0C66-548F-C3B9E2CD8A65}"/>
+                <a16:creationId xmlns:a16="http://schemas.microsoft.com/office/drawing/2014/main" id="{45C11A8B-0FFD-DB9D-1B56-CD6DB68399AC}"/>
               </a:ext>
             </a:extLst>
           </p:cNvPr>
@@ -7300,138 +8294,207 @@
             <p:ph type="title"/>
           </p:nvPr>
         </p:nvSpPr>
-        <p:spPr/>
-        <p:txBody>
-          <a:bodyPr/>
-          <a:lstStyle/>
-          <a:p>
-            <a:endParaRPr kumimoji="1" lang="ja-JP" altLang="en-US"/>
-          </a:p>
-        </p:txBody>
-      </p:sp>
-      <p:sp>
-        <p:nvSpPr>
-          <p:cNvPr id="3" name="Content Placeholder 2">
-            <a:extLst>
-              <a:ext uri="{FF2B5EF4-FFF2-40B4-BE49-F238E27FC236}">
-                <a16:creationId xmlns:a16="http://schemas.microsoft.com/office/drawing/2014/main" id="{9163913B-71DC-BD75-719B-A7EF5F00CE9E}"/>
-              </a:ext>
-            </a:extLst>
-          </p:cNvPr>
-          <p:cNvSpPr>
-            <a:spLocks noGrp="1"/>
-          </p:cNvSpPr>
-          <p:nvPr>
-            <p:ph idx="1"/>
-          </p:nvPr>
-        </p:nvSpPr>
-        <p:spPr/>
-        <p:txBody>
-          <a:bodyPr/>
-          <a:lstStyle/>
-          <a:p>
-            <a:endParaRPr kumimoji="1" lang="ja-JP" altLang="en-US"/>
+        <p:spPr>
+          <a:xfrm>
+            <a:off x="215153" y="139214"/>
+            <a:ext cx="12192000" cy="1325563"/>
+          </a:xfrm>
+        </p:spPr>
+        <p:txBody>
+          <a:bodyPr>
+            <a:normAutofit/>
+          </a:bodyPr>
+          <a:lstStyle/>
+          <a:p>
+            <a:r>
+              <a:rPr lang="en-US" altLang="ja-JP" sz="3200" dirty="0">
+                <a:solidFill>
+                  <a:schemeClr val="accent1"/>
+                </a:solidFill>
+                <a:latin typeface="Arial" panose="020B0604020202020204" pitchFamily="34" charset="0"/>
+                <a:cs typeface="Arial" panose="020B0604020202020204" pitchFamily="34" charset="0"/>
+              </a:rPr>
+              <a:t>f</a:t>
+            </a:r>
+            <a:r>
+              <a:rPr kumimoji="1" lang="en-US" altLang="ja-JP" sz="3200" dirty="0">
+                <a:solidFill>
+                  <a:schemeClr val="accent1"/>
+                </a:solidFill>
+                <a:latin typeface="Arial" panose="020B0604020202020204" pitchFamily="34" charset="0"/>
+                <a:cs typeface="Arial" panose="020B0604020202020204" pitchFamily="34" charset="0"/>
+              </a:rPr>
+              <a:t>-divergences as a series of signed </a:t>
+            </a:r>
+            <a:r>
+              <a:rPr lang="ja-JP" altLang="en-US" sz="3200" dirty="0">
+                <a:solidFill>
+                  <a:schemeClr val="accent1"/>
+                </a:solidFill>
+                <a:latin typeface="Arial" panose="020B0604020202020204" pitchFamily="34" charset="0"/>
+                <a:cs typeface="Arial" panose="020B0604020202020204" pitchFamily="34" charset="0"/>
+              </a:rPr>
+              <a:t>𝛘</a:t>
+            </a:r>
+            <a:r>
+              <a:rPr lang="en-US" altLang="ja-JP" sz="3200" dirty="0">
+                <a:solidFill>
+                  <a:schemeClr val="accent1"/>
+                </a:solidFill>
+                <a:latin typeface="Arial" panose="020B0604020202020204" pitchFamily="34" charset="0"/>
+                <a:cs typeface="Arial" panose="020B0604020202020204" pitchFamily="34" charset="0"/>
+              </a:rPr>
+              <a:t>2</a:t>
+            </a:r>
+            <a:r>
+              <a:rPr kumimoji="1" lang="en-US" altLang="ja-JP" sz="3200" dirty="0">
+                <a:solidFill>
+                  <a:schemeClr val="accent1"/>
+                </a:solidFill>
+                <a:latin typeface="Arial" panose="020B0604020202020204" pitchFamily="34" charset="0"/>
+                <a:cs typeface="Arial" panose="020B0604020202020204" pitchFamily="34" charset="0"/>
+              </a:rPr>
+              <a:t>-square type divergences</a:t>
+            </a:r>
+            <a:endParaRPr kumimoji="1" lang="ja-JP" altLang="en-US" sz="3200" dirty="0">
+              <a:solidFill>
+                <a:schemeClr val="accent1"/>
+              </a:solidFill>
+              <a:latin typeface="Arial" panose="020B0604020202020204" pitchFamily="34" charset="0"/>
+              <a:cs typeface="Arial" panose="020B0604020202020204" pitchFamily="34" charset="0"/>
+            </a:endParaRPr>
           </a:p>
         </p:txBody>
       </p:sp>
       <p:pic>
         <p:nvPicPr>
-          <p:cNvPr id="1026" name="Picture 2" descr="情報理論の要素 (ワイリーシリーズイン 、カバー 、トーマスハードカバー + = - 画像1/1">
-            <a:extLst>
-              <a:ext uri="{FF2B5EF4-FFF2-40B4-BE49-F238E27FC236}">
-                <a16:creationId xmlns:a16="http://schemas.microsoft.com/office/drawing/2014/main" id="{04302A6E-5E4E-50D5-D84E-537DCD511644}"/>
+          <p:cNvPr id="7" name="Content Placeholder 6">
+            <a:extLst>
+              <a:ext uri="{FF2B5EF4-FFF2-40B4-BE49-F238E27FC236}">
+                <a16:creationId xmlns:a16="http://schemas.microsoft.com/office/drawing/2014/main" id="{31CC0FC7-CB93-5782-0992-405F4C96E7DE}"/>
               </a:ext>
             </a:extLst>
           </p:cNvPr>
           <p:cNvPicPr>
-            <a:picLocks noChangeAspect="1" noChangeArrowheads="1"/>
+            <a:picLocks noGrp="1" noChangeAspect="1"/>
+          </p:cNvPicPr>
+          <p:nvPr>
+            <p:ph idx="1"/>
+          </p:nvPr>
+        </p:nvPicPr>
+        <p:blipFill>
+          <a:blip r:embed="rId2"/>
+          <a:stretch>
+            <a:fillRect/>
+          </a:stretch>
+        </p:blipFill>
+        <p:spPr>
+          <a:xfrm>
+            <a:off x="4912658" y="5458053"/>
+            <a:ext cx="6776039" cy="944338"/>
+          </a:xfrm>
+        </p:spPr>
+      </p:pic>
+      <p:pic>
+        <p:nvPicPr>
+          <p:cNvPr id="5" name="Picture 4">
+            <a:extLst>
+              <a:ext uri="{FF2B5EF4-FFF2-40B4-BE49-F238E27FC236}">
+                <a16:creationId xmlns:a16="http://schemas.microsoft.com/office/drawing/2014/main" id="{ED3E2CEA-D86F-9BD5-7E57-CE61787FC6D1}"/>
+              </a:ext>
+            </a:extLst>
+          </p:cNvPr>
+          <p:cNvPicPr>
+            <a:picLocks noChangeAspect="1"/>
           </p:cNvPicPr>
           <p:nvPr/>
         </p:nvPicPr>
         <p:blipFill>
-          <a:blip r:embed="rId2">
-            <a:extLst>
-              <a:ext uri="{28A0092B-C50C-407E-A947-70E740481C1C}">
-                <a14:useLocalDpi xmlns:a14="http://schemas.microsoft.com/office/drawing/2010/main" val="0"/>
-              </a:ext>
-            </a:extLst>
-          </a:blip>
-          <a:srcRect/>
+          <a:blip r:embed="rId3"/>
           <a:stretch>
             <a:fillRect/>
           </a:stretch>
         </p:blipFill>
-        <p:spPr bwMode="auto">
-          <a:xfrm>
-            <a:off x="432603" y="0"/>
-            <a:ext cx="4365308" cy="6929060"/>
+        <p:spPr>
+          <a:xfrm>
+            <a:off x="1631104" y="2586013"/>
+            <a:ext cx="8929791" cy="2352561"/>
+          </a:xfrm>
+          <a:prstGeom prst="rect">
+            <a:avLst/>
+          </a:prstGeom>
+        </p:spPr>
+      </p:pic>
+      <p:pic>
+        <p:nvPicPr>
+          <p:cNvPr id="9" name="Picture 8">
+            <a:extLst>
+              <a:ext uri="{FF2B5EF4-FFF2-40B4-BE49-F238E27FC236}">
+                <a16:creationId xmlns:a16="http://schemas.microsoft.com/office/drawing/2014/main" id="{EE662F5F-8F9F-1415-26EB-3ECE79E54552}"/>
+              </a:ext>
+            </a:extLst>
+          </p:cNvPr>
+          <p:cNvPicPr>
+            <a:picLocks noChangeAspect="1"/>
+          </p:cNvPicPr>
+          <p:nvPr/>
+        </p:nvPicPr>
+        <p:blipFill>
+          <a:blip r:embed="rId4"/>
+          <a:stretch>
+            <a:fillRect/>
+          </a:stretch>
+        </p:blipFill>
+        <p:spPr>
+          <a:xfrm>
+            <a:off x="487399" y="1260450"/>
+            <a:ext cx="6726339" cy="1076877"/>
+          </a:xfrm>
+          <a:prstGeom prst="rect">
+            <a:avLst/>
+          </a:prstGeom>
+        </p:spPr>
+      </p:pic>
+      <p:sp>
+        <p:nvSpPr>
+          <p:cNvPr id="10" name="TextBox 9">
+            <a:extLst>
+              <a:ext uri="{FF2B5EF4-FFF2-40B4-BE49-F238E27FC236}">
+                <a16:creationId xmlns:a16="http://schemas.microsoft.com/office/drawing/2014/main" id="{A326122D-C7FC-8BBF-2140-2F8152D03F17}"/>
+              </a:ext>
+            </a:extLst>
+          </p:cNvPr>
+          <p:cNvSpPr txBox="1"/>
+          <p:nvPr/>
+        </p:nvSpPr>
+        <p:spPr>
+          <a:xfrm>
+            <a:off x="5120640" y="5249732"/>
+            <a:ext cx="641522" cy="369332"/>
           </a:xfrm>
           <a:prstGeom prst="rect">
             <a:avLst/>
           </a:prstGeom>
           <a:noFill/>
-          <a:extLst>
-            <a:ext uri="{909E8E84-426E-40DD-AFC4-6F175D3DCCD1}">
-              <a14:hiddenFill xmlns:a14="http://schemas.microsoft.com/office/drawing/2010/main">
-                <a:solidFill>
-                  <a:srgbClr val="FFFFFF"/>
-                </a:solidFill>
-              </a14:hiddenFill>
-            </a:ext>
-          </a:extLst>
-        </p:spPr>
-      </p:pic>
-      <p:pic>
-        <p:nvPicPr>
-          <p:cNvPr id="1030" name="Picture 6" descr="elvis on X: &quot;Information Theory, Inference, and Learning Algorithms This is  hands down one of the best books you can spend time on if you are studying  CS or ML. It unifies">
-            <a:extLst>
-              <a:ext uri="{FF2B5EF4-FFF2-40B4-BE49-F238E27FC236}">
-                <a16:creationId xmlns:a16="http://schemas.microsoft.com/office/drawing/2014/main" id="{7B546EB9-A5D0-6A4E-84C1-350FE4D9C396}"/>
-              </a:ext>
-            </a:extLst>
-          </p:cNvPr>
-          <p:cNvPicPr>
-            <a:picLocks noChangeAspect="1" noChangeArrowheads="1"/>
-          </p:cNvPicPr>
-          <p:nvPr/>
-        </p:nvPicPr>
-        <p:blipFill>
-          <a:blip r:embed="rId3">
-            <a:extLst>
-              <a:ext uri="{28A0092B-C50C-407E-A947-70E740481C1C}">
-                <a14:useLocalDpi xmlns:a14="http://schemas.microsoft.com/office/drawing/2010/main" val="0"/>
-              </a:ext>
-            </a:extLst>
-          </a:blip>
-          <a:srcRect/>
-          <a:stretch>
-            <a:fillRect/>
-          </a:stretch>
-        </p:blipFill>
-        <p:spPr bwMode="auto">
-          <a:xfrm>
-            <a:off x="6486525" y="0"/>
-            <a:ext cx="5705475" cy="6858000"/>
-          </a:xfrm>
-          <a:prstGeom prst="rect">
-            <a:avLst/>
-          </a:prstGeom>
-          <a:noFill/>
-          <a:extLst>
-            <a:ext uri="{909E8E84-426E-40DD-AFC4-6F175D3DCCD1}">
-              <a14:hiddenFill xmlns:a14="http://schemas.microsoft.com/office/drawing/2010/main">
-                <a:solidFill>
-                  <a:srgbClr val="FFFFFF"/>
-                </a:solidFill>
-              </a14:hiddenFill>
-            </a:ext>
-          </a:extLst>
-        </p:spPr>
-      </p:pic>
+        </p:spPr>
+        <p:txBody>
+          <a:bodyPr wrap="none" rtlCol="0">
+            <a:spAutoFit/>
+          </a:bodyPr>
+          <a:lstStyle/>
+          <a:p>
+            <a:r>
+              <a:rPr kumimoji="1" lang="en-US" altLang="ja-JP" dirty="0"/>
+              <a:t>with</a:t>
+            </a:r>
+            <a:endParaRPr kumimoji="1" lang="ja-JP" altLang="en-US" dirty="0"/>
+          </a:p>
+        </p:txBody>
+      </p:sp>
     </p:spTree>
     <p:extLst>
       <p:ext uri="{BB962C8B-B14F-4D97-AF65-F5344CB8AC3E}">
-        <p14:creationId xmlns:p14="http://schemas.microsoft.com/office/powerpoint/2010/main" val="2850535214"/>
+        <p14:creationId xmlns:p14="http://schemas.microsoft.com/office/powerpoint/2010/main" val="4041065986"/>
       </p:ext>
     </p:extLst>
   </p:cSld>
@@ -7463,7 +8526,7 @@
           <p:cNvPr id="2" name="Title 1">
             <a:extLst>
               <a:ext uri="{FF2B5EF4-FFF2-40B4-BE49-F238E27FC236}">
-                <a16:creationId xmlns:a16="http://schemas.microsoft.com/office/drawing/2014/main" id="{B92499FD-411F-95A4-8870-7A53AF7A6F8E}"/>
+                <a16:creationId xmlns:a16="http://schemas.microsoft.com/office/drawing/2014/main" id="{FEA2FE47-1E47-A34D-6152-CC1CDF3C0942}"/>
               </a:ext>
             </a:extLst>
           </p:cNvPr>
@@ -7479,7 +8542,11 @@
           <a:bodyPr/>
           <a:lstStyle/>
           <a:p>
-            <a:endParaRPr kumimoji="1" lang="ja-JP" altLang="en-US"/>
+            <a:r>
+              <a:rPr kumimoji="1" lang="en-US" altLang="ja-JP" dirty="0"/>
+              <a:t>From niche research to hot engineering!</a:t>
+            </a:r>
+            <a:endParaRPr kumimoji="1" lang="ja-JP" altLang="en-US" dirty="0"/>
           </a:p>
         </p:txBody>
       </p:sp>
@@ -7488,7 +8555,7 @@
           <p:cNvPr id="3" name="Content Placeholder 2">
             <a:extLst>
               <a:ext uri="{FF2B5EF4-FFF2-40B4-BE49-F238E27FC236}">
-                <a16:creationId xmlns:a16="http://schemas.microsoft.com/office/drawing/2014/main" id="{B964C452-3716-6D83-5735-5E420F20BCC0}"/>
+                <a16:creationId xmlns:a16="http://schemas.microsoft.com/office/drawing/2014/main" id="{A410B806-EDD6-06A7-3769-DD498F8E266F}"/>
               </a:ext>
             </a:extLst>
           </p:cNvPr>
@@ -7504,155 +8571,18 @@
           <a:bodyPr/>
           <a:lstStyle/>
           <a:p>
-            <a:endParaRPr kumimoji="1" lang="ja-JP" altLang="en-US"/>
-          </a:p>
-        </p:txBody>
-      </p:sp>
-      <p:pic>
-        <p:nvPicPr>
-          <p:cNvPr id="1030" name="Picture 6" descr="Inference and Learning from Data: Volume 2:... by Sayed, Ali H.">
-            <a:extLst>
-              <a:ext uri="{FF2B5EF4-FFF2-40B4-BE49-F238E27FC236}">
-                <a16:creationId xmlns:a16="http://schemas.microsoft.com/office/drawing/2014/main" id="{689A299E-434A-1539-F82F-B6EFBFA8DAD9}"/>
-              </a:ext>
-            </a:extLst>
-          </p:cNvPr>
-          <p:cNvPicPr>
-            <a:picLocks noChangeAspect="1" noChangeArrowheads="1"/>
-          </p:cNvPicPr>
-          <p:nvPr/>
-        </p:nvPicPr>
-        <p:blipFill>
-          <a:blip r:embed="rId3">
-            <a:extLst>
-              <a:ext uri="{28A0092B-C50C-407E-A947-70E740481C1C}">
-                <a14:useLocalDpi xmlns:a14="http://schemas.microsoft.com/office/drawing/2010/main" val="0"/>
-              </a:ext>
-            </a:extLst>
-          </a:blip>
-          <a:srcRect/>
-          <a:stretch>
-            <a:fillRect/>
-          </a:stretch>
-        </p:blipFill>
-        <p:spPr bwMode="auto">
-          <a:xfrm>
-            <a:off x="4225165" y="971164"/>
-            <a:ext cx="3643319" cy="5272744"/>
-          </a:xfrm>
-          <a:prstGeom prst="rect">
-            <a:avLst/>
-          </a:prstGeom>
-          <a:noFill/>
-          <a:extLst>
-            <a:ext uri="{909E8E84-426E-40DD-AFC4-6F175D3DCCD1}">
-              <a14:hiddenFill xmlns:a14="http://schemas.microsoft.com/office/drawing/2010/main">
-                <a:solidFill>
-                  <a:srgbClr val="FFFFFF"/>
-                </a:solidFill>
-              </a14:hiddenFill>
-            </a:ext>
-          </a:extLst>
-        </p:spPr>
-      </p:pic>
-      <p:pic>
-        <p:nvPicPr>
-          <p:cNvPr id="1032" name="Picture 8" descr="Inference and Learning from Data: Volume 1:... by Sayed, Ali H.">
-            <a:extLst>
-              <a:ext uri="{FF2B5EF4-FFF2-40B4-BE49-F238E27FC236}">
-                <a16:creationId xmlns:a16="http://schemas.microsoft.com/office/drawing/2014/main" id="{4016D007-6D2B-BEDD-0B93-B19823DC9050}"/>
-              </a:ext>
-            </a:extLst>
-          </p:cNvPr>
-          <p:cNvPicPr>
-            <a:picLocks noChangeAspect="1" noChangeArrowheads="1"/>
-          </p:cNvPicPr>
-          <p:nvPr/>
-        </p:nvPicPr>
-        <p:blipFill>
-          <a:blip r:embed="rId4">
-            <a:extLst>
-              <a:ext uri="{28A0092B-C50C-407E-A947-70E740481C1C}">
-                <a14:useLocalDpi xmlns:a14="http://schemas.microsoft.com/office/drawing/2010/main" val="0"/>
-              </a:ext>
-            </a:extLst>
-          </a:blip>
-          <a:srcRect/>
-          <a:stretch>
-            <a:fillRect/>
-          </a:stretch>
-        </p:blipFill>
-        <p:spPr bwMode="auto">
-          <a:xfrm>
-            <a:off x="122987" y="971166"/>
-            <a:ext cx="3604113" cy="5216004"/>
-          </a:xfrm>
-          <a:prstGeom prst="rect">
-            <a:avLst/>
-          </a:prstGeom>
-          <a:noFill/>
-          <a:extLst>
-            <a:ext uri="{909E8E84-426E-40DD-AFC4-6F175D3DCCD1}">
-              <a14:hiddenFill xmlns:a14="http://schemas.microsoft.com/office/drawing/2010/main">
-                <a:solidFill>
-                  <a:srgbClr val="FFFFFF"/>
-                </a:solidFill>
-              </a14:hiddenFill>
-            </a:ext>
-          </a:extLst>
-        </p:spPr>
-      </p:pic>
-      <p:pic>
-        <p:nvPicPr>
-          <p:cNvPr id="1034" name="Picture 10" descr="Inference and Learning from Data: Volume 3:... by Sayed, Ali H.">
-            <a:extLst>
-              <a:ext uri="{FF2B5EF4-FFF2-40B4-BE49-F238E27FC236}">
-                <a16:creationId xmlns:a16="http://schemas.microsoft.com/office/drawing/2014/main" id="{BE6A1750-9892-6119-CC88-524D9FD22EE5}"/>
-              </a:ext>
-            </a:extLst>
-          </p:cNvPr>
-          <p:cNvPicPr>
-            <a:picLocks noChangeAspect="1" noChangeArrowheads="1"/>
-          </p:cNvPicPr>
-          <p:nvPr/>
-        </p:nvPicPr>
-        <p:blipFill>
-          <a:blip r:embed="rId5">
-            <a:extLst>
-              <a:ext uri="{28A0092B-C50C-407E-A947-70E740481C1C}">
-                <a14:useLocalDpi xmlns:a14="http://schemas.microsoft.com/office/drawing/2010/main" val="0"/>
-              </a:ext>
-            </a:extLst>
-          </a:blip>
-          <a:srcRect/>
-          <a:stretch>
-            <a:fillRect/>
-          </a:stretch>
-        </p:blipFill>
-        <p:spPr bwMode="auto">
-          <a:xfrm>
-            <a:off x="8226091" y="971164"/>
-            <a:ext cx="3643319" cy="5272743"/>
-          </a:xfrm>
-          <a:prstGeom prst="rect">
-            <a:avLst/>
-          </a:prstGeom>
-          <a:noFill/>
-          <a:extLst>
-            <a:ext uri="{909E8E84-426E-40DD-AFC4-6F175D3DCCD1}">
-              <a14:hiddenFill xmlns:a14="http://schemas.microsoft.com/office/drawing/2010/main">
-                <a:solidFill>
-                  <a:srgbClr val="FFFFFF"/>
-                </a:solidFill>
-              </a14:hiddenFill>
-            </a:ext>
-          </a:extLst>
-        </p:spPr>
-      </p:pic>
+            <a:r>
+              <a:rPr kumimoji="1" lang="en-US" altLang="ja-JP" dirty="0"/>
+              <a:t>History of ANNs</a:t>
+            </a:r>
+            <a:endParaRPr kumimoji="1" lang="ja-JP" altLang="en-US" dirty="0"/>
+          </a:p>
+        </p:txBody>
+      </p:sp>
     </p:spTree>
     <p:extLst>
       <p:ext uri="{BB962C8B-B14F-4D97-AF65-F5344CB8AC3E}">
-        <p14:creationId xmlns:p14="http://schemas.microsoft.com/office/powerpoint/2010/main" val="2189988050"/>
+        <p14:creationId xmlns:p14="http://schemas.microsoft.com/office/powerpoint/2010/main" val="1387770684"/>
       </p:ext>
     </p:extLst>
   </p:cSld>
@@ -7665,6 +8595,14 @@
 <file path=ppt/slides/slide6.xml><?xml version="1.0" encoding="utf-8"?>
 <p:sld xmlns:a="http://schemas.openxmlformats.org/drawingml/2006/main" xmlns:r="http://schemas.openxmlformats.org/officeDocument/2006/relationships" xmlns:p="http://schemas.openxmlformats.org/presentationml/2006/main">
   <p:cSld>
+    <p:bg>
+      <p:bgPr>
+        <a:solidFill>
+          <a:schemeClr val="bg1"/>
+        </a:solidFill>
+        <a:effectLst/>
+      </p:bgPr>
+    </p:bg>
     <p:spTree>
       <p:nvGrpSpPr>
         <p:cNvPr id="1" name=""/>
@@ -7679,208 +8617,549 @@
           <a:chExt cx="0" cy="0"/>
         </a:xfrm>
       </p:grpSpPr>
-      <p:sp>
-        <p:nvSpPr>
-          <p:cNvPr id="2" name="Title 1">
-            <a:extLst>
-              <a:ext uri="{FF2B5EF4-FFF2-40B4-BE49-F238E27FC236}">
-                <a16:creationId xmlns:a16="http://schemas.microsoft.com/office/drawing/2014/main" id="{C0F842C2-1E65-5B3B-DE02-264DE19BE364}"/>
-              </a:ext>
-            </a:extLst>
-          </p:cNvPr>
-          <p:cNvSpPr>
-            <a:spLocks noGrp="1"/>
-          </p:cNvSpPr>
-          <p:nvPr>
-            <p:ph type="title"/>
+      <p:sp useBgFill="1">
+        <p:nvSpPr>
+          <p:cNvPr id="1052" name="Rectangle 1051">
+            <a:extLst>
+              <a:ext uri="{FF2B5EF4-FFF2-40B4-BE49-F238E27FC236}">
+                <a16:creationId xmlns:a16="http://schemas.microsoft.com/office/drawing/2014/main" id="{1500B4A4-B1F1-41EA-886A-B8A210DBCA3B}"/>
+              </a:ext>
+              <a:ext uri="{C183D7F6-B498-43B3-948B-1728B52AA6E4}">
+                <adec:decorative xmlns:adec="http://schemas.microsoft.com/office/drawing/2017/decorative" val="1"/>
+              </a:ext>
+            </a:extLst>
+          </p:cNvPr>
+          <p:cNvSpPr>
+            <a:spLocks noGrp="1" noRot="1" noChangeAspect="1" noMove="1" noResize="1" noEditPoints="1" noAdjustHandles="1" noChangeArrowheads="1" noChangeShapeType="1" noTextEdit="1"/>
+          </p:cNvSpPr>
+          <p:nvPr>
+            <p:extLst>
+              <p:ext uri="{386F3935-93C4-4BCD-93E2-E3B085C9AB24}">
+                <p16:designElem xmlns:p16="http://schemas.microsoft.com/office/powerpoint/2015/main" val="1"/>
+              </p:ext>
+            </p:extLst>
           </p:nvPr>
         </p:nvSpPr>
         <p:spPr>
           <a:xfrm>
-            <a:off x="300318" y="0"/>
-            <a:ext cx="10515600" cy="1325563"/>
-          </a:xfrm>
-        </p:spPr>
-        <p:txBody>
-          <a:bodyPr/>
-          <a:lstStyle/>
-          <a:p>
-            <a:r>
-              <a:rPr kumimoji="1" lang="en-US" altLang="ja-JP" b="1" dirty="0" err="1">
-                <a:solidFill>
-                  <a:schemeClr val="accent5"/>
-                </a:solidFill>
-              </a:rPr>
-              <a:t>Contraharmonic</a:t>
-            </a:r>
-            <a:r>
-              <a:rPr kumimoji="1" lang="en-US" altLang="ja-JP" b="1" dirty="0">
-                <a:solidFill>
-                  <a:schemeClr val="accent5"/>
-                </a:solidFill>
-              </a:rPr>
-              <a:t> or </a:t>
-            </a:r>
-            <a:r>
-              <a:rPr kumimoji="1" lang="en-US" altLang="ja-JP" b="1" dirty="0" err="1">
-                <a:solidFill>
-                  <a:schemeClr val="accent5"/>
-                </a:solidFill>
-              </a:rPr>
-              <a:t>antiharmonic</a:t>
-            </a:r>
-            <a:r>
-              <a:rPr kumimoji="1" lang="en-US" altLang="ja-JP" b="1" dirty="0">
-                <a:solidFill>
-                  <a:schemeClr val="accent5"/>
-                </a:solidFill>
-              </a:rPr>
-              <a:t> mean</a:t>
-            </a:r>
-            <a:endParaRPr kumimoji="1" lang="ja-JP" altLang="en-US" b="1" dirty="0">
-              <a:solidFill>
-                <a:schemeClr val="accent5"/>
-              </a:solidFill>
-            </a:endParaRPr>
-          </a:p>
-        </p:txBody>
-      </p:sp>
-      <p:sp>
-        <p:nvSpPr>
-          <p:cNvPr id="3" name="Content Placeholder 2">
-            <a:extLst>
-              <a:ext uri="{FF2B5EF4-FFF2-40B4-BE49-F238E27FC236}">
-                <a16:creationId xmlns:a16="http://schemas.microsoft.com/office/drawing/2014/main" id="{BC4EE631-2EFE-D138-8C83-89892299F470}"/>
-              </a:ext>
-            </a:extLst>
-          </p:cNvPr>
-          <p:cNvSpPr>
-            <a:spLocks noGrp="1"/>
-          </p:cNvSpPr>
-          <p:nvPr>
-            <p:ph idx="1"/>
+            <a:off x="0" y="0"/>
+            <a:ext cx="12191695" cy="6858000"/>
+          </a:xfrm>
+          <a:prstGeom prst="rect">
+            <a:avLst/>
+          </a:prstGeom>
+          <a:ln>
+            <a:noFill/>
+          </a:ln>
+        </p:spPr>
+        <p:style>
+          <a:lnRef idx="2">
+            <a:schemeClr val="accent1">
+              <a:shade val="50000"/>
+            </a:schemeClr>
+          </a:lnRef>
+          <a:fillRef idx="1">
+            <a:schemeClr val="accent1"/>
+          </a:fillRef>
+          <a:effectRef idx="0">
+            <a:schemeClr val="accent1"/>
+          </a:effectRef>
+          <a:fontRef idx="minor">
+            <a:schemeClr val="lt1"/>
+          </a:fontRef>
+        </p:style>
+        <p:txBody>
+          <a:bodyPr rtlCol="0" anchor="ctr"/>
+          <a:lstStyle/>
+          <a:p>
+            <a:pPr algn="ctr"/>
+            <a:endParaRPr lang="en-US"/>
+          </a:p>
+        </p:txBody>
+      </p:sp>
+      <p:sp>
+        <p:nvSpPr>
+          <p:cNvPr id="1054" name="Rectangle 1053">
+            <a:extLst>
+              <a:ext uri="{FF2B5EF4-FFF2-40B4-BE49-F238E27FC236}">
+                <a16:creationId xmlns:a16="http://schemas.microsoft.com/office/drawing/2014/main" id="{5E55A99C-0BDC-4DBE-8E40-9FA66F629FA1}"/>
+              </a:ext>
+              <a:ext uri="{C183D7F6-B498-43B3-948B-1728B52AA6E4}">
+                <adec:decorative xmlns:adec="http://schemas.microsoft.com/office/drawing/2017/decorative" val="1"/>
+              </a:ext>
+            </a:extLst>
+          </p:cNvPr>
+          <p:cNvSpPr>
+            <a:spLocks noGrp="1" noRot="1" noChangeAspect="1" noMove="1" noResize="1" noEditPoints="1" noAdjustHandles="1" noChangeArrowheads="1" noChangeShapeType="1" noTextEdit="1"/>
+          </p:cNvSpPr>
+          <p:nvPr>
+            <p:extLst>
+              <p:ext uri="{386F3935-93C4-4BCD-93E2-E3B085C9AB24}">
+                <p16:designElem xmlns:p16="http://schemas.microsoft.com/office/powerpoint/2015/main" val="1"/>
+              </p:ext>
+            </p:extLst>
           </p:nvPr>
         </p:nvSpPr>
         <p:spPr>
           <a:xfrm>
-            <a:off x="386379" y="1459865"/>
-            <a:ext cx="10515600" cy="4351338"/>
-          </a:xfrm>
-        </p:spPr>
-        <p:txBody>
-          <a:bodyPr/>
-          <a:lstStyle/>
-          <a:p>
-            <a:r>
-              <a:rPr kumimoji="1" lang="en-US" altLang="ja-JP" dirty="0" err="1"/>
-              <a:t>Contraharmonic</a:t>
-            </a:r>
-            <a:r>
-              <a:rPr kumimoji="1" lang="en-US" altLang="ja-JP" dirty="0"/>
-              <a:t> or </a:t>
-            </a:r>
-            <a:r>
-              <a:rPr kumimoji="1" lang="en-US" altLang="ja-JP" dirty="0" err="1"/>
-              <a:t>antiharmonic</a:t>
-            </a:r>
-            <a:r>
-              <a:rPr kumimoji="1" lang="en-US" altLang="ja-JP" dirty="0"/>
-              <a:t> mean of n positive reals:</a:t>
-            </a:r>
-          </a:p>
-          <a:p>
-            <a:endParaRPr lang="en-US" altLang="ja-JP" dirty="0"/>
-          </a:p>
-          <a:p>
-            <a:endParaRPr kumimoji="1" lang="en-US" altLang="ja-JP" dirty="0"/>
-          </a:p>
-          <a:p>
-            <a:endParaRPr lang="en-US" altLang="ja-JP" dirty="0"/>
-          </a:p>
-          <a:p>
-            <a:endParaRPr kumimoji="1" lang="en-US" altLang="ja-JP" dirty="0"/>
-          </a:p>
-          <a:p>
-            <a:r>
-              <a:rPr kumimoji="1" lang="en-US" altLang="ja-JP" dirty="0"/>
-              <a:t>The </a:t>
-            </a:r>
-            <a:r>
-              <a:rPr kumimoji="1" lang="en-US" altLang="ja-JP" dirty="0" err="1"/>
-              <a:t>contraharmonic</a:t>
-            </a:r>
-            <a:r>
-              <a:rPr kumimoji="1" lang="en-US" altLang="ja-JP" dirty="0"/>
-              <a:t> mean is the solution of the sum of the squares with relative errors:</a:t>
-            </a:r>
-            <a:endParaRPr kumimoji="1" lang="ja-JP" altLang="en-US" dirty="0"/>
+            <a:off x="0" y="891540"/>
+            <a:ext cx="722376" cy="5071110"/>
+          </a:xfrm>
+          <a:prstGeom prst="rect">
+            <a:avLst/>
+          </a:prstGeom>
+          <a:solidFill>
+            <a:srgbClr val="4C5254"/>
+          </a:solidFill>
+          <a:ln>
+            <a:noFill/>
+          </a:ln>
+        </p:spPr>
+        <p:style>
+          <a:lnRef idx="2">
+            <a:schemeClr val="accent1">
+              <a:shade val="50000"/>
+            </a:schemeClr>
+          </a:lnRef>
+          <a:fillRef idx="1">
+            <a:schemeClr val="accent1"/>
+          </a:fillRef>
+          <a:effectRef idx="0">
+            <a:schemeClr val="accent1"/>
+          </a:effectRef>
+          <a:fontRef idx="minor">
+            <a:schemeClr val="lt1"/>
+          </a:fontRef>
+        </p:style>
+        <p:txBody>
+          <a:bodyPr rtlCol="0" anchor="ctr"/>
+          <a:lstStyle/>
+          <a:p>
+            <a:pPr algn="ctr"/>
+            <a:endParaRPr lang="en-US"/>
           </a:p>
         </p:txBody>
       </p:sp>
       <p:pic>
         <p:nvPicPr>
-          <p:cNvPr id="5" name="Picture 4">
-            <a:extLst>
-              <a:ext uri="{FF2B5EF4-FFF2-40B4-BE49-F238E27FC236}">
-                <a16:creationId xmlns:a16="http://schemas.microsoft.com/office/drawing/2014/main" id="{13935E09-A257-1C98-FFF7-0B0104418F04}"/>
+          <p:cNvPr id="1028" name="Picture 4" descr="Perceptrons: An Introduction... by Minsky, Marvin">
+            <a:extLst>
+              <a:ext uri="{FF2B5EF4-FFF2-40B4-BE49-F238E27FC236}">
+                <a16:creationId xmlns:a16="http://schemas.microsoft.com/office/drawing/2014/main" id="{5D8B1D57-F53D-EF2A-CD93-AD32B6A029BA}"/>
               </a:ext>
             </a:extLst>
           </p:cNvPr>
           <p:cNvPicPr>
-            <a:picLocks noChangeAspect="1"/>
+            <a:picLocks noGrp="1" noChangeAspect="1" noChangeArrowheads="1"/>
+          </p:cNvPicPr>
+          <p:nvPr>
+            <p:ph idx="1"/>
+          </p:nvPr>
+        </p:nvPicPr>
+        <p:blipFill>
+          <a:blip r:embed="rId3">
+            <a:extLst>
+              <a:ext uri="{28A0092B-C50C-407E-A947-70E740481C1C}">
+                <a14:useLocalDpi xmlns:a14="http://schemas.microsoft.com/office/drawing/2010/main" val="0"/>
+              </a:ext>
+            </a:extLst>
+          </a:blip>
+          <a:srcRect/>
+          <a:stretch>
+            <a:fillRect/>
+          </a:stretch>
+        </p:blipFill>
+        <p:spPr bwMode="auto">
+          <a:xfrm>
+            <a:off x="1012825" y="890588"/>
+            <a:ext cx="1571625" cy="2420938"/>
+          </a:xfrm>
+          <a:prstGeom prst="rect">
+            <a:avLst/>
+          </a:prstGeom>
+          <a:extLst>
+            <a:ext uri="{909E8E84-426E-40DD-AFC4-6F175D3DCCD1}">
+              <a14:hiddenFill xmlns:a14="http://schemas.microsoft.com/office/drawing/2010/main">
+                <a:solidFill>
+                  <a:srgbClr val="FFFFFF"/>
+                </a:solidFill>
+              </a14:hiddenFill>
+            </a:ext>
+          </a:extLst>
+        </p:spPr>
+      </p:pic>
+      <p:pic>
+        <p:nvPicPr>
+          <p:cNvPr id="1040" name="Picture 16" descr="Amazon.co.jp: Algebraic Geometry and Statistical Learning Theory (Cambridge  Monographs on Applied and Computational Mathematics, Series Number 25) :  Watanabe, Sumio: Foreign Language Books">
+            <a:extLst>
+              <a:ext uri="{FF2B5EF4-FFF2-40B4-BE49-F238E27FC236}">
+                <a16:creationId xmlns:a16="http://schemas.microsoft.com/office/drawing/2014/main" id="{D19E30C5-5037-4D8D-1DF5-96966B95541F}"/>
+              </a:ext>
+            </a:extLst>
+          </p:cNvPr>
+          <p:cNvPicPr>
+            <a:picLocks noChangeAspect="1" noChangeArrowheads="1"/>
           </p:cNvPicPr>
           <p:nvPr/>
         </p:nvPicPr>
         <p:blipFill>
-          <a:blip r:embed="rId2"/>
+          <a:blip r:embed="rId4">
+            <a:extLst>
+              <a:ext uri="{28A0092B-C50C-407E-A947-70E740481C1C}">
+                <a14:useLocalDpi xmlns:a14="http://schemas.microsoft.com/office/drawing/2010/main" val="0"/>
+              </a:ext>
+            </a:extLst>
+          </a:blip>
+          <a:srcRect/>
           <a:stretch>
             <a:fillRect/>
           </a:stretch>
         </p:blipFill>
-        <p:spPr>
-          <a:xfrm>
-            <a:off x="2308188" y="2159598"/>
-            <a:ext cx="6103934" cy="1269402"/>
+        <p:spPr bwMode="auto">
+          <a:xfrm>
+            <a:off x="1012825" y="3381375"/>
+            <a:ext cx="1571625" cy="2579688"/>
           </a:xfrm>
           <a:prstGeom prst="rect">
             <a:avLst/>
           </a:prstGeom>
+          <a:extLst>
+            <a:ext uri="{909E8E84-426E-40DD-AFC4-6F175D3DCCD1}">
+              <a14:hiddenFill xmlns:a14="http://schemas.microsoft.com/office/drawing/2010/main">
+                <a:solidFill>
+                  <a:srgbClr val="FFFFFF"/>
+                </a:solidFill>
+              </a14:hiddenFill>
+            </a:ext>
+          </a:extLst>
         </p:spPr>
       </p:pic>
       <p:pic>
         <p:nvPicPr>
-          <p:cNvPr id="7" name="Picture 6">
-            <a:extLst>
-              <a:ext uri="{FF2B5EF4-FFF2-40B4-BE49-F238E27FC236}">
-                <a16:creationId xmlns:a16="http://schemas.microsoft.com/office/drawing/2014/main" id="{52095837-D1C8-2991-B464-52F7803070A7}"/>
+          <p:cNvPr id="1034" name="Picture 10" descr="Statistical Learning Theory by Vapnik, Vladimir N.">
+            <a:extLst>
+              <a:ext uri="{FF2B5EF4-FFF2-40B4-BE49-F238E27FC236}">
+                <a16:creationId xmlns:a16="http://schemas.microsoft.com/office/drawing/2014/main" id="{091401EB-D93D-3022-368F-D422A47804A8}"/>
               </a:ext>
             </a:extLst>
           </p:cNvPr>
           <p:cNvPicPr>
-            <a:picLocks noChangeAspect="1"/>
+            <a:picLocks noChangeAspect="1" noChangeArrowheads="1"/>
           </p:cNvPicPr>
           <p:nvPr/>
         </p:nvPicPr>
         <p:blipFill>
-          <a:blip r:embed="rId3"/>
+          <a:blip r:embed="rId5">
+            <a:extLst>
+              <a:ext uri="{28A0092B-C50C-407E-A947-70E740481C1C}">
+                <a14:useLocalDpi xmlns:a14="http://schemas.microsoft.com/office/drawing/2010/main" val="0"/>
+              </a:ext>
+            </a:extLst>
+          </a:blip>
+          <a:srcRect/>
           <a:stretch>
             <a:fillRect/>
           </a:stretch>
         </p:blipFill>
-        <p:spPr>
-          <a:xfrm>
-            <a:off x="2435004" y="4920952"/>
-            <a:ext cx="7961366" cy="1557020"/>
+        <p:spPr bwMode="auto">
+          <a:xfrm>
+            <a:off x="2654300" y="890588"/>
+            <a:ext cx="3078163" cy="5070475"/>
           </a:xfrm>
           <a:prstGeom prst="rect">
             <a:avLst/>
           </a:prstGeom>
+          <a:extLst>
+            <a:ext uri="{909E8E84-426E-40DD-AFC4-6F175D3DCCD1}">
+              <a14:hiddenFill xmlns:a14="http://schemas.microsoft.com/office/drawing/2010/main">
+                <a:solidFill>
+                  <a:srgbClr val="FFFFFF"/>
+                </a:solidFill>
+              </a14:hiddenFill>
+            </a:ext>
+          </a:extLst>
+        </p:spPr>
+      </p:pic>
+      <p:pic>
+        <p:nvPicPr>
+          <p:cNvPr id="1044" name="Picture 20" descr="Amazon | Pattern Recognition and Machine Learning (Information Science and  Statistics) | Bishop, Christopher M. | Machine Vision">
+            <a:extLst>
+              <a:ext uri="{FF2B5EF4-FFF2-40B4-BE49-F238E27FC236}">
+                <a16:creationId xmlns:a16="http://schemas.microsoft.com/office/drawing/2014/main" id="{1CF33CEA-0D47-7481-0554-2FFA6DD41265}"/>
+              </a:ext>
+            </a:extLst>
+          </p:cNvPr>
+          <p:cNvPicPr>
+            <a:picLocks noChangeAspect="1" noChangeArrowheads="1"/>
+          </p:cNvPicPr>
+          <p:nvPr/>
+        </p:nvPicPr>
+        <p:blipFill>
+          <a:blip r:embed="rId6">
+            <a:extLst>
+              <a:ext uri="{28A0092B-C50C-407E-A947-70E740481C1C}">
+                <a14:useLocalDpi xmlns:a14="http://schemas.microsoft.com/office/drawing/2010/main" val="0"/>
+              </a:ext>
+            </a:extLst>
+          </a:blip>
+          <a:srcRect/>
+          <a:stretch>
+            <a:fillRect/>
+          </a:stretch>
+        </p:blipFill>
+        <p:spPr bwMode="auto">
+          <a:xfrm>
+            <a:off x="5802313" y="890588"/>
+            <a:ext cx="1858963" cy="2535238"/>
+          </a:xfrm>
+          <a:prstGeom prst="rect">
+            <a:avLst/>
+          </a:prstGeom>
+          <a:extLst>
+            <a:ext uri="{909E8E84-426E-40DD-AFC4-6F175D3DCCD1}">
+              <a14:hiddenFill xmlns:a14="http://schemas.microsoft.com/office/drawing/2010/main">
+                <a:solidFill>
+                  <a:srgbClr val="FFFFFF"/>
+                </a:solidFill>
+              </a14:hiddenFill>
+            </a:ext>
+          </a:extLst>
+        </p:spPr>
+      </p:pic>
+      <p:pic>
+        <p:nvPicPr>
+          <p:cNvPr id="1026" name="Picture 2" descr="Boosting: Foundations and Algorithms... by Schapire, Robert E.">
+            <a:extLst>
+              <a:ext uri="{FF2B5EF4-FFF2-40B4-BE49-F238E27FC236}">
+                <a16:creationId xmlns:a16="http://schemas.microsoft.com/office/drawing/2014/main" id="{F43EAF97-FDE7-350F-EC18-9BFFEDC20FC6}"/>
+              </a:ext>
+            </a:extLst>
+          </p:cNvPr>
+          <p:cNvPicPr>
+            <a:picLocks noChangeAspect="1" noChangeArrowheads="1"/>
+          </p:cNvPicPr>
+          <p:nvPr/>
+        </p:nvPicPr>
+        <p:blipFill>
+          <a:blip r:embed="rId7">
+            <a:extLst>
+              <a:ext uri="{28A0092B-C50C-407E-A947-70E740481C1C}">
+                <a14:useLocalDpi xmlns:a14="http://schemas.microsoft.com/office/drawing/2010/main" val="0"/>
+              </a:ext>
+            </a:extLst>
+          </a:blip>
+          <a:srcRect/>
+          <a:stretch>
+            <a:fillRect/>
+          </a:stretch>
+        </p:blipFill>
+        <p:spPr bwMode="auto">
+          <a:xfrm>
+            <a:off x="5802313" y="3495675"/>
+            <a:ext cx="1858963" cy="2465388"/>
+          </a:xfrm>
+          <a:prstGeom prst="rect">
+            <a:avLst/>
+          </a:prstGeom>
+          <a:extLst>
+            <a:ext uri="{909E8E84-426E-40DD-AFC4-6F175D3DCCD1}">
+              <a14:hiddenFill xmlns:a14="http://schemas.microsoft.com/office/drawing/2010/main">
+                <a:solidFill>
+                  <a:srgbClr val="FFFFFF"/>
+                </a:solidFill>
+              </a14:hiddenFill>
+            </a:ext>
+          </a:extLst>
+        </p:spPr>
+      </p:pic>
+      <p:pic>
+        <p:nvPicPr>
+          <p:cNvPr id="1042" name="Picture 18" descr="Amazon.co.jp: Information Geometry and Its Applications (Applied  Mathematical Sciences, 194) : Amari, Shun-ichi: Foreign Language Books">
+            <a:extLst>
+              <a:ext uri="{FF2B5EF4-FFF2-40B4-BE49-F238E27FC236}">
+                <a16:creationId xmlns:a16="http://schemas.microsoft.com/office/drawing/2014/main" id="{688E901E-04F0-8BB7-95B8-075F24C863DC}"/>
+              </a:ext>
+            </a:extLst>
+          </p:cNvPr>
+          <p:cNvPicPr>
+            <a:picLocks noChangeAspect="1" noChangeArrowheads="1"/>
+          </p:cNvPicPr>
+          <p:nvPr/>
+        </p:nvPicPr>
+        <p:blipFill>
+          <a:blip r:embed="rId8">
+            <a:extLst>
+              <a:ext uri="{28A0092B-C50C-407E-A947-70E740481C1C}">
+                <a14:useLocalDpi xmlns:a14="http://schemas.microsoft.com/office/drawing/2010/main" val="0"/>
+              </a:ext>
+            </a:extLst>
+          </a:blip>
+          <a:srcRect/>
+          <a:stretch>
+            <a:fillRect/>
+          </a:stretch>
+        </p:blipFill>
+        <p:spPr bwMode="auto">
+          <a:xfrm>
+            <a:off x="7729538" y="890588"/>
+            <a:ext cx="1673225" cy="2740025"/>
+          </a:xfrm>
+          <a:prstGeom prst="rect">
+            <a:avLst/>
+          </a:prstGeom>
+          <a:extLst>
+            <a:ext uri="{909E8E84-426E-40DD-AFC4-6F175D3DCCD1}">
+              <a14:hiddenFill xmlns:a14="http://schemas.microsoft.com/office/drawing/2010/main">
+                <a:solidFill>
+                  <a:srgbClr val="FFFFFF"/>
+                </a:solidFill>
+              </a14:hiddenFill>
+            </a:ext>
+          </a:extLst>
+        </p:spPr>
+      </p:pic>
+      <p:pic>
+        <p:nvPicPr>
+          <p:cNvPr id="1032" name="Picture 8" descr="Amazon.co.jp: Deep Learning (Adaptive Computation and Machine Learning  series) : Goodfellow, Ian, Bengio, Yoshua, Courville, Aaron: Foreign  Language Books">
+            <a:extLst>
+              <a:ext uri="{FF2B5EF4-FFF2-40B4-BE49-F238E27FC236}">
+                <a16:creationId xmlns:a16="http://schemas.microsoft.com/office/drawing/2014/main" id="{A05D2418-12F0-4AE1-9D12-795974AA01F1}"/>
+              </a:ext>
+            </a:extLst>
+          </p:cNvPr>
+          <p:cNvPicPr>
+            <a:picLocks noChangeAspect="1" noChangeArrowheads="1"/>
+          </p:cNvPicPr>
+          <p:nvPr/>
+        </p:nvPicPr>
+        <p:blipFill>
+          <a:blip r:embed="rId9">
+            <a:extLst>
+              <a:ext uri="{28A0092B-C50C-407E-A947-70E740481C1C}">
+                <a14:useLocalDpi xmlns:a14="http://schemas.microsoft.com/office/drawing/2010/main" val="0"/>
+              </a:ext>
+            </a:extLst>
+          </a:blip>
+          <a:srcRect/>
+          <a:stretch>
+            <a:fillRect/>
+          </a:stretch>
+        </p:blipFill>
+        <p:spPr bwMode="auto">
+          <a:xfrm>
+            <a:off x="7729538" y="3702050"/>
+            <a:ext cx="1673225" cy="2260600"/>
+          </a:xfrm>
+          <a:prstGeom prst="rect">
+            <a:avLst/>
+          </a:prstGeom>
+          <a:extLst>
+            <a:ext uri="{909E8E84-426E-40DD-AFC4-6F175D3DCCD1}">
+              <a14:hiddenFill xmlns:a14="http://schemas.microsoft.com/office/drawing/2010/main">
+                <a:solidFill>
+                  <a:srgbClr val="FFFFFF"/>
+                </a:solidFill>
+              </a14:hiddenFill>
+            </a:ext>
+          </a:extLst>
+        </p:spPr>
+      </p:pic>
+      <p:pic>
+        <p:nvPicPr>
+          <p:cNvPr id="1036" name="Picture 12" descr="A book cover with colorful ribbons&#10;&#10;Description automatically generated">
+            <a:extLst>
+              <a:ext uri="{FF2B5EF4-FFF2-40B4-BE49-F238E27FC236}">
+                <a16:creationId xmlns:a16="http://schemas.microsoft.com/office/drawing/2014/main" id="{13A75EA8-C343-9248-00CC-CEEDEBB22221}"/>
+              </a:ext>
+            </a:extLst>
+          </p:cNvPr>
+          <p:cNvPicPr>
+            <a:picLocks noChangeAspect="1" noChangeArrowheads="1"/>
+          </p:cNvPicPr>
+          <p:nvPr/>
+        </p:nvPicPr>
+        <p:blipFill>
+          <a:blip r:embed="rId10">
+            <a:extLst>
+              <a:ext uri="{28A0092B-C50C-407E-A947-70E740481C1C}">
+                <a14:useLocalDpi xmlns:a14="http://schemas.microsoft.com/office/drawing/2010/main" val="0"/>
+              </a:ext>
+            </a:extLst>
+          </a:blip>
+          <a:srcRect/>
+          <a:stretch>
+            <a:fillRect/>
+          </a:stretch>
+        </p:blipFill>
+        <p:spPr bwMode="auto">
+          <a:xfrm>
+            <a:off x="9472613" y="890588"/>
+            <a:ext cx="1752600" cy="2284413"/>
+          </a:xfrm>
+          <a:prstGeom prst="rect">
+            <a:avLst/>
+          </a:prstGeom>
+          <a:extLst>
+            <a:ext uri="{909E8E84-426E-40DD-AFC4-6F175D3DCCD1}">
+              <a14:hiddenFill xmlns:a14="http://schemas.microsoft.com/office/drawing/2010/main">
+                <a:solidFill>
+                  <a:srgbClr val="FFFFFF"/>
+                </a:solidFill>
+              </a14:hiddenFill>
+            </a:ext>
+          </a:extLst>
+        </p:spPr>
+      </p:pic>
+      <p:pic>
+        <p:nvPicPr>
+          <p:cNvPr id="1038" name="Picture 14" descr="A book cover with text&#10;&#10;Description automatically generated">
+            <a:extLst>
+              <a:ext uri="{FF2B5EF4-FFF2-40B4-BE49-F238E27FC236}">
+                <a16:creationId xmlns:a16="http://schemas.microsoft.com/office/drawing/2014/main" id="{325DE376-C802-2C49-BF4D-A9556D0CD692}"/>
+              </a:ext>
+            </a:extLst>
+          </p:cNvPr>
+          <p:cNvPicPr>
+            <a:picLocks noChangeAspect="1" noChangeArrowheads="1"/>
+          </p:cNvPicPr>
+          <p:nvPr/>
+        </p:nvPicPr>
+        <p:blipFill>
+          <a:blip r:embed="rId11">
+            <a:extLst>
+              <a:ext uri="{28A0092B-C50C-407E-A947-70E740481C1C}">
+                <a14:useLocalDpi xmlns:a14="http://schemas.microsoft.com/office/drawing/2010/main" val="0"/>
+              </a:ext>
+            </a:extLst>
+          </a:blip>
+          <a:srcRect/>
+          <a:stretch>
+            <a:fillRect/>
+          </a:stretch>
+        </p:blipFill>
+        <p:spPr bwMode="auto">
+          <a:xfrm>
+            <a:off x="9472613" y="3244850"/>
+            <a:ext cx="1752600" cy="2716213"/>
+          </a:xfrm>
+          <a:prstGeom prst="rect">
+            <a:avLst/>
+          </a:prstGeom>
+          <a:extLst>
+            <a:ext uri="{909E8E84-426E-40DD-AFC4-6F175D3DCCD1}">
+              <a14:hiddenFill xmlns:a14="http://schemas.microsoft.com/office/drawing/2010/main">
+                <a:solidFill>
+                  <a:srgbClr val="FFFFFF"/>
+                </a:solidFill>
+              </a14:hiddenFill>
+            </a:ext>
+          </a:extLst>
         </p:spPr>
       </p:pic>
     </p:spTree>
     <p:extLst>
       <p:ext uri="{BB962C8B-B14F-4D97-AF65-F5344CB8AC3E}">
-        <p14:creationId xmlns:p14="http://schemas.microsoft.com/office/powerpoint/2010/main" val="2698045578"/>
+        <p14:creationId xmlns:p14="http://schemas.microsoft.com/office/powerpoint/2010/main" val="151247311"/>
       </p:ext>
     </p:extLst>
   </p:cSld>
@@ -7912,7 +9191,7 @@
           <p:cNvPr id="2" name="Title 1">
             <a:extLst>
               <a:ext uri="{FF2B5EF4-FFF2-40B4-BE49-F238E27FC236}">
-                <a16:creationId xmlns:a16="http://schemas.microsoft.com/office/drawing/2014/main" id="{3FA0BC29-32E6-08AC-1E69-1E050EEA8741}"/>
+                <a16:creationId xmlns:a16="http://schemas.microsoft.com/office/drawing/2014/main" id="{4D914BA7-60B8-A5A3-57C8-C104217EA4EC}"/>
               </a:ext>
             </a:extLst>
           </p:cNvPr>
@@ -7937,7 +9216,7 @@
           <p:cNvPr id="3" name="Content Placeholder 2">
             <a:extLst>
               <a:ext uri="{FF2B5EF4-FFF2-40B4-BE49-F238E27FC236}">
-                <a16:creationId xmlns:a16="http://schemas.microsoft.com/office/drawing/2014/main" id="{3A577BA7-4F10-A500-C0C6-968D9CEF318D}"/>
+                <a16:creationId xmlns:a16="http://schemas.microsoft.com/office/drawing/2014/main" id="{849EBF07-0419-0651-B9D4-B0F9BAF95E7F}"/>
               </a:ext>
             </a:extLst>
           </p:cNvPr>
@@ -7957,47 +9236,131 @@
           </a:p>
         </p:txBody>
       </p:sp>
-      <p:sp>
-        <p:nvSpPr>
-          <p:cNvPr id="7" name="TextBox 6">
-            <a:extLst>
-              <a:ext uri="{FF2B5EF4-FFF2-40B4-BE49-F238E27FC236}">
-                <a16:creationId xmlns:a16="http://schemas.microsoft.com/office/drawing/2014/main" id="{1A5D3A62-A170-950C-BBB2-831DF26F3A0D}"/>
-              </a:ext>
-            </a:extLst>
-          </p:cNvPr>
-          <p:cNvSpPr txBox="1"/>
-          <p:nvPr/>
+      <p:sp useBgFill="1">
+        <p:nvSpPr>
+          <p:cNvPr id="4" name="Rectangle 3">
+            <a:extLst>
+              <a:ext uri="{FF2B5EF4-FFF2-40B4-BE49-F238E27FC236}">
+                <a16:creationId xmlns:a16="http://schemas.microsoft.com/office/drawing/2014/main" id="{19D96C3A-CD1E-DD59-8946-31D5C6E57904}"/>
+              </a:ext>
+              <a:ext uri="{C183D7F6-B498-43B3-948B-1728B52AA6E4}">
+                <adec:decorative xmlns:adec="http://schemas.microsoft.com/office/drawing/2017/decorative" val="1"/>
+              </a:ext>
+            </a:extLst>
+          </p:cNvPr>
+          <p:cNvSpPr/>
+          <p:nvPr>
+            <p:extLst>
+              <p:ext uri="{386F3935-93C4-4BCD-93E2-E3B085C9AB24}">
+                <p16:designElem xmlns:p16="http://schemas.microsoft.com/office/powerpoint/2015/main" val="1"/>
+              </p:ext>
+            </p:extLst>
+          </p:nvPr>
         </p:nvSpPr>
         <p:spPr>
           <a:xfrm>
-            <a:off x="3047104" y="3247023"/>
-            <a:ext cx="6094206" cy="369332"/>
+            <a:off x="0" y="0"/>
+            <a:ext cx="12191695" cy="6858000"/>
           </a:xfrm>
           <a:prstGeom prst="rect">
             <a:avLst/>
           </a:prstGeom>
-          <a:noFill/>
-        </p:spPr>
-        <p:txBody>
-          <a:bodyPr wrap="square">
-            <a:spAutoFit/>
-          </a:bodyPr>
-          <a:lstStyle/>
-          <a:p>
-            <a:r>
-              <a:rPr lang="ja-JP" altLang="en-US" dirty="0"/>
-              <a:t>Andrej Karpathy</a:t>
-            </a:r>
+          <a:ln>
+            <a:noFill/>
+          </a:ln>
+        </p:spPr>
+        <p:style>
+          <a:lnRef idx="2">
+            <a:schemeClr val="accent1">
+              <a:shade val="50000"/>
+            </a:schemeClr>
+          </a:lnRef>
+          <a:fillRef idx="1">
+            <a:schemeClr val="accent1"/>
+          </a:fillRef>
+          <a:effectRef idx="0">
+            <a:schemeClr val="accent1"/>
+          </a:effectRef>
+          <a:fontRef idx="minor">
+            <a:schemeClr val="lt1"/>
+          </a:fontRef>
+        </p:style>
+        <p:txBody>
+          <a:bodyPr rtlCol="0" anchor="ctr"/>
+          <a:lstStyle/>
+          <a:p>
+            <a:pPr algn="ctr"/>
+            <a:endParaRPr lang="en-US"/>
+          </a:p>
+        </p:txBody>
+      </p:sp>
+      <p:sp>
+        <p:nvSpPr>
+          <p:cNvPr id="5" name="Rectangle 4">
+            <a:extLst>
+              <a:ext uri="{FF2B5EF4-FFF2-40B4-BE49-F238E27FC236}">
+                <a16:creationId xmlns:a16="http://schemas.microsoft.com/office/drawing/2014/main" id="{991158B8-1C6F-4428-3153-1AE3FA717D81}"/>
+              </a:ext>
+              <a:ext uri="{C183D7F6-B498-43B3-948B-1728B52AA6E4}">
+                <adec:decorative xmlns:adec="http://schemas.microsoft.com/office/drawing/2017/decorative" val="1"/>
+              </a:ext>
+            </a:extLst>
+          </p:cNvPr>
+          <p:cNvSpPr/>
+          <p:nvPr>
+            <p:extLst>
+              <p:ext uri="{386F3935-93C4-4BCD-93E2-E3B085C9AB24}">
+                <p16:designElem xmlns:p16="http://schemas.microsoft.com/office/powerpoint/2015/main" val="1"/>
+              </p:ext>
+            </p:extLst>
+          </p:nvPr>
+        </p:nvSpPr>
+        <p:spPr>
+          <a:xfrm>
+            <a:off x="0" y="891540"/>
+            <a:ext cx="722376" cy="5071110"/>
+          </a:xfrm>
+          <a:prstGeom prst="rect">
+            <a:avLst/>
+          </a:prstGeom>
+          <a:solidFill>
+            <a:srgbClr val="4C5254"/>
+          </a:solidFill>
+          <a:ln>
+            <a:noFill/>
+          </a:ln>
+        </p:spPr>
+        <p:style>
+          <a:lnRef idx="2">
+            <a:schemeClr val="accent1">
+              <a:shade val="50000"/>
+            </a:schemeClr>
+          </a:lnRef>
+          <a:fillRef idx="1">
+            <a:schemeClr val="accent1"/>
+          </a:fillRef>
+          <a:effectRef idx="0">
+            <a:schemeClr val="accent1"/>
+          </a:effectRef>
+          <a:fontRef idx="minor">
+            <a:schemeClr val="lt1"/>
+          </a:fontRef>
+        </p:style>
+        <p:txBody>
+          <a:bodyPr rtlCol="0" anchor="ctr"/>
+          <a:lstStyle/>
+          <a:p>
+            <a:pPr algn="ctr"/>
+            <a:endParaRPr lang="en-US"/>
           </a:p>
         </p:txBody>
       </p:sp>
       <p:pic>
         <p:nvPicPr>
-          <p:cNvPr id="1026" name="Picture 2" descr="Mathematical Foundations of Nonextensive Statistical Mechanics : Umarov,  Sabir, Constantino, Tsallis: Foreign Language Books - Amazon.co.jp">
-            <a:extLst>
-              <a:ext uri="{FF2B5EF4-FFF2-40B4-BE49-F238E27FC236}">
-                <a16:creationId xmlns:a16="http://schemas.microsoft.com/office/drawing/2014/main" id="{544E1C15-82BC-011B-E712-A5C07A4B677D}"/>
+          <p:cNvPr id="6" name="Picture 4" descr="Perceptrons: An Introduction... by Minsky, Marvin">
+            <a:extLst>
+              <a:ext uri="{FF2B5EF4-FFF2-40B4-BE49-F238E27FC236}">
+                <a16:creationId xmlns:a16="http://schemas.microsoft.com/office/drawing/2014/main" id="{913AAD25-38CE-4D39-0EAA-1F0C193AEDF4}"/>
               </a:ext>
             </a:extLst>
           </p:cNvPr>
@@ -8021,13 +9384,380 @@
         </p:blipFill>
         <p:spPr bwMode="auto">
           <a:xfrm>
-            <a:off x="3938588" y="0"/>
-            <a:ext cx="4313237" cy="6858000"/>
+            <a:off x="1012825" y="890588"/>
+            <a:ext cx="1571625" cy="2420938"/>
           </a:xfrm>
           <a:prstGeom prst="rect">
             <a:avLst/>
           </a:prstGeom>
-          <a:noFill/>
+          <a:extLst>
+            <a:ext uri="{909E8E84-426E-40DD-AFC4-6F175D3DCCD1}">
+              <a14:hiddenFill xmlns:a14="http://schemas.microsoft.com/office/drawing/2010/main">
+                <a:solidFill>
+                  <a:srgbClr val="FFFFFF"/>
+                </a:solidFill>
+              </a14:hiddenFill>
+            </a:ext>
+          </a:extLst>
+        </p:spPr>
+      </p:pic>
+      <p:pic>
+        <p:nvPicPr>
+          <p:cNvPr id="7" name="Picture 16" descr="Amazon.co.jp: Algebraic Geometry and Statistical Learning Theory (Cambridge  Monographs on Applied and Computational Mathematics, Series Number 25) :  Watanabe, Sumio: Foreign Language Books">
+            <a:extLst>
+              <a:ext uri="{FF2B5EF4-FFF2-40B4-BE49-F238E27FC236}">
+                <a16:creationId xmlns:a16="http://schemas.microsoft.com/office/drawing/2014/main" id="{40BAE233-3A11-8BA7-53CD-0BD4816369DE}"/>
+              </a:ext>
+            </a:extLst>
+          </p:cNvPr>
+          <p:cNvPicPr>
+            <a:picLocks noChangeAspect="1" noChangeArrowheads="1"/>
+          </p:cNvPicPr>
+          <p:nvPr/>
+        </p:nvPicPr>
+        <p:blipFill>
+          <a:blip r:embed="rId3">
+            <a:extLst>
+              <a:ext uri="{28A0092B-C50C-407E-A947-70E740481C1C}">
+                <a14:useLocalDpi xmlns:a14="http://schemas.microsoft.com/office/drawing/2010/main" val="0"/>
+              </a:ext>
+            </a:extLst>
+          </a:blip>
+          <a:srcRect/>
+          <a:stretch>
+            <a:fillRect/>
+          </a:stretch>
+        </p:blipFill>
+        <p:spPr bwMode="auto">
+          <a:xfrm>
+            <a:off x="1012825" y="3381375"/>
+            <a:ext cx="1571625" cy="2579688"/>
+          </a:xfrm>
+          <a:prstGeom prst="rect">
+            <a:avLst/>
+          </a:prstGeom>
+          <a:extLst>
+            <a:ext uri="{909E8E84-426E-40DD-AFC4-6F175D3DCCD1}">
+              <a14:hiddenFill xmlns:a14="http://schemas.microsoft.com/office/drawing/2010/main">
+                <a:solidFill>
+                  <a:srgbClr val="FFFFFF"/>
+                </a:solidFill>
+              </a14:hiddenFill>
+            </a:ext>
+          </a:extLst>
+        </p:spPr>
+      </p:pic>
+      <p:pic>
+        <p:nvPicPr>
+          <p:cNvPr id="8" name="Picture 10" descr="Statistical Learning Theory by Vapnik, Vladimir N.">
+            <a:extLst>
+              <a:ext uri="{FF2B5EF4-FFF2-40B4-BE49-F238E27FC236}">
+                <a16:creationId xmlns:a16="http://schemas.microsoft.com/office/drawing/2014/main" id="{7CC8DAEE-340B-28E3-833A-442F871C2BAC}"/>
+              </a:ext>
+            </a:extLst>
+          </p:cNvPr>
+          <p:cNvPicPr>
+            <a:picLocks noChangeAspect="1" noChangeArrowheads="1"/>
+          </p:cNvPicPr>
+          <p:nvPr/>
+        </p:nvPicPr>
+        <p:blipFill>
+          <a:blip r:embed="rId4">
+            <a:extLst>
+              <a:ext uri="{28A0092B-C50C-407E-A947-70E740481C1C}">
+                <a14:useLocalDpi xmlns:a14="http://schemas.microsoft.com/office/drawing/2010/main" val="0"/>
+              </a:ext>
+            </a:extLst>
+          </a:blip>
+          <a:srcRect/>
+          <a:stretch>
+            <a:fillRect/>
+          </a:stretch>
+        </p:blipFill>
+        <p:spPr bwMode="auto">
+          <a:xfrm>
+            <a:off x="2654300" y="890588"/>
+            <a:ext cx="3078163" cy="5070475"/>
+          </a:xfrm>
+          <a:prstGeom prst="rect">
+            <a:avLst/>
+          </a:prstGeom>
+          <a:extLst>
+            <a:ext uri="{909E8E84-426E-40DD-AFC4-6F175D3DCCD1}">
+              <a14:hiddenFill xmlns:a14="http://schemas.microsoft.com/office/drawing/2010/main">
+                <a:solidFill>
+                  <a:srgbClr val="FFFFFF"/>
+                </a:solidFill>
+              </a14:hiddenFill>
+            </a:ext>
+          </a:extLst>
+        </p:spPr>
+      </p:pic>
+      <p:pic>
+        <p:nvPicPr>
+          <p:cNvPr id="9" name="Picture 20" descr="Amazon | Pattern Recognition and Machine Learning (Information Science and  Statistics) | Bishop, Christopher M. | Machine Vision">
+            <a:extLst>
+              <a:ext uri="{FF2B5EF4-FFF2-40B4-BE49-F238E27FC236}">
+                <a16:creationId xmlns:a16="http://schemas.microsoft.com/office/drawing/2014/main" id="{64D93BD3-E7FB-E03C-BBB4-22BFC2105C7C}"/>
+              </a:ext>
+            </a:extLst>
+          </p:cNvPr>
+          <p:cNvPicPr>
+            <a:picLocks noChangeAspect="1" noChangeArrowheads="1"/>
+          </p:cNvPicPr>
+          <p:nvPr/>
+        </p:nvPicPr>
+        <p:blipFill>
+          <a:blip r:embed="rId5">
+            <a:extLst>
+              <a:ext uri="{28A0092B-C50C-407E-A947-70E740481C1C}">
+                <a14:useLocalDpi xmlns:a14="http://schemas.microsoft.com/office/drawing/2010/main" val="0"/>
+              </a:ext>
+            </a:extLst>
+          </a:blip>
+          <a:srcRect/>
+          <a:stretch>
+            <a:fillRect/>
+          </a:stretch>
+        </p:blipFill>
+        <p:spPr bwMode="auto">
+          <a:xfrm>
+            <a:off x="5802313" y="890588"/>
+            <a:ext cx="1858963" cy="2535238"/>
+          </a:xfrm>
+          <a:prstGeom prst="rect">
+            <a:avLst/>
+          </a:prstGeom>
+          <a:extLst>
+            <a:ext uri="{909E8E84-426E-40DD-AFC4-6F175D3DCCD1}">
+              <a14:hiddenFill xmlns:a14="http://schemas.microsoft.com/office/drawing/2010/main">
+                <a:solidFill>
+                  <a:srgbClr val="FFFFFF"/>
+                </a:solidFill>
+              </a14:hiddenFill>
+            </a:ext>
+          </a:extLst>
+        </p:spPr>
+      </p:pic>
+      <p:pic>
+        <p:nvPicPr>
+          <p:cNvPr id="10" name="Picture 2" descr="Boosting: Foundations and Algorithms... by Schapire, Robert E.">
+            <a:extLst>
+              <a:ext uri="{FF2B5EF4-FFF2-40B4-BE49-F238E27FC236}">
+                <a16:creationId xmlns:a16="http://schemas.microsoft.com/office/drawing/2014/main" id="{7D56FCD0-F63D-6054-BF26-3E4BF4276C1F}"/>
+              </a:ext>
+            </a:extLst>
+          </p:cNvPr>
+          <p:cNvPicPr>
+            <a:picLocks noChangeAspect="1" noChangeArrowheads="1"/>
+          </p:cNvPicPr>
+          <p:nvPr/>
+        </p:nvPicPr>
+        <p:blipFill>
+          <a:blip r:embed="rId6">
+            <a:extLst>
+              <a:ext uri="{28A0092B-C50C-407E-A947-70E740481C1C}">
+                <a14:useLocalDpi xmlns:a14="http://schemas.microsoft.com/office/drawing/2010/main" val="0"/>
+              </a:ext>
+            </a:extLst>
+          </a:blip>
+          <a:srcRect/>
+          <a:stretch>
+            <a:fillRect/>
+          </a:stretch>
+        </p:blipFill>
+        <p:spPr bwMode="auto">
+          <a:xfrm>
+            <a:off x="5802313" y="3495675"/>
+            <a:ext cx="1858963" cy="2465388"/>
+          </a:xfrm>
+          <a:prstGeom prst="rect">
+            <a:avLst/>
+          </a:prstGeom>
+          <a:extLst>
+            <a:ext uri="{909E8E84-426E-40DD-AFC4-6F175D3DCCD1}">
+              <a14:hiddenFill xmlns:a14="http://schemas.microsoft.com/office/drawing/2010/main">
+                <a:solidFill>
+                  <a:srgbClr val="FFFFFF"/>
+                </a:solidFill>
+              </a14:hiddenFill>
+            </a:ext>
+          </a:extLst>
+        </p:spPr>
+      </p:pic>
+      <p:pic>
+        <p:nvPicPr>
+          <p:cNvPr id="11" name="Picture 18" descr="Amazon.co.jp: Information Geometry and Its Applications (Applied  Mathematical Sciences, 194) : Amari, Shun-ichi: Foreign Language Books">
+            <a:extLst>
+              <a:ext uri="{FF2B5EF4-FFF2-40B4-BE49-F238E27FC236}">
+                <a16:creationId xmlns:a16="http://schemas.microsoft.com/office/drawing/2014/main" id="{A689F387-7EBB-B826-7F75-BA4D141D04F1}"/>
+              </a:ext>
+            </a:extLst>
+          </p:cNvPr>
+          <p:cNvPicPr>
+            <a:picLocks noChangeAspect="1" noChangeArrowheads="1"/>
+          </p:cNvPicPr>
+          <p:nvPr/>
+        </p:nvPicPr>
+        <p:blipFill>
+          <a:blip r:embed="rId7">
+            <a:extLst>
+              <a:ext uri="{28A0092B-C50C-407E-A947-70E740481C1C}">
+                <a14:useLocalDpi xmlns:a14="http://schemas.microsoft.com/office/drawing/2010/main" val="0"/>
+              </a:ext>
+            </a:extLst>
+          </a:blip>
+          <a:srcRect/>
+          <a:stretch>
+            <a:fillRect/>
+          </a:stretch>
+        </p:blipFill>
+        <p:spPr bwMode="auto">
+          <a:xfrm>
+            <a:off x="7729538" y="890588"/>
+            <a:ext cx="1673225" cy="2740025"/>
+          </a:xfrm>
+          <a:prstGeom prst="rect">
+            <a:avLst/>
+          </a:prstGeom>
+          <a:extLst>
+            <a:ext uri="{909E8E84-426E-40DD-AFC4-6F175D3DCCD1}">
+              <a14:hiddenFill xmlns:a14="http://schemas.microsoft.com/office/drawing/2010/main">
+                <a:solidFill>
+                  <a:srgbClr val="FFFFFF"/>
+                </a:solidFill>
+              </a14:hiddenFill>
+            </a:ext>
+          </a:extLst>
+        </p:spPr>
+      </p:pic>
+      <p:pic>
+        <p:nvPicPr>
+          <p:cNvPr id="12" name="Picture 8" descr="Amazon.co.jp: Deep Learning (Adaptive Computation and Machine Learning  series) : Goodfellow, Ian, Bengio, Yoshua, Courville, Aaron: Foreign  Language Books">
+            <a:extLst>
+              <a:ext uri="{FF2B5EF4-FFF2-40B4-BE49-F238E27FC236}">
+                <a16:creationId xmlns:a16="http://schemas.microsoft.com/office/drawing/2014/main" id="{CA877241-88FC-54C1-5EFE-EE7F204EE795}"/>
+              </a:ext>
+            </a:extLst>
+          </p:cNvPr>
+          <p:cNvPicPr>
+            <a:picLocks noChangeAspect="1" noChangeArrowheads="1"/>
+          </p:cNvPicPr>
+          <p:nvPr/>
+        </p:nvPicPr>
+        <p:blipFill>
+          <a:blip r:embed="rId8">
+            <a:extLst>
+              <a:ext uri="{28A0092B-C50C-407E-A947-70E740481C1C}">
+                <a14:useLocalDpi xmlns:a14="http://schemas.microsoft.com/office/drawing/2010/main" val="0"/>
+              </a:ext>
+            </a:extLst>
+          </a:blip>
+          <a:srcRect/>
+          <a:stretch>
+            <a:fillRect/>
+          </a:stretch>
+        </p:blipFill>
+        <p:spPr bwMode="auto">
+          <a:xfrm>
+            <a:off x="7729538" y="3702050"/>
+            <a:ext cx="1673225" cy="2260600"/>
+          </a:xfrm>
+          <a:prstGeom prst="rect">
+            <a:avLst/>
+          </a:prstGeom>
+          <a:extLst>
+            <a:ext uri="{909E8E84-426E-40DD-AFC4-6F175D3DCCD1}">
+              <a14:hiddenFill xmlns:a14="http://schemas.microsoft.com/office/drawing/2010/main">
+                <a:solidFill>
+                  <a:srgbClr val="FFFFFF"/>
+                </a:solidFill>
+              </a14:hiddenFill>
+            </a:ext>
+          </a:extLst>
+        </p:spPr>
+      </p:pic>
+      <p:pic>
+        <p:nvPicPr>
+          <p:cNvPr id="13" name="Picture 12" descr="A book cover with colorful ribbons&#10;&#10;Description automatically generated">
+            <a:extLst>
+              <a:ext uri="{FF2B5EF4-FFF2-40B4-BE49-F238E27FC236}">
+                <a16:creationId xmlns:a16="http://schemas.microsoft.com/office/drawing/2014/main" id="{58EBB980-DF0D-54ED-1A93-924D5A451CA0}"/>
+              </a:ext>
+            </a:extLst>
+          </p:cNvPr>
+          <p:cNvPicPr>
+            <a:picLocks noChangeAspect="1" noChangeArrowheads="1"/>
+          </p:cNvPicPr>
+          <p:nvPr/>
+        </p:nvPicPr>
+        <p:blipFill>
+          <a:blip r:embed="rId9">
+            <a:extLst>
+              <a:ext uri="{28A0092B-C50C-407E-A947-70E740481C1C}">
+                <a14:useLocalDpi xmlns:a14="http://schemas.microsoft.com/office/drawing/2010/main" val="0"/>
+              </a:ext>
+            </a:extLst>
+          </a:blip>
+          <a:srcRect/>
+          <a:stretch>
+            <a:fillRect/>
+          </a:stretch>
+        </p:blipFill>
+        <p:spPr bwMode="auto">
+          <a:xfrm>
+            <a:off x="9472613" y="890588"/>
+            <a:ext cx="1752600" cy="2284413"/>
+          </a:xfrm>
+          <a:prstGeom prst="rect">
+            <a:avLst/>
+          </a:prstGeom>
+          <a:extLst>
+            <a:ext uri="{909E8E84-426E-40DD-AFC4-6F175D3DCCD1}">
+              <a14:hiddenFill xmlns:a14="http://schemas.microsoft.com/office/drawing/2010/main">
+                <a:solidFill>
+                  <a:srgbClr val="FFFFFF"/>
+                </a:solidFill>
+              </a14:hiddenFill>
+            </a:ext>
+          </a:extLst>
+        </p:spPr>
+      </p:pic>
+      <p:pic>
+        <p:nvPicPr>
+          <p:cNvPr id="14" name="Picture 14" descr="A book cover with text&#10;&#10;Description automatically generated">
+            <a:extLst>
+              <a:ext uri="{FF2B5EF4-FFF2-40B4-BE49-F238E27FC236}">
+                <a16:creationId xmlns:a16="http://schemas.microsoft.com/office/drawing/2014/main" id="{898E1B92-2750-151B-CF1F-3D4D823E81D0}"/>
+              </a:ext>
+            </a:extLst>
+          </p:cNvPr>
+          <p:cNvPicPr>
+            <a:picLocks noChangeAspect="1" noChangeArrowheads="1"/>
+          </p:cNvPicPr>
+          <p:nvPr/>
+        </p:nvPicPr>
+        <p:blipFill>
+          <a:blip r:embed="rId10">
+            <a:extLst>
+              <a:ext uri="{28A0092B-C50C-407E-A947-70E740481C1C}">
+                <a14:useLocalDpi xmlns:a14="http://schemas.microsoft.com/office/drawing/2010/main" val="0"/>
+              </a:ext>
+            </a:extLst>
+          </a:blip>
+          <a:srcRect/>
+          <a:stretch>
+            <a:fillRect/>
+          </a:stretch>
+        </p:blipFill>
+        <p:spPr bwMode="auto">
+          <a:xfrm>
+            <a:off x="9472613" y="3244850"/>
+            <a:ext cx="1752600" cy="2716213"/>
+          </a:xfrm>
+          <a:prstGeom prst="rect">
+            <a:avLst/>
+          </a:prstGeom>
           <a:extLst>
             <a:ext uri="{909E8E84-426E-40DD-AFC4-6F175D3DCCD1}">
               <a14:hiddenFill xmlns:a14="http://schemas.microsoft.com/office/drawing/2010/main">
@@ -8042,7 +9772,7 @@
     </p:spTree>
     <p:extLst>
       <p:ext uri="{BB962C8B-B14F-4D97-AF65-F5344CB8AC3E}">
-        <p14:creationId xmlns:p14="http://schemas.microsoft.com/office/powerpoint/2010/main" val="3278326900"/>
+        <p14:creationId xmlns:p14="http://schemas.microsoft.com/office/powerpoint/2010/main" val="491299959"/>
       </p:ext>
     </p:extLst>
   </p:cSld>
@@ -8074,7 +9804,7 @@
           <p:cNvPr id="2" name="Title 1">
             <a:extLst>
               <a:ext uri="{FF2B5EF4-FFF2-40B4-BE49-F238E27FC236}">
-                <a16:creationId xmlns:a16="http://schemas.microsoft.com/office/drawing/2014/main" id="{5F33BE79-287F-F1E0-E9A1-3DC661D30441}"/>
+                <a16:creationId xmlns:a16="http://schemas.microsoft.com/office/drawing/2014/main" id="{7169FB76-2489-0C66-548F-C3B9E2CD8A65}"/>
               </a:ext>
             </a:extLst>
           </p:cNvPr>
@@ -8099,7 +9829,7 @@
           <p:cNvPr id="3" name="Content Placeholder 2">
             <a:extLst>
               <a:ext uri="{FF2B5EF4-FFF2-40B4-BE49-F238E27FC236}">
-                <a16:creationId xmlns:a16="http://schemas.microsoft.com/office/drawing/2014/main" id="{BD1C5F32-B835-D7AB-B64E-E9E01C1F1793}"/>
+                <a16:creationId xmlns:a16="http://schemas.microsoft.com/office/drawing/2014/main" id="{9163913B-71DC-BD75-719B-A7EF5F00CE9E}"/>
               </a:ext>
             </a:extLst>
           </p:cNvPr>
@@ -8115,16 +9845,16 @@
           <a:bodyPr/>
           <a:lstStyle/>
           <a:p>
-            <a:endParaRPr kumimoji="1" lang="ja-JP" altLang="en-US" dirty="0"/>
+            <a:endParaRPr kumimoji="1" lang="ja-JP" altLang="en-US"/>
           </a:p>
         </p:txBody>
       </p:sp>
       <p:pic>
         <p:nvPicPr>
-          <p:cNvPr id="1026" name="Picture 2">
-            <a:extLst>
-              <a:ext uri="{FF2B5EF4-FFF2-40B4-BE49-F238E27FC236}">
-                <a16:creationId xmlns:a16="http://schemas.microsoft.com/office/drawing/2014/main" id="{E8E1EF77-1537-3746-6970-0A24C98AEBF5}"/>
+          <p:cNvPr id="1026" name="Picture 2" descr="情報理論の要素 (ワイリーシリーズイン 、カバー 、トーマスハードカバー + = - 画像1/1">
+            <a:extLst>
+              <a:ext uri="{FF2B5EF4-FFF2-40B4-BE49-F238E27FC236}">
+                <a16:creationId xmlns:a16="http://schemas.microsoft.com/office/drawing/2014/main" id="{04302A6E-5E4E-50D5-D84E-537DCD511644}"/>
               </a:ext>
             </a:extLst>
           </p:cNvPr>
@@ -8148,8 +9878,8 @@
         </p:blipFill>
         <p:spPr bwMode="auto">
           <a:xfrm>
-            <a:off x="355002" y="214940"/>
-            <a:ext cx="2290108" cy="3313218"/>
+            <a:off x="432603" y="0"/>
+            <a:ext cx="4365308" cy="6929060"/>
           </a:xfrm>
           <a:prstGeom prst="rect">
             <a:avLst/>
@@ -8168,10 +9898,10 @@
       </p:pic>
       <p:pic>
         <p:nvPicPr>
-          <p:cNvPr id="1028" name="Picture 4">
-            <a:extLst>
-              <a:ext uri="{FF2B5EF4-FFF2-40B4-BE49-F238E27FC236}">
-                <a16:creationId xmlns:a16="http://schemas.microsoft.com/office/drawing/2014/main" id="{869FD3FC-AA72-3E95-6D32-9BA0C95C81A4}"/>
+          <p:cNvPr id="1030" name="Picture 6" descr="elvis on X: &quot;Information Theory, Inference, and Learning Algorithms This is  hands down one of the best books you can spend time on if you are studying  CS or ML. It unifies">
+            <a:extLst>
+              <a:ext uri="{FF2B5EF4-FFF2-40B4-BE49-F238E27FC236}">
+                <a16:creationId xmlns:a16="http://schemas.microsoft.com/office/drawing/2014/main" id="{7B546EB9-A5D0-6A4E-84C1-350FE4D9C396}"/>
               </a:ext>
             </a:extLst>
           </p:cNvPr>
@@ -8195,8 +9925,8 @@
         </p:blipFill>
         <p:spPr bwMode="auto">
           <a:xfrm>
-            <a:off x="3491299" y="268154"/>
-            <a:ext cx="2067449" cy="3146612"/>
+            <a:off x="6486525" y="0"/>
+            <a:ext cx="5705475" cy="6858000"/>
           </a:xfrm>
           <a:prstGeom prst="rect">
             <a:avLst/>
@@ -8213,245 +9943,10 @@
           </a:extLst>
         </p:spPr>
       </p:pic>
-      <p:pic>
-        <p:nvPicPr>
-          <p:cNvPr id="1030" name="Picture 6" descr="Cover book the Shallow and the Deep">
-            <a:extLst>
-              <a:ext uri="{FF2B5EF4-FFF2-40B4-BE49-F238E27FC236}">
-                <a16:creationId xmlns:a16="http://schemas.microsoft.com/office/drawing/2014/main" id="{4C31EA6B-35D8-7386-2F1F-4CC879758525}"/>
-              </a:ext>
-            </a:extLst>
-          </p:cNvPr>
-          <p:cNvPicPr>
-            <a:picLocks noChangeAspect="1" noChangeArrowheads="1"/>
-          </p:cNvPicPr>
-          <p:nvPr/>
-        </p:nvPicPr>
-        <p:blipFill>
-          <a:blip r:embed="rId4">
-            <a:extLst>
-              <a:ext uri="{28A0092B-C50C-407E-A947-70E740481C1C}">
-                <a14:useLocalDpi xmlns:a14="http://schemas.microsoft.com/office/drawing/2010/main" val="0"/>
-              </a:ext>
-            </a:extLst>
-          </a:blip>
-          <a:srcRect/>
-          <a:stretch>
-            <a:fillRect/>
-          </a:stretch>
-        </p:blipFill>
-        <p:spPr bwMode="auto">
-          <a:xfrm>
-            <a:off x="6404571" y="214940"/>
-            <a:ext cx="2180322" cy="3085156"/>
-          </a:xfrm>
-          <a:prstGeom prst="rect">
-            <a:avLst/>
-          </a:prstGeom>
-          <a:noFill/>
-          <a:extLst>
-            <a:ext uri="{909E8E84-426E-40DD-AFC4-6F175D3DCCD1}">
-              <a14:hiddenFill xmlns:a14="http://schemas.microsoft.com/office/drawing/2010/main">
-                <a:solidFill>
-                  <a:srgbClr val="FFFFFF"/>
-                </a:solidFill>
-              </a14:hiddenFill>
-            </a:ext>
-          </a:extLst>
-        </p:spPr>
-      </p:pic>
-      <p:pic>
-        <p:nvPicPr>
-          <p:cNvPr id="1032" name="Picture 8">
-            <a:extLst>
-              <a:ext uri="{FF2B5EF4-FFF2-40B4-BE49-F238E27FC236}">
-                <a16:creationId xmlns:a16="http://schemas.microsoft.com/office/drawing/2014/main" id="{BEAF9420-7EC0-0DC9-3B66-22A45F3C4B6B}"/>
-              </a:ext>
-            </a:extLst>
-          </p:cNvPr>
-          <p:cNvPicPr>
-            <a:picLocks noChangeAspect="1" noChangeArrowheads="1"/>
-          </p:cNvPicPr>
-          <p:nvPr/>
-        </p:nvPicPr>
-        <p:blipFill>
-          <a:blip r:embed="rId5">
-            <a:extLst>
-              <a:ext uri="{28A0092B-C50C-407E-A947-70E740481C1C}">
-                <a14:useLocalDpi xmlns:a14="http://schemas.microsoft.com/office/drawing/2010/main" val="0"/>
-              </a:ext>
-            </a:extLst>
-          </a:blip>
-          <a:srcRect/>
-          <a:stretch>
-            <a:fillRect/>
-          </a:stretch>
-        </p:blipFill>
-        <p:spPr bwMode="auto">
-          <a:xfrm>
-            <a:off x="9472879" y="348605"/>
-            <a:ext cx="2058640" cy="3085156"/>
-          </a:xfrm>
-          <a:prstGeom prst="rect">
-            <a:avLst/>
-          </a:prstGeom>
-          <a:noFill/>
-          <a:extLst>
-            <a:ext uri="{909E8E84-426E-40DD-AFC4-6F175D3DCCD1}">
-              <a14:hiddenFill xmlns:a14="http://schemas.microsoft.com/office/drawing/2010/main">
-                <a:solidFill>
-                  <a:srgbClr val="FFFFFF"/>
-                </a:solidFill>
-              </a14:hiddenFill>
-            </a:ext>
-          </a:extLst>
-        </p:spPr>
-      </p:pic>
-      <p:pic>
-        <p:nvPicPr>
-          <p:cNvPr id="1034" name="Picture 10">
-            <a:extLst>
-              <a:ext uri="{FF2B5EF4-FFF2-40B4-BE49-F238E27FC236}">
-                <a16:creationId xmlns:a16="http://schemas.microsoft.com/office/drawing/2014/main" id="{B6349382-C08D-FB12-28F5-0EEB161D7652}"/>
-              </a:ext>
-            </a:extLst>
-          </p:cNvPr>
-          <p:cNvPicPr>
-            <a:picLocks noChangeAspect="1" noChangeArrowheads="1"/>
-          </p:cNvPicPr>
-          <p:nvPr/>
-        </p:nvPicPr>
-        <p:blipFill>
-          <a:blip r:embed="rId6">
-            <a:extLst>
-              <a:ext uri="{28A0092B-C50C-407E-A947-70E740481C1C}">
-                <a14:useLocalDpi xmlns:a14="http://schemas.microsoft.com/office/drawing/2010/main" val="0"/>
-              </a:ext>
-            </a:extLst>
-          </a:blip>
-          <a:srcRect/>
-          <a:stretch>
-            <a:fillRect/>
-          </a:stretch>
-        </p:blipFill>
-        <p:spPr bwMode="auto">
-          <a:xfrm>
-            <a:off x="7781589" y="3607377"/>
-            <a:ext cx="2420285" cy="2993511"/>
-          </a:xfrm>
-          <a:prstGeom prst="rect">
-            <a:avLst/>
-          </a:prstGeom>
-          <a:noFill/>
-          <a:extLst>
-            <a:ext uri="{909E8E84-426E-40DD-AFC4-6F175D3DCCD1}">
-              <a14:hiddenFill xmlns:a14="http://schemas.microsoft.com/office/drawing/2010/main">
-                <a:solidFill>
-                  <a:srgbClr val="FFFFFF"/>
-                </a:solidFill>
-              </a14:hiddenFill>
-            </a:ext>
-          </a:extLst>
-        </p:spPr>
-      </p:pic>
-      <p:pic>
-        <p:nvPicPr>
-          <p:cNvPr id="1036" name="Picture 12">
-            <a:extLst>
-              <a:ext uri="{FF2B5EF4-FFF2-40B4-BE49-F238E27FC236}">
-                <a16:creationId xmlns:a16="http://schemas.microsoft.com/office/drawing/2014/main" id="{FFD4C5AA-B16F-2F9C-44BE-97F9A54338C0}"/>
-              </a:ext>
-            </a:extLst>
-          </p:cNvPr>
-          <p:cNvPicPr>
-            <a:picLocks noChangeAspect="1" noChangeArrowheads="1"/>
-          </p:cNvPicPr>
-          <p:nvPr/>
-        </p:nvPicPr>
-        <p:blipFill>
-          <a:blip r:embed="rId7">
-            <a:extLst>
-              <a:ext uri="{28A0092B-C50C-407E-A947-70E740481C1C}">
-                <a14:useLocalDpi xmlns:a14="http://schemas.microsoft.com/office/drawing/2010/main" val="0"/>
-              </a:ext>
-            </a:extLst>
-          </a:blip>
-          <a:srcRect/>
-          <a:stretch>
-            <a:fillRect/>
-          </a:stretch>
-        </p:blipFill>
-        <p:spPr bwMode="auto">
-          <a:xfrm>
-            <a:off x="4898649" y="3528158"/>
-            <a:ext cx="1944052" cy="3146612"/>
-          </a:xfrm>
-          <a:prstGeom prst="rect">
-            <a:avLst/>
-          </a:prstGeom>
-          <a:noFill/>
-          <a:extLst>
-            <a:ext uri="{909E8E84-426E-40DD-AFC4-6F175D3DCCD1}">
-              <a14:hiddenFill xmlns:a14="http://schemas.microsoft.com/office/drawing/2010/main">
-                <a:solidFill>
-                  <a:srgbClr val="FFFFFF"/>
-                </a:solidFill>
-              </a14:hiddenFill>
-            </a:ext>
-          </a:extLst>
-        </p:spPr>
-      </p:pic>
-      <p:pic>
-        <p:nvPicPr>
-          <p:cNvPr id="1038" name="Picture 14" descr="front cover">
-            <a:extLst>
-              <a:ext uri="{FF2B5EF4-FFF2-40B4-BE49-F238E27FC236}">
-                <a16:creationId xmlns:a16="http://schemas.microsoft.com/office/drawing/2014/main" id="{9A8537B1-AC44-E732-DE9E-58997F4CCC44}"/>
-              </a:ext>
-            </a:extLst>
-          </p:cNvPr>
-          <p:cNvPicPr>
-            <a:picLocks noChangeAspect="1" noChangeArrowheads="1"/>
-          </p:cNvPicPr>
-          <p:nvPr/>
-        </p:nvPicPr>
-        <p:blipFill>
-          <a:blip r:embed="rId8">
-            <a:extLst>
-              <a:ext uri="{28A0092B-C50C-407E-A947-70E740481C1C}">
-                <a14:useLocalDpi xmlns:a14="http://schemas.microsoft.com/office/drawing/2010/main" val="0"/>
-              </a:ext>
-            </a:extLst>
-          </a:blip>
-          <a:srcRect/>
-          <a:stretch>
-            <a:fillRect/>
-          </a:stretch>
-        </p:blipFill>
-        <p:spPr bwMode="auto">
-          <a:xfrm>
-            <a:off x="1153625" y="3517075"/>
-            <a:ext cx="2982969" cy="3340925"/>
-          </a:xfrm>
-          <a:prstGeom prst="rect">
-            <a:avLst/>
-          </a:prstGeom>
-          <a:noFill/>
-          <a:extLst>
-            <a:ext uri="{909E8E84-426E-40DD-AFC4-6F175D3DCCD1}">
-              <a14:hiddenFill xmlns:a14="http://schemas.microsoft.com/office/drawing/2010/main">
-                <a:solidFill>
-                  <a:srgbClr val="FFFFFF"/>
-                </a:solidFill>
-              </a14:hiddenFill>
-            </a:ext>
-          </a:extLst>
-        </p:spPr>
-      </p:pic>
     </p:spTree>
     <p:extLst>
       <p:ext uri="{BB962C8B-B14F-4D97-AF65-F5344CB8AC3E}">
-        <p14:creationId xmlns:p14="http://schemas.microsoft.com/office/powerpoint/2010/main" val="1443018924"/>
+        <p14:creationId xmlns:p14="http://schemas.microsoft.com/office/powerpoint/2010/main" val="2850535214"/>
       </p:ext>
     </p:extLst>
   </p:cSld>
@@ -8483,7 +9978,7 @@
           <p:cNvPr id="2" name="Title 1">
             <a:extLst>
               <a:ext uri="{FF2B5EF4-FFF2-40B4-BE49-F238E27FC236}">
-                <a16:creationId xmlns:a16="http://schemas.microsoft.com/office/drawing/2014/main" id="{1CC3642B-9742-5616-9937-0466314270FA}"/>
+                <a16:creationId xmlns:a16="http://schemas.microsoft.com/office/drawing/2014/main" id="{B92499FD-411F-95A4-8870-7A53AF7A6F8E}"/>
               </a:ext>
             </a:extLst>
           </p:cNvPr>
@@ -8494,49 +9989,53 @@
             <p:ph type="title"/>
           </p:nvPr>
         </p:nvSpPr>
-        <p:spPr>
-          <a:xfrm>
-            <a:off x="219966" y="-273488"/>
-            <a:ext cx="11752068" cy="1325563"/>
-          </a:xfrm>
-        </p:spPr>
-        <p:txBody>
-          <a:bodyPr>
-            <a:normAutofit/>
-          </a:bodyPr>
-          <a:lstStyle/>
-          <a:p>
-            <a:r>
-              <a:rPr kumimoji="1" lang="en-US" altLang="ja-JP" sz="3600" b="1" dirty="0">
-                <a:solidFill>
-                  <a:schemeClr val="accent5"/>
-                </a:solidFill>
-              </a:rPr>
-              <a:t>Hessian manifolds, Hessian geometry, Bregman geometry</a:t>
-            </a:r>
-            <a:endParaRPr kumimoji="1" lang="ja-JP" altLang="en-US" sz="3600" b="1" dirty="0">
-              <a:solidFill>
-                <a:schemeClr val="accent5"/>
-              </a:solidFill>
-            </a:endParaRPr>
+        <p:spPr/>
+        <p:txBody>
+          <a:bodyPr/>
+          <a:lstStyle/>
+          <a:p>
+            <a:endParaRPr kumimoji="1" lang="ja-JP" altLang="en-US"/>
+          </a:p>
+        </p:txBody>
+      </p:sp>
+      <p:sp>
+        <p:nvSpPr>
+          <p:cNvPr id="3" name="Content Placeholder 2">
+            <a:extLst>
+              <a:ext uri="{FF2B5EF4-FFF2-40B4-BE49-F238E27FC236}">
+                <a16:creationId xmlns:a16="http://schemas.microsoft.com/office/drawing/2014/main" id="{B964C452-3716-6D83-5735-5E420F20BCC0}"/>
+              </a:ext>
+            </a:extLst>
+          </p:cNvPr>
+          <p:cNvSpPr>
+            <a:spLocks noGrp="1"/>
+          </p:cNvSpPr>
+          <p:nvPr>
+            <p:ph idx="1"/>
+          </p:nvPr>
+        </p:nvSpPr>
+        <p:spPr/>
+        <p:txBody>
+          <a:bodyPr/>
+          <a:lstStyle/>
+          <a:p>
+            <a:endParaRPr kumimoji="1" lang="ja-JP" altLang="en-US"/>
           </a:p>
         </p:txBody>
       </p:sp>
       <p:pic>
         <p:nvPicPr>
-          <p:cNvPr id="5" name="Content Placeholder 4" descr="A book cover with text&#10;&#10;Description automatically generated">
-            <a:extLst>
-              <a:ext uri="{FF2B5EF4-FFF2-40B4-BE49-F238E27FC236}">
-                <a16:creationId xmlns:a16="http://schemas.microsoft.com/office/drawing/2014/main" id="{D048D31E-7654-8254-FA04-F9748BFF69AF}"/>
+          <p:cNvPr id="1030" name="Picture 6" descr="Inference and Learning from Data: Volume 2:... by Sayed, Ali H.">
+            <a:extLst>
+              <a:ext uri="{FF2B5EF4-FFF2-40B4-BE49-F238E27FC236}">
+                <a16:creationId xmlns:a16="http://schemas.microsoft.com/office/drawing/2014/main" id="{689A299E-434A-1539-F82F-B6EFBFA8DAD9}"/>
               </a:ext>
             </a:extLst>
           </p:cNvPr>
           <p:cNvPicPr>
-            <a:picLocks noGrp="1" noChangeAspect="1"/>
+            <a:picLocks noChangeAspect="1" noChangeArrowheads="1"/>
           </p:cNvPicPr>
-          <p:nvPr>
-            <p:ph idx="1"/>
-          </p:nvPr>
+          <p:nvPr/>
         </p:nvPicPr>
         <p:blipFill>
           <a:blip r:embed="rId3">
@@ -8546,196 +10045,37 @@
               </a:ext>
             </a:extLst>
           </a:blip>
+          <a:srcRect/>
           <a:stretch>
             <a:fillRect/>
           </a:stretch>
         </p:blipFill>
-        <p:spPr>
-          <a:xfrm>
-            <a:off x="772098" y="2025615"/>
-            <a:ext cx="2577158" cy="3655544"/>
-          </a:xfrm>
-        </p:spPr>
-      </p:pic>
-      <p:sp>
-        <p:nvSpPr>
-          <p:cNvPr id="6" name="TextBox 5">
-            <a:extLst>
-              <a:ext uri="{FF2B5EF4-FFF2-40B4-BE49-F238E27FC236}">
-                <a16:creationId xmlns:a16="http://schemas.microsoft.com/office/drawing/2014/main" id="{95C7AD0D-A17F-006E-8AC8-E7411C575379}"/>
-              </a:ext>
-            </a:extLst>
-          </p:cNvPr>
-          <p:cNvSpPr txBox="1"/>
-          <p:nvPr/>
-        </p:nvSpPr>
-        <p:spPr>
-          <a:xfrm>
-            <a:off x="219966" y="772497"/>
-            <a:ext cx="12067727" cy="1477328"/>
+        <p:spPr bwMode="auto">
+          <a:xfrm>
+            <a:off x="4225165" y="971164"/>
+            <a:ext cx="3643319" cy="5272744"/>
           </a:xfrm>
           <a:prstGeom prst="rect">
             <a:avLst/>
           </a:prstGeom>
           <a:noFill/>
-        </p:spPr>
-        <p:txBody>
-          <a:bodyPr wrap="none" rtlCol="0">
-            <a:spAutoFit/>
-          </a:bodyPr>
-          <a:lstStyle/>
-          <a:p>
-            <a:r>
-              <a:rPr kumimoji="1" lang="en-US" altLang="ja-JP" b="1" dirty="0">
-                <a:solidFill>
-                  <a:srgbClr val="FF0000"/>
-                </a:solidFill>
-              </a:rPr>
-              <a:t>Hessian structure </a:t>
-            </a:r>
-            <a:r>
-              <a:rPr kumimoji="1" lang="en-US" altLang="ja-JP" dirty="0"/>
-              <a:t>on a manifold:  </a:t>
-            </a:r>
-            <a:r>
-              <a:rPr kumimoji="1" lang="en-US" altLang="ja-JP" b="1" dirty="0">
-                <a:latin typeface="+mj-lt"/>
-              </a:rPr>
-              <a:t>(g,</a:t>
-            </a:r>
-            <a:r>
-              <a:rPr lang="ja-JP" altLang="en-US" b="1" i="0" dirty="0">
-                <a:effectLst/>
-                <a:latin typeface="+mj-lt"/>
-              </a:rPr>
-              <a:t> ∇</a:t>
-            </a:r>
-            <a:r>
-              <a:rPr kumimoji="1" lang="en-US" altLang="ja-JP" b="1" dirty="0">
-                <a:latin typeface="+mj-lt"/>
-              </a:rPr>
-              <a:t>) </a:t>
-            </a:r>
-            <a:r>
-              <a:rPr kumimoji="1" lang="en-US" altLang="ja-JP" dirty="0"/>
-              <a:t>where g is a Hessian metric tensor and a torsion-free flat connection</a:t>
-            </a:r>
-            <a:r>
-              <a:rPr lang="ja-JP" altLang="en-US" b="1" i="0" dirty="0">
-                <a:effectLst/>
-                <a:latin typeface="+mj-lt"/>
-              </a:rPr>
-              <a:t> ∇</a:t>
-            </a:r>
-            <a:endParaRPr kumimoji="1" lang="en-US" altLang="ja-JP" dirty="0"/>
-          </a:p>
-          <a:p>
-            <a:r>
-              <a:rPr lang="en-US" altLang="ja-JP" dirty="0"/>
-              <a:t>To every chart there is a </a:t>
-            </a:r>
-            <a:r>
-              <a:rPr lang="en-US" altLang="ja-JP" b="1" dirty="0">
-                <a:solidFill>
-                  <a:srgbClr val="FF0000"/>
-                </a:solidFill>
-              </a:rPr>
-              <a:t>potential function </a:t>
-            </a:r>
-            <a:r>
-              <a:rPr lang="en-US" altLang="ja-JP" dirty="0"/>
-              <a:t>defining the Hessian metric in local coordinates of the chart</a:t>
-            </a:r>
-          </a:p>
-          <a:p>
-            <a:r>
-              <a:rPr kumimoji="1" lang="en-US" altLang="ja-JP" dirty="0"/>
-              <a:t>Hessian </a:t>
-            </a:r>
-            <a:r>
-              <a:rPr lang="en-US" altLang="ja-JP" dirty="0"/>
-              <a:t>manifolds are special </a:t>
-            </a:r>
-            <a:r>
-              <a:rPr lang="en-US" altLang="ja-JP" b="1" dirty="0">
-                <a:solidFill>
-                  <a:srgbClr val="FF0000"/>
-                </a:solidFill>
-              </a:rPr>
-              <a:t>affine manifolds </a:t>
-            </a:r>
-            <a:r>
-              <a:rPr lang="en-US" altLang="ja-JP" dirty="0"/>
-              <a:t>(M,</a:t>
-            </a:r>
-            <a:r>
-              <a:rPr lang="ja-JP" altLang="en-US" b="1" i="0" dirty="0">
-                <a:effectLst/>
-                <a:latin typeface="+mj-lt"/>
-              </a:rPr>
-              <a:t> ∇</a:t>
-            </a:r>
-            <a:r>
-              <a:rPr kumimoji="1" lang="en-US" altLang="ja-JP" b="1" dirty="0">
-                <a:latin typeface="+mj-lt"/>
-              </a:rPr>
-              <a:t>) </a:t>
-            </a:r>
-            <a:r>
-              <a:rPr kumimoji="1" lang="en-US" altLang="ja-JP" dirty="0">
-                <a:latin typeface="+mj-lt"/>
-              </a:rPr>
-              <a:t>where </a:t>
-            </a:r>
-            <a:r>
-              <a:rPr lang="ja-JP" altLang="en-US" i="0" dirty="0">
-                <a:effectLst/>
-                <a:latin typeface="+mj-lt"/>
-              </a:rPr>
-              <a:t>∇ </a:t>
-            </a:r>
-            <a:r>
-              <a:rPr lang="en-US" altLang="ja-JP" i="0" dirty="0">
-                <a:effectLst/>
-                <a:latin typeface="+mj-lt"/>
-              </a:rPr>
-              <a:t>is </a:t>
-            </a:r>
-            <a:r>
-              <a:rPr kumimoji="1" lang="en-US" altLang="ja-JP" dirty="0"/>
-              <a:t>a torsion-free flat connection</a:t>
-            </a:r>
-          </a:p>
-          <a:p>
-            <a:r>
-              <a:rPr lang="en-US" altLang="ja-JP" dirty="0"/>
-              <a:t>A Bregman divergence induces a Hessian manifold with a global chart, a </a:t>
-            </a:r>
-            <a:r>
-              <a:rPr lang="en-US" altLang="ja-JP" b="1" dirty="0">
-                <a:solidFill>
-                  <a:srgbClr val="FF0000"/>
-                </a:solidFill>
-              </a:rPr>
-              <a:t>Bregman manifold</a:t>
-            </a:r>
-            <a:endParaRPr kumimoji="1" lang="en-US" altLang="ja-JP" b="1" dirty="0">
-              <a:solidFill>
-                <a:srgbClr val="FF0000"/>
-              </a:solidFill>
-            </a:endParaRPr>
-          </a:p>
-          <a:p>
-            <a:endParaRPr kumimoji="1" lang="ja-JP" altLang="en-US" dirty="0"/>
-          </a:p>
-        </p:txBody>
-      </p:sp>
+          <a:extLst>
+            <a:ext uri="{909E8E84-426E-40DD-AFC4-6F175D3DCCD1}">
+              <a14:hiddenFill xmlns:a14="http://schemas.microsoft.com/office/drawing/2010/main">
+                <a:solidFill>
+                  <a:srgbClr val="FFFFFF"/>
+                </a:solidFill>
+              </a14:hiddenFill>
+            </a:ext>
+          </a:extLst>
+        </p:spPr>
+      </p:pic>
       <p:pic>
         <p:nvPicPr>
-          <p:cNvPr id="1026" name="Picture 2" descr="The Geometry of Hessian Structures: Shima, Hirohiko: 9789812700315:  Amazon.com: Books">
-            <a:extLst>
-              <a:ext uri="{FF2B5EF4-FFF2-40B4-BE49-F238E27FC236}">
-                <a16:creationId xmlns:a16="http://schemas.microsoft.com/office/drawing/2014/main" id="{4270141D-62DE-8996-E8BA-9560EC07568B}"/>
+          <p:cNvPr id="1032" name="Picture 8" descr="Inference and Learning from Data: Volume 1:... by Sayed, Ali H.">
+            <a:extLst>
+              <a:ext uri="{FF2B5EF4-FFF2-40B4-BE49-F238E27FC236}">
+                <a16:creationId xmlns:a16="http://schemas.microsoft.com/office/drawing/2014/main" id="{4016D007-6D2B-BEDD-0B93-B19823DC9050}"/>
               </a:ext>
             </a:extLst>
           </p:cNvPr>
@@ -8759,8 +10099,8 @@
         </p:blipFill>
         <p:spPr bwMode="auto">
           <a:xfrm>
-            <a:off x="4869651" y="1990611"/>
-            <a:ext cx="2504871" cy="3716018"/>
+            <a:off x="122987" y="971166"/>
+            <a:ext cx="3604113" cy="5216004"/>
           </a:xfrm>
           <a:prstGeom prst="rect">
             <a:avLst/>
@@ -8777,131 +10117,12 @@
           </a:extLst>
         </p:spPr>
       </p:pic>
-      <p:sp>
-        <p:nvSpPr>
-          <p:cNvPr id="8" name="TextBox 7">
-            <a:extLst>
-              <a:ext uri="{FF2B5EF4-FFF2-40B4-BE49-F238E27FC236}">
-                <a16:creationId xmlns:a16="http://schemas.microsoft.com/office/drawing/2014/main" id="{9896DFD9-206F-9197-815E-92946154232B}"/>
-              </a:ext>
-            </a:extLst>
-          </p:cNvPr>
-          <p:cNvSpPr txBox="1"/>
-          <p:nvPr/>
-        </p:nvSpPr>
-        <p:spPr>
-          <a:xfrm>
-            <a:off x="0" y="5716171"/>
-            <a:ext cx="6182832" cy="369332"/>
-          </a:xfrm>
-          <a:prstGeom prst="rect">
-            <a:avLst/>
-          </a:prstGeom>
-          <a:noFill/>
-        </p:spPr>
-        <p:txBody>
-          <a:bodyPr wrap="square">
-            <a:spAutoFit/>
-          </a:bodyPr>
-          <a:lstStyle/>
-          <a:p>
-            <a:r>
-              <a:rPr lang="ja-JP" altLang="en-US" dirty="0"/>
-              <a:t>志摩裕彦, へッセ幾何学， 裳華房， 2001</a:t>
-            </a:r>
-          </a:p>
-        </p:txBody>
-      </p:sp>
-      <p:sp>
-        <p:nvSpPr>
-          <p:cNvPr id="10" name="TextBox 9">
-            <a:extLst>
-              <a:ext uri="{FF2B5EF4-FFF2-40B4-BE49-F238E27FC236}">
-                <a16:creationId xmlns:a16="http://schemas.microsoft.com/office/drawing/2014/main" id="{A35B527E-ECB8-8DAB-CB88-FAE7BC8F0082}"/>
-              </a:ext>
-            </a:extLst>
-          </p:cNvPr>
-          <p:cNvSpPr txBox="1"/>
-          <p:nvPr/>
-        </p:nvSpPr>
-        <p:spPr>
-          <a:xfrm>
-            <a:off x="4656286" y="5751243"/>
-            <a:ext cx="7860119" cy="369332"/>
-          </a:xfrm>
-          <a:prstGeom prst="rect">
-            <a:avLst/>
-          </a:prstGeom>
-          <a:noFill/>
-        </p:spPr>
-        <p:txBody>
-          <a:bodyPr wrap="square">
-            <a:spAutoFit/>
-          </a:bodyPr>
-          <a:lstStyle/>
-          <a:p>
-            <a:r>
-              <a:rPr lang="en-US" altLang="ja-JP" b="0" i="0" dirty="0">
-                <a:solidFill>
-                  <a:srgbClr val="222222"/>
-                </a:solidFill>
-                <a:effectLst/>
-                <a:latin typeface="+mj-lt"/>
-              </a:rPr>
-              <a:t>Shima, </a:t>
-            </a:r>
-            <a:r>
-              <a:rPr lang="en-US" altLang="ja-JP" b="0" i="0" dirty="0" err="1">
-                <a:solidFill>
-                  <a:srgbClr val="222222"/>
-                </a:solidFill>
-                <a:effectLst/>
-                <a:latin typeface="+mj-lt"/>
-              </a:rPr>
-              <a:t>Hirohiko</a:t>
-            </a:r>
-            <a:r>
-              <a:rPr lang="en-US" altLang="ja-JP" b="0" i="0" dirty="0">
-                <a:solidFill>
-                  <a:srgbClr val="222222"/>
-                </a:solidFill>
-                <a:effectLst/>
-                <a:latin typeface="+mj-lt"/>
-              </a:rPr>
-              <a:t>. </a:t>
-            </a:r>
-            <a:r>
-              <a:rPr lang="en-US" altLang="ja-JP" b="0" i="1" dirty="0">
-                <a:solidFill>
-                  <a:srgbClr val="222222"/>
-                </a:solidFill>
-                <a:effectLst/>
-                <a:latin typeface="+mj-lt"/>
-              </a:rPr>
-              <a:t>The geometry of Hessian structures</a:t>
-            </a:r>
-            <a:r>
-              <a:rPr lang="en-US" altLang="ja-JP" b="0" i="0" dirty="0">
-                <a:solidFill>
-                  <a:srgbClr val="222222"/>
-                </a:solidFill>
-                <a:effectLst/>
-                <a:latin typeface="+mj-lt"/>
-              </a:rPr>
-              <a:t>. World Scientific, 2007.</a:t>
-            </a:r>
-            <a:endParaRPr lang="ja-JP" altLang="en-US" dirty="0">
-              <a:latin typeface="+mj-lt"/>
-            </a:endParaRPr>
-          </a:p>
-        </p:txBody>
-      </p:sp>
       <p:pic>
         <p:nvPicPr>
-          <p:cNvPr id="1028" name="Picture 4" descr="Jean-Louis Koszul and Hirihiko Shima at GSI'13 “Geometric Science of... |  Download Scientific Diagram">
-            <a:extLst>
-              <a:ext uri="{FF2B5EF4-FFF2-40B4-BE49-F238E27FC236}">
-                <a16:creationId xmlns:a16="http://schemas.microsoft.com/office/drawing/2014/main" id="{531CC6B4-2CF9-4BBC-DF59-40E0E72095B9}"/>
+          <p:cNvPr id="1034" name="Picture 10" descr="Inference and Learning from Data: Volume 3:... by Sayed, Ali H.">
+            <a:extLst>
+              <a:ext uri="{FF2B5EF4-FFF2-40B4-BE49-F238E27FC236}">
+                <a16:creationId xmlns:a16="http://schemas.microsoft.com/office/drawing/2014/main" id="{BE6A1750-9892-6119-CC88-524D9FD22EE5}"/>
               </a:ext>
             </a:extLst>
           </p:cNvPr>
@@ -8925,8 +10146,8 @@
         </p:blipFill>
         <p:spPr bwMode="auto">
           <a:xfrm>
-            <a:off x="8153050" y="2025614"/>
-            <a:ext cx="3704165" cy="2780302"/>
+            <a:off x="8226091" y="971164"/>
+            <a:ext cx="3643319" cy="5272743"/>
           </a:xfrm>
           <a:prstGeom prst="rect">
             <a:avLst/>
@@ -8943,154 +10164,10 @@
           </a:extLst>
         </p:spPr>
       </p:pic>
-      <p:sp>
-        <p:nvSpPr>
-          <p:cNvPr id="11" name="TextBox 10">
-            <a:extLst>
-              <a:ext uri="{FF2B5EF4-FFF2-40B4-BE49-F238E27FC236}">
-                <a16:creationId xmlns:a16="http://schemas.microsoft.com/office/drawing/2014/main" id="{C1FE3A9D-DC74-5C90-F7BB-77EFD2367579}"/>
-              </a:ext>
-            </a:extLst>
-          </p:cNvPr>
-          <p:cNvSpPr txBox="1"/>
-          <p:nvPr/>
-        </p:nvSpPr>
-        <p:spPr>
-          <a:xfrm>
-            <a:off x="8303384" y="4893919"/>
-            <a:ext cx="3403496" cy="861774"/>
-          </a:xfrm>
-          <a:prstGeom prst="rect">
-            <a:avLst/>
-          </a:prstGeom>
-          <a:noFill/>
-        </p:spPr>
-        <p:txBody>
-          <a:bodyPr wrap="none" rtlCol="0">
-            <a:spAutoFit/>
-          </a:bodyPr>
-          <a:lstStyle/>
-          <a:p>
-            <a:pPr algn="ctr"/>
-            <a:r>
-              <a:rPr kumimoji="1" lang="en-US" altLang="ja-JP" sz="1600" dirty="0"/>
-              <a:t>Professor Jean-Louis </a:t>
-            </a:r>
-            <a:r>
-              <a:rPr kumimoji="1" lang="en-US" altLang="ja-JP" sz="1600" dirty="0" err="1"/>
-              <a:t>Koszul</a:t>
-            </a:r>
-            <a:r>
-              <a:rPr kumimoji="1" lang="en-US" altLang="ja-JP" sz="1600" dirty="0"/>
-              <a:t> (left)</a:t>
-            </a:r>
-          </a:p>
-          <a:p>
-            <a:pPr algn="ctr"/>
-            <a:r>
-              <a:rPr lang="en-US" altLang="ja-JP" sz="1600" dirty="0"/>
-              <a:t>Professor </a:t>
-            </a:r>
-            <a:r>
-              <a:rPr lang="en-US" altLang="ja-JP" sz="1600" dirty="0" err="1"/>
-              <a:t>Hirohiko</a:t>
-            </a:r>
-            <a:r>
-              <a:rPr lang="en-US" altLang="ja-JP" sz="1600" dirty="0"/>
-              <a:t> Shima (right)</a:t>
-            </a:r>
-          </a:p>
-          <a:p>
-            <a:pPr algn="ctr"/>
-            <a:r>
-              <a:rPr lang="en-US" altLang="ja-JP" sz="1600" dirty="0"/>
-              <a:t>at GSI 2013 </a:t>
-            </a:r>
-            <a:endParaRPr kumimoji="1" lang="ja-JP" altLang="en-US" sz="1600" dirty="0"/>
-          </a:p>
-        </p:txBody>
-      </p:sp>
-      <p:sp>
-        <p:nvSpPr>
-          <p:cNvPr id="13" name="TextBox 12">
-            <a:extLst>
-              <a:ext uri="{FF2B5EF4-FFF2-40B4-BE49-F238E27FC236}">
-                <a16:creationId xmlns:a16="http://schemas.microsoft.com/office/drawing/2014/main" id="{52BB09E9-86D5-9D8E-E99E-A9452DF7D641}"/>
-              </a:ext>
-            </a:extLst>
-          </p:cNvPr>
-          <p:cNvSpPr txBox="1"/>
-          <p:nvPr/>
-        </p:nvSpPr>
-        <p:spPr>
-          <a:xfrm>
-            <a:off x="46241" y="6165189"/>
-            <a:ext cx="12209494" cy="646331"/>
-          </a:xfrm>
-          <a:prstGeom prst="rect">
-            <a:avLst/>
-          </a:prstGeom>
-          <a:noFill/>
-        </p:spPr>
-        <p:txBody>
-          <a:bodyPr wrap="square">
-            <a:spAutoFit/>
-          </a:bodyPr>
-          <a:lstStyle/>
-          <a:p>
-            <a:r>
-              <a:rPr lang="en-US" altLang="ja-JP" b="0" i="0" dirty="0">
-                <a:solidFill>
-                  <a:srgbClr val="222222"/>
-                </a:solidFill>
-                <a:effectLst/>
-                <a:latin typeface="Arial" panose="020B0604020202020204" pitchFamily="34" charset="0"/>
-              </a:rPr>
-              <a:t> Tutorial on Bregman manifolds: </a:t>
-            </a:r>
-            <a:r>
-              <a:rPr lang="en-US" altLang="ja-JP" b="1" i="0" dirty="0">
-                <a:solidFill>
-                  <a:schemeClr val="accent6"/>
-                </a:solidFill>
-                <a:effectLst/>
-                <a:latin typeface="+mj-lt"/>
-              </a:rPr>
-              <a:t>"On geodesic triangles with right angles in a dually flat space." </a:t>
-            </a:r>
-            <a:r>
-              <a:rPr lang="en-US" altLang="ja-JP" b="1" i="1" dirty="0">
-                <a:solidFill>
-                  <a:schemeClr val="accent6"/>
-                </a:solidFill>
-                <a:effectLst/>
-                <a:latin typeface="+mj-lt"/>
-              </a:rPr>
-              <a:t>Progress in Information Geometry: Theory and Applications</a:t>
-            </a:r>
-            <a:r>
-              <a:rPr lang="en-US" altLang="ja-JP" b="1" i="0" dirty="0">
-                <a:solidFill>
-                  <a:schemeClr val="accent6"/>
-                </a:solidFill>
-                <a:effectLst/>
-                <a:latin typeface="+mj-lt"/>
-              </a:rPr>
-              <a:t>. Cham: Springer International Publishing, 2021. 153-190.</a:t>
-            </a:r>
-            <a:endParaRPr lang="ja-JP" altLang="en-US" b="1" dirty="0">
-              <a:solidFill>
-                <a:schemeClr val="accent6"/>
-              </a:solidFill>
-              <a:latin typeface="+mj-lt"/>
-            </a:endParaRPr>
-          </a:p>
-        </p:txBody>
-      </p:sp>
     </p:spTree>
     <p:extLst>
       <p:ext uri="{BB962C8B-B14F-4D97-AF65-F5344CB8AC3E}">
-        <p14:creationId xmlns:p14="http://schemas.microsoft.com/office/powerpoint/2010/main" val="3165096420"/>
+        <p14:creationId xmlns:p14="http://schemas.microsoft.com/office/powerpoint/2010/main" val="2189988050"/>
       </p:ext>
     </p:extLst>
   </p:cSld>

--- a/PPTX/Cards-November2023.pptx
+++ b/PPTX/Cards-November2023.pptx
@@ -5,24 +5,25 @@
     <p:sldMasterId id="2147483648" r:id="rId1"/>
   </p:sldMasterIdLst>
   <p:notesMasterIdLst>
-    <p:notesMasterId r:id="rId17"/>
+    <p:notesMasterId r:id="rId18"/>
   </p:notesMasterIdLst>
   <p:sldIdLst>
     <p:sldId id="256" r:id="rId2"/>
-    <p:sldId id="267" r:id="rId3"/>
-    <p:sldId id="268" r:id="rId4"/>
-    <p:sldId id="270" r:id="rId5"/>
-    <p:sldId id="269" r:id="rId6"/>
-    <p:sldId id="265" r:id="rId7"/>
-    <p:sldId id="266" r:id="rId8"/>
-    <p:sldId id="264" r:id="rId9"/>
-    <p:sldId id="262" r:id="rId10"/>
-    <p:sldId id="263" r:id="rId11"/>
-    <p:sldId id="261" r:id="rId12"/>
-    <p:sldId id="260" r:id="rId13"/>
-    <p:sldId id="258" r:id="rId14"/>
-    <p:sldId id="257" r:id="rId15"/>
-    <p:sldId id="259" r:id="rId16"/>
+    <p:sldId id="271" r:id="rId3"/>
+    <p:sldId id="267" r:id="rId4"/>
+    <p:sldId id="268" r:id="rId5"/>
+    <p:sldId id="270" r:id="rId6"/>
+    <p:sldId id="269" r:id="rId7"/>
+    <p:sldId id="265" r:id="rId8"/>
+    <p:sldId id="266" r:id="rId9"/>
+    <p:sldId id="264" r:id="rId10"/>
+    <p:sldId id="262" r:id="rId11"/>
+    <p:sldId id="263" r:id="rId12"/>
+    <p:sldId id="261" r:id="rId13"/>
+    <p:sldId id="260" r:id="rId14"/>
+    <p:sldId id="258" r:id="rId15"/>
+    <p:sldId id="257" r:id="rId16"/>
+    <p:sldId id="259" r:id="rId17"/>
   </p:sldIdLst>
   <p:sldSz cx="12192000" cy="6858000"/>
   <p:notesSz cx="6858000" cy="9144000"/>
@@ -211,7 +212,7 @@
           <a:p>
             <a:fld id="{D18D4C2D-CE11-4A36-9412-76A548B99578}" type="datetimeFigureOut">
               <a:rPr kumimoji="1" lang="ja-JP" altLang="en-US" smtClean="0"/>
-              <a:t>2023/12/7</a:t>
+              <a:t>2023/12/15</a:t>
             </a:fld>
             <a:endParaRPr kumimoji="1" lang="ja-JP" altLang="en-US"/>
           </a:p>
@@ -712,7 +713,7 @@
           <a:p>
             <a:fld id="{897A3250-0369-4FF2-8A87-F471EFBE05A0}" type="slidenum">
               <a:rPr kumimoji="1" lang="ja-JP" altLang="en-US" smtClean="0"/>
-              <a:t>2</a:t>
+              <a:t>3</a:t>
             </a:fld>
             <a:endParaRPr kumimoji="1" lang="ja-JP" altLang="en-US"/>
           </a:p>
@@ -806,7 +807,7 @@
           <a:p>
             <a:fld id="{897A3250-0369-4FF2-8A87-F471EFBE05A0}" type="slidenum">
               <a:rPr kumimoji="1" lang="ja-JP" altLang="en-US" smtClean="0"/>
-              <a:t>3</a:t>
+              <a:t>4</a:t>
             </a:fld>
             <a:endParaRPr kumimoji="1" lang="ja-JP" altLang="en-US"/>
           </a:p>
@@ -914,7 +915,7 @@
           <a:p>
             <a:fld id="{897A3250-0369-4FF2-8A87-F471EFBE05A0}" type="slidenum">
               <a:rPr kumimoji="1" lang="ja-JP" altLang="en-US" smtClean="0"/>
-              <a:t>6</a:t>
+              <a:t>7</a:t>
             </a:fld>
             <a:endParaRPr kumimoji="1" lang="ja-JP" altLang="en-US"/>
           </a:p>
@@ -1049,7 +1050,7 @@
           <a:p>
             <a:fld id="{897A3250-0369-4FF2-8A87-F471EFBE05A0}" type="slidenum">
               <a:rPr kumimoji="1" lang="ja-JP" altLang="en-US" smtClean="0"/>
-              <a:t>9</a:t>
+              <a:t>10</a:t>
             </a:fld>
             <a:endParaRPr kumimoji="1" lang="ja-JP" altLang="en-US"/>
           </a:p>
@@ -1312,7 +1313,7 @@
           <a:p>
             <a:fld id="{897A3250-0369-4FF2-8A87-F471EFBE05A0}" type="slidenum">
               <a:rPr kumimoji="1" lang="ja-JP" altLang="en-US" smtClean="0"/>
-              <a:t>13</a:t>
+              <a:t>14</a:t>
             </a:fld>
             <a:endParaRPr kumimoji="1" lang="ja-JP" altLang="en-US"/>
           </a:p>
@@ -1459,7 +1460,7 @@
           <a:p>
             <a:fld id="{897A3250-0369-4FF2-8A87-F471EFBE05A0}" type="slidenum">
               <a:rPr kumimoji="1" lang="ja-JP" altLang="en-US" smtClean="0"/>
-              <a:t>15</a:t>
+              <a:t>16</a:t>
             </a:fld>
             <a:endParaRPr kumimoji="1" lang="ja-JP" altLang="en-US"/>
           </a:p>
@@ -1627,7 +1628,7 @@
           <a:p>
             <a:fld id="{1FE1D380-D20F-4BF7-A204-3A9DABE281DF}" type="datetimeFigureOut">
               <a:rPr kumimoji="1" lang="ja-JP" altLang="en-US" smtClean="0"/>
-              <a:t>2023/12/7</a:t>
+              <a:t>2023/12/15</a:t>
             </a:fld>
             <a:endParaRPr kumimoji="1" lang="ja-JP" altLang="en-US"/>
           </a:p>
@@ -1827,7 +1828,7 @@
           <a:p>
             <a:fld id="{1FE1D380-D20F-4BF7-A204-3A9DABE281DF}" type="datetimeFigureOut">
               <a:rPr kumimoji="1" lang="ja-JP" altLang="en-US" smtClean="0"/>
-              <a:t>2023/12/7</a:t>
+              <a:t>2023/12/15</a:t>
             </a:fld>
             <a:endParaRPr kumimoji="1" lang="ja-JP" altLang="en-US"/>
           </a:p>
@@ -2037,7 +2038,7 @@
           <a:p>
             <a:fld id="{1FE1D380-D20F-4BF7-A204-3A9DABE281DF}" type="datetimeFigureOut">
               <a:rPr kumimoji="1" lang="ja-JP" altLang="en-US" smtClean="0"/>
-              <a:t>2023/12/7</a:t>
+              <a:t>2023/12/15</a:t>
             </a:fld>
             <a:endParaRPr kumimoji="1" lang="ja-JP" altLang="en-US"/>
           </a:p>
@@ -2237,7 +2238,7 @@
           <a:p>
             <a:fld id="{1FE1D380-D20F-4BF7-A204-3A9DABE281DF}" type="datetimeFigureOut">
               <a:rPr kumimoji="1" lang="ja-JP" altLang="en-US" smtClean="0"/>
-              <a:t>2023/12/7</a:t>
+              <a:t>2023/12/15</a:t>
             </a:fld>
             <a:endParaRPr kumimoji="1" lang="ja-JP" altLang="en-US"/>
           </a:p>
@@ -2513,7 +2514,7 @@
           <a:p>
             <a:fld id="{1FE1D380-D20F-4BF7-A204-3A9DABE281DF}" type="datetimeFigureOut">
               <a:rPr kumimoji="1" lang="ja-JP" altLang="en-US" smtClean="0"/>
-              <a:t>2023/12/7</a:t>
+              <a:t>2023/12/15</a:t>
             </a:fld>
             <a:endParaRPr kumimoji="1" lang="ja-JP" altLang="en-US"/>
           </a:p>
@@ -2781,7 +2782,7 @@
           <a:p>
             <a:fld id="{1FE1D380-D20F-4BF7-A204-3A9DABE281DF}" type="datetimeFigureOut">
               <a:rPr kumimoji="1" lang="ja-JP" altLang="en-US" smtClean="0"/>
-              <a:t>2023/12/7</a:t>
+              <a:t>2023/12/15</a:t>
             </a:fld>
             <a:endParaRPr kumimoji="1" lang="ja-JP" altLang="en-US"/>
           </a:p>
@@ -3196,7 +3197,7 @@
           <a:p>
             <a:fld id="{1FE1D380-D20F-4BF7-A204-3A9DABE281DF}" type="datetimeFigureOut">
               <a:rPr kumimoji="1" lang="ja-JP" altLang="en-US" smtClean="0"/>
-              <a:t>2023/12/7</a:t>
+              <a:t>2023/12/15</a:t>
             </a:fld>
             <a:endParaRPr kumimoji="1" lang="ja-JP" altLang="en-US"/>
           </a:p>
@@ -3338,7 +3339,7 @@
           <a:p>
             <a:fld id="{1FE1D380-D20F-4BF7-A204-3A9DABE281DF}" type="datetimeFigureOut">
               <a:rPr kumimoji="1" lang="ja-JP" altLang="en-US" smtClean="0"/>
-              <a:t>2023/12/7</a:t>
+              <a:t>2023/12/15</a:t>
             </a:fld>
             <a:endParaRPr kumimoji="1" lang="ja-JP" altLang="en-US"/>
           </a:p>
@@ -3451,7 +3452,7 @@
           <a:p>
             <a:fld id="{1FE1D380-D20F-4BF7-A204-3A9DABE281DF}" type="datetimeFigureOut">
               <a:rPr kumimoji="1" lang="ja-JP" altLang="en-US" smtClean="0"/>
-              <a:t>2023/12/7</a:t>
+              <a:t>2023/12/15</a:t>
             </a:fld>
             <a:endParaRPr kumimoji="1" lang="ja-JP" altLang="en-US"/>
           </a:p>
@@ -3764,7 +3765,7 @@
           <a:p>
             <a:fld id="{1FE1D380-D20F-4BF7-A204-3A9DABE281DF}" type="datetimeFigureOut">
               <a:rPr kumimoji="1" lang="ja-JP" altLang="en-US" smtClean="0"/>
-              <a:t>2023/12/7</a:t>
+              <a:t>2023/12/15</a:t>
             </a:fld>
             <a:endParaRPr kumimoji="1" lang="ja-JP" altLang="en-US"/>
           </a:p>
@@ -4053,7 +4054,7 @@
           <a:p>
             <a:fld id="{1FE1D380-D20F-4BF7-A204-3A9DABE281DF}" type="datetimeFigureOut">
               <a:rPr kumimoji="1" lang="ja-JP" altLang="en-US" smtClean="0"/>
-              <a:t>2023/12/7</a:t>
+              <a:t>2023/12/15</a:t>
             </a:fld>
             <a:endParaRPr kumimoji="1" lang="ja-JP" altLang="en-US"/>
           </a:p>
@@ -4296,7 +4297,7 @@
           <a:p>
             <a:fld id="{1FE1D380-D20F-4BF7-A204-3A9DABE281DF}" type="datetimeFigureOut">
               <a:rPr kumimoji="1" lang="ja-JP" altLang="en-US" smtClean="0"/>
-              <a:t>2023/12/7</a:t>
+              <a:t>2023/12/15</a:t>
             </a:fld>
             <a:endParaRPr kumimoji="1" lang="ja-JP" altLang="en-US"/>
           </a:p>
@@ -5420,7 +5421,7 @@
           <p:cNvPr id="2" name="Title 1">
             <a:extLst>
               <a:ext uri="{FF2B5EF4-FFF2-40B4-BE49-F238E27FC236}">
-                <a16:creationId xmlns:a16="http://schemas.microsoft.com/office/drawing/2014/main" id="{C0F842C2-1E65-5B3B-DE02-264DE19BE364}"/>
+                <a16:creationId xmlns:a16="http://schemas.microsoft.com/office/drawing/2014/main" id="{B92499FD-411F-95A4-8870-7A53AF7A6F8E}"/>
               </a:ext>
             </a:extLst>
           </p:cNvPr>
@@ -5431,53 +5432,12 @@
             <p:ph type="title"/>
           </p:nvPr>
         </p:nvSpPr>
-        <p:spPr>
-          <a:xfrm>
-            <a:off x="300318" y="0"/>
-            <a:ext cx="10515600" cy="1325563"/>
-          </a:xfrm>
-        </p:spPr>
+        <p:spPr/>
         <p:txBody>
           <a:bodyPr/>
           <a:lstStyle/>
           <a:p>
-            <a:r>
-              <a:rPr kumimoji="1" lang="en-US" altLang="ja-JP" b="1" dirty="0" err="1">
-                <a:solidFill>
-                  <a:schemeClr val="accent5"/>
-                </a:solidFill>
-              </a:rPr>
-              <a:t>Contraharmonic</a:t>
-            </a:r>
-            <a:r>
-              <a:rPr kumimoji="1" lang="en-US" altLang="ja-JP" b="1" dirty="0">
-                <a:solidFill>
-                  <a:schemeClr val="accent5"/>
-                </a:solidFill>
-              </a:rPr>
-              <a:t> or </a:t>
-            </a:r>
-            <a:r>
-              <a:rPr kumimoji="1" lang="en-US" altLang="ja-JP" b="1" dirty="0" err="1">
-                <a:solidFill>
-                  <a:schemeClr val="accent5"/>
-                </a:solidFill>
-              </a:rPr>
-              <a:t>antiharmonic</a:t>
-            </a:r>
-            <a:r>
-              <a:rPr kumimoji="1" lang="en-US" altLang="ja-JP" b="1" dirty="0">
-                <a:solidFill>
-                  <a:schemeClr val="accent5"/>
-                </a:solidFill>
-              </a:rPr>
-              <a:t> mean</a:t>
-            </a:r>
-            <a:endParaRPr kumimoji="1" lang="ja-JP" altLang="en-US" b="1" dirty="0">
-              <a:solidFill>
-                <a:schemeClr val="accent5"/>
-              </a:solidFill>
-            </a:endParaRPr>
+            <a:endParaRPr kumimoji="1" lang="ja-JP" altLang="en-US"/>
           </a:p>
         </p:txBody>
       </p:sp>
@@ -5486,7 +5446,7 @@
           <p:cNvPr id="3" name="Content Placeholder 2">
             <a:extLst>
               <a:ext uri="{FF2B5EF4-FFF2-40B4-BE49-F238E27FC236}">
-                <a16:creationId xmlns:a16="http://schemas.microsoft.com/office/drawing/2014/main" id="{BC4EE631-2EFE-D138-8C83-89892299F470}"/>
+                <a16:creationId xmlns:a16="http://schemas.microsoft.com/office/drawing/2014/main" id="{B964C452-3716-6D83-5735-5E420F20BCC0}"/>
               </a:ext>
             </a:extLst>
           </p:cNvPr>
@@ -5497,126 +5457,160 @@
             <p:ph idx="1"/>
           </p:nvPr>
         </p:nvSpPr>
-        <p:spPr>
-          <a:xfrm>
-            <a:off x="386379" y="1459865"/>
-            <a:ext cx="10515600" cy="4351338"/>
-          </a:xfrm>
-        </p:spPr>
+        <p:spPr/>
         <p:txBody>
           <a:bodyPr/>
           <a:lstStyle/>
           <a:p>
-            <a:r>
-              <a:rPr kumimoji="1" lang="en-US" altLang="ja-JP" dirty="0" err="1"/>
-              <a:t>Contraharmonic</a:t>
-            </a:r>
-            <a:r>
-              <a:rPr kumimoji="1" lang="en-US" altLang="ja-JP" dirty="0"/>
-              <a:t> or </a:t>
-            </a:r>
-            <a:r>
-              <a:rPr kumimoji="1" lang="en-US" altLang="ja-JP" dirty="0" err="1"/>
-              <a:t>antiharmonic</a:t>
-            </a:r>
-            <a:r>
-              <a:rPr kumimoji="1" lang="en-US" altLang="ja-JP" dirty="0"/>
-              <a:t> mean of n positive reals:</a:t>
-            </a:r>
-          </a:p>
-          <a:p>
-            <a:endParaRPr lang="en-US" altLang="ja-JP" dirty="0"/>
-          </a:p>
-          <a:p>
-            <a:endParaRPr kumimoji="1" lang="en-US" altLang="ja-JP" dirty="0"/>
-          </a:p>
-          <a:p>
-            <a:endParaRPr lang="en-US" altLang="ja-JP" dirty="0"/>
-          </a:p>
-          <a:p>
-            <a:endParaRPr kumimoji="1" lang="en-US" altLang="ja-JP" dirty="0"/>
-          </a:p>
-          <a:p>
-            <a:r>
-              <a:rPr kumimoji="1" lang="en-US" altLang="ja-JP" dirty="0"/>
-              <a:t>The </a:t>
-            </a:r>
-            <a:r>
-              <a:rPr kumimoji="1" lang="en-US" altLang="ja-JP" dirty="0" err="1"/>
-              <a:t>contraharmonic</a:t>
-            </a:r>
-            <a:r>
-              <a:rPr kumimoji="1" lang="en-US" altLang="ja-JP" dirty="0"/>
-              <a:t> mean is the solution of the sum of the squares with relative errors:</a:t>
-            </a:r>
-            <a:endParaRPr kumimoji="1" lang="ja-JP" altLang="en-US" dirty="0"/>
+            <a:endParaRPr kumimoji="1" lang="ja-JP" altLang="en-US"/>
           </a:p>
         </p:txBody>
       </p:sp>
       <p:pic>
         <p:nvPicPr>
-          <p:cNvPr id="5" name="Picture 4">
-            <a:extLst>
-              <a:ext uri="{FF2B5EF4-FFF2-40B4-BE49-F238E27FC236}">
-                <a16:creationId xmlns:a16="http://schemas.microsoft.com/office/drawing/2014/main" id="{13935E09-A257-1C98-FFF7-0B0104418F04}"/>
+          <p:cNvPr id="1030" name="Picture 6" descr="Inference and Learning from Data: Volume 2:... by Sayed, Ali H.">
+            <a:extLst>
+              <a:ext uri="{FF2B5EF4-FFF2-40B4-BE49-F238E27FC236}">
+                <a16:creationId xmlns:a16="http://schemas.microsoft.com/office/drawing/2014/main" id="{689A299E-434A-1539-F82F-B6EFBFA8DAD9}"/>
               </a:ext>
             </a:extLst>
           </p:cNvPr>
           <p:cNvPicPr>
-            <a:picLocks noChangeAspect="1"/>
+            <a:picLocks noChangeAspect="1" noChangeArrowheads="1"/>
           </p:cNvPicPr>
           <p:nvPr/>
         </p:nvPicPr>
         <p:blipFill>
-          <a:blip r:embed="rId2"/>
+          <a:blip r:embed="rId3">
+            <a:extLst>
+              <a:ext uri="{28A0092B-C50C-407E-A947-70E740481C1C}">
+                <a14:useLocalDpi xmlns:a14="http://schemas.microsoft.com/office/drawing/2010/main" val="0"/>
+              </a:ext>
+            </a:extLst>
+          </a:blip>
+          <a:srcRect/>
           <a:stretch>
             <a:fillRect/>
           </a:stretch>
         </p:blipFill>
-        <p:spPr>
-          <a:xfrm>
-            <a:off x="2308188" y="2159598"/>
-            <a:ext cx="6103934" cy="1269402"/>
+        <p:spPr bwMode="auto">
+          <a:xfrm>
+            <a:off x="4225165" y="971164"/>
+            <a:ext cx="3643319" cy="5272744"/>
           </a:xfrm>
           <a:prstGeom prst="rect">
             <a:avLst/>
           </a:prstGeom>
+          <a:noFill/>
+          <a:extLst>
+            <a:ext uri="{909E8E84-426E-40DD-AFC4-6F175D3DCCD1}">
+              <a14:hiddenFill xmlns:a14="http://schemas.microsoft.com/office/drawing/2010/main">
+                <a:solidFill>
+                  <a:srgbClr val="FFFFFF"/>
+                </a:solidFill>
+              </a14:hiddenFill>
+            </a:ext>
+          </a:extLst>
         </p:spPr>
       </p:pic>
       <p:pic>
         <p:nvPicPr>
-          <p:cNvPr id="7" name="Picture 6">
-            <a:extLst>
-              <a:ext uri="{FF2B5EF4-FFF2-40B4-BE49-F238E27FC236}">
-                <a16:creationId xmlns:a16="http://schemas.microsoft.com/office/drawing/2014/main" id="{52095837-D1C8-2991-B464-52F7803070A7}"/>
+          <p:cNvPr id="1032" name="Picture 8" descr="Inference and Learning from Data: Volume 1:... by Sayed, Ali H.">
+            <a:extLst>
+              <a:ext uri="{FF2B5EF4-FFF2-40B4-BE49-F238E27FC236}">
+                <a16:creationId xmlns:a16="http://schemas.microsoft.com/office/drawing/2014/main" id="{4016D007-6D2B-BEDD-0B93-B19823DC9050}"/>
               </a:ext>
             </a:extLst>
           </p:cNvPr>
           <p:cNvPicPr>
-            <a:picLocks noChangeAspect="1"/>
+            <a:picLocks noChangeAspect="1" noChangeArrowheads="1"/>
           </p:cNvPicPr>
           <p:nvPr/>
         </p:nvPicPr>
         <p:blipFill>
-          <a:blip r:embed="rId3"/>
+          <a:blip r:embed="rId4">
+            <a:extLst>
+              <a:ext uri="{28A0092B-C50C-407E-A947-70E740481C1C}">
+                <a14:useLocalDpi xmlns:a14="http://schemas.microsoft.com/office/drawing/2010/main" val="0"/>
+              </a:ext>
+            </a:extLst>
+          </a:blip>
+          <a:srcRect/>
           <a:stretch>
             <a:fillRect/>
           </a:stretch>
         </p:blipFill>
-        <p:spPr>
-          <a:xfrm>
-            <a:off x="2435004" y="4920952"/>
-            <a:ext cx="7961366" cy="1557020"/>
+        <p:spPr bwMode="auto">
+          <a:xfrm>
+            <a:off x="122987" y="971166"/>
+            <a:ext cx="3604113" cy="5216004"/>
           </a:xfrm>
           <a:prstGeom prst="rect">
             <a:avLst/>
           </a:prstGeom>
+          <a:noFill/>
+          <a:extLst>
+            <a:ext uri="{909E8E84-426E-40DD-AFC4-6F175D3DCCD1}">
+              <a14:hiddenFill xmlns:a14="http://schemas.microsoft.com/office/drawing/2010/main">
+                <a:solidFill>
+                  <a:srgbClr val="FFFFFF"/>
+                </a:solidFill>
+              </a14:hiddenFill>
+            </a:ext>
+          </a:extLst>
+        </p:spPr>
+      </p:pic>
+      <p:pic>
+        <p:nvPicPr>
+          <p:cNvPr id="1034" name="Picture 10" descr="Inference and Learning from Data: Volume 3:... by Sayed, Ali H.">
+            <a:extLst>
+              <a:ext uri="{FF2B5EF4-FFF2-40B4-BE49-F238E27FC236}">
+                <a16:creationId xmlns:a16="http://schemas.microsoft.com/office/drawing/2014/main" id="{BE6A1750-9892-6119-CC88-524D9FD22EE5}"/>
+              </a:ext>
+            </a:extLst>
+          </p:cNvPr>
+          <p:cNvPicPr>
+            <a:picLocks noChangeAspect="1" noChangeArrowheads="1"/>
+          </p:cNvPicPr>
+          <p:nvPr/>
+        </p:nvPicPr>
+        <p:blipFill>
+          <a:blip r:embed="rId5">
+            <a:extLst>
+              <a:ext uri="{28A0092B-C50C-407E-A947-70E740481C1C}">
+                <a14:useLocalDpi xmlns:a14="http://schemas.microsoft.com/office/drawing/2010/main" val="0"/>
+              </a:ext>
+            </a:extLst>
+          </a:blip>
+          <a:srcRect/>
+          <a:stretch>
+            <a:fillRect/>
+          </a:stretch>
+        </p:blipFill>
+        <p:spPr bwMode="auto">
+          <a:xfrm>
+            <a:off x="8226091" y="971164"/>
+            <a:ext cx="3643319" cy="5272743"/>
+          </a:xfrm>
+          <a:prstGeom prst="rect">
+            <a:avLst/>
+          </a:prstGeom>
+          <a:noFill/>
+          <a:extLst>
+            <a:ext uri="{909E8E84-426E-40DD-AFC4-6F175D3DCCD1}">
+              <a14:hiddenFill xmlns:a14="http://schemas.microsoft.com/office/drawing/2010/main">
+                <a:solidFill>
+                  <a:srgbClr val="FFFFFF"/>
+                </a:solidFill>
+              </a14:hiddenFill>
+            </a:ext>
+          </a:extLst>
         </p:spPr>
       </p:pic>
     </p:spTree>
     <p:extLst>
       <p:ext uri="{BB962C8B-B14F-4D97-AF65-F5344CB8AC3E}">
-        <p14:creationId xmlns:p14="http://schemas.microsoft.com/office/powerpoint/2010/main" val="2698045578"/>
+        <p14:creationId xmlns:p14="http://schemas.microsoft.com/office/powerpoint/2010/main" val="2189988050"/>
       </p:ext>
     </p:extLst>
   </p:cSld>
@@ -5648,7 +5642,7 @@
           <p:cNvPr id="2" name="Title 1">
             <a:extLst>
               <a:ext uri="{FF2B5EF4-FFF2-40B4-BE49-F238E27FC236}">
-                <a16:creationId xmlns:a16="http://schemas.microsoft.com/office/drawing/2014/main" id="{3FA0BC29-32E6-08AC-1E69-1E050EEA8741}"/>
+                <a16:creationId xmlns:a16="http://schemas.microsoft.com/office/drawing/2014/main" id="{C0F842C2-1E65-5B3B-DE02-264DE19BE364}"/>
               </a:ext>
             </a:extLst>
           </p:cNvPr>
@@ -5659,12 +5653,53 @@
             <p:ph type="title"/>
           </p:nvPr>
         </p:nvSpPr>
-        <p:spPr/>
+        <p:spPr>
+          <a:xfrm>
+            <a:off x="300318" y="0"/>
+            <a:ext cx="10515600" cy="1325563"/>
+          </a:xfrm>
+        </p:spPr>
         <p:txBody>
           <a:bodyPr/>
           <a:lstStyle/>
           <a:p>
-            <a:endParaRPr kumimoji="1" lang="ja-JP" altLang="en-US"/>
+            <a:r>
+              <a:rPr kumimoji="1" lang="en-US" altLang="ja-JP" b="1" dirty="0" err="1">
+                <a:solidFill>
+                  <a:schemeClr val="accent5"/>
+                </a:solidFill>
+              </a:rPr>
+              <a:t>Contraharmonic</a:t>
+            </a:r>
+            <a:r>
+              <a:rPr kumimoji="1" lang="en-US" altLang="ja-JP" b="1" dirty="0">
+                <a:solidFill>
+                  <a:schemeClr val="accent5"/>
+                </a:solidFill>
+              </a:rPr>
+              <a:t> or </a:t>
+            </a:r>
+            <a:r>
+              <a:rPr kumimoji="1" lang="en-US" altLang="ja-JP" b="1" dirty="0" err="1">
+                <a:solidFill>
+                  <a:schemeClr val="accent5"/>
+                </a:solidFill>
+              </a:rPr>
+              <a:t>antiharmonic</a:t>
+            </a:r>
+            <a:r>
+              <a:rPr kumimoji="1" lang="en-US" altLang="ja-JP" b="1" dirty="0">
+                <a:solidFill>
+                  <a:schemeClr val="accent5"/>
+                </a:solidFill>
+              </a:rPr>
+              <a:t> mean</a:t>
+            </a:r>
+            <a:endParaRPr kumimoji="1" lang="ja-JP" altLang="en-US" b="1" dirty="0">
+              <a:solidFill>
+                <a:schemeClr val="accent5"/>
+              </a:solidFill>
+            </a:endParaRPr>
           </a:p>
         </p:txBody>
       </p:sp>
@@ -5673,7 +5708,7 @@
           <p:cNvPr id="3" name="Content Placeholder 2">
             <a:extLst>
               <a:ext uri="{FF2B5EF4-FFF2-40B4-BE49-F238E27FC236}">
-                <a16:creationId xmlns:a16="http://schemas.microsoft.com/office/drawing/2014/main" id="{3A577BA7-4F10-A500-C0C6-968D9CEF318D}"/>
+                <a16:creationId xmlns:a16="http://schemas.microsoft.com/office/drawing/2014/main" id="{BC4EE631-2EFE-D138-8C83-89892299F470}"/>
               </a:ext>
             </a:extLst>
           </p:cNvPr>
@@ -5684,101 +5719,126 @@
             <p:ph idx="1"/>
           </p:nvPr>
         </p:nvSpPr>
-        <p:spPr/>
+        <p:spPr>
+          <a:xfrm>
+            <a:off x="386379" y="1459865"/>
+            <a:ext cx="10515600" cy="4351338"/>
+          </a:xfrm>
+        </p:spPr>
         <p:txBody>
           <a:bodyPr/>
           <a:lstStyle/>
           <a:p>
-            <a:endParaRPr kumimoji="1" lang="ja-JP" altLang="en-US"/>
-          </a:p>
-        </p:txBody>
-      </p:sp>
-      <p:sp>
-        <p:nvSpPr>
-          <p:cNvPr id="7" name="TextBox 6">
-            <a:extLst>
-              <a:ext uri="{FF2B5EF4-FFF2-40B4-BE49-F238E27FC236}">
-                <a16:creationId xmlns:a16="http://schemas.microsoft.com/office/drawing/2014/main" id="{1A5D3A62-A170-950C-BBB2-831DF26F3A0D}"/>
-              </a:ext>
-            </a:extLst>
-          </p:cNvPr>
-          <p:cNvSpPr txBox="1"/>
-          <p:nvPr/>
-        </p:nvSpPr>
-        <p:spPr>
-          <a:xfrm>
-            <a:off x="3047104" y="3247023"/>
-            <a:ext cx="6094206" cy="369332"/>
-          </a:xfrm>
-          <a:prstGeom prst="rect">
-            <a:avLst/>
-          </a:prstGeom>
-          <a:noFill/>
-        </p:spPr>
-        <p:txBody>
-          <a:bodyPr wrap="square">
-            <a:spAutoFit/>
-          </a:bodyPr>
-          <a:lstStyle/>
-          <a:p>
-            <a:r>
-              <a:rPr lang="ja-JP" altLang="en-US" dirty="0"/>
-              <a:t>Andrej Karpathy</a:t>
-            </a:r>
+            <a:r>
+              <a:rPr kumimoji="1" lang="en-US" altLang="ja-JP" dirty="0" err="1"/>
+              <a:t>Contraharmonic</a:t>
+            </a:r>
+            <a:r>
+              <a:rPr kumimoji="1" lang="en-US" altLang="ja-JP" dirty="0"/>
+              <a:t> or </a:t>
+            </a:r>
+            <a:r>
+              <a:rPr kumimoji="1" lang="en-US" altLang="ja-JP" dirty="0" err="1"/>
+              <a:t>antiharmonic</a:t>
+            </a:r>
+            <a:r>
+              <a:rPr kumimoji="1" lang="en-US" altLang="ja-JP" dirty="0"/>
+              <a:t> mean of n positive reals:</a:t>
+            </a:r>
+          </a:p>
+          <a:p>
+            <a:endParaRPr lang="en-US" altLang="ja-JP" dirty="0"/>
+          </a:p>
+          <a:p>
+            <a:endParaRPr kumimoji="1" lang="en-US" altLang="ja-JP" dirty="0"/>
+          </a:p>
+          <a:p>
+            <a:endParaRPr lang="en-US" altLang="ja-JP" dirty="0"/>
+          </a:p>
+          <a:p>
+            <a:endParaRPr kumimoji="1" lang="en-US" altLang="ja-JP" dirty="0"/>
+          </a:p>
+          <a:p>
+            <a:r>
+              <a:rPr kumimoji="1" lang="en-US" altLang="ja-JP" dirty="0"/>
+              <a:t>The </a:t>
+            </a:r>
+            <a:r>
+              <a:rPr kumimoji="1" lang="en-US" altLang="ja-JP" dirty="0" err="1"/>
+              <a:t>contraharmonic</a:t>
+            </a:r>
+            <a:r>
+              <a:rPr kumimoji="1" lang="en-US" altLang="ja-JP" dirty="0"/>
+              <a:t> mean is the solution of the sum of the squares with relative errors:</a:t>
+            </a:r>
+            <a:endParaRPr kumimoji="1" lang="ja-JP" altLang="en-US" dirty="0"/>
           </a:p>
         </p:txBody>
       </p:sp>
       <p:pic>
         <p:nvPicPr>
-          <p:cNvPr id="1026" name="Picture 2" descr="Mathematical Foundations of Nonextensive Statistical Mechanics : Umarov,  Sabir, Constantino, Tsallis: Foreign Language Books - Amazon.co.jp">
-            <a:extLst>
-              <a:ext uri="{FF2B5EF4-FFF2-40B4-BE49-F238E27FC236}">
-                <a16:creationId xmlns:a16="http://schemas.microsoft.com/office/drawing/2014/main" id="{544E1C15-82BC-011B-E712-A5C07A4B677D}"/>
+          <p:cNvPr id="5" name="Picture 4">
+            <a:extLst>
+              <a:ext uri="{FF2B5EF4-FFF2-40B4-BE49-F238E27FC236}">
+                <a16:creationId xmlns:a16="http://schemas.microsoft.com/office/drawing/2014/main" id="{13935E09-A257-1C98-FFF7-0B0104418F04}"/>
               </a:ext>
             </a:extLst>
           </p:cNvPr>
           <p:cNvPicPr>
-            <a:picLocks noChangeAspect="1" noChangeArrowheads="1"/>
+            <a:picLocks noChangeAspect="1"/>
           </p:cNvPicPr>
           <p:nvPr/>
         </p:nvPicPr>
         <p:blipFill>
-          <a:blip r:embed="rId2">
-            <a:extLst>
-              <a:ext uri="{28A0092B-C50C-407E-A947-70E740481C1C}">
-                <a14:useLocalDpi xmlns:a14="http://schemas.microsoft.com/office/drawing/2010/main" val="0"/>
-              </a:ext>
-            </a:extLst>
-          </a:blip>
-          <a:srcRect/>
+          <a:blip r:embed="rId2"/>
           <a:stretch>
             <a:fillRect/>
           </a:stretch>
         </p:blipFill>
-        <p:spPr bwMode="auto">
-          <a:xfrm>
-            <a:off x="3938588" y="0"/>
-            <a:ext cx="4313237" cy="6858000"/>
+        <p:spPr>
+          <a:xfrm>
+            <a:off x="2308188" y="2159598"/>
+            <a:ext cx="6103934" cy="1269402"/>
           </a:xfrm>
           <a:prstGeom prst="rect">
             <a:avLst/>
           </a:prstGeom>
-          <a:noFill/>
-          <a:extLst>
-            <a:ext uri="{909E8E84-426E-40DD-AFC4-6F175D3DCCD1}">
-              <a14:hiddenFill xmlns:a14="http://schemas.microsoft.com/office/drawing/2010/main">
-                <a:solidFill>
-                  <a:srgbClr val="FFFFFF"/>
-                </a:solidFill>
-              </a14:hiddenFill>
-            </a:ext>
-          </a:extLst>
+        </p:spPr>
+      </p:pic>
+      <p:pic>
+        <p:nvPicPr>
+          <p:cNvPr id="7" name="Picture 6">
+            <a:extLst>
+              <a:ext uri="{FF2B5EF4-FFF2-40B4-BE49-F238E27FC236}">
+                <a16:creationId xmlns:a16="http://schemas.microsoft.com/office/drawing/2014/main" id="{52095837-D1C8-2991-B464-52F7803070A7}"/>
+              </a:ext>
+            </a:extLst>
+          </p:cNvPr>
+          <p:cNvPicPr>
+            <a:picLocks noChangeAspect="1"/>
+          </p:cNvPicPr>
+          <p:nvPr/>
+        </p:nvPicPr>
+        <p:blipFill>
+          <a:blip r:embed="rId3"/>
+          <a:stretch>
+            <a:fillRect/>
+          </a:stretch>
+        </p:blipFill>
+        <p:spPr>
+          <a:xfrm>
+            <a:off x="2435004" y="4920952"/>
+            <a:ext cx="7961366" cy="1557020"/>
+          </a:xfrm>
+          <a:prstGeom prst="rect">
+            <a:avLst/>
+          </a:prstGeom>
         </p:spPr>
       </p:pic>
     </p:spTree>
     <p:extLst>
       <p:ext uri="{BB962C8B-B14F-4D97-AF65-F5344CB8AC3E}">
-        <p14:creationId xmlns:p14="http://schemas.microsoft.com/office/powerpoint/2010/main" val="3278326900"/>
+        <p14:creationId xmlns:p14="http://schemas.microsoft.com/office/powerpoint/2010/main" val="2698045578"/>
       </p:ext>
     </p:extLst>
   </p:cSld>
@@ -5810,7 +5870,7 @@
           <p:cNvPr id="2" name="Title 1">
             <a:extLst>
               <a:ext uri="{FF2B5EF4-FFF2-40B4-BE49-F238E27FC236}">
-                <a16:creationId xmlns:a16="http://schemas.microsoft.com/office/drawing/2014/main" id="{5F33BE79-287F-F1E0-E9A1-3DC661D30441}"/>
+                <a16:creationId xmlns:a16="http://schemas.microsoft.com/office/drawing/2014/main" id="{3FA0BC29-32E6-08AC-1E69-1E050EEA8741}"/>
               </a:ext>
             </a:extLst>
           </p:cNvPr>
@@ -5835,7 +5895,7 @@
           <p:cNvPr id="3" name="Content Placeholder 2">
             <a:extLst>
               <a:ext uri="{FF2B5EF4-FFF2-40B4-BE49-F238E27FC236}">
-                <a16:creationId xmlns:a16="http://schemas.microsoft.com/office/drawing/2014/main" id="{BD1C5F32-B835-D7AB-B64E-E9E01C1F1793}"/>
+                <a16:creationId xmlns:a16="http://schemas.microsoft.com/office/drawing/2014/main" id="{3A577BA7-4F10-A500-C0C6-968D9CEF318D}"/>
               </a:ext>
             </a:extLst>
           </p:cNvPr>
@@ -5851,16 +5911,51 @@
           <a:bodyPr/>
           <a:lstStyle/>
           <a:p>
-            <a:endParaRPr kumimoji="1" lang="ja-JP" altLang="en-US" dirty="0"/>
+            <a:endParaRPr kumimoji="1" lang="ja-JP" altLang="en-US"/>
+          </a:p>
+        </p:txBody>
+      </p:sp>
+      <p:sp>
+        <p:nvSpPr>
+          <p:cNvPr id="7" name="TextBox 6">
+            <a:extLst>
+              <a:ext uri="{FF2B5EF4-FFF2-40B4-BE49-F238E27FC236}">
+                <a16:creationId xmlns:a16="http://schemas.microsoft.com/office/drawing/2014/main" id="{1A5D3A62-A170-950C-BBB2-831DF26F3A0D}"/>
+              </a:ext>
+            </a:extLst>
+          </p:cNvPr>
+          <p:cNvSpPr txBox="1"/>
+          <p:nvPr/>
+        </p:nvSpPr>
+        <p:spPr>
+          <a:xfrm>
+            <a:off x="3047104" y="3247023"/>
+            <a:ext cx="6094206" cy="369332"/>
+          </a:xfrm>
+          <a:prstGeom prst="rect">
+            <a:avLst/>
+          </a:prstGeom>
+          <a:noFill/>
+        </p:spPr>
+        <p:txBody>
+          <a:bodyPr wrap="square">
+            <a:spAutoFit/>
+          </a:bodyPr>
+          <a:lstStyle/>
+          <a:p>
+            <a:r>
+              <a:rPr lang="ja-JP" altLang="en-US" dirty="0"/>
+              <a:t>Andrej Karpathy</a:t>
+            </a:r>
           </a:p>
         </p:txBody>
       </p:sp>
       <p:pic>
         <p:nvPicPr>
-          <p:cNvPr id="1026" name="Picture 2">
-            <a:extLst>
-              <a:ext uri="{FF2B5EF4-FFF2-40B4-BE49-F238E27FC236}">
-                <a16:creationId xmlns:a16="http://schemas.microsoft.com/office/drawing/2014/main" id="{E8E1EF77-1537-3746-6970-0A24C98AEBF5}"/>
+          <p:cNvPr id="1026" name="Picture 2" descr="Mathematical Foundations of Nonextensive Statistical Mechanics : Umarov,  Sabir, Constantino, Tsallis: Foreign Language Books - Amazon.co.jp">
+            <a:extLst>
+              <a:ext uri="{FF2B5EF4-FFF2-40B4-BE49-F238E27FC236}">
+                <a16:creationId xmlns:a16="http://schemas.microsoft.com/office/drawing/2014/main" id="{544E1C15-82BC-011B-E712-A5C07A4B677D}"/>
               </a:ext>
             </a:extLst>
           </p:cNvPr>
@@ -5884,8 +5979,8 @@
         </p:blipFill>
         <p:spPr bwMode="auto">
           <a:xfrm>
-            <a:off x="355002" y="214940"/>
-            <a:ext cx="2290108" cy="3313218"/>
+            <a:off x="3938588" y="0"/>
+            <a:ext cx="4313237" cy="6858000"/>
           </a:xfrm>
           <a:prstGeom prst="rect">
             <a:avLst/>
@@ -5902,292 +5997,10 @@
           </a:extLst>
         </p:spPr>
       </p:pic>
-      <p:pic>
-        <p:nvPicPr>
-          <p:cNvPr id="1028" name="Picture 4">
-            <a:extLst>
-              <a:ext uri="{FF2B5EF4-FFF2-40B4-BE49-F238E27FC236}">
-                <a16:creationId xmlns:a16="http://schemas.microsoft.com/office/drawing/2014/main" id="{869FD3FC-AA72-3E95-6D32-9BA0C95C81A4}"/>
-              </a:ext>
-            </a:extLst>
-          </p:cNvPr>
-          <p:cNvPicPr>
-            <a:picLocks noChangeAspect="1" noChangeArrowheads="1"/>
-          </p:cNvPicPr>
-          <p:nvPr/>
-        </p:nvPicPr>
-        <p:blipFill>
-          <a:blip r:embed="rId3">
-            <a:extLst>
-              <a:ext uri="{28A0092B-C50C-407E-A947-70E740481C1C}">
-                <a14:useLocalDpi xmlns:a14="http://schemas.microsoft.com/office/drawing/2010/main" val="0"/>
-              </a:ext>
-            </a:extLst>
-          </a:blip>
-          <a:srcRect/>
-          <a:stretch>
-            <a:fillRect/>
-          </a:stretch>
-        </p:blipFill>
-        <p:spPr bwMode="auto">
-          <a:xfrm>
-            <a:off x="3491299" y="268154"/>
-            <a:ext cx="2067449" cy="3146612"/>
-          </a:xfrm>
-          <a:prstGeom prst="rect">
-            <a:avLst/>
-          </a:prstGeom>
-          <a:noFill/>
-          <a:extLst>
-            <a:ext uri="{909E8E84-426E-40DD-AFC4-6F175D3DCCD1}">
-              <a14:hiddenFill xmlns:a14="http://schemas.microsoft.com/office/drawing/2010/main">
-                <a:solidFill>
-                  <a:srgbClr val="FFFFFF"/>
-                </a:solidFill>
-              </a14:hiddenFill>
-            </a:ext>
-          </a:extLst>
-        </p:spPr>
-      </p:pic>
-      <p:pic>
-        <p:nvPicPr>
-          <p:cNvPr id="1030" name="Picture 6" descr="Cover book the Shallow and the Deep">
-            <a:extLst>
-              <a:ext uri="{FF2B5EF4-FFF2-40B4-BE49-F238E27FC236}">
-                <a16:creationId xmlns:a16="http://schemas.microsoft.com/office/drawing/2014/main" id="{4C31EA6B-35D8-7386-2F1F-4CC879758525}"/>
-              </a:ext>
-            </a:extLst>
-          </p:cNvPr>
-          <p:cNvPicPr>
-            <a:picLocks noChangeAspect="1" noChangeArrowheads="1"/>
-          </p:cNvPicPr>
-          <p:nvPr/>
-        </p:nvPicPr>
-        <p:blipFill>
-          <a:blip r:embed="rId4">
-            <a:extLst>
-              <a:ext uri="{28A0092B-C50C-407E-A947-70E740481C1C}">
-                <a14:useLocalDpi xmlns:a14="http://schemas.microsoft.com/office/drawing/2010/main" val="0"/>
-              </a:ext>
-            </a:extLst>
-          </a:blip>
-          <a:srcRect/>
-          <a:stretch>
-            <a:fillRect/>
-          </a:stretch>
-        </p:blipFill>
-        <p:spPr bwMode="auto">
-          <a:xfrm>
-            <a:off x="6404571" y="214940"/>
-            <a:ext cx="2180322" cy="3085156"/>
-          </a:xfrm>
-          <a:prstGeom prst="rect">
-            <a:avLst/>
-          </a:prstGeom>
-          <a:noFill/>
-          <a:extLst>
-            <a:ext uri="{909E8E84-426E-40DD-AFC4-6F175D3DCCD1}">
-              <a14:hiddenFill xmlns:a14="http://schemas.microsoft.com/office/drawing/2010/main">
-                <a:solidFill>
-                  <a:srgbClr val="FFFFFF"/>
-                </a:solidFill>
-              </a14:hiddenFill>
-            </a:ext>
-          </a:extLst>
-        </p:spPr>
-      </p:pic>
-      <p:pic>
-        <p:nvPicPr>
-          <p:cNvPr id="1032" name="Picture 8">
-            <a:extLst>
-              <a:ext uri="{FF2B5EF4-FFF2-40B4-BE49-F238E27FC236}">
-                <a16:creationId xmlns:a16="http://schemas.microsoft.com/office/drawing/2014/main" id="{BEAF9420-7EC0-0DC9-3B66-22A45F3C4B6B}"/>
-              </a:ext>
-            </a:extLst>
-          </p:cNvPr>
-          <p:cNvPicPr>
-            <a:picLocks noChangeAspect="1" noChangeArrowheads="1"/>
-          </p:cNvPicPr>
-          <p:nvPr/>
-        </p:nvPicPr>
-        <p:blipFill>
-          <a:blip r:embed="rId5">
-            <a:extLst>
-              <a:ext uri="{28A0092B-C50C-407E-A947-70E740481C1C}">
-                <a14:useLocalDpi xmlns:a14="http://schemas.microsoft.com/office/drawing/2010/main" val="0"/>
-              </a:ext>
-            </a:extLst>
-          </a:blip>
-          <a:srcRect/>
-          <a:stretch>
-            <a:fillRect/>
-          </a:stretch>
-        </p:blipFill>
-        <p:spPr bwMode="auto">
-          <a:xfrm>
-            <a:off x="9472879" y="348605"/>
-            <a:ext cx="2058640" cy="3085156"/>
-          </a:xfrm>
-          <a:prstGeom prst="rect">
-            <a:avLst/>
-          </a:prstGeom>
-          <a:noFill/>
-          <a:extLst>
-            <a:ext uri="{909E8E84-426E-40DD-AFC4-6F175D3DCCD1}">
-              <a14:hiddenFill xmlns:a14="http://schemas.microsoft.com/office/drawing/2010/main">
-                <a:solidFill>
-                  <a:srgbClr val="FFFFFF"/>
-                </a:solidFill>
-              </a14:hiddenFill>
-            </a:ext>
-          </a:extLst>
-        </p:spPr>
-      </p:pic>
-      <p:pic>
-        <p:nvPicPr>
-          <p:cNvPr id="1034" name="Picture 10">
-            <a:extLst>
-              <a:ext uri="{FF2B5EF4-FFF2-40B4-BE49-F238E27FC236}">
-                <a16:creationId xmlns:a16="http://schemas.microsoft.com/office/drawing/2014/main" id="{B6349382-C08D-FB12-28F5-0EEB161D7652}"/>
-              </a:ext>
-            </a:extLst>
-          </p:cNvPr>
-          <p:cNvPicPr>
-            <a:picLocks noChangeAspect="1" noChangeArrowheads="1"/>
-          </p:cNvPicPr>
-          <p:nvPr/>
-        </p:nvPicPr>
-        <p:blipFill>
-          <a:blip r:embed="rId6">
-            <a:extLst>
-              <a:ext uri="{28A0092B-C50C-407E-A947-70E740481C1C}">
-                <a14:useLocalDpi xmlns:a14="http://schemas.microsoft.com/office/drawing/2010/main" val="0"/>
-              </a:ext>
-            </a:extLst>
-          </a:blip>
-          <a:srcRect/>
-          <a:stretch>
-            <a:fillRect/>
-          </a:stretch>
-        </p:blipFill>
-        <p:spPr bwMode="auto">
-          <a:xfrm>
-            <a:off x="7781589" y="3607377"/>
-            <a:ext cx="2420285" cy="2993511"/>
-          </a:xfrm>
-          <a:prstGeom prst="rect">
-            <a:avLst/>
-          </a:prstGeom>
-          <a:noFill/>
-          <a:extLst>
-            <a:ext uri="{909E8E84-426E-40DD-AFC4-6F175D3DCCD1}">
-              <a14:hiddenFill xmlns:a14="http://schemas.microsoft.com/office/drawing/2010/main">
-                <a:solidFill>
-                  <a:srgbClr val="FFFFFF"/>
-                </a:solidFill>
-              </a14:hiddenFill>
-            </a:ext>
-          </a:extLst>
-        </p:spPr>
-      </p:pic>
-      <p:pic>
-        <p:nvPicPr>
-          <p:cNvPr id="1036" name="Picture 12">
-            <a:extLst>
-              <a:ext uri="{FF2B5EF4-FFF2-40B4-BE49-F238E27FC236}">
-                <a16:creationId xmlns:a16="http://schemas.microsoft.com/office/drawing/2014/main" id="{FFD4C5AA-B16F-2F9C-44BE-97F9A54338C0}"/>
-              </a:ext>
-            </a:extLst>
-          </p:cNvPr>
-          <p:cNvPicPr>
-            <a:picLocks noChangeAspect="1" noChangeArrowheads="1"/>
-          </p:cNvPicPr>
-          <p:nvPr/>
-        </p:nvPicPr>
-        <p:blipFill>
-          <a:blip r:embed="rId7">
-            <a:extLst>
-              <a:ext uri="{28A0092B-C50C-407E-A947-70E740481C1C}">
-                <a14:useLocalDpi xmlns:a14="http://schemas.microsoft.com/office/drawing/2010/main" val="0"/>
-              </a:ext>
-            </a:extLst>
-          </a:blip>
-          <a:srcRect/>
-          <a:stretch>
-            <a:fillRect/>
-          </a:stretch>
-        </p:blipFill>
-        <p:spPr bwMode="auto">
-          <a:xfrm>
-            <a:off x="4898649" y="3528158"/>
-            <a:ext cx="1944052" cy="3146612"/>
-          </a:xfrm>
-          <a:prstGeom prst="rect">
-            <a:avLst/>
-          </a:prstGeom>
-          <a:noFill/>
-          <a:extLst>
-            <a:ext uri="{909E8E84-426E-40DD-AFC4-6F175D3DCCD1}">
-              <a14:hiddenFill xmlns:a14="http://schemas.microsoft.com/office/drawing/2010/main">
-                <a:solidFill>
-                  <a:srgbClr val="FFFFFF"/>
-                </a:solidFill>
-              </a14:hiddenFill>
-            </a:ext>
-          </a:extLst>
-        </p:spPr>
-      </p:pic>
-      <p:pic>
-        <p:nvPicPr>
-          <p:cNvPr id="1038" name="Picture 14" descr="front cover">
-            <a:extLst>
-              <a:ext uri="{FF2B5EF4-FFF2-40B4-BE49-F238E27FC236}">
-                <a16:creationId xmlns:a16="http://schemas.microsoft.com/office/drawing/2014/main" id="{9A8537B1-AC44-E732-DE9E-58997F4CCC44}"/>
-              </a:ext>
-            </a:extLst>
-          </p:cNvPr>
-          <p:cNvPicPr>
-            <a:picLocks noChangeAspect="1" noChangeArrowheads="1"/>
-          </p:cNvPicPr>
-          <p:nvPr/>
-        </p:nvPicPr>
-        <p:blipFill>
-          <a:blip r:embed="rId8">
-            <a:extLst>
-              <a:ext uri="{28A0092B-C50C-407E-A947-70E740481C1C}">
-                <a14:useLocalDpi xmlns:a14="http://schemas.microsoft.com/office/drawing/2010/main" val="0"/>
-              </a:ext>
-            </a:extLst>
-          </a:blip>
-          <a:srcRect/>
-          <a:stretch>
-            <a:fillRect/>
-          </a:stretch>
-        </p:blipFill>
-        <p:spPr bwMode="auto">
-          <a:xfrm>
-            <a:off x="1153625" y="3517075"/>
-            <a:ext cx="2982969" cy="3340925"/>
-          </a:xfrm>
-          <a:prstGeom prst="rect">
-            <a:avLst/>
-          </a:prstGeom>
-          <a:noFill/>
-          <a:extLst>
-            <a:ext uri="{909E8E84-426E-40DD-AFC4-6F175D3DCCD1}">
-              <a14:hiddenFill xmlns:a14="http://schemas.microsoft.com/office/drawing/2010/main">
-                <a:solidFill>
-                  <a:srgbClr val="FFFFFF"/>
-                </a:solidFill>
-              </a14:hiddenFill>
-            </a:ext>
-          </a:extLst>
-        </p:spPr>
-      </p:pic>
     </p:spTree>
     <p:extLst>
       <p:ext uri="{BB962C8B-B14F-4D97-AF65-F5344CB8AC3E}">
-        <p14:creationId xmlns:p14="http://schemas.microsoft.com/office/powerpoint/2010/main" val="1443018924"/>
+        <p14:creationId xmlns:p14="http://schemas.microsoft.com/office/powerpoint/2010/main" val="3278326900"/>
       </p:ext>
     </p:extLst>
   </p:cSld>
@@ -6219,7 +6032,7 @@
           <p:cNvPr id="2" name="Title 1">
             <a:extLst>
               <a:ext uri="{FF2B5EF4-FFF2-40B4-BE49-F238E27FC236}">
-                <a16:creationId xmlns:a16="http://schemas.microsoft.com/office/drawing/2014/main" id="{1CC3642B-9742-5616-9937-0466314270FA}"/>
+                <a16:creationId xmlns:a16="http://schemas.microsoft.com/office/drawing/2014/main" id="{5F33BE79-287F-F1E0-E9A1-3DC661D30441}"/>
               </a:ext>
             </a:extLst>
           </p:cNvPr>
@@ -6230,248 +6043,140 @@
             <p:ph type="title"/>
           </p:nvPr>
         </p:nvSpPr>
-        <p:spPr>
-          <a:xfrm>
-            <a:off x="219966" y="-273488"/>
-            <a:ext cx="11752068" cy="1325563"/>
-          </a:xfrm>
-        </p:spPr>
-        <p:txBody>
-          <a:bodyPr>
-            <a:normAutofit/>
-          </a:bodyPr>
-          <a:lstStyle/>
-          <a:p>
-            <a:r>
-              <a:rPr kumimoji="1" lang="en-US" altLang="ja-JP" sz="3600" b="1" dirty="0">
-                <a:solidFill>
-                  <a:schemeClr val="accent5"/>
-                </a:solidFill>
-              </a:rPr>
-              <a:t>Hessian manifolds, Hessian geometry, Bregman geometry</a:t>
-            </a:r>
-            <a:endParaRPr kumimoji="1" lang="ja-JP" altLang="en-US" sz="3600" b="1" dirty="0">
-              <a:solidFill>
-                <a:schemeClr val="accent5"/>
-              </a:solidFill>
-            </a:endParaRPr>
+        <p:spPr/>
+        <p:txBody>
+          <a:bodyPr/>
+          <a:lstStyle/>
+          <a:p>
+            <a:endParaRPr kumimoji="1" lang="ja-JP" altLang="en-US"/>
+          </a:p>
+        </p:txBody>
+      </p:sp>
+      <p:sp>
+        <p:nvSpPr>
+          <p:cNvPr id="3" name="Content Placeholder 2">
+            <a:extLst>
+              <a:ext uri="{FF2B5EF4-FFF2-40B4-BE49-F238E27FC236}">
+                <a16:creationId xmlns:a16="http://schemas.microsoft.com/office/drawing/2014/main" id="{BD1C5F32-B835-D7AB-B64E-E9E01C1F1793}"/>
+              </a:ext>
+            </a:extLst>
+          </p:cNvPr>
+          <p:cNvSpPr>
+            <a:spLocks noGrp="1"/>
+          </p:cNvSpPr>
+          <p:nvPr>
+            <p:ph idx="1"/>
+          </p:nvPr>
+        </p:nvSpPr>
+        <p:spPr/>
+        <p:txBody>
+          <a:bodyPr/>
+          <a:lstStyle/>
+          <a:p>
+            <a:endParaRPr kumimoji="1" lang="ja-JP" altLang="en-US" dirty="0"/>
           </a:p>
         </p:txBody>
       </p:sp>
       <p:pic>
         <p:nvPicPr>
-          <p:cNvPr id="5" name="Content Placeholder 4" descr="A book cover with text&#10;&#10;Description automatically generated">
-            <a:extLst>
-              <a:ext uri="{FF2B5EF4-FFF2-40B4-BE49-F238E27FC236}">
-                <a16:creationId xmlns:a16="http://schemas.microsoft.com/office/drawing/2014/main" id="{D048D31E-7654-8254-FA04-F9748BFF69AF}"/>
+          <p:cNvPr id="1026" name="Picture 2">
+            <a:extLst>
+              <a:ext uri="{FF2B5EF4-FFF2-40B4-BE49-F238E27FC236}">
+                <a16:creationId xmlns:a16="http://schemas.microsoft.com/office/drawing/2014/main" id="{E8E1EF77-1537-3746-6970-0A24C98AEBF5}"/>
               </a:ext>
             </a:extLst>
           </p:cNvPr>
           <p:cNvPicPr>
-            <a:picLocks noGrp="1" noChangeAspect="1"/>
+            <a:picLocks noChangeAspect="1" noChangeArrowheads="1"/>
           </p:cNvPicPr>
-          <p:nvPr>
-            <p:ph idx="1"/>
-          </p:nvPr>
+          <p:nvPr/>
         </p:nvPicPr>
         <p:blipFill>
-          <a:blip r:embed="rId3">
+          <a:blip r:embed="rId2">
             <a:extLst>
               <a:ext uri="{28A0092B-C50C-407E-A947-70E740481C1C}">
                 <a14:useLocalDpi xmlns:a14="http://schemas.microsoft.com/office/drawing/2010/main" val="0"/>
               </a:ext>
             </a:extLst>
           </a:blip>
+          <a:srcRect/>
           <a:stretch>
             <a:fillRect/>
           </a:stretch>
         </p:blipFill>
-        <p:spPr>
-          <a:xfrm>
-            <a:off x="772098" y="2025615"/>
-            <a:ext cx="2577158" cy="3655544"/>
-          </a:xfrm>
-        </p:spPr>
-      </p:pic>
-      <p:sp>
-        <p:nvSpPr>
-          <p:cNvPr id="6" name="TextBox 5">
-            <a:extLst>
-              <a:ext uri="{FF2B5EF4-FFF2-40B4-BE49-F238E27FC236}">
-                <a16:creationId xmlns:a16="http://schemas.microsoft.com/office/drawing/2014/main" id="{95C7AD0D-A17F-006E-8AC8-E7411C575379}"/>
-              </a:ext>
-            </a:extLst>
-          </p:cNvPr>
-          <p:cNvSpPr txBox="1"/>
-          <p:nvPr/>
-        </p:nvSpPr>
-        <p:spPr>
-          <a:xfrm>
-            <a:off x="219966" y="772497"/>
-            <a:ext cx="12067727" cy="1477328"/>
+        <p:spPr bwMode="auto">
+          <a:xfrm>
+            <a:off x="355002" y="214940"/>
+            <a:ext cx="2290108" cy="3313218"/>
           </a:xfrm>
           <a:prstGeom prst="rect">
             <a:avLst/>
           </a:prstGeom>
           <a:noFill/>
-        </p:spPr>
-        <p:txBody>
-          <a:bodyPr wrap="none" rtlCol="0">
-            <a:spAutoFit/>
-          </a:bodyPr>
-          <a:lstStyle/>
-          <a:p>
-            <a:r>
-              <a:rPr kumimoji="1" lang="en-US" altLang="ja-JP" b="1" dirty="0">
-                <a:solidFill>
-                  <a:srgbClr val="FF0000"/>
-                </a:solidFill>
-              </a:rPr>
-              <a:t>Hessian structure </a:t>
-            </a:r>
-            <a:r>
-              <a:rPr kumimoji="1" lang="en-US" altLang="ja-JP" dirty="0"/>
-              <a:t>on a manifold:  </a:t>
-            </a:r>
-            <a:r>
-              <a:rPr kumimoji="1" lang="en-US" altLang="ja-JP" b="1" dirty="0">
-                <a:latin typeface="+mj-lt"/>
-              </a:rPr>
-              <a:t>(g,</a:t>
-            </a:r>
-            <a:r>
-              <a:rPr lang="ja-JP" altLang="en-US" b="1" i="0" dirty="0">
-                <a:effectLst/>
-                <a:latin typeface="+mj-lt"/>
-              </a:rPr>
-              <a:t> ∇</a:t>
-            </a:r>
-            <a:r>
-              <a:rPr kumimoji="1" lang="en-US" altLang="ja-JP" b="1" dirty="0">
-                <a:latin typeface="+mj-lt"/>
-              </a:rPr>
-              <a:t>) </a:t>
-            </a:r>
-            <a:r>
-              <a:rPr kumimoji="1" lang="en-US" altLang="ja-JP" dirty="0"/>
-              <a:t>where g is a Hessian metric tensor and a torsion-free flat connection</a:t>
-            </a:r>
-            <a:r>
-              <a:rPr lang="ja-JP" altLang="en-US" b="1" i="0" dirty="0">
-                <a:effectLst/>
-                <a:latin typeface="+mj-lt"/>
-              </a:rPr>
-              <a:t> ∇</a:t>
-            </a:r>
-            <a:endParaRPr kumimoji="1" lang="en-US" altLang="ja-JP" dirty="0"/>
-          </a:p>
-          <a:p>
-            <a:r>
-              <a:rPr lang="en-US" altLang="ja-JP" dirty="0"/>
-              <a:t>To every chart there is a </a:t>
-            </a:r>
-            <a:r>
-              <a:rPr lang="en-US" altLang="ja-JP" b="1" dirty="0">
-                <a:solidFill>
-                  <a:srgbClr val="FF0000"/>
-                </a:solidFill>
-              </a:rPr>
-              <a:t>potential function </a:t>
-            </a:r>
-            <a:r>
-              <a:rPr lang="en-US" altLang="ja-JP" dirty="0"/>
-              <a:t>defining the Hessian metric in local coordinates of the chart</a:t>
-            </a:r>
-          </a:p>
-          <a:p>
-            <a:r>
-              <a:rPr kumimoji="1" lang="en-US" altLang="ja-JP" dirty="0"/>
-              <a:t>Hessian </a:t>
-            </a:r>
-            <a:r>
-              <a:rPr lang="en-US" altLang="ja-JP" dirty="0"/>
-              <a:t>manifolds are special </a:t>
-            </a:r>
-            <a:r>
-              <a:rPr lang="en-US" altLang="ja-JP" b="1" dirty="0">
-                <a:solidFill>
-                  <a:srgbClr val="FF0000"/>
-                </a:solidFill>
-              </a:rPr>
-              <a:t>affine manifolds </a:t>
-            </a:r>
-            <a:r>
-              <a:rPr lang="en-US" altLang="ja-JP" dirty="0"/>
-              <a:t>(M,</a:t>
-            </a:r>
-            <a:r>
-              <a:rPr lang="ja-JP" altLang="en-US" b="1" i="0" dirty="0">
-                <a:effectLst/>
-                <a:latin typeface="+mj-lt"/>
-              </a:rPr>
-              <a:t> ∇</a:t>
-            </a:r>
-            <a:r>
-              <a:rPr kumimoji="1" lang="en-US" altLang="ja-JP" b="1" dirty="0">
-                <a:latin typeface="+mj-lt"/>
-              </a:rPr>
-              <a:t>) </a:t>
-            </a:r>
-            <a:r>
-              <a:rPr kumimoji="1" lang="en-US" altLang="ja-JP" dirty="0">
-                <a:latin typeface="+mj-lt"/>
-              </a:rPr>
-              <a:t>where </a:t>
-            </a:r>
-            <a:r>
-              <a:rPr lang="ja-JP" altLang="en-US" i="0" dirty="0">
-                <a:effectLst/>
-                <a:latin typeface="+mj-lt"/>
-              </a:rPr>
-              <a:t>∇ </a:t>
-            </a:r>
-            <a:r>
-              <a:rPr lang="en-US" altLang="ja-JP" i="0" dirty="0">
-                <a:effectLst/>
-                <a:latin typeface="+mj-lt"/>
-              </a:rPr>
-              <a:t>is </a:t>
-            </a:r>
-            <a:r>
-              <a:rPr kumimoji="1" lang="en-US" altLang="ja-JP" dirty="0"/>
-              <a:t>a torsion-free flat connection</a:t>
-            </a:r>
-          </a:p>
-          <a:p>
-            <a:r>
-              <a:rPr lang="en-US" altLang="ja-JP" dirty="0"/>
-              <a:t>A Bregman divergence induces a Hessian manifold with a global chart, a </a:t>
-            </a:r>
-            <a:r>
-              <a:rPr lang="en-US" altLang="ja-JP" b="1" dirty="0">
-                <a:solidFill>
-                  <a:srgbClr val="FF0000"/>
-                </a:solidFill>
-              </a:rPr>
-              <a:t>Bregman manifold</a:t>
-            </a:r>
-            <a:endParaRPr kumimoji="1" lang="en-US" altLang="ja-JP" b="1" dirty="0">
-              <a:solidFill>
-                <a:srgbClr val="FF0000"/>
-              </a:solidFill>
-            </a:endParaRPr>
-          </a:p>
-          <a:p>
-            <a:endParaRPr kumimoji="1" lang="ja-JP" altLang="en-US" dirty="0"/>
-          </a:p>
-        </p:txBody>
-      </p:sp>
+          <a:extLst>
+            <a:ext uri="{909E8E84-426E-40DD-AFC4-6F175D3DCCD1}">
+              <a14:hiddenFill xmlns:a14="http://schemas.microsoft.com/office/drawing/2010/main">
+                <a:solidFill>
+                  <a:srgbClr val="FFFFFF"/>
+                </a:solidFill>
+              </a14:hiddenFill>
+            </a:ext>
+          </a:extLst>
+        </p:spPr>
+      </p:pic>
       <p:pic>
         <p:nvPicPr>
-          <p:cNvPr id="1026" name="Picture 2" descr="The Geometry of Hessian Structures: Shima, Hirohiko: 9789812700315:  Amazon.com: Books">
-            <a:extLst>
-              <a:ext uri="{FF2B5EF4-FFF2-40B4-BE49-F238E27FC236}">
-                <a16:creationId xmlns:a16="http://schemas.microsoft.com/office/drawing/2014/main" id="{4270141D-62DE-8996-E8BA-9560EC07568B}"/>
+          <p:cNvPr id="1028" name="Picture 4">
+            <a:extLst>
+              <a:ext uri="{FF2B5EF4-FFF2-40B4-BE49-F238E27FC236}">
+                <a16:creationId xmlns:a16="http://schemas.microsoft.com/office/drawing/2014/main" id="{869FD3FC-AA72-3E95-6D32-9BA0C95C81A4}"/>
+              </a:ext>
+            </a:extLst>
+          </p:cNvPr>
+          <p:cNvPicPr>
+            <a:picLocks noChangeAspect="1" noChangeArrowheads="1"/>
+          </p:cNvPicPr>
+          <p:nvPr/>
+        </p:nvPicPr>
+        <p:blipFill>
+          <a:blip r:embed="rId3">
+            <a:extLst>
+              <a:ext uri="{28A0092B-C50C-407E-A947-70E740481C1C}">
+                <a14:useLocalDpi xmlns:a14="http://schemas.microsoft.com/office/drawing/2010/main" val="0"/>
+              </a:ext>
+            </a:extLst>
+          </a:blip>
+          <a:srcRect/>
+          <a:stretch>
+            <a:fillRect/>
+          </a:stretch>
+        </p:blipFill>
+        <p:spPr bwMode="auto">
+          <a:xfrm>
+            <a:off x="3491299" y="268154"/>
+            <a:ext cx="2067449" cy="3146612"/>
+          </a:xfrm>
+          <a:prstGeom prst="rect">
+            <a:avLst/>
+          </a:prstGeom>
+          <a:noFill/>
+          <a:extLst>
+            <a:ext uri="{909E8E84-426E-40DD-AFC4-6F175D3DCCD1}">
+              <a14:hiddenFill xmlns:a14="http://schemas.microsoft.com/office/drawing/2010/main">
+                <a:solidFill>
+                  <a:srgbClr val="FFFFFF"/>
+                </a:solidFill>
+              </a14:hiddenFill>
+            </a:ext>
+          </a:extLst>
+        </p:spPr>
+      </p:pic>
+      <p:pic>
+        <p:nvPicPr>
+          <p:cNvPr id="1030" name="Picture 6" descr="Cover book the Shallow and the Deep">
+            <a:extLst>
+              <a:ext uri="{FF2B5EF4-FFF2-40B4-BE49-F238E27FC236}">
+                <a16:creationId xmlns:a16="http://schemas.microsoft.com/office/drawing/2014/main" id="{4C31EA6B-35D8-7386-2F1F-4CC879758525}"/>
               </a:ext>
             </a:extLst>
           </p:cNvPr>
@@ -6495,8 +6200,8 @@
         </p:blipFill>
         <p:spPr bwMode="auto">
           <a:xfrm>
-            <a:off x="4869651" y="1990611"/>
-            <a:ext cx="2504871" cy="3716018"/>
+            <a:off x="6404571" y="214940"/>
+            <a:ext cx="2180322" cy="3085156"/>
           </a:xfrm>
           <a:prstGeom prst="rect">
             <a:avLst/>
@@ -6513,131 +6218,12 @@
           </a:extLst>
         </p:spPr>
       </p:pic>
-      <p:sp>
-        <p:nvSpPr>
-          <p:cNvPr id="8" name="TextBox 7">
-            <a:extLst>
-              <a:ext uri="{FF2B5EF4-FFF2-40B4-BE49-F238E27FC236}">
-                <a16:creationId xmlns:a16="http://schemas.microsoft.com/office/drawing/2014/main" id="{9896DFD9-206F-9197-815E-92946154232B}"/>
-              </a:ext>
-            </a:extLst>
-          </p:cNvPr>
-          <p:cNvSpPr txBox="1"/>
-          <p:nvPr/>
-        </p:nvSpPr>
-        <p:spPr>
-          <a:xfrm>
-            <a:off x="0" y="5716171"/>
-            <a:ext cx="6182832" cy="369332"/>
-          </a:xfrm>
-          <a:prstGeom prst="rect">
-            <a:avLst/>
-          </a:prstGeom>
-          <a:noFill/>
-        </p:spPr>
-        <p:txBody>
-          <a:bodyPr wrap="square">
-            <a:spAutoFit/>
-          </a:bodyPr>
-          <a:lstStyle/>
-          <a:p>
-            <a:r>
-              <a:rPr lang="ja-JP" altLang="en-US" dirty="0"/>
-              <a:t>志摩裕彦, へッセ幾何学， 裳華房， 2001</a:t>
-            </a:r>
-          </a:p>
-        </p:txBody>
-      </p:sp>
-      <p:sp>
-        <p:nvSpPr>
-          <p:cNvPr id="10" name="TextBox 9">
-            <a:extLst>
-              <a:ext uri="{FF2B5EF4-FFF2-40B4-BE49-F238E27FC236}">
-                <a16:creationId xmlns:a16="http://schemas.microsoft.com/office/drawing/2014/main" id="{A35B527E-ECB8-8DAB-CB88-FAE7BC8F0082}"/>
-              </a:ext>
-            </a:extLst>
-          </p:cNvPr>
-          <p:cNvSpPr txBox="1"/>
-          <p:nvPr/>
-        </p:nvSpPr>
-        <p:spPr>
-          <a:xfrm>
-            <a:off x="4656286" y="5751243"/>
-            <a:ext cx="7860119" cy="369332"/>
-          </a:xfrm>
-          <a:prstGeom prst="rect">
-            <a:avLst/>
-          </a:prstGeom>
-          <a:noFill/>
-        </p:spPr>
-        <p:txBody>
-          <a:bodyPr wrap="square">
-            <a:spAutoFit/>
-          </a:bodyPr>
-          <a:lstStyle/>
-          <a:p>
-            <a:r>
-              <a:rPr lang="en-US" altLang="ja-JP" b="0" i="0" dirty="0">
-                <a:solidFill>
-                  <a:srgbClr val="222222"/>
-                </a:solidFill>
-                <a:effectLst/>
-                <a:latin typeface="+mj-lt"/>
-              </a:rPr>
-              <a:t>Shima, </a:t>
-            </a:r>
-            <a:r>
-              <a:rPr lang="en-US" altLang="ja-JP" b="0" i="0" dirty="0" err="1">
-                <a:solidFill>
-                  <a:srgbClr val="222222"/>
-                </a:solidFill>
-                <a:effectLst/>
-                <a:latin typeface="+mj-lt"/>
-              </a:rPr>
-              <a:t>Hirohiko</a:t>
-            </a:r>
-            <a:r>
-              <a:rPr lang="en-US" altLang="ja-JP" b="0" i="0" dirty="0">
-                <a:solidFill>
-                  <a:srgbClr val="222222"/>
-                </a:solidFill>
-                <a:effectLst/>
-                <a:latin typeface="+mj-lt"/>
-              </a:rPr>
-              <a:t>. </a:t>
-            </a:r>
-            <a:r>
-              <a:rPr lang="en-US" altLang="ja-JP" b="0" i="1" dirty="0">
-                <a:solidFill>
-                  <a:srgbClr val="222222"/>
-                </a:solidFill>
-                <a:effectLst/>
-                <a:latin typeface="+mj-lt"/>
-              </a:rPr>
-              <a:t>The geometry of Hessian structures</a:t>
-            </a:r>
-            <a:r>
-              <a:rPr lang="en-US" altLang="ja-JP" b="0" i="0" dirty="0">
-                <a:solidFill>
-                  <a:srgbClr val="222222"/>
-                </a:solidFill>
-                <a:effectLst/>
-                <a:latin typeface="+mj-lt"/>
-              </a:rPr>
-              <a:t>. World Scientific, 2007.</a:t>
-            </a:r>
-            <a:endParaRPr lang="ja-JP" altLang="en-US" dirty="0">
-              <a:latin typeface="+mj-lt"/>
-            </a:endParaRPr>
-          </a:p>
-        </p:txBody>
-      </p:sp>
       <p:pic>
         <p:nvPicPr>
-          <p:cNvPr id="1028" name="Picture 4" descr="Jean-Louis Koszul and Hirihiko Shima at GSI'13 “Geometric Science of... |  Download Scientific Diagram">
-            <a:extLst>
-              <a:ext uri="{FF2B5EF4-FFF2-40B4-BE49-F238E27FC236}">
-                <a16:creationId xmlns:a16="http://schemas.microsoft.com/office/drawing/2014/main" id="{531CC6B4-2CF9-4BBC-DF59-40E0E72095B9}"/>
+          <p:cNvPr id="1032" name="Picture 8">
+            <a:extLst>
+              <a:ext uri="{FF2B5EF4-FFF2-40B4-BE49-F238E27FC236}">
+                <a16:creationId xmlns:a16="http://schemas.microsoft.com/office/drawing/2014/main" id="{BEAF9420-7EC0-0DC9-3B66-22A45F3C4B6B}"/>
               </a:ext>
             </a:extLst>
           </p:cNvPr>
@@ -6661,8 +6247,8 @@
         </p:blipFill>
         <p:spPr bwMode="auto">
           <a:xfrm>
-            <a:off x="8153050" y="2025614"/>
-            <a:ext cx="3704165" cy="2780302"/>
+            <a:off x="9472879" y="348605"/>
+            <a:ext cx="2058640" cy="3085156"/>
           </a:xfrm>
           <a:prstGeom prst="rect">
             <a:avLst/>
@@ -6679,154 +6265,151 @@
           </a:extLst>
         </p:spPr>
       </p:pic>
-      <p:sp>
-        <p:nvSpPr>
-          <p:cNvPr id="11" name="TextBox 10">
-            <a:extLst>
-              <a:ext uri="{FF2B5EF4-FFF2-40B4-BE49-F238E27FC236}">
-                <a16:creationId xmlns:a16="http://schemas.microsoft.com/office/drawing/2014/main" id="{C1FE3A9D-DC74-5C90-F7BB-77EFD2367579}"/>
-              </a:ext>
-            </a:extLst>
-          </p:cNvPr>
-          <p:cNvSpPr txBox="1"/>
+      <p:pic>
+        <p:nvPicPr>
+          <p:cNvPr id="1034" name="Picture 10">
+            <a:extLst>
+              <a:ext uri="{FF2B5EF4-FFF2-40B4-BE49-F238E27FC236}">
+                <a16:creationId xmlns:a16="http://schemas.microsoft.com/office/drawing/2014/main" id="{B6349382-C08D-FB12-28F5-0EEB161D7652}"/>
+              </a:ext>
+            </a:extLst>
+          </p:cNvPr>
+          <p:cNvPicPr>
+            <a:picLocks noChangeAspect="1" noChangeArrowheads="1"/>
+          </p:cNvPicPr>
           <p:nvPr/>
-        </p:nvSpPr>
-        <p:spPr>
-          <a:xfrm>
-            <a:off x="8303384" y="4893919"/>
-            <a:ext cx="3403496" cy="861774"/>
+        </p:nvPicPr>
+        <p:blipFill>
+          <a:blip r:embed="rId6">
+            <a:extLst>
+              <a:ext uri="{28A0092B-C50C-407E-A947-70E740481C1C}">
+                <a14:useLocalDpi xmlns:a14="http://schemas.microsoft.com/office/drawing/2010/main" val="0"/>
+              </a:ext>
+            </a:extLst>
+          </a:blip>
+          <a:srcRect/>
+          <a:stretch>
+            <a:fillRect/>
+          </a:stretch>
+        </p:blipFill>
+        <p:spPr bwMode="auto">
+          <a:xfrm>
+            <a:off x="7781589" y="3607377"/>
+            <a:ext cx="2420285" cy="2993511"/>
           </a:xfrm>
           <a:prstGeom prst="rect">
             <a:avLst/>
           </a:prstGeom>
           <a:noFill/>
-        </p:spPr>
-        <p:txBody>
-          <a:bodyPr wrap="none" rtlCol="0">
-            <a:spAutoFit/>
-          </a:bodyPr>
-          <a:lstStyle/>
-          <a:p>
-            <a:pPr algn="ctr"/>
-            <a:r>
-              <a:rPr kumimoji="1" lang="en-US" altLang="ja-JP" sz="1600" dirty="0"/>
-              <a:t>Professor Jean-Louis </a:t>
-            </a:r>
-            <a:r>
-              <a:rPr kumimoji="1" lang="en-US" altLang="ja-JP" sz="1600" dirty="0" err="1"/>
-              <a:t>Koszul</a:t>
-            </a:r>
-            <a:r>
-              <a:rPr kumimoji="1" lang="en-US" altLang="ja-JP" sz="1600" dirty="0"/>
-              <a:t> (left)</a:t>
-            </a:r>
-          </a:p>
-          <a:p>
-            <a:pPr algn="ctr"/>
-            <a:r>
-              <a:rPr lang="en-US" altLang="ja-JP" sz="1600" dirty="0"/>
-              <a:t>Professor </a:t>
-            </a:r>
-            <a:r>
-              <a:rPr lang="en-US" altLang="ja-JP" sz="1600" dirty="0" err="1"/>
-              <a:t>Hirohiko</a:t>
-            </a:r>
-            <a:r>
-              <a:rPr lang="en-US" altLang="ja-JP" sz="1600" dirty="0"/>
-              <a:t> Shima (right)</a:t>
-            </a:r>
-          </a:p>
-          <a:p>
-            <a:pPr algn="ctr"/>
-            <a:r>
-              <a:rPr lang="en-US" altLang="ja-JP" sz="1600" dirty="0"/>
-              <a:t>at GSI 2013 </a:t>
-            </a:r>
-            <a:endParaRPr kumimoji="1" lang="ja-JP" altLang="en-US" sz="1600" dirty="0"/>
-          </a:p>
-        </p:txBody>
-      </p:sp>
-      <p:sp>
-        <p:nvSpPr>
-          <p:cNvPr id="13" name="TextBox 12">
-            <a:extLst>
-              <a:ext uri="{FF2B5EF4-FFF2-40B4-BE49-F238E27FC236}">
-                <a16:creationId xmlns:a16="http://schemas.microsoft.com/office/drawing/2014/main" id="{52BB09E9-86D5-9D8E-E99E-A9452DF7D641}"/>
-              </a:ext>
-            </a:extLst>
-          </p:cNvPr>
-          <p:cNvSpPr txBox="1"/>
+          <a:extLst>
+            <a:ext uri="{909E8E84-426E-40DD-AFC4-6F175D3DCCD1}">
+              <a14:hiddenFill xmlns:a14="http://schemas.microsoft.com/office/drawing/2010/main">
+                <a:solidFill>
+                  <a:srgbClr val="FFFFFF"/>
+                </a:solidFill>
+              </a14:hiddenFill>
+            </a:ext>
+          </a:extLst>
+        </p:spPr>
+      </p:pic>
+      <p:pic>
+        <p:nvPicPr>
+          <p:cNvPr id="1036" name="Picture 12">
+            <a:extLst>
+              <a:ext uri="{FF2B5EF4-FFF2-40B4-BE49-F238E27FC236}">
+                <a16:creationId xmlns:a16="http://schemas.microsoft.com/office/drawing/2014/main" id="{FFD4C5AA-B16F-2F9C-44BE-97F9A54338C0}"/>
+              </a:ext>
+            </a:extLst>
+          </p:cNvPr>
+          <p:cNvPicPr>
+            <a:picLocks noChangeAspect="1" noChangeArrowheads="1"/>
+          </p:cNvPicPr>
           <p:nvPr/>
-        </p:nvSpPr>
-        <p:spPr>
-          <a:xfrm>
-            <a:off x="46241" y="6165189"/>
-            <a:ext cx="12209494" cy="646331"/>
+        </p:nvPicPr>
+        <p:blipFill>
+          <a:blip r:embed="rId7">
+            <a:extLst>
+              <a:ext uri="{28A0092B-C50C-407E-A947-70E740481C1C}">
+                <a14:useLocalDpi xmlns:a14="http://schemas.microsoft.com/office/drawing/2010/main" val="0"/>
+              </a:ext>
+            </a:extLst>
+          </a:blip>
+          <a:srcRect/>
+          <a:stretch>
+            <a:fillRect/>
+          </a:stretch>
+        </p:blipFill>
+        <p:spPr bwMode="auto">
+          <a:xfrm>
+            <a:off x="4898649" y="3528158"/>
+            <a:ext cx="1944052" cy="3146612"/>
           </a:xfrm>
           <a:prstGeom prst="rect">
             <a:avLst/>
           </a:prstGeom>
           <a:noFill/>
-        </p:spPr>
-        <p:txBody>
-          <a:bodyPr wrap="square">
-            <a:spAutoFit/>
-          </a:bodyPr>
-          <a:lstStyle/>
-          <a:p>
-            <a:r>
-              <a:rPr lang="en-US" altLang="ja-JP" b="0" i="0" dirty="0">
-                <a:solidFill>
-                  <a:srgbClr val="222222"/>
-                </a:solidFill>
-                <a:effectLst/>
-                <a:latin typeface="Arial" panose="020B0604020202020204" pitchFamily="34" charset="0"/>
-              </a:rPr>
-              <a:t> Tutorial on Bregman manifolds: </a:t>
-            </a:r>
-            <a:r>
-              <a:rPr lang="en-US" altLang="ja-JP" b="1" i="0" dirty="0">
-                <a:solidFill>
-                  <a:schemeClr val="accent6"/>
-                </a:solidFill>
-                <a:effectLst/>
-                <a:latin typeface="+mj-lt"/>
-              </a:rPr>
-              <a:t>"On geodesic triangles with right angles in a dually flat space." </a:t>
-            </a:r>
-            <a:r>
-              <a:rPr lang="en-US" altLang="ja-JP" b="1" i="1" dirty="0">
-                <a:solidFill>
-                  <a:schemeClr val="accent6"/>
-                </a:solidFill>
-                <a:effectLst/>
-                <a:latin typeface="+mj-lt"/>
-              </a:rPr>
-              <a:t>Progress in Information Geometry: Theory and Applications</a:t>
-            </a:r>
-            <a:r>
-              <a:rPr lang="en-US" altLang="ja-JP" b="1" i="0" dirty="0">
-                <a:solidFill>
-                  <a:schemeClr val="accent6"/>
-                </a:solidFill>
-                <a:effectLst/>
-                <a:latin typeface="+mj-lt"/>
-              </a:rPr>
-              <a:t>. Cham: Springer International Publishing, 2021. 153-190.</a:t>
-            </a:r>
-            <a:endParaRPr lang="ja-JP" altLang="en-US" b="1" dirty="0">
-              <a:solidFill>
-                <a:schemeClr val="accent6"/>
-              </a:solidFill>
-              <a:latin typeface="+mj-lt"/>
-            </a:endParaRPr>
-          </a:p>
-        </p:txBody>
-      </p:sp>
+          <a:extLst>
+            <a:ext uri="{909E8E84-426E-40DD-AFC4-6F175D3DCCD1}">
+              <a14:hiddenFill xmlns:a14="http://schemas.microsoft.com/office/drawing/2010/main">
+                <a:solidFill>
+                  <a:srgbClr val="FFFFFF"/>
+                </a:solidFill>
+              </a14:hiddenFill>
+            </a:ext>
+          </a:extLst>
+        </p:spPr>
+      </p:pic>
+      <p:pic>
+        <p:nvPicPr>
+          <p:cNvPr id="1038" name="Picture 14" descr="front cover">
+            <a:extLst>
+              <a:ext uri="{FF2B5EF4-FFF2-40B4-BE49-F238E27FC236}">
+                <a16:creationId xmlns:a16="http://schemas.microsoft.com/office/drawing/2014/main" id="{9A8537B1-AC44-E732-DE9E-58997F4CCC44}"/>
+              </a:ext>
+            </a:extLst>
+          </p:cNvPr>
+          <p:cNvPicPr>
+            <a:picLocks noChangeAspect="1" noChangeArrowheads="1"/>
+          </p:cNvPicPr>
+          <p:nvPr/>
+        </p:nvPicPr>
+        <p:blipFill>
+          <a:blip r:embed="rId8">
+            <a:extLst>
+              <a:ext uri="{28A0092B-C50C-407E-A947-70E740481C1C}">
+                <a14:useLocalDpi xmlns:a14="http://schemas.microsoft.com/office/drawing/2010/main" val="0"/>
+              </a:ext>
+            </a:extLst>
+          </a:blip>
+          <a:srcRect/>
+          <a:stretch>
+            <a:fillRect/>
+          </a:stretch>
+        </p:blipFill>
+        <p:spPr bwMode="auto">
+          <a:xfrm>
+            <a:off x="1153625" y="3517075"/>
+            <a:ext cx="2982969" cy="3340925"/>
+          </a:xfrm>
+          <a:prstGeom prst="rect">
+            <a:avLst/>
+          </a:prstGeom>
+          <a:noFill/>
+          <a:extLst>
+            <a:ext uri="{909E8E84-426E-40DD-AFC4-6F175D3DCCD1}">
+              <a14:hiddenFill xmlns:a14="http://schemas.microsoft.com/office/drawing/2010/main">
+                <a:solidFill>
+                  <a:srgbClr val="FFFFFF"/>
+                </a:solidFill>
+              </a14:hiddenFill>
+            </a:ext>
+          </a:extLst>
+        </p:spPr>
+      </p:pic>
     </p:spTree>
     <p:extLst>
       <p:ext uri="{BB962C8B-B14F-4D97-AF65-F5344CB8AC3E}">
-        <p14:creationId xmlns:p14="http://schemas.microsoft.com/office/powerpoint/2010/main" val="3165096420"/>
+        <p14:creationId xmlns:p14="http://schemas.microsoft.com/office/powerpoint/2010/main" val="1443018924"/>
       </p:ext>
     </p:extLst>
   </p:cSld>
@@ -6858,6 +6441,645 @@
           <p:cNvPr id="2" name="Title 1">
             <a:extLst>
               <a:ext uri="{FF2B5EF4-FFF2-40B4-BE49-F238E27FC236}">
+                <a16:creationId xmlns:a16="http://schemas.microsoft.com/office/drawing/2014/main" id="{1CC3642B-9742-5616-9937-0466314270FA}"/>
+              </a:ext>
+            </a:extLst>
+          </p:cNvPr>
+          <p:cNvSpPr>
+            <a:spLocks noGrp="1"/>
+          </p:cNvSpPr>
+          <p:nvPr>
+            <p:ph type="title"/>
+          </p:nvPr>
+        </p:nvSpPr>
+        <p:spPr>
+          <a:xfrm>
+            <a:off x="219966" y="-273488"/>
+            <a:ext cx="11752068" cy="1325563"/>
+          </a:xfrm>
+        </p:spPr>
+        <p:txBody>
+          <a:bodyPr>
+            <a:normAutofit/>
+          </a:bodyPr>
+          <a:lstStyle/>
+          <a:p>
+            <a:r>
+              <a:rPr kumimoji="1" lang="en-US" altLang="ja-JP" sz="3600" b="1" dirty="0">
+                <a:solidFill>
+                  <a:schemeClr val="accent5"/>
+                </a:solidFill>
+              </a:rPr>
+              <a:t>Hessian manifolds, Hessian geometry, Bregman geometry</a:t>
+            </a:r>
+            <a:endParaRPr kumimoji="1" lang="ja-JP" altLang="en-US" sz="3600" b="1" dirty="0">
+              <a:solidFill>
+                <a:schemeClr val="accent5"/>
+              </a:solidFill>
+            </a:endParaRPr>
+          </a:p>
+        </p:txBody>
+      </p:sp>
+      <p:pic>
+        <p:nvPicPr>
+          <p:cNvPr id="5" name="Content Placeholder 4" descr="A book cover with text&#10;&#10;Description automatically generated">
+            <a:extLst>
+              <a:ext uri="{FF2B5EF4-FFF2-40B4-BE49-F238E27FC236}">
+                <a16:creationId xmlns:a16="http://schemas.microsoft.com/office/drawing/2014/main" id="{D048D31E-7654-8254-FA04-F9748BFF69AF}"/>
+              </a:ext>
+            </a:extLst>
+          </p:cNvPr>
+          <p:cNvPicPr>
+            <a:picLocks noGrp="1" noChangeAspect="1"/>
+          </p:cNvPicPr>
+          <p:nvPr>
+            <p:ph idx="1"/>
+          </p:nvPr>
+        </p:nvPicPr>
+        <p:blipFill>
+          <a:blip r:embed="rId3">
+            <a:extLst>
+              <a:ext uri="{28A0092B-C50C-407E-A947-70E740481C1C}">
+                <a14:useLocalDpi xmlns:a14="http://schemas.microsoft.com/office/drawing/2010/main" val="0"/>
+              </a:ext>
+            </a:extLst>
+          </a:blip>
+          <a:stretch>
+            <a:fillRect/>
+          </a:stretch>
+        </p:blipFill>
+        <p:spPr>
+          <a:xfrm>
+            <a:off x="772098" y="2025615"/>
+            <a:ext cx="2577158" cy="3655544"/>
+          </a:xfrm>
+        </p:spPr>
+      </p:pic>
+      <p:sp>
+        <p:nvSpPr>
+          <p:cNvPr id="6" name="TextBox 5">
+            <a:extLst>
+              <a:ext uri="{FF2B5EF4-FFF2-40B4-BE49-F238E27FC236}">
+                <a16:creationId xmlns:a16="http://schemas.microsoft.com/office/drawing/2014/main" id="{95C7AD0D-A17F-006E-8AC8-E7411C575379}"/>
+              </a:ext>
+            </a:extLst>
+          </p:cNvPr>
+          <p:cNvSpPr txBox="1"/>
+          <p:nvPr/>
+        </p:nvSpPr>
+        <p:spPr>
+          <a:xfrm>
+            <a:off x="219966" y="772497"/>
+            <a:ext cx="12067727" cy="1477328"/>
+          </a:xfrm>
+          <a:prstGeom prst="rect">
+            <a:avLst/>
+          </a:prstGeom>
+          <a:noFill/>
+        </p:spPr>
+        <p:txBody>
+          <a:bodyPr wrap="none" rtlCol="0">
+            <a:spAutoFit/>
+          </a:bodyPr>
+          <a:lstStyle/>
+          <a:p>
+            <a:r>
+              <a:rPr kumimoji="1" lang="en-US" altLang="ja-JP" b="1" dirty="0">
+                <a:solidFill>
+                  <a:srgbClr val="FF0000"/>
+                </a:solidFill>
+              </a:rPr>
+              <a:t>Hessian structure </a:t>
+            </a:r>
+            <a:r>
+              <a:rPr kumimoji="1" lang="en-US" altLang="ja-JP" dirty="0"/>
+              <a:t>on a manifold:  </a:t>
+            </a:r>
+            <a:r>
+              <a:rPr kumimoji="1" lang="en-US" altLang="ja-JP" b="1" dirty="0">
+                <a:latin typeface="+mj-lt"/>
+              </a:rPr>
+              <a:t>(g,</a:t>
+            </a:r>
+            <a:r>
+              <a:rPr lang="ja-JP" altLang="en-US" b="1" i="0" dirty="0">
+                <a:effectLst/>
+                <a:latin typeface="+mj-lt"/>
+              </a:rPr>
+              <a:t> ∇</a:t>
+            </a:r>
+            <a:r>
+              <a:rPr kumimoji="1" lang="en-US" altLang="ja-JP" b="1" dirty="0">
+                <a:latin typeface="+mj-lt"/>
+              </a:rPr>
+              <a:t>) </a:t>
+            </a:r>
+            <a:r>
+              <a:rPr kumimoji="1" lang="en-US" altLang="ja-JP" dirty="0"/>
+              <a:t>where g is a Hessian metric tensor and a torsion-free flat connection</a:t>
+            </a:r>
+            <a:r>
+              <a:rPr lang="ja-JP" altLang="en-US" b="1" i="0" dirty="0">
+                <a:effectLst/>
+                <a:latin typeface="+mj-lt"/>
+              </a:rPr>
+              <a:t> ∇</a:t>
+            </a:r>
+            <a:endParaRPr kumimoji="1" lang="en-US" altLang="ja-JP" dirty="0"/>
+          </a:p>
+          <a:p>
+            <a:r>
+              <a:rPr lang="en-US" altLang="ja-JP" dirty="0"/>
+              <a:t>To every chart there is a </a:t>
+            </a:r>
+            <a:r>
+              <a:rPr lang="en-US" altLang="ja-JP" b="1" dirty="0">
+                <a:solidFill>
+                  <a:srgbClr val="FF0000"/>
+                </a:solidFill>
+              </a:rPr>
+              <a:t>potential function </a:t>
+            </a:r>
+            <a:r>
+              <a:rPr lang="en-US" altLang="ja-JP" dirty="0"/>
+              <a:t>defining the Hessian metric in local coordinates of the chart</a:t>
+            </a:r>
+          </a:p>
+          <a:p>
+            <a:r>
+              <a:rPr kumimoji="1" lang="en-US" altLang="ja-JP" dirty="0"/>
+              <a:t>Hessian </a:t>
+            </a:r>
+            <a:r>
+              <a:rPr lang="en-US" altLang="ja-JP" dirty="0"/>
+              <a:t>manifolds are special </a:t>
+            </a:r>
+            <a:r>
+              <a:rPr lang="en-US" altLang="ja-JP" b="1" dirty="0">
+                <a:solidFill>
+                  <a:srgbClr val="FF0000"/>
+                </a:solidFill>
+              </a:rPr>
+              <a:t>affine manifolds </a:t>
+            </a:r>
+            <a:r>
+              <a:rPr lang="en-US" altLang="ja-JP" dirty="0"/>
+              <a:t>(M,</a:t>
+            </a:r>
+            <a:r>
+              <a:rPr lang="ja-JP" altLang="en-US" b="1" i="0" dirty="0">
+                <a:effectLst/>
+                <a:latin typeface="+mj-lt"/>
+              </a:rPr>
+              <a:t> ∇</a:t>
+            </a:r>
+            <a:r>
+              <a:rPr kumimoji="1" lang="en-US" altLang="ja-JP" b="1" dirty="0">
+                <a:latin typeface="+mj-lt"/>
+              </a:rPr>
+              <a:t>) </a:t>
+            </a:r>
+            <a:r>
+              <a:rPr kumimoji="1" lang="en-US" altLang="ja-JP" dirty="0">
+                <a:latin typeface="+mj-lt"/>
+              </a:rPr>
+              <a:t>where </a:t>
+            </a:r>
+            <a:r>
+              <a:rPr lang="ja-JP" altLang="en-US" i="0" dirty="0">
+                <a:effectLst/>
+                <a:latin typeface="+mj-lt"/>
+              </a:rPr>
+              <a:t>∇ </a:t>
+            </a:r>
+            <a:r>
+              <a:rPr lang="en-US" altLang="ja-JP" i="0" dirty="0">
+                <a:effectLst/>
+                <a:latin typeface="+mj-lt"/>
+              </a:rPr>
+              <a:t>is </a:t>
+            </a:r>
+            <a:r>
+              <a:rPr kumimoji="1" lang="en-US" altLang="ja-JP" dirty="0"/>
+              <a:t>a torsion-free flat connection</a:t>
+            </a:r>
+          </a:p>
+          <a:p>
+            <a:r>
+              <a:rPr lang="en-US" altLang="ja-JP" dirty="0"/>
+              <a:t>A Bregman divergence induces a Hessian manifold with a global chart, a </a:t>
+            </a:r>
+            <a:r>
+              <a:rPr lang="en-US" altLang="ja-JP" b="1" dirty="0">
+                <a:solidFill>
+                  <a:srgbClr val="FF0000"/>
+                </a:solidFill>
+              </a:rPr>
+              <a:t>Bregman manifold</a:t>
+            </a:r>
+            <a:endParaRPr kumimoji="1" lang="en-US" altLang="ja-JP" b="1" dirty="0">
+              <a:solidFill>
+                <a:srgbClr val="FF0000"/>
+              </a:solidFill>
+            </a:endParaRPr>
+          </a:p>
+          <a:p>
+            <a:endParaRPr kumimoji="1" lang="ja-JP" altLang="en-US" dirty="0"/>
+          </a:p>
+        </p:txBody>
+      </p:sp>
+      <p:pic>
+        <p:nvPicPr>
+          <p:cNvPr id="1026" name="Picture 2" descr="The Geometry of Hessian Structures: Shima, Hirohiko: 9789812700315:  Amazon.com: Books">
+            <a:extLst>
+              <a:ext uri="{FF2B5EF4-FFF2-40B4-BE49-F238E27FC236}">
+                <a16:creationId xmlns:a16="http://schemas.microsoft.com/office/drawing/2014/main" id="{4270141D-62DE-8996-E8BA-9560EC07568B}"/>
+              </a:ext>
+            </a:extLst>
+          </p:cNvPr>
+          <p:cNvPicPr>
+            <a:picLocks noChangeAspect="1" noChangeArrowheads="1"/>
+          </p:cNvPicPr>
+          <p:nvPr/>
+        </p:nvPicPr>
+        <p:blipFill>
+          <a:blip r:embed="rId4">
+            <a:extLst>
+              <a:ext uri="{28A0092B-C50C-407E-A947-70E740481C1C}">
+                <a14:useLocalDpi xmlns:a14="http://schemas.microsoft.com/office/drawing/2010/main" val="0"/>
+              </a:ext>
+            </a:extLst>
+          </a:blip>
+          <a:srcRect/>
+          <a:stretch>
+            <a:fillRect/>
+          </a:stretch>
+        </p:blipFill>
+        <p:spPr bwMode="auto">
+          <a:xfrm>
+            <a:off x="4869651" y="1990611"/>
+            <a:ext cx="2504871" cy="3716018"/>
+          </a:xfrm>
+          <a:prstGeom prst="rect">
+            <a:avLst/>
+          </a:prstGeom>
+          <a:noFill/>
+          <a:extLst>
+            <a:ext uri="{909E8E84-426E-40DD-AFC4-6F175D3DCCD1}">
+              <a14:hiddenFill xmlns:a14="http://schemas.microsoft.com/office/drawing/2010/main">
+                <a:solidFill>
+                  <a:srgbClr val="FFFFFF"/>
+                </a:solidFill>
+              </a14:hiddenFill>
+            </a:ext>
+          </a:extLst>
+        </p:spPr>
+      </p:pic>
+      <p:sp>
+        <p:nvSpPr>
+          <p:cNvPr id="8" name="TextBox 7">
+            <a:extLst>
+              <a:ext uri="{FF2B5EF4-FFF2-40B4-BE49-F238E27FC236}">
+                <a16:creationId xmlns:a16="http://schemas.microsoft.com/office/drawing/2014/main" id="{9896DFD9-206F-9197-815E-92946154232B}"/>
+              </a:ext>
+            </a:extLst>
+          </p:cNvPr>
+          <p:cNvSpPr txBox="1"/>
+          <p:nvPr/>
+        </p:nvSpPr>
+        <p:spPr>
+          <a:xfrm>
+            <a:off x="0" y="5716171"/>
+            <a:ext cx="6182832" cy="369332"/>
+          </a:xfrm>
+          <a:prstGeom prst="rect">
+            <a:avLst/>
+          </a:prstGeom>
+          <a:noFill/>
+        </p:spPr>
+        <p:txBody>
+          <a:bodyPr wrap="square">
+            <a:spAutoFit/>
+          </a:bodyPr>
+          <a:lstStyle/>
+          <a:p>
+            <a:r>
+              <a:rPr lang="ja-JP" altLang="en-US" dirty="0"/>
+              <a:t>志摩裕彦, へッセ幾何学， 裳華房， 2001</a:t>
+            </a:r>
+          </a:p>
+        </p:txBody>
+      </p:sp>
+      <p:sp>
+        <p:nvSpPr>
+          <p:cNvPr id="10" name="TextBox 9">
+            <a:extLst>
+              <a:ext uri="{FF2B5EF4-FFF2-40B4-BE49-F238E27FC236}">
+                <a16:creationId xmlns:a16="http://schemas.microsoft.com/office/drawing/2014/main" id="{A35B527E-ECB8-8DAB-CB88-FAE7BC8F0082}"/>
+              </a:ext>
+            </a:extLst>
+          </p:cNvPr>
+          <p:cNvSpPr txBox="1"/>
+          <p:nvPr/>
+        </p:nvSpPr>
+        <p:spPr>
+          <a:xfrm>
+            <a:off x="4656286" y="5751243"/>
+            <a:ext cx="7860119" cy="369332"/>
+          </a:xfrm>
+          <a:prstGeom prst="rect">
+            <a:avLst/>
+          </a:prstGeom>
+          <a:noFill/>
+        </p:spPr>
+        <p:txBody>
+          <a:bodyPr wrap="square">
+            <a:spAutoFit/>
+          </a:bodyPr>
+          <a:lstStyle/>
+          <a:p>
+            <a:r>
+              <a:rPr lang="en-US" altLang="ja-JP" b="0" i="0" dirty="0">
+                <a:solidFill>
+                  <a:srgbClr val="222222"/>
+                </a:solidFill>
+                <a:effectLst/>
+                <a:latin typeface="+mj-lt"/>
+              </a:rPr>
+              <a:t>Shima, </a:t>
+            </a:r>
+            <a:r>
+              <a:rPr lang="en-US" altLang="ja-JP" b="0" i="0" dirty="0" err="1">
+                <a:solidFill>
+                  <a:srgbClr val="222222"/>
+                </a:solidFill>
+                <a:effectLst/>
+                <a:latin typeface="+mj-lt"/>
+              </a:rPr>
+              <a:t>Hirohiko</a:t>
+            </a:r>
+            <a:r>
+              <a:rPr lang="en-US" altLang="ja-JP" b="0" i="0" dirty="0">
+                <a:solidFill>
+                  <a:srgbClr val="222222"/>
+                </a:solidFill>
+                <a:effectLst/>
+                <a:latin typeface="+mj-lt"/>
+              </a:rPr>
+              <a:t>. </a:t>
+            </a:r>
+            <a:r>
+              <a:rPr lang="en-US" altLang="ja-JP" b="0" i="1" dirty="0">
+                <a:solidFill>
+                  <a:srgbClr val="222222"/>
+                </a:solidFill>
+                <a:effectLst/>
+                <a:latin typeface="+mj-lt"/>
+              </a:rPr>
+              <a:t>The geometry of Hessian structures</a:t>
+            </a:r>
+            <a:r>
+              <a:rPr lang="en-US" altLang="ja-JP" b="0" i="0" dirty="0">
+                <a:solidFill>
+                  <a:srgbClr val="222222"/>
+                </a:solidFill>
+                <a:effectLst/>
+                <a:latin typeface="+mj-lt"/>
+              </a:rPr>
+              <a:t>. World Scientific, 2007.</a:t>
+            </a:r>
+            <a:endParaRPr lang="ja-JP" altLang="en-US" dirty="0">
+              <a:latin typeface="+mj-lt"/>
+            </a:endParaRPr>
+          </a:p>
+        </p:txBody>
+      </p:sp>
+      <p:pic>
+        <p:nvPicPr>
+          <p:cNvPr id="1028" name="Picture 4" descr="Jean-Louis Koszul and Hirihiko Shima at GSI'13 “Geometric Science of... |  Download Scientific Diagram">
+            <a:extLst>
+              <a:ext uri="{FF2B5EF4-FFF2-40B4-BE49-F238E27FC236}">
+                <a16:creationId xmlns:a16="http://schemas.microsoft.com/office/drawing/2014/main" id="{531CC6B4-2CF9-4BBC-DF59-40E0E72095B9}"/>
+              </a:ext>
+            </a:extLst>
+          </p:cNvPr>
+          <p:cNvPicPr>
+            <a:picLocks noChangeAspect="1" noChangeArrowheads="1"/>
+          </p:cNvPicPr>
+          <p:nvPr/>
+        </p:nvPicPr>
+        <p:blipFill>
+          <a:blip r:embed="rId5">
+            <a:extLst>
+              <a:ext uri="{28A0092B-C50C-407E-A947-70E740481C1C}">
+                <a14:useLocalDpi xmlns:a14="http://schemas.microsoft.com/office/drawing/2010/main" val="0"/>
+              </a:ext>
+            </a:extLst>
+          </a:blip>
+          <a:srcRect/>
+          <a:stretch>
+            <a:fillRect/>
+          </a:stretch>
+        </p:blipFill>
+        <p:spPr bwMode="auto">
+          <a:xfrm>
+            <a:off x="8153050" y="2025614"/>
+            <a:ext cx="3704165" cy="2780302"/>
+          </a:xfrm>
+          <a:prstGeom prst="rect">
+            <a:avLst/>
+          </a:prstGeom>
+          <a:noFill/>
+          <a:extLst>
+            <a:ext uri="{909E8E84-426E-40DD-AFC4-6F175D3DCCD1}">
+              <a14:hiddenFill xmlns:a14="http://schemas.microsoft.com/office/drawing/2010/main">
+                <a:solidFill>
+                  <a:srgbClr val="FFFFFF"/>
+                </a:solidFill>
+              </a14:hiddenFill>
+            </a:ext>
+          </a:extLst>
+        </p:spPr>
+      </p:pic>
+      <p:sp>
+        <p:nvSpPr>
+          <p:cNvPr id="11" name="TextBox 10">
+            <a:extLst>
+              <a:ext uri="{FF2B5EF4-FFF2-40B4-BE49-F238E27FC236}">
+                <a16:creationId xmlns:a16="http://schemas.microsoft.com/office/drawing/2014/main" id="{C1FE3A9D-DC74-5C90-F7BB-77EFD2367579}"/>
+              </a:ext>
+            </a:extLst>
+          </p:cNvPr>
+          <p:cNvSpPr txBox="1"/>
+          <p:nvPr/>
+        </p:nvSpPr>
+        <p:spPr>
+          <a:xfrm>
+            <a:off x="8303384" y="4893919"/>
+            <a:ext cx="3403496" cy="861774"/>
+          </a:xfrm>
+          <a:prstGeom prst="rect">
+            <a:avLst/>
+          </a:prstGeom>
+          <a:noFill/>
+        </p:spPr>
+        <p:txBody>
+          <a:bodyPr wrap="none" rtlCol="0">
+            <a:spAutoFit/>
+          </a:bodyPr>
+          <a:lstStyle/>
+          <a:p>
+            <a:pPr algn="ctr"/>
+            <a:r>
+              <a:rPr kumimoji="1" lang="en-US" altLang="ja-JP" sz="1600" dirty="0"/>
+              <a:t>Professor Jean-Louis </a:t>
+            </a:r>
+            <a:r>
+              <a:rPr kumimoji="1" lang="en-US" altLang="ja-JP" sz="1600" dirty="0" err="1"/>
+              <a:t>Koszul</a:t>
+            </a:r>
+            <a:r>
+              <a:rPr kumimoji="1" lang="en-US" altLang="ja-JP" sz="1600" dirty="0"/>
+              <a:t> (left)</a:t>
+            </a:r>
+          </a:p>
+          <a:p>
+            <a:pPr algn="ctr"/>
+            <a:r>
+              <a:rPr lang="en-US" altLang="ja-JP" sz="1600" dirty="0"/>
+              <a:t>Professor </a:t>
+            </a:r>
+            <a:r>
+              <a:rPr lang="en-US" altLang="ja-JP" sz="1600" dirty="0" err="1"/>
+              <a:t>Hirohiko</a:t>
+            </a:r>
+            <a:r>
+              <a:rPr lang="en-US" altLang="ja-JP" sz="1600" dirty="0"/>
+              <a:t> Shima (right)</a:t>
+            </a:r>
+          </a:p>
+          <a:p>
+            <a:pPr algn="ctr"/>
+            <a:r>
+              <a:rPr lang="en-US" altLang="ja-JP" sz="1600" dirty="0"/>
+              <a:t>at GSI 2013 </a:t>
+            </a:r>
+            <a:endParaRPr kumimoji="1" lang="ja-JP" altLang="en-US" sz="1600" dirty="0"/>
+          </a:p>
+        </p:txBody>
+      </p:sp>
+      <p:sp>
+        <p:nvSpPr>
+          <p:cNvPr id="13" name="TextBox 12">
+            <a:extLst>
+              <a:ext uri="{FF2B5EF4-FFF2-40B4-BE49-F238E27FC236}">
+                <a16:creationId xmlns:a16="http://schemas.microsoft.com/office/drawing/2014/main" id="{52BB09E9-86D5-9D8E-E99E-A9452DF7D641}"/>
+              </a:ext>
+            </a:extLst>
+          </p:cNvPr>
+          <p:cNvSpPr txBox="1"/>
+          <p:nvPr/>
+        </p:nvSpPr>
+        <p:spPr>
+          <a:xfrm>
+            <a:off x="46241" y="6165189"/>
+            <a:ext cx="12209494" cy="646331"/>
+          </a:xfrm>
+          <a:prstGeom prst="rect">
+            <a:avLst/>
+          </a:prstGeom>
+          <a:noFill/>
+        </p:spPr>
+        <p:txBody>
+          <a:bodyPr wrap="square">
+            <a:spAutoFit/>
+          </a:bodyPr>
+          <a:lstStyle/>
+          <a:p>
+            <a:r>
+              <a:rPr lang="en-US" altLang="ja-JP" b="0" i="0" dirty="0">
+                <a:solidFill>
+                  <a:srgbClr val="222222"/>
+                </a:solidFill>
+                <a:effectLst/>
+                <a:latin typeface="Arial" panose="020B0604020202020204" pitchFamily="34" charset="0"/>
+              </a:rPr>
+              <a:t> Tutorial on Bregman manifolds: </a:t>
+            </a:r>
+            <a:r>
+              <a:rPr lang="en-US" altLang="ja-JP" b="1" i="0" dirty="0">
+                <a:solidFill>
+                  <a:schemeClr val="accent6"/>
+                </a:solidFill>
+                <a:effectLst/>
+                <a:latin typeface="+mj-lt"/>
+              </a:rPr>
+              <a:t>"On geodesic triangles with right angles in a dually flat space." </a:t>
+            </a:r>
+            <a:r>
+              <a:rPr lang="en-US" altLang="ja-JP" b="1" i="1" dirty="0">
+                <a:solidFill>
+                  <a:schemeClr val="accent6"/>
+                </a:solidFill>
+                <a:effectLst/>
+                <a:latin typeface="+mj-lt"/>
+              </a:rPr>
+              <a:t>Progress in Information Geometry: Theory and Applications</a:t>
+            </a:r>
+            <a:r>
+              <a:rPr lang="en-US" altLang="ja-JP" b="1" i="0" dirty="0">
+                <a:solidFill>
+                  <a:schemeClr val="accent6"/>
+                </a:solidFill>
+                <a:effectLst/>
+                <a:latin typeface="+mj-lt"/>
+              </a:rPr>
+              <a:t>. Cham: Springer International Publishing, 2021. 153-190.</a:t>
+            </a:r>
+            <a:endParaRPr lang="ja-JP" altLang="en-US" b="1" dirty="0">
+              <a:solidFill>
+                <a:schemeClr val="accent6"/>
+              </a:solidFill>
+              <a:latin typeface="+mj-lt"/>
+            </a:endParaRPr>
+          </a:p>
+        </p:txBody>
+      </p:sp>
+    </p:spTree>
+    <p:extLst>
+      <p:ext uri="{BB962C8B-B14F-4D97-AF65-F5344CB8AC3E}">
+        <p14:creationId xmlns:p14="http://schemas.microsoft.com/office/powerpoint/2010/main" val="3165096420"/>
+      </p:ext>
+    </p:extLst>
+  </p:cSld>
+  <p:clrMapOvr>
+    <a:masterClrMapping/>
+  </p:clrMapOvr>
+</p:sld>
+</file>
+
+<file path=ppt/slides/slide15.xml><?xml version="1.0" encoding="utf-8"?>
+<p:sld xmlns:a="http://schemas.openxmlformats.org/drawingml/2006/main" xmlns:r="http://schemas.openxmlformats.org/officeDocument/2006/relationships" xmlns:p="http://schemas.openxmlformats.org/presentationml/2006/main">
+  <p:cSld>
+    <p:spTree>
+      <p:nvGrpSpPr>
+        <p:cNvPr id="1" name=""/>
+        <p:cNvGrpSpPr/>
+        <p:nvPr/>
+      </p:nvGrpSpPr>
+      <p:grpSpPr>
+        <a:xfrm>
+          <a:off x="0" y="0"/>
+          <a:ext cx="0" cy="0"/>
+          <a:chOff x="0" y="0"/>
+          <a:chExt cx="0" cy="0"/>
+        </a:xfrm>
+      </p:grpSpPr>
+      <p:sp>
+        <p:nvSpPr>
+          <p:cNvPr id="2" name="Title 1">
+            <a:extLst>
+              <a:ext uri="{FF2B5EF4-FFF2-40B4-BE49-F238E27FC236}">
                 <a16:creationId xmlns:a16="http://schemas.microsoft.com/office/drawing/2014/main" id="{BEAACF7D-F6C2-8E01-6684-C59AC917DB3D}"/>
               </a:ext>
             </a:extLst>
@@ -7011,7 +7233,7 @@
 </p:sld>
 </file>
 
-<file path=ppt/slides/slide15.xml><?xml version="1.0" encoding="utf-8"?>
+<file path=ppt/slides/slide16.xml><?xml version="1.0" encoding="utf-8"?>
 <p:sld xmlns:a="http://schemas.openxmlformats.org/drawingml/2006/main" xmlns:r="http://schemas.openxmlformats.org/officeDocument/2006/relationships" xmlns:p="http://schemas.openxmlformats.org/presentationml/2006/main">
   <p:cSld>
     <p:spTree>
@@ -7755,120 +7977,161 @@
           <a:chExt cx="0" cy="0"/>
         </a:xfrm>
       </p:grpSpPr>
+      <p:sp>
+        <p:nvSpPr>
+          <p:cNvPr id="2" name="Title 1">
+            <a:extLst>
+              <a:ext uri="{FF2B5EF4-FFF2-40B4-BE49-F238E27FC236}">
+                <a16:creationId xmlns:a16="http://schemas.microsoft.com/office/drawing/2014/main" id="{BB7F320F-A33E-4D62-E8D9-982BA115B626}"/>
+              </a:ext>
+            </a:extLst>
+          </p:cNvPr>
+          <p:cNvSpPr>
+            <a:spLocks noGrp="1"/>
+          </p:cNvSpPr>
+          <p:nvPr>
+            <p:ph type="title"/>
+          </p:nvPr>
+        </p:nvSpPr>
+        <p:spPr>
+          <a:xfrm>
+            <a:off x="235771" y="18254"/>
+            <a:ext cx="11791277" cy="1325563"/>
+          </a:xfrm>
+        </p:spPr>
+        <p:txBody>
+          <a:bodyPr/>
+          <a:lstStyle/>
+          <a:p>
+            <a:r>
+              <a:rPr kumimoji="1" lang="en-US" altLang="ja-JP" b="1" dirty="0">
+                <a:solidFill>
+                  <a:schemeClr val="accent5"/>
+                </a:solidFill>
+              </a:rPr>
+              <a:t>Bregman Delaunay triangulations/complexes</a:t>
+            </a:r>
+            <a:endParaRPr kumimoji="1" lang="ja-JP" altLang="en-US" b="1" dirty="0">
+              <a:solidFill>
+                <a:schemeClr val="accent5"/>
+              </a:solidFill>
+            </a:endParaRPr>
+          </a:p>
+        </p:txBody>
+      </p:sp>
+      <p:sp>
+        <p:nvSpPr>
+          <p:cNvPr id="3" name="Content Placeholder 2">
+            <a:extLst>
+              <a:ext uri="{FF2B5EF4-FFF2-40B4-BE49-F238E27FC236}">
+                <a16:creationId xmlns:a16="http://schemas.microsoft.com/office/drawing/2014/main" id="{289DD14E-56BD-E35E-9200-6CD6341C214D}"/>
+              </a:ext>
+            </a:extLst>
+          </p:cNvPr>
+          <p:cNvSpPr>
+            <a:spLocks noGrp="1"/>
+          </p:cNvSpPr>
+          <p:nvPr>
+            <p:ph idx="1"/>
+          </p:nvPr>
+        </p:nvSpPr>
+        <p:spPr/>
+        <p:txBody>
+          <a:bodyPr/>
+          <a:lstStyle/>
+          <a:p>
+            <a:endParaRPr kumimoji="1" lang="ja-JP" altLang="en-US"/>
+          </a:p>
+        </p:txBody>
+      </p:sp>
       <p:pic>
         <p:nvPicPr>
-          <p:cNvPr id="1026" name="Picture 2" descr="NASA Takes You Through a Real-Life 'Cosmos'">
-            <a:extLst>
-              <a:ext uri="{FF2B5EF4-FFF2-40B4-BE49-F238E27FC236}">
-                <a16:creationId xmlns:a16="http://schemas.microsoft.com/office/drawing/2014/main" id="{253EE860-052B-3A8C-D6AC-EA315FA4FE8E}"/>
+          <p:cNvPr id="5" name="Picture 4">
+            <a:extLst>
+              <a:ext uri="{FF2B5EF4-FFF2-40B4-BE49-F238E27FC236}">
+                <a16:creationId xmlns:a16="http://schemas.microsoft.com/office/drawing/2014/main" id="{8E3C1C98-2DFA-EDCC-99EA-628D14B6374B}"/>
               </a:ext>
             </a:extLst>
           </p:cNvPr>
           <p:cNvPicPr>
-            <a:picLocks noChangeAspect="1" noChangeArrowheads="1"/>
+            <a:picLocks noChangeAspect="1"/>
           </p:cNvPicPr>
           <p:nvPr/>
         </p:nvPicPr>
         <p:blipFill>
-          <a:blip r:embed="rId3">
-            <a:extLst>
-              <a:ext uri="{28A0092B-C50C-407E-A947-70E740481C1C}">
-                <a14:useLocalDpi xmlns:a14="http://schemas.microsoft.com/office/drawing/2010/main" val="0"/>
-              </a:ext>
-            </a:extLst>
-          </a:blip>
-          <a:srcRect/>
+          <a:blip r:embed="rId2"/>
           <a:stretch>
             <a:fillRect/>
           </a:stretch>
         </p:blipFill>
-        <p:spPr bwMode="auto">
-          <a:xfrm>
-            <a:off x="0" y="817563"/>
-            <a:ext cx="12192000" cy="5359400"/>
+        <p:spPr>
+          <a:xfrm>
+            <a:off x="54881" y="1259302"/>
+            <a:ext cx="12153055" cy="4499124"/>
           </a:xfrm>
           <a:prstGeom prst="rect">
             <a:avLst/>
           </a:prstGeom>
-          <a:noFill/>
-          <a:extLst>
-            <a:ext uri="{909E8E84-426E-40DD-AFC4-6F175D3DCCD1}">
-              <a14:hiddenFill xmlns:a14="http://schemas.microsoft.com/office/drawing/2010/main">
-                <a:solidFill>
-                  <a:srgbClr val="FFFFFF"/>
-                </a:solidFill>
-              </a14:hiddenFill>
-            </a:ext>
-          </a:extLst>
         </p:spPr>
       </p:pic>
       <p:sp>
         <p:nvSpPr>
-          <p:cNvPr id="2" name="Title 1">
-            <a:extLst>
-              <a:ext uri="{FF2B5EF4-FFF2-40B4-BE49-F238E27FC236}">
-                <a16:creationId xmlns:a16="http://schemas.microsoft.com/office/drawing/2014/main" id="{746704BA-4EDF-BEAD-7FF9-6ED6C129B335}"/>
-              </a:ext>
-            </a:extLst>
-          </p:cNvPr>
-          <p:cNvSpPr>
-            <a:spLocks noGrp="1"/>
-          </p:cNvSpPr>
-          <p:nvPr>
-            <p:ph type="title"/>
-          </p:nvPr>
-        </p:nvSpPr>
-        <p:spPr/>
-        <p:txBody>
-          <a:bodyPr/>
-          <a:lstStyle/>
-          <a:p>
-            <a:endParaRPr kumimoji="1" lang="ja-JP" altLang="en-US" dirty="0"/>
-          </a:p>
-        </p:txBody>
-      </p:sp>
-      <p:sp>
-        <p:nvSpPr>
-          <p:cNvPr id="3" name="Content Placeholder 2">
-            <a:extLst>
-              <a:ext uri="{FF2B5EF4-FFF2-40B4-BE49-F238E27FC236}">
-                <a16:creationId xmlns:a16="http://schemas.microsoft.com/office/drawing/2014/main" id="{CE1BDD63-59F9-2F63-DCB7-B8BF1E5723F5}"/>
-              </a:ext>
-            </a:extLst>
-          </p:cNvPr>
-          <p:cNvSpPr>
-            <a:spLocks noGrp="1"/>
-          </p:cNvSpPr>
-          <p:nvPr>
-            <p:ph idx="1"/>
-          </p:nvPr>
+          <p:cNvPr id="6" name="Title 1">
+            <a:extLst>
+              <a:ext uri="{FF2B5EF4-FFF2-40B4-BE49-F238E27FC236}">
+                <a16:creationId xmlns:a16="http://schemas.microsoft.com/office/drawing/2014/main" id="{340132F2-98E2-0F94-E54D-454EA3734129}"/>
+              </a:ext>
+            </a:extLst>
+          </p:cNvPr>
+          <p:cNvSpPr txBox="1">
+            <a:spLocks/>
+          </p:cNvSpPr>
+          <p:nvPr/>
         </p:nvSpPr>
         <p:spPr>
           <a:xfrm>
-            <a:off x="355002" y="1825625"/>
-            <a:ext cx="11585986" cy="4351338"/>
-          </a:xfrm>
-        </p:spPr>
-        <p:txBody>
-          <a:bodyPr>
+            <a:off x="953397" y="5561935"/>
+            <a:ext cx="11791277" cy="1325563"/>
+          </a:xfrm>
+          <a:prstGeom prst="rect">
+            <a:avLst/>
+          </a:prstGeom>
+        </p:spPr>
+        <p:txBody>
+          <a:bodyPr vert="horz" lIns="91440" tIns="45720" rIns="91440" bIns="45720" rtlCol="0" anchor="ctr">
             <a:normAutofit/>
           </a:bodyPr>
-          <a:lstStyle/>
-          <a:p>
-            <a:pPr marL="0" indent="0">
+          <a:lstStyle>
+            <a:lvl1pPr algn="l" defTabSz="914400" rtl="0" eaLnBrk="1" latinLnBrk="0" hangingPunct="1">
+              <a:lnSpc>
+                <a:spcPct val="90000"/>
+              </a:lnSpc>
+              <a:spcBef>
+                <a:spcPct val="0"/>
+              </a:spcBef>
               <a:buNone/>
-            </a:pPr>
-            <a:r>
-              <a:rPr kumimoji="1" lang="en-US" altLang="ja-JP" sz="4000" b="1" dirty="0">
-                <a:solidFill>
-                  <a:schemeClr val="bg1"/>
-                </a:solidFill>
-              </a:rPr>
-              <a:t>Physics is embedded Mathematics in Nature</a:t>
-            </a:r>
-            <a:endParaRPr kumimoji="1" lang="ja-JP" altLang="en-US" sz="4000" b="1" dirty="0">
+              <a:defRPr kumimoji="1" sz="4400" kern="1200">
+                <a:solidFill>
+                  <a:schemeClr val="tx1"/>
+                </a:solidFill>
+                <a:latin typeface="+mj-lt"/>
+                <a:ea typeface="+mj-ea"/>
+                <a:cs typeface="+mj-cs"/>
+              </a:defRPr>
+            </a:lvl1pPr>
+          </a:lstStyle>
+          <a:p>
+            <a:r>
+              <a:rPr lang="en-US" altLang="ja-JP" b="1" dirty="0">
+                <a:solidFill>
+                  <a:schemeClr val="accent5"/>
+                </a:solidFill>
+              </a:rPr>
+              <a:t>… satisfy the Bregman empty sphere property</a:t>
+            </a:r>
+            <a:endParaRPr lang="ja-JP" altLang="en-US" b="1" dirty="0">
               <a:solidFill>
-                <a:schemeClr val="bg1"/>
+                <a:schemeClr val="accent5"/>
               </a:solidFill>
             </a:endParaRPr>
           </a:p>
@@ -7877,7 +8140,7 @@
     </p:spTree>
     <p:extLst>
       <p:ext uri="{BB962C8B-B14F-4D97-AF65-F5344CB8AC3E}">
-        <p14:creationId xmlns:p14="http://schemas.microsoft.com/office/powerpoint/2010/main" val="2497100773"/>
+        <p14:creationId xmlns:p14="http://schemas.microsoft.com/office/powerpoint/2010/main" val="2527601580"/>
       </p:ext>
     </p:extLst>
   </p:cSld>
@@ -7904,12 +8167,59 @@
           <a:chExt cx="0" cy="0"/>
         </a:xfrm>
       </p:grpSpPr>
+      <p:pic>
+        <p:nvPicPr>
+          <p:cNvPr id="1026" name="Picture 2" descr="NASA Takes You Through a Real-Life 'Cosmos'">
+            <a:extLst>
+              <a:ext uri="{FF2B5EF4-FFF2-40B4-BE49-F238E27FC236}">
+                <a16:creationId xmlns:a16="http://schemas.microsoft.com/office/drawing/2014/main" id="{253EE860-052B-3A8C-D6AC-EA315FA4FE8E}"/>
+              </a:ext>
+            </a:extLst>
+          </p:cNvPr>
+          <p:cNvPicPr>
+            <a:picLocks noChangeAspect="1" noChangeArrowheads="1"/>
+          </p:cNvPicPr>
+          <p:nvPr/>
+        </p:nvPicPr>
+        <p:blipFill>
+          <a:blip r:embed="rId3">
+            <a:extLst>
+              <a:ext uri="{28A0092B-C50C-407E-A947-70E740481C1C}">
+                <a14:useLocalDpi xmlns:a14="http://schemas.microsoft.com/office/drawing/2010/main" val="0"/>
+              </a:ext>
+            </a:extLst>
+          </a:blip>
+          <a:srcRect/>
+          <a:stretch>
+            <a:fillRect/>
+          </a:stretch>
+        </p:blipFill>
+        <p:spPr bwMode="auto">
+          <a:xfrm>
+            <a:off x="0" y="817563"/>
+            <a:ext cx="12192000" cy="5359400"/>
+          </a:xfrm>
+          <a:prstGeom prst="rect">
+            <a:avLst/>
+          </a:prstGeom>
+          <a:noFill/>
+          <a:extLst>
+            <a:ext uri="{909E8E84-426E-40DD-AFC4-6F175D3DCCD1}">
+              <a14:hiddenFill xmlns:a14="http://schemas.microsoft.com/office/drawing/2010/main">
+                <a:solidFill>
+                  <a:srgbClr val="FFFFFF"/>
+                </a:solidFill>
+              </a14:hiddenFill>
+            </a:ext>
+          </a:extLst>
+        </p:spPr>
+      </p:pic>
       <p:sp>
         <p:nvSpPr>
           <p:cNvPr id="2" name="Title 1">
             <a:extLst>
               <a:ext uri="{FF2B5EF4-FFF2-40B4-BE49-F238E27FC236}">
-                <a16:creationId xmlns:a16="http://schemas.microsoft.com/office/drawing/2014/main" id="{AEC7703F-2A76-0DA0-D7EE-782A38B81473}"/>
+                <a16:creationId xmlns:a16="http://schemas.microsoft.com/office/drawing/2014/main" id="{746704BA-4EDF-BEAD-7FF9-6ED6C129B335}"/>
               </a:ext>
             </a:extLst>
           </p:cNvPr>
@@ -7920,10 +8230,35 @@
             <p:ph type="title"/>
           </p:nvPr>
         </p:nvSpPr>
+        <p:spPr/>
+        <p:txBody>
+          <a:bodyPr/>
+          <a:lstStyle/>
+          <a:p>
+            <a:endParaRPr kumimoji="1" lang="ja-JP" altLang="en-US" dirty="0"/>
+          </a:p>
+        </p:txBody>
+      </p:sp>
+      <p:sp>
+        <p:nvSpPr>
+          <p:cNvPr id="3" name="Content Placeholder 2">
+            <a:extLst>
+              <a:ext uri="{FF2B5EF4-FFF2-40B4-BE49-F238E27FC236}">
+                <a16:creationId xmlns:a16="http://schemas.microsoft.com/office/drawing/2014/main" id="{CE1BDD63-59F9-2F63-DCB7-B8BF1E5723F5}"/>
+              </a:ext>
+            </a:extLst>
+          </p:cNvPr>
+          <p:cNvSpPr>
+            <a:spLocks noGrp="1"/>
+          </p:cNvSpPr>
+          <p:nvPr>
+            <p:ph idx="1"/>
+          </p:nvPr>
+        </p:nvSpPr>
         <p:spPr>
           <a:xfrm>
-            <a:off x="106680" y="-11645"/>
-            <a:ext cx="12414324" cy="1325563"/>
+            <a:off x="355002" y="1825625"/>
+            <a:ext cx="11585986" cy="4351338"/>
           </a:xfrm>
         </p:spPr>
         <p:txBody>
@@ -7932,326 +8267,29 @@
           </a:bodyPr>
           <a:lstStyle/>
           <a:p>
-            <a:r>
-              <a:rPr kumimoji="1" lang="en-US" altLang="ja-JP" sz="3600" b="1" dirty="0">
-                <a:solidFill>
-                  <a:schemeClr val="accent1"/>
-                </a:solidFill>
-              </a:rPr>
-              <a:t>Strengths of generalized calculus in differential geometry: </a:t>
-            </a:r>
-            <a:endParaRPr kumimoji="1" lang="ja-JP" altLang="en-US" sz="3600" b="1" dirty="0">
+            <a:pPr marL="0" indent="0">
+              <a:buNone/>
+            </a:pPr>
+            <a:r>
+              <a:rPr kumimoji="1" lang="en-US" altLang="ja-JP" sz="4000" b="1" dirty="0">
+                <a:solidFill>
+                  <a:schemeClr val="bg1"/>
+                </a:solidFill>
+              </a:rPr>
+              <a:t>Physics is embedded Mathematics in Nature</a:t>
+            </a:r>
+            <a:endParaRPr kumimoji="1" lang="ja-JP" altLang="en-US" sz="4000" b="1" dirty="0">
               <a:solidFill>
-                <a:schemeClr val="accent1"/>
+                <a:schemeClr val="bg1"/>
               </a:solidFill>
             </a:endParaRPr>
-          </a:p>
-        </p:txBody>
-      </p:sp>
-      <p:sp>
-        <p:nvSpPr>
-          <p:cNvPr id="3" name="Content Placeholder 2">
-            <a:extLst>
-              <a:ext uri="{FF2B5EF4-FFF2-40B4-BE49-F238E27FC236}">
-                <a16:creationId xmlns:a16="http://schemas.microsoft.com/office/drawing/2014/main" id="{05626C52-2B5E-8AE2-C8DE-023D6FB36E0A}"/>
-              </a:ext>
-            </a:extLst>
-          </p:cNvPr>
-          <p:cNvSpPr>
-            <a:spLocks noGrp="1"/>
-          </p:cNvSpPr>
-          <p:nvPr>
-            <p:ph idx="1"/>
-          </p:nvPr>
-        </p:nvSpPr>
-        <p:spPr>
-          <a:xfrm>
-            <a:off x="332591" y="1171696"/>
-            <a:ext cx="11719560" cy="5304408"/>
-          </a:xfrm>
-        </p:spPr>
-        <p:txBody>
-          <a:bodyPr>
-            <a:normAutofit/>
-          </a:bodyPr>
-          <a:lstStyle/>
-          <a:p>
-            <a:r>
-              <a:rPr kumimoji="1" lang="en-US" altLang="ja-JP" sz="2400" b="1" dirty="0">
-                <a:solidFill>
-                  <a:srgbClr val="FF0000"/>
-                </a:solidFill>
-                <a:latin typeface="Arial" panose="020B0604020202020204" pitchFamily="34" charset="0"/>
-                <a:cs typeface="Arial" panose="020B0604020202020204" pitchFamily="34" charset="0"/>
-              </a:rPr>
-              <a:t>Differential geometry </a:t>
-            </a:r>
-            <a:r>
-              <a:rPr kumimoji="1" lang="en-US" altLang="ja-JP" sz="2400" dirty="0">
-                <a:latin typeface="Arial" panose="020B0604020202020204" pitchFamily="34" charset="0"/>
-                <a:cs typeface="Arial" panose="020B0604020202020204" pitchFamily="34" charset="0"/>
-              </a:rPr>
-              <a:t>offers a framework for </a:t>
-            </a:r>
-            <a:r>
-              <a:rPr kumimoji="1" lang="en-US" altLang="ja-JP" sz="2400" b="1" dirty="0">
-                <a:solidFill>
-                  <a:srgbClr val="FF0000"/>
-                </a:solidFill>
-                <a:latin typeface="Arial" panose="020B0604020202020204" pitchFamily="34" charset="0"/>
-                <a:cs typeface="Arial" panose="020B0604020202020204" pitchFamily="34" charset="0"/>
-              </a:rPr>
-              <a:t>coordinate-free calculus:</a:t>
-            </a:r>
-          </a:p>
-          <a:p>
-            <a:pPr lvl="1"/>
-            <a:r>
-              <a:rPr lang="en-US" altLang="ja-JP" dirty="0">
-                <a:solidFill>
-                  <a:schemeClr val="accent6"/>
-                </a:solidFill>
-                <a:latin typeface="Arial" panose="020B0604020202020204" pitchFamily="34" charset="0"/>
-                <a:cs typeface="Arial" panose="020B0604020202020204" pitchFamily="34" charset="0"/>
-              </a:rPr>
-              <a:t>Intrinsic calculus is unbiased by representations with consistent changes of (local) coordinate systems</a:t>
-            </a:r>
-          </a:p>
-          <a:p>
-            <a:pPr lvl="1"/>
-            <a:endParaRPr kumimoji="1" lang="en-US" altLang="ja-JP" dirty="0">
-              <a:latin typeface="Arial" panose="020B0604020202020204" pitchFamily="34" charset="0"/>
-              <a:cs typeface="Arial" panose="020B0604020202020204" pitchFamily="34" charset="0"/>
-            </a:endParaRPr>
-          </a:p>
-          <a:p>
-            <a:r>
-              <a:rPr lang="en-US" altLang="ja-JP" sz="2400" b="1" dirty="0">
-                <a:solidFill>
-                  <a:srgbClr val="FF0000"/>
-                </a:solidFill>
-                <a:latin typeface="Arial" panose="020B0604020202020204" pitchFamily="34" charset="0"/>
-                <a:cs typeface="Arial" panose="020B0604020202020204" pitchFamily="34" charset="0"/>
-              </a:rPr>
-              <a:t>Covariant derivative </a:t>
-            </a:r>
-            <a:r>
-              <a:rPr lang="ja-JP" altLang="en-US" sz="2400" b="1" i="0" dirty="0">
-                <a:solidFill>
-                  <a:srgbClr val="FF0000"/>
-                </a:solidFill>
-                <a:effectLst/>
-                <a:latin typeface="Arial" panose="020B0604020202020204" pitchFamily="34" charset="0"/>
-                <a:cs typeface="Arial" panose="020B0604020202020204" pitchFamily="34" charset="0"/>
-              </a:rPr>
-              <a:t>∇ </a:t>
-            </a:r>
-            <a:r>
-              <a:rPr lang="en-US" altLang="ja-JP" sz="2400" dirty="0">
-                <a:latin typeface="Arial" panose="020B0604020202020204" pitchFamily="34" charset="0"/>
-                <a:cs typeface="Arial" panose="020B0604020202020204" pitchFamily="34" charset="0"/>
-              </a:rPr>
-              <a:t>generalizes ordinary derivative:</a:t>
-            </a:r>
-          </a:p>
-          <a:p>
-            <a:pPr lvl="1"/>
-            <a:r>
-              <a:rPr lang="en-US" altLang="ja-JP" dirty="0">
-                <a:solidFill>
-                  <a:schemeClr val="accent6"/>
-                </a:solidFill>
-                <a:latin typeface="Arial" panose="020B0604020202020204" pitchFamily="34" charset="0"/>
-                <a:cs typeface="Arial" panose="020B0604020202020204" pitchFamily="34" charset="0"/>
-              </a:rPr>
-              <a:t> </a:t>
-            </a:r>
-            <a:r>
-              <a:rPr kumimoji="1" lang="en-US" altLang="ja-JP" dirty="0">
-                <a:solidFill>
-                  <a:schemeClr val="accent6"/>
-                </a:solidFill>
-                <a:latin typeface="Arial" panose="020B0604020202020204" pitchFamily="34" charset="0"/>
-                <a:cs typeface="Arial" panose="020B0604020202020204" pitchFamily="34" charset="0"/>
-              </a:rPr>
-              <a:t>Coderivative of a tensor field by a vector field </a:t>
-            </a:r>
-            <a:r>
-              <a:rPr lang="ja-JP" altLang="en-US" b="0" i="0" dirty="0">
-                <a:solidFill>
-                  <a:schemeClr val="accent6"/>
-                </a:solidFill>
-                <a:effectLst/>
-                <a:latin typeface="Arial" panose="020B0604020202020204" pitchFamily="34" charset="0"/>
-                <a:cs typeface="Arial" panose="020B0604020202020204" pitchFamily="34" charset="0"/>
-              </a:rPr>
-              <a:t>∇</a:t>
-            </a:r>
-            <a:r>
-              <a:rPr lang="en-US" altLang="ja-JP" b="0" i="0" baseline="-25000" dirty="0">
-                <a:solidFill>
-                  <a:schemeClr val="accent6"/>
-                </a:solidFill>
-                <a:effectLst/>
-                <a:latin typeface="Arial" panose="020B0604020202020204" pitchFamily="34" charset="0"/>
-                <a:cs typeface="Arial" panose="020B0604020202020204" pitchFamily="34" charset="0"/>
-              </a:rPr>
-              <a:t>V</a:t>
-            </a:r>
-            <a:r>
-              <a:rPr lang="en-US" altLang="ja-JP" b="0" i="0" dirty="0">
-                <a:solidFill>
-                  <a:schemeClr val="accent6"/>
-                </a:solidFill>
-                <a:effectLst/>
-                <a:latin typeface="Arial" panose="020B0604020202020204" pitchFamily="34" charset="0"/>
-                <a:cs typeface="Arial" panose="020B0604020202020204" pitchFamily="34" charset="0"/>
-              </a:rPr>
-              <a:t>T</a:t>
-            </a:r>
-          </a:p>
-          <a:p>
-            <a:pPr marL="457200" lvl="1" indent="0">
-              <a:buNone/>
-            </a:pPr>
-            <a:endParaRPr lang="en-US" altLang="ja-JP" dirty="0">
-              <a:latin typeface="Arial" panose="020B0604020202020204" pitchFamily="34" charset="0"/>
-              <a:cs typeface="Arial" panose="020B0604020202020204" pitchFamily="34" charset="0"/>
-            </a:endParaRPr>
-          </a:p>
-          <a:p>
-            <a:r>
-              <a:rPr lang="en-US" altLang="ja-JP" sz="2400" b="1" dirty="0">
-                <a:solidFill>
-                  <a:srgbClr val="FF0000"/>
-                </a:solidFill>
-                <a:latin typeface="Arial" panose="020B0604020202020204" pitchFamily="34" charset="0"/>
-                <a:cs typeface="Arial" panose="020B0604020202020204" pitchFamily="34" charset="0"/>
-              </a:rPr>
-              <a:t>Exterior derivative d </a:t>
-            </a:r>
-            <a:r>
-              <a:rPr lang="en-US" altLang="ja-JP" sz="2400" dirty="0">
-                <a:latin typeface="Arial" panose="020B0604020202020204" pitchFamily="34" charset="0"/>
-                <a:cs typeface="Arial" panose="020B0604020202020204" pitchFamily="34" charset="0"/>
-              </a:rPr>
-              <a:t>generalizes ordinary differentials on differential forms </a:t>
-            </a:r>
-            <a:r>
-              <a:rPr lang="el-GR" altLang="ja-JP" sz="2400" b="0" i="0" dirty="0">
-                <a:effectLst/>
-                <a:latin typeface="Arial" panose="020B0604020202020204" pitchFamily="34" charset="0"/>
-                <a:cs typeface="Arial" panose="020B0604020202020204" pitchFamily="34" charset="0"/>
-              </a:rPr>
-              <a:t>ω</a:t>
-            </a:r>
-            <a:r>
-              <a:rPr lang="el-GR" altLang="ja-JP" sz="2400" b="0" i="0" dirty="0">
-                <a:solidFill>
-                  <a:srgbClr val="DF000F"/>
-                </a:solidFill>
-                <a:effectLst/>
-                <a:latin typeface="Arial" panose="020B0604020202020204" pitchFamily="34" charset="0"/>
-                <a:cs typeface="Arial" panose="020B0604020202020204" pitchFamily="34" charset="0"/>
-              </a:rPr>
-              <a:t> </a:t>
-            </a:r>
-            <a:r>
-              <a:rPr lang="en-US" altLang="ja-JP" sz="2400" dirty="0">
-                <a:latin typeface="Arial" panose="020B0604020202020204" pitchFamily="34" charset="0"/>
-                <a:cs typeface="Arial" panose="020B0604020202020204" pitchFamily="34" charset="0"/>
-              </a:rPr>
-              <a:t>: </a:t>
-            </a:r>
-          </a:p>
-          <a:p>
-            <a:pPr lvl="1"/>
-            <a:r>
-              <a:rPr lang="en-US" altLang="ja-JP" dirty="0">
-                <a:solidFill>
-                  <a:schemeClr val="accent6"/>
-                </a:solidFill>
-                <a:latin typeface="Arial" panose="020B0604020202020204" pitchFamily="34" charset="0"/>
-                <a:cs typeface="Arial" panose="020B0604020202020204" pitchFamily="34" charset="0"/>
-              </a:rPr>
-              <a:t>Generalize integration on manifolds with Stokes-</a:t>
-            </a:r>
-            <a:r>
-              <a:rPr lang="en-US" altLang="ja-JP" dirty="0" err="1">
-                <a:solidFill>
-                  <a:schemeClr val="accent6"/>
-                </a:solidFill>
-                <a:latin typeface="Arial" panose="020B0604020202020204" pitchFamily="34" charset="0"/>
-                <a:cs typeface="Arial" panose="020B0604020202020204" pitchFamily="34" charset="0"/>
-              </a:rPr>
-              <a:t>Cartan</a:t>
-            </a:r>
-            <a:r>
-              <a:rPr lang="en-US" altLang="ja-JP" dirty="0">
-                <a:solidFill>
-                  <a:schemeClr val="accent6"/>
-                </a:solidFill>
-                <a:latin typeface="Arial" panose="020B0604020202020204" pitchFamily="34" charset="0"/>
-                <a:cs typeface="Arial" panose="020B0604020202020204" pitchFamily="34" charset="0"/>
-              </a:rPr>
-              <a:t>  theorem</a:t>
-            </a:r>
-          </a:p>
-          <a:p>
-            <a:pPr lvl="1"/>
-            <a:endParaRPr lang="en-US" altLang="ja-JP" dirty="0">
-              <a:latin typeface="Arial" panose="020B0604020202020204" pitchFamily="34" charset="0"/>
-              <a:cs typeface="Arial" panose="020B0604020202020204" pitchFamily="34" charset="0"/>
-            </a:endParaRPr>
-          </a:p>
-          <a:p>
-            <a:r>
-              <a:rPr lang="en-US" altLang="ja-JP" sz="2400" b="1" dirty="0">
-                <a:solidFill>
-                  <a:srgbClr val="FF0000"/>
-                </a:solidFill>
-                <a:latin typeface="Arial" panose="020B0604020202020204" pitchFamily="34" charset="0"/>
-                <a:cs typeface="Arial" panose="020B0604020202020204" pitchFamily="34" charset="0"/>
-              </a:rPr>
-              <a:t>Geometric/real Clifford algebra</a:t>
-            </a:r>
-            <a:r>
-              <a:rPr lang="en-US" altLang="ja-JP" sz="2400" dirty="0">
-                <a:latin typeface="Arial" panose="020B0604020202020204" pitchFamily="34" charset="0"/>
-                <a:cs typeface="Arial" panose="020B0604020202020204" pitchFamily="34" charset="0"/>
-              </a:rPr>
-              <a:t>: </a:t>
-            </a:r>
-          </a:p>
-          <a:p>
-            <a:pPr lvl="1"/>
-            <a:r>
-              <a:rPr lang="en-US" altLang="ja-JP" dirty="0" err="1">
-                <a:solidFill>
-                  <a:schemeClr val="accent6"/>
-                </a:solidFill>
-                <a:latin typeface="Arial" panose="020B0604020202020204" pitchFamily="34" charset="0"/>
-                <a:cs typeface="Arial" panose="020B0604020202020204" pitchFamily="34" charset="0"/>
-              </a:rPr>
-              <a:t>multivectors</a:t>
-            </a:r>
-            <a:r>
-              <a:rPr lang="en-US" altLang="ja-JP" dirty="0">
-                <a:solidFill>
-                  <a:schemeClr val="accent6"/>
-                </a:solidFill>
-                <a:latin typeface="Arial" panose="020B0604020202020204" pitchFamily="34" charset="0"/>
-                <a:cs typeface="Arial" panose="020B0604020202020204" pitchFamily="34" charset="0"/>
-              </a:rPr>
-              <a:t> allowing division by vectors</a:t>
-            </a:r>
           </a:p>
         </p:txBody>
       </p:sp>
     </p:spTree>
     <p:extLst>
       <p:ext uri="{BB962C8B-B14F-4D97-AF65-F5344CB8AC3E}">
-        <p14:creationId xmlns:p14="http://schemas.microsoft.com/office/powerpoint/2010/main" val="3892996338"/>
+        <p14:creationId xmlns:p14="http://schemas.microsoft.com/office/powerpoint/2010/main" val="2497100773"/>
       </p:ext>
     </p:extLst>
   </p:cSld>
@@ -8283,7 +8321,7 @@
           <p:cNvPr id="2" name="Title 1">
             <a:extLst>
               <a:ext uri="{FF2B5EF4-FFF2-40B4-BE49-F238E27FC236}">
-                <a16:creationId xmlns:a16="http://schemas.microsoft.com/office/drawing/2014/main" id="{45C11A8B-0FFD-DB9D-1B56-CD6DB68399AC}"/>
+                <a16:creationId xmlns:a16="http://schemas.microsoft.com/office/drawing/2014/main" id="{AEC7703F-2A76-0DA0-D7EE-782A38B81473}"/>
               </a:ext>
             </a:extLst>
           </p:cNvPr>
@@ -8296,8 +8334,8 @@
         </p:nvSpPr>
         <p:spPr>
           <a:xfrm>
-            <a:off x="215153" y="139214"/>
-            <a:ext cx="12192000" cy="1325563"/>
+            <a:off x="106680" y="-11645"/>
+            <a:ext cx="12414324" cy="1325563"/>
           </a:xfrm>
         </p:spPr>
         <p:txBody>
@@ -8307,194 +8345,325 @@
           <a:lstStyle/>
           <a:p>
             <a:r>
-              <a:rPr lang="en-US" altLang="ja-JP" sz="3200" dirty="0">
+              <a:rPr kumimoji="1" lang="en-US" altLang="ja-JP" sz="3600" b="1" dirty="0">
                 <a:solidFill>
                   <a:schemeClr val="accent1"/>
                 </a:solidFill>
-                <a:latin typeface="Arial" panose="020B0604020202020204" pitchFamily="34" charset="0"/>
-                <a:cs typeface="Arial" panose="020B0604020202020204" pitchFamily="34" charset="0"/>
-              </a:rPr>
-              <a:t>f</a:t>
-            </a:r>
-            <a:r>
-              <a:rPr kumimoji="1" lang="en-US" altLang="ja-JP" sz="3200" dirty="0">
-                <a:solidFill>
-                  <a:schemeClr val="accent1"/>
-                </a:solidFill>
-                <a:latin typeface="Arial" panose="020B0604020202020204" pitchFamily="34" charset="0"/>
-                <a:cs typeface="Arial" panose="020B0604020202020204" pitchFamily="34" charset="0"/>
-              </a:rPr>
-              <a:t>-divergences as a series of signed </a:t>
-            </a:r>
-            <a:r>
-              <a:rPr lang="ja-JP" altLang="en-US" sz="3200" dirty="0">
-                <a:solidFill>
-                  <a:schemeClr val="accent1"/>
-                </a:solidFill>
-                <a:latin typeface="Arial" panose="020B0604020202020204" pitchFamily="34" charset="0"/>
-                <a:cs typeface="Arial" panose="020B0604020202020204" pitchFamily="34" charset="0"/>
-              </a:rPr>
-              <a:t>𝛘</a:t>
-            </a:r>
-            <a:r>
-              <a:rPr lang="en-US" altLang="ja-JP" sz="3200" dirty="0">
-                <a:solidFill>
-                  <a:schemeClr val="accent1"/>
-                </a:solidFill>
-                <a:latin typeface="Arial" panose="020B0604020202020204" pitchFamily="34" charset="0"/>
-                <a:cs typeface="Arial" panose="020B0604020202020204" pitchFamily="34" charset="0"/>
-              </a:rPr>
-              <a:t>2</a:t>
-            </a:r>
-            <a:r>
-              <a:rPr kumimoji="1" lang="en-US" altLang="ja-JP" sz="3200" dirty="0">
-                <a:solidFill>
-                  <a:schemeClr val="accent1"/>
-                </a:solidFill>
-                <a:latin typeface="Arial" panose="020B0604020202020204" pitchFamily="34" charset="0"/>
-                <a:cs typeface="Arial" panose="020B0604020202020204" pitchFamily="34" charset="0"/>
-              </a:rPr>
-              <a:t>-square type divergences</a:t>
-            </a:r>
-            <a:endParaRPr kumimoji="1" lang="ja-JP" altLang="en-US" sz="3200" dirty="0">
+              </a:rPr>
+              <a:t>Strengths of generalized calculus in differential geometry: </a:t>
+            </a:r>
+            <a:endParaRPr kumimoji="1" lang="ja-JP" altLang="en-US" sz="3600" b="1" dirty="0">
               <a:solidFill>
                 <a:schemeClr val="accent1"/>
               </a:solidFill>
+            </a:endParaRPr>
+          </a:p>
+        </p:txBody>
+      </p:sp>
+      <p:sp>
+        <p:nvSpPr>
+          <p:cNvPr id="3" name="Content Placeholder 2">
+            <a:extLst>
+              <a:ext uri="{FF2B5EF4-FFF2-40B4-BE49-F238E27FC236}">
+                <a16:creationId xmlns:a16="http://schemas.microsoft.com/office/drawing/2014/main" id="{05626C52-2B5E-8AE2-C8DE-023D6FB36E0A}"/>
+              </a:ext>
+            </a:extLst>
+          </p:cNvPr>
+          <p:cNvSpPr>
+            <a:spLocks noGrp="1"/>
+          </p:cNvSpPr>
+          <p:nvPr>
+            <p:ph idx="1"/>
+          </p:nvPr>
+        </p:nvSpPr>
+        <p:spPr>
+          <a:xfrm>
+            <a:off x="332591" y="1171696"/>
+            <a:ext cx="11719560" cy="5304408"/>
+          </a:xfrm>
+        </p:spPr>
+        <p:txBody>
+          <a:bodyPr>
+            <a:normAutofit/>
+          </a:bodyPr>
+          <a:lstStyle/>
+          <a:p>
+            <a:r>
+              <a:rPr kumimoji="1" lang="en-US" altLang="ja-JP" sz="2400" b="1" dirty="0">
+                <a:solidFill>
+                  <a:srgbClr val="FF0000"/>
+                </a:solidFill>
+                <a:latin typeface="Arial" panose="020B0604020202020204" pitchFamily="34" charset="0"/>
+                <a:cs typeface="Arial" panose="020B0604020202020204" pitchFamily="34" charset="0"/>
+              </a:rPr>
+              <a:t>Differential geometry </a:t>
+            </a:r>
+            <a:r>
+              <a:rPr kumimoji="1" lang="en-US" altLang="ja-JP" sz="2400" dirty="0">
+                <a:latin typeface="Arial" panose="020B0604020202020204" pitchFamily="34" charset="0"/>
+                <a:cs typeface="Arial" panose="020B0604020202020204" pitchFamily="34" charset="0"/>
+              </a:rPr>
+              <a:t>offers a framework for </a:t>
+            </a:r>
+            <a:r>
+              <a:rPr kumimoji="1" lang="en-US" altLang="ja-JP" sz="2400" b="1" dirty="0">
+                <a:solidFill>
+                  <a:srgbClr val="FF0000"/>
+                </a:solidFill>
+                <a:latin typeface="Arial" panose="020B0604020202020204" pitchFamily="34" charset="0"/>
+                <a:cs typeface="Arial" panose="020B0604020202020204" pitchFamily="34" charset="0"/>
+              </a:rPr>
+              <a:t>coordinate-free calculus:</a:t>
+            </a:r>
+          </a:p>
+          <a:p>
+            <a:pPr lvl="1"/>
+            <a:r>
+              <a:rPr lang="en-US" altLang="ja-JP" dirty="0">
+                <a:solidFill>
+                  <a:schemeClr val="accent6"/>
+                </a:solidFill>
+                <a:latin typeface="Arial" panose="020B0604020202020204" pitchFamily="34" charset="0"/>
+                <a:cs typeface="Arial" panose="020B0604020202020204" pitchFamily="34" charset="0"/>
+              </a:rPr>
+              <a:t>Intrinsic calculus is unbiased by representations with consistent changes of (local) coordinate systems</a:t>
+            </a:r>
+          </a:p>
+          <a:p>
+            <a:pPr lvl="1"/>
+            <a:endParaRPr kumimoji="1" lang="en-US" altLang="ja-JP" dirty="0">
               <a:latin typeface="Arial" panose="020B0604020202020204" pitchFamily="34" charset="0"/>
               <a:cs typeface="Arial" panose="020B0604020202020204" pitchFamily="34" charset="0"/>
             </a:endParaRPr>
           </a:p>
-        </p:txBody>
-      </p:sp>
-      <p:pic>
-        <p:nvPicPr>
-          <p:cNvPr id="7" name="Content Placeholder 6">
-            <a:extLst>
-              <a:ext uri="{FF2B5EF4-FFF2-40B4-BE49-F238E27FC236}">
-                <a16:creationId xmlns:a16="http://schemas.microsoft.com/office/drawing/2014/main" id="{31CC0FC7-CB93-5782-0992-405F4C96E7DE}"/>
-              </a:ext>
-            </a:extLst>
-          </p:cNvPr>
-          <p:cNvPicPr>
-            <a:picLocks noGrp="1" noChangeAspect="1"/>
-          </p:cNvPicPr>
-          <p:nvPr>
-            <p:ph idx="1"/>
-          </p:nvPr>
-        </p:nvPicPr>
-        <p:blipFill>
-          <a:blip r:embed="rId2"/>
-          <a:stretch>
-            <a:fillRect/>
-          </a:stretch>
-        </p:blipFill>
-        <p:spPr>
-          <a:xfrm>
-            <a:off x="4912658" y="5458053"/>
-            <a:ext cx="6776039" cy="944338"/>
-          </a:xfrm>
-        </p:spPr>
-      </p:pic>
-      <p:pic>
-        <p:nvPicPr>
-          <p:cNvPr id="5" name="Picture 4">
-            <a:extLst>
-              <a:ext uri="{FF2B5EF4-FFF2-40B4-BE49-F238E27FC236}">
-                <a16:creationId xmlns:a16="http://schemas.microsoft.com/office/drawing/2014/main" id="{ED3E2CEA-D86F-9BD5-7E57-CE61787FC6D1}"/>
-              </a:ext>
-            </a:extLst>
-          </p:cNvPr>
-          <p:cNvPicPr>
-            <a:picLocks noChangeAspect="1"/>
-          </p:cNvPicPr>
-          <p:nvPr/>
-        </p:nvPicPr>
-        <p:blipFill>
-          <a:blip r:embed="rId3"/>
-          <a:stretch>
-            <a:fillRect/>
-          </a:stretch>
-        </p:blipFill>
-        <p:spPr>
-          <a:xfrm>
-            <a:off x="1631104" y="2586013"/>
-            <a:ext cx="8929791" cy="2352561"/>
-          </a:xfrm>
-          <a:prstGeom prst="rect">
-            <a:avLst/>
-          </a:prstGeom>
-        </p:spPr>
-      </p:pic>
-      <p:pic>
-        <p:nvPicPr>
-          <p:cNvPr id="9" name="Picture 8">
-            <a:extLst>
-              <a:ext uri="{FF2B5EF4-FFF2-40B4-BE49-F238E27FC236}">
-                <a16:creationId xmlns:a16="http://schemas.microsoft.com/office/drawing/2014/main" id="{EE662F5F-8F9F-1415-26EB-3ECE79E54552}"/>
-              </a:ext>
-            </a:extLst>
-          </p:cNvPr>
-          <p:cNvPicPr>
-            <a:picLocks noChangeAspect="1"/>
-          </p:cNvPicPr>
-          <p:nvPr/>
-        </p:nvPicPr>
-        <p:blipFill>
-          <a:blip r:embed="rId4"/>
-          <a:stretch>
-            <a:fillRect/>
-          </a:stretch>
-        </p:blipFill>
-        <p:spPr>
-          <a:xfrm>
-            <a:off x="487399" y="1260450"/>
-            <a:ext cx="6726339" cy="1076877"/>
-          </a:xfrm>
-          <a:prstGeom prst="rect">
-            <a:avLst/>
-          </a:prstGeom>
-        </p:spPr>
-      </p:pic>
-      <p:sp>
-        <p:nvSpPr>
-          <p:cNvPr id="10" name="TextBox 9">
-            <a:extLst>
-              <a:ext uri="{FF2B5EF4-FFF2-40B4-BE49-F238E27FC236}">
-                <a16:creationId xmlns:a16="http://schemas.microsoft.com/office/drawing/2014/main" id="{A326122D-C7FC-8BBF-2140-2F8152D03F17}"/>
-              </a:ext>
-            </a:extLst>
-          </p:cNvPr>
-          <p:cNvSpPr txBox="1"/>
-          <p:nvPr/>
-        </p:nvSpPr>
-        <p:spPr>
-          <a:xfrm>
-            <a:off x="5120640" y="5249732"/>
-            <a:ext cx="641522" cy="369332"/>
-          </a:xfrm>
-          <a:prstGeom prst="rect">
-            <a:avLst/>
-          </a:prstGeom>
-          <a:noFill/>
-        </p:spPr>
-        <p:txBody>
-          <a:bodyPr wrap="none" rtlCol="0">
-            <a:spAutoFit/>
-          </a:bodyPr>
-          <a:lstStyle/>
-          <a:p>
-            <a:r>
-              <a:rPr kumimoji="1" lang="en-US" altLang="ja-JP" dirty="0"/>
-              <a:t>with</a:t>
-            </a:r>
-            <a:endParaRPr kumimoji="1" lang="ja-JP" altLang="en-US" dirty="0"/>
+          <a:p>
+            <a:r>
+              <a:rPr lang="en-US" altLang="ja-JP" sz="2400" b="1" dirty="0">
+                <a:solidFill>
+                  <a:srgbClr val="FF0000"/>
+                </a:solidFill>
+                <a:latin typeface="Arial" panose="020B0604020202020204" pitchFamily="34" charset="0"/>
+                <a:cs typeface="Arial" panose="020B0604020202020204" pitchFamily="34" charset="0"/>
+              </a:rPr>
+              <a:t>Covariant derivative </a:t>
+            </a:r>
+            <a:r>
+              <a:rPr lang="ja-JP" altLang="en-US" sz="2400" b="1" i="0" dirty="0">
+                <a:solidFill>
+                  <a:srgbClr val="FF0000"/>
+                </a:solidFill>
+                <a:effectLst/>
+                <a:latin typeface="Arial" panose="020B0604020202020204" pitchFamily="34" charset="0"/>
+                <a:cs typeface="Arial" panose="020B0604020202020204" pitchFamily="34" charset="0"/>
+              </a:rPr>
+              <a:t>∇ </a:t>
+            </a:r>
+            <a:r>
+              <a:rPr lang="en-US" altLang="ja-JP" sz="2400" dirty="0">
+                <a:latin typeface="Arial" panose="020B0604020202020204" pitchFamily="34" charset="0"/>
+                <a:cs typeface="Arial" panose="020B0604020202020204" pitchFamily="34" charset="0"/>
+              </a:rPr>
+              <a:t>generalizes ordinary derivative:</a:t>
+            </a:r>
+          </a:p>
+          <a:p>
+            <a:pPr lvl="1"/>
+            <a:r>
+              <a:rPr lang="en-US" altLang="ja-JP" dirty="0">
+                <a:solidFill>
+                  <a:schemeClr val="accent6"/>
+                </a:solidFill>
+                <a:latin typeface="Arial" panose="020B0604020202020204" pitchFamily="34" charset="0"/>
+                <a:cs typeface="Arial" panose="020B0604020202020204" pitchFamily="34" charset="0"/>
+              </a:rPr>
+              <a:t> </a:t>
+            </a:r>
+            <a:r>
+              <a:rPr kumimoji="1" lang="en-US" altLang="ja-JP" dirty="0">
+                <a:solidFill>
+                  <a:schemeClr val="accent6"/>
+                </a:solidFill>
+                <a:latin typeface="Arial" panose="020B0604020202020204" pitchFamily="34" charset="0"/>
+                <a:cs typeface="Arial" panose="020B0604020202020204" pitchFamily="34" charset="0"/>
+              </a:rPr>
+              <a:t>Coderivative of a tensor field by a vector field </a:t>
+            </a:r>
+            <a:r>
+              <a:rPr lang="ja-JP" altLang="en-US" b="0" i="0" dirty="0">
+                <a:solidFill>
+                  <a:schemeClr val="accent6"/>
+                </a:solidFill>
+                <a:effectLst/>
+                <a:latin typeface="Arial" panose="020B0604020202020204" pitchFamily="34" charset="0"/>
+                <a:cs typeface="Arial" panose="020B0604020202020204" pitchFamily="34" charset="0"/>
+              </a:rPr>
+              <a:t>∇</a:t>
+            </a:r>
+            <a:r>
+              <a:rPr lang="en-US" altLang="ja-JP" b="0" i="0" baseline="-25000" dirty="0">
+                <a:solidFill>
+                  <a:schemeClr val="accent6"/>
+                </a:solidFill>
+                <a:effectLst/>
+                <a:latin typeface="Arial" panose="020B0604020202020204" pitchFamily="34" charset="0"/>
+                <a:cs typeface="Arial" panose="020B0604020202020204" pitchFamily="34" charset="0"/>
+              </a:rPr>
+              <a:t>V</a:t>
+            </a:r>
+            <a:r>
+              <a:rPr lang="en-US" altLang="ja-JP" b="0" i="0" dirty="0">
+                <a:solidFill>
+                  <a:schemeClr val="accent6"/>
+                </a:solidFill>
+                <a:effectLst/>
+                <a:latin typeface="Arial" panose="020B0604020202020204" pitchFamily="34" charset="0"/>
+                <a:cs typeface="Arial" panose="020B0604020202020204" pitchFamily="34" charset="0"/>
+              </a:rPr>
+              <a:t>T</a:t>
+            </a:r>
+          </a:p>
+          <a:p>
+            <a:pPr marL="457200" lvl="1" indent="0">
+              <a:buNone/>
+            </a:pPr>
+            <a:endParaRPr lang="en-US" altLang="ja-JP" dirty="0">
+              <a:latin typeface="Arial" panose="020B0604020202020204" pitchFamily="34" charset="0"/>
+              <a:cs typeface="Arial" panose="020B0604020202020204" pitchFamily="34" charset="0"/>
+            </a:endParaRPr>
+          </a:p>
+          <a:p>
+            <a:r>
+              <a:rPr lang="en-US" altLang="ja-JP" sz="2400" b="1" dirty="0">
+                <a:solidFill>
+                  <a:srgbClr val="FF0000"/>
+                </a:solidFill>
+                <a:latin typeface="Arial" panose="020B0604020202020204" pitchFamily="34" charset="0"/>
+                <a:cs typeface="Arial" panose="020B0604020202020204" pitchFamily="34" charset="0"/>
+              </a:rPr>
+              <a:t>Exterior derivative d </a:t>
+            </a:r>
+            <a:r>
+              <a:rPr lang="en-US" altLang="ja-JP" sz="2400" dirty="0">
+                <a:latin typeface="Arial" panose="020B0604020202020204" pitchFamily="34" charset="0"/>
+                <a:cs typeface="Arial" panose="020B0604020202020204" pitchFamily="34" charset="0"/>
+              </a:rPr>
+              <a:t>generalizes ordinary differentials on differential forms </a:t>
+            </a:r>
+            <a:r>
+              <a:rPr lang="el-GR" altLang="ja-JP" sz="2400" b="0" i="0" dirty="0">
+                <a:effectLst/>
+                <a:latin typeface="Arial" panose="020B0604020202020204" pitchFamily="34" charset="0"/>
+                <a:cs typeface="Arial" panose="020B0604020202020204" pitchFamily="34" charset="0"/>
+              </a:rPr>
+              <a:t>ω</a:t>
+            </a:r>
+            <a:r>
+              <a:rPr lang="el-GR" altLang="ja-JP" sz="2400" b="0" i="0" dirty="0">
+                <a:solidFill>
+                  <a:srgbClr val="DF000F"/>
+                </a:solidFill>
+                <a:effectLst/>
+                <a:latin typeface="Arial" panose="020B0604020202020204" pitchFamily="34" charset="0"/>
+                <a:cs typeface="Arial" panose="020B0604020202020204" pitchFamily="34" charset="0"/>
+              </a:rPr>
+              <a:t> </a:t>
+            </a:r>
+            <a:r>
+              <a:rPr lang="en-US" altLang="ja-JP" sz="2400" dirty="0">
+                <a:latin typeface="Arial" panose="020B0604020202020204" pitchFamily="34" charset="0"/>
+                <a:cs typeface="Arial" panose="020B0604020202020204" pitchFamily="34" charset="0"/>
+              </a:rPr>
+              <a:t>: </a:t>
+            </a:r>
+          </a:p>
+          <a:p>
+            <a:pPr lvl="1"/>
+            <a:r>
+              <a:rPr lang="en-US" altLang="ja-JP" dirty="0">
+                <a:solidFill>
+                  <a:schemeClr val="accent6"/>
+                </a:solidFill>
+                <a:latin typeface="Arial" panose="020B0604020202020204" pitchFamily="34" charset="0"/>
+                <a:cs typeface="Arial" panose="020B0604020202020204" pitchFamily="34" charset="0"/>
+              </a:rPr>
+              <a:t>Generalize integration on manifolds with Stokes-</a:t>
+            </a:r>
+            <a:r>
+              <a:rPr lang="en-US" altLang="ja-JP" dirty="0" err="1">
+                <a:solidFill>
+                  <a:schemeClr val="accent6"/>
+                </a:solidFill>
+                <a:latin typeface="Arial" panose="020B0604020202020204" pitchFamily="34" charset="0"/>
+                <a:cs typeface="Arial" panose="020B0604020202020204" pitchFamily="34" charset="0"/>
+              </a:rPr>
+              <a:t>Cartan</a:t>
+            </a:r>
+            <a:r>
+              <a:rPr lang="en-US" altLang="ja-JP" dirty="0">
+                <a:solidFill>
+                  <a:schemeClr val="accent6"/>
+                </a:solidFill>
+                <a:latin typeface="Arial" panose="020B0604020202020204" pitchFamily="34" charset="0"/>
+                <a:cs typeface="Arial" panose="020B0604020202020204" pitchFamily="34" charset="0"/>
+              </a:rPr>
+              <a:t>  theorem</a:t>
+            </a:r>
+          </a:p>
+          <a:p>
+            <a:pPr lvl="1"/>
+            <a:endParaRPr lang="en-US" altLang="ja-JP" dirty="0">
+              <a:latin typeface="Arial" panose="020B0604020202020204" pitchFamily="34" charset="0"/>
+              <a:cs typeface="Arial" panose="020B0604020202020204" pitchFamily="34" charset="0"/>
+            </a:endParaRPr>
+          </a:p>
+          <a:p>
+            <a:r>
+              <a:rPr lang="en-US" altLang="ja-JP" sz="2400" b="1" dirty="0">
+                <a:solidFill>
+                  <a:srgbClr val="FF0000"/>
+                </a:solidFill>
+                <a:latin typeface="Arial" panose="020B0604020202020204" pitchFamily="34" charset="0"/>
+                <a:cs typeface="Arial" panose="020B0604020202020204" pitchFamily="34" charset="0"/>
+              </a:rPr>
+              <a:t>Geometric/real Clifford algebra</a:t>
+            </a:r>
+            <a:r>
+              <a:rPr lang="en-US" altLang="ja-JP" sz="2400" dirty="0">
+                <a:latin typeface="Arial" panose="020B0604020202020204" pitchFamily="34" charset="0"/>
+                <a:cs typeface="Arial" panose="020B0604020202020204" pitchFamily="34" charset="0"/>
+              </a:rPr>
+              <a:t>: </a:t>
+            </a:r>
+          </a:p>
+          <a:p>
+            <a:pPr lvl="1"/>
+            <a:r>
+              <a:rPr lang="en-US" altLang="ja-JP" dirty="0" err="1">
+                <a:solidFill>
+                  <a:schemeClr val="accent6"/>
+                </a:solidFill>
+                <a:latin typeface="Arial" panose="020B0604020202020204" pitchFamily="34" charset="0"/>
+                <a:cs typeface="Arial" panose="020B0604020202020204" pitchFamily="34" charset="0"/>
+              </a:rPr>
+              <a:t>multivectors</a:t>
+            </a:r>
+            <a:r>
+              <a:rPr lang="en-US" altLang="ja-JP" dirty="0">
+                <a:solidFill>
+                  <a:schemeClr val="accent6"/>
+                </a:solidFill>
+                <a:latin typeface="Arial" panose="020B0604020202020204" pitchFamily="34" charset="0"/>
+                <a:cs typeface="Arial" panose="020B0604020202020204" pitchFamily="34" charset="0"/>
+              </a:rPr>
+              <a:t> allowing division by vectors</a:t>
+            </a:r>
           </a:p>
         </p:txBody>
       </p:sp>
     </p:spTree>
     <p:extLst>
       <p:ext uri="{BB962C8B-B14F-4D97-AF65-F5344CB8AC3E}">
-        <p14:creationId xmlns:p14="http://schemas.microsoft.com/office/powerpoint/2010/main" val="4041065986"/>
+        <p14:creationId xmlns:p14="http://schemas.microsoft.com/office/powerpoint/2010/main" val="3892996338"/>
       </p:ext>
     </p:extLst>
   </p:cSld>
@@ -8526,6 +8695,249 @@
           <p:cNvPr id="2" name="Title 1">
             <a:extLst>
               <a:ext uri="{FF2B5EF4-FFF2-40B4-BE49-F238E27FC236}">
+                <a16:creationId xmlns:a16="http://schemas.microsoft.com/office/drawing/2014/main" id="{45C11A8B-0FFD-DB9D-1B56-CD6DB68399AC}"/>
+              </a:ext>
+            </a:extLst>
+          </p:cNvPr>
+          <p:cNvSpPr>
+            <a:spLocks noGrp="1"/>
+          </p:cNvSpPr>
+          <p:nvPr>
+            <p:ph type="title"/>
+          </p:nvPr>
+        </p:nvSpPr>
+        <p:spPr>
+          <a:xfrm>
+            <a:off x="215153" y="139214"/>
+            <a:ext cx="12192000" cy="1325563"/>
+          </a:xfrm>
+        </p:spPr>
+        <p:txBody>
+          <a:bodyPr>
+            <a:normAutofit/>
+          </a:bodyPr>
+          <a:lstStyle/>
+          <a:p>
+            <a:r>
+              <a:rPr lang="en-US" altLang="ja-JP" sz="3200" dirty="0">
+                <a:solidFill>
+                  <a:schemeClr val="accent1"/>
+                </a:solidFill>
+                <a:latin typeface="Arial" panose="020B0604020202020204" pitchFamily="34" charset="0"/>
+                <a:cs typeface="Arial" panose="020B0604020202020204" pitchFamily="34" charset="0"/>
+              </a:rPr>
+              <a:t>f</a:t>
+            </a:r>
+            <a:r>
+              <a:rPr kumimoji="1" lang="en-US" altLang="ja-JP" sz="3200" dirty="0">
+                <a:solidFill>
+                  <a:schemeClr val="accent1"/>
+                </a:solidFill>
+                <a:latin typeface="Arial" panose="020B0604020202020204" pitchFamily="34" charset="0"/>
+                <a:cs typeface="Arial" panose="020B0604020202020204" pitchFamily="34" charset="0"/>
+              </a:rPr>
+              <a:t>-divergences as a series of signed </a:t>
+            </a:r>
+            <a:r>
+              <a:rPr lang="ja-JP" altLang="en-US" sz="3200" dirty="0">
+                <a:solidFill>
+                  <a:schemeClr val="accent1"/>
+                </a:solidFill>
+                <a:latin typeface="Arial" panose="020B0604020202020204" pitchFamily="34" charset="0"/>
+                <a:cs typeface="Arial" panose="020B0604020202020204" pitchFamily="34" charset="0"/>
+              </a:rPr>
+              <a:t>𝛘</a:t>
+            </a:r>
+            <a:r>
+              <a:rPr lang="en-US" altLang="ja-JP" sz="3200" dirty="0">
+                <a:solidFill>
+                  <a:schemeClr val="accent1"/>
+                </a:solidFill>
+                <a:latin typeface="Arial" panose="020B0604020202020204" pitchFamily="34" charset="0"/>
+                <a:cs typeface="Arial" panose="020B0604020202020204" pitchFamily="34" charset="0"/>
+              </a:rPr>
+              <a:t>2</a:t>
+            </a:r>
+            <a:r>
+              <a:rPr kumimoji="1" lang="en-US" altLang="ja-JP" sz="3200" dirty="0">
+                <a:solidFill>
+                  <a:schemeClr val="accent1"/>
+                </a:solidFill>
+                <a:latin typeface="Arial" panose="020B0604020202020204" pitchFamily="34" charset="0"/>
+                <a:cs typeface="Arial" panose="020B0604020202020204" pitchFamily="34" charset="0"/>
+              </a:rPr>
+              <a:t>-square type divergences</a:t>
+            </a:r>
+            <a:endParaRPr kumimoji="1" lang="ja-JP" altLang="en-US" sz="3200" dirty="0">
+              <a:solidFill>
+                <a:schemeClr val="accent1"/>
+              </a:solidFill>
+              <a:latin typeface="Arial" panose="020B0604020202020204" pitchFamily="34" charset="0"/>
+              <a:cs typeface="Arial" panose="020B0604020202020204" pitchFamily="34" charset="0"/>
+            </a:endParaRPr>
+          </a:p>
+        </p:txBody>
+      </p:sp>
+      <p:pic>
+        <p:nvPicPr>
+          <p:cNvPr id="7" name="Content Placeholder 6">
+            <a:extLst>
+              <a:ext uri="{FF2B5EF4-FFF2-40B4-BE49-F238E27FC236}">
+                <a16:creationId xmlns:a16="http://schemas.microsoft.com/office/drawing/2014/main" id="{31CC0FC7-CB93-5782-0992-405F4C96E7DE}"/>
+              </a:ext>
+            </a:extLst>
+          </p:cNvPr>
+          <p:cNvPicPr>
+            <a:picLocks noGrp="1" noChangeAspect="1"/>
+          </p:cNvPicPr>
+          <p:nvPr>
+            <p:ph idx="1"/>
+          </p:nvPr>
+        </p:nvPicPr>
+        <p:blipFill>
+          <a:blip r:embed="rId2"/>
+          <a:stretch>
+            <a:fillRect/>
+          </a:stretch>
+        </p:blipFill>
+        <p:spPr>
+          <a:xfrm>
+            <a:off x="4912658" y="5458053"/>
+            <a:ext cx="6776039" cy="944338"/>
+          </a:xfrm>
+        </p:spPr>
+      </p:pic>
+      <p:pic>
+        <p:nvPicPr>
+          <p:cNvPr id="5" name="Picture 4">
+            <a:extLst>
+              <a:ext uri="{FF2B5EF4-FFF2-40B4-BE49-F238E27FC236}">
+                <a16:creationId xmlns:a16="http://schemas.microsoft.com/office/drawing/2014/main" id="{ED3E2CEA-D86F-9BD5-7E57-CE61787FC6D1}"/>
+              </a:ext>
+            </a:extLst>
+          </p:cNvPr>
+          <p:cNvPicPr>
+            <a:picLocks noChangeAspect="1"/>
+          </p:cNvPicPr>
+          <p:nvPr/>
+        </p:nvPicPr>
+        <p:blipFill>
+          <a:blip r:embed="rId3"/>
+          <a:stretch>
+            <a:fillRect/>
+          </a:stretch>
+        </p:blipFill>
+        <p:spPr>
+          <a:xfrm>
+            <a:off x="1631104" y="2586013"/>
+            <a:ext cx="8929791" cy="2352561"/>
+          </a:xfrm>
+          <a:prstGeom prst="rect">
+            <a:avLst/>
+          </a:prstGeom>
+        </p:spPr>
+      </p:pic>
+      <p:pic>
+        <p:nvPicPr>
+          <p:cNvPr id="9" name="Picture 8">
+            <a:extLst>
+              <a:ext uri="{FF2B5EF4-FFF2-40B4-BE49-F238E27FC236}">
+                <a16:creationId xmlns:a16="http://schemas.microsoft.com/office/drawing/2014/main" id="{EE662F5F-8F9F-1415-26EB-3ECE79E54552}"/>
+              </a:ext>
+            </a:extLst>
+          </p:cNvPr>
+          <p:cNvPicPr>
+            <a:picLocks noChangeAspect="1"/>
+          </p:cNvPicPr>
+          <p:nvPr/>
+        </p:nvPicPr>
+        <p:blipFill>
+          <a:blip r:embed="rId4"/>
+          <a:stretch>
+            <a:fillRect/>
+          </a:stretch>
+        </p:blipFill>
+        <p:spPr>
+          <a:xfrm>
+            <a:off x="487399" y="1260450"/>
+            <a:ext cx="6726339" cy="1076877"/>
+          </a:xfrm>
+          <a:prstGeom prst="rect">
+            <a:avLst/>
+          </a:prstGeom>
+        </p:spPr>
+      </p:pic>
+      <p:sp>
+        <p:nvSpPr>
+          <p:cNvPr id="10" name="TextBox 9">
+            <a:extLst>
+              <a:ext uri="{FF2B5EF4-FFF2-40B4-BE49-F238E27FC236}">
+                <a16:creationId xmlns:a16="http://schemas.microsoft.com/office/drawing/2014/main" id="{A326122D-C7FC-8BBF-2140-2F8152D03F17}"/>
+              </a:ext>
+            </a:extLst>
+          </p:cNvPr>
+          <p:cNvSpPr txBox="1"/>
+          <p:nvPr/>
+        </p:nvSpPr>
+        <p:spPr>
+          <a:xfrm>
+            <a:off x="5120640" y="5249732"/>
+            <a:ext cx="641522" cy="369332"/>
+          </a:xfrm>
+          <a:prstGeom prst="rect">
+            <a:avLst/>
+          </a:prstGeom>
+          <a:noFill/>
+        </p:spPr>
+        <p:txBody>
+          <a:bodyPr wrap="none" rtlCol="0">
+            <a:spAutoFit/>
+          </a:bodyPr>
+          <a:lstStyle/>
+          <a:p>
+            <a:r>
+              <a:rPr kumimoji="1" lang="en-US" altLang="ja-JP" dirty="0"/>
+              <a:t>with</a:t>
+            </a:r>
+            <a:endParaRPr kumimoji="1" lang="ja-JP" altLang="en-US" dirty="0"/>
+          </a:p>
+        </p:txBody>
+      </p:sp>
+    </p:spTree>
+    <p:extLst>
+      <p:ext uri="{BB962C8B-B14F-4D97-AF65-F5344CB8AC3E}">
+        <p14:creationId xmlns:p14="http://schemas.microsoft.com/office/powerpoint/2010/main" val="4041065986"/>
+      </p:ext>
+    </p:extLst>
+  </p:cSld>
+  <p:clrMapOvr>
+    <a:masterClrMapping/>
+  </p:clrMapOvr>
+</p:sld>
+</file>
+
+<file path=ppt/slides/slide6.xml><?xml version="1.0" encoding="utf-8"?>
+<p:sld xmlns:a="http://schemas.openxmlformats.org/drawingml/2006/main" xmlns:r="http://schemas.openxmlformats.org/officeDocument/2006/relationships" xmlns:p="http://schemas.openxmlformats.org/presentationml/2006/main">
+  <p:cSld>
+    <p:spTree>
+      <p:nvGrpSpPr>
+        <p:cNvPr id="1" name=""/>
+        <p:cNvGrpSpPr/>
+        <p:nvPr/>
+      </p:nvGrpSpPr>
+      <p:grpSpPr>
+        <a:xfrm>
+          <a:off x="0" y="0"/>
+          <a:ext cx="0" cy="0"/>
+          <a:chOff x="0" y="0"/>
+          <a:chExt cx="0" cy="0"/>
+        </a:xfrm>
+      </p:grpSpPr>
+      <p:sp>
+        <p:nvSpPr>
+          <p:cNvPr id="2" name="Title 1">
+            <a:extLst>
+              <a:ext uri="{FF2B5EF4-FFF2-40B4-BE49-F238E27FC236}">
                 <a16:creationId xmlns:a16="http://schemas.microsoft.com/office/drawing/2014/main" id="{FEA2FE47-1E47-A34D-6152-CC1CDF3C0942}"/>
               </a:ext>
             </a:extLst>
@@ -8592,7 +9004,7 @@
 </p:sld>
 </file>
 
-<file path=ppt/slides/slide6.xml><?xml version="1.0" encoding="utf-8"?>
+<file path=ppt/slides/slide7.xml><?xml version="1.0" encoding="utf-8"?>
 <p:sld xmlns:a="http://schemas.openxmlformats.org/drawingml/2006/main" xmlns:r="http://schemas.openxmlformats.org/officeDocument/2006/relationships" xmlns:p="http://schemas.openxmlformats.org/presentationml/2006/main">
   <p:cSld>
     <p:bg>
@@ -9160,619 +9572,6 @@
     <p:extLst>
       <p:ext uri="{BB962C8B-B14F-4D97-AF65-F5344CB8AC3E}">
         <p14:creationId xmlns:p14="http://schemas.microsoft.com/office/powerpoint/2010/main" val="151247311"/>
-      </p:ext>
-    </p:extLst>
-  </p:cSld>
-  <p:clrMapOvr>
-    <a:masterClrMapping/>
-  </p:clrMapOvr>
-</p:sld>
-</file>
-
-<file path=ppt/slides/slide7.xml><?xml version="1.0" encoding="utf-8"?>
-<p:sld xmlns:a="http://schemas.openxmlformats.org/drawingml/2006/main" xmlns:r="http://schemas.openxmlformats.org/officeDocument/2006/relationships" xmlns:p="http://schemas.openxmlformats.org/presentationml/2006/main">
-  <p:cSld>
-    <p:spTree>
-      <p:nvGrpSpPr>
-        <p:cNvPr id="1" name=""/>
-        <p:cNvGrpSpPr/>
-        <p:nvPr/>
-      </p:nvGrpSpPr>
-      <p:grpSpPr>
-        <a:xfrm>
-          <a:off x="0" y="0"/>
-          <a:ext cx="0" cy="0"/>
-          <a:chOff x="0" y="0"/>
-          <a:chExt cx="0" cy="0"/>
-        </a:xfrm>
-      </p:grpSpPr>
-      <p:sp>
-        <p:nvSpPr>
-          <p:cNvPr id="2" name="Title 1">
-            <a:extLst>
-              <a:ext uri="{FF2B5EF4-FFF2-40B4-BE49-F238E27FC236}">
-                <a16:creationId xmlns:a16="http://schemas.microsoft.com/office/drawing/2014/main" id="{4D914BA7-60B8-A5A3-57C8-C104217EA4EC}"/>
-              </a:ext>
-            </a:extLst>
-          </p:cNvPr>
-          <p:cNvSpPr>
-            <a:spLocks noGrp="1"/>
-          </p:cNvSpPr>
-          <p:nvPr>
-            <p:ph type="title"/>
-          </p:nvPr>
-        </p:nvSpPr>
-        <p:spPr/>
-        <p:txBody>
-          <a:bodyPr/>
-          <a:lstStyle/>
-          <a:p>
-            <a:endParaRPr kumimoji="1" lang="ja-JP" altLang="en-US"/>
-          </a:p>
-        </p:txBody>
-      </p:sp>
-      <p:sp>
-        <p:nvSpPr>
-          <p:cNvPr id="3" name="Content Placeholder 2">
-            <a:extLst>
-              <a:ext uri="{FF2B5EF4-FFF2-40B4-BE49-F238E27FC236}">
-                <a16:creationId xmlns:a16="http://schemas.microsoft.com/office/drawing/2014/main" id="{849EBF07-0419-0651-B9D4-B0F9BAF95E7F}"/>
-              </a:ext>
-            </a:extLst>
-          </p:cNvPr>
-          <p:cNvSpPr>
-            <a:spLocks noGrp="1"/>
-          </p:cNvSpPr>
-          <p:nvPr>
-            <p:ph idx="1"/>
-          </p:nvPr>
-        </p:nvSpPr>
-        <p:spPr/>
-        <p:txBody>
-          <a:bodyPr/>
-          <a:lstStyle/>
-          <a:p>
-            <a:endParaRPr kumimoji="1" lang="ja-JP" altLang="en-US"/>
-          </a:p>
-        </p:txBody>
-      </p:sp>
-      <p:sp useBgFill="1">
-        <p:nvSpPr>
-          <p:cNvPr id="4" name="Rectangle 3">
-            <a:extLst>
-              <a:ext uri="{FF2B5EF4-FFF2-40B4-BE49-F238E27FC236}">
-                <a16:creationId xmlns:a16="http://schemas.microsoft.com/office/drawing/2014/main" id="{19D96C3A-CD1E-DD59-8946-31D5C6E57904}"/>
-              </a:ext>
-              <a:ext uri="{C183D7F6-B498-43B3-948B-1728B52AA6E4}">
-                <adec:decorative xmlns:adec="http://schemas.microsoft.com/office/drawing/2017/decorative" val="1"/>
-              </a:ext>
-            </a:extLst>
-          </p:cNvPr>
-          <p:cNvSpPr/>
-          <p:nvPr>
-            <p:extLst>
-              <p:ext uri="{386F3935-93C4-4BCD-93E2-E3B085C9AB24}">
-                <p16:designElem xmlns:p16="http://schemas.microsoft.com/office/powerpoint/2015/main" val="1"/>
-              </p:ext>
-            </p:extLst>
-          </p:nvPr>
-        </p:nvSpPr>
-        <p:spPr>
-          <a:xfrm>
-            <a:off x="0" y="0"/>
-            <a:ext cx="12191695" cy="6858000"/>
-          </a:xfrm>
-          <a:prstGeom prst="rect">
-            <a:avLst/>
-          </a:prstGeom>
-          <a:ln>
-            <a:noFill/>
-          </a:ln>
-        </p:spPr>
-        <p:style>
-          <a:lnRef idx="2">
-            <a:schemeClr val="accent1">
-              <a:shade val="50000"/>
-            </a:schemeClr>
-          </a:lnRef>
-          <a:fillRef idx="1">
-            <a:schemeClr val="accent1"/>
-          </a:fillRef>
-          <a:effectRef idx="0">
-            <a:schemeClr val="accent1"/>
-          </a:effectRef>
-          <a:fontRef idx="minor">
-            <a:schemeClr val="lt1"/>
-          </a:fontRef>
-        </p:style>
-        <p:txBody>
-          <a:bodyPr rtlCol="0" anchor="ctr"/>
-          <a:lstStyle/>
-          <a:p>
-            <a:pPr algn="ctr"/>
-            <a:endParaRPr lang="en-US"/>
-          </a:p>
-        </p:txBody>
-      </p:sp>
-      <p:sp>
-        <p:nvSpPr>
-          <p:cNvPr id="5" name="Rectangle 4">
-            <a:extLst>
-              <a:ext uri="{FF2B5EF4-FFF2-40B4-BE49-F238E27FC236}">
-                <a16:creationId xmlns:a16="http://schemas.microsoft.com/office/drawing/2014/main" id="{991158B8-1C6F-4428-3153-1AE3FA717D81}"/>
-              </a:ext>
-              <a:ext uri="{C183D7F6-B498-43B3-948B-1728B52AA6E4}">
-                <adec:decorative xmlns:adec="http://schemas.microsoft.com/office/drawing/2017/decorative" val="1"/>
-              </a:ext>
-            </a:extLst>
-          </p:cNvPr>
-          <p:cNvSpPr/>
-          <p:nvPr>
-            <p:extLst>
-              <p:ext uri="{386F3935-93C4-4BCD-93E2-E3B085C9AB24}">
-                <p16:designElem xmlns:p16="http://schemas.microsoft.com/office/powerpoint/2015/main" val="1"/>
-              </p:ext>
-            </p:extLst>
-          </p:nvPr>
-        </p:nvSpPr>
-        <p:spPr>
-          <a:xfrm>
-            <a:off x="0" y="891540"/>
-            <a:ext cx="722376" cy="5071110"/>
-          </a:xfrm>
-          <a:prstGeom prst="rect">
-            <a:avLst/>
-          </a:prstGeom>
-          <a:solidFill>
-            <a:srgbClr val="4C5254"/>
-          </a:solidFill>
-          <a:ln>
-            <a:noFill/>
-          </a:ln>
-        </p:spPr>
-        <p:style>
-          <a:lnRef idx="2">
-            <a:schemeClr val="accent1">
-              <a:shade val="50000"/>
-            </a:schemeClr>
-          </a:lnRef>
-          <a:fillRef idx="1">
-            <a:schemeClr val="accent1"/>
-          </a:fillRef>
-          <a:effectRef idx="0">
-            <a:schemeClr val="accent1"/>
-          </a:effectRef>
-          <a:fontRef idx="minor">
-            <a:schemeClr val="lt1"/>
-          </a:fontRef>
-        </p:style>
-        <p:txBody>
-          <a:bodyPr rtlCol="0" anchor="ctr"/>
-          <a:lstStyle/>
-          <a:p>
-            <a:pPr algn="ctr"/>
-            <a:endParaRPr lang="en-US"/>
-          </a:p>
-        </p:txBody>
-      </p:sp>
-      <p:pic>
-        <p:nvPicPr>
-          <p:cNvPr id="6" name="Picture 4" descr="Perceptrons: An Introduction... by Minsky, Marvin">
-            <a:extLst>
-              <a:ext uri="{FF2B5EF4-FFF2-40B4-BE49-F238E27FC236}">
-                <a16:creationId xmlns:a16="http://schemas.microsoft.com/office/drawing/2014/main" id="{913AAD25-38CE-4D39-0EAA-1F0C193AEDF4}"/>
-              </a:ext>
-            </a:extLst>
-          </p:cNvPr>
-          <p:cNvPicPr>
-            <a:picLocks noChangeAspect="1" noChangeArrowheads="1"/>
-          </p:cNvPicPr>
-          <p:nvPr/>
-        </p:nvPicPr>
-        <p:blipFill>
-          <a:blip r:embed="rId2">
-            <a:extLst>
-              <a:ext uri="{28A0092B-C50C-407E-A947-70E740481C1C}">
-                <a14:useLocalDpi xmlns:a14="http://schemas.microsoft.com/office/drawing/2010/main" val="0"/>
-              </a:ext>
-            </a:extLst>
-          </a:blip>
-          <a:srcRect/>
-          <a:stretch>
-            <a:fillRect/>
-          </a:stretch>
-        </p:blipFill>
-        <p:spPr bwMode="auto">
-          <a:xfrm>
-            <a:off x="1012825" y="890588"/>
-            <a:ext cx="1571625" cy="2420938"/>
-          </a:xfrm>
-          <a:prstGeom prst="rect">
-            <a:avLst/>
-          </a:prstGeom>
-          <a:extLst>
-            <a:ext uri="{909E8E84-426E-40DD-AFC4-6F175D3DCCD1}">
-              <a14:hiddenFill xmlns:a14="http://schemas.microsoft.com/office/drawing/2010/main">
-                <a:solidFill>
-                  <a:srgbClr val="FFFFFF"/>
-                </a:solidFill>
-              </a14:hiddenFill>
-            </a:ext>
-          </a:extLst>
-        </p:spPr>
-      </p:pic>
-      <p:pic>
-        <p:nvPicPr>
-          <p:cNvPr id="7" name="Picture 16" descr="Amazon.co.jp: Algebraic Geometry and Statistical Learning Theory (Cambridge  Monographs on Applied and Computational Mathematics, Series Number 25) :  Watanabe, Sumio: Foreign Language Books">
-            <a:extLst>
-              <a:ext uri="{FF2B5EF4-FFF2-40B4-BE49-F238E27FC236}">
-                <a16:creationId xmlns:a16="http://schemas.microsoft.com/office/drawing/2014/main" id="{40BAE233-3A11-8BA7-53CD-0BD4816369DE}"/>
-              </a:ext>
-            </a:extLst>
-          </p:cNvPr>
-          <p:cNvPicPr>
-            <a:picLocks noChangeAspect="1" noChangeArrowheads="1"/>
-          </p:cNvPicPr>
-          <p:nvPr/>
-        </p:nvPicPr>
-        <p:blipFill>
-          <a:blip r:embed="rId3">
-            <a:extLst>
-              <a:ext uri="{28A0092B-C50C-407E-A947-70E740481C1C}">
-                <a14:useLocalDpi xmlns:a14="http://schemas.microsoft.com/office/drawing/2010/main" val="0"/>
-              </a:ext>
-            </a:extLst>
-          </a:blip>
-          <a:srcRect/>
-          <a:stretch>
-            <a:fillRect/>
-          </a:stretch>
-        </p:blipFill>
-        <p:spPr bwMode="auto">
-          <a:xfrm>
-            <a:off x="1012825" y="3381375"/>
-            <a:ext cx="1571625" cy="2579688"/>
-          </a:xfrm>
-          <a:prstGeom prst="rect">
-            <a:avLst/>
-          </a:prstGeom>
-          <a:extLst>
-            <a:ext uri="{909E8E84-426E-40DD-AFC4-6F175D3DCCD1}">
-              <a14:hiddenFill xmlns:a14="http://schemas.microsoft.com/office/drawing/2010/main">
-                <a:solidFill>
-                  <a:srgbClr val="FFFFFF"/>
-                </a:solidFill>
-              </a14:hiddenFill>
-            </a:ext>
-          </a:extLst>
-        </p:spPr>
-      </p:pic>
-      <p:pic>
-        <p:nvPicPr>
-          <p:cNvPr id="8" name="Picture 10" descr="Statistical Learning Theory by Vapnik, Vladimir N.">
-            <a:extLst>
-              <a:ext uri="{FF2B5EF4-FFF2-40B4-BE49-F238E27FC236}">
-                <a16:creationId xmlns:a16="http://schemas.microsoft.com/office/drawing/2014/main" id="{7CC8DAEE-340B-28E3-833A-442F871C2BAC}"/>
-              </a:ext>
-            </a:extLst>
-          </p:cNvPr>
-          <p:cNvPicPr>
-            <a:picLocks noChangeAspect="1" noChangeArrowheads="1"/>
-          </p:cNvPicPr>
-          <p:nvPr/>
-        </p:nvPicPr>
-        <p:blipFill>
-          <a:blip r:embed="rId4">
-            <a:extLst>
-              <a:ext uri="{28A0092B-C50C-407E-A947-70E740481C1C}">
-                <a14:useLocalDpi xmlns:a14="http://schemas.microsoft.com/office/drawing/2010/main" val="0"/>
-              </a:ext>
-            </a:extLst>
-          </a:blip>
-          <a:srcRect/>
-          <a:stretch>
-            <a:fillRect/>
-          </a:stretch>
-        </p:blipFill>
-        <p:spPr bwMode="auto">
-          <a:xfrm>
-            <a:off x="2654300" y="890588"/>
-            <a:ext cx="3078163" cy="5070475"/>
-          </a:xfrm>
-          <a:prstGeom prst="rect">
-            <a:avLst/>
-          </a:prstGeom>
-          <a:extLst>
-            <a:ext uri="{909E8E84-426E-40DD-AFC4-6F175D3DCCD1}">
-              <a14:hiddenFill xmlns:a14="http://schemas.microsoft.com/office/drawing/2010/main">
-                <a:solidFill>
-                  <a:srgbClr val="FFFFFF"/>
-                </a:solidFill>
-              </a14:hiddenFill>
-            </a:ext>
-          </a:extLst>
-        </p:spPr>
-      </p:pic>
-      <p:pic>
-        <p:nvPicPr>
-          <p:cNvPr id="9" name="Picture 20" descr="Amazon | Pattern Recognition and Machine Learning (Information Science and  Statistics) | Bishop, Christopher M. | Machine Vision">
-            <a:extLst>
-              <a:ext uri="{FF2B5EF4-FFF2-40B4-BE49-F238E27FC236}">
-                <a16:creationId xmlns:a16="http://schemas.microsoft.com/office/drawing/2014/main" id="{64D93BD3-E7FB-E03C-BBB4-22BFC2105C7C}"/>
-              </a:ext>
-            </a:extLst>
-          </p:cNvPr>
-          <p:cNvPicPr>
-            <a:picLocks noChangeAspect="1" noChangeArrowheads="1"/>
-          </p:cNvPicPr>
-          <p:nvPr/>
-        </p:nvPicPr>
-        <p:blipFill>
-          <a:blip r:embed="rId5">
-            <a:extLst>
-              <a:ext uri="{28A0092B-C50C-407E-A947-70E740481C1C}">
-                <a14:useLocalDpi xmlns:a14="http://schemas.microsoft.com/office/drawing/2010/main" val="0"/>
-              </a:ext>
-            </a:extLst>
-          </a:blip>
-          <a:srcRect/>
-          <a:stretch>
-            <a:fillRect/>
-          </a:stretch>
-        </p:blipFill>
-        <p:spPr bwMode="auto">
-          <a:xfrm>
-            <a:off x="5802313" y="890588"/>
-            <a:ext cx="1858963" cy="2535238"/>
-          </a:xfrm>
-          <a:prstGeom prst="rect">
-            <a:avLst/>
-          </a:prstGeom>
-          <a:extLst>
-            <a:ext uri="{909E8E84-426E-40DD-AFC4-6F175D3DCCD1}">
-              <a14:hiddenFill xmlns:a14="http://schemas.microsoft.com/office/drawing/2010/main">
-                <a:solidFill>
-                  <a:srgbClr val="FFFFFF"/>
-                </a:solidFill>
-              </a14:hiddenFill>
-            </a:ext>
-          </a:extLst>
-        </p:spPr>
-      </p:pic>
-      <p:pic>
-        <p:nvPicPr>
-          <p:cNvPr id="10" name="Picture 2" descr="Boosting: Foundations and Algorithms... by Schapire, Robert E.">
-            <a:extLst>
-              <a:ext uri="{FF2B5EF4-FFF2-40B4-BE49-F238E27FC236}">
-                <a16:creationId xmlns:a16="http://schemas.microsoft.com/office/drawing/2014/main" id="{7D56FCD0-F63D-6054-BF26-3E4BF4276C1F}"/>
-              </a:ext>
-            </a:extLst>
-          </p:cNvPr>
-          <p:cNvPicPr>
-            <a:picLocks noChangeAspect="1" noChangeArrowheads="1"/>
-          </p:cNvPicPr>
-          <p:nvPr/>
-        </p:nvPicPr>
-        <p:blipFill>
-          <a:blip r:embed="rId6">
-            <a:extLst>
-              <a:ext uri="{28A0092B-C50C-407E-A947-70E740481C1C}">
-                <a14:useLocalDpi xmlns:a14="http://schemas.microsoft.com/office/drawing/2010/main" val="0"/>
-              </a:ext>
-            </a:extLst>
-          </a:blip>
-          <a:srcRect/>
-          <a:stretch>
-            <a:fillRect/>
-          </a:stretch>
-        </p:blipFill>
-        <p:spPr bwMode="auto">
-          <a:xfrm>
-            <a:off x="5802313" y="3495675"/>
-            <a:ext cx="1858963" cy="2465388"/>
-          </a:xfrm>
-          <a:prstGeom prst="rect">
-            <a:avLst/>
-          </a:prstGeom>
-          <a:extLst>
-            <a:ext uri="{909E8E84-426E-40DD-AFC4-6F175D3DCCD1}">
-              <a14:hiddenFill xmlns:a14="http://schemas.microsoft.com/office/drawing/2010/main">
-                <a:solidFill>
-                  <a:srgbClr val="FFFFFF"/>
-                </a:solidFill>
-              </a14:hiddenFill>
-            </a:ext>
-          </a:extLst>
-        </p:spPr>
-      </p:pic>
-      <p:pic>
-        <p:nvPicPr>
-          <p:cNvPr id="11" name="Picture 18" descr="Amazon.co.jp: Information Geometry and Its Applications (Applied  Mathematical Sciences, 194) : Amari, Shun-ichi: Foreign Language Books">
-            <a:extLst>
-              <a:ext uri="{FF2B5EF4-FFF2-40B4-BE49-F238E27FC236}">
-                <a16:creationId xmlns:a16="http://schemas.microsoft.com/office/drawing/2014/main" id="{A689F387-7EBB-B826-7F75-BA4D141D04F1}"/>
-              </a:ext>
-            </a:extLst>
-          </p:cNvPr>
-          <p:cNvPicPr>
-            <a:picLocks noChangeAspect="1" noChangeArrowheads="1"/>
-          </p:cNvPicPr>
-          <p:nvPr/>
-        </p:nvPicPr>
-        <p:blipFill>
-          <a:blip r:embed="rId7">
-            <a:extLst>
-              <a:ext uri="{28A0092B-C50C-407E-A947-70E740481C1C}">
-                <a14:useLocalDpi xmlns:a14="http://schemas.microsoft.com/office/drawing/2010/main" val="0"/>
-              </a:ext>
-            </a:extLst>
-          </a:blip>
-          <a:srcRect/>
-          <a:stretch>
-            <a:fillRect/>
-          </a:stretch>
-        </p:blipFill>
-        <p:spPr bwMode="auto">
-          <a:xfrm>
-            <a:off x="7729538" y="890588"/>
-            <a:ext cx="1673225" cy="2740025"/>
-          </a:xfrm>
-          <a:prstGeom prst="rect">
-            <a:avLst/>
-          </a:prstGeom>
-          <a:extLst>
-            <a:ext uri="{909E8E84-426E-40DD-AFC4-6F175D3DCCD1}">
-              <a14:hiddenFill xmlns:a14="http://schemas.microsoft.com/office/drawing/2010/main">
-                <a:solidFill>
-                  <a:srgbClr val="FFFFFF"/>
-                </a:solidFill>
-              </a14:hiddenFill>
-            </a:ext>
-          </a:extLst>
-        </p:spPr>
-      </p:pic>
-      <p:pic>
-        <p:nvPicPr>
-          <p:cNvPr id="12" name="Picture 8" descr="Amazon.co.jp: Deep Learning (Adaptive Computation and Machine Learning  series) : Goodfellow, Ian, Bengio, Yoshua, Courville, Aaron: Foreign  Language Books">
-            <a:extLst>
-              <a:ext uri="{FF2B5EF4-FFF2-40B4-BE49-F238E27FC236}">
-                <a16:creationId xmlns:a16="http://schemas.microsoft.com/office/drawing/2014/main" id="{CA877241-88FC-54C1-5EFE-EE7F204EE795}"/>
-              </a:ext>
-            </a:extLst>
-          </p:cNvPr>
-          <p:cNvPicPr>
-            <a:picLocks noChangeAspect="1" noChangeArrowheads="1"/>
-          </p:cNvPicPr>
-          <p:nvPr/>
-        </p:nvPicPr>
-        <p:blipFill>
-          <a:blip r:embed="rId8">
-            <a:extLst>
-              <a:ext uri="{28A0092B-C50C-407E-A947-70E740481C1C}">
-                <a14:useLocalDpi xmlns:a14="http://schemas.microsoft.com/office/drawing/2010/main" val="0"/>
-              </a:ext>
-            </a:extLst>
-          </a:blip>
-          <a:srcRect/>
-          <a:stretch>
-            <a:fillRect/>
-          </a:stretch>
-        </p:blipFill>
-        <p:spPr bwMode="auto">
-          <a:xfrm>
-            <a:off x="7729538" y="3702050"/>
-            <a:ext cx="1673225" cy="2260600"/>
-          </a:xfrm>
-          <a:prstGeom prst="rect">
-            <a:avLst/>
-          </a:prstGeom>
-          <a:extLst>
-            <a:ext uri="{909E8E84-426E-40DD-AFC4-6F175D3DCCD1}">
-              <a14:hiddenFill xmlns:a14="http://schemas.microsoft.com/office/drawing/2010/main">
-                <a:solidFill>
-                  <a:srgbClr val="FFFFFF"/>
-                </a:solidFill>
-              </a14:hiddenFill>
-            </a:ext>
-          </a:extLst>
-        </p:spPr>
-      </p:pic>
-      <p:pic>
-        <p:nvPicPr>
-          <p:cNvPr id="13" name="Picture 12" descr="A book cover with colorful ribbons&#10;&#10;Description automatically generated">
-            <a:extLst>
-              <a:ext uri="{FF2B5EF4-FFF2-40B4-BE49-F238E27FC236}">
-                <a16:creationId xmlns:a16="http://schemas.microsoft.com/office/drawing/2014/main" id="{58EBB980-DF0D-54ED-1A93-924D5A451CA0}"/>
-              </a:ext>
-            </a:extLst>
-          </p:cNvPr>
-          <p:cNvPicPr>
-            <a:picLocks noChangeAspect="1" noChangeArrowheads="1"/>
-          </p:cNvPicPr>
-          <p:nvPr/>
-        </p:nvPicPr>
-        <p:blipFill>
-          <a:blip r:embed="rId9">
-            <a:extLst>
-              <a:ext uri="{28A0092B-C50C-407E-A947-70E740481C1C}">
-                <a14:useLocalDpi xmlns:a14="http://schemas.microsoft.com/office/drawing/2010/main" val="0"/>
-              </a:ext>
-            </a:extLst>
-          </a:blip>
-          <a:srcRect/>
-          <a:stretch>
-            <a:fillRect/>
-          </a:stretch>
-        </p:blipFill>
-        <p:spPr bwMode="auto">
-          <a:xfrm>
-            <a:off x="9472613" y="890588"/>
-            <a:ext cx="1752600" cy="2284413"/>
-          </a:xfrm>
-          <a:prstGeom prst="rect">
-            <a:avLst/>
-          </a:prstGeom>
-          <a:extLst>
-            <a:ext uri="{909E8E84-426E-40DD-AFC4-6F175D3DCCD1}">
-              <a14:hiddenFill xmlns:a14="http://schemas.microsoft.com/office/drawing/2010/main">
-                <a:solidFill>
-                  <a:srgbClr val="FFFFFF"/>
-                </a:solidFill>
-              </a14:hiddenFill>
-            </a:ext>
-          </a:extLst>
-        </p:spPr>
-      </p:pic>
-      <p:pic>
-        <p:nvPicPr>
-          <p:cNvPr id="14" name="Picture 14" descr="A book cover with text&#10;&#10;Description automatically generated">
-            <a:extLst>
-              <a:ext uri="{FF2B5EF4-FFF2-40B4-BE49-F238E27FC236}">
-                <a16:creationId xmlns:a16="http://schemas.microsoft.com/office/drawing/2014/main" id="{898E1B92-2750-151B-CF1F-3D4D823E81D0}"/>
-              </a:ext>
-            </a:extLst>
-          </p:cNvPr>
-          <p:cNvPicPr>
-            <a:picLocks noChangeAspect="1" noChangeArrowheads="1"/>
-          </p:cNvPicPr>
-          <p:nvPr/>
-        </p:nvPicPr>
-        <p:blipFill>
-          <a:blip r:embed="rId10">
-            <a:extLst>
-              <a:ext uri="{28A0092B-C50C-407E-A947-70E740481C1C}">
-                <a14:useLocalDpi xmlns:a14="http://schemas.microsoft.com/office/drawing/2010/main" val="0"/>
-              </a:ext>
-            </a:extLst>
-          </a:blip>
-          <a:srcRect/>
-          <a:stretch>
-            <a:fillRect/>
-          </a:stretch>
-        </p:blipFill>
-        <p:spPr bwMode="auto">
-          <a:xfrm>
-            <a:off x="9472613" y="3244850"/>
-            <a:ext cx="1752600" cy="2716213"/>
-          </a:xfrm>
-          <a:prstGeom prst="rect">
-            <a:avLst/>
-          </a:prstGeom>
-          <a:extLst>
-            <a:ext uri="{909E8E84-426E-40DD-AFC4-6F175D3DCCD1}">
-              <a14:hiddenFill xmlns:a14="http://schemas.microsoft.com/office/drawing/2010/main">
-                <a:solidFill>
-                  <a:srgbClr val="FFFFFF"/>
-                </a:solidFill>
-              </a14:hiddenFill>
-            </a:ext>
-          </a:extLst>
-        </p:spPr>
-      </p:pic>
-    </p:spTree>
-    <p:extLst>
-      <p:ext uri="{BB962C8B-B14F-4D97-AF65-F5344CB8AC3E}">
-        <p14:creationId xmlns:p14="http://schemas.microsoft.com/office/powerpoint/2010/main" val="491299959"/>
       </p:ext>
     </p:extLst>
   </p:cSld>
@@ -9804,7 +9603,7 @@
           <p:cNvPr id="2" name="Title 1">
             <a:extLst>
               <a:ext uri="{FF2B5EF4-FFF2-40B4-BE49-F238E27FC236}">
-                <a16:creationId xmlns:a16="http://schemas.microsoft.com/office/drawing/2014/main" id="{7169FB76-2489-0C66-548F-C3B9E2CD8A65}"/>
+                <a16:creationId xmlns:a16="http://schemas.microsoft.com/office/drawing/2014/main" id="{4D914BA7-60B8-A5A3-57C8-C104217EA4EC}"/>
               </a:ext>
             </a:extLst>
           </p:cNvPr>
@@ -9829,7 +9628,7 @@
           <p:cNvPr id="3" name="Content Placeholder 2">
             <a:extLst>
               <a:ext uri="{FF2B5EF4-FFF2-40B4-BE49-F238E27FC236}">
-                <a16:creationId xmlns:a16="http://schemas.microsoft.com/office/drawing/2014/main" id="{9163913B-71DC-BD75-719B-A7EF5F00CE9E}"/>
+                <a16:creationId xmlns:a16="http://schemas.microsoft.com/office/drawing/2014/main" id="{849EBF07-0419-0651-B9D4-B0F9BAF95E7F}"/>
               </a:ext>
             </a:extLst>
           </p:cNvPr>
@@ -9846,15 +9645,134 @@
           <a:lstStyle/>
           <a:p>
             <a:endParaRPr kumimoji="1" lang="ja-JP" altLang="en-US"/>
+          </a:p>
+        </p:txBody>
+      </p:sp>
+      <p:sp useBgFill="1">
+        <p:nvSpPr>
+          <p:cNvPr id="4" name="Rectangle 3">
+            <a:extLst>
+              <a:ext uri="{FF2B5EF4-FFF2-40B4-BE49-F238E27FC236}">
+                <a16:creationId xmlns:a16="http://schemas.microsoft.com/office/drawing/2014/main" id="{19D96C3A-CD1E-DD59-8946-31D5C6E57904}"/>
+              </a:ext>
+              <a:ext uri="{C183D7F6-B498-43B3-948B-1728B52AA6E4}">
+                <adec:decorative xmlns:adec="http://schemas.microsoft.com/office/drawing/2017/decorative" val="1"/>
+              </a:ext>
+            </a:extLst>
+          </p:cNvPr>
+          <p:cNvSpPr/>
+          <p:nvPr>
+            <p:extLst>
+              <p:ext uri="{386F3935-93C4-4BCD-93E2-E3B085C9AB24}">
+                <p16:designElem xmlns:p16="http://schemas.microsoft.com/office/powerpoint/2015/main" val="1"/>
+              </p:ext>
+            </p:extLst>
+          </p:nvPr>
+        </p:nvSpPr>
+        <p:spPr>
+          <a:xfrm>
+            <a:off x="0" y="0"/>
+            <a:ext cx="12191695" cy="6858000"/>
+          </a:xfrm>
+          <a:prstGeom prst="rect">
+            <a:avLst/>
+          </a:prstGeom>
+          <a:ln>
+            <a:noFill/>
+          </a:ln>
+        </p:spPr>
+        <p:style>
+          <a:lnRef idx="2">
+            <a:schemeClr val="accent1">
+              <a:shade val="50000"/>
+            </a:schemeClr>
+          </a:lnRef>
+          <a:fillRef idx="1">
+            <a:schemeClr val="accent1"/>
+          </a:fillRef>
+          <a:effectRef idx="0">
+            <a:schemeClr val="accent1"/>
+          </a:effectRef>
+          <a:fontRef idx="minor">
+            <a:schemeClr val="lt1"/>
+          </a:fontRef>
+        </p:style>
+        <p:txBody>
+          <a:bodyPr rtlCol="0" anchor="ctr"/>
+          <a:lstStyle/>
+          <a:p>
+            <a:pPr algn="ctr"/>
+            <a:endParaRPr lang="en-US"/>
+          </a:p>
+        </p:txBody>
+      </p:sp>
+      <p:sp>
+        <p:nvSpPr>
+          <p:cNvPr id="5" name="Rectangle 4">
+            <a:extLst>
+              <a:ext uri="{FF2B5EF4-FFF2-40B4-BE49-F238E27FC236}">
+                <a16:creationId xmlns:a16="http://schemas.microsoft.com/office/drawing/2014/main" id="{991158B8-1C6F-4428-3153-1AE3FA717D81}"/>
+              </a:ext>
+              <a:ext uri="{C183D7F6-B498-43B3-948B-1728B52AA6E4}">
+                <adec:decorative xmlns:adec="http://schemas.microsoft.com/office/drawing/2017/decorative" val="1"/>
+              </a:ext>
+            </a:extLst>
+          </p:cNvPr>
+          <p:cNvSpPr/>
+          <p:nvPr>
+            <p:extLst>
+              <p:ext uri="{386F3935-93C4-4BCD-93E2-E3B085C9AB24}">
+                <p16:designElem xmlns:p16="http://schemas.microsoft.com/office/powerpoint/2015/main" val="1"/>
+              </p:ext>
+            </p:extLst>
+          </p:nvPr>
+        </p:nvSpPr>
+        <p:spPr>
+          <a:xfrm>
+            <a:off x="0" y="891540"/>
+            <a:ext cx="722376" cy="5071110"/>
+          </a:xfrm>
+          <a:prstGeom prst="rect">
+            <a:avLst/>
+          </a:prstGeom>
+          <a:solidFill>
+            <a:srgbClr val="4C5254"/>
+          </a:solidFill>
+          <a:ln>
+            <a:noFill/>
+          </a:ln>
+        </p:spPr>
+        <p:style>
+          <a:lnRef idx="2">
+            <a:schemeClr val="accent1">
+              <a:shade val="50000"/>
+            </a:schemeClr>
+          </a:lnRef>
+          <a:fillRef idx="1">
+            <a:schemeClr val="accent1"/>
+          </a:fillRef>
+          <a:effectRef idx="0">
+            <a:schemeClr val="accent1"/>
+          </a:effectRef>
+          <a:fontRef idx="minor">
+            <a:schemeClr val="lt1"/>
+          </a:fontRef>
+        </p:style>
+        <p:txBody>
+          <a:bodyPr rtlCol="0" anchor="ctr"/>
+          <a:lstStyle/>
+          <a:p>
+            <a:pPr algn="ctr"/>
+            <a:endParaRPr lang="en-US"/>
           </a:p>
         </p:txBody>
       </p:sp>
       <p:pic>
         <p:nvPicPr>
-          <p:cNvPr id="1026" name="Picture 2" descr="情報理論の要素 (ワイリーシリーズイン 、カバー 、トーマスハードカバー + = - 画像1/1">
-            <a:extLst>
-              <a:ext uri="{FF2B5EF4-FFF2-40B4-BE49-F238E27FC236}">
-                <a16:creationId xmlns:a16="http://schemas.microsoft.com/office/drawing/2014/main" id="{04302A6E-5E4E-50D5-D84E-537DCD511644}"/>
+          <p:cNvPr id="6" name="Picture 4" descr="Perceptrons: An Introduction... by Minsky, Marvin">
+            <a:extLst>
+              <a:ext uri="{FF2B5EF4-FFF2-40B4-BE49-F238E27FC236}">
+                <a16:creationId xmlns:a16="http://schemas.microsoft.com/office/drawing/2014/main" id="{913AAD25-38CE-4D39-0EAA-1F0C193AEDF4}"/>
               </a:ext>
             </a:extLst>
           </p:cNvPr>
@@ -9878,13 +9796,12 @@
         </p:blipFill>
         <p:spPr bwMode="auto">
           <a:xfrm>
-            <a:off x="432603" y="0"/>
-            <a:ext cx="4365308" cy="6929060"/>
+            <a:off x="1012825" y="890588"/>
+            <a:ext cx="1571625" cy="2420938"/>
           </a:xfrm>
           <a:prstGeom prst="rect">
             <a:avLst/>
           </a:prstGeom>
-          <a:noFill/>
           <a:extLst>
             <a:ext uri="{909E8E84-426E-40DD-AFC4-6F175D3DCCD1}">
               <a14:hiddenFill xmlns:a14="http://schemas.microsoft.com/office/drawing/2010/main">
@@ -9898,10 +9815,10 @@
       </p:pic>
       <p:pic>
         <p:nvPicPr>
-          <p:cNvPr id="1030" name="Picture 6" descr="elvis on X: &quot;Information Theory, Inference, and Learning Algorithms This is  hands down one of the best books you can spend time on if you are studying  CS or ML. It unifies">
-            <a:extLst>
-              <a:ext uri="{FF2B5EF4-FFF2-40B4-BE49-F238E27FC236}">
-                <a16:creationId xmlns:a16="http://schemas.microsoft.com/office/drawing/2014/main" id="{7B546EB9-A5D0-6A4E-84C1-350FE4D9C396}"/>
+          <p:cNvPr id="7" name="Picture 16" descr="Amazon.co.jp: Algebraic Geometry and Statistical Learning Theory (Cambridge  Monographs on Applied and Computational Mathematics, Series Number 25) :  Watanabe, Sumio: Foreign Language Books">
+            <a:extLst>
+              <a:ext uri="{FF2B5EF4-FFF2-40B4-BE49-F238E27FC236}">
+                <a16:creationId xmlns:a16="http://schemas.microsoft.com/office/drawing/2014/main" id="{40BAE233-3A11-8BA7-53CD-0BD4816369DE}"/>
               </a:ext>
             </a:extLst>
           </p:cNvPr>
@@ -9925,13 +9842,334 @@
         </p:blipFill>
         <p:spPr bwMode="auto">
           <a:xfrm>
-            <a:off x="6486525" y="0"/>
-            <a:ext cx="5705475" cy="6858000"/>
+            <a:off x="1012825" y="3381375"/>
+            <a:ext cx="1571625" cy="2579688"/>
           </a:xfrm>
           <a:prstGeom prst="rect">
             <a:avLst/>
           </a:prstGeom>
-          <a:noFill/>
+          <a:extLst>
+            <a:ext uri="{909E8E84-426E-40DD-AFC4-6F175D3DCCD1}">
+              <a14:hiddenFill xmlns:a14="http://schemas.microsoft.com/office/drawing/2010/main">
+                <a:solidFill>
+                  <a:srgbClr val="FFFFFF"/>
+                </a:solidFill>
+              </a14:hiddenFill>
+            </a:ext>
+          </a:extLst>
+        </p:spPr>
+      </p:pic>
+      <p:pic>
+        <p:nvPicPr>
+          <p:cNvPr id="8" name="Picture 10" descr="Statistical Learning Theory by Vapnik, Vladimir N.">
+            <a:extLst>
+              <a:ext uri="{FF2B5EF4-FFF2-40B4-BE49-F238E27FC236}">
+                <a16:creationId xmlns:a16="http://schemas.microsoft.com/office/drawing/2014/main" id="{7CC8DAEE-340B-28E3-833A-442F871C2BAC}"/>
+              </a:ext>
+            </a:extLst>
+          </p:cNvPr>
+          <p:cNvPicPr>
+            <a:picLocks noChangeAspect="1" noChangeArrowheads="1"/>
+          </p:cNvPicPr>
+          <p:nvPr/>
+        </p:nvPicPr>
+        <p:blipFill>
+          <a:blip r:embed="rId4">
+            <a:extLst>
+              <a:ext uri="{28A0092B-C50C-407E-A947-70E740481C1C}">
+                <a14:useLocalDpi xmlns:a14="http://schemas.microsoft.com/office/drawing/2010/main" val="0"/>
+              </a:ext>
+            </a:extLst>
+          </a:blip>
+          <a:srcRect/>
+          <a:stretch>
+            <a:fillRect/>
+          </a:stretch>
+        </p:blipFill>
+        <p:spPr bwMode="auto">
+          <a:xfrm>
+            <a:off x="2654300" y="890588"/>
+            <a:ext cx="3078163" cy="5070475"/>
+          </a:xfrm>
+          <a:prstGeom prst="rect">
+            <a:avLst/>
+          </a:prstGeom>
+          <a:extLst>
+            <a:ext uri="{909E8E84-426E-40DD-AFC4-6F175D3DCCD1}">
+              <a14:hiddenFill xmlns:a14="http://schemas.microsoft.com/office/drawing/2010/main">
+                <a:solidFill>
+                  <a:srgbClr val="FFFFFF"/>
+                </a:solidFill>
+              </a14:hiddenFill>
+            </a:ext>
+          </a:extLst>
+        </p:spPr>
+      </p:pic>
+      <p:pic>
+        <p:nvPicPr>
+          <p:cNvPr id="9" name="Picture 20" descr="Amazon | Pattern Recognition and Machine Learning (Information Science and  Statistics) | Bishop, Christopher M. | Machine Vision">
+            <a:extLst>
+              <a:ext uri="{FF2B5EF4-FFF2-40B4-BE49-F238E27FC236}">
+                <a16:creationId xmlns:a16="http://schemas.microsoft.com/office/drawing/2014/main" id="{64D93BD3-E7FB-E03C-BBB4-22BFC2105C7C}"/>
+              </a:ext>
+            </a:extLst>
+          </p:cNvPr>
+          <p:cNvPicPr>
+            <a:picLocks noChangeAspect="1" noChangeArrowheads="1"/>
+          </p:cNvPicPr>
+          <p:nvPr/>
+        </p:nvPicPr>
+        <p:blipFill>
+          <a:blip r:embed="rId5">
+            <a:extLst>
+              <a:ext uri="{28A0092B-C50C-407E-A947-70E740481C1C}">
+                <a14:useLocalDpi xmlns:a14="http://schemas.microsoft.com/office/drawing/2010/main" val="0"/>
+              </a:ext>
+            </a:extLst>
+          </a:blip>
+          <a:srcRect/>
+          <a:stretch>
+            <a:fillRect/>
+          </a:stretch>
+        </p:blipFill>
+        <p:spPr bwMode="auto">
+          <a:xfrm>
+            <a:off x="5802313" y="890588"/>
+            <a:ext cx="1858963" cy="2535238"/>
+          </a:xfrm>
+          <a:prstGeom prst="rect">
+            <a:avLst/>
+          </a:prstGeom>
+          <a:extLst>
+            <a:ext uri="{909E8E84-426E-40DD-AFC4-6F175D3DCCD1}">
+              <a14:hiddenFill xmlns:a14="http://schemas.microsoft.com/office/drawing/2010/main">
+                <a:solidFill>
+                  <a:srgbClr val="FFFFFF"/>
+                </a:solidFill>
+              </a14:hiddenFill>
+            </a:ext>
+          </a:extLst>
+        </p:spPr>
+      </p:pic>
+      <p:pic>
+        <p:nvPicPr>
+          <p:cNvPr id="10" name="Picture 2" descr="Boosting: Foundations and Algorithms... by Schapire, Robert E.">
+            <a:extLst>
+              <a:ext uri="{FF2B5EF4-FFF2-40B4-BE49-F238E27FC236}">
+                <a16:creationId xmlns:a16="http://schemas.microsoft.com/office/drawing/2014/main" id="{7D56FCD0-F63D-6054-BF26-3E4BF4276C1F}"/>
+              </a:ext>
+            </a:extLst>
+          </p:cNvPr>
+          <p:cNvPicPr>
+            <a:picLocks noChangeAspect="1" noChangeArrowheads="1"/>
+          </p:cNvPicPr>
+          <p:nvPr/>
+        </p:nvPicPr>
+        <p:blipFill>
+          <a:blip r:embed="rId6">
+            <a:extLst>
+              <a:ext uri="{28A0092B-C50C-407E-A947-70E740481C1C}">
+                <a14:useLocalDpi xmlns:a14="http://schemas.microsoft.com/office/drawing/2010/main" val="0"/>
+              </a:ext>
+            </a:extLst>
+          </a:blip>
+          <a:srcRect/>
+          <a:stretch>
+            <a:fillRect/>
+          </a:stretch>
+        </p:blipFill>
+        <p:spPr bwMode="auto">
+          <a:xfrm>
+            <a:off x="5802313" y="3495675"/>
+            <a:ext cx="1858963" cy="2465388"/>
+          </a:xfrm>
+          <a:prstGeom prst="rect">
+            <a:avLst/>
+          </a:prstGeom>
+          <a:extLst>
+            <a:ext uri="{909E8E84-426E-40DD-AFC4-6F175D3DCCD1}">
+              <a14:hiddenFill xmlns:a14="http://schemas.microsoft.com/office/drawing/2010/main">
+                <a:solidFill>
+                  <a:srgbClr val="FFFFFF"/>
+                </a:solidFill>
+              </a14:hiddenFill>
+            </a:ext>
+          </a:extLst>
+        </p:spPr>
+      </p:pic>
+      <p:pic>
+        <p:nvPicPr>
+          <p:cNvPr id="11" name="Picture 18" descr="Amazon.co.jp: Information Geometry and Its Applications (Applied  Mathematical Sciences, 194) : Amari, Shun-ichi: Foreign Language Books">
+            <a:extLst>
+              <a:ext uri="{FF2B5EF4-FFF2-40B4-BE49-F238E27FC236}">
+                <a16:creationId xmlns:a16="http://schemas.microsoft.com/office/drawing/2014/main" id="{A689F387-7EBB-B826-7F75-BA4D141D04F1}"/>
+              </a:ext>
+            </a:extLst>
+          </p:cNvPr>
+          <p:cNvPicPr>
+            <a:picLocks noChangeAspect="1" noChangeArrowheads="1"/>
+          </p:cNvPicPr>
+          <p:nvPr/>
+        </p:nvPicPr>
+        <p:blipFill>
+          <a:blip r:embed="rId7">
+            <a:extLst>
+              <a:ext uri="{28A0092B-C50C-407E-A947-70E740481C1C}">
+                <a14:useLocalDpi xmlns:a14="http://schemas.microsoft.com/office/drawing/2010/main" val="0"/>
+              </a:ext>
+            </a:extLst>
+          </a:blip>
+          <a:srcRect/>
+          <a:stretch>
+            <a:fillRect/>
+          </a:stretch>
+        </p:blipFill>
+        <p:spPr bwMode="auto">
+          <a:xfrm>
+            <a:off x="7729538" y="890588"/>
+            <a:ext cx="1673225" cy="2740025"/>
+          </a:xfrm>
+          <a:prstGeom prst="rect">
+            <a:avLst/>
+          </a:prstGeom>
+          <a:extLst>
+            <a:ext uri="{909E8E84-426E-40DD-AFC4-6F175D3DCCD1}">
+              <a14:hiddenFill xmlns:a14="http://schemas.microsoft.com/office/drawing/2010/main">
+                <a:solidFill>
+                  <a:srgbClr val="FFFFFF"/>
+                </a:solidFill>
+              </a14:hiddenFill>
+            </a:ext>
+          </a:extLst>
+        </p:spPr>
+      </p:pic>
+      <p:pic>
+        <p:nvPicPr>
+          <p:cNvPr id="12" name="Picture 8" descr="Amazon.co.jp: Deep Learning (Adaptive Computation and Machine Learning  series) : Goodfellow, Ian, Bengio, Yoshua, Courville, Aaron: Foreign  Language Books">
+            <a:extLst>
+              <a:ext uri="{FF2B5EF4-FFF2-40B4-BE49-F238E27FC236}">
+                <a16:creationId xmlns:a16="http://schemas.microsoft.com/office/drawing/2014/main" id="{CA877241-88FC-54C1-5EFE-EE7F204EE795}"/>
+              </a:ext>
+            </a:extLst>
+          </p:cNvPr>
+          <p:cNvPicPr>
+            <a:picLocks noChangeAspect="1" noChangeArrowheads="1"/>
+          </p:cNvPicPr>
+          <p:nvPr/>
+        </p:nvPicPr>
+        <p:blipFill>
+          <a:blip r:embed="rId8">
+            <a:extLst>
+              <a:ext uri="{28A0092B-C50C-407E-A947-70E740481C1C}">
+                <a14:useLocalDpi xmlns:a14="http://schemas.microsoft.com/office/drawing/2010/main" val="0"/>
+              </a:ext>
+            </a:extLst>
+          </a:blip>
+          <a:srcRect/>
+          <a:stretch>
+            <a:fillRect/>
+          </a:stretch>
+        </p:blipFill>
+        <p:spPr bwMode="auto">
+          <a:xfrm>
+            <a:off x="7729538" y="3702050"/>
+            <a:ext cx="1673225" cy="2260600"/>
+          </a:xfrm>
+          <a:prstGeom prst="rect">
+            <a:avLst/>
+          </a:prstGeom>
+          <a:extLst>
+            <a:ext uri="{909E8E84-426E-40DD-AFC4-6F175D3DCCD1}">
+              <a14:hiddenFill xmlns:a14="http://schemas.microsoft.com/office/drawing/2010/main">
+                <a:solidFill>
+                  <a:srgbClr val="FFFFFF"/>
+                </a:solidFill>
+              </a14:hiddenFill>
+            </a:ext>
+          </a:extLst>
+        </p:spPr>
+      </p:pic>
+      <p:pic>
+        <p:nvPicPr>
+          <p:cNvPr id="13" name="Picture 12" descr="A book cover with colorful ribbons&#10;&#10;Description automatically generated">
+            <a:extLst>
+              <a:ext uri="{FF2B5EF4-FFF2-40B4-BE49-F238E27FC236}">
+                <a16:creationId xmlns:a16="http://schemas.microsoft.com/office/drawing/2014/main" id="{58EBB980-DF0D-54ED-1A93-924D5A451CA0}"/>
+              </a:ext>
+            </a:extLst>
+          </p:cNvPr>
+          <p:cNvPicPr>
+            <a:picLocks noChangeAspect="1" noChangeArrowheads="1"/>
+          </p:cNvPicPr>
+          <p:nvPr/>
+        </p:nvPicPr>
+        <p:blipFill>
+          <a:blip r:embed="rId9">
+            <a:extLst>
+              <a:ext uri="{28A0092B-C50C-407E-A947-70E740481C1C}">
+                <a14:useLocalDpi xmlns:a14="http://schemas.microsoft.com/office/drawing/2010/main" val="0"/>
+              </a:ext>
+            </a:extLst>
+          </a:blip>
+          <a:srcRect/>
+          <a:stretch>
+            <a:fillRect/>
+          </a:stretch>
+        </p:blipFill>
+        <p:spPr bwMode="auto">
+          <a:xfrm>
+            <a:off x="9472613" y="890588"/>
+            <a:ext cx="1752600" cy="2284413"/>
+          </a:xfrm>
+          <a:prstGeom prst="rect">
+            <a:avLst/>
+          </a:prstGeom>
+          <a:extLst>
+            <a:ext uri="{909E8E84-426E-40DD-AFC4-6F175D3DCCD1}">
+              <a14:hiddenFill xmlns:a14="http://schemas.microsoft.com/office/drawing/2010/main">
+                <a:solidFill>
+                  <a:srgbClr val="FFFFFF"/>
+                </a:solidFill>
+              </a14:hiddenFill>
+            </a:ext>
+          </a:extLst>
+        </p:spPr>
+      </p:pic>
+      <p:pic>
+        <p:nvPicPr>
+          <p:cNvPr id="14" name="Picture 14" descr="A book cover with text&#10;&#10;Description automatically generated">
+            <a:extLst>
+              <a:ext uri="{FF2B5EF4-FFF2-40B4-BE49-F238E27FC236}">
+                <a16:creationId xmlns:a16="http://schemas.microsoft.com/office/drawing/2014/main" id="{898E1B92-2750-151B-CF1F-3D4D823E81D0}"/>
+              </a:ext>
+            </a:extLst>
+          </p:cNvPr>
+          <p:cNvPicPr>
+            <a:picLocks noChangeAspect="1" noChangeArrowheads="1"/>
+          </p:cNvPicPr>
+          <p:nvPr/>
+        </p:nvPicPr>
+        <p:blipFill>
+          <a:blip r:embed="rId10">
+            <a:extLst>
+              <a:ext uri="{28A0092B-C50C-407E-A947-70E740481C1C}">
+                <a14:useLocalDpi xmlns:a14="http://schemas.microsoft.com/office/drawing/2010/main" val="0"/>
+              </a:ext>
+            </a:extLst>
+          </a:blip>
+          <a:srcRect/>
+          <a:stretch>
+            <a:fillRect/>
+          </a:stretch>
+        </p:blipFill>
+        <p:spPr bwMode="auto">
+          <a:xfrm>
+            <a:off x="9472613" y="3244850"/>
+            <a:ext cx="1752600" cy="2716213"/>
+          </a:xfrm>
+          <a:prstGeom prst="rect">
+            <a:avLst/>
+          </a:prstGeom>
           <a:extLst>
             <a:ext uri="{909E8E84-426E-40DD-AFC4-6F175D3DCCD1}">
               <a14:hiddenFill xmlns:a14="http://schemas.microsoft.com/office/drawing/2010/main">
@@ -9946,7 +10184,7 @@
     </p:spTree>
     <p:extLst>
       <p:ext uri="{BB962C8B-B14F-4D97-AF65-F5344CB8AC3E}">
-        <p14:creationId xmlns:p14="http://schemas.microsoft.com/office/powerpoint/2010/main" val="2850535214"/>
+        <p14:creationId xmlns:p14="http://schemas.microsoft.com/office/powerpoint/2010/main" val="491299959"/>
       </p:ext>
     </p:extLst>
   </p:cSld>
@@ -9978,7 +10216,7 @@
           <p:cNvPr id="2" name="Title 1">
             <a:extLst>
               <a:ext uri="{FF2B5EF4-FFF2-40B4-BE49-F238E27FC236}">
-                <a16:creationId xmlns:a16="http://schemas.microsoft.com/office/drawing/2014/main" id="{B92499FD-411F-95A4-8870-7A53AF7A6F8E}"/>
+                <a16:creationId xmlns:a16="http://schemas.microsoft.com/office/drawing/2014/main" id="{7169FB76-2489-0C66-548F-C3B9E2CD8A65}"/>
               </a:ext>
             </a:extLst>
           </p:cNvPr>
@@ -10003,7 +10241,7 @@
           <p:cNvPr id="3" name="Content Placeholder 2">
             <a:extLst>
               <a:ext uri="{FF2B5EF4-FFF2-40B4-BE49-F238E27FC236}">
-                <a16:creationId xmlns:a16="http://schemas.microsoft.com/office/drawing/2014/main" id="{B964C452-3716-6D83-5735-5E420F20BCC0}"/>
+                <a16:creationId xmlns:a16="http://schemas.microsoft.com/office/drawing/2014/main" id="{9163913B-71DC-BD75-719B-A7EF5F00CE9E}"/>
               </a:ext>
             </a:extLst>
           </p:cNvPr>
@@ -10025,10 +10263,57 @@
       </p:sp>
       <p:pic>
         <p:nvPicPr>
-          <p:cNvPr id="1030" name="Picture 6" descr="Inference and Learning from Data: Volume 2:... by Sayed, Ali H.">
-            <a:extLst>
-              <a:ext uri="{FF2B5EF4-FFF2-40B4-BE49-F238E27FC236}">
-                <a16:creationId xmlns:a16="http://schemas.microsoft.com/office/drawing/2014/main" id="{689A299E-434A-1539-F82F-B6EFBFA8DAD9}"/>
+          <p:cNvPr id="1026" name="Picture 2" descr="情報理論の要素 (ワイリーシリーズイン 、カバー 、トーマスハードカバー + = - 画像1/1">
+            <a:extLst>
+              <a:ext uri="{FF2B5EF4-FFF2-40B4-BE49-F238E27FC236}">
+                <a16:creationId xmlns:a16="http://schemas.microsoft.com/office/drawing/2014/main" id="{04302A6E-5E4E-50D5-D84E-537DCD511644}"/>
+              </a:ext>
+            </a:extLst>
+          </p:cNvPr>
+          <p:cNvPicPr>
+            <a:picLocks noChangeAspect="1" noChangeArrowheads="1"/>
+          </p:cNvPicPr>
+          <p:nvPr/>
+        </p:nvPicPr>
+        <p:blipFill>
+          <a:blip r:embed="rId2">
+            <a:extLst>
+              <a:ext uri="{28A0092B-C50C-407E-A947-70E740481C1C}">
+                <a14:useLocalDpi xmlns:a14="http://schemas.microsoft.com/office/drawing/2010/main" val="0"/>
+              </a:ext>
+            </a:extLst>
+          </a:blip>
+          <a:srcRect/>
+          <a:stretch>
+            <a:fillRect/>
+          </a:stretch>
+        </p:blipFill>
+        <p:spPr bwMode="auto">
+          <a:xfrm>
+            <a:off x="432603" y="0"/>
+            <a:ext cx="4365308" cy="6929060"/>
+          </a:xfrm>
+          <a:prstGeom prst="rect">
+            <a:avLst/>
+          </a:prstGeom>
+          <a:noFill/>
+          <a:extLst>
+            <a:ext uri="{909E8E84-426E-40DD-AFC4-6F175D3DCCD1}">
+              <a14:hiddenFill xmlns:a14="http://schemas.microsoft.com/office/drawing/2010/main">
+                <a:solidFill>
+                  <a:srgbClr val="FFFFFF"/>
+                </a:solidFill>
+              </a14:hiddenFill>
+            </a:ext>
+          </a:extLst>
+        </p:spPr>
+      </p:pic>
+      <p:pic>
+        <p:nvPicPr>
+          <p:cNvPr id="1030" name="Picture 6" descr="elvis on X: &quot;Information Theory, Inference, and Learning Algorithms This is  hands down one of the best books you can spend time on if you are studying  CS or ML. It unifies">
+            <a:extLst>
+              <a:ext uri="{FF2B5EF4-FFF2-40B4-BE49-F238E27FC236}">
+                <a16:creationId xmlns:a16="http://schemas.microsoft.com/office/drawing/2014/main" id="{7B546EB9-A5D0-6A4E-84C1-350FE4D9C396}"/>
               </a:ext>
             </a:extLst>
           </p:cNvPr>
@@ -10052,8 +10337,8 @@
         </p:blipFill>
         <p:spPr bwMode="auto">
           <a:xfrm>
-            <a:off x="4225165" y="971164"/>
-            <a:ext cx="3643319" cy="5272744"/>
+            <a:off x="6486525" y="0"/>
+            <a:ext cx="5705475" cy="6858000"/>
           </a:xfrm>
           <a:prstGeom prst="rect">
             <a:avLst/>
@@ -10070,104 +10355,10 @@
           </a:extLst>
         </p:spPr>
       </p:pic>
-      <p:pic>
-        <p:nvPicPr>
-          <p:cNvPr id="1032" name="Picture 8" descr="Inference and Learning from Data: Volume 1:... by Sayed, Ali H.">
-            <a:extLst>
-              <a:ext uri="{FF2B5EF4-FFF2-40B4-BE49-F238E27FC236}">
-                <a16:creationId xmlns:a16="http://schemas.microsoft.com/office/drawing/2014/main" id="{4016D007-6D2B-BEDD-0B93-B19823DC9050}"/>
-              </a:ext>
-            </a:extLst>
-          </p:cNvPr>
-          <p:cNvPicPr>
-            <a:picLocks noChangeAspect="1" noChangeArrowheads="1"/>
-          </p:cNvPicPr>
-          <p:nvPr/>
-        </p:nvPicPr>
-        <p:blipFill>
-          <a:blip r:embed="rId4">
-            <a:extLst>
-              <a:ext uri="{28A0092B-C50C-407E-A947-70E740481C1C}">
-                <a14:useLocalDpi xmlns:a14="http://schemas.microsoft.com/office/drawing/2010/main" val="0"/>
-              </a:ext>
-            </a:extLst>
-          </a:blip>
-          <a:srcRect/>
-          <a:stretch>
-            <a:fillRect/>
-          </a:stretch>
-        </p:blipFill>
-        <p:spPr bwMode="auto">
-          <a:xfrm>
-            <a:off x="122987" y="971166"/>
-            <a:ext cx="3604113" cy="5216004"/>
-          </a:xfrm>
-          <a:prstGeom prst="rect">
-            <a:avLst/>
-          </a:prstGeom>
-          <a:noFill/>
-          <a:extLst>
-            <a:ext uri="{909E8E84-426E-40DD-AFC4-6F175D3DCCD1}">
-              <a14:hiddenFill xmlns:a14="http://schemas.microsoft.com/office/drawing/2010/main">
-                <a:solidFill>
-                  <a:srgbClr val="FFFFFF"/>
-                </a:solidFill>
-              </a14:hiddenFill>
-            </a:ext>
-          </a:extLst>
-        </p:spPr>
-      </p:pic>
-      <p:pic>
-        <p:nvPicPr>
-          <p:cNvPr id="1034" name="Picture 10" descr="Inference and Learning from Data: Volume 3:... by Sayed, Ali H.">
-            <a:extLst>
-              <a:ext uri="{FF2B5EF4-FFF2-40B4-BE49-F238E27FC236}">
-                <a16:creationId xmlns:a16="http://schemas.microsoft.com/office/drawing/2014/main" id="{BE6A1750-9892-6119-CC88-524D9FD22EE5}"/>
-              </a:ext>
-            </a:extLst>
-          </p:cNvPr>
-          <p:cNvPicPr>
-            <a:picLocks noChangeAspect="1" noChangeArrowheads="1"/>
-          </p:cNvPicPr>
-          <p:nvPr/>
-        </p:nvPicPr>
-        <p:blipFill>
-          <a:blip r:embed="rId5">
-            <a:extLst>
-              <a:ext uri="{28A0092B-C50C-407E-A947-70E740481C1C}">
-                <a14:useLocalDpi xmlns:a14="http://schemas.microsoft.com/office/drawing/2010/main" val="0"/>
-              </a:ext>
-            </a:extLst>
-          </a:blip>
-          <a:srcRect/>
-          <a:stretch>
-            <a:fillRect/>
-          </a:stretch>
-        </p:blipFill>
-        <p:spPr bwMode="auto">
-          <a:xfrm>
-            <a:off x="8226091" y="971164"/>
-            <a:ext cx="3643319" cy="5272743"/>
-          </a:xfrm>
-          <a:prstGeom prst="rect">
-            <a:avLst/>
-          </a:prstGeom>
-          <a:noFill/>
-          <a:extLst>
-            <a:ext uri="{909E8E84-426E-40DD-AFC4-6F175D3DCCD1}">
-              <a14:hiddenFill xmlns:a14="http://schemas.microsoft.com/office/drawing/2010/main">
-                <a:solidFill>
-                  <a:srgbClr val="FFFFFF"/>
-                </a:solidFill>
-              </a14:hiddenFill>
-            </a:ext>
-          </a:extLst>
-        </p:spPr>
-      </p:pic>
     </p:spTree>
     <p:extLst>
       <p:ext uri="{BB962C8B-B14F-4D97-AF65-F5344CB8AC3E}">
-        <p14:creationId xmlns:p14="http://schemas.microsoft.com/office/powerpoint/2010/main" val="2189988050"/>
+        <p14:creationId xmlns:p14="http://schemas.microsoft.com/office/powerpoint/2010/main" val="2850535214"/>
       </p:ext>
     </p:extLst>
   </p:cSld>

--- a/PPTX/Cards-November2023.pptx
+++ b/PPTX/Cards-November2023.pptx
@@ -5,7 +5,7 @@
     <p:sldMasterId id="2147483648" r:id="rId1"/>
   </p:sldMasterIdLst>
   <p:notesMasterIdLst>
-    <p:notesMasterId r:id="rId27"/>
+    <p:notesMasterId r:id="rId26"/>
   </p:notesMasterIdLst>
   <p:sldIdLst>
     <p:sldId id="256" r:id="rId2"/>
@@ -16,23 +16,22 @@
     <p:sldId id="274" r:id="rId7"/>
     <p:sldId id="275" r:id="rId8"/>
     <p:sldId id="276" r:id="rId9"/>
-    <p:sldId id="277" r:id="rId10"/>
-    <p:sldId id="278" r:id="rId11"/>
-    <p:sldId id="271" r:id="rId12"/>
-    <p:sldId id="267" r:id="rId13"/>
-    <p:sldId id="268" r:id="rId14"/>
-    <p:sldId id="270" r:id="rId15"/>
-    <p:sldId id="269" r:id="rId16"/>
-    <p:sldId id="265" r:id="rId17"/>
-    <p:sldId id="266" r:id="rId18"/>
-    <p:sldId id="264" r:id="rId19"/>
-    <p:sldId id="262" r:id="rId20"/>
-    <p:sldId id="263" r:id="rId21"/>
-    <p:sldId id="261" r:id="rId22"/>
-    <p:sldId id="260" r:id="rId23"/>
-    <p:sldId id="258" r:id="rId24"/>
-    <p:sldId id="257" r:id="rId25"/>
-    <p:sldId id="259" r:id="rId26"/>
+    <p:sldId id="278" r:id="rId10"/>
+    <p:sldId id="271" r:id="rId11"/>
+    <p:sldId id="267" r:id="rId12"/>
+    <p:sldId id="268" r:id="rId13"/>
+    <p:sldId id="270" r:id="rId14"/>
+    <p:sldId id="269" r:id="rId15"/>
+    <p:sldId id="265" r:id="rId16"/>
+    <p:sldId id="266" r:id="rId17"/>
+    <p:sldId id="264" r:id="rId18"/>
+    <p:sldId id="262" r:id="rId19"/>
+    <p:sldId id="263" r:id="rId20"/>
+    <p:sldId id="261" r:id="rId21"/>
+    <p:sldId id="260" r:id="rId22"/>
+    <p:sldId id="258" r:id="rId23"/>
+    <p:sldId id="257" r:id="rId24"/>
+    <p:sldId id="259" r:id="rId25"/>
   </p:sldIdLst>
   <p:sldSz cx="12192000" cy="6858000"/>
   <p:notesSz cx="6858000" cy="9144000"/>
@@ -221,7 +220,7 @@
           <a:p>
             <a:fld id="{D18D4C2D-CE11-4A36-9412-76A548B99578}" type="datetimeFigureOut">
               <a:rPr kumimoji="1" lang="ja-JP" altLang="en-US" smtClean="0"/>
-              <a:t>2024/1/4</a:t>
+              <a:t>2024/1/5</a:t>
             </a:fld>
             <a:endParaRPr kumimoji="1" lang="ja-JP" altLang="en-US"/>
           </a:p>
@@ -732,7 +731,7 @@
           <a:p>
             <a:fld id="{897A3250-0369-4FF2-8A87-F471EFBE05A0}" type="slidenum">
               <a:rPr kumimoji="1" lang="ja-JP" altLang="en-US" smtClean="0"/>
-              <a:t>19</a:t>
+              <a:t>18</a:t>
             </a:fld>
             <a:endParaRPr kumimoji="1" lang="ja-JP" altLang="en-US"/>
           </a:p>
@@ -995,7 +994,7 @@
           <a:p>
             <a:fld id="{897A3250-0369-4FF2-8A87-F471EFBE05A0}" type="slidenum">
               <a:rPr kumimoji="1" lang="ja-JP" altLang="en-US" smtClean="0"/>
-              <a:t>23</a:t>
+              <a:t>22</a:t>
             </a:fld>
             <a:endParaRPr kumimoji="1" lang="ja-JP" altLang="en-US"/>
           </a:p>
@@ -1142,7 +1141,7 @@
           <a:p>
             <a:fld id="{897A3250-0369-4FF2-8A87-F471EFBE05A0}" type="slidenum">
               <a:rPr kumimoji="1" lang="ja-JP" altLang="en-US" smtClean="0"/>
-              <a:t>25</a:t>
+              <a:t>24</a:t>
             </a:fld>
             <a:endParaRPr kumimoji="1" lang="ja-JP" altLang="en-US"/>
           </a:p>
@@ -2191,7 +2190,7 @@
           <a:p>
             <a:fld id="{897A3250-0369-4FF2-8A87-F471EFBE05A0}" type="slidenum">
               <a:rPr kumimoji="1" lang="ja-JP" altLang="en-US" smtClean="0"/>
-              <a:t>10</a:t>
+              <a:t>9</a:t>
             </a:fld>
             <a:endParaRPr kumimoji="1" lang="ja-JP" altLang="en-US"/>
           </a:p>
@@ -2316,7 +2315,7 @@
           <a:p>
             <a:fld id="{897A3250-0369-4FF2-8A87-F471EFBE05A0}" type="slidenum">
               <a:rPr kumimoji="1" lang="ja-JP" altLang="en-US" smtClean="0"/>
-              <a:t>12</a:t>
+              <a:t>11</a:t>
             </a:fld>
             <a:endParaRPr kumimoji="1" lang="ja-JP" altLang="en-US"/>
           </a:p>
@@ -2410,7 +2409,7 @@
           <a:p>
             <a:fld id="{897A3250-0369-4FF2-8A87-F471EFBE05A0}" type="slidenum">
               <a:rPr kumimoji="1" lang="ja-JP" altLang="en-US" smtClean="0"/>
-              <a:t>13</a:t>
+              <a:t>12</a:t>
             </a:fld>
             <a:endParaRPr kumimoji="1" lang="ja-JP" altLang="en-US"/>
           </a:p>
@@ -2518,7 +2517,7 @@
           <a:p>
             <a:fld id="{897A3250-0369-4FF2-8A87-F471EFBE05A0}" type="slidenum">
               <a:rPr kumimoji="1" lang="ja-JP" altLang="en-US" smtClean="0"/>
-              <a:t>16</a:t>
+              <a:t>15</a:t>
             </a:fld>
             <a:endParaRPr kumimoji="1" lang="ja-JP" altLang="en-US"/>
           </a:p>
@@ -2686,7 +2685,7 @@
           <a:p>
             <a:fld id="{1FE1D380-D20F-4BF7-A204-3A9DABE281DF}" type="datetimeFigureOut">
               <a:rPr kumimoji="1" lang="ja-JP" altLang="en-US" smtClean="0"/>
-              <a:t>2024/1/4</a:t>
+              <a:t>2024/1/5</a:t>
             </a:fld>
             <a:endParaRPr kumimoji="1" lang="ja-JP" altLang="en-US"/>
           </a:p>
@@ -2886,7 +2885,7 @@
           <a:p>
             <a:fld id="{1FE1D380-D20F-4BF7-A204-3A9DABE281DF}" type="datetimeFigureOut">
               <a:rPr kumimoji="1" lang="ja-JP" altLang="en-US" smtClean="0"/>
-              <a:t>2024/1/4</a:t>
+              <a:t>2024/1/5</a:t>
             </a:fld>
             <a:endParaRPr kumimoji="1" lang="ja-JP" altLang="en-US"/>
           </a:p>
@@ -3096,7 +3095,7 @@
           <a:p>
             <a:fld id="{1FE1D380-D20F-4BF7-A204-3A9DABE281DF}" type="datetimeFigureOut">
               <a:rPr kumimoji="1" lang="ja-JP" altLang="en-US" smtClean="0"/>
-              <a:t>2024/1/4</a:t>
+              <a:t>2024/1/5</a:t>
             </a:fld>
             <a:endParaRPr kumimoji="1" lang="ja-JP" altLang="en-US"/>
           </a:p>
@@ -3296,7 +3295,7 @@
           <a:p>
             <a:fld id="{1FE1D380-D20F-4BF7-A204-3A9DABE281DF}" type="datetimeFigureOut">
               <a:rPr kumimoji="1" lang="ja-JP" altLang="en-US" smtClean="0"/>
-              <a:t>2024/1/4</a:t>
+              <a:t>2024/1/5</a:t>
             </a:fld>
             <a:endParaRPr kumimoji="1" lang="ja-JP" altLang="en-US"/>
           </a:p>
@@ -3572,7 +3571,7 @@
           <a:p>
             <a:fld id="{1FE1D380-D20F-4BF7-A204-3A9DABE281DF}" type="datetimeFigureOut">
               <a:rPr kumimoji="1" lang="ja-JP" altLang="en-US" smtClean="0"/>
-              <a:t>2024/1/4</a:t>
+              <a:t>2024/1/5</a:t>
             </a:fld>
             <a:endParaRPr kumimoji="1" lang="ja-JP" altLang="en-US"/>
           </a:p>
@@ -3840,7 +3839,7 @@
           <a:p>
             <a:fld id="{1FE1D380-D20F-4BF7-A204-3A9DABE281DF}" type="datetimeFigureOut">
               <a:rPr kumimoji="1" lang="ja-JP" altLang="en-US" smtClean="0"/>
-              <a:t>2024/1/4</a:t>
+              <a:t>2024/1/5</a:t>
             </a:fld>
             <a:endParaRPr kumimoji="1" lang="ja-JP" altLang="en-US"/>
           </a:p>
@@ -4255,7 +4254,7 @@
           <a:p>
             <a:fld id="{1FE1D380-D20F-4BF7-A204-3A9DABE281DF}" type="datetimeFigureOut">
               <a:rPr kumimoji="1" lang="ja-JP" altLang="en-US" smtClean="0"/>
-              <a:t>2024/1/4</a:t>
+              <a:t>2024/1/5</a:t>
             </a:fld>
             <a:endParaRPr kumimoji="1" lang="ja-JP" altLang="en-US"/>
           </a:p>
@@ -4397,7 +4396,7 @@
           <a:p>
             <a:fld id="{1FE1D380-D20F-4BF7-A204-3A9DABE281DF}" type="datetimeFigureOut">
               <a:rPr kumimoji="1" lang="ja-JP" altLang="en-US" smtClean="0"/>
-              <a:t>2024/1/4</a:t>
+              <a:t>2024/1/5</a:t>
             </a:fld>
             <a:endParaRPr kumimoji="1" lang="ja-JP" altLang="en-US"/>
           </a:p>
@@ -4510,7 +4509,7 @@
           <a:p>
             <a:fld id="{1FE1D380-D20F-4BF7-A204-3A9DABE281DF}" type="datetimeFigureOut">
               <a:rPr kumimoji="1" lang="ja-JP" altLang="en-US" smtClean="0"/>
-              <a:t>2024/1/4</a:t>
+              <a:t>2024/1/5</a:t>
             </a:fld>
             <a:endParaRPr kumimoji="1" lang="ja-JP" altLang="en-US"/>
           </a:p>
@@ -4823,7 +4822,7 @@
           <a:p>
             <a:fld id="{1FE1D380-D20F-4BF7-A204-3A9DABE281DF}" type="datetimeFigureOut">
               <a:rPr kumimoji="1" lang="ja-JP" altLang="en-US" smtClean="0"/>
-              <a:t>2024/1/4</a:t>
+              <a:t>2024/1/5</a:t>
             </a:fld>
             <a:endParaRPr kumimoji="1" lang="ja-JP" altLang="en-US"/>
           </a:p>
@@ -5112,7 +5111,7 @@
           <a:p>
             <a:fld id="{1FE1D380-D20F-4BF7-A204-3A9DABE281DF}" type="datetimeFigureOut">
               <a:rPr kumimoji="1" lang="ja-JP" altLang="en-US" smtClean="0"/>
-              <a:t>2024/1/4</a:t>
+              <a:t>2024/1/5</a:t>
             </a:fld>
             <a:endParaRPr kumimoji="1" lang="ja-JP" altLang="en-US"/>
           </a:p>
@@ -5355,7 +5354,7 @@
           <a:p>
             <a:fld id="{1FE1D380-D20F-4BF7-A204-3A9DABE281DF}" type="datetimeFigureOut">
               <a:rPr kumimoji="1" lang="ja-JP" altLang="en-US" smtClean="0"/>
-              <a:t>2024/1/4</a:t>
+              <a:t>2024/1/5</a:t>
             </a:fld>
             <a:endParaRPr kumimoji="1" lang="ja-JP" altLang="en-US"/>
           </a:p>
@@ -6476,10 +6475,10 @@
       </p:grpSpPr>
       <p:sp>
         <p:nvSpPr>
-          <p:cNvPr id="3" name="Content Placeholder 2">
-            <a:extLst>
-              <a:ext uri="{FF2B5EF4-FFF2-40B4-BE49-F238E27FC236}">
-                <a16:creationId xmlns:a16="http://schemas.microsoft.com/office/drawing/2014/main" id="{CF93BDE7-0F87-D64F-E995-1FC12DBD06A3}"/>
+          <p:cNvPr id="2" name="Title 1">
+            <a:extLst>
+              <a:ext uri="{FF2B5EF4-FFF2-40B4-BE49-F238E27FC236}">
+                <a16:creationId xmlns:a16="http://schemas.microsoft.com/office/drawing/2014/main" id="{BB7F320F-A33E-4D62-E8D9-982BA115B626}"/>
               </a:ext>
             </a:extLst>
           </p:cNvPr>
@@ -6487,141 +6486,13 @@
             <a:spLocks noGrp="1"/>
           </p:cNvSpPr>
           <p:nvPr>
-            <p:ph idx="1"/>
+            <p:ph type="title"/>
           </p:nvPr>
         </p:nvSpPr>
         <p:spPr>
           <a:xfrm>
-            <a:off x="407893" y="1233954"/>
-            <a:ext cx="11931127" cy="5602898"/>
-          </a:xfrm>
-        </p:spPr>
-        <p:txBody>
-          <a:bodyPr>
-            <a:normAutofit/>
-          </a:bodyPr>
-          <a:lstStyle/>
-          <a:p>
-            <a:r>
-              <a:rPr kumimoji="1" lang="en-US" altLang="ja-JP" dirty="0"/>
-              <a:t>In 1/3, proved</a:t>
-            </a:r>
-          </a:p>
-          <a:p>
-            <a:endParaRPr lang="en-US" altLang="ja-JP" dirty="0"/>
-          </a:p>
-          <a:p>
-            <a:r>
-              <a:rPr kumimoji="1" lang="en-US" altLang="ja-JP" dirty="0"/>
-              <a:t>That is in compact form:</a:t>
-            </a:r>
-          </a:p>
-          <a:p>
-            <a:endParaRPr lang="en-US" altLang="ja-JP" dirty="0"/>
-          </a:p>
-          <a:p>
-            <a:r>
-              <a:rPr lang="en-US" altLang="ja-JP" dirty="0"/>
-              <a:t>We recognize </a:t>
-            </a:r>
-            <a:r>
-              <a:rPr lang="en-US" altLang="ja-JP" b="1" dirty="0">
-                <a:solidFill>
-                  <a:srgbClr val="FF0000"/>
-                </a:solidFill>
-              </a:rPr>
-              <a:t>(A,G)-comparative complexity </a:t>
-            </a:r>
-            <a:r>
-              <a:rPr lang="en-US" altLang="ja-JP" dirty="0" err="1"/>
-              <a:t>wrt</a:t>
-            </a:r>
-            <a:r>
-              <a:rPr lang="en-US" altLang="ja-JP" dirty="0"/>
-              <a:t> to arithmetic and geometric means. Hence, </a:t>
-            </a:r>
-            <a:r>
-              <a:rPr lang="en-US" altLang="ja-JP" b="1" dirty="0">
-                <a:solidFill>
-                  <a:srgbClr val="FF0000"/>
-                </a:solidFill>
-              </a:rPr>
-              <a:t>partition function Z is log-convex</a:t>
-            </a:r>
-            <a:r>
-              <a:rPr kumimoji="1" lang="en-US" altLang="ja-JP" b="1" dirty="0">
-                <a:solidFill>
-                  <a:srgbClr val="FF0000"/>
-                </a:solidFill>
-              </a:rPr>
-              <a:t> </a:t>
-            </a:r>
-          </a:p>
-          <a:p>
-            <a:endParaRPr lang="en-US" altLang="ja-JP" dirty="0"/>
-          </a:p>
-          <a:p>
-            <a:r>
-              <a:rPr kumimoji="1" lang="en-US" altLang="ja-JP" dirty="0"/>
-              <a:t>Since the logarithm is a strictly increasing function, we further have:</a:t>
-            </a:r>
-          </a:p>
-          <a:p>
-            <a:endParaRPr lang="en-US" altLang="ja-JP" dirty="0"/>
-          </a:p>
-          <a:p>
-            <a:endParaRPr kumimoji="1" lang="en-US" altLang="ja-JP" dirty="0"/>
-          </a:p>
-          <a:p>
-            <a:r>
-              <a:rPr lang="en-US" altLang="ja-JP" dirty="0"/>
-              <a:t>That is, the </a:t>
-            </a:r>
-            <a:r>
-              <a:rPr lang="en-US" altLang="ja-JP" b="1" dirty="0">
-                <a:solidFill>
-                  <a:srgbClr val="FF0000"/>
-                </a:solidFill>
-              </a:rPr>
-              <a:t>cumulant function F=log Z is convex</a:t>
-            </a:r>
-            <a:endParaRPr kumimoji="1" lang="en-US" altLang="ja-JP" b="1" dirty="0">
-              <a:solidFill>
-                <a:srgbClr val="FF0000"/>
-              </a:solidFill>
-            </a:endParaRPr>
-          </a:p>
-          <a:p>
-            <a:endParaRPr lang="en-US" altLang="ja-JP" dirty="0"/>
-          </a:p>
-          <a:p>
-            <a:endParaRPr kumimoji="1" lang="en-US" altLang="ja-JP" dirty="0"/>
-          </a:p>
-          <a:p>
-            <a:endParaRPr kumimoji="1" lang="ja-JP" altLang="en-US" dirty="0"/>
-          </a:p>
-        </p:txBody>
-      </p:sp>
-      <p:sp>
-        <p:nvSpPr>
-          <p:cNvPr id="4" name="Title 1">
-            <a:extLst>
-              <a:ext uri="{FF2B5EF4-FFF2-40B4-BE49-F238E27FC236}">
-                <a16:creationId xmlns:a16="http://schemas.microsoft.com/office/drawing/2014/main" id="{BF8AE134-3F2C-5D3D-478C-2EFD307AC890}"/>
-              </a:ext>
-            </a:extLst>
-          </p:cNvPr>
-          <p:cNvSpPr>
-            <a:spLocks noGrp="1"/>
-          </p:cNvSpPr>
-          <p:nvPr>
-            <p:ph type="title"/>
-          </p:nvPr>
-        </p:nvSpPr>
-        <p:spPr>
-          <a:xfrm>
-            <a:off x="218739" y="21148"/>
-            <a:ext cx="11779623" cy="1325563"/>
+            <a:off x="235771" y="18254"/>
+            <a:ext cx="11791277" cy="1325563"/>
           </a:xfrm>
         </p:spPr>
         <p:txBody>
@@ -6634,23 +6505,7 @@
                   <a:schemeClr val="accent5"/>
                 </a:solidFill>
               </a:rPr>
-              <a:t>Exponential families and </a:t>
-            </a:r>
-            <a:r>
-              <a:rPr kumimoji="1" lang="en-US" altLang="ja-JP" b="1" dirty="0" err="1">
-                <a:solidFill>
-                  <a:schemeClr val="accent5"/>
-                </a:solidFill>
-              </a:rPr>
-              <a:t>Hölder</a:t>
-            </a:r>
-            <a:r>
-              <a:rPr kumimoji="1" lang="en-US" altLang="ja-JP" b="1" dirty="0">
-                <a:solidFill>
-                  <a:schemeClr val="accent5"/>
-                </a:solidFill>
-              </a:rPr>
-              <a:t> inequality   (2/3)</a:t>
+              <a:t>Bregman Delaunay triangulations/complexes</a:t>
             </a:r>
             <a:endParaRPr kumimoji="1" lang="ja-JP" altLang="en-US" b="1" dirty="0">
               <a:solidFill>
@@ -6660,12 +6515,37 @@
           </a:p>
         </p:txBody>
       </p:sp>
+      <p:sp>
+        <p:nvSpPr>
+          <p:cNvPr id="3" name="Content Placeholder 2">
+            <a:extLst>
+              <a:ext uri="{FF2B5EF4-FFF2-40B4-BE49-F238E27FC236}">
+                <a16:creationId xmlns:a16="http://schemas.microsoft.com/office/drawing/2014/main" id="{289DD14E-56BD-E35E-9200-6CD6341C214D}"/>
+              </a:ext>
+            </a:extLst>
+          </p:cNvPr>
+          <p:cNvSpPr>
+            <a:spLocks noGrp="1"/>
+          </p:cNvSpPr>
+          <p:nvPr>
+            <p:ph idx="1"/>
+          </p:nvPr>
+        </p:nvSpPr>
+        <p:spPr/>
+        <p:txBody>
+          <a:bodyPr/>
+          <a:lstStyle/>
+          <a:p>
+            <a:endParaRPr kumimoji="1" lang="ja-JP" altLang="en-US"/>
+          </a:p>
+        </p:txBody>
+      </p:sp>
       <p:pic>
         <p:nvPicPr>
           <p:cNvPr id="5" name="Picture 4">
             <a:extLst>
               <a:ext uri="{FF2B5EF4-FFF2-40B4-BE49-F238E27FC236}">
-                <a16:creationId xmlns:a16="http://schemas.microsoft.com/office/drawing/2014/main" id="{926CB2F0-B9FC-F19E-D2C9-FBBE7C18DF53}"/>
+                <a16:creationId xmlns:a16="http://schemas.microsoft.com/office/drawing/2014/main" id="{8E3C1C98-2DFA-EDCC-99EA-628D14B6374B}"/>
               </a:ext>
             </a:extLst>
           </p:cNvPr>
@@ -6675,151 +6555,88 @@
           <p:nvPr/>
         </p:nvPicPr>
         <p:blipFill>
-          <a:blip r:embed="rId3"/>
+          <a:blip r:embed="rId2"/>
           <a:stretch>
             <a:fillRect/>
           </a:stretch>
         </p:blipFill>
         <p:spPr>
           <a:xfrm>
-            <a:off x="4636015" y="1148682"/>
-            <a:ext cx="7362347" cy="619604"/>
+            <a:off x="54881" y="1259302"/>
+            <a:ext cx="12153055" cy="4499124"/>
           </a:xfrm>
           <a:prstGeom prst="rect">
             <a:avLst/>
           </a:prstGeom>
         </p:spPr>
       </p:pic>
-      <p:pic>
-        <p:nvPicPr>
-          <p:cNvPr id="6" name="Picture 5">
-            <a:extLst>
-              <a:ext uri="{FF2B5EF4-FFF2-40B4-BE49-F238E27FC236}">
-                <a16:creationId xmlns:a16="http://schemas.microsoft.com/office/drawing/2014/main" id="{5DFB577E-5CE7-C31C-60A0-3DBA7D5D724A}"/>
-              </a:ext>
-            </a:extLst>
-          </p:cNvPr>
-          <p:cNvPicPr>
-            <a:picLocks noChangeAspect="1"/>
-          </p:cNvPicPr>
+      <p:sp>
+        <p:nvSpPr>
+          <p:cNvPr id="6" name="Title 1">
+            <a:extLst>
+              <a:ext uri="{FF2B5EF4-FFF2-40B4-BE49-F238E27FC236}">
+                <a16:creationId xmlns:a16="http://schemas.microsoft.com/office/drawing/2014/main" id="{340132F2-98E2-0F94-E54D-454EA3734129}"/>
+              </a:ext>
+            </a:extLst>
+          </p:cNvPr>
+          <p:cNvSpPr txBox="1">
+            <a:spLocks/>
+          </p:cNvSpPr>
           <p:nvPr/>
-        </p:nvPicPr>
-        <p:blipFill>
-          <a:blip r:embed="rId4"/>
-          <a:stretch>
-            <a:fillRect/>
-          </a:stretch>
-        </p:blipFill>
+        </p:nvSpPr>
         <p:spPr>
           <a:xfrm>
-            <a:off x="3353077" y="1305156"/>
-            <a:ext cx="671003" cy="297575"/>
+            <a:off x="953397" y="5561935"/>
+            <a:ext cx="11791277" cy="1325563"/>
           </a:xfrm>
           <a:prstGeom prst="rect">
             <a:avLst/>
           </a:prstGeom>
         </p:spPr>
-      </p:pic>
-      <p:sp>
-        <p:nvSpPr>
-          <p:cNvPr id="7" name="TextBox 6">
-            <a:extLst>
-              <a:ext uri="{FF2B5EF4-FFF2-40B4-BE49-F238E27FC236}">
-                <a16:creationId xmlns:a16="http://schemas.microsoft.com/office/drawing/2014/main" id="{218ECED3-321B-056E-08A5-FA9BDD24CB96}"/>
-              </a:ext>
-            </a:extLst>
-          </p:cNvPr>
-          <p:cNvSpPr txBox="1"/>
-          <p:nvPr/>
-        </p:nvSpPr>
-        <p:spPr>
-          <a:xfrm>
-            <a:off x="4024080" y="1183511"/>
-            <a:ext cx="422781" cy="584775"/>
-          </a:xfrm>
-          <a:prstGeom prst="rect">
-            <a:avLst/>
-          </a:prstGeom>
-          <a:noFill/>
-        </p:spPr>
-        <p:txBody>
-          <a:bodyPr wrap="square" rtlCol="0">
-            <a:spAutoFit/>
+        <p:txBody>
+          <a:bodyPr vert="horz" lIns="91440" tIns="45720" rIns="91440" bIns="45720" rtlCol="0" anchor="ctr">
+            <a:normAutofit/>
           </a:bodyPr>
-          <a:lstStyle/>
-          <a:p>
-            <a:r>
-              <a:rPr kumimoji="1" lang="en-US" altLang="ja-JP" sz="3200" dirty="0"/>
-              <a:t>=</a:t>
-            </a:r>
-            <a:endParaRPr kumimoji="1" lang="ja-JP" altLang="en-US" dirty="0"/>
-          </a:p>
-        </p:txBody>
-      </p:sp>
-      <p:pic>
-        <p:nvPicPr>
-          <p:cNvPr id="9" name="Picture 8">
-            <a:extLst>
-              <a:ext uri="{FF2B5EF4-FFF2-40B4-BE49-F238E27FC236}">
-                <a16:creationId xmlns:a16="http://schemas.microsoft.com/office/drawing/2014/main" id="{B9865A99-05BD-702E-7E3E-DFB0EF0B2942}"/>
-              </a:ext>
-            </a:extLst>
-          </p:cNvPr>
-          <p:cNvPicPr>
-            <a:picLocks noChangeAspect="1"/>
-          </p:cNvPicPr>
-          <p:nvPr/>
-        </p:nvPicPr>
-        <p:blipFill>
-          <a:blip r:embed="rId5"/>
-          <a:stretch>
-            <a:fillRect/>
-          </a:stretch>
-        </p:blipFill>
-        <p:spPr>
-          <a:xfrm>
-            <a:off x="5217596" y="2135124"/>
-            <a:ext cx="3914775" cy="552450"/>
-          </a:xfrm>
-          <a:prstGeom prst="rect">
-            <a:avLst/>
-          </a:prstGeom>
-        </p:spPr>
-      </p:pic>
-      <p:pic>
-        <p:nvPicPr>
-          <p:cNvPr id="11" name="Picture 10">
-            <a:extLst>
-              <a:ext uri="{FF2B5EF4-FFF2-40B4-BE49-F238E27FC236}">
-                <a16:creationId xmlns:a16="http://schemas.microsoft.com/office/drawing/2014/main" id="{16564587-C898-90C0-C351-BD7A2D73CA5A}"/>
-              </a:ext>
-            </a:extLst>
-          </p:cNvPr>
-          <p:cNvPicPr>
-            <a:picLocks noChangeAspect="1"/>
-          </p:cNvPicPr>
-          <p:nvPr/>
-        </p:nvPicPr>
-        <p:blipFill>
-          <a:blip r:embed="rId6"/>
-          <a:stretch>
-            <a:fillRect/>
-          </a:stretch>
-        </p:blipFill>
-        <p:spPr>
-          <a:xfrm>
-            <a:off x="1835636" y="5089714"/>
-            <a:ext cx="7143750" cy="1162050"/>
-          </a:xfrm>
-          <a:prstGeom prst="rect">
-            <a:avLst/>
-          </a:prstGeom>
-        </p:spPr>
-      </p:pic>
+          <a:lstStyle>
+            <a:lvl1pPr algn="l" defTabSz="914400" rtl="0" eaLnBrk="1" latinLnBrk="0" hangingPunct="1">
+              <a:lnSpc>
+                <a:spcPct val="90000"/>
+              </a:lnSpc>
+              <a:spcBef>
+                <a:spcPct val="0"/>
+              </a:spcBef>
+              <a:buNone/>
+              <a:defRPr kumimoji="1" sz="4400" kern="1200">
+                <a:solidFill>
+                  <a:schemeClr val="tx1"/>
+                </a:solidFill>
+                <a:latin typeface="+mj-lt"/>
+                <a:ea typeface="+mj-ea"/>
+                <a:cs typeface="+mj-cs"/>
+              </a:defRPr>
+            </a:lvl1pPr>
+          </a:lstStyle>
+          <a:p>
+            <a:r>
+              <a:rPr lang="en-US" altLang="ja-JP" b="1" dirty="0">
+                <a:solidFill>
+                  <a:schemeClr val="accent5"/>
+                </a:solidFill>
+              </a:rPr>
+              <a:t>… satisfy the Bregman empty sphere property</a:t>
+            </a:r>
+            <a:endParaRPr lang="ja-JP" altLang="en-US" b="1" dirty="0">
+              <a:solidFill>
+                <a:schemeClr val="accent5"/>
+              </a:solidFill>
+            </a:endParaRPr>
+          </a:p>
+        </p:txBody>
+      </p:sp>
     </p:spTree>
     <p:extLst>
       <p:ext uri="{BB962C8B-B14F-4D97-AF65-F5344CB8AC3E}">
-        <p14:creationId xmlns:p14="http://schemas.microsoft.com/office/powerpoint/2010/main" val="1643590064"/>
+        <p14:creationId xmlns:p14="http://schemas.microsoft.com/office/powerpoint/2010/main" val="2527601580"/>
       </p:ext>
     </p:extLst>
   </p:cSld>
@@ -6846,161 +6663,120 @@
           <a:chExt cx="0" cy="0"/>
         </a:xfrm>
       </p:grpSpPr>
-      <p:sp>
-        <p:nvSpPr>
-          <p:cNvPr id="2" name="Title 1">
-            <a:extLst>
-              <a:ext uri="{FF2B5EF4-FFF2-40B4-BE49-F238E27FC236}">
-                <a16:creationId xmlns:a16="http://schemas.microsoft.com/office/drawing/2014/main" id="{BB7F320F-A33E-4D62-E8D9-982BA115B626}"/>
-              </a:ext>
-            </a:extLst>
-          </p:cNvPr>
-          <p:cNvSpPr>
-            <a:spLocks noGrp="1"/>
-          </p:cNvSpPr>
-          <p:nvPr>
-            <p:ph type="title"/>
-          </p:nvPr>
-        </p:nvSpPr>
-        <p:spPr>
-          <a:xfrm>
-            <a:off x="235771" y="18254"/>
-            <a:ext cx="11791277" cy="1325563"/>
-          </a:xfrm>
-        </p:spPr>
-        <p:txBody>
-          <a:bodyPr/>
-          <a:lstStyle/>
-          <a:p>
-            <a:r>
-              <a:rPr kumimoji="1" lang="en-US" altLang="ja-JP" b="1" dirty="0">
-                <a:solidFill>
-                  <a:schemeClr val="accent5"/>
-                </a:solidFill>
-              </a:rPr>
-              <a:t>Bregman Delaunay triangulations/complexes</a:t>
-            </a:r>
-            <a:endParaRPr kumimoji="1" lang="ja-JP" altLang="en-US" b="1" dirty="0">
-              <a:solidFill>
-                <a:schemeClr val="accent5"/>
-              </a:solidFill>
-            </a:endParaRPr>
-          </a:p>
-        </p:txBody>
-      </p:sp>
-      <p:sp>
-        <p:nvSpPr>
-          <p:cNvPr id="3" name="Content Placeholder 2">
-            <a:extLst>
-              <a:ext uri="{FF2B5EF4-FFF2-40B4-BE49-F238E27FC236}">
-                <a16:creationId xmlns:a16="http://schemas.microsoft.com/office/drawing/2014/main" id="{289DD14E-56BD-E35E-9200-6CD6341C214D}"/>
-              </a:ext>
-            </a:extLst>
-          </p:cNvPr>
-          <p:cNvSpPr>
-            <a:spLocks noGrp="1"/>
-          </p:cNvSpPr>
-          <p:nvPr>
-            <p:ph idx="1"/>
-          </p:nvPr>
-        </p:nvSpPr>
-        <p:spPr/>
-        <p:txBody>
-          <a:bodyPr/>
-          <a:lstStyle/>
-          <a:p>
-            <a:endParaRPr kumimoji="1" lang="ja-JP" altLang="en-US"/>
-          </a:p>
-        </p:txBody>
-      </p:sp>
       <p:pic>
         <p:nvPicPr>
-          <p:cNvPr id="5" name="Picture 4">
-            <a:extLst>
-              <a:ext uri="{FF2B5EF4-FFF2-40B4-BE49-F238E27FC236}">
-                <a16:creationId xmlns:a16="http://schemas.microsoft.com/office/drawing/2014/main" id="{8E3C1C98-2DFA-EDCC-99EA-628D14B6374B}"/>
+          <p:cNvPr id="1026" name="Picture 2" descr="NASA Takes You Through a Real-Life 'Cosmos'">
+            <a:extLst>
+              <a:ext uri="{FF2B5EF4-FFF2-40B4-BE49-F238E27FC236}">
+                <a16:creationId xmlns:a16="http://schemas.microsoft.com/office/drawing/2014/main" id="{253EE860-052B-3A8C-D6AC-EA315FA4FE8E}"/>
               </a:ext>
             </a:extLst>
           </p:cNvPr>
           <p:cNvPicPr>
-            <a:picLocks noChangeAspect="1"/>
+            <a:picLocks noChangeAspect="1" noChangeArrowheads="1"/>
           </p:cNvPicPr>
           <p:nvPr/>
         </p:nvPicPr>
         <p:blipFill>
-          <a:blip r:embed="rId2"/>
+          <a:blip r:embed="rId3">
+            <a:extLst>
+              <a:ext uri="{28A0092B-C50C-407E-A947-70E740481C1C}">
+                <a14:useLocalDpi xmlns:a14="http://schemas.microsoft.com/office/drawing/2010/main" val="0"/>
+              </a:ext>
+            </a:extLst>
+          </a:blip>
+          <a:srcRect/>
           <a:stretch>
             <a:fillRect/>
           </a:stretch>
         </p:blipFill>
-        <p:spPr>
-          <a:xfrm>
-            <a:off x="54881" y="1259302"/>
-            <a:ext cx="12153055" cy="4499124"/>
+        <p:spPr bwMode="auto">
+          <a:xfrm>
+            <a:off x="0" y="817563"/>
+            <a:ext cx="12192000" cy="5359400"/>
           </a:xfrm>
           <a:prstGeom prst="rect">
             <a:avLst/>
           </a:prstGeom>
+          <a:noFill/>
+          <a:extLst>
+            <a:ext uri="{909E8E84-426E-40DD-AFC4-6F175D3DCCD1}">
+              <a14:hiddenFill xmlns:a14="http://schemas.microsoft.com/office/drawing/2010/main">
+                <a:solidFill>
+                  <a:srgbClr val="FFFFFF"/>
+                </a:solidFill>
+              </a14:hiddenFill>
+            </a:ext>
+          </a:extLst>
         </p:spPr>
       </p:pic>
       <p:sp>
         <p:nvSpPr>
-          <p:cNvPr id="6" name="Title 1">
-            <a:extLst>
-              <a:ext uri="{FF2B5EF4-FFF2-40B4-BE49-F238E27FC236}">
-                <a16:creationId xmlns:a16="http://schemas.microsoft.com/office/drawing/2014/main" id="{340132F2-98E2-0F94-E54D-454EA3734129}"/>
-              </a:ext>
-            </a:extLst>
-          </p:cNvPr>
-          <p:cNvSpPr txBox="1">
-            <a:spLocks/>
-          </p:cNvSpPr>
-          <p:nvPr/>
+          <p:cNvPr id="2" name="Title 1">
+            <a:extLst>
+              <a:ext uri="{FF2B5EF4-FFF2-40B4-BE49-F238E27FC236}">
+                <a16:creationId xmlns:a16="http://schemas.microsoft.com/office/drawing/2014/main" id="{746704BA-4EDF-BEAD-7FF9-6ED6C129B335}"/>
+              </a:ext>
+            </a:extLst>
+          </p:cNvPr>
+          <p:cNvSpPr>
+            <a:spLocks noGrp="1"/>
+          </p:cNvSpPr>
+          <p:nvPr>
+            <p:ph type="title"/>
+          </p:nvPr>
+        </p:nvSpPr>
+        <p:spPr/>
+        <p:txBody>
+          <a:bodyPr/>
+          <a:lstStyle/>
+          <a:p>
+            <a:endParaRPr kumimoji="1" lang="ja-JP" altLang="en-US" dirty="0"/>
+          </a:p>
+        </p:txBody>
+      </p:sp>
+      <p:sp>
+        <p:nvSpPr>
+          <p:cNvPr id="3" name="Content Placeholder 2">
+            <a:extLst>
+              <a:ext uri="{FF2B5EF4-FFF2-40B4-BE49-F238E27FC236}">
+                <a16:creationId xmlns:a16="http://schemas.microsoft.com/office/drawing/2014/main" id="{CE1BDD63-59F9-2F63-DCB7-B8BF1E5723F5}"/>
+              </a:ext>
+            </a:extLst>
+          </p:cNvPr>
+          <p:cNvSpPr>
+            <a:spLocks noGrp="1"/>
+          </p:cNvSpPr>
+          <p:nvPr>
+            <p:ph idx="1"/>
+          </p:nvPr>
         </p:nvSpPr>
         <p:spPr>
           <a:xfrm>
-            <a:off x="953397" y="5561935"/>
-            <a:ext cx="11791277" cy="1325563"/>
-          </a:xfrm>
-          <a:prstGeom prst="rect">
-            <a:avLst/>
-          </a:prstGeom>
-        </p:spPr>
-        <p:txBody>
-          <a:bodyPr vert="horz" lIns="91440" tIns="45720" rIns="91440" bIns="45720" rtlCol="0" anchor="ctr">
+            <a:off x="355002" y="1825625"/>
+            <a:ext cx="11585986" cy="4351338"/>
+          </a:xfrm>
+        </p:spPr>
+        <p:txBody>
+          <a:bodyPr>
             <a:normAutofit/>
           </a:bodyPr>
-          <a:lstStyle>
-            <a:lvl1pPr algn="l" defTabSz="914400" rtl="0" eaLnBrk="1" latinLnBrk="0" hangingPunct="1">
-              <a:lnSpc>
-                <a:spcPct val="90000"/>
-              </a:lnSpc>
-              <a:spcBef>
-                <a:spcPct val="0"/>
-              </a:spcBef>
+          <a:lstStyle/>
+          <a:p>
+            <a:pPr marL="0" indent="0">
               <a:buNone/>
-              <a:defRPr kumimoji="1" sz="4400" kern="1200">
-                <a:solidFill>
-                  <a:schemeClr val="tx1"/>
-                </a:solidFill>
-                <a:latin typeface="+mj-lt"/>
-                <a:ea typeface="+mj-ea"/>
-                <a:cs typeface="+mj-cs"/>
-              </a:defRPr>
-            </a:lvl1pPr>
-          </a:lstStyle>
-          <a:p>
-            <a:r>
-              <a:rPr lang="en-US" altLang="ja-JP" b="1" dirty="0">
-                <a:solidFill>
-                  <a:schemeClr val="accent5"/>
-                </a:solidFill>
-              </a:rPr>
-              <a:t>… satisfy the Bregman empty sphere property</a:t>
-            </a:r>
-            <a:endParaRPr lang="ja-JP" altLang="en-US" b="1" dirty="0">
+            </a:pPr>
+            <a:r>
+              <a:rPr kumimoji="1" lang="en-US" altLang="ja-JP" sz="4000" b="1" dirty="0">
+                <a:solidFill>
+                  <a:schemeClr val="bg1"/>
+                </a:solidFill>
+              </a:rPr>
+              <a:t>Physics is embedded Mathematics in Nature</a:t>
+            </a:r>
+            <a:endParaRPr kumimoji="1" lang="ja-JP" altLang="en-US" sz="4000" b="1" dirty="0">
               <a:solidFill>
-                <a:schemeClr val="accent5"/>
+                <a:schemeClr val="bg1"/>
               </a:solidFill>
             </a:endParaRPr>
           </a:p>
@@ -7009,7 +6785,7 @@
     </p:spTree>
     <p:extLst>
       <p:ext uri="{BB962C8B-B14F-4D97-AF65-F5344CB8AC3E}">
-        <p14:creationId xmlns:p14="http://schemas.microsoft.com/office/powerpoint/2010/main" val="2527601580"/>
+        <p14:creationId xmlns:p14="http://schemas.microsoft.com/office/powerpoint/2010/main" val="2497100773"/>
       </p:ext>
     </p:extLst>
   </p:cSld>
@@ -7036,59 +6812,12 @@
           <a:chExt cx="0" cy="0"/>
         </a:xfrm>
       </p:grpSpPr>
-      <p:pic>
-        <p:nvPicPr>
-          <p:cNvPr id="1026" name="Picture 2" descr="NASA Takes You Through a Real-Life 'Cosmos'">
-            <a:extLst>
-              <a:ext uri="{FF2B5EF4-FFF2-40B4-BE49-F238E27FC236}">
-                <a16:creationId xmlns:a16="http://schemas.microsoft.com/office/drawing/2014/main" id="{253EE860-052B-3A8C-D6AC-EA315FA4FE8E}"/>
-              </a:ext>
-            </a:extLst>
-          </p:cNvPr>
-          <p:cNvPicPr>
-            <a:picLocks noChangeAspect="1" noChangeArrowheads="1"/>
-          </p:cNvPicPr>
-          <p:nvPr/>
-        </p:nvPicPr>
-        <p:blipFill>
-          <a:blip r:embed="rId3">
-            <a:extLst>
-              <a:ext uri="{28A0092B-C50C-407E-A947-70E740481C1C}">
-                <a14:useLocalDpi xmlns:a14="http://schemas.microsoft.com/office/drawing/2010/main" val="0"/>
-              </a:ext>
-            </a:extLst>
-          </a:blip>
-          <a:srcRect/>
-          <a:stretch>
-            <a:fillRect/>
-          </a:stretch>
-        </p:blipFill>
-        <p:spPr bwMode="auto">
-          <a:xfrm>
-            <a:off x="0" y="817563"/>
-            <a:ext cx="12192000" cy="5359400"/>
-          </a:xfrm>
-          <a:prstGeom prst="rect">
-            <a:avLst/>
-          </a:prstGeom>
-          <a:noFill/>
-          <a:extLst>
-            <a:ext uri="{909E8E84-426E-40DD-AFC4-6F175D3DCCD1}">
-              <a14:hiddenFill xmlns:a14="http://schemas.microsoft.com/office/drawing/2010/main">
-                <a:solidFill>
-                  <a:srgbClr val="FFFFFF"/>
-                </a:solidFill>
-              </a14:hiddenFill>
-            </a:ext>
-          </a:extLst>
-        </p:spPr>
-      </p:pic>
       <p:sp>
         <p:nvSpPr>
           <p:cNvPr id="2" name="Title 1">
             <a:extLst>
               <a:ext uri="{FF2B5EF4-FFF2-40B4-BE49-F238E27FC236}">
-                <a16:creationId xmlns:a16="http://schemas.microsoft.com/office/drawing/2014/main" id="{746704BA-4EDF-BEAD-7FF9-6ED6C129B335}"/>
+                <a16:creationId xmlns:a16="http://schemas.microsoft.com/office/drawing/2014/main" id="{AEC7703F-2A76-0DA0-D7EE-782A38B81473}"/>
               </a:ext>
             </a:extLst>
           </p:cNvPr>
@@ -7099,35 +6828,10 @@
             <p:ph type="title"/>
           </p:nvPr>
         </p:nvSpPr>
-        <p:spPr/>
-        <p:txBody>
-          <a:bodyPr/>
-          <a:lstStyle/>
-          <a:p>
-            <a:endParaRPr kumimoji="1" lang="ja-JP" altLang="en-US" dirty="0"/>
-          </a:p>
-        </p:txBody>
-      </p:sp>
-      <p:sp>
-        <p:nvSpPr>
-          <p:cNvPr id="3" name="Content Placeholder 2">
-            <a:extLst>
-              <a:ext uri="{FF2B5EF4-FFF2-40B4-BE49-F238E27FC236}">
-                <a16:creationId xmlns:a16="http://schemas.microsoft.com/office/drawing/2014/main" id="{CE1BDD63-59F9-2F63-DCB7-B8BF1E5723F5}"/>
-              </a:ext>
-            </a:extLst>
-          </p:cNvPr>
-          <p:cNvSpPr>
-            <a:spLocks noGrp="1"/>
-          </p:cNvSpPr>
-          <p:nvPr>
-            <p:ph idx="1"/>
-          </p:nvPr>
-        </p:nvSpPr>
         <p:spPr>
           <a:xfrm>
-            <a:off x="355002" y="1825625"/>
-            <a:ext cx="11585986" cy="4351338"/>
+            <a:off x="106680" y="-11645"/>
+            <a:ext cx="12414324" cy="1325563"/>
           </a:xfrm>
         </p:spPr>
         <p:txBody>
@@ -7136,29 +6840,326 @@
           </a:bodyPr>
           <a:lstStyle/>
           <a:p>
-            <a:pPr marL="0" indent="0">
+            <a:r>
+              <a:rPr kumimoji="1" lang="en-US" altLang="ja-JP" sz="3600" b="1" dirty="0">
+                <a:solidFill>
+                  <a:schemeClr val="accent1"/>
+                </a:solidFill>
+              </a:rPr>
+              <a:t>Strengths of generalized calculus in differential geometry: </a:t>
+            </a:r>
+            <a:endParaRPr kumimoji="1" lang="ja-JP" altLang="en-US" sz="3600" b="1" dirty="0">
+              <a:solidFill>
+                <a:schemeClr val="accent1"/>
+              </a:solidFill>
+            </a:endParaRPr>
+          </a:p>
+        </p:txBody>
+      </p:sp>
+      <p:sp>
+        <p:nvSpPr>
+          <p:cNvPr id="3" name="Content Placeholder 2">
+            <a:extLst>
+              <a:ext uri="{FF2B5EF4-FFF2-40B4-BE49-F238E27FC236}">
+                <a16:creationId xmlns:a16="http://schemas.microsoft.com/office/drawing/2014/main" id="{05626C52-2B5E-8AE2-C8DE-023D6FB36E0A}"/>
+              </a:ext>
+            </a:extLst>
+          </p:cNvPr>
+          <p:cNvSpPr>
+            <a:spLocks noGrp="1"/>
+          </p:cNvSpPr>
+          <p:nvPr>
+            <p:ph idx="1"/>
+          </p:nvPr>
+        </p:nvSpPr>
+        <p:spPr>
+          <a:xfrm>
+            <a:off x="332591" y="1171696"/>
+            <a:ext cx="11719560" cy="5304408"/>
+          </a:xfrm>
+        </p:spPr>
+        <p:txBody>
+          <a:bodyPr>
+            <a:normAutofit/>
+          </a:bodyPr>
+          <a:lstStyle/>
+          <a:p>
+            <a:r>
+              <a:rPr kumimoji="1" lang="en-US" altLang="ja-JP" sz="2400" b="1" dirty="0">
+                <a:solidFill>
+                  <a:srgbClr val="FF0000"/>
+                </a:solidFill>
+                <a:latin typeface="Arial" panose="020B0604020202020204" pitchFamily="34" charset="0"/>
+                <a:cs typeface="Arial" panose="020B0604020202020204" pitchFamily="34" charset="0"/>
+              </a:rPr>
+              <a:t>Differential geometry </a:t>
+            </a:r>
+            <a:r>
+              <a:rPr kumimoji="1" lang="en-US" altLang="ja-JP" sz="2400" dirty="0">
+                <a:latin typeface="Arial" panose="020B0604020202020204" pitchFamily="34" charset="0"/>
+                <a:cs typeface="Arial" panose="020B0604020202020204" pitchFamily="34" charset="0"/>
+              </a:rPr>
+              <a:t>offers a framework for </a:t>
+            </a:r>
+            <a:r>
+              <a:rPr kumimoji="1" lang="en-US" altLang="ja-JP" sz="2400" b="1" dirty="0">
+                <a:solidFill>
+                  <a:srgbClr val="FF0000"/>
+                </a:solidFill>
+                <a:latin typeface="Arial" panose="020B0604020202020204" pitchFamily="34" charset="0"/>
+                <a:cs typeface="Arial" panose="020B0604020202020204" pitchFamily="34" charset="0"/>
+              </a:rPr>
+              <a:t>coordinate-free calculus:</a:t>
+            </a:r>
+          </a:p>
+          <a:p>
+            <a:pPr lvl="1"/>
+            <a:r>
+              <a:rPr lang="en-US" altLang="ja-JP" dirty="0">
+                <a:solidFill>
+                  <a:schemeClr val="accent6"/>
+                </a:solidFill>
+                <a:latin typeface="Arial" panose="020B0604020202020204" pitchFamily="34" charset="0"/>
+                <a:cs typeface="Arial" panose="020B0604020202020204" pitchFamily="34" charset="0"/>
+              </a:rPr>
+              <a:t>Intrinsic calculus is unbiased by representations with consistent changes of (local) coordinate systems</a:t>
+            </a:r>
+          </a:p>
+          <a:p>
+            <a:pPr lvl="1"/>
+            <a:endParaRPr kumimoji="1" lang="en-US" altLang="ja-JP" dirty="0">
+              <a:latin typeface="Arial" panose="020B0604020202020204" pitchFamily="34" charset="0"/>
+              <a:cs typeface="Arial" panose="020B0604020202020204" pitchFamily="34" charset="0"/>
+            </a:endParaRPr>
+          </a:p>
+          <a:p>
+            <a:r>
+              <a:rPr lang="en-US" altLang="ja-JP" sz="2400" b="1" dirty="0">
+                <a:solidFill>
+                  <a:srgbClr val="FF0000"/>
+                </a:solidFill>
+                <a:latin typeface="Arial" panose="020B0604020202020204" pitchFamily="34" charset="0"/>
+                <a:cs typeface="Arial" panose="020B0604020202020204" pitchFamily="34" charset="0"/>
+              </a:rPr>
+              <a:t>Covariant derivative </a:t>
+            </a:r>
+            <a:r>
+              <a:rPr lang="ja-JP" altLang="en-US" sz="2400" b="1" i="0" dirty="0">
+                <a:solidFill>
+                  <a:srgbClr val="FF0000"/>
+                </a:solidFill>
+                <a:effectLst/>
+                <a:latin typeface="Arial" panose="020B0604020202020204" pitchFamily="34" charset="0"/>
+                <a:cs typeface="Arial" panose="020B0604020202020204" pitchFamily="34" charset="0"/>
+              </a:rPr>
+              <a:t>∇ </a:t>
+            </a:r>
+            <a:r>
+              <a:rPr lang="en-US" altLang="ja-JP" sz="2400" dirty="0">
+                <a:latin typeface="Arial" panose="020B0604020202020204" pitchFamily="34" charset="0"/>
+                <a:cs typeface="Arial" panose="020B0604020202020204" pitchFamily="34" charset="0"/>
+              </a:rPr>
+              <a:t>generalizes ordinary derivative:</a:t>
+            </a:r>
+          </a:p>
+          <a:p>
+            <a:pPr lvl="1"/>
+            <a:r>
+              <a:rPr lang="en-US" altLang="ja-JP" dirty="0">
+                <a:solidFill>
+                  <a:schemeClr val="accent6"/>
+                </a:solidFill>
+                <a:latin typeface="Arial" panose="020B0604020202020204" pitchFamily="34" charset="0"/>
+                <a:cs typeface="Arial" panose="020B0604020202020204" pitchFamily="34" charset="0"/>
+              </a:rPr>
+              <a:t> </a:t>
+            </a:r>
+            <a:r>
+              <a:rPr kumimoji="1" lang="en-US" altLang="ja-JP" dirty="0">
+                <a:solidFill>
+                  <a:schemeClr val="accent6"/>
+                </a:solidFill>
+                <a:latin typeface="Arial" panose="020B0604020202020204" pitchFamily="34" charset="0"/>
+                <a:cs typeface="Arial" panose="020B0604020202020204" pitchFamily="34" charset="0"/>
+              </a:rPr>
+              <a:t>Coderivative of a tensor field by a vector field </a:t>
+            </a:r>
+            <a:r>
+              <a:rPr lang="ja-JP" altLang="en-US" b="0" i="0" dirty="0">
+                <a:solidFill>
+                  <a:schemeClr val="accent6"/>
+                </a:solidFill>
+                <a:effectLst/>
+                <a:latin typeface="Arial" panose="020B0604020202020204" pitchFamily="34" charset="0"/>
+                <a:cs typeface="Arial" panose="020B0604020202020204" pitchFamily="34" charset="0"/>
+              </a:rPr>
+              <a:t>∇</a:t>
+            </a:r>
+            <a:r>
+              <a:rPr lang="en-US" altLang="ja-JP" b="0" i="0" baseline="-25000" dirty="0">
+                <a:solidFill>
+                  <a:schemeClr val="accent6"/>
+                </a:solidFill>
+                <a:effectLst/>
+                <a:latin typeface="Arial" panose="020B0604020202020204" pitchFamily="34" charset="0"/>
+                <a:cs typeface="Arial" panose="020B0604020202020204" pitchFamily="34" charset="0"/>
+              </a:rPr>
+              <a:t>V</a:t>
+            </a:r>
+            <a:r>
+              <a:rPr lang="en-US" altLang="ja-JP" b="0" i="0" dirty="0">
+                <a:solidFill>
+                  <a:schemeClr val="accent6"/>
+                </a:solidFill>
+                <a:effectLst/>
+                <a:latin typeface="Arial" panose="020B0604020202020204" pitchFamily="34" charset="0"/>
+                <a:cs typeface="Arial" panose="020B0604020202020204" pitchFamily="34" charset="0"/>
+              </a:rPr>
+              <a:t>T</a:t>
+            </a:r>
+          </a:p>
+          <a:p>
+            <a:pPr marL="457200" lvl="1" indent="0">
               <a:buNone/>
             </a:pPr>
-            <a:r>
-              <a:rPr kumimoji="1" lang="en-US" altLang="ja-JP" sz="4000" b="1" dirty="0">
-                <a:solidFill>
-                  <a:schemeClr val="bg1"/>
-                </a:solidFill>
-              </a:rPr>
-              <a:t>Physics is embedded Mathematics in Nature</a:t>
-            </a:r>
-            <a:endParaRPr kumimoji="1" lang="ja-JP" altLang="en-US" sz="4000" b="1" dirty="0">
-              <a:solidFill>
-                <a:schemeClr val="bg1"/>
-              </a:solidFill>
+            <a:endParaRPr lang="en-US" altLang="ja-JP" dirty="0">
+              <a:latin typeface="Arial" panose="020B0604020202020204" pitchFamily="34" charset="0"/>
+              <a:cs typeface="Arial" panose="020B0604020202020204" pitchFamily="34" charset="0"/>
             </a:endParaRPr>
+          </a:p>
+          <a:p>
+            <a:r>
+              <a:rPr lang="en-US" altLang="ja-JP" sz="2400" b="1" dirty="0">
+                <a:solidFill>
+                  <a:srgbClr val="FF0000"/>
+                </a:solidFill>
+                <a:latin typeface="Arial" panose="020B0604020202020204" pitchFamily="34" charset="0"/>
+                <a:cs typeface="Arial" panose="020B0604020202020204" pitchFamily="34" charset="0"/>
+              </a:rPr>
+              <a:t>Exterior derivative d </a:t>
+            </a:r>
+            <a:r>
+              <a:rPr lang="en-US" altLang="ja-JP" sz="2400" dirty="0">
+                <a:latin typeface="Arial" panose="020B0604020202020204" pitchFamily="34" charset="0"/>
+                <a:cs typeface="Arial" panose="020B0604020202020204" pitchFamily="34" charset="0"/>
+              </a:rPr>
+              <a:t>generalizes ordinary differentials on differential forms </a:t>
+            </a:r>
+            <a:r>
+              <a:rPr lang="el-GR" altLang="ja-JP" sz="2400" b="0" i="0" dirty="0">
+                <a:effectLst/>
+                <a:latin typeface="Arial" panose="020B0604020202020204" pitchFamily="34" charset="0"/>
+                <a:cs typeface="Arial" panose="020B0604020202020204" pitchFamily="34" charset="0"/>
+              </a:rPr>
+              <a:t>ω</a:t>
+            </a:r>
+            <a:r>
+              <a:rPr lang="el-GR" altLang="ja-JP" sz="2400" b="0" i="0" dirty="0">
+                <a:solidFill>
+                  <a:srgbClr val="DF000F"/>
+                </a:solidFill>
+                <a:effectLst/>
+                <a:latin typeface="Arial" panose="020B0604020202020204" pitchFamily="34" charset="0"/>
+                <a:cs typeface="Arial" panose="020B0604020202020204" pitchFamily="34" charset="0"/>
+              </a:rPr>
+              <a:t> </a:t>
+            </a:r>
+            <a:r>
+              <a:rPr lang="en-US" altLang="ja-JP" sz="2400" dirty="0">
+                <a:latin typeface="Arial" panose="020B0604020202020204" pitchFamily="34" charset="0"/>
+                <a:cs typeface="Arial" panose="020B0604020202020204" pitchFamily="34" charset="0"/>
+              </a:rPr>
+              <a:t>: </a:t>
+            </a:r>
+          </a:p>
+          <a:p>
+            <a:pPr lvl="1"/>
+            <a:r>
+              <a:rPr lang="en-US" altLang="ja-JP" dirty="0">
+                <a:solidFill>
+                  <a:schemeClr val="accent6"/>
+                </a:solidFill>
+                <a:latin typeface="Arial" panose="020B0604020202020204" pitchFamily="34" charset="0"/>
+                <a:cs typeface="Arial" panose="020B0604020202020204" pitchFamily="34" charset="0"/>
+              </a:rPr>
+              <a:t>Generalize integration on manifolds with Stokes-</a:t>
+            </a:r>
+            <a:r>
+              <a:rPr lang="en-US" altLang="ja-JP" dirty="0" err="1">
+                <a:solidFill>
+                  <a:schemeClr val="accent6"/>
+                </a:solidFill>
+                <a:latin typeface="Arial" panose="020B0604020202020204" pitchFamily="34" charset="0"/>
+                <a:cs typeface="Arial" panose="020B0604020202020204" pitchFamily="34" charset="0"/>
+              </a:rPr>
+              <a:t>Cartan</a:t>
+            </a:r>
+            <a:r>
+              <a:rPr lang="en-US" altLang="ja-JP" dirty="0">
+                <a:solidFill>
+                  <a:schemeClr val="accent6"/>
+                </a:solidFill>
+                <a:latin typeface="Arial" panose="020B0604020202020204" pitchFamily="34" charset="0"/>
+                <a:cs typeface="Arial" panose="020B0604020202020204" pitchFamily="34" charset="0"/>
+              </a:rPr>
+              <a:t>  theorem</a:t>
+            </a:r>
+          </a:p>
+          <a:p>
+            <a:pPr lvl="1"/>
+            <a:endParaRPr lang="en-US" altLang="ja-JP" dirty="0">
+              <a:latin typeface="Arial" panose="020B0604020202020204" pitchFamily="34" charset="0"/>
+              <a:cs typeface="Arial" panose="020B0604020202020204" pitchFamily="34" charset="0"/>
+            </a:endParaRPr>
+          </a:p>
+          <a:p>
+            <a:r>
+              <a:rPr lang="en-US" altLang="ja-JP" sz="2400" b="1" dirty="0">
+                <a:solidFill>
+                  <a:srgbClr val="FF0000"/>
+                </a:solidFill>
+                <a:latin typeface="Arial" panose="020B0604020202020204" pitchFamily="34" charset="0"/>
+                <a:cs typeface="Arial" panose="020B0604020202020204" pitchFamily="34" charset="0"/>
+              </a:rPr>
+              <a:t>Geometric/real Clifford algebra</a:t>
+            </a:r>
+            <a:r>
+              <a:rPr lang="en-US" altLang="ja-JP" sz="2400" dirty="0">
+                <a:latin typeface="Arial" panose="020B0604020202020204" pitchFamily="34" charset="0"/>
+                <a:cs typeface="Arial" panose="020B0604020202020204" pitchFamily="34" charset="0"/>
+              </a:rPr>
+              <a:t>: </a:t>
+            </a:r>
+          </a:p>
+          <a:p>
+            <a:pPr lvl="1"/>
+            <a:r>
+              <a:rPr lang="en-US" altLang="ja-JP" dirty="0" err="1">
+                <a:solidFill>
+                  <a:schemeClr val="accent6"/>
+                </a:solidFill>
+                <a:latin typeface="Arial" panose="020B0604020202020204" pitchFamily="34" charset="0"/>
+                <a:cs typeface="Arial" panose="020B0604020202020204" pitchFamily="34" charset="0"/>
+              </a:rPr>
+              <a:t>multivectors</a:t>
+            </a:r>
+            <a:r>
+              <a:rPr lang="en-US" altLang="ja-JP" dirty="0">
+                <a:solidFill>
+                  <a:schemeClr val="accent6"/>
+                </a:solidFill>
+                <a:latin typeface="Arial" panose="020B0604020202020204" pitchFamily="34" charset="0"/>
+                <a:cs typeface="Arial" panose="020B0604020202020204" pitchFamily="34" charset="0"/>
+              </a:rPr>
+              <a:t> allowing division by vectors</a:t>
+            </a:r>
           </a:p>
         </p:txBody>
       </p:sp>
     </p:spTree>
     <p:extLst>
       <p:ext uri="{BB962C8B-B14F-4D97-AF65-F5344CB8AC3E}">
-        <p14:creationId xmlns:p14="http://schemas.microsoft.com/office/powerpoint/2010/main" val="2497100773"/>
+        <p14:creationId xmlns:p14="http://schemas.microsoft.com/office/powerpoint/2010/main" val="3892996338"/>
       </p:ext>
     </p:extLst>
   </p:cSld>
@@ -7190,7 +7191,7 @@
           <p:cNvPr id="2" name="Title 1">
             <a:extLst>
               <a:ext uri="{FF2B5EF4-FFF2-40B4-BE49-F238E27FC236}">
-                <a16:creationId xmlns:a16="http://schemas.microsoft.com/office/drawing/2014/main" id="{AEC7703F-2A76-0DA0-D7EE-782A38B81473}"/>
+                <a16:creationId xmlns:a16="http://schemas.microsoft.com/office/drawing/2014/main" id="{45C11A8B-0FFD-DB9D-1B56-CD6DB68399AC}"/>
               </a:ext>
             </a:extLst>
           </p:cNvPr>
@@ -7203,8 +7204,8 @@
         </p:nvSpPr>
         <p:spPr>
           <a:xfrm>
-            <a:off x="106680" y="-11645"/>
-            <a:ext cx="12414324" cy="1325563"/>
+            <a:off x="215153" y="139214"/>
+            <a:ext cx="12192000" cy="1325563"/>
           </a:xfrm>
         </p:spPr>
         <p:txBody>
@@ -7214,325 +7215,194 @@
           <a:lstStyle/>
           <a:p>
             <a:r>
-              <a:rPr kumimoji="1" lang="en-US" altLang="ja-JP" sz="3600" b="1" dirty="0">
+              <a:rPr lang="en-US" altLang="ja-JP" sz="3200" dirty="0">
                 <a:solidFill>
                   <a:schemeClr val="accent1"/>
                 </a:solidFill>
-              </a:rPr>
-              <a:t>Strengths of generalized calculus in differential geometry: </a:t>
-            </a:r>
-            <a:endParaRPr kumimoji="1" lang="ja-JP" altLang="en-US" sz="3600" b="1" dirty="0">
+                <a:latin typeface="Arial" panose="020B0604020202020204" pitchFamily="34" charset="0"/>
+                <a:cs typeface="Arial" panose="020B0604020202020204" pitchFamily="34" charset="0"/>
+              </a:rPr>
+              <a:t>f</a:t>
+            </a:r>
+            <a:r>
+              <a:rPr kumimoji="1" lang="en-US" altLang="ja-JP" sz="3200" dirty="0">
+                <a:solidFill>
+                  <a:schemeClr val="accent1"/>
+                </a:solidFill>
+                <a:latin typeface="Arial" panose="020B0604020202020204" pitchFamily="34" charset="0"/>
+                <a:cs typeface="Arial" panose="020B0604020202020204" pitchFamily="34" charset="0"/>
+              </a:rPr>
+              <a:t>-divergences as a series of signed </a:t>
+            </a:r>
+            <a:r>
+              <a:rPr lang="ja-JP" altLang="en-US" sz="3200" dirty="0">
+                <a:solidFill>
+                  <a:schemeClr val="accent1"/>
+                </a:solidFill>
+                <a:latin typeface="Arial" panose="020B0604020202020204" pitchFamily="34" charset="0"/>
+                <a:cs typeface="Arial" panose="020B0604020202020204" pitchFamily="34" charset="0"/>
+              </a:rPr>
+              <a:t>𝛘</a:t>
+            </a:r>
+            <a:r>
+              <a:rPr lang="en-US" altLang="ja-JP" sz="3200" dirty="0">
+                <a:solidFill>
+                  <a:schemeClr val="accent1"/>
+                </a:solidFill>
+                <a:latin typeface="Arial" panose="020B0604020202020204" pitchFamily="34" charset="0"/>
+                <a:cs typeface="Arial" panose="020B0604020202020204" pitchFamily="34" charset="0"/>
+              </a:rPr>
+              <a:t>2</a:t>
+            </a:r>
+            <a:r>
+              <a:rPr kumimoji="1" lang="en-US" altLang="ja-JP" sz="3200" dirty="0">
+                <a:solidFill>
+                  <a:schemeClr val="accent1"/>
+                </a:solidFill>
+                <a:latin typeface="Arial" panose="020B0604020202020204" pitchFamily="34" charset="0"/>
+                <a:cs typeface="Arial" panose="020B0604020202020204" pitchFamily="34" charset="0"/>
+              </a:rPr>
+              <a:t>-square type divergences</a:t>
+            </a:r>
+            <a:endParaRPr kumimoji="1" lang="ja-JP" altLang="en-US" sz="3200" dirty="0">
               <a:solidFill>
                 <a:schemeClr val="accent1"/>
               </a:solidFill>
-            </a:endParaRPr>
-          </a:p>
-        </p:txBody>
-      </p:sp>
-      <p:sp>
-        <p:nvSpPr>
-          <p:cNvPr id="3" name="Content Placeholder 2">
-            <a:extLst>
-              <a:ext uri="{FF2B5EF4-FFF2-40B4-BE49-F238E27FC236}">
-                <a16:creationId xmlns:a16="http://schemas.microsoft.com/office/drawing/2014/main" id="{05626C52-2B5E-8AE2-C8DE-023D6FB36E0A}"/>
-              </a:ext>
-            </a:extLst>
-          </p:cNvPr>
-          <p:cNvSpPr>
-            <a:spLocks noGrp="1"/>
-          </p:cNvSpPr>
-          <p:nvPr>
-            <p:ph idx="1"/>
-          </p:nvPr>
-        </p:nvSpPr>
-        <p:spPr>
-          <a:xfrm>
-            <a:off x="332591" y="1171696"/>
-            <a:ext cx="11719560" cy="5304408"/>
-          </a:xfrm>
-        </p:spPr>
-        <p:txBody>
-          <a:bodyPr>
-            <a:normAutofit/>
-          </a:bodyPr>
-          <a:lstStyle/>
-          <a:p>
-            <a:r>
-              <a:rPr kumimoji="1" lang="en-US" altLang="ja-JP" sz="2400" b="1" dirty="0">
-                <a:solidFill>
-                  <a:srgbClr val="FF0000"/>
-                </a:solidFill>
-                <a:latin typeface="Arial" panose="020B0604020202020204" pitchFamily="34" charset="0"/>
-                <a:cs typeface="Arial" panose="020B0604020202020204" pitchFamily="34" charset="0"/>
-              </a:rPr>
-              <a:t>Differential geometry </a:t>
-            </a:r>
-            <a:r>
-              <a:rPr kumimoji="1" lang="en-US" altLang="ja-JP" sz="2400" dirty="0">
-                <a:latin typeface="Arial" panose="020B0604020202020204" pitchFamily="34" charset="0"/>
-                <a:cs typeface="Arial" panose="020B0604020202020204" pitchFamily="34" charset="0"/>
-              </a:rPr>
-              <a:t>offers a framework for </a:t>
-            </a:r>
-            <a:r>
-              <a:rPr kumimoji="1" lang="en-US" altLang="ja-JP" sz="2400" b="1" dirty="0">
-                <a:solidFill>
-                  <a:srgbClr val="FF0000"/>
-                </a:solidFill>
-                <a:latin typeface="Arial" panose="020B0604020202020204" pitchFamily="34" charset="0"/>
-                <a:cs typeface="Arial" panose="020B0604020202020204" pitchFamily="34" charset="0"/>
-              </a:rPr>
-              <a:t>coordinate-free calculus:</a:t>
-            </a:r>
-          </a:p>
-          <a:p>
-            <a:pPr lvl="1"/>
-            <a:r>
-              <a:rPr lang="en-US" altLang="ja-JP" dirty="0">
-                <a:solidFill>
-                  <a:schemeClr val="accent6"/>
-                </a:solidFill>
-                <a:latin typeface="Arial" panose="020B0604020202020204" pitchFamily="34" charset="0"/>
-                <a:cs typeface="Arial" panose="020B0604020202020204" pitchFamily="34" charset="0"/>
-              </a:rPr>
-              <a:t>Intrinsic calculus is unbiased by representations with consistent changes of (local) coordinate systems</a:t>
-            </a:r>
-          </a:p>
-          <a:p>
-            <a:pPr lvl="1"/>
-            <a:endParaRPr kumimoji="1" lang="en-US" altLang="ja-JP" dirty="0">
               <a:latin typeface="Arial" panose="020B0604020202020204" pitchFamily="34" charset="0"/>
               <a:cs typeface="Arial" panose="020B0604020202020204" pitchFamily="34" charset="0"/>
             </a:endParaRPr>
           </a:p>
-          <a:p>
-            <a:r>
-              <a:rPr lang="en-US" altLang="ja-JP" sz="2400" b="1" dirty="0">
-                <a:solidFill>
-                  <a:srgbClr val="FF0000"/>
-                </a:solidFill>
-                <a:latin typeface="Arial" panose="020B0604020202020204" pitchFamily="34" charset="0"/>
-                <a:cs typeface="Arial" panose="020B0604020202020204" pitchFamily="34" charset="0"/>
-              </a:rPr>
-              <a:t>Covariant derivative </a:t>
-            </a:r>
-            <a:r>
-              <a:rPr lang="ja-JP" altLang="en-US" sz="2400" b="1" i="0" dirty="0">
-                <a:solidFill>
-                  <a:srgbClr val="FF0000"/>
-                </a:solidFill>
-                <a:effectLst/>
-                <a:latin typeface="Arial" panose="020B0604020202020204" pitchFamily="34" charset="0"/>
-                <a:cs typeface="Arial" panose="020B0604020202020204" pitchFamily="34" charset="0"/>
-              </a:rPr>
-              <a:t>∇ </a:t>
-            </a:r>
-            <a:r>
-              <a:rPr lang="en-US" altLang="ja-JP" sz="2400" dirty="0">
-                <a:latin typeface="Arial" panose="020B0604020202020204" pitchFamily="34" charset="0"/>
-                <a:cs typeface="Arial" panose="020B0604020202020204" pitchFamily="34" charset="0"/>
-              </a:rPr>
-              <a:t>generalizes ordinary derivative:</a:t>
-            </a:r>
-          </a:p>
-          <a:p>
-            <a:pPr lvl="1"/>
-            <a:r>
-              <a:rPr lang="en-US" altLang="ja-JP" dirty="0">
-                <a:solidFill>
-                  <a:schemeClr val="accent6"/>
-                </a:solidFill>
-                <a:latin typeface="Arial" panose="020B0604020202020204" pitchFamily="34" charset="0"/>
-                <a:cs typeface="Arial" panose="020B0604020202020204" pitchFamily="34" charset="0"/>
-              </a:rPr>
-              <a:t> </a:t>
-            </a:r>
-            <a:r>
-              <a:rPr kumimoji="1" lang="en-US" altLang="ja-JP" dirty="0">
-                <a:solidFill>
-                  <a:schemeClr val="accent6"/>
-                </a:solidFill>
-                <a:latin typeface="Arial" panose="020B0604020202020204" pitchFamily="34" charset="0"/>
-                <a:cs typeface="Arial" panose="020B0604020202020204" pitchFamily="34" charset="0"/>
-              </a:rPr>
-              <a:t>Coderivative of a tensor field by a vector field </a:t>
-            </a:r>
-            <a:r>
-              <a:rPr lang="ja-JP" altLang="en-US" b="0" i="0" dirty="0">
-                <a:solidFill>
-                  <a:schemeClr val="accent6"/>
-                </a:solidFill>
-                <a:effectLst/>
-                <a:latin typeface="Arial" panose="020B0604020202020204" pitchFamily="34" charset="0"/>
-                <a:cs typeface="Arial" panose="020B0604020202020204" pitchFamily="34" charset="0"/>
-              </a:rPr>
-              <a:t>∇</a:t>
-            </a:r>
-            <a:r>
-              <a:rPr lang="en-US" altLang="ja-JP" b="0" i="0" baseline="-25000" dirty="0">
-                <a:solidFill>
-                  <a:schemeClr val="accent6"/>
-                </a:solidFill>
-                <a:effectLst/>
-                <a:latin typeface="Arial" panose="020B0604020202020204" pitchFamily="34" charset="0"/>
-                <a:cs typeface="Arial" panose="020B0604020202020204" pitchFamily="34" charset="0"/>
-              </a:rPr>
-              <a:t>V</a:t>
-            </a:r>
-            <a:r>
-              <a:rPr lang="en-US" altLang="ja-JP" b="0" i="0" dirty="0">
-                <a:solidFill>
-                  <a:schemeClr val="accent6"/>
-                </a:solidFill>
-                <a:effectLst/>
-                <a:latin typeface="Arial" panose="020B0604020202020204" pitchFamily="34" charset="0"/>
-                <a:cs typeface="Arial" panose="020B0604020202020204" pitchFamily="34" charset="0"/>
-              </a:rPr>
-              <a:t>T</a:t>
-            </a:r>
-          </a:p>
-          <a:p>
-            <a:pPr marL="457200" lvl="1" indent="0">
-              <a:buNone/>
-            </a:pPr>
-            <a:endParaRPr lang="en-US" altLang="ja-JP" dirty="0">
-              <a:latin typeface="Arial" panose="020B0604020202020204" pitchFamily="34" charset="0"/>
-              <a:cs typeface="Arial" panose="020B0604020202020204" pitchFamily="34" charset="0"/>
-            </a:endParaRPr>
-          </a:p>
-          <a:p>
-            <a:r>
-              <a:rPr lang="en-US" altLang="ja-JP" sz="2400" b="1" dirty="0">
-                <a:solidFill>
-                  <a:srgbClr val="FF0000"/>
-                </a:solidFill>
-                <a:latin typeface="Arial" panose="020B0604020202020204" pitchFamily="34" charset="0"/>
-                <a:cs typeface="Arial" panose="020B0604020202020204" pitchFamily="34" charset="0"/>
-              </a:rPr>
-              <a:t>Exterior derivative d </a:t>
-            </a:r>
-            <a:r>
-              <a:rPr lang="en-US" altLang="ja-JP" sz="2400" dirty="0">
-                <a:latin typeface="Arial" panose="020B0604020202020204" pitchFamily="34" charset="0"/>
-                <a:cs typeface="Arial" panose="020B0604020202020204" pitchFamily="34" charset="0"/>
-              </a:rPr>
-              <a:t>generalizes ordinary differentials on differential forms </a:t>
-            </a:r>
-            <a:r>
-              <a:rPr lang="el-GR" altLang="ja-JP" sz="2400" b="0" i="0" dirty="0">
-                <a:effectLst/>
-                <a:latin typeface="Arial" panose="020B0604020202020204" pitchFamily="34" charset="0"/>
-                <a:cs typeface="Arial" panose="020B0604020202020204" pitchFamily="34" charset="0"/>
-              </a:rPr>
-              <a:t>ω</a:t>
-            </a:r>
-            <a:r>
-              <a:rPr lang="el-GR" altLang="ja-JP" sz="2400" b="0" i="0" dirty="0">
-                <a:solidFill>
-                  <a:srgbClr val="DF000F"/>
-                </a:solidFill>
-                <a:effectLst/>
-                <a:latin typeface="Arial" panose="020B0604020202020204" pitchFamily="34" charset="0"/>
-                <a:cs typeface="Arial" panose="020B0604020202020204" pitchFamily="34" charset="0"/>
-              </a:rPr>
-              <a:t> </a:t>
-            </a:r>
-            <a:r>
-              <a:rPr lang="en-US" altLang="ja-JP" sz="2400" dirty="0">
-                <a:latin typeface="Arial" panose="020B0604020202020204" pitchFamily="34" charset="0"/>
-                <a:cs typeface="Arial" panose="020B0604020202020204" pitchFamily="34" charset="0"/>
-              </a:rPr>
-              <a:t>: </a:t>
-            </a:r>
-          </a:p>
-          <a:p>
-            <a:pPr lvl="1"/>
-            <a:r>
-              <a:rPr lang="en-US" altLang="ja-JP" dirty="0">
-                <a:solidFill>
-                  <a:schemeClr val="accent6"/>
-                </a:solidFill>
-                <a:latin typeface="Arial" panose="020B0604020202020204" pitchFamily="34" charset="0"/>
-                <a:cs typeface="Arial" panose="020B0604020202020204" pitchFamily="34" charset="0"/>
-              </a:rPr>
-              <a:t>Generalize integration on manifolds with Stokes-</a:t>
-            </a:r>
-            <a:r>
-              <a:rPr lang="en-US" altLang="ja-JP" dirty="0" err="1">
-                <a:solidFill>
-                  <a:schemeClr val="accent6"/>
-                </a:solidFill>
-                <a:latin typeface="Arial" panose="020B0604020202020204" pitchFamily="34" charset="0"/>
-                <a:cs typeface="Arial" panose="020B0604020202020204" pitchFamily="34" charset="0"/>
-              </a:rPr>
-              <a:t>Cartan</a:t>
-            </a:r>
-            <a:r>
-              <a:rPr lang="en-US" altLang="ja-JP" dirty="0">
-                <a:solidFill>
-                  <a:schemeClr val="accent6"/>
-                </a:solidFill>
-                <a:latin typeface="Arial" panose="020B0604020202020204" pitchFamily="34" charset="0"/>
-                <a:cs typeface="Arial" panose="020B0604020202020204" pitchFamily="34" charset="0"/>
-              </a:rPr>
-              <a:t>  theorem</a:t>
-            </a:r>
-          </a:p>
-          <a:p>
-            <a:pPr lvl="1"/>
-            <a:endParaRPr lang="en-US" altLang="ja-JP" dirty="0">
-              <a:latin typeface="Arial" panose="020B0604020202020204" pitchFamily="34" charset="0"/>
-              <a:cs typeface="Arial" panose="020B0604020202020204" pitchFamily="34" charset="0"/>
-            </a:endParaRPr>
-          </a:p>
-          <a:p>
-            <a:r>
-              <a:rPr lang="en-US" altLang="ja-JP" sz="2400" b="1" dirty="0">
-                <a:solidFill>
-                  <a:srgbClr val="FF0000"/>
-                </a:solidFill>
-                <a:latin typeface="Arial" panose="020B0604020202020204" pitchFamily="34" charset="0"/>
-                <a:cs typeface="Arial" panose="020B0604020202020204" pitchFamily="34" charset="0"/>
-              </a:rPr>
-              <a:t>Geometric/real Clifford algebra</a:t>
-            </a:r>
-            <a:r>
-              <a:rPr lang="en-US" altLang="ja-JP" sz="2400" dirty="0">
-                <a:latin typeface="Arial" panose="020B0604020202020204" pitchFamily="34" charset="0"/>
-                <a:cs typeface="Arial" panose="020B0604020202020204" pitchFamily="34" charset="0"/>
-              </a:rPr>
-              <a:t>: </a:t>
-            </a:r>
-          </a:p>
-          <a:p>
-            <a:pPr lvl="1"/>
-            <a:r>
-              <a:rPr lang="en-US" altLang="ja-JP" dirty="0" err="1">
-                <a:solidFill>
-                  <a:schemeClr val="accent6"/>
-                </a:solidFill>
-                <a:latin typeface="Arial" panose="020B0604020202020204" pitchFamily="34" charset="0"/>
-                <a:cs typeface="Arial" panose="020B0604020202020204" pitchFamily="34" charset="0"/>
-              </a:rPr>
-              <a:t>multivectors</a:t>
-            </a:r>
-            <a:r>
-              <a:rPr lang="en-US" altLang="ja-JP" dirty="0">
-                <a:solidFill>
-                  <a:schemeClr val="accent6"/>
-                </a:solidFill>
-                <a:latin typeface="Arial" panose="020B0604020202020204" pitchFamily="34" charset="0"/>
-                <a:cs typeface="Arial" panose="020B0604020202020204" pitchFamily="34" charset="0"/>
-              </a:rPr>
-              <a:t> allowing division by vectors</a:t>
-            </a:r>
+        </p:txBody>
+      </p:sp>
+      <p:pic>
+        <p:nvPicPr>
+          <p:cNvPr id="7" name="Content Placeholder 6">
+            <a:extLst>
+              <a:ext uri="{FF2B5EF4-FFF2-40B4-BE49-F238E27FC236}">
+                <a16:creationId xmlns:a16="http://schemas.microsoft.com/office/drawing/2014/main" id="{31CC0FC7-CB93-5782-0992-405F4C96E7DE}"/>
+              </a:ext>
+            </a:extLst>
+          </p:cNvPr>
+          <p:cNvPicPr>
+            <a:picLocks noGrp="1" noChangeAspect="1"/>
+          </p:cNvPicPr>
+          <p:nvPr>
+            <p:ph idx="1"/>
+          </p:nvPr>
+        </p:nvPicPr>
+        <p:blipFill>
+          <a:blip r:embed="rId2"/>
+          <a:stretch>
+            <a:fillRect/>
+          </a:stretch>
+        </p:blipFill>
+        <p:spPr>
+          <a:xfrm>
+            <a:off x="4912658" y="5458053"/>
+            <a:ext cx="6776039" cy="944338"/>
+          </a:xfrm>
+        </p:spPr>
+      </p:pic>
+      <p:pic>
+        <p:nvPicPr>
+          <p:cNvPr id="5" name="Picture 4">
+            <a:extLst>
+              <a:ext uri="{FF2B5EF4-FFF2-40B4-BE49-F238E27FC236}">
+                <a16:creationId xmlns:a16="http://schemas.microsoft.com/office/drawing/2014/main" id="{ED3E2CEA-D86F-9BD5-7E57-CE61787FC6D1}"/>
+              </a:ext>
+            </a:extLst>
+          </p:cNvPr>
+          <p:cNvPicPr>
+            <a:picLocks noChangeAspect="1"/>
+          </p:cNvPicPr>
+          <p:nvPr/>
+        </p:nvPicPr>
+        <p:blipFill>
+          <a:blip r:embed="rId3"/>
+          <a:stretch>
+            <a:fillRect/>
+          </a:stretch>
+        </p:blipFill>
+        <p:spPr>
+          <a:xfrm>
+            <a:off x="1631104" y="2586013"/>
+            <a:ext cx="8929791" cy="2352561"/>
+          </a:xfrm>
+          <a:prstGeom prst="rect">
+            <a:avLst/>
+          </a:prstGeom>
+        </p:spPr>
+      </p:pic>
+      <p:pic>
+        <p:nvPicPr>
+          <p:cNvPr id="9" name="Picture 8">
+            <a:extLst>
+              <a:ext uri="{FF2B5EF4-FFF2-40B4-BE49-F238E27FC236}">
+                <a16:creationId xmlns:a16="http://schemas.microsoft.com/office/drawing/2014/main" id="{EE662F5F-8F9F-1415-26EB-3ECE79E54552}"/>
+              </a:ext>
+            </a:extLst>
+          </p:cNvPr>
+          <p:cNvPicPr>
+            <a:picLocks noChangeAspect="1"/>
+          </p:cNvPicPr>
+          <p:nvPr/>
+        </p:nvPicPr>
+        <p:blipFill>
+          <a:blip r:embed="rId4"/>
+          <a:stretch>
+            <a:fillRect/>
+          </a:stretch>
+        </p:blipFill>
+        <p:spPr>
+          <a:xfrm>
+            <a:off x="487399" y="1260450"/>
+            <a:ext cx="6726339" cy="1076877"/>
+          </a:xfrm>
+          <a:prstGeom prst="rect">
+            <a:avLst/>
+          </a:prstGeom>
+        </p:spPr>
+      </p:pic>
+      <p:sp>
+        <p:nvSpPr>
+          <p:cNvPr id="10" name="TextBox 9">
+            <a:extLst>
+              <a:ext uri="{FF2B5EF4-FFF2-40B4-BE49-F238E27FC236}">
+                <a16:creationId xmlns:a16="http://schemas.microsoft.com/office/drawing/2014/main" id="{A326122D-C7FC-8BBF-2140-2F8152D03F17}"/>
+              </a:ext>
+            </a:extLst>
+          </p:cNvPr>
+          <p:cNvSpPr txBox="1"/>
+          <p:nvPr/>
+        </p:nvSpPr>
+        <p:spPr>
+          <a:xfrm>
+            <a:off x="5120640" y="5249732"/>
+            <a:ext cx="641522" cy="369332"/>
+          </a:xfrm>
+          <a:prstGeom prst="rect">
+            <a:avLst/>
+          </a:prstGeom>
+          <a:noFill/>
+        </p:spPr>
+        <p:txBody>
+          <a:bodyPr wrap="none" rtlCol="0">
+            <a:spAutoFit/>
+          </a:bodyPr>
+          <a:lstStyle/>
+          <a:p>
+            <a:r>
+              <a:rPr kumimoji="1" lang="en-US" altLang="ja-JP" dirty="0"/>
+              <a:t>with</a:t>
+            </a:r>
+            <a:endParaRPr kumimoji="1" lang="ja-JP" altLang="en-US" dirty="0"/>
           </a:p>
         </p:txBody>
       </p:sp>
     </p:spTree>
     <p:extLst>
       <p:ext uri="{BB962C8B-B14F-4D97-AF65-F5344CB8AC3E}">
-        <p14:creationId xmlns:p14="http://schemas.microsoft.com/office/powerpoint/2010/main" val="3892996338"/>
+        <p14:creationId xmlns:p14="http://schemas.microsoft.com/office/powerpoint/2010/main" val="4041065986"/>
       </p:ext>
     </p:extLst>
   </p:cSld>
@@ -7564,249 +7434,6 @@
           <p:cNvPr id="2" name="Title 1">
             <a:extLst>
               <a:ext uri="{FF2B5EF4-FFF2-40B4-BE49-F238E27FC236}">
-                <a16:creationId xmlns:a16="http://schemas.microsoft.com/office/drawing/2014/main" id="{45C11A8B-0FFD-DB9D-1B56-CD6DB68399AC}"/>
-              </a:ext>
-            </a:extLst>
-          </p:cNvPr>
-          <p:cNvSpPr>
-            <a:spLocks noGrp="1"/>
-          </p:cNvSpPr>
-          <p:nvPr>
-            <p:ph type="title"/>
-          </p:nvPr>
-        </p:nvSpPr>
-        <p:spPr>
-          <a:xfrm>
-            <a:off x="215153" y="139214"/>
-            <a:ext cx="12192000" cy="1325563"/>
-          </a:xfrm>
-        </p:spPr>
-        <p:txBody>
-          <a:bodyPr>
-            <a:normAutofit/>
-          </a:bodyPr>
-          <a:lstStyle/>
-          <a:p>
-            <a:r>
-              <a:rPr lang="en-US" altLang="ja-JP" sz="3200" dirty="0">
-                <a:solidFill>
-                  <a:schemeClr val="accent1"/>
-                </a:solidFill>
-                <a:latin typeface="Arial" panose="020B0604020202020204" pitchFamily="34" charset="0"/>
-                <a:cs typeface="Arial" panose="020B0604020202020204" pitchFamily="34" charset="0"/>
-              </a:rPr>
-              <a:t>f</a:t>
-            </a:r>
-            <a:r>
-              <a:rPr kumimoji="1" lang="en-US" altLang="ja-JP" sz="3200" dirty="0">
-                <a:solidFill>
-                  <a:schemeClr val="accent1"/>
-                </a:solidFill>
-                <a:latin typeface="Arial" panose="020B0604020202020204" pitchFamily="34" charset="0"/>
-                <a:cs typeface="Arial" panose="020B0604020202020204" pitchFamily="34" charset="0"/>
-              </a:rPr>
-              <a:t>-divergences as a series of signed </a:t>
-            </a:r>
-            <a:r>
-              <a:rPr lang="ja-JP" altLang="en-US" sz="3200" dirty="0">
-                <a:solidFill>
-                  <a:schemeClr val="accent1"/>
-                </a:solidFill>
-                <a:latin typeface="Arial" panose="020B0604020202020204" pitchFamily="34" charset="0"/>
-                <a:cs typeface="Arial" panose="020B0604020202020204" pitchFamily="34" charset="0"/>
-              </a:rPr>
-              <a:t>𝛘</a:t>
-            </a:r>
-            <a:r>
-              <a:rPr lang="en-US" altLang="ja-JP" sz="3200" dirty="0">
-                <a:solidFill>
-                  <a:schemeClr val="accent1"/>
-                </a:solidFill>
-                <a:latin typeface="Arial" panose="020B0604020202020204" pitchFamily="34" charset="0"/>
-                <a:cs typeface="Arial" panose="020B0604020202020204" pitchFamily="34" charset="0"/>
-              </a:rPr>
-              <a:t>2</a:t>
-            </a:r>
-            <a:r>
-              <a:rPr kumimoji="1" lang="en-US" altLang="ja-JP" sz="3200" dirty="0">
-                <a:solidFill>
-                  <a:schemeClr val="accent1"/>
-                </a:solidFill>
-                <a:latin typeface="Arial" panose="020B0604020202020204" pitchFamily="34" charset="0"/>
-                <a:cs typeface="Arial" panose="020B0604020202020204" pitchFamily="34" charset="0"/>
-              </a:rPr>
-              <a:t>-square type divergences</a:t>
-            </a:r>
-            <a:endParaRPr kumimoji="1" lang="ja-JP" altLang="en-US" sz="3200" dirty="0">
-              <a:solidFill>
-                <a:schemeClr val="accent1"/>
-              </a:solidFill>
-              <a:latin typeface="Arial" panose="020B0604020202020204" pitchFamily="34" charset="0"/>
-              <a:cs typeface="Arial" panose="020B0604020202020204" pitchFamily="34" charset="0"/>
-            </a:endParaRPr>
-          </a:p>
-        </p:txBody>
-      </p:sp>
-      <p:pic>
-        <p:nvPicPr>
-          <p:cNvPr id="7" name="Content Placeholder 6">
-            <a:extLst>
-              <a:ext uri="{FF2B5EF4-FFF2-40B4-BE49-F238E27FC236}">
-                <a16:creationId xmlns:a16="http://schemas.microsoft.com/office/drawing/2014/main" id="{31CC0FC7-CB93-5782-0992-405F4C96E7DE}"/>
-              </a:ext>
-            </a:extLst>
-          </p:cNvPr>
-          <p:cNvPicPr>
-            <a:picLocks noGrp="1" noChangeAspect="1"/>
-          </p:cNvPicPr>
-          <p:nvPr>
-            <p:ph idx="1"/>
-          </p:nvPr>
-        </p:nvPicPr>
-        <p:blipFill>
-          <a:blip r:embed="rId2"/>
-          <a:stretch>
-            <a:fillRect/>
-          </a:stretch>
-        </p:blipFill>
-        <p:spPr>
-          <a:xfrm>
-            <a:off x="4912658" y="5458053"/>
-            <a:ext cx="6776039" cy="944338"/>
-          </a:xfrm>
-        </p:spPr>
-      </p:pic>
-      <p:pic>
-        <p:nvPicPr>
-          <p:cNvPr id="5" name="Picture 4">
-            <a:extLst>
-              <a:ext uri="{FF2B5EF4-FFF2-40B4-BE49-F238E27FC236}">
-                <a16:creationId xmlns:a16="http://schemas.microsoft.com/office/drawing/2014/main" id="{ED3E2CEA-D86F-9BD5-7E57-CE61787FC6D1}"/>
-              </a:ext>
-            </a:extLst>
-          </p:cNvPr>
-          <p:cNvPicPr>
-            <a:picLocks noChangeAspect="1"/>
-          </p:cNvPicPr>
-          <p:nvPr/>
-        </p:nvPicPr>
-        <p:blipFill>
-          <a:blip r:embed="rId3"/>
-          <a:stretch>
-            <a:fillRect/>
-          </a:stretch>
-        </p:blipFill>
-        <p:spPr>
-          <a:xfrm>
-            <a:off x="1631104" y="2586013"/>
-            <a:ext cx="8929791" cy="2352561"/>
-          </a:xfrm>
-          <a:prstGeom prst="rect">
-            <a:avLst/>
-          </a:prstGeom>
-        </p:spPr>
-      </p:pic>
-      <p:pic>
-        <p:nvPicPr>
-          <p:cNvPr id="9" name="Picture 8">
-            <a:extLst>
-              <a:ext uri="{FF2B5EF4-FFF2-40B4-BE49-F238E27FC236}">
-                <a16:creationId xmlns:a16="http://schemas.microsoft.com/office/drawing/2014/main" id="{EE662F5F-8F9F-1415-26EB-3ECE79E54552}"/>
-              </a:ext>
-            </a:extLst>
-          </p:cNvPr>
-          <p:cNvPicPr>
-            <a:picLocks noChangeAspect="1"/>
-          </p:cNvPicPr>
-          <p:nvPr/>
-        </p:nvPicPr>
-        <p:blipFill>
-          <a:blip r:embed="rId4"/>
-          <a:stretch>
-            <a:fillRect/>
-          </a:stretch>
-        </p:blipFill>
-        <p:spPr>
-          <a:xfrm>
-            <a:off x="487399" y="1260450"/>
-            <a:ext cx="6726339" cy="1076877"/>
-          </a:xfrm>
-          <a:prstGeom prst="rect">
-            <a:avLst/>
-          </a:prstGeom>
-        </p:spPr>
-      </p:pic>
-      <p:sp>
-        <p:nvSpPr>
-          <p:cNvPr id="10" name="TextBox 9">
-            <a:extLst>
-              <a:ext uri="{FF2B5EF4-FFF2-40B4-BE49-F238E27FC236}">
-                <a16:creationId xmlns:a16="http://schemas.microsoft.com/office/drawing/2014/main" id="{A326122D-C7FC-8BBF-2140-2F8152D03F17}"/>
-              </a:ext>
-            </a:extLst>
-          </p:cNvPr>
-          <p:cNvSpPr txBox="1"/>
-          <p:nvPr/>
-        </p:nvSpPr>
-        <p:spPr>
-          <a:xfrm>
-            <a:off x="5120640" y="5249732"/>
-            <a:ext cx="641522" cy="369332"/>
-          </a:xfrm>
-          <a:prstGeom prst="rect">
-            <a:avLst/>
-          </a:prstGeom>
-          <a:noFill/>
-        </p:spPr>
-        <p:txBody>
-          <a:bodyPr wrap="none" rtlCol="0">
-            <a:spAutoFit/>
-          </a:bodyPr>
-          <a:lstStyle/>
-          <a:p>
-            <a:r>
-              <a:rPr kumimoji="1" lang="en-US" altLang="ja-JP" dirty="0"/>
-              <a:t>with</a:t>
-            </a:r>
-            <a:endParaRPr kumimoji="1" lang="ja-JP" altLang="en-US" dirty="0"/>
-          </a:p>
-        </p:txBody>
-      </p:sp>
-    </p:spTree>
-    <p:extLst>
-      <p:ext uri="{BB962C8B-B14F-4D97-AF65-F5344CB8AC3E}">
-        <p14:creationId xmlns:p14="http://schemas.microsoft.com/office/powerpoint/2010/main" val="4041065986"/>
-      </p:ext>
-    </p:extLst>
-  </p:cSld>
-  <p:clrMapOvr>
-    <a:masterClrMapping/>
-  </p:clrMapOvr>
-</p:sld>
-</file>
-
-<file path=ppt/slides/slide15.xml><?xml version="1.0" encoding="utf-8"?>
-<p:sld xmlns:a="http://schemas.openxmlformats.org/drawingml/2006/main" xmlns:r="http://schemas.openxmlformats.org/officeDocument/2006/relationships" xmlns:p="http://schemas.openxmlformats.org/presentationml/2006/main">
-  <p:cSld>
-    <p:spTree>
-      <p:nvGrpSpPr>
-        <p:cNvPr id="1" name=""/>
-        <p:cNvGrpSpPr/>
-        <p:nvPr/>
-      </p:nvGrpSpPr>
-      <p:grpSpPr>
-        <a:xfrm>
-          <a:off x="0" y="0"/>
-          <a:ext cx="0" cy="0"/>
-          <a:chOff x="0" y="0"/>
-          <a:chExt cx="0" cy="0"/>
-        </a:xfrm>
-      </p:grpSpPr>
-      <p:sp>
-        <p:nvSpPr>
-          <p:cNvPr id="2" name="Title 1">
-            <a:extLst>
-              <a:ext uri="{FF2B5EF4-FFF2-40B4-BE49-F238E27FC236}">
                 <a16:creationId xmlns:a16="http://schemas.microsoft.com/office/drawing/2014/main" id="{FEA2FE47-1E47-A34D-6152-CC1CDF3C0942}"/>
               </a:ext>
             </a:extLst>
@@ -7873,7 +7500,7 @@
 </p:sld>
 </file>
 
-<file path=ppt/slides/slide16.xml><?xml version="1.0" encoding="utf-8"?>
+<file path=ppt/slides/slide15.xml><?xml version="1.0" encoding="utf-8"?>
 <p:sld xmlns:a="http://schemas.openxmlformats.org/drawingml/2006/main" xmlns:r="http://schemas.openxmlformats.org/officeDocument/2006/relationships" xmlns:p="http://schemas.openxmlformats.org/presentationml/2006/main">
   <p:cSld>
     <p:bg>
@@ -8441,6 +8068,619 @@
     <p:extLst>
       <p:ext uri="{BB962C8B-B14F-4D97-AF65-F5344CB8AC3E}">
         <p14:creationId xmlns:p14="http://schemas.microsoft.com/office/powerpoint/2010/main" val="151247311"/>
+      </p:ext>
+    </p:extLst>
+  </p:cSld>
+  <p:clrMapOvr>
+    <a:masterClrMapping/>
+  </p:clrMapOvr>
+</p:sld>
+</file>
+
+<file path=ppt/slides/slide16.xml><?xml version="1.0" encoding="utf-8"?>
+<p:sld xmlns:a="http://schemas.openxmlformats.org/drawingml/2006/main" xmlns:r="http://schemas.openxmlformats.org/officeDocument/2006/relationships" xmlns:p="http://schemas.openxmlformats.org/presentationml/2006/main">
+  <p:cSld>
+    <p:spTree>
+      <p:nvGrpSpPr>
+        <p:cNvPr id="1" name=""/>
+        <p:cNvGrpSpPr/>
+        <p:nvPr/>
+      </p:nvGrpSpPr>
+      <p:grpSpPr>
+        <a:xfrm>
+          <a:off x="0" y="0"/>
+          <a:ext cx="0" cy="0"/>
+          <a:chOff x="0" y="0"/>
+          <a:chExt cx="0" cy="0"/>
+        </a:xfrm>
+      </p:grpSpPr>
+      <p:sp>
+        <p:nvSpPr>
+          <p:cNvPr id="2" name="Title 1">
+            <a:extLst>
+              <a:ext uri="{FF2B5EF4-FFF2-40B4-BE49-F238E27FC236}">
+                <a16:creationId xmlns:a16="http://schemas.microsoft.com/office/drawing/2014/main" id="{4D914BA7-60B8-A5A3-57C8-C104217EA4EC}"/>
+              </a:ext>
+            </a:extLst>
+          </p:cNvPr>
+          <p:cNvSpPr>
+            <a:spLocks noGrp="1"/>
+          </p:cNvSpPr>
+          <p:nvPr>
+            <p:ph type="title"/>
+          </p:nvPr>
+        </p:nvSpPr>
+        <p:spPr/>
+        <p:txBody>
+          <a:bodyPr/>
+          <a:lstStyle/>
+          <a:p>
+            <a:endParaRPr kumimoji="1" lang="ja-JP" altLang="en-US"/>
+          </a:p>
+        </p:txBody>
+      </p:sp>
+      <p:sp>
+        <p:nvSpPr>
+          <p:cNvPr id="3" name="Content Placeholder 2">
+            <a:extLst>
+              <a:ext uri="{FF2B5EF4-FFF2-40B4-BE49-F238E27FC236}">
+                <a16:creationId xmlns:a16="http://schemas.microsoft.com/office/drawing/2014/main" id="{849EBF07-0419-0651-B9D4-B0F9BAF95E7F}"/>
+              </a:ext>
+            </a:extLst>
+          </p:cNvPr>
+          <p:cNvSpPr>
+            <a:spLocks noGrp="1"/>
+          </p:cNvSpPr>
+          <p:nvPr>
+            <p:ph idx="1"/>
+          </p:nvPr>
+        </p:nvSpPr>
+        <p:spPr/>
+        <p:txBody>
+          <a:bodyPr/>
+          <a:lstStyle/>
+          <a:p>
+            <a:endParaRPr kumimoji="1" lang="ja-JP" altLang="en-US"/>
+          </a:p>
+        </p:txBody>
+      </p:sp>
+      <p:sp useBgFill="1">
+        <p:nvSpPr>
+          <p:cNvPr id="4" name="Rectangle 3">
+            <a:extLst>
+              <a:ext uri="{FF2B5EF4-FFF2-40B4-BE49-F238E27FC236}">
+                <a16:creationId xmlns:a16="http://schemas.microsoft.com/office/drawing/2014/main" id="{19D96C3A-CD1E-DD59-8946-31D5C6E57904}"/>
+              </a:ext>
+              <a:ext uri="{C183D7F6-B498-43B3-948B-1728B52AA6E4}">
+                <adec:decorative xmlns:adec="http://schemas.microsoft.com/office/drawing/2017/decorative" val="1"/>
+              </a:ext>
+            </a:extLst>
+          </p:cNvPr>
+          <p:cNvSpPr/>
+          <p:nvPr>
+            <p:extLst>
+              <p:ext uri="{386F3935-93C4-4BCD-93E2-E3B085C9AB24}">
+                <p16:designElem xmlns:p16="http://schemas.microsoft.com/office/powerpoint/2015/main" val="1"/>
+              </p:ext>
+            </p:extLst>
+          </p:nvPr>
+        </p:nvSpPr>
+        <p:spPr>
+          <a:xfrm>
+            <a:off x="0" y="0"/>
+            <a:ext cx="12191695" cy="6858000"/>
+          </a:xfrm>
+          <a:prstGeom prst="rect">
+            <a:avLst/>
+          </a:prstGeom>
+          <a:ln>
+            <a:noFill/>
+          </a:ln>
+        </p:spPr>
+        <p:style>
+          <a:lnRef idx="2">
+            <a:schemeClr val="accent1">
+              <a:shade val="50000"/>
+            </a:schemeClr>
+          </a:lnRef>
+          <a:fillRef idx="1">
+            <a:schemeClr val="accent1"/>
+          </a:fillRef>
+          <a:effectRef idx="0">
+            <a:schemeClr val="accent1"/>
+          </a:effectRef>
+          <a:fontRef idx="minor">
+            <a:schemeClr val="lt1"/>
+          </a:fontRef>
+        </p:style>
+        <p:txBody>
+          <a:bodyPr rtlCol="0" anchor="ctr"/>
+          <a:lstStyle/>
+          <a:p>
+            <a:pPr algn="ctr"/>
+            <a:endParaRPr lang="en-US"/>
+          </a:p>
+        </p:txBody>
+      </p:sp>
+      <p:sp>
+        <p:nvSpPr>
+          <p:cNvPr id="5" name="Rectangle 4">
+            <a:extLst>
+              <a:ext uri="{FF2B5EF4-FFF2-40B4-BE49-F238E27FC236}">
+                <a16:creationId xmlns:a16="http://schemas.microsoft.com/office/drawing/2014/main" id="{991158B8-1C6F-4428-3153-1AE3FA717D81}"/>
+              </a:ext>
+              <a:ext uri="{C183D7F6-B498-43B3-948B-1728B52AA6E4}">
+                <adec:decorative xmlns:adec="http://schemas.microsoft.com/office/drawing/2017/decorative" val="1"/>
+              </a:ext>
+            </a:extLst>
+          </p:cNvPr>
+          <p:cNvSpPr/>
+          <p:nvPr>
+            <p:extLst>
+              <p:ext uri="{386F3935-93C4-4BCD-93E2-E3B085C9AB24}">
+                <p16:designElem xmlns:p16="http://schemas.microsoft.com/office/powerpoint/2015/main" val="1"/>
+              </p:ext>
+            </p:extLst>
+          </p:nvPr>
+        </p:nvSpPr>
+        <p:spPr>
+          <a:xfrm>
+            <a:off x="0" y="891540"/>
+            <a:ext cx="722376" cy="5071110"/>
+          </a:xfrm>
+          <a:prstGeom prst="rect">
+            <a:avLst/>
+          </a:prstGeom>
+          <a:solidFill>
+            <a:srgbClr val="4C5254"/>
+          </a:solidFill>
+          <a:ln>
+            <a:noFill/>
+          </a:ln>
+        </p:spPr>
+        <p:style>
+          <a:lnRef idx="2">
+            <a:schemeClr val="accent1">
+              <a:shade val="50000"/>
+            </a:schemeClr>
+          </a:lnRef>
+          <a:fillRef idx="1">
+            <a:schemeClr val="accent1"/>
+          </a:fillRef>
+          <a:effectRef idx="0">
+            <a:schemeClr val="accent1"/>
+          </a:effectRef>
+          <a:fontRef idx="minor">
+            <a:schemeClr val="lt1"/>
+          </a:fontRef>
+        </p:style>
+        <p:txBody>
+          <a:bodyPr rtlCol="0" anchor="ctr"/>
+          <a:lstStyle/>
+          <a:p>
+            <a:pPr algn="ctr"/>
+            <a:endParaRPr lang="en-US"/>
+          </a:p>
+        </p:txBody>
+      </p:sp>
+      <p:pic>
+        <p:nvPicPr>
+          <p:cNvPr id="6" name="Picture 4" descr="Perceptrons: An Introduction... by Minsky, Marvin">
+            <a:extLst>
+              <a:ext uri="{FF2B5EF4-FFF2-40B4-BE49-F238E27FC236}">
+                <a16:creationId xmlns:a16="http://schemas.microsoft.com/office/drawing/2014/main" id="{913AAD25-38CE-4D39-0EAA-1F0C193AEDF4}"/>
+              </a:ext>
+            </a:extLst>
+          </p:cNvPr>
+          <p:cNvPicPr>
+            <a:picLocks noChangeAspect="1" noChangeArrowheads="1"/>
+          </p:cNvPicPr>
+          <p:nvPr/>
+        </p:nvPicPr>
+        <p:blipFill>
+          <a:blip r:embed="rId2">
+            <a:extLst>
+              <a:ext uri="{28A0092B-C50C-407E-A947-70E740481C1C}">
+                <a14:useLocalDpi xmlns:a14="http://schemas.microsoft.com/office/drawing/2010/main" val="0"/>
+              </a:ext>
+            </a:extLst>
+          </a:blip>
+          <a:srcRect/>
+          <a:stretch>
+            <a:fillRect/>
+          </a:stretch>
+        </p:blipFill>
+        <p:spPr bwMode="auto">
+          <a:xfrm>
+            <a:off x="1012825" y="890588"/>
+            <a:ext cx="1571625" cy="2420938"/>
+          </a:xfrm>
+          <a:prstGeom prst="rect">
+            <a:avLst/>
+          </a:prstGeom>
+          <a:extLst>
+            <a:ext uri="{909E8E84-426E-40DD-AFC4-6F175D3DCCD1}">
+              <a14:hiddenFill xmlns:a14="http://schemas.microsoft.com/office/drawing/2010/main">
+                <a:solidFill>
+                  <a:srgbClr val="FFFFFF"/>
+                </a:solidFill>
+              </a14:hiddenFill>
+            </a:ext>
+          </a:extLst>
+        </p:spPr>
+      </p:pic>
+      <p:pic>
+        <p:nvPicPr>
+          <p:cNvPr id="7" name="Picture 16" descr="Amazon.co.jp: Algebraic Geometry and Statistical Learning Theory (Cambridge  Monographs on Applied and Computational Mathematics, Series Number 25) :  Watanabe, Sumio: Foreign Language Books">
+            <a:extLst>
+              <a:ext uri="{FF2B5EF4-FFF2-40B4-BE49-F238E27FC236}">
+                <a16:creationId xmlns:a16="http://schemas.microsoft.com/office/drawing/2014/main" id="{40BAE233-3A11-8BA7-53CD-0BD4816369DE}"/>
+              </a:ext>
+            </a:extLst>
+          </p:cNvPr>
+          <p:cNvPicPr>
+            <a:picLocks noChangeAspect="1" noChangeArrowheads="1"/>
+          </p:cNvPicPr>
+          <p:nvPr/>
+        </p:nvPicPr>
+        <p:blipFill>
+          <a:blip r:embed="rId3">
+            <a:extLst>
+              <a:ext uri="{28A0092B-C50C-407E-A947-70E740481C1C}">
+                <a14:useLocalDpi xmlns:a14="http://schemas.microsoft.com/office/drawing/2010/main" val="0"/>
+              </a:ext>
+            </a:extLst>
+          </a:blip>
+          <a:srcRect/>
+          <a:stretch>
+            <a:fillRect/>
+          </a:stretch>
+        </p:blipFill>
+        <p:spPr bwMode="auto">
+          <a:xfrm>
+            <a:off x="1012825" y="3381375"/>
+            <a:ext cx="1571625" cy="2579688"/>
+          </a:xfrm>
+          <a:prstGeom prst="rect">
+            <a:avLst/>
+          </a:prstGeom>
+          <a:extLst>
+            <a:ext uri="{909E8E84-426E-40DD-AFC4-6F175D3DCCD1}">
+              <a14:hiddenFill xmlns:a14="http://schemas.microsoft.com/office/drawing/2010/main">
+                <a:solidFill>
+                  <a:srgbClr val="FFFFFF"/>
+                </a:solidFill>
+              </a14:hiddenFill>
+            </a:ext>
+          </a:extLst>
+        </p:spPr>
+      </p:pic>
+      <p:pic>
+        <p:nvPicPr>
+          <p:cNvPr id="8" name="Picture 10" descr="Statistical Learning Theory by Vapnik, Vladimir N.">
+            <a:extLst>
+              <a:ext uri="{FF2B5EF4-FFF2-40B4-BE49-F238E27FC236}">
+                <a16:creationId xmlns:a16="http://schemas.microsoft.com/office/drawing/2014/main" id="{7CC8DAEE-340B-28E3-833A-442F871C2BAC}"/>
+              </a:ext>
+            </a:extLst>
+          </p:cNvPr>
+          <p:cNvPicPr>
+            <a:picLocks noChangeAspect="1" noChangeArrowheads="1"/>
+          </p:cNvPicPr>
+          <p:nvPr/>
+        </p:nvPicPr>
+        <p:blipFill>
+          <a:blip r:embed="rId4">
+            <a:extLst>
+              <a:ext uri="{28A0092B-C50C-407E-A947-70E740481C1C}">
+                <a14:useLocalDpi xmlns:a14="http://schemas.microsoft.com/office/drawing/2010/main" val="0"/>
+              </a:ext>
+            </a:extLst>
+          </a:blip>
+          <a:srcRect/>
+          <a:stretch>
+            <a:fillRect/>
+          </a:stretch>
+        </p:blipFill>
+        <p:spPr bwMode="auto">
+          <a:xfrm>
+            <a:off x="2654300" y="890588"/>
+            <a:ext cx="3078163" cy="5070475"/>
+          </a:xfrm>
+          <a:prstGeom prst="rect">
+            <a:avLst/>
+          </a:prstGeom>
+          <a:extLst>
+            <a:ext uri="{909E8E84-426E-40DD-AFC4-6F175D3DCCD1}">
+              <a14:hiddenFill xmlns:a14="http://schemas.microsoft.com/office/drawing/2010/main">
+                <a:solidFill>
+                  <a:srgbClr val="FFFFFF"/>
+                </a:solidFill>
+              </a14:hiddenFill>
+            </a:ext>
+          </a:extLst>
+        </p:spPr>
+      </p:pic>
+      <p:pic>
+        <p:nvPicPr>
+          <p:cNvPr id="9" name="Picture 20" descr="Amazon | Pattern Recognition and Machine Learning (Information Science and  Statistics) | Bishop, Christopher M. | Machine Vision">
+            <a:extLst>
+              <a:ext uri="{FF2B5EF4-FFF2-40B4-BE49-F238E27FC236}">
+                <a16:creationId xmlns:a16="http://schemas.microsoft.com/office/drawing/2014/main" id="{64D93BD3-E7FB-E03C-BBB4-22BFC2105C7C}"/>
+              </a:ext>
+            </a:extLst>
+          </p:cNvPr>
+          <p:cNvPicPr>
+            <a:picLocks noChangeAspect="1" noChangeArrowheads="1"/>
+          </p:cNvPicPr>
+          <p:nvPr/>
+        </p:nvPicPr>
+        <p:blipFill>
+          <a:blip r:embed="rId5">
+            <a:extLst>
+              <a:ext uri="{28A0092B-C50C-407E-A947-70E740481C1C}">
+                <a14:useLocalDpi xmlns:a14="http://schemas.microsoft.com/office/drawing/2010/main" val="0"/>
+              </a:ext>
+            </a:extLst>
+          </a:blip>
+          <a:srcRect/>
+          <a:stretch>
+            <a:fillRect/>
+          </a:stretch>
+        </p:blipFill>
+        <p:spPr bwMode="auto">
+          <a:xfrm>
+            <a:off x="5802313" y="890588"/>
+            <a:ext cx="1858963" cy="2535238"/>
+          </a:xfrm>
+          <a:prstGeom prst="rect">
+            <a:avLst/>
+          </a:prstGeom>
+          <a:extLst>
+            <a:ext uri="{909E8E84-426E-40DD-AFC4-6F175D3DCCD1}">
+              <a14:hiddenFill xmlns:a14="http://schemas.microsoft.com/office/drawing/2010/main">
+                <a:solidFill>
+                  <a:srgbClr val="FFFFFF"/>
+                </a:solidFill>
+              </a14:hiddenFill>
+            </a:ext>
+          </a:extLst>
+        </p:spPr>
+      </p:pic>
+      <p:pic>
+        <p:nvPicPr>
+          <p:cNvPr id="10" name="Picture 2" descr="Boosting: Foundations and Algorithms... by Schapire, Robert E.">
+            <a:extLst>
+              <a:ext uri="{FF2B5EF4-FFF2-40B4-BE49-F238E27FC236}">
+                <a16:creationId xmlns:a16="http://schemas.microsoft.com/office/drawing/2014/main" id="{7D56FCD0-F63D-6054-BF26-3E4BF4276C1F}"/>
+              </a:ext>
+            </a:extLst>
+          </p:cNvPr>
+          <p:cNvPicPr>
+            <a:picLocks noChangeAspect="1" noChangeArrowheads="1"/>
+          </p:cNvPicPr>
+          <p:nvPr/>
+        </p:nvPicPr>
+        <p:blipFill>
+          <a:blip r:embed="rId6">
+            <a:extLst>
+              <a:ext uri="{28A0092B-C50C-407E-A947-70E740481C1C}">
+                <a14:useLocalDpi xmlns:a14="http://schemas.microsoft.com/office/drawing/2010/main" val="0"/>
+              </a:ext>
+            </a:extLst>
+          </a:blip>
+          <a:srcRect/>
+          <a:stretch>
+            <a:fillRect/>
+          </a:stretch>
+        </p:blipFill>
+        <p:spPr bwMode="auto">
+          <a:xfrm>
+            <a:off x="5802313" y="3495675"/>
+            <a:ext cx="1858963" cy="2465388"/>
+          </a:xfrm>
+          <a:prstGeom prst="rect">
+            <a:avLst/>
+          </a:prstGeom>
+          <a:extLst>
+            <a:ext uri="{909E8E84-426E-40DD-AFC4-6F175D3DCCD1}">
+              <a14:hiddenFill xmlns:a14="http://schemas.microsoft.com/office/drawing/2010/main">
+                <a:solidFill>
+                  <a:srgbClr val="FFFFFF"/>
+                </a:solidFill>
+              </a14:hiddenFill>
+            </a:ext>
+          </a:extLst>
+        </p:spPr>
+      </p:pic>
+      <p:pic>
+        <p:nvPicPr>
+          <p:cNvPr id="11" name="Picture 18" descr="Amazon.co.jp: Information Geometry and Its Applications (Applied  Mathematical Sciences, 194) : Amari, Shun-ichi: Foreign Language Books">
+            <a:extLst>
+              <a:ext uri="{FF2B5EF4-FFF2-40B4-BE49-F238E27FC236}">
+                <a16:creationId xmlns:a16="http://schemas.microsoft.com/office/drawing/2014/main" id="{A689F387-7EBB-B826-7F75-BA4D141D04F1}"/>
+              </a:ext>
+            </a:extLst>
+          </p:cNvPr>
+          <p:cNvPicPr>
+            <a:picLocks noChangeAspect="1" noChangeArrowheads="1"/>
+          </p:cNvPicPr>
+          <p:nvPr/>
+        </p:nvPicPr>
+        <p:blipFill>
+          <a:blip r:embed="rId7">
+            <a:extLst>
+              <a:ext uri="{28A0092B-C50C-407E-A947-70E740481C1C}">
+                <a14:useLocalDpi xmlns:a14="http://schemas.microsoft.com/office/drawing/2010/main" val="0"/>
+              </a:ext>
+            </a:extLst>
+          </a:blip>
+          <a:srcRect/>
+          <a:stretch>
+            <a:fillRect/>
+          </a:stretch>
+        </p:blipFill>
+        <p:spPr bwMode="auto">
+          <a:xfrm>
+            <a:off x="7729538" y="890588"/>
+            <a:ext cx="1673225" cy="2740025"/>
+          </a:xfrm>
+          <a:prstGeom prst="rect">
+            <a:avLst/>
+          </a:prstGeom>
+          <a:extLst>
+            <a:ext uri="{909E8E84-426E-40DD-AFC4-6F175D3DCCD1}">
+              <a14:hiddenFill xmlns:a14="http://schemas.microsoft.com/office/drawing/2010/main">
+                <a:solidFill>
+                  <a:srgbClr val="FFFFFF"/>
+                </a:solidFill>
+              </a14:hiddenFill>
+            </a:ext>
+          </a:extLst>
+        </p:spPr>
+      </p:pic>
+      <p:pic>
+        <p:nvPicPr>
+          <p:cNvPr id="12" name="Picture 8" descr="Amazon.co.jp: Deep Learning (Adaptive Computation and Machine Learning  series) : Goodfellow, Ian, Bengio, Yoshua, Courville, Aaron: Foreign  Language Books">
+            <a:extLst>
+              <a:ext uri="{FF2B5EF4-FFF2-40B4-BE49-F238E27FC236}">
+                <a16:creationId xmlns:a16="http://schemas.microsoft.com/office/drawing/2014/main" id="{CA877241-88FC-54C1-5EFE-EE7F204EE795}"/>
+              </a:ext>
+            </a:extLst>
+          </p:cNvPr>
+          <p:cNvPicPr>
+            <a:picLocks noChangeAspect="1" noChangeArrowheads="1"/>
+          </p:cNvPicPr>
+          <p:nvPr/>
+        </p:nvPicPr>
+        <p:blipFill>
+          <a:blip r:embed="rId8">
+            <a:extLst>
+              <a:ext uri="{28A0092B-C50C-407E-A947-70E740481C1C}">
+                <a14:useLocalDpi xmlns:a14="http://schemas.microsoft.com/office/drawing/2010/main" val="0"/>
+              </a:ext>
+            </a:extLst>
+          </a:blip>
+          <a:srcRect/>
+          <a:stretch>
+            <a:fillRect/>
+          </a:stretch>
+        </p:blipFill>
+        <p:spPr bwMode="auto">
+          <a:xfrm>
+            <a:off x="7729538" y="3702050"/>
+            <a:ext cx="1673225" cy="2260600"/>
+          </a:xfrm>
+          <a:prstGeom prst="rect">
+            <a:avLst/>
+          </a:prstGeom>
+          <a:extLst>
+            <a:ext uri="{909E8E84-426E-40DD-AFC4-6F175D3DCCD1}">
+              <a14:hiddenFill xmlns:a14="http://schemas.microsoft.com/office/drawing/2010/main">
+                <a:solidFill>
+                  <a:srgbClr val="FFFFFF"/>
+                </a:solidFill>
+              </a14:hiddenFill>
+            </a:ext>
+          </a:extLst>
+        </p:spPr>
+      </p:pic>
+      <p:pic>
+        <p:nvPicPr>
+          <p:cNvPr id="13" name="Picture 12" descr="A book cover with colorful ribbons&#10;&#10;Description automatically generated">
+            <a:extLst>
+              <a:ext uri="{FF2B5EF4-FFF2-40B4-BE49-F238E27FC236}">
+                <a16:creationId xmlns:a16="http://schemas.microsoft.com/office/drawing/2014/main" id="{58EBB980-DF0D-54ED-1A93-924D5A451CA0}"/>
+              </a:ext>
+            </a:extLst>
+          </p:cNvPr>
+          <p:cNvPicPr>
+            <a:picLocks noChangeAspect="1" noChangeArrowheads="1"/>
+          </p:cNvPicPr>
+          <p:nvPr/>
+        </p:nvPicPr>
+        <p:blipFill>
+          <a:blip r:embed="rId9">
+            <a:extLst>
+              <a:ext uri="{28A0092B-C50C-407E-A947-70E740481C1C}">
+                <a14:useLocalDpi xmlns:a14="http://schemas.microsoft.com/office/drawing/2010/main" val="0"/>
+              </a:ext>
+            </a:extLst>
+          </a:blip>
+          <a:srcRect/>
+          <a:stretch>
+            <a:fillRect/>
+          </a:stretch>
+        </p:blipFill>
+        <p:spPr bwMode="auto">
+          <a:xfrm>
+            <a:off x="9472613" y="890588"/>
+            <a:ext cx="1752600" cy="2284413"/>
+          </a:xfrm>
+          <a:prstGeom prst="rect">
+            <a:avLst/>
+          </a:prstGeom>
+          <a:extLst>
+            <a:ext uri="{909E8E84-426E-40DD-AFC4-6F175D3DCCD1}">
+              <a14:hiddenFill xmlns:a14="http://schemas.microsoft.com/office/drawing/2010/main">
+                <a:solidFill>
+                  <a:srgbClr val="FFFFFF"/>
+                </a:solidFill>
+              </a14:hiddenFill>
+            </a:ext>
+          </a:extLst>
+        </p:spPr>
+      </p:pic>
+      <p:pic>
+        <p:nvPicPr>
+          <p:cNvPr id="14" name="Picture 14" descr="A book cover with text&#10;&#10;Description automatically generated">
+            <a:extLst>
+              <a:ext uri="{FF2B5EF4-FFF2-40B4-BE49-F238E27FC236}">
+                <a16:creationId xmlns:a16="http://schemas.microsoft.com/office/drawing/2014/main" id="{898E1B92-2750-151B-CF1F-3D4D823E81D0}"/>
+              </a:ext>
+            </a:extLst>
+          </p:cNvPr>
+          <p:cNvPicPr>
+            <a:picLocks noChangeAspect="1" noChangeArrowheads="1"/>
+          </p:cNvPicPr>
+          <p:nvPr/>
+        </p:nvPicPr>
+        <p:blipFill>
+          <a:blip r:embed="rId10">
+            <a:extLst>
+              <a:ext uri="{28A0092B-C50C-407E-A947-70E740481C1C}">
+                <a14:useLocalDpi xmlns:a14="http://schemas.microsoft.com/office/drawing/2010/main" val="0"/>
+              </a:ext>
+            </a:extLst>
+          </a:blip>
+          <a:srcRect/>
+          <a:stretch>
+            <a:fillRect/>
+          </a:stretch>
+        </p:blipFill>
+        <p:spPr bwMode="auto">
+          <a:xfrm>
+            <a:off x="9472613" y="3244850"/>
+            <a:ext cx="1752600" cy="2716213"/>
+          </a:xfrm>
+          <a:prstGeom prst="rect">
+            <a:avLst/>
+          </a:prstGeom>
+          <a:extLst>
+            <a:ext uri="{909E8E84-426E-40DD-AFC4-6F175D3DCCD1}">
+              <a14:hiddenFill xmlns:a14="http://schemas.microsoft.com/office/drawing/2010/main">
+                <a:solidFill>
+                  <a:srgbClr val="FFFFFF"/>
+                </a:solidFill>
+              </a14:hiddenFill>
+            </a:ext>
+          </a:extLst>
+        </p:spPr>
+      </p:pic>
+    </p:spTree>
+    <p:extLst>
+      <p:ext uri="{BB962C8B-B14F-4D97-AF65-F5344CB8AC3E}">
+        <p14:creationId xmlns:p14="http://schemas.microsoft.com/office/powerpoint/2010/main" val="491299959"/>
       </p:ext>
     </p:extLst>
   </p:cSld>
@@ -8472,7 +8712,7 @@
           <p:cNvPr id="2" name="Title 1">
             <a:extLst>
               <a:ext uri="{FF2B5EF4-FFF2-40B4-BE49-F238E27FC236}">
-                <a16:creationId xmlns:a16="http://schemas.microsoft.com/office/drawing/2014/main" id="{4D914BA7-60B8-A5A3-57C8-C104217EA4EC}"/>
+                <a16:creationId xmlns:a16="http://schemas.microsoft.com/office/drawing/2014/main" id="{7169FB76-2489-0C66-548F-C3B9E2CD8A65}"/>
               </a:ext>
             </a:extLst>
           </p:cNvPr>
@@ -8497,7 +8737,7 @@
           <p:cNvPr id="3" name="Content Placeholder 2">
             <a:extLst>
               <a:ext uri="{FF2B5EF4-FFF2-40B4-BE49-F238E27FC236}">
-                <a16:creationId xmlns:a16="http://schemas.microsoft.com/office/drawing/2014/main" id="{849EBF07-0419-0651-B9D4-B0F9BAF95E7F}"/>
+                <a16:creationId xmlns:a16="http://schemas.microsoft.com/office/drawing/2014/main" id="{9163913B-71DC-BD75-719B-A7EF5F00CE9E}"/>
               </a:ext>
             </a:extLst>
           </p:cNvPr>
@@ -8517,131 +8757,12 @@
           </a:p>
         </p:txBody>
       </p:sp>
-      <p:sp useBgFill="1">
-        <p:nvSpPr>
-          <p:cNvPr id="4" name="Rectangle 3">
-            <a:extLst>
-              <a:ext uri="{FF2B5EF4-FFF2-40B4-BE49-F238E27FC236}">
-                <a16:creationId xmlns:a16="http://schemas.microsoft.com/office/drawing/2014/main" id="{19D96C3A-CD1E-DD59-8946-31D5C6E57904}"/>
-              </a:ext>
-              <a:ext uri="{C183D7F6-B498-43B3-948B-1728B52AA6E4}">
-                <adec:decorative xmlns:adec="http://schemas.microsoft.com/office/drawing/2017/decorative" val="1"/>
-              </a:ext>
-            </a:extLst>
-          </p:cNvPr>
-          <p:cNvSpPr/>
-          <p:nvPr>
-            <p:extLst>
-              <p:ext uri="{386F3935-93C4-4BCD-93E2-E3B085C9AB24}">
-                <p16:designElem xmlns:p16="http://schemas.microsoft.com/office/powerpoint/2015/main" val="1"/>
-              </p:ext>
-            </p:extLst>
-          </p:nvPr>
-        </p:nvSpPr>
-        <p:spPr>
-          <a:xfrm>
-            <a:off x="0" y="0"/>
-            <a:ext cx="12191695" cy="6858000"/>
-          </a:xfrm>
-          <a:prstGeom prst="rect">
-            <a:avLst/>
-          </a:prstGeom>
-          <a:ln>
-            <a:noFill/>
-          </a:ln>
-        </p:spPr>
-        <p:style>
-          <a:lnRef idx="2">
-            <a:schemeClr val="accent1">
-              <a:shade val="50000"/>
-            </a:schemeClr>
-          </a:lnRef>
-          <a:fillRef idx="1">
-            <a:schemeClr val="accent1"/>
-          </a:fillRef>
-          <a:effectRef idx="0">
-            <a:schemeClr val="accent1"/>
-          </a:effectRef>
-          <a:fontRef idx="minor">
-            <a:schemeClr val="lt1"/>
-          </a:fontRef>
-        </p:style>
-        <p:txBody>
-          <a:bodyPr rtlCol="0" anchor="ctr"/>
-          <a:lstStyle/>
-          <a:p>
-            <a:pPr algn="ctr"/>
-            <a:endParaRPr lang="en-US"/>
-          </a:p>
-        </p:txBody>
-      </p:sp>
-      <p:sp>
-        <p:nvSpPr>
-          <p:cNvPr id="5" name="Rectangle 4">
-            <a:extLst>
-              <a:ext uri="{FF2B5EF4-FFF2-40B4-BE49-F238E27FC236}">
-                <a16:creationId xmlns:a16="http://schemas.microsoft.com/office/drawing/2014/main" id="{991158B8-1C6F-4428-3153-1AE3FA717D81}"/>
-              </a:ext>
-              <a:ext uri="{C183D7F6-B498-43B3-948B-1728B52AA6E4}">
-                <adec:decorative xmlns:adec="http://schemas.microsoft.com/office/drawing/2017/decorative" val="1"/>
-              </a:ext>
-            </a:extLst>
-          </p:cNvPr>
-          <p:cNvSpPr/>
-          <p:nvPr>
-            <p:extLst>
-              <p:ext uri="{386F3935-93C4-4BCD-93E2-E3B085C9AB24}">
-                <p16:designElem xmlns:p16="http://schemas.microsoft.com/office/powerpoint/2015/main" val="1"/>
-              </p:ext>
-            </p:extLst>
-          </p:nvPr>
-        </p:nvSpPr>
-        <p:spPr>
-          <a:xfrm>
-            <a:off x="0" y="891540"/>
-            <a:ext cx="722376" cy="5071110"/>
-          </a:xfrm>
-          <a:prstGeom prst="rect">
-            <a:avLst/>
-          </a:prstGeom>
-          <a:solidFill>
-            <a:srgbClr val="4C5254"/>
-          </a:solidFill>
-          <a:ln>
-            <a:noFill/>
-          </a:ln>
-        </p:spPr>
-        <p:style>
-          <a:lnRef idx="2">
-            <a:schemeClr val="accent1">
-              <a:shade val="50000"/>
-            </a:schemeClr>
-          </a:lnRef>
-          <a:fillRef idx="1">
-            <a:schemeClr val="accent1"/>
-          </a:fillRef>
-          <a:effectRef idx="0">
-            <a:schemeClr val="accent1"/>
-          </a:effectRef>
-          <a:fontRef idx="minor">
-            <a:schemeClr val="lt1"/>
-          </a:fontRef>
-        </p:style>
-        <p:txBody>
-          <a:bodyPr rtlCol="0" anchor="ctr"/>
-          <a:lstStyle/>
-          <a:p>
-            <a:pPr algn="ctr"/>
-            <a:endParaRPr lang="en-US"/>
-          </a:p>
-        </p:txBody>
-      </p:sp>
       <p:pic>
         <p:nvPicPr>
-          <p:cNvPr id="6" name="Picture 4" descr="Perceptrons: An Introduction... by Minsky, Marvin">
-            <a:extLst>
-              <a:ext uri="{FF2B5EF4-FFF2-40B4-BE49-F238E27FC236}">
-                <a16:creationId xmlns:a16="http://schemas.microsoft.com/office/drawing/2014/main" id="{913AAD25-38CE-4D39-0EAA-1F0C193AEDF4}"/>
+          <p:cNvPr id="1026" name="Picture 2" descr="情報理論の要素 (ワイリーシリーズイン 、カバー 、トーマスハードカバー + = - 画像1/1">
+            <a:extLst>
+              <a:ext uri="{FF2B5EF4-FFF2-40B4-BE49-F238E27FC236}">
+                <a16:creationId xmlns:a16="http://schemas.microsoft.com/office/drawing/2014/main" id="{04302A6E-5E4E-50D5-D84E-537DCD511644}"/>
               </a:ext>
             </a:extLst>
           </p:cNvPr>
@@ -8665,12 +8786,13 @@
         </p:blipFill>
         <p:spPr bwMode="auto">
           <a:xfrm>
-            <a:off x="1012825" y="890588"/>
-            <a:ext cx="1571625" cy="2420938"/>
+            <a:off x="432603" y="0"/>
+            <a:ext cx="4365308" cy="6929060"/>
           </a:xfrm>
           <a:prstGeom prst="rect">
             <a:avLst/>
           </a:prstGeom>
+          <a:noFill/>
           <a:extLst>
             <a:ext uri="{909E8E84-426E-40DD-AFC4-6F175D3DCCD1}">
               <a14:hiddenFill xmlns:a14="http://schemas.microsoft.com/office/drawing/2010/main">
@@ -8684,10 +8806,10 @@
       </p:pic>
       <p:pic>
         <p:nvPicPr>
-          <p:cNvPr id="7" name="Picture 16" descr="Amazon.co.jp: Algebraic Geometry and Statistical Learning Theory (Cambridge  Monographs on Applied and Computational Mathematics, Series Number 25) :  Watanabe, Sumio: Foreign Language Books">
-            <a:extLst>
-              <a:ext uri="{FF2B5EF4-FFF2-40B4-BE49-F238E27FC236}">
-                <a16:creationId xmlns:a16="http://schemas.microsoft.com/office/drawing/2014/main" id="{40BAE233-3A11-8BA7-53CD-0BD4816369DE}"/>
+          <p:cNvPr id="1030" name="Picture 6" descr="elvis on X: &quot;Information Theory, Inference, and Learning Algorithms This is  hands down one of the best books you can spend time on if you are studying  CS or ML. It unifies">
+            <a:extLst>
+              <a:ext uri="{FF2B5EF4-FFF2-40B4-BE49-F238E27FC236}">
+                <a16:creationId xmlns:a16="http://schemas.microsoft.com/office/drawing/2014/main" id="{7B546EB9-A5D0-6A4E-84C1-350FE4D9C396}"/>
               </a:ext>
             </a:extLst>
           </p:cNvPr>
@@ -8711,334 +8833,13 @@
         </p:blipFill>
         <p:spPr bwMode="auto">
           <a:xfrm>
-            <a:off x="1012825" y="3381375"/>
-            <a:ext cx="1571625" cy="2579688"/>
+            <a:off x="6486525" y="0"/>
+            <a:ext cx="5705475" cy="6858000"/>
           </a:xfrm>
           <a:prstGeom prst="rect">
             <a:avLst/>
           </a:prstGeom>
-          <a:extLst>
-            <a:ext uri="{909E8E84-426E-40DD-AFC4-6F175D3DCCD1}">
-              <a14:hiddenFill xmlns:a14="http://schemas.microsoft.com/office/drawing/2010/main">
-                <a:solidFill>
-                  <a:srgbClr val="FFFFFF"/>
-                </a:solidFill>
-              </a14:hiddenFill>
-            </a:ext>
-          </a:extLst>
-        </p:spPr>
-      </p:pic>
-      <p:pic>
-        <p:nvPicPr>
-          <p:cNvPr id="8" name="Picture 10" descr="Statistical Learning Theory by Vapnik, Vladimir N.">
-            <a:extLst>
-              <a:ext uri="{FF2B5EF4-FFF2-40B4-BE49-F238E27FC236}">
-                <a16:creationId xmlns:a16="http://schemas.microsoft.com/office/drawing/2014/main" id="{7CC8DAEE-340B-28E3-833A-442F871C2BAC}"/>
-              </a:ext>
-            </a:extLst>
-          </p:cNvPr>
-          <p:cNvPicPr>
-            <a:picLocks noChangeAspect="1" noChangeArrowheads="1"/>
-          </p:cNvPicPr>
-          <p:nvPr/>
-        </p:nvPicPr>
-        <p:blipFill>
-          <a:blip r:embed="rId4">
-            <a:extLst>
-              <a:ext uri="{28A0092B-C50C-407E-A947-70E740481C1C}">
-                <a14:useLocalDpi xmlns:a14="http://schemas.microsoft.com/office/drawing/2010/main" val="0"/>
-              </a:ext>
-            </a:extLst>
-          </a:blip>
-          <a:srcRect/>
-          <a:stretch>
-            <a:fillRect/>
-          </a:stretch>
-        </p:blipFill>
-        <p:spPr bwMode="auto">
-          <a:xfrm>
-            <a:off x="2654300" y="890588"/>
-            <a:ext cx="3078163" cy="5070475"/>
-          </a:xfrm>
-          <a:prstGeom prst="rect">
-            <a:avLst/>
-          </a:prstGeom>
-          <a:extLst>
-            <a:ext uri="{909E8E84-426E-40DD-AFC4-6F175D3DCCD1}">
-              <a14:hiddenFill xmlns:a14="http://schemas.microsoft.com/office/drawing/2010/main">
-                <a:solidFill>
-                  <a:srgbClr val="FFFFFF"/>
-                </a:solidFill>
-              </a14:hiddenFill>
-            </a:ext>
-          </a:extLst>
-        </p:spPr>
-      </p:pic>
-      <p:pic>
-        <p:nvPicPr>
-          <p:cNvPr id="9" name="Picture 20" descr="Amazon | Pattern Recognition and Machine Learning (Information Science and  Statistics) | Bishop, Christopher M. | Machine Vision">
-            <a:extLst>
-              <a:ext uri="{FF2B5EF4-FFF2-40B4-BE49-F238E27FC236}">
-                <a16:creationId xmlns:a16="http://schemas.microsoft.com/office/drawing/2014/main" id="{64D93BD3-E7FB-E03C-BBB4-22BFC2105C7C}"/>
-              </a:ext>
-            </a:extLst>
-          </p:cNvPr>
-          <p:cNvPicPr>
-            <a:picLocks noChangeAspect="1" noChangeArrowheads="1"/>
-          </p:cNvPicPr>
-          <p:nvPr/>
-        </p:nvPicPr>
-        <p:blipFill>
-          <a:blip r:embed="rId5">
-            <a:extLst>
-              <a:ext uri="{28A0092B-C50C-407E-A947-70E740481C1C}">
-                <a14:useLocalDpi xmlns:a14="http://schemas.microsoft.com/office/drawing/2010/main" val="0"/>
-              </a:ext>
-            </a:extLst>
-          </a:blip>
-          <a:srcRect/>
-          <a:stretch>
-            <a:fillRect/>
-          </a:stretch>
-        </p:blipFill>
-        <p:spPr bwMode="auto">
-          <a:xfrm>
-            <a:off x="5802313" y="890588"/>
-            <a:ext cx="1858963" cy="2535238"/>
-          </a:xfrm>
-          <a:prstGeom prst="rect">
-            <a:avLst/>
-          </a:prstGeom>
-          <a:extLst>
-            <a:ext uri="{909E8E84-426E-40DD-AFC4-6F175D3DCCD1}">
-              <a14:hiddenFill xmlns:a14="http://schemas.microsoft.com/office/drawing/2010/main">
-                <a:solidFill>
-                  <a:srgbClr val="FFFFFF"/>
-                </a:solidFill>
-              </a14:hiddenFill>
-            </a:ext>
-          </a:extLst>
-        </p:spPr>
-      </p:pic>
-      <p:pic>
-        <p:nvPicPr>
-          <p:cNvPr id="10" name="Picture 2" descr="Boosting: Foundations and Algorithms... by Schapire, Robert E.">
-            <a:extLst>
-              <a:ext uri="{FF2B5EF4-FFF2-40B4-BE49-F238E27FC236}">
-                <a16:creationId xmlns:a16="http://schemas.microsoft.com/office/drawing/2014/main" id="{7D56FCD0-F63D-6054-BF26-3E4BF4276C1F}"/>
-              </a:ext>
-            </a:extLst>
-          </p:cNvPr>
-          <p:cNvPicPr>
-            <a:picLocks noChangeAspect="1" noChangeArrowheads="1"/>
-          </p:cNvPicPr>
-          <p:nvPr/>
-        </p:nvPicPr>
-        <p:blipFill>
-          <a:blip r:embed="rId6">
-            <a:extLst>
-              <a:ext uri="{28A0092B-C50C-407E-A947-70E740481C1C}">
-                <a14:useLocalDpi xmlns:a14="http://schemas.microsoft.com/office/drawing/2010/main" val="0"/>
-              </a:ext>
-            </a:extLst>
-          </a:blip>
-          <a:srcRect/>
-          <a:stretch>
-            <a:fillRect/>
-          </a:stretch>
-        </p:blipFill>
-        <p:spPr bwMode="auto">
-          <a:xfrm>
-            <a:off x="5802313" y="3495675"/>
-            <a:ext cx="1858963" cy="2465388"/>
-          </a:xfrm>
-          <a:prstGeom prst="rect">
-            <a:avLst/>
-          </a:prstGeom>
-          <a:extLst>
-            <a:ext uri="{909E8E84-426E-40DD-AFC4-6F175D3DCCD1}">
-              <a14:hiddenFill xmlns:a14="http://schemas.microsoft.com/office/drawing/2010/main">
-                <a:solidFill>
-                  <a:srgbClr val="FFFFFF"/>
-                </a:solidFill>
-              </a14:hiddenFill>
-            </a:ext>
-          </a:extLst>
-        </p:spPr>
-      </p:pic>
-      <p:pic>
-        <p:nvPicPr>
-          <p:cNvPr id="11" name="Picture 18" descr="Amazon.co.jp: Information Geometry and Its Applications (Applied  Mathematical Sciences, 194) : Amari, Shun-ichi: Foreign Language Books">
-            <a:extLst>
-              <a:ext uri="{FF2B5EF4-FFF2-40B4-BE49-F238E27FC236}">
-                <a16:creationId xmlns:a16="http://schemas.microsoft.com/office/drawing/2014/main" id="{A689F387-7EBB-B826-7F75-BA4D141D04F1}"/>
-              </a:ext>
-            </a:extLst>
-          </p:cNvPr>
-          <p:cNvPicPr>
-            <a:picLocks noChangeAspect="1" noChangeArrowheads="1"/>
-          </p:cNvPicPr>
-          <p:nvPr/>
-        </p:nvPicPr>
-        <p:blipFill>
-          <a:blip r:embed="rId7">
-            <a:extLst>
-              <a:ext uri="{28A0092B-C50C-407E-A947-70E740481C1C}">
-                <a14:useLocalDpi xmlns:a14="http://schemas.microsoft.com/office/drawing/2010/main" val="0"/>
-              </a:ext>
-            </a:extLst>
-          </a:blip>
-          <a:srcRect/>
-          <a:stretch>
-            <a:fillRect/>
-          </a:stretch>
-        </p:blipFill>
-        <p:spPr bwMode="auto">
-          <a:xfrm>
-            <a:off x="7729538" y="890588"/>
-            <a:ext cx="1673225" cy="2740025"/>
-          </a:xfrm>
-          <a:prstGeom prst="rect">
-            <a:avLst/>
-          </a:prstGeom>
-          <a:extLst>
-            <a:ext uri="{909E8E84-426E-40DD-AFC4-6F175D3DCCD1}">
-              <a14:hiddenFill xmlns:a14="http://schemas.microsoft.com/office/drawing/2010/main">
-                <a:solidFill>
-                  <a:srgbClr val="FFFFFF"/>
-                </a:solidFill>
-              </a14:hiddenFill>
-            </a:ext>
-          </a:extLst>
-        </p:spPr>
-      </p:pic>
-      <p:pic>
-        <p:nvPicPr>
-          <p:cNvPr id="12" name="Picture 8" descr="Amazon.co.jp: Deep Learning (Adaptive Computation and Machine Learning  series) : Goodfellow, Ian, Bengio, Yoshua, Courville, Aaron: Foreign  Language Books">
-            <a:extLst>
-              <a:ext uri="{FF2B5EF4-FFF2-40B4-BE49-F238E27FC236}">
-                <a16:creationId xmlns:a16="http://schemas.microsoft.com/office/drawing/2014/main" id="{CA877241-88FC-54C1-5EFE-EE7F204EE795}"/>
-              </a:ext>
-            </a:extLst>
-          </p:cNvPr>
-          <p:cNvPicPr>
-            <a:picLocks noChangeAspect="1" noChangeArrowheads="1"/>
-          </p:cNvPicPr>
-          <p:nvPr/>
-        </p:nvPicPr>
-        <p:blipFill>
-          <a:blip r:embed="rId8">
-            <a:extLst>
-              <a:ext uri="{28A0092B-C50C-407E-A947-70E740481C1C}">
-                <a14:useLocalDpi xmlns:a14="http://schemas.microsoft.com/office/drawing/2010/main" val="0"/>
-              </a:ext>
-            </a:extLst>
-          </a:blip>
-          <a:srcRect/>
-          <a:stretch>
-            <a:fillRect/>
-          </a:stretch>
-        </p:blipFill>
-        <p:spPr bwMode="auto">
-          <a:xfrm>
-            <a:off x="7729538" y="3702050"/>
-            <a:ext cx="1673225" cy="2260600"/>
-          </a:xfrm>
-          <a:prstGeom prst="rect">
-            <a:avLst/>
-          </a:prstGeom>
-          <a:extLst>
-            <a:ext uri="{909E8E84-426E-40DD-AFC4-6F175D3DCCD1}">
-              <a14:hiddenFill xmlns:a14="http://schemas.microsoft.com/office/drawing/2010/main">
-                <a:solidFill>
-                  <a:srgbClr val="FFFFFF"/>
-                </a:solidFill>
-              </a14:hiddenFill>
-            </a:ext>
-          </a:extLst>
-        </p:spPr>
-      </p:pic>
-      <p:pic>
-        <p:nvPicPr>
-          <p:cNvPr id="13" name="Picture 12" descr="A book cover with colorful ribbons&#10;&#10;Description automatically generated">
-            <a:extLst>
-              <a:ext uri="{FF2B5EF4-FFF2-40B4-BE49-F238E27FC236}">
-                <a16:creationId xmlns:a16="http://schemas.microsoft.com/office/drawing/2014/main" id="{58EBB980-DF0D-54ED-1A93-924D5A451CA0}"/>
-              </a:ext>
-            </a:extLst>
-          </p:cNvPr>
-          <p:cNvPicPr>
-            <a:picLocks noChangeAspect="1" noChangeArrowheads="1"/>
-          </p:cNvPicPr>
-          <p:nvPr/>
-        </p:nvPicPr>
-        <p:blipFill>
-          <a:blip r:embed="rId9">
-            <a:extLst>
-              <a:ext uri="{28A0092B-C50C-407E-A947-70E740481C1C}">
-                <a14:useLocalDpi xmlns:a14="http://schemas.microsoft.com/office/drawing/2010/main" val="0"/>
-              </a:ext>
-            </a:extLst>
-          </a:blip>
-          <a:srcRect/>
-          <a:stretch>
-            <a:fillRect/>
-          </a:stretch>
-        </p:blipFill>
-        <p:spPr bwMode="auto">
-          <a:xfrm>
-            <a:off x="9472613" y="890588"/>
-            <a:ext cx="1752600" cy="2284413"/>
-          </a:xfrm>
-          <a:prstGeom prst="rect">
-            <a:avLst/>
-          </a:prstGeom>
-          <a:extLst>
-            <a:ext uri="{909E8E84-426E-40DD-AFC4-6F175D3DCCD1}">
-              <a14:hiddenFill xmlns:a14="http://schemas.microsoft.com/office/drawing/2010/main">
-                <a:solidFill>
-                  <a:srgbClr val="FFFFFF"/>
-                </a:solidFill>
-              </a14:hiddenFill>
-            </a:ext>
-          </a:extLst>
-        </p:spPr>
-      </p:pic>
-      <p:pic>
-        <p:nvPicPr>
-          <p:cNvPr id="14" name="Picture 14" descr="A book cover with text&#10;&#10;Description automatically generated">
-            <a:extLst>
-              <a:ext uri="{FF2B5EF4-FFF2-40B4-BE49-F238E27FC236}">
-                <a16:creationId xmlns:a16="http://schemas.microsoft.com/office/drawing/2014/main" id="{898E1B92-2750-151B-CF1F-3D4D823E81D0}"/>
-              </a:ext>
-            </a:extLst>
-          </p:cNvPr>
-          <p:cNvPicPr>
-            <a:picLocks noChangeAspect="1" noChangeArrowheads="1"/>
-          </p:cNvPicPr>
-          <p:nvPr/>
-        </p:nvPicPr>
-        <p:blipFill>
-          <a:blip r:embed="rId10">
-            <a:extLst>
-              <a:ext uri="{28A0092B-C50C-407E-A947-70E740481C1C}">
-                <a14:useLocalDpi xmlns:a14="http://schemas.microsoft.com/office/drawing/2010/main" val="0"/>
-              </a:ext>
-            </a:extLst>
-          </a:blip>
-          <a:srcRect/>
-          <a:stretch>
-            <a:fillRect/>
-          </a:stretch>
-        </p:blipFill>
-        <p:spPr bwMode="auto">
-          <a:xfrm>
-            <a:off x="9472613" y="3244850"/>
-            <a:ext cx="1752600" cy="2716213"/>
-          </a:xfrm>
-          <a:prstGeom prst="rect">
-            <a:avLst/>
-          </a:prstGeom>
+          <a:noFill/>
           <a:extLst>
             <a:ext uri="{909E8E84-426E-40DD-AFC4-6F175D3DCCD1}">
               <a14:hiddenFill xmlns:a14="http://schemas.microsoft.com/office/drawing/2010/main">
@@ -9053,7 +8854,7 @@
     </p:spTree>
     <p:extLst>
       <p:ext uri="{BB962C8B-B14F-4D97-AF65-F5344CB8AC3E}">
-        <p14:creationId xmlns:p14="http://schemas.microsoft.com/office/powerpoint/2010/main" val="491299959"/>
+        <p14:creationId xmlns:p14="http://schemas.microsoft.com/office/powerpoint/2010/main" val="2850535214"/>
       </p:ext>
     </p:extLst>
   </p:cSld>
@@ -9085,7 +8886,7 @@
           <p:cNvPr id="2" name="Title 1">
             <a:extLst>
               <a:ext uri="{FF2B5EF4-FFF2-40B4-BE49-F238E27FC236}">
-                <a16:creationId xmlns:a16="http://schemas.microsoft.com/office/drawing/2014/main" id="{7169FB76-2489-0C66-548F-C3B9E2CD8A65}"/>
+                <a16:creationId xmlns:a16="http://schemas.microsoft.com/office/drawing/2014/main" id="{B92499FD-411F-95A4-8870-7A53AF7A6F8E}"/>
               </a:ext>
             </a:extLst>
           </p:cNvPr>
@@ -9110,7 +8911,7 @@
           <p:cNvPr id="3" name="Content Placeholder 2">
             <a:extLst>
               <a:ext uri="{FF2B5EF4-FFF2-40B4-BE49-F238E27FC236}">
-                <a16:creationId xmlns:a16="http://schemas.microsoft.com/office/drawing/2014/main" id="{9163913B-71DC-BD75-719B-A7EF5F00CE9E}"/>
+                <a16:creationId xmlns:a16="http://schemas.microsoft.com/office/drawing/2014/main" id="{B964C452-3716-6D83-5735-5E420F20BCC0}"/>
               </a:ext>
             </a:extLst>
           </p:cNvPr>
@@ -9132,10 +8933,10 @@
       </p:sp>
       <p:pic>
         <p:nvPicPr>
-          <p:cNvPr id="1026" name="Picture 2" descr="情報理論の要素 (ワイリーシリーズイン 、カバー 、トーマスハードカバー + = - 画像1/1">
-            <a:extLst>
-              <a:ext uri="{FF2B5EF4-FFF2-40B4-BE49-F238E27FC236}">
-                <a16:creationId xmlns:a16="http://schemas.microsoft.com/office/drawing/2014/main" id="{04302A6E-5E4E-50D5-D84E-537DCD511644}"/>
+          <p:cNvPr id="1030" name="Picture 6" descr="Inference and Learning from Data: Volume 2:... by Sayed, Ali H.">
+            <a:extLst>
+              <a:ext uri="{FF2B5EF4-FFF2-40B4-BE49-F238E27FC236}">
+                <a16:creationId xmlns:a16="http://schemas.microsoft.com/office/drawing/2014/main" id="{689A299E-434A-1539-F82F-B6EFBFA8DAD9}"/>
               </a:ext>
             </a:extLst>
           </p:cNvPr>
@@ -9145,7 +8946,7 @@
           <p:nvPr/>
         </p:nvPicPr>
         <p:blipFill>
-          <a:blip r:embed="rId2">
+          <a:blip r:embed="rId3">
             <a:extLst>
               <a:ext uri="{28A0092B-C50C-407E-A947-70E740481C1C}">
                 <a14:useLocalDpi xmlns:a14="http://schemas.microsoft.com/office/drawing/2010/main" val="0"/>
@@ -9159,8 +8960,8 @@
         </p:blipFill>
         <p:spPr bwMode="auto">
           <a:xfrm>
-            <a:off x="432603" y="0"/>
-            <a:ext cx="4365308" cy="6929060"/>
+            <a:off x="4225165" y="971164"/>
+            <a:ext cx="3643319" cy="5272744"/>
           </a:xfrm>
           <a:prstGeom prst="rect">
             <a:avLst/>
@@ -9179,10 +8980,10 @@
       </p:pic>
       <p:pic>
         <p:nvPicPr>
-          <p:cNvPr id="1030" name="Picture 6" descr="elvis on X: &quot;Information Theory, Inference, and Learning Algorithms This is  hands down one of the best books you can spend time on if you are studying  CS or ML. It unifies">
-            <a:extLst>
-              <a:ext uri="{FF2B5EF4-FFF2-40B4-BE49-F238E27FC236}">
-                <a16:creationId xmlns:a16="http://schemas.microsoft.com/office/drawing/2014/main" id="{7B546EB9-A5D0-6A4E-84C1-350FE4D9C396}"/>
+          <p:cNvPr id="1032" name="Picture 8" descr="Inference and Learning from Data: Volume 1:... by Sayed, Ali H.">
+            <a:extLst>
+              <a:ext uri="{FF2B5EF4-FFF2-40B4-BE49-F238E27FC236}">
+                <a16:creationId xmlns:a16="http://schemas.microsoft.com/office/drawing/2014/main" id="{4016D007-6D2B-BEDD-0B93-B19823DC9050}"/>
               </a:ext>
             </a:extLst>
           </p:cNvPr>
@@ -9192,7 +8993,7 @@
           <p:nvPr/>
         </p:nvPicPr>
         <p:blipFill>
-          <a:blip r:embed="rId3">
+          <a:blip r:embed="rId4">
             <a:extLst>
               <a:ext uri="{28A0092B-C50C-407E-A947-70E740481C1C}">
                 <a14:useLocalDpi xmlns:a14="http://schemas.microsoft.com/office/drawing/2010/main" val="0"/>
@@ -9206,8 +9007,8 @@
         </p:blipFill>
         <p:spPr bwMode="auto">
           <a:xfrm>
-            <a:off x="6486525" y="0"/>
-            <a:ext cx="5705475" cy="6858000"/>
+            <a:off x="122987" y="971166"/>
+            <a:ext cx="3604113" cy="5216004"/>
           </a:xfrm>
           <a:prstGeom prst="rect">
             <a:avLst/>
@@ -9224,10 +9025,57 @@
           </a:extLst>
         </p:spPr>
       </p:pic>
+      <p:pic>
+        <p:nvPicPr>
+          <p:cNvPr id="1034" name="Picture 10" descr="Inference and Learning from Data: Volume 3:... by Sayed, Ali H.">
+            <a:extLst>
+              <a:ext uri="{FF2B5EF4-FFF2-40B4-BE49-F238E27FC236}">
+                <a16:creationId xmlns:a16="http://schemas.microsoft.com/office/drawing/2014/main" id="{BE6A1750-9892-6119-CC88-524D9FD22EE5}"/>
+              </a:ext>
+            </a:extLst>
+          </p:cNvPr>
+          <p:cNvPicPr>
+            <a:picLocks noChangeAspect="1" noChangeArrowheads="1"/>
+          </p:cNvPicPr>
+          <p:nvPr/>
+        </p:nvPicPr>
+        <p:blipFill>
+          <a:blip r:embed="rId5">
+            <a:extLst>
+              <a:ext uri="{28A0092B-C50C-407E-A947-70E740481C1C}">
+                <a14:useLocalDpi xmlns:a14="http://schemas.microsoft.com/office/drawing/2010/main" val="0"/>
+              </a:ext>
+            </a:extLst>
+          </a:blip>
+          <a:srcRect/>
+          <a:stretch>
+            <a:fillRect/>
+          </a:stretch>
+        </p:blipFill>
+        <p:spPr bwMode="auto">
+          <a:xfrm>
+            <a:off x="8226091" y="971164"/>
+            <a:ext cx="3643319" cy="5272743"/>
+          </a:xfrm>
+          <a:prstGeom prst="rect">
+            <a:avLst/>
+          </a:prstGeom>
+          <a:noFill/>
+          <a:extLst>
+            <a:ext uri="{909E8E84-426E-40DD-AFC4-6F175D3DCCD1}">
+              <a14:hiddenFill xmlns:a14="http://schemas.microsoft.com/office/drawing/2010/main">
+                <a:solidFill>
+                  <a:srgbClr val="FFFFFF"/>
+                </a:solidFill>
+              </a14:hiddenFill>
+            </a:ext>
+          </a:extLst>
+        </p:spPr>
+      </p:pic>
     </p:spTree>
     <p:extLst>
       <p:ext uri="{BB962C8B-B14F-4D97-AF65-F5344CB8AC3E}">
-        <p14:creationId xmlns:p14="http://schemas.microsoft.com/office/powerpoint/2010/main" val="2850535214"/>
+        <p14:creationId xmlns:p14="http://schemas.microsoft.com/office/powerpoint/2010/main" val="2189988050"/>
       </p:ext>
     </p:extLst>
   </p:cSld>
@@ -9259,7 +9107,7 @@
           <p:cNvPr id="2" name="Title 1">
             <a:extLst>
               <a:ext uri="{FF2B5EF4-FFF2-40B4-BE49-F238E27FC236}">
-                <a16:creationId xmlns:a16="http://schemas.microsoft.com/office/drawing/2014/main" id="{B92499FD-411F-95A4-8870-7A53AF7A6F8E}"/>
+                <a16:creationId xmlns:a16="http://schemas.microsoft.com/office/drawing/2014/main" id="{C0F842C2-1E65-5B3B-DE02-264DE19BE364}"/>
               </a:ext>
             </a:extLst>
           </p:cNvPr>
@@ -9270,12 +9118,53 @@
             <p:ph type="title"/>
           </p:nvPr>
         </p:nvSpPr>
-        <p:spPr/>
+        <p:spPr>
+          <a:xfrm>
+            <a:off x="300318" y="0"/>
+            <a:ext cx="10515600" cy="1325563"/>
+          </a:xfrm>
+        </p:spPr>
         <p:txBody>
           <a:bodyPr/>
           <a:lstStyle/>
           <a:p>
-            <a:endParaRPr kumimoji="1" lang="ja-JP" altLang="en-US"/>
+            <a:r>
+              <a:rPr kumimoji="1" lang="en-US" altLang="ja-JP" b="1" dirty="0" err="1">
+                <a:solidFill>
+                  <a:schemeClr val="accent5"/>
+                </a:solidFill>
+              </a:rPr>
+              <a:t>Contraharmonic</a:t>
+            </a:r>
+            <a:r>
+              <a:rPr kumimoji="1" lang="en-US" altLang="ja-JP" b="1" dirty="0">
+                <a:solidFill>
+                  <a:schemeClr val="accent5"/>
+                </a:solidFill>
+              </a:rPr>
+              <a:t> or </a:t>
+            </a:r>
+            <a:r>
+              <a:rPr kumimoji="1" lang="en-US" altLang="ja-JP" b="1" dirty="0" err="1">
+                <a:solidFill>
+                  <a:schemeClr val="accent5"/>
+                </a:solidFill>
+              </a:rPr>
+              <a:t>antiharmonic</a:t>
+            </a:r>
+            <a:r>
+              <a:rPr kumimoji="1" lang="en-US" altLang="ja-JP" b="1" dirty="0">
+                <a:solidFill>
+                  <a:schemeClr val="accent5"/>
+                </a:solidFill>
+              </a:rPr>
+              <a:t> mean</a:t>
+            </a:r>
+            <a:endParaRPr kumimoji="1" lang="ja-JP" altLang="en-US" b="1" dirty="0">
+              <a:solidFill>
+                <a:schemeClr val="accent5"/>
+              </a:solidFill>
+            </a:endParaRPr>
           </a:p>
         </p:txBody>
       </p:sp>
@@ -9284,7 +9173,7 @@
           <p:cNvPr id="3" name="Content Placeholder 2">
             <a:extLst>
               <a:ext uri="{FF2B5EF4-FFF2-40B4-BE49-F238E27FC236}">
-                <a16:creationId xmlns:a16="http://schemas.microsoft.com/office/drawing/2014/main" id="{B964C452-3716-6D83-5735-5E420F20BCC0}"/>
+                <a16:creationId xmlns:a16="http://schemas.microsoft.com/office/drawing/2014/main" id="{BC4EE631-2EFE-D138-8C83-89892299F470}"/>
               </a:ext>
             </a:extLst>
           </p:cNvPr>
@@ -9295,160 +9184,126 @@
             <p:ph idx="1"/>
           </p:nvPr>
         </p:nvSpPr>
-        <p:spPr/>
+        <p:spPr>
+          <a:xfrm>
+            <a:off x="386379" y="1459865"/>
+            <a:ext cx="10515600" cy="4351338"/>
+          </a:xfrm>
+        </p:spPr>
         <p:txBody>
           <a:bodyPr/>
           <a:lstStyle/>
           <a:p>
-            <a:endParaRPr kumimoji="1" lang="ja-JP" altLang="en-US"/>
+            <a:r>
+              <a:rPr kumimoji="1" lang="en-US" altLang="ja-JP" dirty="0" err="1"/>
+              <a:t>Contraharmonic</a:t>
+            </a:r>
+            <a:r>
+              <a:rPr kumimoji="1" lang="en-US" altLang="ja-JP" dirty="0"/>
+              <a:t> or </a:t>
+            </a:r>
+            <a:r>
+              <a:rPr kumimoji="1" lang="en-US" altLang="ja-JP" dirty="0" err="1"/>
+              <a:t>antiharmonic</a:t>
+            </a:r>
+            <a:r>
+              <a:rPr kumimoji="1" lang="en-US" altLang="ja-JP" dirty="0"/>
+              <a:t> mean of n positive reals:</a:t>
+            </a:r>
+          </a:p>
+          <a:p>
+            <a:endParaRPr lang="en-US" altLang="ja-JP" dirty="0"/>
+          </a:p>
+          <a:p>
+            <a:endParaRPr kumimoji="1" lang="en-US" altLang="ja-JP" dirty="0"/>
+          </a:p>
+          <a:p>
+            <a:endParaRPr lang="en-US" altLang="ja-JP" dirty="0"/>
+          </a:p>
+          <a:p>
+            <a:endParaRPr kumimoji="1" lang="en-US" altLang="ja-JP" dirty="0"/>
+          </a:p>
+          <a:p>
+            <a:r>
+              <a:rPr kumimoji="1" lang="en-US" altLang="ja-JP" dirty="0"/>
+              <a:t>The </a:t>
+            </a:r>
+            <a:r>
+              <a:rPr kumimoji="1" lang="en-US" altLang="ja-JP" dirty="0" err="1"/>
+              <a:t>contraharmonic</a:t>
+            </a:r>
+            <a:r>
+              <a:rPr kumimoji="1" lang="en-US" altLang="ja-JP" dirty="0"/>
+              <a:t> mean is the solution of the sum of the squares with relative errors:</a:t>
+            </a:r>
+            <a:endParaRPr kumimoji="1" lang="ja-JP" altLang="en-US" dirty="0"/>
           </a:p>
         </p:txBody>
       </p:sp>
       <p:pic>
         <p:nvPicPr>
-          <p:cNvPr id="1030" name="Picture 6" descr="Inference and Learning from Data: Volume 2:... by Sayed, Ali H.">
-            <a:extLst>
-              <a:ext uri="{FF2B5EF4-FFF2-40B4-BE49-F238E27FC236}">
-                <a16:creationId xmlns:a16="http://schemas.microsoft.com/office/drawing/2014/main" id="{689A299E-434A-1539-F82F-B6EFBFA8DAD9}"/>
+          <p:cNvPr id="5" name="Picture 4">
+            <a:extLst>
+              <a:ext uri="{FF2B5EF4-FFF2-40B4-BE49-F238E27FC236}">
+                <a16:creationId xmlns:a16="http://schemas.microsoft.com/office/drawing/2014/main" id="{13935E09-A257-1C98-FFF7-0B0104418F04}"/>
               </a:ext>
             </a:extLst>
           </p:cNvPr>
           <p:cNvPicPr>
-            <a:picLocks noChangeAspect="1" noChangeArrowheads="1"/>
+            <a:picLocks noChangeAspect="1"/>
           </p:cNvPicPr>
           <p:nvPr/>
         </p:nvPicPr>
         <p:blipFill>
-          <a:blip r:embed="rId3">
-            <a:extLst>
-              <a:ext uri="{28A0092B-C50C-407E-A947-70E740481C1C}">
-                <a14:useLocalDpi xmlns:a14="http://schemas.microsoft.com/office/drawing/2010/main" val="0"/>
-              </a:ext>
-            </a:extLst>
-          </a:blip>
-          <a:srcRect/>
+          <a:blip r:embed="rId2"/>
           <a:stretch>
             <a:fillRect/>
           </a:stretch>
         </p:blipFill>
-        <p:spPr bwMode="auto">
-          <a:xfrm>
-            <a:off x="4225165" y="971164"/>
-            <a:ext cx="3643319" cy="5272744"/>
+        <p:spPr>
+          <a:xfrm>
+            <a:off x="2308188" y="2159598"/>
+            <a:ext cx="6103934" cy="1269402"/>
           </a:xfrm>
           <a:prstGeom prst="rect">
             <a:avLst/>
           </a:prstGeom>
-          <a:noFill/>
-          <a:extLst>
-            <a:ext uri="{909E8E84-426E-40DD-AFC4-6F175D3DCCD1}">
-              <a14:hiddenFill xmlns:a14="http://schemas.microsoft.com/office/drawing/2010/main">
-                <a:solidFill>
-                  <a:srgbClr val="FFFFFF"/>
-                </a:solidFill>
-              </a14:hiddenFill>
-            </a:ext>
-          </a:extLst>
         </p:spPr>
       </p:pic>
       <p:pic>
         <p:nvPicPr>
-          <p:cNvPr id="1032" name="Picture 8" descr="Inference and Learning from Data: Volume 1:... by Sayed, Ali H.">
-            <a:extLst>
-              <a:ext uri="{FF2B5EF4-FFF2-40B4-BE49-F238E27FC236}">
-                <a16:creationId xmlns:a16="http://schemas.microsoft.com/office/drawing/2014/main" id="{4016D007-6D2B-BEDD-0B93-B19823DC9050}"/>
+          <p:cNvPr id="7" name="Picture 6">
+            <a:extLst>
+              <a:ext uri="{FF2B5EF4-FFF2-40B4-BE49-F238E27FC236}">
+                <a16:creationId xmlns:a16="http://schemas.microsoft.com/office/drawing/2014/main" id="{52095837-D1C8-2991-B464-52F7803070A7}"/>
               </a:ext>
             </a:extLst>
           </p:cNvPr>
           <p:cNvPicPr>
-            <a:picLocks noChangeAspect="1" noChangeArrowheads="1"/>
+            <a:picLocks noChangeAspect="1"/>
           </p:cNvPicPr>
           <p:nvPr/>
         </p:nvPicPr>
         <p:blipFill>
-          <a:blip r:embed="rId4">
-            <a:extLst>
-              <a:ext uri="{28A0092B-C50C-407E-A947-70E740481C1C}">
-                <a14:useLocalDpi xmlns:a14="http://schemas.microsoft.com/office/drawing/2010/main" val="0"/>
-              </a:ext>
-            </a:extLst>
-          </a:blip>
-          <a:srcRect/>
+          <a:blip r:embed="rId3"/>
           <a:stretch>
             <a:fillRect/>
           </a:stretch>
         </p:blipFill>
-        <p:spPr bwMode="auto">
-          <a:xfrm>
-            <a:off x="122987" y="971166"/>
-            <a:ext cx="3604113" cy="5216004"/>
+        <p:spPr>
+          <a:xfrm>
+            <a:off x="2435004" y="4920952"/>
+            <a:ext cx="7961366" cy="1557020"/>
           </a:xfrm>
           <a:prstGeom prst="rect">
             <a:avLst/>
           </a:prstGeom>
-          <a:noFill/>
-          <a:extLst>
-            <a:ext uri="{909E8E84-426E-40DD-AFC4-6F175D3DCCD1}">
-              <a14:hiddenFill xmlns:a14="http://schemas.microsoft.com/office/drawing/2010/main">
-                <a:solidFill>
-                  <a:srgbClr val="FFFFFF"/>
-                </a:solidFill>
-              </a14:hiddenFill>
-            </a:ext>
-          </a:extLst>
-        </p:spPr>
-      </p:pic>
-      <p:pic>
-        <p:nvPicPr>
-          <p:cNvPr id="1034" name="Picture 10" descr="Inference and Learning from Data: Volume 3:... by Sayed, Ali H.">
-            <a:extLst>
-              <a:ext uri="{FF2B5EF4-FFF2-40B4-BE49-F238E27FC236}">
-                <a16:creationId xmlns:a16="http://schemas.microsoft.com/office/drawing/2014/main" id="{BE6A1750-9892-6119-CC88-524D9FD22EE5}"/>
-              </a:ext>
-            </a:extLst>
-          </p:cNvPr>
-          <p:cNvPicPr>
-            <a:picLocks noChangeAspect="1" noChangeArrowheads="1"/>
-          </p:cNvPicPr>
-          <p:nvPr/>
-        </p:nvPicPr>
-        <p:blipFill>
-          <a:blip r:embed="rId5">
-            <a:extLst>
-              <a:ext uri="{28A0092B-C50C-407E-A947-70E740481C1C}">
-                <a14:useLocalDpi xmlns:a14="http://schemas.microsoft.com/office/drawing/2010/main" val="0"/>
-              </a:ext>
-            </a:extLst>
-          </a:blip>
-          <a:srcRect/>
-          <a:stretch>
-            <a:fillRect/>
-          </a:stretch>
-        </p:blipFill>
-        <p:spPr bwMode="auto">
-          <a:xfrm>
-            <a:off x="8226091" y="971164"/>
-            <a:ext cx="3643319" cy="5272743"/>
-          </a:xfrm>
-          <a:prstGeom prst="rect">
-            <a:avLst/>
-          </a:prstGeom>
-          <a:noFill/>
-          <a:extLst>
-            <a:ext uri="{909E8E84-426E-40DD-AFC4-6F175D3DCCD1}">
-              <a14:hiddenFill xmlns:a14="http://schemas.microsoft.com/office/drawing/2010/main">
-                <a:solidFill>
-                  <a:srgbClr val="FFFFFF"/>
-                </a:solidFill>
-              </a14:hiddenFill>
-            </a:ext>
-          </a:extLst>
         </p:spPr>
       </p:pic>
     </p:spTree>
     <p:extLst>
       <p:ext uri="{BB962C8B-B14F-4D97-AF65-F5344CB8AC3E}">
-        <p14:creationId xmlns:p14="http://schemas.microsoft.com/office/powerpoint/2010/main" val="2189988050"/>
+        <p14:creationId xmlns:p14="http://schemas.microsoft.com/office/powerpoint/2010/main" val="2698045578"/>
       </p:ext>
     </p:extLst>
   </p:cSld>
@@ -9699,7 +9554,7 @@
           <p:cNvPr id="2" name="Title 1">
             <a:extLst>
               <a:ext uri="{FF2B5EF4-FFF2-40B4-BE49-F238E27FC236}">
-                <a16:creationId xmlns:a16="http://schemas.microsoft.com/office/drawing/2014/main" id="{C0F842C2-1E65-5B3B-DE02-264DE19BE364}"/>
+                <a16:creationId xmlns:a16="http://schemas.microsoft.com/office/drawing/2014/main" id="{3FA0BC29-32E6-08AC-1E69-1E050EEA8741}"/>
               </a:ext>
             </a:extLst>
           </p:cNvPr>
@@ -9710,53 +9565,12 @@
             <p:ph type="title"/>
           </p:nvPr>
         </p:nvSpPr>
-        <p:spPr>
-          <a:xfrm>
-            <a:off x="300318" y="0"/>
-            <a:ext cx="10515600" cy="1325563"/>
-          </a:xfrm>
-        </p:spPr>
+        <p:spPr/>
         <p:txBody>
           <a:bodyPr/>
           <a:lstStyle/>
           <a:p>
-            <a:r>
-              <a:rPr kumimoji="1" lang="en-US" altLang="ja-JP" b="1" dirty="0" err="1">
-                <a:solidFill>
-                  <a:schemeClr val="accent5"/>
-                </a:solidFill>
-              </a:rPr>
-              <a:t>Contraharmonic</a:t>
-            </a:r>
-            <a:r>
-              <a:rPr kumimoji="1" lang="en-US" altLang="ja-JP" b="1" dirty="0">
-                <a:solidFill>
-                  <a:schemeClr val="accent5"/>
-                </a:solidFill>
-              </a:rPr>
-              <a:t> or </a:t>
-            </a:r>
-            <a:r>
-              <a:rPr kumimoji="1" lang="en-US" altLang="ja-JP" b="1" dirty="0" err="1">
-                <a:solidFill>
-                  <a:schemeClr val="accent5"/>
-                </a:solidFill>
-              </a:rPr>
-              <a:t>antiharmonic</a:t>
-            </a:r>
-            <a:r>
-              <a:rPr kumimoji="1" lang="en-US" altLang="ja-JP" b="1" dirty="0">
-                <a:solidFill>
-                  <a:schemeClr val="accent5"/>
-                </a:solidFill>
-              </a:rPr>
-              <a:t> mean</a:t>
-            </a:r>
-            <a:endParaRPr kumimoji="1" lang="ja-JP" altLang="en-US" b="1" dirty="0">
-              <a:solidFill>
-                <a:schemeClr val="accent5"/>
-              </a:solidFill>
-            </a:endParaRPr>
+            <a:endParaRPr kumimoji="1" lang="ja-JP" altLang="en-US"/>
           </a:p>
         </p:txBody>
       </p:sp>
@@ -9765,7 +9579,7 @@
           <p:cNvPr id="3" name="Content Placeholder 2">
             <a:extLst>
               <a:ext uri="{FF2B5EF4-FFF2-40B4-BE49-F238E27FC236}">
-                <a16:creationId xmlns:a16="http://schemas.microsoft.com/office/drawing/2014/main" id="{BC4EE631-2EFE-D138-8C83-89892299F470}"/>
+                <a16:creationId xmlns:a16="http://schemas.microsoft.com/office/drawing/2014/main" id="{3A577BA7-4F10-A500-C0C6-968D9CEF318D}"/>
               </a:ext>
             </a:extLst>
           </p:cNvPr>
@@ -9776,126 +9590,101 @@
             <p:ph idx="1"/>
           </p:nvPr>
         </p:nvSpPr>
-        <p:spPr>
-          <a:xfrm>
-            <a:off x="386379" y="1459865"/>
-            <a:ext cx="10515600" cy="4351338"/>
-          </a:xfrm>
-        </p:spPr>
+        <p:spPr/>
         <p:txBody>
           <a:bodyPr/>
           <a:lstStyle/>
           <a:p>
-            <a:r>
-              <a:rPr kumimoji="1" lang="en-US" altLang="ja-JP" dirty="0" err="1"/>
-              <a:t>Contraharmonic</a:t>
-            </a:r>
-            <a:r>
-              <a:rPr kumimoji="1" lang="en-US" altLang="ja-JP" dirty="0"/>
-              <a:t> or </a:t>
-            </a:r>
-            <a:r>
-              <a:rPr kumimoji="1" lang="en-US" altLang="ja-JP" dirty="0" err="1"/>
-              <a:t>antiharmonic</a:t>
-            </a:r>
-            <a:r>
-              <a:rPr kumimoji="1" lang="en-US" altLang="ja-JP" dirty="0"/>
-              <a:t> mean of n positive reals:</a:t>
-            </a:r>
-          </a:p>
-          <a:p>
-            <a:endParaRPr lang="en-US" altLang="ja-JP" dirty="0"/>
-          </a:p>
-          <a:p>
-            <a:endParaRPr kumimoji="1" lang="en-US" altLang="ja-JP" dirty="0"/>
-          </a:p>
-          <a:p>
-            <a:endParaRPr lang="en-US" altLang="ja-JP" dirty="0"/>
-          </a:p>
-          <a:p>
-            <a:endParaRPr kumimoji="1" lang="en-US" altLang="ja-JP" dirty="0"/>
-          </a:p>
-          <a:p>
-            <a:r>
-              <a:rPr kumimoji="1" lang="en-US" altLang="ja-JP" dirty="0"/>
-              <a:t>The </a:t>
-            </a:r>
-            <a:r>
-              <a:rPr kumimoji="1" lang="en-US" altLang="ja-JP" dirty="0" err="1"/>
-              <a:t>contraharmonic</a:t>
-            </a:r>
-            <a:r>
-              <a:rPr kumimoji="1" lang="en-US" altLang="ja-JP" dirty="0"/>
-              <a:t> mean is the solution of the sum of the squares with relative errors:</a:t>
-            </a:r>
-            <a:endParaRPr kumimoji="1" lang="ja-JP" altLang="en-US" dirty="0"/>
+            <a:endParaRPr kumimoji="1" lang="ja-JP" altLang="en-US"/>
+          </a:p>
+        </p:txBody>
+      </p:sp>
+      <p:sp>
+        <p:nvSpPr>
+          <p:cNvPr id="7" name="TextBox 6">
+            <a:extLst>
+              <a:ext uri="{FF2B5EF4-FFF2-40B4-BE49-F238E27FC236}">
+                <a16:creationId xmlns:a16="http://schemas.microsoft.com/office/drawing/2014/main" id="{1A5D3A62-A170-950C-BBB2-831DF26F3A0D}"/>
+              </a:ext>
+            </a:extLst>
+          </p:cNvPr>
+          <p:cNvSpPr txBox="1"/>
+          <p:nvPr/>
+        </p:nvSpPr>
+        <p:spPr>
+          <a:xfrm>
+            <a:off x="3047104" y="3247023"/>
+            <a:ext cx="6094206" cy="369332"/>
+          </a:xfrm>
+          <a:prstGeom prst="rect">
+            <a:avLst/>
+          </a:prstGeom>
+          <a:noFill/>
+        </p:spPr>
+        <p:txBody>
+          <a:bodyPr wrap="square">
+            <a:spAutoFit/>
+          </a:bodyPr>
+          <a:lstStyle/>
+          <a:p>
+            <a:r>
+              <a:rPr lang="ja-JP" altLang="en-US" dirty="0"/>
+              <a:t>Andrej Karpathy</a:t>
+            </a:r>
           </a:p>
         </p:txBody>
       </p:sp>
       <p:pic>
         <p:nvPicPr>
-          <p:cNvPr id="5" name="Picture 4">
-            <a:extLst>
-              <a:ext uri="{FF2B5EF4-FFF2-40B4-BE49-F238E27FC236}">
-                <a16:creationId xmlns:a16="http://schemas.microsoft.com/office/drawing/2014/main" id="{13935E09-A257-1C98-FFF7-0B0104418F04}"/>
+          <p:cNvPr id="1026" name="Picture 2" descr="Mathematical Foundations of Nonextensive Statistical Mechanics : Umarov,  Sabir, Constantino, Tsallis: Foreign Language Books - Amazon.co.jp">
+            <a:extLst>
+              <a:ext uri="{FF2B5EF4-FFF2-40B4-BE49-F238E27FC236}">
+                <a16:creationId xmlns:a16="http://schemas.microsoft.com/office/drawing/2014/main" id="{544E1C15-82BC-011B-E712-A5C07A4B677D}"/>
               </a:ext>
             </a:extLst>
           </p:cNvPr>
           <p:cNvPicPr>
-            <a:picLocks noChangeAspect="1"/>
+            <a:picLocks noChangeAspect="1" noChangeArrowheads="1"/>
           </p:cNvPicPr>
           <p:nvPr/>
         </p:nvPicPr>
         <p:blipFill>
-          <a:blip r:embed="rId2"/>
+          <a:blip r:embed="rId2">
+            <a:extLst>
+              <a:ext uri="{28A0092B-C50C-407E-A947-70E740481C1C}">
+                <a14:useLocalDpi xmlns:a14="http://schemas.microsoft.com/office/drawing/2010/main" val="0"/>
+              </a:ext>
+            </a:extLst>
+          </a:blip>
+          <a:srcRect/>
           <a:stretch>
             <a:fillRect/>
           </a:stretch>
         </p:blipFill>
-        <p:spPr>
-          <a:xfrm>
-            <a:off x="2308188" y="2159598"/>
-            <a:ext cx="6103934" cy="1269402"/>
+        <p:spPr bwMode="auto">
+          <a:xfrm>
+            <a:off x="3938588" y="0"/>
+            <a:ext cx="4313237" cy="6858000"/>
           </a:xfrm>
           <a:prstGeom prst="rect">
             <a:avLst/>
           </a:prstGeom>
-        </p:spPr>
-      </p:pic>
-      <p:pic>
-        <p:nvPicPr>
-          <p:cNvPr id="7" name="Picture 6">
-            <a:extLst>
-              <a:ext uri="{FF2B5EF4-FFF2-40B4-BE49-F238E27FC236}">
-                <a16:creationId xmlns:a16="http://schemas.microsoft.com/office/drawing/2014/main" id="{52095837-D1C8-2991-B464-52F7803070A7}"/>
-              </a:ext>
-            </a:extLst>
-          </p:cNvPr>
-          <p:cNvPicPr>
-            <a:picLocks noChangeAspect="1"/>
-          </p:cNvPicPr>
-          <p:nvPr/>
-        </p:nvPicPr>
-        <p:blipFill>
-          <a:blip r:embed="rId3"/>
-          <a:stretch>
-            <a:fillRect/>
-          </a:stretch>
-        </p:blipFill>
-        <p:spPr>
-          <a:xfrm>
-            <a:off x="2435004" y="4920952"/>
-            <a:ext cx="7961366" cy="1557020"/>
-          </a:xfrm>
-          <a:prstGeom prst="rect">
-            <a:avLst/>
-          </a:prstGeom>
+          <a:noFill/>
+          <a:extLst>
+            <a:ext uri="{909E8E84-426E-40DD-AFC4-6F175D3DCCD1}">
+              <a14:hiddenFill xmlns:a14="http://schemas.microsoft.com/office/drawing/2010/main">
+                <a:solidFill>
+                  <a:srgbClr val="FFFFFF"/>
+                </a:solidFill>
+              </a14:hiddenFill>
+            </a:ext>
+          </a:extLst>
         </p:spPr>
       </p:pic>
     </p:spTree>
     <p:extLst>
       <p:ext uri="{BB962C8B-B14F-4D97-AF65-F5344CB8AC3E}">
-        <p14:creationId xmlns:p14="http://schemas.microsoft.com/office/powerpoint/2010/main" val="2698045578"/>
+        <p14:creationId xmlns:p14="http://schemas.microsoft.com/office/powerpoint/2010/main" val="3278326900"/>
       </p:ext>
     </p:extLst>
   </p:cSld>
@@ -9927,7 +9716,7 @@
           <p:cNvPr id="2" name="Title 1">
             <a:extLst>
               <a:ext uri="{FF2B5EF4-FFF2-40B4-BE49-F238E27FC236}">
-                <a16:creationId xmlns:a16="http://schemas.microsoft.com/office/drawing/2014/main" id="{3FA0BC29-32E6-08AC-1E69-1E050EEA8741}"/>
+                <a16:creationId xmlns:a16="http://schemas.microsoft.com/office/drawing/2014/main" id="{5F33BE79-287F-F1E0-E9A1-3DC661D30441}"/>
               </a:ext>
             </a:extLst>
           </p:cNvPr>
@@ -9952,7 +9741,7 @@
           <p:cNvPr id="3" name="Content Placeholder 2">
             <a:extLst>
               <a:ext uri="{FF2B5EF4-FFF2-40B4-BE49-F238E27FC236}">
-                <a16:creationId xmlns:a16="http://schemas.microsoft.com/office/drawing/2014/main" id="{3A577BA7-4F10-A500-C0C6-968D9CEF318D}"/>
+                <a16:creationId xmlns:a16="http://schemas.microsoft.com/office/drawing/2014/main" id="{BD1C5F32-B835-D7AB-B64E-E9E01C1F1793}"/>
               </a:ext>
             </a:extLst>
           </p:cNvPr>
@@ -9968,51 +9757,16 @@
           <a:bodyPr/>
           <a:lstStyle/>
           <a:p>
-            <a:endParaRPr kumimoji="1" lang="ja-JP" altLang="en-US"/>
-          </a:p>
-        </p:txBody>
-      </p:sp>
-      <p:sp>
-        <p:nvSpPr>
-          <p:cNvPr id="7" name="TextBox 6">
-            <a:extLst>
-              <a:ext uri="{FF2B5EF4-FFF2-40B4-BE49-F238E27FC236}">
-                <a16:creationId xmlns:a16="http://schemas.microsoft.com/office/drawing/2014/main" id="{1A5D3A62-A170-950C-BBB2-831DF26F3A0D}"/>
-              </a:ext>
-            </a:extLst>
-          </p:cNvPr>
-          <p:cNvSpPr txBox="1"/>
-          <p:nvPr/>
-        </p:nvSpPr>
-        <p:spPr>
-          <a:xfrm>
-            <a:off x="3047104" y="3247023"/>
-            <a:ext cx="6094206" cy="369332"/>
-          </a:xfrm>
-          <a:prstGeom prst="rect">
-            <a:avLst/>
-          </a:prstGeom>
-          <a:noFill/>
-        </p:spPr>
-        <p:txBody>
-          <a:bodyPr wrap="square">
-            <a:spAutoFit/>
-          </a:bodyPr>
-          <a:lstStyle/>
-          <a:p>
-            <a:r>
-              <a:rPr lang="ja-JP" altLang="en-US" dirty="0"/>
-              <a:t>Andrej Karpathy</a:t>
-            </a:r>
+            <a:endParaRPr kumimoji="1" lang="ja-JP" altLang="en-US" dirty="0"/>
           </a:p>
         </p:txBody>
       </p:sp>
       <p:pic>
         <p:nvPicPr>
-          <p:cNvPr id="1026" name="Picture 2" descr="Mathematical Foundations of Nonextensive Statistical Mechanics : Umarov,  Sabir, Constantino, Tsallis: Foreign Language Books - Amazon.co.jp">
-            <a:extLst>
-              <a:ext uri="{FF2B5EF4-FFF2-40B4-BE49-F238E27FC236}">
-                <a16:creationId xmlns:a16="http://schemas.microsoft.com/office/drawing/2014/main" id="{544E1C15-82BC-011B-E712-A5C07A4B677D}"/>
+          <p:cNvPr id="1026" name="Picture 2">
+            <a:extLst>
+              <a:ext uri="{FF2B5EF4-FFF2-40B4-BE49-F238E27FC236}">
+                <a16:creationId xmlns:a16="http://schemas.microsoft.com/office/drawing/2014/main" id="{E8E1EF77-1537-3746-6970-0A24C98AEBF5}"/>
               </a:ext>
             </a:extLst>
           </p:cNvPr>
@@ -10036,8 +9790,8 @@
         </p:blipFill>
         <p:spPr bwMode="auto">
           <a:xfrm>
-            <a:off x="3938588" y="0"/>
-            <a:ext cx="4313237" cy="6858000"/>
+            <a:off x="355002" y="214940"/>
+            <a:ext cx="2290108" cy="3313218"/>
           </a:xfrm>
           <a:prstGeom prst="rect">
             <a:avLst/>
@@ -10054,10 +9808,292 @@
           </a:extLst>
         </p:spPr>
       </p:pic>
+      <p:pic>
+        <p:nvPicPr>
+          <p:cNvPr id="1028" name="Picture 4">
+            <a:extLst>
+              <a:ext uri="{FF2B5EF4-FFF2-40B4-BE49-F238E27FC236}">
+                <a16:creationId xmlns:a16="http://schemas.microsoft.com/office/drawing/2014/main" id="{869FD3FC-AA72-3E95-6D32-9BA0C95C81A4}"/>
+              </a:ext>
+            </a:extLst>
+          </p:cNvPr>
+          <p:cNvPicPr>
+            <a:picLocks noChangeAspect="1" noChangeArrowheads="1"/>
+          </p:cNvPicPr>
+          <p:nvPr/>
+        </p:nvPicPr>
+        <p:blipFill>
+          <a:blip r:embed="rId3">
+            <a:extLst>
+              <a:ext uri="{28A0092B-C50C-407E-A947-70E740481C1C}">
+                <a14:useLocalDpi xmlns:a14="http://schemas.microsoft.com/office/drawing/2010/main" val="0"/>
+              </a:ext>
+            </a:extLst>
+          </a:blip>
+          <a:srcRect/>
+          <a:stretch>
+            <a:fillRect/>
+          </a:stretch>
+        </p:blipFill>
+        <p:spPr bwMode="auto">
+          <a:xfrm>
+            <a:off x="3491299" y="268154"/>
+            <a:ext cx="2067449" cy="3146612"/>
+          </a:xfrm>
+          <a:prstGeom prst="rect">
+            <a:avLst/>
+          </a:prstGeom>
+          <a:noFill/>
+          <a:extLst>
+            <a:ext uri="{909E8E84-426E-40DD-AFC4-6F175D3DCCD1}">
+              <a14:hiddenFill xmlns:a14="http://schemas.microsoft.com/office/drawing/2010/main">
+                <a:solidFill>
+                  <a:srgbClr val="FFFFFF"/>
+                </a:solidFill>
+              </a14:hiddenFill>
+            </a:ext>
+          </a:extLst>
+        </p:spPr>
+      </p:pic>
+      <p:pic>
+        <p:nvPicPr>
+          <p:cNvPr id="1030" name="Picture 6" descr="Cover book the Shallow and the Deep">
+            <a:extLst>
+              <a:ext uri="{FF2B5EF4-FFF2-40B4-BE49-F238E27FC236}">
+                <a16:creationId xmlns:a16="http://schemas.microsoft.com/office/drawing/2014/main" id="{4C31EA6B-35D8-7386-2F1F-4CC879758525}"/>
+              </a:ext>
+            </a:extLst>
+          </p:cNvPr>
+          <p:cNvPicPr>
+            <a:picLocks noChangeAspect="1" noChangeArrowheads="1"/>
+          </p:cNvPicPr>
+          <p:nvPr/>
+        </p:nvPicPr>
+        <p:blipFill>
+          <a:blip r:embed="rId4">
+            <a:extLst>
+              <a:ext uri="{28A0092B-C50C-407E-A947-70E740481C1C}">
+                <a14:useLocalDpi xmlns:a14="http://schemas.microsoft.com/office/drawing/2010/main" val="0"/>
+              </a:ext>
+            </a:extLst>
+          </a:blip>
+          <a:srcRect/>
+          <a:stretch>
+            <a:fillRect/>
+          </a:stretch>
+        </p:blipFill>
+        <p:spPr bwMode="auto">
+          <a:xfrm>
+            <a:off x="6404571" y="214940"/>
+            <a:ext cx="2180322" cy="3085156"/>
+          </a:xfrm>
+          <a:prstGeom prst="rect">
+            <a:avLst/>
+          </a:prstGeom>
+          <a:noFill/>
+          <a:extLst>
+            <a:ext uri="{909E8E84-426E-40DD-AFC4-6F175D3DCCD1}">
+              <a14:hiddenFill xmlns:a14="http://schemas.microsoft.com/office/drawing/2010/main">
+                <a:solidFill>
+                  <a:srgbClr val="FFFFFF"/>
+                </a:solidFill>
+              </a14:hiddenFill>
+            </a:ext>
+          </a:extLst>
+        </p:spPr>
+      </p:pic>
+      <p:pic>
+        <p:nvPicPr>
+          <p:cNvPr id="1032" name="Picture 8">
+            <a:extLst>
+              <a:ext uri="{FF2B5EF4-FFF2-40B4-BE49-F238E27FC236}">
+                <a16:creationId xmlns:a16="http://schemas.microsoft.com/office/drawing/2014/main" id="{BEAF9420-7EC0-0DC9-3B66-22A45F3C4B6B}"/>
+              </a:ext>
+            </a:extLst>
+          </p:cNvPr>
+          <p:cNvPicPr>
+            <a:picLocks noChangeAspect="1" noChangeArrowheads="1"/>
+          </p:cNvPicPr>
+          <p:nvPr/>
+        </p:nvPicPr>
+        <p:blipFill>
+          <a:blip r:embed="rId5">
+            <a:extLst>
+              <a:ext uri="{28A0092B-C50C-407E-A947-70E740481C1C}">
+                <a14:useLocalDpi xmlns:a14="http://schemas.microsoft.com/office/drawing/2010/main" val="0"/>
+              </a:ext>
+            </a:extLst>
+          </a:blip>
+          <a:srcRect/>
+          <a:stretch>
+            <a:fillRect/>
+          </a:stretch>
+        </p:blipFill>
+        <p:spPr bwMode="auto">
+          <a:xfrm>
+            <a:off x="9472879" y="348605"/>
+            <a:ext cx="2058640" cy="3085156"/>
+          </a:xfrm>
+          <a:prstGeom prst="rect">
+            <a:avLst/>
+          </a:prstGeom>
+          <a:noFill/>
+          <a:extLst>
+            <a:ext uri="{909E8E84-426E-40DD-AFC4-6F175D3DCCD1}">
+              <a14:hiddenFill xmlns:a14="http://schemas.microsoft.com/office/drawing/2010/main">
+                <a:solidFill>
+                  <a:srgbClr val="FFFFFF"/>
+                </a:solidFill>
+              </a14:hiddenFill>
+            </a:ext>
+          </a:extLst>
+        </p:spPr>
+      </p:pic>
+      <p:pic>
+        <p:nvPicPr>
+          <p:cNvPr id="1034" name="Picture 10">
+            <a:extLst>
+              <a:ext uri="{FF2B5EF4-FFF2-40B4-BE49-F238E27FC236}">
+                <a16:creationId xmlns:a16="http://schemas.microsoft.com/office/drawing/2014/main" id="{B6349382-C08D-FB12-28F5-0EEB161D7652}"/>
+              </a:ext>
+            </a:extLst>
+          </p:cNvPr>
+          <p:cNvPicPr>
+            <a:picLocks noChangeAspect="1" noChangeArrowheads="1"/>
+          </p:cNvPicPr>
+          <p:nvPr/>
+        </p:nvPicPr>
+        <p:blipFill>
+          <a:blip r:embed="rId6">
+            <a:extLst>
+              <a:ext uri="{28A0092B-C50C-407E-A947-70E740481C1C}">
+                <a14:useLocalDpi xmlns:a14="http://schemas.microsoft.com/office/drawing/2010/main" val="0"/>
+              </a:ext>
+            </a:extLst>
+          </a:blip>
+          <a:srcRect/>
+          <a:stretch>
+            <a:fillRect/>
+          </a:stretch>
+        </p:blipFill>
+        <p:spPr bwMode="auto">
+          <a:xfrm>
+            <a:off x="7781589" y="3607377"/>
+            <a:ext cx="2420285" cy="2993511"/>
+          </a:xfrm>
+          <a:prstGeom prst="rect">
+            <a:avLst/>
+          </a:prstGeom>
+          <a:noFill/>
+          <a:extLst>
+            <a:ext uri="{909E8E84-426E-40DD-AFC4-6F175D3DCCD1}">
+              <a14:hiddenFill xmlns:a14="http://schemas.microsoft.com/office/drawing/2010/main">
+                <a:solidFill>
+                  <a:srgbClr val="FFFFFF"/>
+                </a:solidFill>
+              </a14:hiddenFill>
+            </a:ext>
+          </a:extLst>
+        </p:spPr>
+      </p:pic>
+      <p:pic>
+        <p:nvPicPr>
+          <p:cNvPr id="1036" name="Picture 12">
+            <a:extLst>
+              <a:ext uri="{FF2B5EF4-FFF2-40B4-BE49-F238E27FC236}">
+                <a16:creationId xmlns:a16="http://schemas.microsoft.com/office/drawing/2014/main" id="{FFD4C5AA-B16F-2F9C-44BE-97F9A54338C0}"/>
+              </a:ext>
+            </a:extLst>
+          </p:cNvPr>
+          <p:cNvPicPr>
+            <a:picLocks noChangeAspect="1" noChangeArrowheads="1"/>
+          </p:cNvPicPr>
+          <p:nvPr/>
+        </p:nvPicPr>
+        <p:blipFill>
+          <a:blip r:embed="rId7">
+            <a:extLst>
+              <a:ext uri="{28A0092B-C50C-407E-A947-70E740481C1C}">
+                <a14:useLocalDpi xmlns:a14="http://schemas.microsoft.com/office/drawing/2010/main" val="0"/>
+              </a:ext>
+            </a:extLst>
+          </a:blip>
+          <a:srcRect/>
+          <a:stretch>
+            <a:fillRect/>
+          </a:stretch>
+        </p:blipFill>
+        <p:spPr bwMode="auto">
+          <a:xfrm>
+            <a:off x="4898649" y="3528158"/>
+            <a:ext cx="1944052" cy="3146612"/>
+          </a:xfrm>
+          <a:prstGeom prst="rect">
+            <a:avLst/>
+          </a:prstGeom>
+          <a:noFill/>
+          <a:extLst>
+            <a:ext uri="{909E8E84-426E-40DD-AFC4-6F175D3DCCD1}">
+              <a14:hiddenFill xmlns:a14="http://schemas.microsoft.com/office/drawing/2010/main">
+                <a:solidFill>
+                  <a:srgbClr val="FFFFFF"/>
+                </a:solidFill>
+              </a14:hiddenFill>
+            </a:ext>
+          </a:extLst>
+        </p:spPr>
+      </p:pic>
+      <p:pic>
+        <p:nvPicPr>
+          <p:cNvPr id="1038" name="Picture 14" descr="front cover">
+            <a:extLst>
+              <a:ext uri="{FF2B5EF4-FFF2-40B4-BE49-F238E27FC236}">
+                <a16:creationId xmlns:a16="http://schemas.microsoft.com/office/drawing/2014/main" id="{9A8537B1-AC44-E732-DE9E-58997F4CCC44}"/>
+              </a:ext>
+            </a:extLst>
+          </p:cNvPr>
+          <p:cNvPicPr>
+            <a:picLocks noChangeAspect="1" noChangeArrowheads="1"/>
+          </p:cNvPicPr>
+          <p:nvPr/>
+        </p:nvPicPr>
+        <p:blipFill>
+          <a:blip r:embed="rId8">
+            <a:extLst>
+              <a:ext uri="{28A0092B-C50C-407E-A947-70E740481C1C}">
+                <a14:useLocalDpi xmlns:a14="http://schemas.microsoft.com/office/drawing/2010/main" val="0"/>
+              </a:ext>
+            </a:extLst>
+          </a:blip>
+          <a:srcRect/>
+          <a:stretch>
+            <a:fillRect/>
+          </a:stretch>
+        </p:blipFill>
+        <p:spPr bwMode="auto">
+          <a:xfrm>
+            <a:off x="1153625" y="3517075"/>
+            <a:ext cx="2982969" cy="3340925"/>
+          </a:xfrm>
+          <a:prstGeom prst="rect">
+            <a:avLst/>
+          </a:prstGeom>
+          <a:noFill/>
+          <a:extLst>
+            <a:ext uri="{909E8E84-426E-40DD-AFC4-6F175D3DCCD1}">
+              <a14:hiddenFill xmlns:a14="http://schemas.microsoft.com/office/drawing/2010/main">
+                <a:solidFill>
+                  <a:srgbClr val="FFFFFF"/>
+                </a:solidFill>
+              </a14:hiddenFill>
+            </a:ext>
+          </a:extLst>
+        </p:spPr>
+      </p:pic>
     </p:spTree>
     <p:extLst>
       <p:ext uri="{BB962C8B-B14F-4D97-AF65-F5344CB8AC3E}">
-        <p14:creationId xmlns:p14="http://schemas.microsoft.com/office/powerpoint/2010/main" val="3278326900"/>
+        <p14:creationId xmlns:p14="http://schemas.microsoft.com/office/powerpoint/2010/main" val="1443018924"/>
       </p:ext>
     </p:extLst>
   </p:cSld>
@@ -10089,7 +10125,7 @@
           <p:cNvPr id="2" name="Title 1">
             <a:extLst>
               <a:ext uri="{FF2B5EF4-FFF2-40B4-BE49-F238E27FC236}">
-                <a16:creationId xmlns:a16="http://schemas.microsoft.com/office/drawing/2014/main" id="{5F33BE79-287F-F1E0-E9A1-3DC661D30441}"/>
+                <a16:creationId xmlns:a16="http://schemas.microsoft.com/office/drawing/2014/main" id="{1CC3642B-9742-5616-9937-0466314270FA}"/>
               </a:ext>
             </a:extLst>
           </p:cNvPr>
@@ -10100,46 +10136,248 @@
             <p:ph type="title"/>
           </p:nvPr>
         </p:nvSpPr>
-        <p:spPr/>
-        <p:txBody>
-          <a:bodyPr/>
+        <p:spPr>
+          <a:xfrm>
+            <a:off x="219966" y="-273488"/>
+            <a:ext cx="11752068" cy="1325563"/>
+          </a:xfrm>
+        </p:spPr>
+        <p:txBody>
+          <a:bodyPr>
+            <a:normAutofit/>
+          </a:bodyPr>
           <a:lstStyle/>
           <a:p>
-            <a:endParaRPr kumimoji="1" lang="ja-JP" altLang="en-US"/>
-          </a:p>
-        </p:txBody>
-      </p:sp>
-      <p:sp>
-        <p:nvSpPr>
-          <p:cNvPr id="3" name="Content Placeholder 2">
-            <a:extLst>
-              <a:ext uri="{FF2B5EF4-FFF2-40B4-BE49-F238E27FC236}">
-                <a16:creationId xmlns:a16="http://schemas.microsoft.com/office/drawing/2014/main" id="{BD1C5F32-B835-D7AB-B64E-E9E01C1F1793}"/>
-              </a:ext>
-            </a:extLst>
-          </p:cNvPr>
-          <p:cNvSpPr>
-            <a:spLocks noGrp="1"/>
-          </p:cNvSpPr>
-          <p:nvPr>
-            <p:ph idx="1"/>
-          </p:nvPr>
-        </p:nvSpPr>
-        <p:spPr/>
-        <p:txBody>
-          <a:bodyPr/>
-          <a:lstStyle/>
-          <a:p>
-            <a:endParaRPr kumimoji="1" lang="ja-JP" altLang="en-US" dirty="0"/>
+            <a:r>
+              <a:rPr kumimoji="1" lang="en-US" altLang="ja-JP" sz="3600" b="1" dirty="0">
+                <a:solidFill>
+                  <a:schemeClr val="accent5"/>
+                </a:solidFill>
+              </a:rPr>
+              <a:t>Hessian manifolds, Hessian geometry, Bregman geometry</a:t>
+            </a:r>
+            <a:endParaRPr kumimoji="1" lang="ja-JP" altLang="en-US" sz="3600" b="1" dirty="0">
+              <a:solidFill>
+                <a:schemeClr val="accent5"/>
+              </a:solidFill>
+            </a:endParaRPr>
           </a:p>
         </p:txBody>
       </p:sp>
       <p:pic>
         <p:nvPicPr>
-          <p:cNvPr id="1026" name="Picture 2">
-            <a:extLst>
-              <a:ext uri="{FF2B5EF4-FFF2-40B4-BE49-F238E27FC236}">
-                <a16:creationId xmlns:a16="http://schemas.microsoft.com/office/drawing/2014/main" id="{E8E1EF77-1537-3746-6970-0A24C98AEBF5}"/>
+          <p:cNvPr id="5" name="Content Placeholder 4" descr="A book cover with text&#10;&#10;Description automatically generated">
+            <a:extLst>
+              <a:ext uri="{FF2B5EF4-FFF2-40B4-BE49-F238E27FC236}">
+                <a16:creationId xmlns:a16="http://schemas.microsoft.com/office/drawing/2014/main" id="{D048D31E-7654-8254-FA04-F9748BFF69AF}"/>
+              </a:ext>
+            </a:extLst>
+          </p:cNvPr>
+          <p:cNvPicPr>
+            <a:picLocks noGrp="1" noChangeAspect="1"/>
+          </p:cNvPicPr>
+          <p:nvPr>
+            <p:ph idx="1"/>
+          </p:nvPr>
+        </p:nvPicPr>
+        <p:blipFill>
+          <a:blip r:embed="rId3">
+            <a:extLst>
+              <a:ext uri="{28A0092B-C50C-407E-A947-70E740481C1C}">
+                <a14:useLocalDpi xmlns:a14="http://schemas.microsoft.com/office/drawing/2010/main" val="0"/>
+              </a:ext>
+            </a:extLst>
+          </a:blip>
+          <a:stretch>
+            <a:fillRect/>
+          </a:stretch>
+        </p:blipFill>
+        <p:spPr>
+          <a:xfrm>
+            <a:off x="772098" y="2025615"/>
+            <a:ext cx="2577158" cy="3655544"/>
+          </a:xfrm>
+        </p:spPr>
+      </p:pic>
+      <p:sp>
+        <p:nvSpPr>
+          <p:cNvPr id="6" name="TextBox 5">
+            <a:extLst>
+              <a:ext uri="{FF2B5EF4-FFF2-40B4-BE49-F238E27FC236}">
+                <a16:creationId xmlns:a16="http://schemas.microsoft.com/office/drawing/2014/main" id="{95C7AD0D-A17F-006E-8AC8-E7411C575379}"/>
+              </a:ext>
+            </a:extLst>
+          </p:cNvPr>
+          <p:cNvSpPr txBox="1"/>
+          <p:nvPr/>
+        </p:nvSpPr>
+        <p:spPr>
+          <a:xfrm>
+            <a:off x="219966" y="772497"/>
+            <a:ext cx="12067727" cy="1477328"/>
+          </a:xfrm>
+          <a:prstGeom prst="rect">
+            <a:avLst/>
+          </a:prstGeom>
+          <a:noFill/>
+        </p:spPr>
+        <p:txBody>
+          <a:bodyPr wrap="none" rtlCol="0">
+            <a:spAutoFit/>
+          </a:bodyPr>
+          <a:lstStyle/>
+          <a:p>
+            <a:r>
+              <a:rPr kumimoji="1" lang="en-US" altLang="ja-JP" b="1" dirty="0">
+                <a:solidFill>
+                  <a:srgbClr val="FF0000"/>
+                </a:solidFill>
+              </a:rPr>
+              <a:t>Hessian structure </a:t>
+            </a:r>
+            <a:r>
+              <a:rPr kumimoji="1" lang="en-US" altLang="ja-JP" dirty="0"/>
+              <a:t>on a manifold:  </a:t>
+            </a:r>
+            <a:r>
+              <a:rPr kumimoji="1" lang="en-US" altLang="ja-JP" b="1" dirty="0">
+                <a:latin typeface="+mj-lt"/>
+              </a:rPr>
+              <a:t>(g,</a:t>
+            </a:r>
+            <a:r>
+              <a:rPr lang="ja-JP" altLang="en-US" b="1" i="0" dirty="0">
+                <a:effectLst/>
+                <a:latin typeface="+mj-lt"/>
+              </a:rPr>
+              <a:t> ∇</a:t>
+            </a:r>
+            <a:r>
+              <a:rPr kumimoji="1" lang="en-US" altLang="ja-JP" b="1" dirty="0">
+                <a:latin typeface="+mj-lt"/>
+              </a:rPr>
+              <a:t>) </a:t>
+            </a:r>
+            <a:r>
+              <a:rPr kumimoji="1" lang="en-US" altLang="ja-JP" dirty="0"/>
+              <a:t>where g is a Hessian metric tensor and a torsion-free flat connection</a:t>
+            </a:r>
+            <a:r>
+              <a:rPr lang="ja-JP" altLang="en-US" b="1" i="0" dirty="0">
+                <a:effectLst/>
+                <a:latin typeface="+mj-lt"/>
+              </a:rPr>
+              <a:t> ∇</a:t>
+            </a:r>
+            <a:endParaRPr kumimoji="1" lang="en-US" altLang="ja-JP" dirty="0"/>
+          </a:p>
+          <a:p>
+            <a:r>
+              <a:rPr lang="en-US" altLang="ja-JP" dirty="0"/>
+              <a:t>To every chart there is a </a:t>
+            </a:r>
+            <a:r>
+              <a:rPr lang="en-US" altLang="ja-JP" b="1" dirty="0">
+                <a:solidFill>
+                  <a:srgbClr val="FF0000"/>
+                </a:solidFill>
+              </a:rPr>
+              <a:t>potential function </a:t>
+            </a:r>
+            <a:r>
+              <a:rPr lang="en-US" altLang="ja-JP" dirty="0"/>
+              <a:t>defining the Hessian metric in local coordinates of the chart</a:t>
+            </a:r>
+          </a:p>
+          <a:p>
+            <a:r>
+              <a:rPr kumimoji="1" lang="en-US" altLang="ja-JP" dirty="0"/>
+              <a:t>Hessian </a:t>
+            </a:r>
+            <a:r>
+              <a:rPr lang="en-US" altLang="ja-JP" dirty="0"/>
+              <a:t>manifolds are special </a:t>
+            </a:r>
+            <a:r>
+              <a:rPr lang="en-US" altLang="ja-JP" b="1" dirty="0">
+                <a:solidFill>
+                  <a:srgbClr val="FF0000"/>
+                </a:solidFill>
+              </a:rPr>
+              <a:t>affine manifolds </a:t>
+            </a:r>
+            <a:r>
+              <a:rPr lang="en-US" altLang="ja-JP" dirty="0"/>
+              <a:t>(M,</a:t>
+            </a:r>
+            <a:r>
+              <a:rPr lang="ja-JP" altLang="en-US" b="1" i="0" dirty="0">
+                <a:effectLst/>
+                <a:latin typeface="+mj-lt"/>
+              </a:rPr>
+              <a:t> ∇</a:t>
+            </a:r>
+            <a:r>
+              <a:rPr kumimoji="1" lang="en-US" altLang="ja-JP" b="1" dirty="0">
+                <a:latin typeface="+mj-lt"/>
+              </a:rPr>
+              <a:t>) </a:t>
+            </a:r>
+            <a:r>
+              <a:rPr kumimoji="1" lang="en-US" altLang="ja-JP" dirty="0">
+                <a:latin typeface="+mj-lt"/>
+              </a:rPr>
+              <a:t>where </a:t>
+            </a:r>
+            <a:r>
+              <a:rPr lang="ja-JP" altLang="en-US" i="0" dirty="0">
+                <a:effectLst/>
+                <a:latin typeface="+mj-lt"/>
+              </a:rPr>
+              <a:t>∇ </a:t>
+            </a:r>
+            <a:r>
+              <a:rPr lang="en-US" altLang="ja-JP" i="0" dirty="0">
+                <a:effectLst/>
+                <a:latin typeface="+mj-lt"/>
+              </a:rPr>
+              <a:t>is </a:t>
+            </a:r>
+            <a:r>
+              <a:rPr kumimoji="1" lang="en-US" altLang="ja-JP" dirty="0"/>
+              <a:t>a torsion-free flat connection</a:t>
+            </a:r>
+          </a:p>
+          <a:p>
+            <a:r>
+              <a:rPr lang="en-US" altLang="ja-JP" dirty="0"/>
+              <a:t>A Bregman divergence induces a Hessian manifold with a global chart, a </a:t>
+            </a:r>
+            <a:r>
+              <a:rPr lang="en-US" altLang="ja-JP" b="1" dirty="0">
+                <a:solidFill>
+                  <a:srgbClr val="FF0000"/>
+                </a:solidFill>
+              </a:rPr>
+              <a:t>Bregman manifold</a:t>
+            </a:r>
+            <a:endParaRPr kumimoji="1" lang="en-US" altLang="ja-JP" b="1" dirty="0">
+              <a:solidFill>
+                <a:srgbClr val="FF0000"/>
+              </a:solidFill>
+            </a:endParaRPr>
+          </a:p>
+          <a:p>
+            <a:endParaRPr kumimoji="1" lang="ja-JP" altLang="en-US" dirty="0"/>
+          </a:p>
+        </p:txBody>
+      </p:sp>
+      <p:pic>
+        <p:nvPicPr>
+          <p:cNvPr id="1026" name="Picture 2" descr="The Geometry of Hessian Structures: Shima, Hirohiko: 9789812700315:  Amazon.com: Books">
+            <a:extLst>
+              <a:ext uri="{FF2B5EF4-FFF2-40B4-BE49-F238E27FC236}">
+                <a16:creationId xmlns:a16="http://schemas.microsoft.com/office/drawing/2014/main" id="{4270141D-62DE-8996-E8BA-9560EC07568B}"/>
               </a:ext>
             </a:extLst>
           </p:cNvPr>
@@ -10149,7 +10387,7 @@
           <p:nvPr/>
         </p:nvPicPr>
         <p:blipFill>
-          <a:blip r:embed="rId2">
+          <a:blip r:embed="rId4">
             <a:extLst>
               <a:ext uri="{28A0092B-C50C-407E-A947-70E740481C1C}">
                 <a14:useLocalDpi xmlns:a14="http://schemas.microsoft.com/office/drawing/2010/main" val="0"/>
@@ -10163,8 +10401,8 @@
         </p:blipFill>
         <p:spPr bwMode="auto">
           <a:xfrm>
-            <a:off x="355002" y="214940"/>
-            <a:ext cx="2290108" cy="3313218"/>
+            <a:off x="4869651" y="1990611"/>
+            <a:ext cx="2504871" cy="3716018"/>
           </a:xfrm>
           <a:prstGeom prst="rect">
             <a:avLst/>
@@ -10181,12 +10419,131 @@
           </a:extLst>
         </p:spPr>
       </p:pic>
+      <p:sp>
+        <p:nvSpPr>
+          <p:cNvPr id="8" name="TextBox 7">
+            <a:extLst>
+              <a:ext uri="{FF2B5EF4-FFF2-40B4-BE49-F238E27FC236}">
+                <a16:creationId xmlns:a16="http://schemas.microsoft.com/office/drawing/2014/main" id="{9896DFD9-206F-9197-815E-92946154232B}"/>
+              </a:ext>
+            </a:extLst>
+          </p:cNvPr>
+          <p:cNvSpPr txBox="1"/>
+          <p:nvPr/>
+        </p:nvSpPr>
+        <p:spPr>
+          <a:xfrm>
+            <a:off x="0" y="5716171"/>
+            <a:ext cx="6182832" cy="369332"/>
+          </a:xfrm>
+          <a:prstGeom prst="rect">
+            <a:avLst/>
+          </a:prstGeom>
+          <a:noFill/>
+        </p:spPr>
+        <p:txBody>
+          <a:bodyPr wrap="square">
+            <a:spAutoFit/>
+          </a:bodyPr>
+          <a:lstStyle/>
+          <a:p>
+            <a:r>
+              <a:rPr lang="ja-JP" altLang="en-US" dirty="0"/>
+              <a:t>志摩裕彦, へッセ幾何学， 裳華房， 2001</a:t>
+            </a:r>
+          </a:p>
+        </p:txBody>
+      </p:sp>
+      <p:sp>
+        <p:nvSpPr>
+          <p:cNvPr id="10" name="TextBox 9">
+            <a:extLst>
+              <a:ext uri="{FF2B5EF4-FFF2-40B4-BE49-F238E27FC236}">
+                <a16:creationId xmlns:a16="http://schemas.microsoft.com/office/drawing/2014/main" id="{A35B527E-ECB8-8DAB-CB88-FAE7BC8F0082}"/>
+              </a:ext>
+            </a:extLst>
+          </p:cNvPr>
+          <p:cNvSpPr txBox="1"/>
+          <p:nvPr/>
+        </p:nvSpPr>
+        <p:spPr>
+          <a:xfrm>
+            <a:off x="4656286" y="5751243"/>
+            <a:ext cx="7860119" cy="369332"/>
+          </a:xfrm>
+          <a:prstGeom prst="rect">
+            <a:avLst/>
+          </a:prstGeom>
+          <a:noFill/>
+        </p:spPr>
+        <p:txBody>
+          <a:bodyPr wrap="square">
+            <a:spAutoFit/>
+          </a:bodyPr>
+          <a:lstStyle/>
+          <a:p>
+            <a:r>
+              <a:rPr lang="en-US" altLang="ja-JP" b="0" i="0" dirty="0">
+                <a:solidFill>
+                  <a:srgbClr val="222222"/>
+                </a:solidFill>
+                <a:effectLst/>
+                <a:latin typeface="+mj-lt"/>
+              </a:rPr>
+              <a:t>Shima, </a:t>
+            </a:r>
+            <a:r>
+              <a:rPr lang="en-US" altLang="ja-JP" b="0" i="0" dirty="0" err="1">
+                <a:solidFill>
+                  <a:srgbClr val="222222"/>
+                </a:solidFill>
+                <a:effectLst/>
+                <a:latin typeface="+mj-lt"/>
+              </a:rPr>
+              <a:t>Hirohiko</a:t>
+            </a:r>
+            <a:r>
+              <a:rPr lang="en-US" altLang="ja-JP" b="0" i="0" dirty="0">
+                <a:solidFill>
+                  <a:srgbClr val="222222"/>
+                </a:solidFill>
+                <a:effectLst/>
+                <a:latin typeface="+mj-lt"/>
+              </a:rPr>
+              <a:t>. </a:t>
+            </a:r>
+            <a:r>
+              <a:rPr lang="en-US" altLang="ja-JP" b="0" i="1" dirty="0">
+                <a:solidFill>
+                  <a:srgbClr val="222222"/>
+                </a:solidFill>
+                <a:effectLst/>
+                <a:latin typeface="+mj-lt"/>
+              </a:rPr>
+              <a:t>The geometry of Hessian structures</a:t>
+            </a:r>
+            <a:r>
+              <a:rPr lang="en-US" altLang="ja-JP" b="0" i="0" dirty="0">
+                <a:solidFill>
+                  <a:srgbClr val="222222"/>
+                </a:solidFill>
+                <a:effectLst/>
+                <a:latin typeface="+mj-lt"/>
+              </a:rPr>
+              <a:t>. World Scientific, 2007.</a:t>
+            </a:r>
+            <a:endParaRPr lang="ja-JP" altLang="en-US" dirty="0">
+              <a:latin typeface="+mj-lt"/>
+            </a:endParaRPr>
+          </a:p>
+        </p:txBody>
+      </p:sp>
       <p:pic>
         <p:nvPicPr>
-          <p:cNvPr id="1028" name="Picture 4">
-            <a:extLst>
-              <a:ext uri="{FF2B5EF4-FFF2-40B4-BE49-F238E27FC236}">
-                <a16:creationId xmlns:a16="http://schemas.microsoft.com/office/drawing/2014/main" id="{869FD3FC-AA72-3E95-6D32-9BA0C95C81A4}"/>
+          <p:cNvPr id="1028" name="Picture 4" descr="Jean-Louis Koszul and Hirihiko Shima at GSI'13 “Geometric Science of... |  Download Scientific Diagram">
+            <a:extLst>
+              <a:ext uri="{FF2B5EF4-FFF2-40B4-BE49-F238E27FC236}">
+                <a16:creationId xmlns:a16="http://schemas.microsoft.com/office/drawing/2014/main" id="{531CC6B4-2CF9-4BBC-DF59-40E0E72095B9}"/>
               </a:ext>
             </a:extLst>
           </p:cNvPr>
@@ -10196,7 +10553,7 @@
           <p:nvPr/>
         </p:nvPicPr>
         <p:blipFill>
-          <a:blip r:embed="rId3">
+          <a:blip r:embed="rId5">
             <a:extLst>
               <a:ext uri="{28A0092B-C50C-407E-A947-70E740481C1C}">
                 <a14:useLocalDpi xmlns:a14="http://schemas.microsoft.com/office/drawing/2010/main" val="0"/>
@@ -10210,8 +10567,8 @@
         </p:blipFill>
         <p:spPr bwMode="auto">
           <a:xfrm>
-            <a:off x="3491299" y="268154"/>
-            <a:ext cx="2067449" cy="3146612"/>
+            <a:off x="8153050" y="2025614"/>
+            <a:ext cx="3704165" cy="2780302"/>
           </a:xfrm>
           <a:prstGeom prst="rect">
             <a:avLst/>
@@ -10228,245 +10585,154 @@
           </a:extLst>
         </p:spPr>
       </p:pic>
-      <p:pic>
-        <p:nvPicPr>
-          <p:cNvPr id="1030" name="Picture 6" descr="Cover book the Shallow and the Deep">
-            <a:extLst>
-              <a:ext uri="{FF2B5EF4-FFF2-40B4-BE49-F238E27FC236}">
-                <a16:creationId xmlns:a16="http://schemas.microsoft.com/office/drawing/2014/main" id="{4C31EA6B-35D8-7386-2F1F-4CC879758525}"/>
-              </a:ext>
-            </a:extLst>
-          </p:cNvPr>
-          <p:cNvPicPr>
-            <a:picLocks noChangeAspect="1" noChangeArrowheads="1"/>
-          </p:cNvPicPr>
+      <p:sp>
+        <p:nvSpPr>
+          <p:cNvPr id="11" name="TextBox 10">
+            <a:extLst>
+              <a:ext uri="{FF2B5EF4-FFF2-40B4-BE49-F238E27FC236}">
+                <a16:creationId xmlns:a16="http://schemas.microsoft.com/office/drawing/2014/main" id="{C1FE3A9D-DC74-5C90-F7BB-77EFD2367579}"/>
+              </a:ext>
+            </a:extLst>
+          </p:cNvPr>
+          <p:cNvSpPr txBox="1"/>
           <p:nvPr/>
-        </p:nvPicPr>
-        <p:blipFill>
-          <a:blip r:embed="rId4">
-            <a:extLst>
-              <a:ext uri="{28A0092B-C50C-407E-A947-70E740481C1C}">
-                <a14:useLocalDpi xmlns:a14="http://schemas.microsoft.com/office/drawing/2010/main" val="0"/>
-              </a:ext>
-            </a:extLst>
-          </a:blip>
-          <a:srcRect/>
-          <a:stretch>
-            <a:fillRect/>
-          </a:stretch>
-        </p:blipFill>
-        <p:spPr bwMode="auto">
-          <a:xfrm>
-            <a:off x="6404571" y="214940"/>
-            <a:ext cx="2180322" cy="3085156"/>
+        </p:nvSpPr>
+        <p:spPr>
+          <a:xfrm>
+            <a:off x="8303384" y="4893919"/>
+            <a:ext cx="3403496" cy="861774"/>
           </a:xfrm>
           <a:prstGeom prst="rect">
             <a:avLst/>
           </a:prstGeom>
           <a:noFill/>
-          <a:extLst>
-            <a:ext uri="{909E8E84-426E-40DD-AFC4-6F175D3DCCD1}">
-              <a14:hiddenFill xmlns:a14="http://schemas.microsoft.com/office/drawing/2010/main">
-                <a:solidFill>
-                  <a:srgbClr val="FFFFFF"/>
-                </a:solidFill>
-              </a14:hiddenFill>
-            </a:ext>
-          </a:extLst>
-        </p:spPr>
-      </p:pic>
-      <p:pic>
-        <p:nvPicPr>
-          <p:cNvPr id="1032" name="Picture 8">
-            <a:extLst>
-              <a:ext uri="{FF2B5EF4-FFF2-40B4-BE49-F238E27FC236}">
-                <a16:creationId xmlns:a16="http://schemas.microsoft.com/office/drawing/2014/main" id="{BEAF9420-7EC0-0DC9-3B66-22A45F3C4B6B}"/>
-              </a:ext>
-            </a:extLst>
-          </p:cNvPr>
-          <p:cNvPicPr>
-            <a:picLocks noChangeAspect="1" noChangeArrowheads="1"/>
-          </p:cNvPicPr>
+        </p:spPr>
+        <p:txBody>
+          <a:bodyPr wrap="none" rtlCol="0">
+            <a:spAutoFit/>
+          </a:bodyPr>
+          <a:lstStyle/>
+          <a:p>
+            <a:pPr algn="ctr"/>
+            <a:r>
+              <a:rPr kumimoji="1" lang="en-US" altLang="ja-JP" sz="1600" dirty="0"/>
+              <a:t>Professor Jean-Louis </a:t>
+            </a:r>
+            <a:r>
+              <a:rPr kumimoji="1" lang="en-US" altLang="ja-JP" sz="1600" dirty="0" err="1"/>
+              <a:t>Koszul</a:t>
+            </a:r>
+            <a:r>
+              <a:rPr kumimoji="1" lang="en-US" altLang="ja-JP" sz="1600" dirty="0"/>
+              <a:t> (left)</a:t>
+            </a:r>
+          </a:p>
+          <a:p>
+            <a:pPr algn="ctr"/>
+            <a:r>
+              <a:rPr lang="en-US" altLang="ja-JP" sz="1600" dirty="0"/>
+              <a:t>Professor </a:t>
+            </a:r>
+            <a:r>
+              <a:rPr lang="en-US" altLang="ja-JP" sz="1600" dirty="0" err="1"/>
+              <a:t>Hirohiko</a:t>
+            </a:r>
+            <a:r>
+              <a:rPr lang="en-US" altLang="ja-JP" sz="1600" dirty="0"/>
+              <a:t> Shima (right)</a:t>
+            </a:r>
+          </a:p>
+          <a:p>
+            <a:pPr algn="ctr"/>
+            <a:r>
+              <a:rPr lang="en-US" altLang="ja-JP" sz="1600" dirty="0"/>
+              <a:t>at GSI 2013 </a:t>
+            </a:r>
+            <a:endParaRPr kumimoji="1" lang="ja-JP" altLang="en-US" sz="1600" dirty="0"/>
+          </a:p>
+        </p:txBody>
+      </p:sp>
+      <p:sp>
+        <p:nvSpPr>
+          <p:cNvPr id="13" name="TextBox 12">
+            <a:extLst>
+              <a:ext uri="{FF2B5EF4-FFF2-40B4-BE49-F238E27FC236}">
+                <a16:creationId xmlns:a16="http://schemas.microsoft.com/office/drawing/2014/main" id="{52BB09E9-86D5-9D8E-E99E-A9452DF7D641}"/>
+              </a:ext>
+            </a:extLst>
+          </p:cNvPr>
+          <p:cNvSpPr txBox="1"/>
           <p:nvPr/>
-        </p:nvPicPr>
-        <p:blipFill>
-          <a:blip r:embed="rId5">
-            <a:extLst>
-              <a:ext uri="{28A0092B-C50C-407E-A947-70E740481C1C}">
-                <a14:useLocalDpi xmlns:a14="http://schemas.microsoft.com/office/drawing/2010/main" val="0"/>
-              </a:ext>
-            </a:extLst>
-          </a:blip>
-          <a:srcRect/>
-          <a:stretch>
-            <a:fillRect/>
-          </a:stretch>
-        </p:blipFill>
-        <p:spPr bwMode="auto">
-          <a:xfrm>
-            <a:off x="9472879" y="348605"/>
-            <a:ext cx="2058640" cy="3085156"/>
+        </p:nvSpPr>
+        <p:spPr>
+          <a:xfrm>
+            <a:off x="46241" y="6165189"/>
+            <a:ext cx="12209494" cy="646331"/>
           </a:xfrm>
           <a:prstGeom prst="rect">
             <a:avLst/>
           </a:prstGeom>
           <a:noFill/>
-          <a:extLst>
-            <a:ext uri="{909E8E84-426E-40DD-AFC4-6F175D3DCCD1}">
-              <a14:hiddenFill xmlns:a14="http://schemas.microsoft.com/office/drawing/2010/main">
-                <a:solidFill>
-                  <a:srgbClr val="FFFFFF"/>
-                </a:solidFill>
-              </a14:hiddenFill>
-            </a:ext>
-          </a:extLst>
-        </p:spPr>
-      </p:pic>
-      <p:pic>
-        <p:nvPicPr>
-          <p:cNvPr id="1034" name="Picture 10">
-            <a:extLst>
-              <a:ext uri="{FF2B5EF4-FFF2-40B4-BE49-F238E27FC236}">
-                <a16:creationId xmlns:a16="http://schemas.microsoft.com/office/drawing/2014/main" id="{B6349382-C08D-FB12-28F5-0EEB161D7652}"/>
-              </a:ext>
-            </a:extLst>
-          </p:cNvPr>
-          <p:cNvPicPr>
-            <a:picLocks noChangeAspect="1" noChangeArrowheads="1"/>
-          </p:cNvPicPr>
-          <p:nvPr/>
-        </p:nvPicPr>
-        <p:blipFill>
-          <a:blip r:embed="rId6">
-            <a:extLst>
-              <a:ext uri="{28A0092B-C50C-407E-A947-70E740481C1C}">
-                <a14:useLocalDpi xmlns:a14="http://schemas.microsoft.com/office/drawing/2010/main" val="0"/>
-              </a:ext>
-            </a:extLst>
-          </a:blip>
-          <a:srcRect/>
-          <a:stretch>
-            <a:fillRect/>
-          </a:stretch>
-        </p:blipFill>
-        <p:spPr bwMode="auto">
-          <a:xfrm>
-            <a:off x="7781589" y="3607377"/>
-            <a:ext cx="2420285" cy="2993511"/>
-          </a:xfrm>
-          <a:prstGeom prst="rect">
-            <a:avLst/>
-          </a:prstGeom>
-          <a:noFill/>
-          <a:extLst>
-            <a:ext uri="{909E8E84-426E-40DD-AFC4-6F175D3DCCD1}">
-              <a14:hiddenFill xmlns:a14="http://schemas.microsoft.com/office/drawing/2010/main">
-                <a:solidFill>
-                  <a:srgbClr val="FFFFFF"/>
-                </a:solidFill>
-              </a14:hiddenFill>
-            </a:ext>
-          </a:extLst>
-        </p:spPr>
-      </p:pic>
-      <p:pic>
-        <p:nvPicPr>
-          <p:cNvPr id="1036" name="Picture 12">
-            <a:extLst>
-              <a:ext uri="{FF2B5EF4-FFF2-40B4-BE49-F238E27FC236}">
-                <a16:creationId xmlns:a16="http://schemas.microsoft.com/office/drawing/2014/main" id="{FFD4C5AA-B16F-2F9C-44BE-97F9A54338C0}"/>
-              </a:ext>
-            </a:extLst>
-          </p:cNvPr>
-          <p:cNvPicPr>
-            <a:picLocks noChangeAspect="1" noChangeArrowheads="1"/>
-          </p:cNvPicPr>
-          <p:nvPr/>
-        </p:nvPicPr>
-        <p:blipFill>
-          <a:blip r:embed="rId7">
-            <a:extLst>
-              <a:ext uri="{28A0092B-C50C-407E-A947-70E740481C1C}">
-                <a14:useLocalDpi xmlns:a14="http://schemas.microsoft.com/office/drawing/2010/main" val="0"/>
-              </a:ext>
-            </a:extLst>
-          </a:blip>
-          <a:srcRect/>
-          <a:stretch>
-            <a:fillRect/>
-          </a:stretch>
-        </p:blipFill>
-        <p:spPr bwMode="auto">
-          <a:xfrm>
-            <a:off x="4898649" y="3528158"/>
-            <a:ext cx="1944052" cy="3146612"/>
-          </a:xfrm>
-          <a:prstGeom prst="rect">
-            <a:avLst/>
-          </a:prstGeom>
-          <a:noFill/>
-          <a:extLst>
-            <a:ext uri="{909E8E84-426E-40DD-AFC4-6F175D3DCCD1}">
-              <a14:hiddenFill xmlns:a14="http://schemas.microsoft.com/office/drawing/2010/main">
-                <a:solidFill>
-                  <a:srgbClr val="FFFFFF"/>
-                </a:solidFill>
-              </a14:hiddenFill>
-            </a:ext>
-          </a:extLst>
-        </p:spPr>
-      </p:pic>
-      <p:pic>
-        <p:nvPicPr>
-          <p:cNvPr id="1038" name="Picture 14" descr="front cover">
-            <a:extLst>
-              <a:ext uri="{FF2B5EF4-FFF2-40B4-BE49-F238E27FC236}">
-                <a16:creationId xmlns:a16="http://schemas.microsoft.com/office/drawing/2014/main" id="{9A8537B1-AC44-E732-DE9E-58997F4CCC44}"/>
-              </a:ext>
-            </a:extLst>
-          </p:cNvPr>
-          <p:cNvPicPr>
-            <a:picLocks noChangeAspect="1" noChangeArrowheads="1"/>
-          </p:cNvPicPr>
-          <p:nvPr/>
-        </p:nvPicPr>
-        <p:blipFill>
-          <a:blip r:embed="rId8">
-            <a:extLst>
-              <a:ext uri="{28A0092B-C50C-407E-A947-70E740481C1C}">
-                <a14:useLocalDpi xmlns:a14="http://schemas.microsoft.com/office/drawing/2010/main" val="0"/>
-              </a:ext>
-            </a:extLst>
-          </a:blip>
-          <a:srcRect/>
-          <a:stretch>
-            <a:fillRect/>
-          </a:stretch>
-        </p:blipFill>
-        <p:spPr bwMode="auto">
-          <a:xfrm>
-            <a:off x="1153625" y="3517075"/>
-            <a:ext cx="2982969" cy="3340925"/>
-          </a:xfrm>
-          <a:prstGeom prst="rect">
-            <a:avLst/>
-          </a:prstGeom>
-          <a:noFill/>
-          <a:extLst>
-            <a:ext uri="{909E8E84-426E-40DD-AFC4-6F175D3DCCD1}">
-              <a14:hiddenFill xmlns:a14="http://schemas.microsoft.com/office/drawing/2010/main">
-                <a:solidFill>
-                  <a:srgbClr val="FFFFFF"/>
-                </a:solidFill>
-              </a14:hiddenFill>
-            </a:ext>
-          </a:extLst>
-        </p:spPr>
-      </p:pic>
+        </p:spPr>
+        <p:txBody>
+          <a:bodyPr wrap="square">
+            <a:spAutoFit/>
+          </a:bodyPr>
+          <a:lstStyle/>
+          <a:p>
+            <a:r>
+              <a:rPr lang="en-US" altLang="ja-JP" b="0" i="0" dirty="0">
+                <a:solidFill>
+                  <a:srgbClr val="222222"/>
+                </a:solidFill>
+                <a:effectLst/>
+                <a:latin typeface="Arial" panose="020B0604020202020204" pitchFamily="34" charset="0"/>
+              </a:rPr>
+              <a:t> Tutorial on Bregman manifolds: </a:t>
+            </a:r>
+            <a:r>
+              <a:rPr lang="en-US" altLang="ja-JP" b="1" i="0" dirty="0">
+                <a:solidFill>
+                  <a:schemeClr val="accent6"/>
+                </a:solidFill>
+                <a:effectLst/>
+                <a:latin typeface="+mj-lt"/>
+              </a:rPr>
+              <a:t>"On geodesic triangles with right angles in a dually flat space." </a:t>
+            </a:r>
+            <a:r>
+              <a:rPr lang="en-US" altLang="ja-JP" b="1" i="1" dirty="0">
+                <a:solidFill>
+                  <a:schemeClr val="accent6"/>
+                </a:solidFill>
+                <a:effectLst/>
+                <a:latin typeface="+mj-lt"/>
+              </a:rPr>
+              <a:t>Progress in Information Geometry: Theory and Applications</a:t>
+            </a:r>
+            <a:r>
+              <a:rPr lang="en-US" altLang="ja-JP" b="1" i="0" dirty="0">
+                <a:solidFill>
+                  <a:schemeClr val="accent6"/>
+                </a:solidFill>
+                <a:effectLst/>
+                <a:latin typeface="+mj-lt"/>
+              </a:rPr>
+              <a:t>. Cham: Springer International Publishing, 2021. 153-190.</a:t>
+            </a:r>
+            <a:endParaRPr lang="ja-JP" altLang="en-US" b="1" dirty="0">
+              <a:solidFill>
+                <a:schemeClr val="accent6"/>
+              </a:solidFill>
+              <a:latin typeface="+mj-lt"/>
+            </a:endParaRPr>
+          </a:p>
+        </p:txBody>
+      </p:sp>
     </p:spTree>
     <p:extLst>
       <p:ext uri="{BB962C8B-B14F-4D97-AF65-F5344CB8AC3E}">
-        <p14:creationId xmlns:p14="http://schemas.microsoft.com/office/powerpoint/2010/main" val="1443018924"/>
+        <p14:creationId xmlns:p14="http://schemas.microsoft.com/office/powerpoint/2010/main" val="3165096420"/>
       </p:ext>
     </p:extLst>
   </p:cSld>
@@ -10498,645 +10764,6 @@
           <p:cNvPr id="2" name="Title 1">
             <a:extLst>
               <a:ext uri="{FF2B5EF4-FFF2-40B4-BE49-F238E27FC236}">
-                <a16:creationId xmlns:a16="http://schemas.microsoft.com/office/drawing/2014/main" id="{1CC3642B-9742-5616-9937-0466314270FA}"/>
-              </a:ext>
-            </a:extLst>
-          </p:cNvPr>
-          <p:cNvSpPr>
-            <a:spLocks noGrp="1"/>
-          </p:cNvSpPr>
-          <p:nvPr>
-            <p:ph type="title"/>
-          </p:nvPr>
-        </p:nvSpPr>
-        <p:spPr>
-          <a:xfrm>
-            <a:off x="219966" y="-273488"/>
-            <a:ext cx="11752068" cy="1325563"/>
-          </a:xfrm>
-        </p:spPr>
-        <p:txBody>
-          <a:bodyPr>
-            <a:normAutofit/>
-          </a:bodyPr>
-          <a:lstStyle/>
-          <a:p>
-            <a:r>
-              <a:rPr kumimoji="1" lang="en-US" altLang="ja-JP" sz="3600" b="1" dirty="0">
-                <a:solidFill>
-                  <a:schemeClr val="accent5"/>
-                </a:solidFill>
-              </a:rPr>
-              <a:t>Hessian manifolds, Hessian geometry, Bregman geometry</a:t>
-            </a:r>
-            <a:endParaRPr kumimoji="1" lang="ja-JP" altLang="en-US" sz="3600" b="1" dirty="0">
-              <a:solidFill>
-                <a:schemeClr val="accent5"/>
-              </a:solidFill>
-            </a:endParaRPr>
-          </a:p>
-        </p:txBody>
-      </p:sp>
-      <p:pic>
-        <p:nvPicPr>
-          <p:cNvPr id="5" name="Content Placeholder 4" descr="A book cover with text&#10;&#10;Description automatically generated">
-            <a:extLst>
-              <a:ext uri="{FF2B5EF4-FFF2-40B4-BE49-F238E27FC236}">
-                <a16:creationId xmlns:a16="http://schemas.microsoft.com/office/drawing/2014/main" id="{D048D31E-7654-8254-FA04-F9748BFF69AF}"/>
-              </a:ext>
-            </a:extLst>
-          </p:cNvPr>
-          <p:cNvPicPr>
-            <a:picLocks noGrp="1" noChangeAspect="1"/>
-          </p:cNvPicPr>
-          <p:nvPr>
-            <p:ph idx="1"/>
-          </p:nvPr>
-        </p:nvPicPr>
-        <p:blipFill>
-          <a:blip r:embed="rId3">
-            <a:extLst>
-              <a:ext uri="{28A0092B-C50C-407E-A947-70E740481C1C}">
-                <a14:useLocalDpi xmlns:a14="http://schemas.microsoft.com/office/drawing/2010/main" val="0"/>
-              </a:ext>
-            </a:extLst>
-          </a:blip>
-          <a:stretch>
-            <a:fillRect/>
-          </a:stretch>
-        </p:blipFill>
-        <p:spPr>
-          <a:xfrm>
-            <a:off x="772098" y="2025615"/>
-            <a:ext cx="2577158" cy="3655544"/>
-          </a:xfrm>
-        </p:spPr>
-      </p:pic>
-      <p:sp>
-        <p:nvSpPr>
-          <p:cNvPr id="6" name="TextBox 5">
-            <a:extLst>
-              <a:ext uri="{FF2B5EF4-FFF2-40B4-BE49-F238E27FC236}">
-                <a16:creationId xmlns:a16="http://schemas.microsoft.com/office/drawing/2014/main" id="{95C7AD0D-A17F-006E-8AC8-E7411C575379}"/>
-              </a:ext>
-            </a:extLst>
-          </p:cNvPr>
-          <p:cNvSpPr txBox="1"/>
-          <p:nvPr/>
-        </p:nvSpPr>
-        <p:spPr>
-          <a:xfrm>
-            <a:off x="219966" y="772497"/>
-            <a:ext cx="12067727" cy="1477328"/>
-          </a:xfrm>
-          <a:prstGeom prst="rect">
-            <a:avLst/>
-          </a:prstGeom>
-          <a:noFill/>
-        </p:spPr>
-        <p:txBody>
-          <a:bodyPr wrap="none" rtlCol="0">
-            <a:spAutoFit/>
-          </a:bodyPr>
-          <a:lstStyle/>
-          <a:p>
-            <a:r>
-              <a:rPr kumimoji="1" lang="en-US" altLang="ja-JP" b="1" dirty="0">
-                <a:solidFill>
-                  <a:srgbClr val="FF0000"/>
-                </a:solidFill>
-              </a:rPr>
-              <a:t>Hessian structure </a:t>
-            </a:r>
-            <a:r>
-              <a:rPr kumimoji="1" lang="en-US" altLang="ja-JP" dirty="0"/>
-              <a:t>on a manifold:  </a:t>
-            </a:r>
-            <a:r>
-              <a:rPr kumimoji="1" lang="en-US" altLang="ja-JP" b="1" dirty="0">
-                <a:latin typeface="+mj-lt"/>
-              </a:rPr>
-              <a:t>(g,</a:t>
-            </a:r>
-            <a:r>
-              <a:rPr lang="ja-JP" altLang="en-US" b="1" i="0" dirty="0">
-                <a:effectLst/>
-                <a:latin typeface="+mj-lt"/>
-              </a:rPr>
-              <a:t> ∇</a:t>
-            </a:r>
-            <a:r>
-              <a:rPr kumimoji="1" lang="en-US" altLang="ja-JP" b="1" dirty="0">
-                <a:latin typeface="+mj-lt"/>
-              </a:rPr>
-              <a:t>) </a:t>
-            </a:r>
-            <a:r>
-              <a:rPr kumimoji="1" lang="en-US" altLang="ja-JP" dirty="0"/>
-              <a:t>where g is a Hessian metric tensor and a torsion-free flat connection</a:t>
-            </a:r>
-            <a:r>
-              <a:rPr lang="ja-JP" altLang="en-US" b="1" i="0" dirty="0">
-                <a:effectLst/>
-                <a:latin typeface="+mj-lt"/>
-              </a:rPr>
-              <a:t> ∇</a:t>
-            </a:r>
-            <a:endParaRPr kumimoji="1" lang="en-US" altLang="ja-JP" dirty="0"/>
-          </a:p>
-          <a:p>
-            <a:r>
-              <a:rPr lang="en-US" altLang="ja-JP" dirty="0"/>
-              <a:t>To every chart there is a </a:t>
-            </a:r>
-            <a:r>
-              <a:rPr lang="en-US" altLang="ja-JP" b="1" dirty="0">
-                <a:solidFill>
-                  <a:srgbClr val="FF0000"/>
-                </a:solidFill>
-              </a:rPr>
-              <a:t>potential function </a:t>
-            </a:r>
-            <a:r>
-              <a:rPr lang="en-US" altLang="ja-JP" dirty="0"/>
-              <a:t>defining the Hessian metric in local coordinates of the chart</a:t>
-            </a:r>
-          </a:p>
-          <a:p>
-            <a:r>
-              <a:rPr kumimoji="1" lang="en-US" altLang="ja-JP" dirty="0"/>
-              <a:t>Hessian </a:t>
-            </a:r>
-            <a:r>
-              <a:rPr lang="en-US" altLang="ja-JP" dirty="0"/>
-              <a:t>manifolds are special </a:t>
-            </a:r>
-            <a:r>
-              <a:rPr lang="en-US" altLang="ja-JP" b="1" dirty="0">
-                <a:solidFill>
-                  <a:srgbClr val="FF0000"/>
-                </a:solidFill>
-              </a:rPr>
-              <a:t>affine manifolds </a:t>
-            </a:r>
-            <a:r>
-              <a:rPr lang="en-US" altLang="ja-JP" dirty="0"/>
-              <a:t>(M,</a:t>
-            </a:r>
-            <a:r>
-              <a:rPr lang="ja-JP" altLang="en-US" b="1" i="0" dirty="0">
-                <a:effectLst/>
-                <a:latin typeface="+mj-lt"/>
-              </a:rPr>
-              <a:t> ∇</a:t>
-            </a:r>
-            <a:r>
-              <a:rPr kumimoji="1" lang="en-US" altLang="ja-JP" b="1" dirty="0">
-                <a:latin typeface="+mj-lt"/>
-              </a:rPr>
-              <a:t>) </a:t>
-            </a:r>
-            <a:r>
-              <a:rPr kumimoji="1" lang="en-US" altLang="ja-JP" dirty="0">
-                <a:latin typeface="+mj-lt"/>
-              </a:rPr>
-              <a:t>where </a:t>
-            </a:r>
-            <a:r>
-              <a:rPr lang="ja-JP" altLang="en-US" i="0" dirty="0">
-                <a:effectLst/>
-                <a:latin typeface="+mj-lt"/>
-              </a:rPr>
-              <a:t>∇ </a:t>
-            </a:r>
-            <a:r>
-              <a:rPr lang="en-US" altLang="ja-JP" i="0" dirty="0">
-                <a:effectLst/>
-                <a:latin typeface="+mj-lt"/>
-              </a:rPr>
-              <a:t>is </a:t>
-            </a:r>
-            <a:r>
-              <a:rPr kumimoji="1" lang="en-US" altLang="ja-JP" dirty="0"/>
-              <a:t>a torsion-free flat connection</a:t>
-            </a:r>
-          </a:p>
-          <a:p>
-            <a:r>
-              <a:rPr lang="en-US" altLang="ja-JP" dirty="0"/>
-              <a:t>A Bregman divergence induces a Hessian manifold with a global chart, a </a:t>
-            </a:r>
-            <a:r>
-              <a:rPr lang="en-US" altLang="ja-JP" b="1" dirty="0">
-                <a:solidFill>
-                  <a:srgbClr val="FF0000"/>
-                </a:solidFill>
-              </a:rPr>
-              <a:t>Bregman manifold</a:t>
-            </a:r>
-            <a:endParaRPr kumimoji="1" lang="en-US" altLang="ja-JP" b="1" dirty="0">
-              <a:solidFill>
-                <a:srgbClr val="FF0000"/>
-              </a:solidFill>
-            </a:endParaRPr>
-          </a:p>
-          <a:p>
-            <a:endParaRPr kumimoji="1" lang="ja-JP" altLang="en-US" dirty="0"/>
-          </a:p>
-        </p:txBody>
-      </p:sp>
-      <p:pic>
-        <p:nvPicPr>
-          <p:cNvPr id="1026" name="Picture 2" descr="The Geometry of Hessian Structures: Shima, Hirohiko: 9789812700315:  Amazon.com: Books">
-            <a:extLst>
-              <a:ext uri="{FF2B5EF4-FFF2-40B4-BE49-F238E27FC236}">
-                <a16:creationId xmlns:a16="http://schemas.microsoft.com/office/drawing/2014/main" id="{4270141D-62DE-8996-E8BA-9560EC07568B}"/>
-              </a:ext>
-            </a:extLst>
-          </p:cNvPr>
-          <p:cNvPicPr>
-            <a:picLocks noChangeAspect="1" noChangeArrowheads="1"/>
-          </p:cNvPicPr>
-          <p:nvPr/>
-        </p:nvPicPr>
-        <p:blipFill>
-          <a:blip r:embed="rId4">
-            <a:extLst>
-              <a:ext uri="{28A0092B-C50C-407E-A947-70E740481C1C}">
-                <a14:useLocalDpi xmlns:a14="http://schemas.microsoft.com/office/drawing/2010/main" val="0"/>
-              </a:ext>
-            </a:extLst>
-          </a:blip>
-          <a:srcRect/>
-          <a:stretch>
-            <a:fillRect/>
-          </a:stretch>
-        </p:blipFill>
-        <p:spPr bwMode="auto">
-          <a:xfrm>
-            <a:off x="4869651" y="1990611"/>
-            <a:ext cx="2504871" cy="3716018"/>
-          </a:xfrm>
-          <a:prstGeom prst="rect">
-            <a:avLst/>
-          </a:prstGeom>
-          <a:noFill/>
-          <a:extLst>
-            <a:ext uri="{909E8E84-426E-40DD-AFC4-6F175D3DCCD1}">
-              <a14:hiddenFill xmlns:a14="http://schemas.microsoft.com/office/drawing/2010/main">
-                <a:solidFill>
-                  <a:srgbClr val="FFFFFF"/>
-                </a:solidFill>
-              </a14:hiddenFill>
-            </a:ext>
-          </a:extLst>
-        </p:spPr>
-      </p:pic>
-      <p:sp>
-        <p:nvSpPr>
-          <p:cNvPr id="8" name="TextBox 7">
-            <a:extLst>
-              <a:ext uri="{FF2B5EF4-FFF2-40B4-BE49-F238E27FC236}">
-                <a16:creationId xmlns:a16="http://schemas.microsoft.com/office/drawing/2014/main" id="{9896DFD9-206F-9197-815E-92946154232B}"/>
-              </a:ext>
-            </a:extLst>
-          </p:cNvPr>
-          <p:cNvSpPr txBox="1"/>
-          <p:nvPr/>
-        </p:nvSpPr>
-        <p:spPr>
-          <a:xfrm>
-            <a:off x="0" y="5716171"/>
-            <a:ext cx="6182832" cy="369332"/>
-          </a:xfrm>
-          <a:prstGeom prst="rect">
-            <a:avLst/>
-          </a:prstGeom>
-          <a:noFill/>
-        </p:spPr>
-        <p:txBody>
-          <a:bodyPr wrap="square">
-            <a:spAutoFit/>
-          </a:bodyPr>
-          <a:lstStyle/>
-          <a:p>
-            <a:r>
-              <a:rPr lang="ja-JP" altLang="en-US" dirty="0"/>
-              <a:t>志摩裕彦, へッセ幾何学， 裳華房， 2001</a:t>
-            </a:r>
-          </a:p>
-        </p:txBody>
-      </p:sp>
-      <p:sp>
-        <p:nvSpPr>
-          <p:cNvPr id="10" name="TextBox 9">
-            <a:extLst>
-              <a:ext uri="{FF2B5EF4-FFF2-40B4-BE49-F238E27FC236}">
-                <a16:creationId xmlns:a16="http://schemas.microsoft.com/office/drawing/2014/main" id="{A35B527E-ECB8-8DAB-CB88-FAE7BC8F0082}"/>
-              </a:ext>
-            </a:extLst>
-          </p:cNvPr>
-          <p:cNvSpPr txBox="1"/>
-          <p:nvPr/>
-        </p:nvSpPr>
-        <p:spPr>
-          <a:xfrm>
-            <a:off x="4656286" y="5751243"/>
-            <a:ext cx="7860119" cy="369332"/>
-          </a:xfrm>
-          <a:prstGeom prst="rect">
-            <a:avLst/>
-          </a:prstGeom>
-          <a:noFill/>
-        </p:spPr>
-        <p:txBody>
-          <a:bodyPr wrap="square">
-            <a:spAutoFit/>
-          </a:bodyPr>
-          <a:lstStyle/>
-          <a:p>
-            <a:r>
-              <a:rPr lang="en-US" altLang="ja-JP" b="0" i="0" dirty="0">
-                <a:solidFill>
-                  <a:srgbClr val="222222"/>
-                </a:solidFill>
-                <a:effectLst/>
-                <a:latin typeface="+mj-lt"/>
-              </a:rPr>
-              <a:t>Shima, </a:t>
-            </a:r>
-            <a:r>
-              <a:rPr lang="en-US" altLang="ja-JP" b="0" i="0" dirty="0" err="1">
-                <a:solidFill>
-                  <a:srgbClr val="222222"/>
-                </a:solidFill>
-                <a:effectLst/>
-                <a:latin typeface="+mj-lt"/>
-              </a:rPr>
-              <a:t>Hirohiko</a:t>
-            </a:r>
-            <a:r>
-              <a:rPr lang="en-US" altLang="ja-JP" b="0" i="0" dirty="0">
-                <a:solidFill>
-                  <a:srgbClr val="222222"/>
-                </a:solidFill>
-                <a:effectLst/>
-                <a:latin typeface="+mj-lt"/>
-              </a:rPr>
-              <a:t>. </a:t>
-            </a:r>
-            <a:r>
-              <a:rPr lang="en-US" altLang="ja-JP" b="0" i="1" dirty="0">
-                <a:solidFill>
-                  <a:srgbClr val="222222"/>
-                </a:solidFill>
-                <a:effectLst/>
-                <a:latin typeface="+mj-lt"/>
-              </a:rPr>
-              <a:t>The geometry of Hessian structures</a:t>
-            </a:r>
-            <a:r>
-              <a:rPr lang="en-US" altLang="ja-JP" b="0" i="0" dirty="0">
-                <a:solidFill>
-                  <a:srgbClr val="222222"/>
-                </a:solidFill>
-                <a:effectLst/>
-                <a:latin typeface="+mj-lt"/>
-              </a:rPr>
-              <a:t>. World Scientific, 2007.</a:t>
-            </a:r>
-            <a:endParaRPr lang="ja-JP" altLang="en-US" dirty="0">
-              <a:latin typeface="+mj-lt"/>
-            </a:endParaRPr>
-          </a:p>
-        </p:txBody>
-      </p:sp>
-      <p:pic>
-        <p:nvPicPr>
-          <p:cNvPr id="1028" name="Picture 4" descr="Jean-Louis Koszul and Hirihiko Shima at GSI'13 “Geometric Science of... |  Download Scientific Diagram">
-            <a:extLst>
-              <a:ext uri="{FF2B5EF4-FFF2-40B4-BE49-F238E27FC236}">
-                <a16:creationId xmlns:a16="http://schemas.microsoft.com/office/drawing/2014/main" id="{531CC6B4-2CF9-4BBC-DF59-40E0E72095B9}"/>
-              </a:ext>
-            </a:extLst>
-          </p:cNvPr>
-          <p:cNvPicPr>
-            <a:picLocks noChangeAspect="1" noChangeArrowheads="1"/>
-          </p:cNvPicPr>
-          <p:nvPr/>
-        </p:nvPicPr>
-        <p:blipFill>
-          <a:blip r:embed="rId5">
-            <a:extLst>
-              <a:ext uri="{28A0092B-C50C-407E-A947-70E740481C1C}">
-                <a14:useLocalDpi xmlns:a14="http://schemas.microsoft.com/office/drawing/2010/main" val="0"/>
-              </a:ext>
-            </a:extLst>
-          </a:blip>
-          <a:srcRect/>
-          <a:stretch>
-            <a:fillRect/>
-          </a:stretch>
-        </p:blipFill>
-        <p:spPr bwMode="auto">
-          <a:xfrm>
-            <a:off x="8153050" y="2025614"/>
-            <a:ext cx="3704165" cy="2780302"/>
-          </a:xfrm>
-          <a:prstGeom prst="rect">
-            <a:avLst/>
-          </a:prstGeom>
-          <a:noFill/>
-          <a:extLst>
-            <a:ext uri="{909E8E84-426E-40DD-AFC4-6F175D3DCCD1}">
-              <a14:hiddenFill xmlns:a14="http://schemas.microsoft.com/office/drawing/2010/main">
-                <a:solidFill>
-                  <a:srgbClr val="FFFFFF"/>
-                </a:solidFill>
-              </a14:hiddenFill>
-            </a:ext>
-          </a:extLst>
-        </p:spPr>
-      </p:pic>
-      <p:sp>
-        <p:nvSpPr>
-          <p:cNvPr id="11" name="TextBox 10">
-            <a:extLst>
-              <a:ext uri="{FF2B5EF4-FFF2-40B4-BE49-F238E27FC236}">
-                <a16:creationId xmlns:a16="http://schemas.microsoft.com/office/drawing/2014/main" id="{C1FE3A9D-DC74-5C90-F7BB-77EFD2367579}"/>
-              </a:ext>
-            </a:extLst>
-          </p:cNvPr>
-          <p:cNvSpPr txBox="1"/>
-          <p:nvPr/>
-        </p:nvSpPr>
-        <p:spPr>
-          <a:xfrm>
-            <a:off x="8303384" y="4893919"/>
-            <a:ext cx="3403496" cy="861774"/>
-          </a:xfrm>
-          <a:prstGeom prst="rect">
-            <a:avLst/>
-          </a:prstGeom>
-          <a:noFill/>
-        </p:spPr>
-        <p:txBody>
-          <a:bodyPr wrap="none" rtlCol="0">
-            <a:spAutoFit/>
-          </a:bodyPr>
-          <a:lstStyle/>
-          <a:p>
-            <a:pPr algn="ctr"/>
-            <a:r>
-              <a:rPr kumimoji="1" lang="en-US" altLang="ja-JP" sz="1600" dirty="0"/>
-              <a:t>Professor Jean-Louis </a:t>
-            </a:r>
-            <a:r>
-              <a:rPr kumimoji="1" lang="en-US" altLang="ja-JP" sz="1600" dirty="0" err="1"/>
-              <a:t>Koszul</a:t>
-            </a:r>
-            <a:r>
-              <a:rPr kumimoji="1" lang="en-US" altLang="ja-JP" sz="1600" dirty="0"/>
-              <a:t> (left)</a:t>
-            </a:r>
-          </a:p>
-          <a:p>
-            <a:pPr algn="ctr"/>
-            <a:r>
-              <a:rPr lang="en-US" altLang="ja-JP" sz="1600" dirty="0"/>
-              <a:t>Professor </a:t>
-            </a:r>
-            <a:r>
-              <a:rPr lang="en-US" altLang="ja-JP" sz="1600" dirty="0" err="1"/>
-              <a:t>Hirohiko</a:t>
-            </a:r>
-            <a:r>
-              <a:rPr lang="en-US" altLang="ja-JP" sz="1600" dirty="0"/>
-              <a:t> Shima (right)</a:t>
-            </a:r>
-          </a:p>
-          <a:p>
-            <a:pPr algn="ctr"/>
-            <a:r>
-              <a:rPr lang="en-US" altLang="ja-JP" sz="1600" dirty="0"/>
-              <a:t>at GSI 2013 </a:t>
-            </a:r>
-            <a:endParaRPr kumimoji="1" lang="ja-JP" altLang="en-US" sz="1600" dirty="0"/>
-          </a:p>
-        </p:txBody>
-      </p:sp>
-      <p:sp>
-        <p:nvSpPr>
-          <p:cNvPr id="13" name="TextBox 12">
-            <a:extLst>
-              <a:ext uri="{FF2B5EF4-FFF2-40B4-BE49-F238E27FC236}">
-                <a16:creationId xmlns:a16="http://schemas.microsoft.com/office/drawing/2014/main" id="{52BB09E9-86D5-9D8E-E99E-A9452DF7D641}"/>
-              </a:ext>
-            </a:extLst>
-          </p:cNvPr>
-          <p:cNvSpPr txBox="1"/>
-          <p:nvPr/>
-        </p:nvSpPr>
-        <p:spPr>
-          <a:xfrm>
-            <a:off x="46241" y="6165189"/>
-            <a:ext cx="12209494" cy="646331"/>
-          </a:xfrm>
-          <a:prstGeom prst="rect">
-            <a:avLst/>
-          </a:prstGeom>
-          <a:noFill/>
-        </p:spPr>
-        <p:txBody>
-          <a:bodyPr wrap="square">
-            <a:spAutoFit/>
-          </a:bodyPr>
-          <a:lstStyle/>
-          <a:p>
-            <a:r>
-              <a:rPr lang="en-US" altLang="ja-JP" b="0" i="0" dirty="0">
-                <a:solidFill>
-                  <a:srgbClr val="222222"/>
-                </a:solidFill>
-                <a:effectLst/>
-                <a:latin typeface="Arial" panose="020B0604020202020204" pitchFamily="34" charset="0"/>
-              </a:rPr>
-              <a:t> Tutorial on Bregman manifolds: </a:t>
-            </a:r>
-            <a:r>
-              <a:rPr lang="en-US" altLang="ja-JP" b="1" i="0" dirty="0">
-                <a:solidFill>
-                  <a:schemeClr val="accent6"/>
-                </a:solidFill>
-                <a:effectLst/>
-                <a:latin typeface="+mj-lt"/>
-              </a:rPr>
-              <a:t>"On geodesic triangles with right angles in a dually flat space." </a:t>
-            </a:r>
-            <a:r>
-              <a:rPr lang="en-US" altLang="ja-JP" b="1" i="1" dirty="0">
-                <a:solidFill>
-                  <a:schemeClr val="accent6"/>
-                </a:solidFill>
-                <a:effectLst/>
-                <a:latin typeface="+mj-lt"/>
-              </a:rPr>
-              <a:t>Progress in Information Geometry: Theory and Applications</a:t>
-            </a:r>
-            <a:r>
-              <a:rPr lang="en-US" altLang="ja-JP" b="1" i="0" dirty="0">
-                <a:solidFill>
-                  <a:schemeClr val="accent6"/>
-                </a:solidFill>
-                <a:effectLst/>
-                <a:latin typeface="+mj-lt"/>
-              </a:rPr>
-              <a:t>. Cham: Springer International Publishing, 2021. 153-190.</a:t>
-            </a:r>
-            <a:endParaRPr lang="ja-JP" altLang="en-US" b="1" dirty="0">
-              <a:solidFill>
-                <a:schemeClr val="accent6"/>
-              </a:solidFill>
-              <a:latin typeface="+mj-lt"/>
-            </a:endParaRPr>
-          </a:p>
-        </p:txBody>
-      </p:sp>
-    </p:spTree>
-    <p:extLst>
-      <p:ext uri="{BB962C8B-B14F-4D97-AF65-F5344CB8AC3E}">
-        <p14:creationId xmlns:p14="http://schemas.microsoft.com/office/powerpoint/2010/main" val="3165096420"/>
-      </p:ext>
-    </p:extLst>
-  </p:cSld>
-  <p:clrMapOvr>
-    <a:masterClrMapping/>
-  </p:clrMapOvr>
-</p:sld>
-</file>
-
-<file path=ppt/slides/slide24.xml><?xml version="1.0" encoding="utf-8"?>
-<p:sld xmlns:a="http://schemas.openxmlformats.org/drawingml/2006/main" xmlns:r="http://schemas.openxmlformats.org/officeDocument/2006/relationships" xmlns:p="http://schemas.openxmlformats.org/presentationml/2006/main">
-  <p:cSld>
-    <p:spTree>
-      <p:nvGrpSpPr>
-        <p:cNvPr id="1" name=""/>
-        <p:cNvGrpSpPr/>
-        <p:nvPr/>
-      </p:nvGrpSpPr>
-      <p:grpSpPr>
-        <a:xfrm>
-          <a:off x="0" y="0"/>
-          <a:ext cx="0" cy="0"/>
-          <a:chOff x="0" y="0"/>
-          <a:chExt cx="0" cy="0"/>
-        </a:xfrm>
-      </p:grpSpPr>
-      <p:sp>
-        <p:nvSpPr>
-          <p:cNvPr id="2" name="Title 1">
-            <a:extLst>
-              <a:ext uri="{FF2B5EF4-FFF2-40B4-BE49-F238E27FC236}">
                 <a16:creationId xmlns:a16="http://schemas.microsoft.com/office/drawing/2014/main" id="{BEAACF7D-F6C2-8E01-6684-C59AC917DB3D}"/>
               </a:ext>
             </a:extLst>
@@ -11290,7 +10917,7 @@
 </p:sld>
 </file>
 
-<file path=ppt/slides/slide25.xml><?xml version="1.0" encoding="utf-8"?>
+<file path=ppt/slides/slide24.xml><?xml version="1.0" encoding="utf-8"?>
 <p:sld xmlns:a="http://schemas.openxmlformats.org/drawingml/2006/main" xmlns:r="http://schemas.openxmlformats.org/officeDocument/2006/relationships" xmlns:p="http://schemas.openxmlformats.org/presentationml/2006/main">
   <p:cSld>
     <p:spTree>
@@ -12081,7 +11708,9 @@
         </p:nvSpPr>
         <p:spPr/>
         <p:txBody>
-          <a:bodyPr/>
+          <a:bodyPr>
+            <a:normAutofit fontScale="92500" lnSpcReduction="10000"/>
+          </a:bodyPr>
           <a:lstStyle/>
           <a:p>
             <a:r>
@@ -12115,6 +11744,9 @@
             <a:endParaRPr lang="fr-FR" altLang="ja-JP" dirty="0"/>
           </a:p>
           <a:p>
+            <a:endParaRPr lang="en-US" altLang="ja-JP" dirty="0"/>
+          </a:p>
+          <a:p>
             <a:r>
               <a:rPr lang="en-US" altLang="ja-JP" dirty="0" err="1"/>
               <a:t>GdR</a:t>
@@ -12150,17 +11782,22 @@
               <a:rPr lang="en-US" altLang="ja-JP" dirty="0">
                 <a:hlinkClick r:id="rId4"/>
               </a:rPr>
-              <a:t>15-19 July 2024  </a:t>
-            </a:r>
-            <a:r>
-              <a:rPr lang="en-US" altLang="ja-JP" dirty="0">
-                <a:hlinkClick r:id="rId4"/>
-              </a:rPr>
-              <a:t>https://www.ecm2024sevilla.com/</a:t>
+              <a:t>15-19 July 2024  https://www.ecm2024sevilla.com/</a:t>
             </a:r>
             <a:endParaRPr lang="en-US" altLang="ja-JP" dirty="0"/>
           </a:p>
           <a:p>
+            <a:pPr marL="0" indent="0">
+              <a:buNone/>
+            </a:pPr>
+            <a:endParaRPr kumimoji="1" lang="en-US" altLang="ja-JP" dirty="0">
+              <a:hlinkClick r:id="rId5"/>
+            </a:endParaRPr>
+          </a:p>
+          <a:p>
+            <a:pPr marL="0" indent="0">
+              <a:buNone/>
+            </a:pPr>
             <a:r>
               <a:rPr kumimoji="1" lang="en-US" altLang="ja-JP" dirty="0">
                 <a:hlinkClick r:id="rId5"/>
@@ -12190,6 +11827,15 @@
                 <a:latin typeface="-apple-system"/>
               </a:rPr>
               <a:t>, PARIS, 2nd to 4th September 2024</a:t>
+            </a:r>
+          </a:p>
+          <a:p>
+            <a:r>
+              <a:rPr lang="en-US" altLang="ja-JP" b="0" i="0" dirty="0">
+                <a:effectLst/>
+                <a:latin typeface="-apple-system"/>
+              </a:rPr>
+              <a:t>Carnot Lille 11-13 September</a:t>
             </a:r>
           </a:p>
         </p:txBody>
@@ -14076,10 +13722,10 @@
       </p:grpSpPr>
       <p:sp>
         <p:nvSpPr>
-          <p:cNvPr id="2" name="Title 1">
-            <a:extLst>
-              <a:ext uri="{FF2B5EF4-FFF2-40B4-BE49-F238E27FC236}">
-                <a16:creationId xmlns:a16="http://schemas.microsoft.com/office/drawing/2014/main" id="{9E528D41-96EA-0BF8-1F17-58F73FB24491}"/>
+          <p:cNvPr id="3" name="Content Placeholder 2">
+            <a:extLst>
+              <a:ext uri="{FF2B5EF4-FFF2-40B4-BE49-F238E27FC236}">
+                <a16:creationId xmlns:a16="http://schemas.microsoft.com/office/drawing/2014/main" id="{CF93BDE7-0F87-D64F-E995-1FC12DBD06A3}"/>
               </a:ext>
             </a:extLst>
           </p:cNvPr>
@@ -14087,47 +13733,339 @@
             <a:spLocks noGrp="1"/>
           </p:cNvSpPr>
           <p:nvPr>
-            <p:ph type="ctrTitle"/>
-          </p:nvPr>
-        </p:nvSpPr>
-        <p:spPr/>
+            <p:ph idx="1"/>
+          </p:nvPr>
+        </p:nvSpPr>
+        <p:spPr>
+          <a:xfrm>
+            <a:off x="407893" y="1233954"/>
+            <a:ext cx="11931127" cy="5602898"/>
+          </a:xfrm>
+        </p:spPr>
+        <p:txBody>
+          <a:bodyPr>
+            <a:normAutofit/>
+          </a:bodyPr>
+          <a:lstStyle/>
+          <a:p>
+            <a:r>
+              <a:rPr kumimoji="1" lang="en-US" altLang="ja-JP" dirty="0"/>
+              <a:t>In 1/3, proved</a:t>
+            </a:r>
+          </a:p>
+          <a:p>
+            <a:endParaRPr lang="en-US" altLang="ja-JP" dirty="0"/>
+          </a:p>
+          <a:p>
+            <a:r>
+              <a:rPr kumimoji="1" lang="en-US" altLang="ja-JP" dirty="0"/>
+              <a:t>That is in compact form:</a:t>
+            </a:r>
+          </a:p>
+          <a:p>
+            <a:endParaRPr lang="en-US" altLang="ja-JP" dirty="0"/>
+          </a:p>
+          <a:p>
+            <a:r>
+              <a:rPr lang="en-US" altLang="ja-JP" dirty="0"/>
+              <a:t>We recognize </a:t>
+            </a:r>
+            <a:r>
+              <a:rPr lang="en-US" altLang="ja-JP" b="1" dirty="0">
+                <a:solidFill>
+                  <a:srgbClr val="FF0000"/>
+                </a:solidFill>
+              </a:rPr>
+              <a:t>(A,G)-comparative complexity </a:t>
+            </a:r>
+            <a:r>
+              <a:rPr lang="en-US" altLang="ja-JP" dirty="0" err="1"/>
+              <a:t>wrt</a:t>
+            </a:r>
+            <a:r>
+              <a:rPr lang="en-US" altLang="ja-JP" dirty="0"/>
+              <a:t> to arithmetic and geometric means. Hence, </a:t>
+            </a:r>
+            <a:r>
+              <a:rPr lang="en-US" altLang="ja-JP" b="1" dirty="0">
+                <a:solidFill>
+                  <a:srgbClr val="FF0000"/>
+                </a:solidFill>
+              </a:rPr>
+              <a:t>partition function Z is log-convex</a:t>
+            </a:r>
+            <a:r>
+              <a:rPr kumimoji="1" lang="en-US" altLang="ja-JP" b="1" dirty="0">
+                <a:solidFill>
+                  <a:srgbClr val="FF0000"/>
+                </a:solidFill>
+              </a:rPr>
+              <a:t> </a:t>
+            </a:r>
+          </a:p>
+          <a:p>
+            <a:endParaRPr lang="en-US" altLang="ja-JP" dirty="0"/>
+          </a:p>
+          <a:p>
+            <a:r>
+              <a:rPr kumimoji="1" lang="en-US" altLang="ja-JP" dirty="0"/>
+              <a:t>Since the logarithm is a strictly increasing function, we further have:</a:t>
+            </a:r>
+          </a:p>
+          <a:p>
+            <a:endParaRPr lang="en-US" altLang="ja-JP" dirty="0"/>
+          </a:p>
+          <a:p>
+            <a:endParaRPr kumimoji="1" lang="en-US" altLang="ja-JP" dirty="0"/>
+          </a:p>
+          <a:p>
+            <a:r>
+              <a:rPr lang="en-US" altLang="ja-JP" dirty="0"/>
+              <a:t>That is, the </a:t>
+            </a:r>
+            <a:r>
+              <a:rPr lang="en-US" altLang="ja-JP" b="1" dirty="0">
+                <a:solidFill>
+                  <a:srgbClr val="FF0000"/>
+                </a:solidFill>
+              </a:rPr>
+              <a:t>cumulant function F=log Z is convex</a:t>
+            </a:r>
+            <a:endParaRPr kumimoji="1" lang="en-US" altLang="ja-JP" b="1" dirty="0">
+              <a:solidFill>
+                <a:srgbClr val="FF0000"/>
+              </a:solidFill>
+            </a:endParaRPr>
+          </a:p>
+          <a:p>
+            <a:endParaRPr lang="en-US" altLang="ja-JP" dirty="0"/>
+          </a:p>
+          <a:p>
+            <a:endParaRPr kumimoji="1" lang="en-US" altLang="ja-JP" dirty="0"/>
+          </a:p>
+          <a:p>
+            <a:endParaRPr kumimoji="1" lang="ja-JP" altLang="en-US" dirty="0"/>
+          </a:p>
+        </p:txBody>
+      </p:sp>
+      <p:sp>
+        <p:nvSpPr>
+          <p:cNvPr id="4" name="Title 1">
+            <a:extLst>
+              <a:ext uri="{FF2B5EF4-FFF2-40B4-BE49-F238E27FC236}">
+                <a16:creationId xmlns:a16="http://schemas.microsoft.com/office/drawing/2014/main" id="{BF8AE134-3F2C-5D3D-478C-2EFD307AC890}"/>
+              </a:ext>
+            </a:extLst>
+          </p:cNvPr>
+          <p:cNvSpPr>
+            <a:spLocks noGrp="1"/>
+          </p:cNvSpPr>
+          <p:nvPr>
+            <p:ph type="title"/>
+          </p:nvPr>
+        </p:nvSpPr>
+        <p:spPr>
+          <a:xfrm>
+            <a:off x="218739" y="21148"/>
+            <a:ext cx="11779623" cy="1325563"/>
+          </a:xfrm>
+        </p:spPr>
         <p:txBody>
           <a:bodyPr/>
           <a:lstStyle/>
           <a:p>
-            <a:endParaRPr kumimoji="1" lang="ja-JP" altLang="en-US"/>
-          </a:p>
-        </p:txBody>
-      </p:sp>
-      <p:sp>
-        <p:nvSpPr>
-          <p:cNvPr id="3" name="Subtitle 2">
-            <a:extLst>
-              <a:ext uri="{FF2B5EF4-FFF2-40B4-BE49-F238E27FC236}">
-                <a16:creationId xmlns:a16="http://schemas.microsoft.com/office/drawing/2014/main" id="{92E7C46B-DA07-2DA0-1396-22C055A67B7A}"/>
-              </a:ext>
-            </a:extLst>
-          </p:cNvPr>
-          <p:cNvSpPr>
-            <a:spLocks noGrp="1"/>
-          </p:cNvSpPr>
-          <p:nvPr>
-            <p:ph type="subTitle" idx="1"/>
-          </p:nvPr>
-        </p:nvSpPr>
-        <p:spPr/>
-        <p:txBody>
-          <a:bodyPr/>
+            <a:r>
+              <a:rPr kumimoji="1" lang="en-US" altLang="ja-JP" b="1" dirty="0">
+                <a:solidFill>
+                  <a:schemeClr val="accent5"/>
+                </a:solidFill>
+              </a:rPr>
+              <a:t>Exponential families and </a:t>
+            </a:r>
+            <a:r>
+              <a:rPr kumimoji="1" lang="en-US" altLang="ja-JP" b="1" dirty="0" err="1">
+                <a:solidFill>
+                  <a:schemeClr val="accent5"/>
+                </a:solidFill>
+              </a:rPr>
+              <a:t>Hölder</a:t>
+            </a:r>
+            <a:r>
+              <a:rPr kumimoji="1" lang="en-US" altLang="ja-JP" b="1" dirty="0">
+                <a:solidFill>
+                  <a:schemeClr val="accent5"/>
+                </a:solidFill>
+              </a:rPr>
+              <a:t> inequality   (2/3)</a:t>
+            </a:r>
+            <a:endParaRPr kumimoji="1" lang="ja-JP" altLang="en-US" b="1" dirty="0">
+              <a:solidFill>
+                <a:schemeClr val="accent5"/>
+              </a:solidFill>
+            </a:endParaRPr>
+          </a:p>
+        </p:txBody>
+      </p:sp>
+      <p:pic>
+        <p:nvPicPr>
+          <p:cNvPr id="5" name="Picture 4">
+            <a:extLst>
+              <a:ext uri="{FF2B5EF4-FFF2-40B4-BE49-F238E27FC236}">
+                <a16:creationId xmlns:a16="http://schemas.microsoft.com/office/drawing/2014/main" id="{926CB2F0-B9FC-F19E-D2C9-FBBE7C18DF53}"/>
+              </a:ext>
+            </a:extLst>
+          </p:cNvPr>
+          <p:cNvPicPr>
+            <a:picLocks noChangeAspect="1"/>
+          </p:cNvPicPr>
+          <p:nvPr/>
+        </p:nvPicPr>
+        <p:blipFill>
+          <a:blip r:embed="rId3"/>
+          <a:stretch>
+            <a:fillRect/>
+          </a:stretch>
+        </p:blipFill>
+        <p:spPr>
+          <a:xfrm>
+            <a:off x="4636015" y="1148682"/>
+            <a:ext cx="7362347" cy="619604"/>
+          </a:xfrm>
+          <a:prstGeom prst="rect">
+            <a:avLst/>
+          </a:prstGeom>
+        </p:spPr>
+      </p:pic>
+      <p:pic>
+        <p:nvPicPr>
+          <p:cNvPr id="6" name="Picture 5">
+            <a:extLst>
+              <a:ext uri="{FF2B5EF4-FFF2-40B4-BE49-F238E27FC236}">
+                <a16:creationId xmlns:a16="http://schemas.microsoft.com/office/drawing/2014/main" id="{5DFB577E-5CE7-C31C-60A0-3DBA7D5D724A}"/>
+              </a:ext>
+            </a:extLst>
+          </p:cNvPr>
+          <p:cNvPicPr>
+            <a:picLocks noChangeAspect="1"/>
+          </p:cNvPicPr>
+          <p:nvPr/>
+        </p:nvPicPr>
+        <p:blipFill>
+          <a:blip r:embed="rId4"/>
+          <a:stretch>
+            <a:fillRect/>
+          </a:stretch>
+        </p:blipFill>
+        <p:spPr>
+          <a:xfrm>
+            <a:off x="3353077" y="1305156"/>
+            <a:ext cx="671003" cy="297575"/>
+          </a:xfrm>
+          <a:prstGeom prst="rect">
+            <a:avLst/>
+          </a:prstGeom>
+        </p:spPr>
+      </p:pic>
+      <p:sp>
+        <p:nvSpPr>
+          <p:cNvPr id="7" name="TextBox 6">
+            <a:extLst>
+              <a:ext uri="{FF2B5EF4-FFF2-40B4-BE49-F238E27FC236}">
+                <a16:creationId xmlns:a16="http://schemas.microsoft.com/office/drawing/2014/main" id="{218ECED3-321B-056E-08A5-FA9BDD24CB96}"/>
+              </a:ext>
+            </a:extLst>
+          </p:cNvPr>
+          <p:cNvSpPr txBox="1"/>
+          <p:nvPr/>
+        </p:nvSpPr>
+        <p:spPr>
+          <a:xfrm>
+            <a:off x="4024080" y="1183511"/>
+            <a:ext cx="422781" cy="584775"/>
+          </a:xfrm>
+          <a:prstGeom prst="rect">
+            <a:avLst/>
+          </a:prstGeom>
+          <a:noFill/>
+        </p:spPr>
+        <p:txBody>
+          <a:bodyPr wrap="square" rtlCol="0">
+            <a:spAutoFit/>
+          </a:bodyPr>
           <a:lstStyle/>
           <a:p>
-            <a:endParaRPr kumimoji="1" lang="ja-JP" altLang="en-US"/>
-          </a:p>
-        </p:txBody>
-      </p:sp>
+            <a:r>
+              <a:rPr kumimoji="1" lang="en-US" altLang="ja-JP" sz="3200" dirty="0"/>
+              <a:t>=</a:t>
+            </a:r>
+            <a:endParaRPr kumimoji="1" lang="ja-JP" altLang="en-US" dirty="0"/>
+          </a:p>
+        </p:txBody>
+      </p:sp>
+      <p:pic>
+        <p:nvPicPr>
+          <p:cNvPr id="9" name="Picture 8">
+            <a:extLst>
+              <a:ext uri="{FF2B5EF4-FFF2-40B4-BE49-F238E27FC236}">
+                <a16:creationId xmlns:a16="http://schemas.microsoft.com/office/drawing/2014/main" id="{B9865A99-05BD-702E-7E3E-DFB0EF0B2942}"/>
+              </a:ext>
+            </a:extLst>
+          </p:cNvPr>
+          <p:cNvPicPr>
+            <a:picLocks noChangeAspect="1"/>
+          </p:cNvPicPr>
+          <p:nvPr/>
+        </p:nvPicPr>
+        <p:blipFill>
+          <a:blip r:embed="rId5"/>
+          <a:stretch>
+            <a:fillRect/>
+          </a:stretch>
+        </p:blipFill>
+        <p:spPr>
+          <a:xfrm>
+            <a:off x="5217596" y="2135124"/>
+            <a:ext cx="3914775" cy="552450"/>
+          </a:xfrm>
+          <a:prstGeom prst="rect">
+            <a:avLst/>
+          </a:prstGeom>
+        </p:spPr>
+      </p:pic>
+      <p:pic>
+        <p:nvPicPr>
+          <p:cNvPr id="11" name="Picture 10">
+            <a:extLst>
+              <a:ext uri="{FF2B5EF4-FFF2-40B4-BE49-F238E27FC236}">
+                <a16:creationId xmlns:a16="http://schemas.microsoft.com/office/drawing/2014/main" id="{16564587-C898-90C0-C351-BD7A2D73CA5A}"/>
+              </a:ext>
+            </a:extLst>
+          </p:cNvPr>
+          <p:cNvPicPr>
+            <a:picLocks noChangeAspect="1"/>
+          </p:cNvPicPr>
+          <p:nvPr/>
+        </p:nvPicPr>
+        <p:blipFill>
+          <a:blip r:embed="rId6"/>
+          <a:stretch>
+            <a:fillRect/>
+          </a:stretch>
+        </p:blipFill>
+        <p:spPr>
+          <a:xfrm>
+            <a:off x="1835636" y="5089714"/>
+            <a:ext cx="7143750" cy="1162050"/>
+          </a:xfrm>
+          <a:prstGeom prst="rect">
+            <a:avLst/>
+          </a:prstGeom>
+        </p:spPr>
+      </p:pic>
     </p:spTree>
     <p:extLst>
       <p:ext uri="{BB962C8B-B14F-4D97-AF65-F5344CB8AC3E}">
-        <p14:creationId xmlns:p14="http://schemas.microsoft.com/office/powerpoint/2010/main" val="1991081471"/>
+        <p14:creationId xmlns:p14="http://schemas.microsoft.com/office/powerpoint/2010/main" val="1643590064"/>
       </p:ext>
     </p:extLst>
   </p:cSld>

--- a/PPTX/Cards-November2023.pptx
+++ b/PPTX/Cards-November2023.pptx
@@ -220,7 +220,7 @@
           <a:p>
             <a:fld id="{D18D4C2D-CE11-4A36-9412-76A548B99578}" type="datetimeFigureOut">
               <a:rPr kumimoji="1" lang="ja-JP" altLang="en-US" smtClean="0"/>
-              <a:t>2024/1/5</a:t>
+              <a:t>2024/1/8</a:t>
             </a:fld>
             <a:endParaRPr kumimoji="1" lang="ja-JP" altLang="en-US"/>
           </a:p>
@@ -2685,7 +2685,7 @@
           <a:p>
             <a:fld id="{1FE1D380-D20F-4BF7-A204-3A9DABE281DF}" type="datetimeFigureOut">
               <a:rPr kumimoji="1" lang="ja-JP" altLang="en-US" smtClean="0"/>
-              <a:t>2024/1/5</a:t>
+              <a:t>2024/1/8</a:t>
             </a:fld>
             <a:endParaRPr kumimoji="1" lang="ja-JP" altLang="en-US"/>
           </a:p>
@@ -2885,7 +2885,7 @@
           <a:p>
             <a:fld id="{1FE1D380-D20F-4BF7-A204-3A9DABE281DF}" type="datetimeFigureOut">
               <a:rPr kumimoji="1" lang="ja-JP" altLang="en-US" smtClean="0"/>
-              <a:t>2024/1/5</a:t>
+              <a:t>2024/1/8</a:t>
             </a:fld>
             <a:endParaRPr kumimoji="1" lang="ja-JP" altLang="en-US"/>
           </a:p>
@@ -3095,7 +3095,7 @@
           <a:p>
             <a:fld id="{1FE1D380-D20F-4BF7-A204-3A9DABE281DF}" type="datetimeFigureOut">
               <a:rPr kumimoji="1" lang="ja-JP" altLang="en-US" smtClean="0"/>
-              <a:t>2024/1/5</a:t>
+              <a:t>2024/1/8</a:t>
             </a:fld>
             <a:endParaRPr kumimoji="1" lang="ja-JP" altLang="en-US"/>
           </a:p>
@@ -3295,7 +3295,7 @@
           <a:p>
             <a:fld id="{1FE1D380-D20F-4BF7-A204-3A9DABE281DF}" type="datetimeFigureOut">
               <a:rPr kumimoji="1" lang="ja-JP" altLang="en-US" smtClean="0"/>
-              <a:t>2024/1/5</a:t>
+              <a:t>2024/1/8</a:t>
             </a:fld>
             <a:endParaRPr kumimoji="1" lang="ja-JP" altLang="en-US"/>
           </a:p>
@@ -3571,7 +3571,7 @@
           <a:p>
             <a:fld id="{1FE1D380-D20F-4BF7-A204-3A9DABE281DF}" type="datetimeFigureOut">
               <a:rPr kumimoji="1" lang="ja-JP" altLang="en-US" smtClean="0"/>
-              <a:t>2024/1/5</a:t>
+              <a:t>2024/1/8</a:t>
             </a:fld>
             <a:endParaRPr kumimoji="1" lang="ja-JP" altLang="en-US"/>
           </a:p>
@@ -3839,7 +3839,7 @@
           <a:p>
             <a:fld id="{1FE1D380-D20F-4BF7-A204-3A9DABE281DF}" type="datetimeFigureOut">
               <a:rPr kumimoji="1" lang="ja-JP" altLang="en-US" smtClean="0"/>
-              <a:t>2024/1/5</a:t>
+              <a:t>2024/1/8</a:t>
             </a:fld>
             <a:endParaRPr kumimoji="1" lang="ja-JP" altLang="en-US"/>
           </a:p>
@@ -4254,7 +4254,7 @@
           <a:p>
             <a:fld id="{1FE1D380-D20F-4BF7-A204-3A9DABE281DF}" type="datetimeFigureOut">
               <a:rPr kumimoji="1" lang="ja-JP" altLang="en-US" smtClean="0"/>
-              <a:t>2024/1/5</a:t>
+              <a:t>2024/1/8</a:t>
             </a:fld>
             <a:endParaRPr kumimoji="1" lang="ja-JP" altLang="en-US"/>
           </a:p>
@@ -4396,7 +4396,7 @@
           <a:p>
             <a:fld id="{1FE1D380-D20F-4BF7-A204-3A9DABE281DF}" type="datetimeFigureOut">
               <a:rPr kumimoji="1" lang="ja-JP" altLang="en-US" smtClean="0"/>
-              <a:t>2024/1/5</a:t>
+              <a:t>2024/1/8</a:t>
             </a:fld>
             <a:endParaRPr kumimoji="1" lang="ja-JP" altLang="en-US"/>
           </a:p>
@@ -4509,7 +4509,7 @@
           <a:p>
             <a:fld id="{1FE1D380-D20F-4BF7-A204-3A9DABE281DF}" type="datetimeFigureOut">
               <a:rPr kumimoji="1" lang="ja-JP" altLang="en-US" smtClean="0"/>
-              <a:t>2024/1/5</a:t>
+              <a:t>2024/1/8</a:t>
             </a:fld>
             <a:endParaRPr kumimoji="1" lang="ja-JP" altLang="en-US"/>
           </a:p>
@@ -4822,7 +4822,7 @@
           <a:p>
             <a:fld id="{1FE1D380-D20F-4BF7-A204-3A9DABE281DF}" type="datetimeFigureOut">
               <a:rPr kumimoji="1" lang="ja-JP" altLang="en-US" smtClean="0"/>
-              <a:t>2024/1/5</a:t>
+              <a:t>2024/1/8</a:t>
             </a:fld>
             <a:endParaRPr kumimoji="1" lang="ja-JP" altLang="en-US"/>
           </a:p>
@@ -5111,7 +5111,7 @@
           <a:p>
             <a:fld id="{1FE1D380-D20F-4BF7-A204-3A9DABE281DF}" type="datetimeFigureOut">
               <a:rPr kumimoji="1" lang="ja-JP" altLang="en-US" smtClean="0"/>
-              <a:t>2024/1/5</a:t>
+              <a:t>2024/1/8</a:t>
             </a:fld>
             <a:endParaRPr kumimoji="1" lang="ja-JP" altLang="en-US"/>
           </a:p>
@@ -5354,7 +5354,7 @@
           <a:p>
             <a:fld id="{1FE1D380-D20F-4BF7-A204-3A9DABE281DF}" type="datetimeFigureOut">
               <a:rPr kumimoji="1" lang="ja-JP" altLang="en-US" smtClean="0"/>
-              <a:t>2024/1/5</a:t>
+              <a:t>2024/1/8</a:t>
             </a:fld>
             <a:endParaRPr kumimoji="1" lang="ja-JP" altLang="en-US"/>
           </a:p>
@@ -9390,7 +9390,9 @@
         </p:nvSpPr>
         <p:spPr/>
         <p:txBody>
-          <a:bodyPr/>
+          <a:bodyPr>
+            <a:normAutofit lnSpcReduction="10000"/>
+          </a:bodyPr>
           <a:lstStyle/>
           <a:p>
             <a:pPr marL="0" indent="0">
@@ -9426,13 +9428,31 @@
               <a:buNone/>
             </a:pPr>
             <a:r>
-              <a:rPr lang="en-US" altLang="ja-JP" dirty="0">
+              <a:rPr lang="en-US" altLang="ja-JP">
                 <a:solidFill>
                   <a:srgbClr val="FF0000"/>
                 </a:solidFill>
               </a:rPr>
+              <a:t>Amplification</a:t>
+            </a:r>
+          </a:p>
+          <a:p>
+            <a:pPr marL="0" indent="0">
+              <a:buNone/>
+            </a:pPr>
+            <a:r>
+              <a:rPr lang="en-US" altLang="ja-JP">
+                <a:solidFill>
+                  <a:srgbClr val="FF0000"/>
+                </a:solidFill>
+              </a:rPr>
               <a:t>Augmented</a:t>
             </a:r>
+            <a:endParaRPr lang="en-US" altLang="ja-JP" dirty="0">
+              <a:solidFill>
+                <a:srgbClr val="FF0000"/>
+              </a:solidFill>
+            </a:endParaRPr>
           </a:p>
           <a:p>
             <a:pPr marL="0" indent="0">
